--- a/PDS-INFO-2-G5.pptx
+++ b/PDS-INFO-2-G5.pptx
@@ -159,847 +159,6 @@
 </p:presentation>
 </file>
 
-<file path=ppt/charts/chart1.xml><?xml version="1.0" encoding="utf-8"?>
-<c:chartSpace xmlns:c="http://schemas.openxmlformats.org/drawingml/2006/chart" xmlns:a="http://schemas.openxmlformats.org/drawingml/2006/main" xmlns:r="http://schemas.openxmlformats.org/officeDocument/2006/relationships" xmlns:c16r2="http://schemas.microsoft.com/office/drawing/2015/06/chart">
-  <c:date1904 val="0"/>
-  <c:lang val="fr-FR"/>
-  <c:roundedCorners val="0"/>
-  <mc:AlternateContent xmlns:mc="http://schemas.openxmlformats.org/markup-compatibility/2006">
-    <mc:Choice xmlns:c14="http://schemas.microsoft.com/office/drawing/2007/8/2/chart" Requires="c14">
-      <c14:style val="102"/>
-    </mc:Choice>
-    <mc:Fallback>
-      <c:style val="2"/>
-    </mc:Fallback>
-  </mc:AlternateContent>
-  <c:chart>
-    <c:title>
-      <c:tx>
-        <c:rich>
-          <a:bodyPr rot="0" spcFirstLastPara="1" vertOverflow="ellipsis" vert="horz" wrap="square" anchor="ctr" anchorCtr="1"/>
-          <a:lstStyle/>
-          <a:p>
-            <a:pPr>
-              <a:defRPr sz="1862" b="0" i="0" u="none" strike="noStrike" kern="1200" spc="0" baseline="0">
-                <a:solidFill>
-                  <a:schemeClr val="tx1">
-                    <a:lumMod val="65000"/>
-                    <a:lumOff val="35000"/>
-                  </a:schemeClr>
-                </a:solidFill>
-                <a:latin typeface="+mn-lt"/>
-                <a:ea typeface="+mn-ea"/>
-                <a:cs typeface="+mn-cs"/>
-              </a:defRPr>
-            </a:pPr>
-            <a:r>
-              <a:rPr lang="en-US" sz="3200" dirty="0" err="1" smtClean="0"/>
-              <a:t>Résultats</a:t>
-            </a:r>
-            <a:endParaRPr lang="en-US" sz="3200" dirty="0"/>
-          </a:p>
-        </c:rich>
-      </c:tx>
-      <c:layout/>
-      <c:overlay val="0"/>
-      <c:spPr>
-        <a:noFill/>
-        <a:ln>
-          <a:noFill/>
-        </a:ln>
-        <a:effectLst/>
-      </c:spPr>
-      <c:txPr>
-        <a:bodyPr rot="0" spcFirstLastPara="1" vertOverflow="ellipsis" vert="horz" wrap="square" anchor="ctr" anchorCtr="1"/>
-        <a:lstStyle/>
-        <a:p>
-          <a:pPr>
-            <a:defRPr sz="1862" b="0" i="0" u="none" strike="noStrike" kern="1200" spc="0" baseline="0">
-              <a:solidFill>
-                <a:schemeClr val="tx1">
-                  <a:lumMod val="65000"/>
-                  <a:lumOff val="35000"/>
-                </a:schemeClr>
-              </a:solidFill>
-              <a:latin typeface="+mn-lt"/>
-              <a:ea typeface="+mn-ea"/>
-              <a:cs typeface="+mn-cs"/>
-            </a:defRPr>
-          </a:pPr>
-          <a:endParaRPr lang="fr-FR"/>
-        </a:p>
-      </c:txPr>
-    </c:title>
-    <c:autoTitleDeleted val="0"/>
-    <c:plotArea>
-      <c:layout/>
-      <c:barChart>
-        <c:barDir val="col"/>
-        <c:grouping val="clustered"/>
-        <c:varyColors val="0"/>
-        <c:ser>
-          <c:idx val="0"/>
-          <c:order val="0"/>
-          <c:tx>
-            <c:strRef>
-              <c:f>Feuil1!$B$1</c:f>
-              <c:strCache>
-                <c:ptCount val="1"/>
-                <c:pt idx="0">
-                  <c:v>Cross-validation</c:v>
-                </c:pt>
-              </c:strCache>
-            </c:strRef>
-          </c:tx>
-          <c:spPr>
-            <a:solidFill>
-              <a:srgbClr val="6C5098"/>
-            </a:solidFill>
-            <a:ln>
-              <a:noFill/>
-            </a:ln>
-            <a:effectLst/>
-          </c:spPr>
-          <c:invertIfNegative val="0"/>
-          <c:cat>
-            <c:strRef>
-              <c:f>Feuil1!$A$2:$A$4</c:f>
-              <c:strCache>
-                <c:ptCount val="3"/>
-                <c:pt idx="0">
-                  <c:v>SVM (SIFT)</c:v>
-                </c:pt>
-                <c:pt idx="1">
-                  <c:v>SVM (SURF)</c:v>
-                </c:pt>
-                <c:pt idx="2">
-                  <c:v>CNN</c:v>
-                </c:pt>
-              </c:strCache>
-            </c:strRef>
-          </c:cat>
-          <c:val>
-            <c:numRef>
-              <c:f>Feuil1!$B$2:$B$4</c:f>
-              <c:numCache>
-                <c:formatCode>0%</c:formatCode>
-                <c:ptCount val="3"/>
-                <c:pt idx="0">
-                  <c:v>0.57999999999999996</c:v>
-                </c:pt>
-                <c:pt idx="1">
-                  <c:v>0.62</c:v>
-                </c:pt>
-                <c:pt idx="2">
-                  <c:v>0.78</c:v>
-                </c:pt>
-              </c:numCache>
-            </c:numRef>
-          </c:val>
-          <c:extLst>
-            <c:ext xmlns:c16="http://schemas.microsoft.com/office/drawing/2014/chart" uri="{C3380CC4-5D6E-409C-BE32-E72D297353CC}">
-              <c16:uniqueId val="{00000000-6D76-4D78-A68D-5BC581934140}"/>
-            </c:ext>
-          </c:extLst>
-        </c:ser>
-        <c:dLbls>
-          <c:showLegendKey val="0"/>
-          <c:showVal val="0"/>
-          <c:showCatName val="0"/>
-          <c:showSerName val="0"/>
-          <c:showPercent val="0"/>
-          <c:showBubbleSize val="0"/>
-        </c:dLbls>
-        <c:gapWidth val="219"/>
-        <c:overlap val="-27"/>
-        <c:axId val="376542336"/>
-        <c:axId val="376547328"/>
-      </c:barChart>
-      <c:catAx>
-        <c:axId val="376542336"/>
-        <c:scaling>
-          <c:orientation val="minMax"/>
-        </c:scaling>
-        <c:delete val="0"/>
-        <c:axPos val="b"/>
-        <c:numFmt formatCode="General" sourceLinked="1"/>
-        <c:majorTickMark val="none"/>
-        <c:minorTickMark val="none"/>
-        <c:tickLblPos val="nextTo"/>
-        <c:spPr>
-          <a:noFill/>
-          <a:ln w="9525" cap="flat" cmpd="sng" algn="ctr">
-            <a:solidFill>
-              <a:schemeClr val="tx1">
-                <a:lumMod val="15000"/>
-                <a:lumOff val="85000"/>
-              </a:schemeClr>
-            </a:solidFill>
-            <a:round/>
-          </a:ln>
-          <a:effectLst/>
-        </c:spPr>
-        <c:txPr>
-          <a:bodyPr rot="-60000000" spcFirstLastPara="1" vertOverflow="ellipsis" vert="horz" wrap="square" anchor="ctr" anchorCtr="1"/>
-          <a:lstStyle/>
-          <a:p>
-            <a:pPr>
-              <a:defRPr sz="2000" b="0" i="0" u="none" strike="noStrike" kern="1200" baseline="0">
-                <a:solidFill>
-                  <a:schemeClr val="tx1">
-                    <a:lumMod val="65000"/>
-                    <a:lumOff val="35000"/>
-                  </a:schemeClr>
-                </a:solidFill>
-                <a:latin typeface="+mn-lt"/>
-                <a:ea typeface="+mn-ea"/>
-                <a:cs typeface="+mn-cs"/>
-              </a:defRPr>
-            </a:pPr>
-            <a:endParaRPr lang="fr-FR"/>
-          </a:p>
-        </c:txPr>
-        <c:crossAx val="376547328"/>
-        <c:crosses val="autoZero"/>
-        <c:auto val="1"/>
-        <c:lblAlgn val="ctr"/>
-        <c:lblOffset val="100"/>
-        <c:noMultiLvlLbl val="0"/>
-      </c:catAx>
-      <c:valAx>
-        <c:axId val="376547328"/>
-        <c:scaling>
-          <c:orientation val="minMax"/>
-        </c:scaling>
-        <c:delete val="0"/>
-        <c:axPos val="l"/>
-        <c:majorGridlines>
-          <c:spPr>
-            <a:ln w="9525" cap="flat" cmpd="sng" algn="ctr">
-              <a:solidFill>
-                <a:schemeClr val="tx1">
-                  <a:lumMod val="15000"/>
-                  <a:lumOff val="85000"/>
-                </a:schemeClr>
-              </a:solidFill>
-              <a:round/>
-            </a:ln>
-            <a:effectLst/>
-          </c:spPr>
-        </c:majorGridlines>
-        <c:numFmt formatCode="0%" sourceLinked="1"/>
-        <c:majorTickMark val="none"/>
-        <c:minorTickMark val="none"/>
-        <c:tickLblPos val="nextTo"/>
-        <c:spPr>
-          <a:noFill/>
-          <a:ln>
-            <a:noFill/>
-          </a:ln>
-          <a:effectLst/>
-        </c:spPr>
-        <c:txPr>
-          <a:bodyPr rot="-60000000" spcFirstLastPara="1" vertOverflow="ellipsis" vert="horz" wrap="square" anchor="ctr" anchorCtr="1"/>
-          <a:lstStyle/>
-          <a:p>
-            <a:pPr>
-              <a:defRPr sz="1800" b="0" i="0" u="none" strike="noStrike" kern="1200" baseline="0">
-                <a:solidFill>
-                  <a:schemeClr val="tx1">
-                    <a:lumMod val="65000"/>
-                    <a:lumOff val="35000"/>
-                  </a:schemeClr>
-                </a:solidFill>
-                <a:latin typeface="+mn-lt"/>
-                <a:ea typeface="+mn-ea"/>
-                <a:cs typeface="+mn-cs"/>
-              </a:defRPr>
-            </a:pPr>
-            <a:endParaRPr lang="fr-FR"/>
-          </a:p>
-        </c:txPr>
-        <c:crossAx val="376542336"/>
-        <c:crosses val="autoZero"/>
-        <c:crossBetween val="between"/>
-      </c:valAx>
-      <c:spPr>
-        <a:noFill/>
-        <a:ln>
-          <a:noFill/>
-        </a:ln>
-        <a:effectLst/>
-      </c:spPr>
-    </c:plotArea>
-    <c:plotVisOnly val="1"/>
-    <c:dispBlanksAs val="gap"/>
-    <c:showDLblsOverMax val="0"/>
-  </c:chart>
-  <c:spPr>
-    <a:noFill/>
-    <a:ln>
-      <a:noFill/>
-    </a:ln>
-    <a:effectLst/>
-  </c:spPr>
-  <c:txPr>
-    <a:bodyPr/>
-    <a:lstStyle/>
-    <a:p>
-      <a:pPr>
-        <a:defRPr/>
-      </a:pPr>
-      <a:endParaRPr lang="fr-FR"/>
-    </a:p>
-  </c:txPr>
-  <c:externalData r:id="rId3">
-    <c:autoUpdate val="0"/>
-  </c:externalData>
-</c:chartSpace>
-</file>
-
-<file path=ppt/charts/colors1.xml><?xml version="1.0" encoding="utf-8"?>
-<cs:colorStyle xmlns:cs="http://schemas.microsoft.com/office/drawing/2012/chartStyle" xmlns:a="http://schemas.openxmlformats.org/drawingml/2006/main" meth="cycle" id="10">
-  <a:schemeClr val="accent1"/>
-  <a:schemeClr val="accent2"/>
-  <a:schemeClr val="accent3"/>
-  <a:schemeClr val="accent4"/>
-  <a:schemeClr val="accent5"/>
-  <a:schemeClr val="accent6"/>
-  <cs:variation/>
-  <cs:variation>
-    <a:lumMod val="60000"/>
-  </cs:variation>
-  <cs:variation>
-    <a:lumMod val="80000"/>
-    <a:lumOff val="20000"/>
-  </cs:variation>
-  <cs:variation>
-    <a:lumMod val="80000"/>
-  </cs:variation>
-  <cs:variation>
-    <a:lumMod val="60000"/>
-    <a:lumOff val="40000"/>
-  </cs:variation>
-  <cs:variation>
-    <a:lumMod val="50000"/>
-  </cs:variation>
-  <cs:variation>
-    <a:lumMod val="70000"/>
-    <a:lumOff val="30000"/>
-  </cs:variation>
-  <cs:variation>
-    <a:lumMod val="70000"/>
-  </cs:variation>
-  <cs:variation>
-    <a:lumMod val="50000"/>
-    <a:lumOff val="50000"/>
-  </cs:variation>
-</cs:colorStyle>
-</file>
-
-<file path=ppt/charts/style1.xml><?xml version="1.0" encoding="utf-8"?>
-<cs:chartStyle xmlns:cs="http://schemas.microsoft.com/office/drawing/2012/chartStyle" xmlns:a="http://schemas.openxmlformats.org/drawingml/2006/main" id="201">
-  <cs:axisTitle>
-    <cs:lnRef idx="0"/>
-    <cs:fillRef idx="0"/>
-    <cs:effectRef idx="0"/>
-    <cs:fontRef idx="minor">
-      <a:schemeClr val="tx1">
-        <a:lumMod val="65000"/>
-        <a:lumOff val="35000"/>
-      </a:schemeClr>
-    </cs:fontRef>
-    <cs:defRPr sz="1330" kern="1200"/>
-  </cs:axisTitle>
-  <cs:categoryAxis>
-    <cs:lnRef idx="0"/>
-    <cs:fillRef idx="0"/>
-    <cs:effectRef idx="0"/>
-    <cs:fontRef idx="minor">
-      <a:schemeClr val="tx1">
-        <a:lumMod val="65000"/>
-        <a:lumOff val="35000"/>
-      </a:schemeClr>
-    </cs:fontRef>
-    <cs:spPr>
-      <a:ln w="9525" cap="flat" cmpd="sng" algn="ctr">
-        <a:solidFill>
-          <a:schemeClr val="tx1">
-            <a:lumMod val="15000"/>
-            <a:lumOff val="85000"/>
-          </a:schemeClr>
-        </a:solidFill>
-        <a:round/>
-      </a:ln>
-    </cs:spPr>
-    <cs:defRPr sz="1197" kern="1200"/>
-  </cs:categoryAxis>
-  <cs:chartArea mods="allowNoFillOverride allowNoLineOverride">
-    <cs:lnRef idx="0"/>
-    <cs:fillRef idx="0"/>
-    <cs:effectRef idx="0"/>
-    <cs:fontRef idx="minor">
-      <a:schemeClr val="tx1"/>
-    </cs:fontRef>
-    <cs:spPr>
-      <a:solidFill>
-        <a:schemeClr val="bg1"/>
-      </a:solidFill>
-      <a:ln w="9525" cap="flat" cmpd="sng" algn="ctr">
-        <a:solidFill>
-          <a:schemeClr val="tx1">
-            <a:lumMod val="15000"/>
-            <a:lumOff val="85000"/>
-          </a:schemeClr>
-        </a:solidFill>
-        <a:round/>
-      </a:ln>
-    </cs:spPr>
-    <cs:defRPr sz="1330" kern="1200"/>
-  </cs:chartArea>
-  <cs:dataLabel>
-    <cs:lnRef idx="0"/>
-    <cs:fillRef idx="0"/>
-    <cs:effectRef idx="0"/>
-    <cs:fontRef idx="minor">
-      <a:schemeClr val="tx1">
-        <a:lumMod val="75000"/>
-        <a:lumOff val="25000"/>
-      </a:schemeClr>
-    </cs:fontRef>
-    <cs:defRPr sz="1197" kern="1200"/>
-  </cs:dataLabel>
-  <cs:dataLabelCallout>
-    <cs:lnRef idx="0"/>
-    <cs:fillRef idx="0"/>
-    <cs:effectRef idx="0"/>
-    <cs:fontRef idx="minor">
-      <a:schemeClr val="dk1">
-        <a:lumMod val="65000"/>
-        <a:lumOff val="35000"/>
-      </a:schemeClr>
-    </cs:fontRef>
-    <cs:spPr>
-      <a:solidFill>
-        <a:schemeClr val="lt1"/>
-      </a:solidFill>
-      <a:ln>
-        <a:solidFill>
-          <a:schemeClr val="dk1">
-            <a:lumMod val="25000"/>
-            <a:lumOff val="75000"/>
-          </a:schemeClr>
-        </a:solidFill>
-      </a:ln>
-    </cs:spPr>
-    <cs:defRPr sz="1197" kern="1200"/>
-    <cs:bodyPr rot="0" spcFirstLastPara="1" vertOverflow="clip" horzOverflow="clip" vert="horz" wrap="square" lIns="36576" tIns="18288" rIns="36576" bIns="18288" anchor="ctr" anchorCtr="1">
-      <a:spAutoFit/>
-    </cs:bodyPr>
-  </cs:dataLabelCallout>
-  <cs:dataPoint>
-    <cs:lnRef idx="0"/>
-    <cs:fillRef idx="1">
-      <cs:styleClr val="auto"/>
-    </cs:fillRef>
-    <cs:effectRef idx="0"/>
-    <cs:fontRef idx="minor">
-      <a:schemeClr val="tx1"/>
-    </cs:fontRef>
-  </cs:dataPoint>
-  <cs:dataPoint3D>
-    <cs:lnRef idx="0"/>
-    <cs:fillRef idx="1">
-      <cs:styleClr val="auto"/>
-    </cs:fillRef>
-    <cs:effectRef idx="0"/>
-    <cs:fontRef idx="minor">
-      <a:schemeClr val="tx1"/>
-    </cs:fontRef>
-  </cs:dataPoint3D>
-  <cs:dataPointLine>
-    <cs:lnRef idx="0">
-      <cs:styleClr val="auto"/>
-    </cs:lnRef>
-    <cs:fillRef idx="1"/>
-    <cs:effectRef idx="0"/>
-    <cs:fontRef idx="minor">
-      <a:schemeClr val="tx1"/>
-    </cs:fontRef>
-    <cs:spPr>
-      <a:ln w="28575" cap="rnd">
-        <a:solidFill>
-          <a:schemeClr val="phClr"/>
-        </a:solidFill>
-        <a:round/>
-      </a:ln>
-    </cs:spPr>
-  </cs:dataPointLine>
-  <cs:dataPointMarker>
-    <cs:lnRef idx="0">
-      <cs:styleClr val="auto"/>
-    </cs:lnRef>
-    <cs:fillRef idx="1">
-      <cs:styleClr val="auto"/>
-    </cs:fillRef>
-    <cs:effectRef idx="0"/>
-    <cs:fontRef idx="minor">
-      <a:schemeClr val="tx1"/>
-    </cs:fontRef>
-    <cs:spPr>
-      <a:ln w="9525">
-        <a:solidFill>
-          <a:schemeClr val="phClr"/>
-        </a:solidFill>
-      </a:ln>
-    </cs:spPr>
-  </cs:dataPointMarker>
-  <cs:dataPointMarkerLayout symbol="circle" size="5"/>
-  <cs:dataPointWireframe>
-    <cs:lnRef idx="0">
-      <cs:styleClr val="auto"/>
-    </cs:lnRef>
-    <cs:fillRef idx="1"/>
-    <cs:effectRef idx="0"/>
-    <cs:fontRef idx="minor">
-      <a:schemeClr val="tx1"/>
-    </cs:fontRef>
-    <cs:spPr>
-      <a:ln w="9525" cap="rnd">
-        <a:solidFill>
-          <a:schemeClr val="phClr"/>
-        </a:solidFill>
-        <a:round/>
-      </a:ln>
-    </cs:spPr>
-  </cs:dataPointWireframe>
-  <cs:dataTable>
-    <cs:lnRef idx="0"/>
-    <cs:fillRef idx="0"/>
-    <cs:effectRef idx="0"/>
-    <cs:fontRef idx="minor">
-      <a:schemeClr val="tx1">
-        <a:lumMod val="65000"/>
-        <a:lumOff val="35000"/>
-      </a:schemeClr>
-    </cs:fontRef>
-    <cs:spPr>
-      <a:noFill/>
-      <a:ln w="9525" cap="flat" cmpd="sng" algn="ctr">
-        <a:solidFill>
-          <a:schemeClr val="tx1">
-            <a:lumMod val="15000"/>
-            <a:lumOff val="85000"/>
-          </a:schemeClr>
-        </a:solidFill>
-        <a:round/>
-      </a:ln>
-    </cs:spPr>
-    <cs:defRPr sz="1197" kern="1200"/>
-  </cs:dataTable>
-  <cs:downBar>
-    <cs:lnRef idx="0"/>
-    <cs:fillRef idx="0"/>
-    <cs:effectRef idx="0"/>
-    <cs:fontRef idx="minor">
-      <a:schemeClr val="dk1"/>
-    </cs:fontRef>
-    <cs:spPr>
-      <a:solidFill>
-        <a:schemeClr val="dk1">
-          <a:lumMod val="65000"/>
-          <a:lumOff val="35000"/>
-        </a:schemeClr>
-      </a:solidFill>
-      <a:ln w="9525">
-        <a:solidFill>
-          <a:schemeClr val="tx1">
-            <a:lumMod val="65000"/>
-            <a:lumOff val="35000"/>
-          </a:schemeClr>
-        </a:solidFill>
-      </a:ln>
-    </cs:spPr>
-  </cs:downBar>
-  <cs:dropLine>
-    <cs:lnRef idx="0"/>
-    <cs:fillRef idx="0"/>
-    <cs:effectRef idx="0"/>
-    <cs:fontRef idx="minor">
-      <a:schemeClr val="tx1"/>
-    </cs:fontRef>
-    <cs:spPr>
-      <a:ln w="9525" cap="flat" cmpd="sng" algn="ctr">
-        <a:solidFill>
-          <a:schemeClr val="tx1">
-            <a:lumMod val="35000"/>
-            <a:lumOff val="65000"/>
-          </a:schemeClr>
-        </a:solidFill>
-        <a:round/>
-      </a:ln>
-    </cs:spPr>
-  </cs:dropLine>
-  <cs:errorBar>
-    <cs:lnRef idx="0"/>
-    <cs:fillRef idx="0"/>
-    <cs:effectRef idx="0"/>
-    <cs:fontRef idx="minor">
-      <a:schemeClr val="tx1"/>
-    </cs:fontRef>
-    <cs:spPr>
-      <a:ln w="9525" cap="flat" cmpd="sng" algn="ctr">
-        <a:solidFill>
-          <a:schemeClr val="tx1">
-            <a:lumMod val="65000"/>
-            <a:lumOff val="35000"/>
-          </a:schemeClr>
-        </a:solidFill>
-        <a:round/>
-      </a:ln>
-    </cs:spPr>
-  </cs:errorBar>
-  <cs:floor>
-    <cs:lnRef idx="0"/>
-    <cs:fillRef idx="0"/>
-    <cs:effectRef idx="0"/>
-    <cs:fontRef idx="minor">
-      <a:schemeClr val="tx1"/>
-    </cs:fontRef>
-    <cs:spPr>
-      <a:noFill/>
-      <a:ln>
-        <a:noFill/>
-      </a:ln>
-    </cs:spPr>
-  </cs:floor>
-  <cs:gridlineMajor>
-    <cs:lnRef idx="0"/>
-    <cs:fillRef idx="0"/>
-    <cs:effectRef idx="0"/>
-    <cs:fontRef idx="minor">
-      <a:schemeClr val="tx1"/>
-    </cs:fontRef>
-    <cs:spPr>
-      <a:ln w="9525" cap="flat" cmpd="sng" algn="ctr">
-        <a:solidFill>
-          <a:schemeClr val="tx1">
-            <a:lumMod val="15000"/>
-            <a:lumOff val="85000"/>
-          </a:schemeClr>
-        </a:solidFill>
-        <a:round/>
-      </a:ln>
-    </cs:spPr>
-  </cs:gridlineMajor>
-  <cs:gridlineMinor>
-    <cs:lnRef idx="0"/>
-    <cs:fillRef idx="0"/>
-    <cs:effectRef idx="0"/>
-    <cs:fontRef idx="minor">
-      <a:schemeClr val="tx1"/>
-    </cs:fontRef>
-    <cs:spPr>
-      <a:ln w="9525" cap="flat" cmpd="sng" algn="ctr">
-        <a:solidFill>
-          <a:schemeClr val="tx1">
-            <a:lumMod val="5000"/>
-            <a:lumOff val="95000"/>
-          </a:schemeClr>
-        </a:solidFill>
-        <a:round/>
-      </a:ln>
-    </cs:spPr>
-  </cs:gridlineMinor>
-  <cs:hiLoLine>
-    <cs:lnRef idx="0"/>
-    <cs:fillRef idx="0"/>
-    <cs:effectRef idx="0"/>
-    <cs:fontRef idx="minor">
-      <a:schemeClr val="tx1"/>
-    </cs:fontRef>
-    <cs:spPr>
-      <a:ln w="9525" cap="flat" cmpd="sng" algn="ctr">
-        <a:solidFill>
-          <a:schemeClr val="tx1">
-            <a:lumMod val="75000"/>
-            <a:lumOff val="25000"/>
-          </a:schemeClr>
-        </a:solidFill>
-        <a:round/>
-      </a:ln>
-    </cs:spPr>
-  </cs:hiLoLine>
-  <cs:leaderLine>
-    <cs:lnRef idx="0"/>
-    <cs:fillRef idx="0"/>
-    <cs:effectRef idx="0"/>
-    <cs:fontRef idx="minor">
-      <a:schemeClr val="tx1"/>
-    </cs:fontRef>
-    <cs:spPr>
-      <a:ln w="9525" cap="flat" cmpd="sng" algn="ctr">
-        <a:solidFill>
-          <a:schemeClr val="tx1">
-            <a:lumMod val="35000"/>
-            <a:lumOff val="65000"/>
-          </a:schemeClr>
-        </a:solidFill>
-        <a:round/>
-      </a:ln>
-    </cs:spPr>
-  </cs:leaderLine>
-  <cs:legend>
-    <cs:lnRef idx="0"/>
-    <cs:fillRef idx="0"/>
-    <cs:effectRef idx="0"/>
-    <cs:fontRef idx="minor">
-      <a:schemeClr val="tx1">
-        <a:lumMod val="65000"/>
-        <a:lumOff val="35000"/>
-      </a:schemeClr>
-    </cs:fontRef>
-    <cs:defRPr sz="1197" kern="1200"/>
-  </cs:legend>
-  <cs:plotArea mods="allowNoFillOverride allowNoLineOverride">
-    <cs:lnRef idx="0"/>
-    <cs:fillRef idx="0"/>
-    <cs:effectRef idx="0"/>
-    <cs:fontRef idx="minor">
-      <a:schemeClr val="tx1"/>
-    </cs:fontRef>
-  </cs:plotArea>
-  <cs:plotArea3D mods="allowNoFillOverride allowNoLineOverride">
-    <cs:lnRef idx="0"/>
-    <cs:fillRef idx="0"/>
-    <cs:effectRef idx="0"/>
-    <cs:fontRef idx="minor">
-      <a:schemeClr val="tx1"/>
-    </cs:fontRef>
-  </cs:plotArea3D>
-  <cs:seriesAxis>
-    <cs:lnRef idx="0"/>
-    <cs:fillRef idx="0"/>
-    <cs:effectRef idx="0"/>
-    <cs:fontRef idx="minor">
-      <a:schemeClr val="tx1">
-        <a:lumMod val="65000"/>
-        <a:lumOff val="35000"/>
-      </a:schemeClr>
-    </cs:fontRef>
-    <cs:defRPr sz="1197" kern="1200"/>
-  </cs:seriesAxis>
-  <cs:seriesLine>
-    <cs:lnRef idx="0"/>
-    <cs:fillRef idx="0"/>
-    <cs:effectRef idx="0"/>
-    <cs:fontRef idx="minor">
-      <a:schemeClr val="tx1"/>
-    </cs:fontRef>
-    <cs:spPr>
-      <a:ln w="9525" cap="flat" cmpd="sng" algn="ctr">
-        <a:solidFill>
-          <a:schemeClr val="tx1">
-            <a:lumMod val="35000"/>
-            <a:lumOff val="65000"/>
-          </a:schemeClr>
-        </a:solidFill>
-        <a:round/>
-      </a:ln>
-    </cs:spPr>
-  </cs:seriesLine>
-  <cs:title>
-    <cs:lnRef idx="0"/>
-    <cs:fillRef idx="0"/>
-    <cs:effectRef idx="0"/>
-    <cs:fontRef idx="minor">
-      <a:schemeClr val="tx1">
-        <a:lumMod val="65000"/>
-        <a:lumOff val="35000"/>
-      </a:schemeClr>
-    </cs:fontRef>
-    <cs:defRPr sz="1862" b="0" kern="1200" spc="0" baseline="0"/>
-  </cs:title>
-  <cs:trendline>
-    <cs:lnRef idx="0">
-      <cs:styleClr val="auto"/>
-    </cs:lnRef>
-    <cs:fillRef idx="0"/>
-    <cs:effectRef idx="0"/>
-    <cs:fontRef idx="minor">
-      <a:schemeClr val="tx1"/>
-    </cs:fontRef>
-    <cs:spPr>
-      <a:ln w="19050" cap="rnd">
-        <a:solidFill>
-          <a:schemeClr val="phClr"/>
-        </a:solidFill>
-        <a:prstDash val="sysDot"/>
-      </a:ln>
-    </cs:spPr>
-  </cs:trendline>
-  <cs:trendlineLabel>
-    <cs:lnRef idx="0"/>
-    <cs:fillRef idx="0"/>
-    <cs:effectRef idx="0"/>
-    <cs:fontRef idx="minor">
-      <a:schemeClr val="tx1">
-        <a:lumMod val="65000"/>
-        <a:lumOff val="35000"/>
-      </a:schemeClr>
-    </cs:fontRef>
-    <cs:defRPr sz="1197" kern="1200"/>
-  </cs:trendlineLabel>
-  <cs:upBar>
-    <cs:lnRef idx="0"/>
-    <cs:fillRef idx="0"/>
-    <cs:effectRef idx="0"/>
-    <cs:fontRef idx="minor">
-      <a:schemeClr val="dk1"/>
-    </cs:fontRef>
-    <cs:spPr>
-      <a:solidFill>
-        <a:schemeClr val="lt1"/>
-      </a:solidFill>
-      <a:ln w="9525">
-        <a:solidFill>
-          <a:schemeClr val="tx1">
-            <a:lumMod val="15000"/>
-            <a:lumOff val="85000"/>
-          </a:schemeClr>
-        </a:solidFill>
-      </a:ln>
-    </cs:spPr>
-  </cs:upBar>
-  <cs:valueAxis>
-    <cs:lnRef idx="0"/>
-    <cs:fillRef idx="0"/>
-    <cs:effectRef idx="0"/>
-    <cs:fontRef idx="minor">
-      <a:schemeClr val="tx1">
-        <a:lumMod val="65000"/>
-        <a:lumOff val="35000"/>
-      </a:schemeClr>
-    </cs:fontRef>
-    <cs:defRPr sz="1197" kern="1200"/>
-  </cs:valueAxis>
-  <cs:wall>
-    <cs:lnRef idx="0"/>
-    <cs:fillRef idx="0"/>
-    <cs:effectRef idx="0"/>
-    <cs:fontRef idx="minor">
-      <a:schemeClr val="tx1"/>
-    </cs:fontRef>
-    <cs:spPr>
-      <a:noFill/>
-      <a:ln>
-        <a:noFill/>
-      </a:ln>
-    </cs:spPr>
-  </cs:wall>
-</cs:chartStyle>
-</file>
-
 <file path=ppt/handoutMasters/handoutMaster1.xml><?xml version="1.0" encoding="utf-8"?>
 <p:handoutMaster xmlns:a="http://schemas.openxmlformats.org/drawingml/2006/main" xmlns:r="http://schemas.openxmlformats.org/officeDocument/2006/relationships" xmlns:p="http://schemas.openxmlformats.org/presentationml/2006/main">
   <p:cSld>
@@ -1101,7 +260,7 @@
               <a:pPr>
                 <a:defRPr/>
               </a:pPr>
-              <a:t>06-03-20</a:t>
+              <a:t>23-04-20</a:t>
             </a:fld>
             <a:endParaRPr lang="fr-BE"/>
           </a:p>
@@ -1186,7 +345,7 @@
               <a:pPr>
                 <a:defRPr/>
               </a:pPr>
-              <a:t>‹N°›</a:t>
+              <a:t>‹#›</a:t>
             </a:fld>
             <a:endParaRPr lang="fr-BE"/>
           </a:p>
@@ -1305,7 +464,7 @@
               <a:pPr>
                 <a:defRPr/>
               </a:pPr>
-              <a:t>06-03-20</a:t>
+              <a:t>23-04-20</a:t>
             </a:fld>
             <a:endParaRPr lang="fr-BE"/>
           </a:p>
@@ -1488,7 +647,7 @@
               <a:pPr>
                 <a:defRPr/>
               </a:pPr>
-              <a:t>‹N°›</a:t>
+              <a:t>‹#›</a:t>
             </a:fld>
             <a:endParaRPr lang="fr-BE"/>
           </a:p>
@@ -1931,7 +1090,7 @@
               <a:pPr>
                 <a:defRPr/>
               </a:pPr>
-              <a:t>‹N°›</a:t>
+              <a:t>‹#›</a:t>
             </a:fld>
             <a:endParaRPr lang="fr-FR"/>
           </a:p>
@@ -2127,7 +1286,7 @@
               <a:pPr>
                 <a:defRPr/>
               </a:pPr>
-              <a:t>‹N°›</a:t>
+              <a:t>‹#›</a:t>
             </a:fld>
             <a:endParaRPr lang="fr-FR"/>
           </a:p>
@@ -2333,7 +1492,7 @@
               <a:pPr>
                 <a:defRPr/>
               </a:pPr>
-              <a:t>‹N°›</a:t>
+              <a:t>‹#›</a:t>
             </a:fld>
             <a:endParaRPr lang="fr-FR"/>
           </a:p>
@@ -2529,7 +1688,7 @@
               <a:pPr>
                 <a:defRPr/>
               </a:pPr>
-              <a:t>‹N°›</a:t>
+              <a:t>‹#›</a:t>
             </a:fld>
             <a:endParaRPr lang="fr-FR"/>
           </a:p>
@@ -2747,7 +1906,7 @@
               <a:pPr>
                 <a:defRPr/>
               </a:pPr>
-              <a:t>‹N°›</a:t>
+              <a:t>‹#›</a:t>
             </a:fld>
             <a:endParaRPr lang="fr-FR"/>
           </a:p>
@@ -3061,7 +2220,7 @@
               <a:pPr>
                 <a:defRPr/>
               </a:pPr>
-              <a:t>‹N°›</a:t>
+              <a:t>‹#›</a:t>
             </a:fld>
             <a:endParaRPr lang="fr-FR"/>
           </a:p>
@@ -3514,7 +2673,7 @@
               <a:pPr>
                 <a:defRPr/>
               </a:pPr>
-              <a:t>‹N°›</a:t>
+              <a:t>‹#›</a:t>
             </a:fld>
             <a:endParaRPr lang="fr-FR"/>
           </a:p>
@@ -3658,7 +2817,7 @@
               <a:pPr>
                 <a:defRPr/>
               </a:pPr>
-              <a:t>‹N°›</a:t>
+              <a:t>‹#›</a:t>
             </a:fld>
             <a:endParaRPr lang="fr-FR"/>
           </a:p>
@@ -3779,7 +2938,7 @@
               <a:pPr>
                 <a:defRPr/>
               </a:pPr>
-              <a:t>‹N°›</a:t>
+              <a:t>‹#›</a:t>
             </a:fld>
             <a:endParaRPr lang="fr-FR"/>
           </a:p>
@@ -4082,7 +3241,7 @@
               <a:pPr>
                 <a:defRPr/>
               </a:pPr>
-              <a:t>‹N°›</a:t>
+              <a:t>‹#›</a:t>
             </a:fld>
             <a:endParaRPr lang="fr-FR"/>
           </a:p>
@@ -4362,7 +3521,7 @@
               <a:pPr>
                 <a:defRPr/>
               </a:pPr>
-              <a:t>‹N°›</a:t>
+              <a:t>‹#›</a:t>
             </a:fld>
             <a:endParaRPr lang="fr-FR"/>
           </a:p>
@@ -4744,7 +3903,7 @@
               <a:pPr>
                 <a:defRPr/>
               </a:pPr>
-              <a:t>‹N°›</a:t>
+              <a:t>‹#›</a:t>
             </a:fld>
             <a:endParaRPr lang="fr-FR"/>
           </a:p>
@@ -5174,6 +4333,148 @@
       </p:grpSpPr>
       <p:pic>
         <p:nvPicPr>
+          <p:cNvPr id="8" name="Picture 7" descr="A screenshot of a cell phone&#10;&#10;Description automatically generated">
+            <a:extLst>
+              <a:ext uri="{FF2B5EF4-FFF2-40B4-BE49-F238E27FC236}">
+                <a16:creationId xmlns:a16="http://schemas.microsoft.com/office/drawing/2014/main" id="{A14AD4C3-93BF-432E-9860-A92EFC207D59}"/>
+              </a:ext>
+            </a:extLst>
+          </p:cNvPr>
+          <p:cNvPicPr>
+            <a:picLocks noChangeAspect="1"/>
+          </p:cNvPicPr>
+          <p:nvPr/>
+        </p:nvPicPr>
+        <p:blipFill>
+          <a:blip r:embed="rId3">
+            <a:extLst>
+              <a:ext uri="{28A0092B-C50C-407E-A947-70E740481C1C}">
+                <a14:useLocalDpi xmlns:a14="http://schemas.microsoft.com/office/drawing/2010/main" val="0"/>
+              </a:ext>
+            </a:extLst>
+          </a:blip>
+          <a:stretch>
+            <a:fillRect/>
+          </a:stretch>
+        </p:blipFill>
+        <p:spPr>
+          <a:xfrm>
+            <a:off x="19819186" y="30228417"/>
+            <a:ext cx="9825033" cy="6818573"/>
+          </a:xfrm>
+          <a:prstGeom prst="rect">
+            <a:avLst/>
+          </a:prstGeom>
+        </p:spPr>
+      </p:pic>
+      <p:pic>
+        <p:nvPicPr>
+          <p:cNvPr id="5" name="Picture 4" descr="A picture containing map, text&#10;&#10;Description automatically generated">
+            <a:extLst>
+              <a:ext uri="{FF2B5EF4-FFF2-40B4-BE49-F238E27FC236}">
+                <a16:creationId xmlns:a16="http://schemas.microsoft.com/office/drawing/2014/main" id="{62400BA3-48D7-4269-9F0D-EC4FD71B23C6}"/>
+              </a:ext>
+            </a:extLst>
+          </p:cNvPr>
+          <p:cNvPicPr>
+            <a:picLocks noChangeAspect="1"/>
+          </p:cNvPicPr>
+          <p:nvPr/>
+        </p:nvPicPr>
+        <p:blipFill>
+          <a:blip r:embed="rId4">
+            <a:extLst>
+              <a:ext uri="{28A0092B-C50C-407E-A947-70E740481C1C}">
+                <a14:useLocalDpi xmlns:a14="http://schemas.microsoft.com/office/drawing/2010/main" val="0"/>
+              </a:ext>
+            </a:extLst>
+          </a:blip>
+          <a:stretch>
+            <a:fillRect/>
+          </a:stretch>
+        </p:blipFill>
+        <p:spPr>
+          <a:xfrm>
+            <a:off x="18166610" y="13798134"/>
+            <a:ext cx="13185693" cy="4454768"/>
+          </a:xfrm>
+          <a:prstGeom prst="rect">
+            <a:avLst/>
+          </a:prstGeom>
+        </p:spPr>
+      </p:pic>
+      <p:sp>
+        <p:nvSpPr>
+          <p:cNvPr id="6" name="Rectangle: Rounded Corners 5">
+            <a:extLst>
+              <a:ext uri="{FF2B5EF4-FFF2-40B4-BE49-F238E27FC236}">
+                <a16:creationId xmlns:a16="http://schemas.microsoft.com/office/drawing/2014/main" id="{16C412BC-7FD0-4FD7-A441-E859367890FD}"/>
+              </a:ext>
+            </a:extLst>
+          </p:cNvPr>
+          <p:cNvSpPr/>
+          <p:nvPr/>
+        </p:nvSpPr>
+        <p:spPr bwMode="auto">
+          <a:xfrm>
+            <a:off x="2033813" y="12996318"/>
+            <a:ext cx="14571364" cy="29307256"/>
+          </a:xfrm>
+          <a:prstGeom prst="roundRect">
+            <a:avLst/>
+          </a:prstGeom>
+          <a:noFill/>
+          <a:ln w="9525" cap="flat" cmpd="sng" algn="ctr">
+            <a:solidFill>
+              <a:srgbClr val="6C5098"/>
+            </a:solidFill>
+            <a:prstDash val="solid"/>
+            <a:round/>
+            <a:headEnd type="none" w="med" len="med"/>
+            <a:tailEnd type="none" w="med" len="med"/>
+          </a:ln>
+          <a:effectLst/>
+        </p:spPr>
+        <p:txBody>
+          <a:bodyPr vert="horz" wrap="square" lIns="91440" tIns="45720" rIns="91440" bIns="45720" numCol="1" rtlCol="0" anchor="t" anchorCtr="0" compatLnSpc="1">
+            <a:prstTxWarp prst="textNoShape">
+              <a:avLst/>
+            </a:prstTxWarp>
+          </a:bodyPr>
+          <a:lstStyle/>
+          <a:p>
+            <a:pPr marL="0" marR="0" indent="0" algn="l" defTabSz="914400" rtl="0" eaLnBrk="0" fontAlgn="base" latinLnBrk="0" hangingPunct="0">
+              <a:lnSpc>
+                <a:spcPct val="100000"/>
+              </a:lnSpc>
+              <a:spcBef>
+                <a:spcPct val="0"/>
+              </a:spcBef>
+              <a:spcAft>
+                <a:spcPct val="0"/>
+              </a:spcAft>
+              <a:buClrTx/>
+              <a:buSzTx/>
+              <a:buFontTx/>
+              <a:buNone/>
+              <a:tabLst/>
+            </a:pPr>
+            <a:endParaRPr kumimoji="0" lang="en-GB" sz="2400" b="0" i="0" u="none" strike="noStrike" cap="none" normalizeH="0" baseline="0" dirty="0">
+              <a:ln>
+                <a:noFill/>
+              </a:ln>
+              <a:solidFill>
+                <a:schemeClr val="tx1"/>
+              </a:solidFill>
+              <a:effectLst/>
+              <a:latin typeface="Arial" charset="0"/>
+              <a:ea typeface="ＭＳ Ｐゴシック" pitchFamily="1" charset="-128"/>
+            </a:endParaRPr>
+          </a:p>
+        </p:txBody>
+      </p:sp>
+      <p:pic>
+        <p:nvPicPr>
           <p:cNvPr id="14" name="Image 11" descr="Une image contenant texte, batterie&#10;&#10;Description générée avec un niveau de confiance élevé">
             <a:extLst>
               <a:ext uri="{FF2B5EF4-FFF2-40B4-BE49-F238E27FC236}">
@@ -5187,7 +4488,7 @@
           <p:nvPr/>
         </p:nvPicPr>
         <p:blipFill>
-          <a:blip r:embed="rId3" cstate="print">
+          <a:blip r:embed="rId5" cstate="print">
             <a:extLst>
               <a:ext uri="{28A0092B-C50C-407E-A947-70E740481C1C}">
                 <a14:useLocalDpi xmlns:a14="http://schemas.microsoft.com/office/drawing/2010/main" val="0"/>
@@ -5217,7 +4518,7 @@
           <p:nvPr/>
         </p:nvPicPr>
         <p:blipFill>
-          <a:blip r:embed="rId4">
+          <a:blip r:embed="rId6">
             <a:extLst>
               <a:ext uri="{28A0092B-C50C-407E-A947-70E740481C1C}">
                 <a14:useLocalDpi xmlns:a14="http://schemas.microsoft.com/office/drawing/2010/main" val="0"/>
@@ -5388,22 +4689,13 @@
               </a:spcAft>
             </a:pPr>
             <a:r>
-              <a:rPr lang="fr-FR" altLang="fr-FR" sz="11500" b="1" dirty="0" smtClean="0">
-                <a:solidFill>
-                  <a:srgbClr val="6C5098"/>
-                </a:solidFill>
-                <a:latin typeface="+mj-lt"/>
-              </a:rPr>
-              <a:t>Tri automatique </a:t>
-            </a:r>
-            <a:r>
               <a:rPr lang="fr-FR" altLang="fr-FR" sz="11500" b="1" dirty="0">
                 <a:solidFill>
                   <a:srgbClr val="6C5098"/>
                 </a:solidFill>
                 <a:latin typeface="+mj-lt"/>
               </a:rPr>
-              <a:t>des déchets</a:t>
+              <a:t>Tri automatique des déchets</a:t>
             </a:r>
           </a:p>
           <a:p>
@@ -5425,37 +4717,17 @@
           <a:p>
             <a:pPr algn="ctr"/>
             <a:r>
-              <a:rPr lang="fr-FR" altLang="fr-FR" sz="3600" b="1" dirty="0" smtClean="0">
-                <a:solidFill>
-                  <a:srgbClr val="CC0000"/>
-                </a:solidFill>
-                <a:latin typeface="+mj-lt"/>
-              </a:rPr>
-              <a:t>Amir FALLAHI, Brice PETIT, Dumitru NEGRU, Hugo CALLEBAUT, Maxime HAUWAERT </a:t>
-            </a:r>
-            <a:r>
               <a:rPr lang="fr-FR" altLang="fr-FR" sz="3600" b="1" dirty="0">
                 <a:solidFill>
                   <a:srgbClr val="CC0000"/>
                 </a:solidFill>
-                <a:latin typeface="+mj-lt"/>
               </a:rPr>
-              <a:t>et </a:t>
-            </a:r>
-            <a:r>
-              <a:rPr lang="fr-FR" altLang="fr-FR" sz="3600" b="1" dirty="0" smtClean="0">
-                <a:solidFill>
-                  <a:srgbClr val="CC0000"/>
-                </a:solidFill>
-                <a:latin typeface="+mj-lt"/>
-              </a:rPr>
-              <a:t>Yahya BAKKALI</a:t>
+              <a:t>Yahya BAKKALI, Hugo CALLEBAUT, Amir FALLAHI, Maxime HAUWAERT, Dumitru NEGRU et Brice PETIT</a:t>
             </a:r>
             <a:endParaRPr lang="fr-FR" altLang="fr-FR" sz="7200" b="1" dirty="0">
               <a:solidFill>
                 <a:srgbClr val="CC0000"/>
               </a:solidFill>
-              <a:latin typeface="+mj-lt"/>
             </a:endParaRPr>
           </a:p>
         </p:txBody>
@@ -5638,7 +4910,7 @@
           <p:nvPr/>
         </p:nvPicPr>
         <p:blipFill>
-          <a:blip r:embed="rId5" cstate="print">
+          <a:blip r:embed="rId7" cstate="print">
             <a:extLst>
               <a:ext uri="{28A0092B-C50C-407E-A947-70E740481C1C}">
                 <a14:useLocalDpi xmlns:a14="http://schemas.microsoft.com/office/drawing/2010/main" val="0"/>
@@ -5692,7 +4964,7 @@
           <p:nvPr/>
         </p:nvPicPr>
         <p:blipFill>
-          <a:blip r:embed="rId6" cstate="print">
+          <a:blip r:embed="rId8" cstate="print">
             <a:extLst>
               <a:ext uri="{28A0092B-C50C-407E-A947-70E740481C1C}">
                 <a14:useLocalDpi xmlns:a14="http://schemas.microsoft.com/office/drawing/2010/main" val="0"/>
@@ -5923,7 +5195,7 @@
               <a:rPr lang="fr-FR" altLang="fr-FR" sz="1900" dirty="0">
                 <a:latin typeface="+mj-lt"/>
               </a:rPr>
-              <a:t>ainsi que la mention « Printemps des Sciences 2018 – Exposition des Sciences – Bruxelles »</a:t>
+              <a:t>ainsi que la mention « Printemps des Sciences 2020 – Exposition des Sciences – Bruxelles »</a:t>
             </a:r>
           </a:p>
           <a:p>
@@ -5949,7 +5221,7 @@
           <p:nvPr/>
         </p:nvPicPr>
         <p:blipFill>
-          <a:blip r:embed="rId7" cstate="print">
+          <a:blip r:embed="rId9" cstate="print">
             <a:extLst>
               <a:ext uri="{28A0092B-C50C-407E-A947-70E740481C1C}">
                 <a14:useLocalDpi xmlns:a14="http://schemas.microsoft.com/office/drawing/2010/main" val="0"/>
@@ -6009,7 +5281,7 @@
           <p:nvPr/>
         </p:nvPicPr>
         <p:blipFill>
-          <a:blip r:embed="rId8">
+          <a:blip r:embed="rId10">
             <a:extLst>
               <a:ext uri="{28A0092B-C50C-407E-A947-70E740481C1C}">
                 <a14:useLocalDpi xmlns:a14="http://schemas.microsoft.com/office/drawing/2010/main" val="0"/>
@@ -6033,400 +5305,22 @@
           </a:solidFill>
         </p:spPr>
       </p:pic>
-      <p:graphicFrame>
-        <p:nvGraphicFramePr>
-          <p:cNvPr id="5" name="Graphique 4"/>
-          <p:cNvGraphicFramePr/>
-          <p:nvPr>
-            <p:extLst>
-              <p:ext uri="{D42A27DB-BD31-4B8C-83A1-F6EECF244321}">
-                <p14:modId xmlns:p14="http://schemas.microsoft.com/office/powerpoint/2010/main" val="3399331796"/>
-              </p:ext>
-            </p:extLst>
-          </p:nvPr>
-        </p:nvGraphicFramePr>
-        <p:xfrm>
-          <a:off x="21092455" y="32318874"/>
-          <a:ext cx="9947970" cy="6249285"/>
-        </p:xfrm>
-        <a:graphic>
-          <a:graphicData uri="http://schemas.openxmlformats.org/drawingml/2006/chart">
-            <c:chart xmlns:c="http://schemas.openxmlformats.org/drawingml/2006/chart" xmlns:r="http://schemas.openxmlformats.org/officeDocument/2006/relationships" r:id="rId9"/>
-          </a:graphicData>
-        </a:graphic>
-      </p:graphicFrame>
-      <p:graphicFrame>
-        <p:nvGraphicFramePr>
-          <p:cNvPr id="7" name="Tableau 6"/>
-          <p:cNvGraphicFramePr>
-            <a:graphicFrameLocks noGrp="1"/>
-          </p:cNvGraphicFramePr>
-          <p:nvPr>
-            <p:extLst>
-              <p:ext uri="{D42A27DB-BD31-4B8C-83A1-F6EECF244321}">
-                <p14:modId xmlns:p14="http://schemas.microsoft.com/office/powerpoint/2010/main" val="2931666542"/>
-              </p:ext>
-            </p:extLst>
-          </p:nvPr>
-        </p:nvGraphicFramePr>
-        <p:xfrm>
-          <a:off x="3074605" y="33053629"/>
-          <a:ext cx="16831454" cy="5638800"/>
-        </p:xfrm>
-        <a:graphic>
-          <a:graphicData uri="http://schemas.openxmlformats.org/drawingml/2006/table">
-            <a:tbl>
-              <a:tblPr firstRow="1" bandRow="1">
-                <a:tableStyleId>{5C22544A-7EE6-4342-B048-85BDC9FD1C3A}</a:tableStyleId>
-              </a:tblPr>
-              <a:tblGrid>
-                <a:gridCol w="5610484">
-                  <a:extLst>
-                    <a:ext uri="{9D8B030D-6E8A-4147-A177-3AD203B41FA5}">
-                      <a16:colId xmlns:a16="http://schemas.microsoft.com/office/drawing/2014/main" val="1838529805"/>
-                    </a:ext>
-                  </a:extLst>
-                </a:gridCol>
-                <a:gridCol w="5604346">
-                  <a:extLst>
-                    <a:ext uri="{9D8B030D-6E8A-4147-A177-3AD203B41FA5}">
-                      <a16:colId xmlns:a16="http://schemas.microsoft.com/office/drawing/2014/main" val="3447096649"/>
-                    </a:ext>
-                  </a:extLst>
-                </a:gridCol>
-                <a:gridCol w="5616624">
-                  <a:extLst>
-                    <a:ext uri="{9D8B030D-6E8A-4147-A177-3AD203B41FA5}">
-                      <a16:colId xmlns:a16="http://schemas.microsoft.com/office/drawing/2014/main" val="2993651687"/>
-                    </a:ext>
-                  </a:extLst>
-                </a:gridCol>
-              </a:tblGrid>
-              <a:tr h="643841">
-                <a:tc>
-                  <a:txBody>
-                    <a:bodyPr/>
-                    <a:lstStyle/>
-                    <a:p>
-                      <a:endParaRPr lang="fr-FR" dirty="0"/>
-                    </a:p>
-                  </a:txBody>
-                  <a:tcPr>
-                    <a:solidFill>
-                      <a:srgbClr val="6C5098"/>
-                    </a:solidFill>
-                  </a:tcPr>
-                </a:tc>
-                <a:tc>
-                  <a:txBody>
-                    <a:bodyPr/>
-                    <a:lstStyle/>
-                    <a:p>
-                      <a:pPr algn="ctr"/>
-                      <a:r>
-                        <a:rPr lang="fr-FR" sz="4400" dirty="0" smtClean="0"/>
-                        <a:t>SVM</a:t>
-                      </a:r>
-                      <a:r>
-                        <a:rPr lang="fr-FR" dirty="0" smtClean="0"/>
-                        <a:t> </a:t>
-                      </a:r>
-                      <a:endParaRPr lang="fr-FR" dirty="0"/>
-                    </a:p>
-                  </a:txBody>
-                  <a:tcPr>
-                    <a:solidFill>
-                      <a:srgbClr val="6C5098"/>
-                    </a:solidFill>
-                  </a:tcPr>
-                </a:tc>
-                <a:tc>
-                  <a:txBody>
-                    <a:bodyPr/>
-                    <a:lstStyle/>
-                    <a:p>
-                      <a:pPr algn="ctr"/>
-                      <a:r>
-                        <a:rPr lang="fr-FR" sz="4400" dirty="0" smtClean="0"/>
-                        <a:t>CNN</a:t>
-                      </a:r>
-                      <a:endParaRPr lang="fr-FR" sz="4400" dirty="0"/>
-                    </a:p>
-                  </a:txBody>
-                  <a:tcPr>
-                    <a:solidFill>
-                      <a:srgbClr val="6C5098"/>
-                    </a:solidFill>
-                  </a:tcPr>
-                </a:tc>
-                <a:extLst>
-                  <a:ext uri="{0D108BD9-81ED-4DB2-BD59-A6C34878D82A}">
-                    <a16:rowId xmlns:a16="http://schemas.microsoft.com/office/drawing/2014/main" val="745135684"/>
-                  </a:ext>
-                </a:extLst>
-              </a:tr>
-              <a:tr h="643841">
-                <a:tc>
-                  <a:txBody>
-                    <a:bodyPr/>
-                    <a:lstStyle/>
-                    <a:p>
-                      <a:pPr algn="ctr">
-                        <a:lnSpc>
-                          <a:spcPct val="100000"/>
-                        </a:lnSpc>
-                      </a:pPr>
-                      <a:r>
-                        <a:rPr lang="fr-FR" sz="4400" dirty="0" smtClean="0"/>
-                        <a:t>Paramètres du modèle</a:t>
-                      </a:r>
-                      <a:endParaRPr lang="fr-FR" sz="4400" dirty="0"/>
-                    </a:p>
-                  </a:txBody>
-                  <a:tcPr>
-                    <a:solidFill>
-                      <a:schemeClr val="accent2">
-                        <a:lumMod val="20000"/>
-                        <a:lumOff val="80000"/>
-                      </a:schemeClr>
-                    </a:solidFill>
-                  </a:tcPr>
-                </a:tc>
-                <a:tc>
-                  <a:txBody>
-                    <a:bodyPr/>
-                    <a:lstStyle/>
-                    <a:p>
-                      <a:pPr>
-                        <a:lnSpc>
-                          <a:spcPct val="100000"/>
-                        </a:lnSpc>
-                      </a:pPr>
-                      <a:r>
-                        <a:rPr lang="fr-FR" sz="4400" dirty="0" smtClean="0"/>
-                        <a:t>- </a:t>
-                      </a:r>
-                      <a:r>
-                        <a:rPr lang="fr-FR" sz="4400" dirty="0" err="1" smtClean="0"/>
-                        <a:t>Kernel</a:t>
-                      </a:r>
-                      <a:r>
-                        <a:rPr lang="fr-FR" sz="4400" dirty="0" smtClean="0"/>
-                        <a:t> : radial basis </a:t>
-                      </a:r>
-                      <a:r>
-                        <a:rPr lang="fr-FR" sz="4400" dirty="0" err="1" smtClean="0"/>
-                        <a:t>function</a:t>
-                      </a:r>
-                      <a:endParaRPr lang="fr-FR" sz="4400" dirty="0" smtClean="0"/>
-                    </a:p>
-                    <a:p>
-                      <a:pPr>
-                        <a:lnSpc>
-                          <a:spcPct val="150000"/>
-                        </a:lnSpc>
-                      </a:pPr>
-                      <a:r>
-                        <a:rPr lang="fr-FR" sz="4400" dirty="0" smtClean="0"/>
-                        <a:t>- Clusters : 500</a:t>
-                      </a:r>
-                    </a:p>
-                    <a:p>
-                      <a:pPr>
-                        <a:lnSpc>
-                          <a:spcPct val="150000"/>
-                        </a:lnSpc>
-                      </a:pPr>
-                      <a:r>
-                        <a:rPr lang="fr-FR" sz="4400" dirty="0" smtClean="0"/>
-                        <a:t>-</a:t>
-                      </a:r>
-                      <a:r>
-                        <a:rPr lang="fr-FR" sz="4400" baseline="0" dirty="0" smtClean="0"/>
-                        <a:t> </a:t>
-                      </a:r>
-                      <a:r>
-                        <a:rPr lang="fr-FR" sz="4400" dirty="0" smtClean="0"/>
-                        <a:t>Dimensions : 128</a:t>
-                      </a:r>
-                      <a:endParaRPr lang="fr-FR" sz="4400" dirty="0"/>
-                    </a:p>
-                  </a:txBody>
-                  <a:tcPr>
-                    <a:solidFill>
-                      <a:schemeClr val="accent2">
-                        <a:lumMod val="20000"/>
-                        <a:lumOff val="80000"/>
-                      </a:schemeClr>
-                    </a:solidFill>
-                  </a:tcPr>
-                </a:tc>
-                <a:tc>
-                  <a:txBody>
-                    <a:bodyPr/>
-                    <a:lstStyle/>
-                    <a:p>
-                      <a:pPr marL="571500" indent="-571500">
-                        <a:lnSpc>
-                          <a:spcPct val="150000"/>
-                        </a:lnSpc>
-                        <a:buFontTx/>
-                        <a:buChar char="-"/>
-                      </a:pPr>
-                      <a:r>
-                        <a:rPr lang="fr-FR" sz="4400" dirty="0" err="1" smtClean="0"/>
-                        <a:t>Epochs</a:t>
-                      </a:r>
-                      <a:r>
-                        <a:rPr lang="fr-FR" sz="4400" dirty="0" smtClean="0"/>
-                        <a:t> : 10</a:t>
-                      </a:r>
-                    </a:p>
-                    <a:p>
-                      <a:pPr marL="571500" indent="-571500">
-                        <a:lnSpc>
-                          <a:spcPct val="150000"/>
-                        </a:lnSpc>
-                        <a:buFontTx/>
-                        <a:buChar char="-"/>
-                      </a:pPr>
-                      <a:r>
-                        <a:rPr lang="fr-FR" sz="4400" dirty="0" smtClean="0"/>
-                        <a:t>Optimiseur</a:t>
-                      </a:r>
-                      <a:r>
-                        <a:rPr lang="fr-FR" sz="4400" baseline="0" dirty="0" smtClean="0"/>
-                        <a:t> : Adam</a:t>
-                      </a:r>
-                      <a:endParaRPr lang="fr-FR" sz="4400" dirty="0"/>
-                    </a:p>
-                  </a:txBody>
-                  <a:tcPr>
-                    <a:solidFill>
-                      <a:schemeClr val="accent2">
-                        <a:lumMod val="20000"/>
-                        <a:lumOff val="80000"/>
-                      </a:schemeClr>
-                    </a:solidFill>
-                  </a:tcPr>
-                </a:tc>
-                <a:extLst>
-                  <a:ext uri="{0D108BD9-81ED-4DB2-BD59-A6C34878D82A}">
-                    <a16:rowId xmlns:a16="http://schemas.microsoft.com/office/drawing/2014/main" val="1121294834"/>
-                  </a:ext>
-                </a:extLst>
-              </a:tr>
-              <a:tr h="643841">
-                <a:tc>
-                  <a:txBody>
-                    <a:bodyPr/>
-                    <a:lstStyle/>
-                    <a:p>
-                      <a:pPr algn="ctr">
-                        <a:lnSpc>
-                          <a:spcPct val="100000"/>
-                        </a:lnSpc>
-                      </a:pPr>
-                      <a:r>
-                        <a:rPr lang="fr-FR" sz="4400" dirty="0" smtClean="0"/>
-                        <a:t>Bibliothèque</a:t>
-                      </a:r>
-                      <a:endParaRPr lang="fr-FR" sz="4400" baseline="0" dirty="0" smtClean="0"/>
-                    </a:p>
-                    <a:p>
-                      <a:pPr algn="ctr">
-                        <a:lnSpc>
-                          <a:spcPct val="100000"/>
-                        </a:lnSpc>
-                      </a:pPr>
-                      <a:r>
-                        <a:rPr lang="fr-FR" sz="4400" baseline="0" dirty="0" smtClean="0"/>
-                        <a:t>utilisée</a:t>
-                      </a:r>
-                      <a:endParaRPr lang="fr-FR" sz="4400" dirty="0"/>
-                    </a:p>
-                  </a:txBody>
-                  <a:tcPr>
-                    <a:solidFill>
-                      <a:schemeClr val="accent2">
-                        <a:lumMod val="20000"/>
-                        <a:lumOff val="80000"/>
-                      </a:schemeClr>
-                    </a:solidFill>
-                  </a:tcPr>
-                </a:tc>
-                <a:tc>
-                  <a:txBody>
-                    <a:bodyPr/>
-                    <a:lstStyle/>
-                    <a:p>
-                      <a:pPr>
-                        <a:lnSpc>
-                          <a:spcPct val="150000"/>
-                        </a:lnSpc>
-                      </a:pPr>
-                      <a:r>
-                        <a:rPr lang="fr-FR" sz="4400" dirty="0" err="1" smtClean="0"/>
-                        <a:t>sqLearn</a:t>
-                      </a:r>
-                      <a:endParaRPr lang="fr-FR" sz="4400" dirty="0"/>
-                    </a:p>
-                  </a:txBody>
-                  <a:tcPr>
-                    <a:solidFill>
-                      <a:schemeClr val="accent2">
-                        <a:lumMod val="20000"/>
-                        <a:lumOff val="80000"/>
-                      </a:schemeClr>
-                    </a:solidFill>
-                  </a:tcPr>
-                </a:tc>
-                <a:tc>
-                  <a:txBody>
-                    <a:bodyPr/>
-                    <a:lstStyle/>
-                    <a:p>
-                      <a:pPr algn="ctr">
-                        <a:lnSpc>
-                          <a:spcPct val="150000"/>
-                        </a:lnSpc>
-                      </a:pPr>
-                      <a:r>
-                        <a:rPr lang="fr-FR" sz="4400" dirty="0" err="1" smtClean="0"/>
-                        <a:t>Keras</a:t>
-                      </a:r>
-                      <a:endParaRPr lang="fr-FR" sz="4400" dirty="0"/>
-                    </a:p>
-                  </a:txBody>
-                  <a:tcPr>
-                    <a:solidFill>
-                      <a:schemeClr val="accent2">
-                        <a:lumMod val="20000"/>
-                        <a:lumOff val="80000"/>
-                      </a:schemeClr>
-                    </a:solidFill>
-                  </a:tcPr>
-                </a:tc>
-                <a:extLst>
-                  <a:ext uri="{0D108BD9-81ED-4DB2-BD59-A6C34878D82A}">
-                    <a16:rowId xmlns:a16="http://schemas.microsoft.com/office/drawing/2014/main" val="2308658979"/>
-                  </a:ext>
-                </a:extLst>
-              </a:tr>
-            </a:tbl>
-          </a:graphicData>
-        </a:graphic>
-      </p:graphicFrame>
-      <p:sp>
-        <p:nvSpPr>
-          <p:cNvPr id="27" name="ZoneTexte 26"/>
+      <p:sp>
+        <p:nvSpPr>
+          <p:cNvPr id="2" name="ZoneTexte 33">
+            <a:extLst>
+              <a:ext uri="{FF2B5EF4-FFF2-40B4-BE49-F238E27FC236}">
+                <a16:creationId xmlns:a16="http://schemas.microsoft.com/office/drawing/2014/main" id="{457F3872-0D3F-4E41-B274-94475BE2D18D}"/>
+              </a:ext>
+            </a:extLst>
+          </p:cNvPr>
           <p:cNvSpPr txBox="1"/>
           <p:nvPr/>
         </p:nvSpPr>
         <p:spPr>
           <a:xfrm>
-            <a:off x="7995051" y="14783802"/>
-            <a:ext cx="1440160" cy="769441"/>
+            <a:off x="2033812" y="11340134"/>
+            <a:ext cx="29964433" cy="1261884"/>
           </a:xfrm>
           <a:prstGeom prst="rect">
             <a:avLst/>
@@ -6439,658 +5333,191 @@
           </a:bodyPr>
           <a:lstStyle/>
           <a:p>
-            <a:r>
-              <a:rPr lang="fr-FR" altLang="fr-FR" sz="4400" b="1" dirty="0" smtClean="0">
-                <a:solidFill>
-                  <a:srgbClr val="6C5098"/>
-                </a:solidFill>
-              </a:rPr>
+            <a:pPr algn="just"/>
+            <a:r>
+              <a:rPr lang="fr-FR" sz="3800" dirty="0"/>
+              <a:t>Pour la classification des déchets en cinq catégories, deux solutions de </a:t>
+            </a:r>
+            <a:r>
+              <a:rPr lang="fr-FR" sz="3800" b="1" dirty="0"/>
+              <a:t>machine </a:t>
+            </a:r>
+            <a:r>
+              <a:rPr lang="fr-FR" sz="3800" b="1" dirty="0" err="1"/>
+              <a:t>learning</a:t>
+            </a:r>
+            <a:r>
+              <a:rPr lang="fr-FR" sz="3800" dirty="0"/>
+              <a:t> ont été explorées : </a:t>
+            </a:r>
+            <a:r>
+              <a:rPr lang="fr-FR" sz="3800" b="1" dirty="0"/>
               <a:t>SVM</a:t>
             </a:r>
-            <a:endParaRPr lang="fr-FR" sz="4400" dirty="0"/>
-          </a:p>
-        </p:txBody>
-      </p:sp>
-      <p:sp>
-        <p:nvSpPr>
-          <p:cNvPr id="31" name="ZoneTexte 30"/>
-          <p:cNvSpPr txBox="1"/>
+            <a:r>
+              <a:rPr lang="fr-FR" sz="3800" dirty="0"/>
+              <a:t> (</a:t>
+            </a:r>
+            <a:r>
+              <a:rPr lang="fr-FR" sz="3800" b="1" dirty="0"/>
+              <a:t>S</a:t>
+            </a:r>
+            <a:r>
+              <a:rPr lang="fr-FR" sz="3800" dirty="0"/>
+              <a:t>upport </a:t>
+            </a:r>
+            <a:r>
+              <a:rPr lang="fr-FR" sz="3800" b="1" dirty="0" err="1"/>
+              <a:t>V</a:t>
+            </a:r>
+            <a:r>
+              <a:rPr lang="fr-FR" sz="3800" dirty="0" err="1"/>
+              <a:t>ector</a:t>
+            </a:r>
+            <a:r>
+              <a:rPr lang="fr-FR" sz="3800" dirty="0"/>
+              <a:t> </a:t>
+            </a:r>
+            <a:r>
+              <a:rPr lang="fr-FR" sz="3800" b="1" dirty="0"/>
+              <a:t>M</a:t>
+            </a:r>
+            <a:r>
+              <a:rPr lang="fr-FR" sz="3800" dirty="0"/>
+              <a:t>achine), </a:t>
+            </a:r>
+            <a:r>
+              <a:rPr lang="fr-FR" sz="3800" b="1" dirty="0"/>
+              <a:t>CNN</a:t>
+            </a:r>
+            <a:r>
+              <a:rPr lang="fr-FR" sz="3800" dirty="0"/>
+              <a:t> (</a:t>
+            </a:r>
+            <a:r>
+              <a:rPr lang="en-US" sz="3800" b="1" dirty="0"/>
+              <a:t>C</a:t>
+            </a:r>
+            <a:r>
+              <a:rPr lang="en-US" sz="3800" dirty="0"/>
+              <a:t>onvolutional </a:t>
+            </a:r>
+            <a:r>
+              <a:rPr lang="en-US" sz="3800" b="1" dirty="0"/>
+              <a:t>N</a:t>
+            </a:r>
+            <a:r>
+              <a:rPr lang="en-US" sz="3800" dirty="0"/>
+              <a:t>eural </a:t>
+            </a:r>
+            <a:r>
+              <a:rPr lang="en-US" sz="3800" b="1" dirty="0"/>
+              <a:t>N</a:t>
+            </a:r>
+            <a:r>
+              <a:rPr lang="en-US" sz="3800" dirty="0"/>
+              <a:t>etwork</a:t>
+            </a:r>
+            <a:r>
+              <a:rPr lang="fr-FR" sz="3800" dirty="0"/>
+              <a:t>) avec du </a:t>
+            </a:r>
+            <a:r>
+              <a:rPr lang="fr-FR" sz="3800" b="1" dirty="0" err="1"/>
+              <a:t>transfer</a:t>
+            </a:r>
+            <a:r>
+              <a:rPr lang="fr-FR" sz="3800" b="1" dirty="0"/>
+              <a:t> </a:t>
+            </a:r>
+            <a:r>
+              <a:rPr lang="fr-FR" sz="3800" b="1" dirty="0" err="1"/>
+              <a:t>learning</a:t>
+            </a:r>
+            <a:r>
+              <a:rPr lang="fr-FR" sz="3800" dirty="0"/>
+              <a:t>. Les précisions obtenues sont respectivement de </a:t>
+            </a:r>
+            <a:r>
+              <a:rPr lang="fr-FR" sz="3800" b="1" dirty="0"/>
+              <a:t>65</a:t>
+            </a:r>
+            <a:r>
+              <a:rPr lang="fr-FR" sz="3800" dirty="0"/>
+              <a:t>% et </a:t>
+            </a:r>
+            <a:r>
+              <a:rPr lang="fr-FR" sz="3800" b="1" dirty="0"/>
+              <a:t>90</a:t>
+            </a:r>
+            <a:r>
+              <a:rPr lang="fr-FR" sz="3800" dirty="0"/>
+              <a:t>%.</a:t>
+            </a:r>
+          </a:p>
+        </p:txBody>
+      </p:sp>
+      <p:sp>
+        <p:nvSpPr>
+          <p:cNvPr id="10" name="Rectangle 3">
+            <a:extLst>
+              <a:ext uri="{FF2B5EF4-FFF2-40B4-BE49-F238E27FC236}">
+                <a16:creationId xmlns:a16="http://schemas.microsoft.com/office/drawing/2014/main" id="{56F82821-B709-4B46-903E-FD5734035A0B}"/>
+              </a:ext>
+            </a:extLst>
+          </p:cNvPr>
+          <p:cNvSpPr>
+            <a:spLocks noChangeArrowheads="1"/>
+          </p:cNvSpPr>
           <p:nvPr/>
         </p:nvSpPr>
-        <p:spPr>
+        <p:spPr bwMode="auto">
           <a:xfrm>
-            <a:off x="4353012" y="12102220"/>
-            <a:ext cx="10153129" cy="1446550"/>
+            <a:off x="152400" y="152400"/>
+            <a:ext cx="24142700" cy="0"/>
           </a:xfrm>
           <a:prstGeom prst="rect">
             <a:avLst/>
           </a:prstGeom>
-          <a:noFill/>
-        </p:spPr>
-        <p:txBody>
-          <a:bodyPr wrap="square" rtlCol="0">
+          <a:solidFill>
+            <a:srgbClr val="40444B"/>
+          </a:solidFill>
+          <a:ln>
+            <a:noFill/>
+          </a:ln>
+          <a:effectLst/>
+          <a:extLst>
+            <a:ext uri="{91240B29-F687-4F45-9708-019B960494DF}">
+              <a14:hiddenLine xmlns:a14="http://schemas.microsoft.com/office/drawing/2010/main" w="9525">
+                <a:solidFill>
+                  <a:schemeClr val="tx1"/>
+                </a:solidFill>
+                <a:miter lim="800000"/>
+                <a:headEnd/>
+                <a:tailEnd/>
+              </a14:hiddenLine>
+            </a:ext>
+            <a:ext uri="{AF507438-7753-43E0-B8FC-AC1667EBCBE1}">
+              <a14:hiddenEffects xmlns:a14="http://schemas.microsoft.com/office/drawing/2010/main">
+                <a:effectLst>
+                  <a:outerShdw dist="35921" dir="2700000" algn="ctr" rotWithShape="0">
+                    <a:schemeClr val="bg2"/>
+                  </a:outerShdw>
+                </a:effectLst>
+              </a14:hiddenEffects>
+            </a:ext>
+          </a:extLst>
+        </p:spPr>
+        <p:txBody>
+          <a:bodyPr vert="horz" wrap="none" lIns="0" tIns="0" rIns="0" bIns="0" numCol="1" anchor="ctr" anchorCtr="0" compatLnSpc="1">
+            <a:prstTxWarp prst="textNoShape">
+              <a:avLst/>
+            </a:prstTxWarp>
             <a:spAutoFit/>
           </a:bodyPr>
           <a:lstStyle/>
           <a:p>
-            <a:r>
-              <a:rPr lang="fr-FR" sz="4400" dirty="0" smtClean="0"/>
-              <a:t>Ci-dessous, on retrouve les étapes détaillées de conception </a:t>
-            </a:r>
-            <a:r>
-              <a:rPr lang="fr-FR" sz="4400" dirty="0" smtClean="0"/>
-              <a:t>du SVM </a:t>
-            </a:r>
-            <a:r>
-              <a:rPr lang="fr-FR" sz="4400" dirty="0" smtClean="0"/>
-              <a:t>:</a:t>
-            </a:r>
-            <a:endParaRPr lang="fr-FR" sz="4400" dirty="0"/>
-          </a:p>
-        </p:txBody>
-      </p:sp>
-      <p:sp>
-        <p:nvSpPr>
-          <p:cNvPr id="33" name="ZoneTexte 32"/>
-          <p:cNvSpPr txBox="1"/>
-          <p:nvPr/>
-        </p:nvSpPr>
-        <p:spPr>
-          <a:xfrm>
-            <a:off x="6806138" y="16093835"/>
-            <a:ext cx="3817986" cy="1446550"/>
-          </a:xfrm>
-          <a:prstGeom prst="rect">
-            <a:avLst/>
-          </a:prstGeom>
-          <a:noFill/>
-          <a:ln>
-            <a:solidFill>
-              <a:schemeClr val="tx1"/>
-            </a:solidFill>
-          </a:ln>
-        </p:spPr>
-        <p:txBody>
-          <a:bodyPr wrap="square" rtlCol="0">
-            <a:spAutoFit/>
-          </a:bodyPr>
-          <a:lstStyle/>
-          <a:p>
-            <a:pPr algn="ctr"/>
-            <a:r>
-              <a:rPr lang="fr-FR" sz="4400" dirty="0" smtClean="0"/>
-              <a:t>Read Training Images</a:t>
-            </a:r>
-            <a:endParaRPr lang="fr-FR" sz="4400" dirty="0"/>
-          </a:p>
-        </p:txBody>
-      </p:sp>
-      <p:sp>
-        <p:nvSpPr>
-          <p:cNvPr id="42" name="ZoneTexte 41"/>
-          <p:cNvSpPr txBox="1"/>
-          <p:nvPr/>
-        </p:nvSpPr>
-        <p:spPr>
-          <a:xfrm>
-            <a:off x="6806138" y="18191837"/>
-            <a:ext cx="3817986" cy="1446550"/>
-          </a:xfrm>
-          <a:prstGeom prst="rect">
-            <a:avLst/>
-          </a:prstGeom>
-          <a:noFill/>
-          <a:ln>
-            <a:solidFill>
-              <a:schemeClr val="tx1"/>
-            </a:solidFill>
-          </a:ln>
-        </p:spPr>
-        <p:txBody>
-          <a:bodyPr wrap="square" rtlCol="0">
-            <a:spAutoFit/>
-          </a:bodyPr>
-          <a:lstStyle/>
-          <a:p>
-            <a:pPr algn="ctr"/>
-            <a:r>
-              <a:rPr lang="fr-FR" sz="4400" dirty="0" smtClean="0"/>
-              <a:t>SIFT </a:t>
-            </a:r>
-            <a:r>
-              <a:rPr lang="fr-FR" sz="4400" dirty="0" err="1" smtClean="0"/>
-              <a:t>Feature</a:t>
-            </a:r>
-            <a:r>
-              <a:rPr lang="fr-FR" sz="4400" dirty="0" smtClean="0"/>
-              <a:t> Extraction</a:t>
-            </a:r>
-            <a:endParaRPr lang="fr-FR" sz="4400" dirty="0"/>
-          </a:p>
-        </p:txBody>
-      </p:sp>
-      <p:sp>
-        <p:nvSpPr>
-          <p:cNvPr id="43" name="ZoneTexte 42"/>
-          <p:cNvSpPr txBox="1"/>
-          <p:nvPr/>
-        </p:nvSpPr>
-        <p:spPr>
-          <a:xfrm>
-            <a:off x="6806138" y="20298584"/>
-            <a:ext cx="3817986" cy="1446550"/>
-          </a:xfrm>
-          <a:prstGeom prst="rect">
-            <a:avLst/>
-          </a:prstGeom>
-          <a:noFill/>
-          <a:ln>
-            <a:solidFill>
-              <a:schemeClr val="tx1"/>
-            </a:solidFill>
-          </a:ln>
-        </p:spPr>
-        <p:txBody>
-          <a:bodyPr wrap="square" rtlCol="0">
-            <a:spAutoFit/>
-          </a:bodyPr>
-          <a:lstStyle/>
-          <a:p>
-            <a:pPr algn="ctr"/>
-            <a:r>
-              <a:rPr lang="fr-FR" sz="4400" dirty="0" smtClean="0"/>
-              <a:t>K-</a:t>
-            </a:r>
-            <a:r>
-              <a:rPr lang="fr-FR" sz="4400" dirty="0" err="1" smtClean="0"/>
-              <a:t>Means</a:t>
-            </a:r>
-            <a:r>
-              <a:rPr lang="fr-FR" sz="4400" dirty="0" smtClean="0"/>
-              <a:t> </a:t>
-            </a:r>
-            <a:r>
-              <a:rPr lang="fr-FR" sz="4400" dirty="0" err="1" smtClean="0"/>
-              <a:t>Clustring</a:t>
-            </a:r>
-            <a:endParaRPr lang="fr-FR" sz="4400" dirty="0"/>
-          </a:p>
-        </p:txBody>
-      </p:sp>
-      <p:sp>
-        <p:nvSpPr>
-          <p:cNvPr id="44" name="ZoneTexte 43"/>
-          <p:cNvSpPr txBox="1"/>
-          <p:nvPr/>
-        </p:nvSpPr>
-        <p:spPr>
-          <a:xfrm>
-            <a:off x="6806138" y="22401658"/>
-            <a:ext cx="3817986" cy="1446550"/>
-          </a:xfrm>
-          <a:prstGeom prst="rect">
-            <a:avLst/>
-          </a:prstGeom>
-          <a:noFill/>
-          <a:ln>
-            <a:solidFill>
-              <a:schemeClr val="tx1"/>
-            </a:solidFill>
-          </a:ln>
-        </p:spPr>
-        <p:txBody>
-          <a:bodyPr wrap="square" rtlCol="0">
-            <a:spAutoFit/>
-          </a:bodyPr>
-          <a:lstStyle/>
-          <a:p>
-            <a:pPr algn="ctr"/>
-            <a:r>
-              <a:rPr lang="fr-FR" sz="4400" dirty="0" smtClean="0"/>
-              <a:t>Bag of </a:t>
-            </a:r>
-          </a:p>
-          <a:p>
-            <a:pPr algn="ctr"/>
-            <a:r>
-              <a:rPr lang="fr-FR" sz="4400" dirty="0" err="1" smtClean="0"/>
-              <a:t>Words</a:t>
-            </a:r>
-            <a:endParaRPr lang="fr-FR" sz="4400" dirty="0"/>
-          </a:p>
-        </p:txBody>
-      </p:sp>
-      <p:sp>
-        <p:nvSpPr>
-          <p:cNvPr id="45" name="ZoneTexte 44"/>
-          <p:cNvSpPr txBox="1"/>
-          <p:nvPr/>
-        </p:nvSpPr>
-        <p:spPr>
-          <a:xfrm>
-            <a:off x="6806138" y="24504732"/>
-            <a:ext cx="3817986" cy="1446550"/>
-          </a:xfrm>
-          <a:prstGeom prst="rect">
-            <a:avLst/>
-          </a:prstGeom>
-          <a:noFill/>
-          <a:ln>
-            <a:solidFill>
-              <a:schemeClr val="tx1"/>
-            </a:solidFill>
-          </a:ln>
-        </p:spPr>
-        <p:txBody>
-          <a:bodyPr wrap="square" rtlCol="0">
-            <a:spAutoFit/>
-          </a:bodyPr>
-          <a:lstStyle/>
-          <a:p>
-            <a:pPr algn="ctr"/>
-            <a:r>
-              <a:rPr lang="fr-FR" sz="4400" dirty="0" err="1" smtClean="0"/>
-              <a:t>Histogram</a:t>
-            </a:r>
-            <a:r>
-              <a:rPr lang="fr-FR" sz="4400" dirty="0" smtClean="0"/>
-              <a:t> </a:t>
-            </a:r>
-            <a:r>
-              <a:rPr lang="fr-FR" sz="4400" dirty="0" err="1" smtClean="0"/>
-              <a:t>Calculations</a:t>
-            </a:r>
-            <a:endParaRPr lang="fr-FR" sz="4400" dirty="0"/>
-          </a:p>
-        </p:txBody>
-      </p:sp>
-      <p:sp>
-        <p:nvSpPr>
-          <p:cNvPr id="46" name="ZoneTexte 45"/>
-          <p:cNvSpPr txBox="1"/>
-          <p:nvPr/>
-        </p:nvSpPr>
-        <p:spPr>
-          <a:xfrm>
-            <a:off x="6806138" y="26605142"/>
-            <a:ext cx="3817986" cy="1446550"/>
-          </a:xfrm>
-          <a:prstGeom prst="rect">
-            <a:avLst/>
-          </a:prstGeom>
-          <a:noFill/>
-          <a:ln>
-            <a:solidFill>
-              <a:schemeClr val="tx1"/>
-            </a:solidFill>
-          </a:ln>
-        </p:spPr>
-        <p:txBody>
-          <a:bodyPr wrap="square" rtlCol="0">
-            <a:spAutoFit/>
-          </a:bodyPr>
-          <a:lstStyle/>
-          <a:p>
-            <a:pPr algn="ctr"/>
-            <a:r>
-              <a:rPr lang="fr-FR" sz="4400" dirty="0" smtClean="0"/>
-              <a:t>SVM </a:t>
-            </a:r>
-          </a:p>
-          <a:p>
-            <a:pPr algn="ctr"/>
-            <a:r>
-              <a:rPr lang="fr-FR" sz="4400" dirty="0" smtClean="0"/>
-              <a:t>Model</a:t>
-            </a:r>
-            <a:endParaRPr lang="fr-FR" sz="4400" dirty="0"/>
-          </a:p>
-        </p:txBody>
-      </p:sp>
-      <p:sp>
-        <p:nvSpPr>
-          <p:cNvPr id="56" name="ZoneTexte 55"/>
-          <p:cNvSpPr txBox="1"/>
-          <p:nvPr/>
-        </p:nvSpPr>
-        <p:spPr>
-          <a:xfrm>
-            <a:off x="22708328" y="14783802"/>
-            <a:ext cx="1440160" cy="769441"/>
-          </a:xfrm>
-          <a:prstGeom prst="rect">
-            <a:avLst/>
-          </a:prstGeom>
-          <a:noFill/>
-        </p:spPr>
-        <p:txBody>
-          <a:bodyPr wrap="square" rtlCol="0">
-            <a:spAutoFit/>
-          </a:bodyPr>
-          <a:lstStyle/>
-          <a:p>
-            <a:r>
-              <a:rPr lang="fr-FR" altLang="fr-FR" sz="4400" b="1" dirty="0" smtClean="0">
-                <a:solidFill>
-                  <a:srgbClr val="6C5098"/>
-                </a:solidFill>
-              </a:rPr>
-              <a:t>CNN</a:t>
-            </a:r>
-            <a:endParaRPr lang="fr-FR" sz="4400" dirty="0"/>
-          </a:p>
-        </p:txBody>
-      </p:sp>
-      <p:sp>
-        <p:nvSpPr>
-          <p:cNvPr id="59" name="ZoneTexte 58"/>
-          <p:cNvSpPr txBox="1"/>
-          <p:nvPr/>
-        </p:nvSpPr>
-        <p:spPr>
-          <a:xfrm>
-            <a:off x="3078856" y="30963793"/>
-            <a:ext cx="28033087" cy="769441"/>
-          </a:xfrm>
-          <a:prstGeom prst="rect">
-            <a:avLst/>
-          </a:prstGeom>
-          <a:noFill/>
-        </p:spPr>
-        <p:txBody>
-          <a:bodyPr wrap="square" rtlCol="0">
-            <a:spAutoFit/>
-          </a:bodyPr>
-          <a:lstStyle/>
-          <a:p>
-            <a:r>
-              <a:rPr lang="fr-FR" sz="4400" dirty="0"/>
-              <a:t>Les différentes caractéristiques des deux </a:t>
-            </a:r>
-            <a:r>
-              <a:rPr lang="fr-FR" sz="4400" dirty="0" smtClean="0"/>
-              <a:t>méthodes, ainsi que les résultats obtenus via </a:t>
-            </a:r>
-            <a:r>
-              <a:rPr lang="fr-FR" sz="4400" b="1" dirty="0" smtClean="0"/>
-              <a:t>Cross-Validation</a:t>
-            </a:r>
-            <a:r>
-              <a:rPr lang="fr-FR" sz="4400" dirty="0" smtClean="0"/>
-              <a:t> :</a:t>
-            </a:r>
-            <a:endParaRPr lang="fr-FR" sz="4400" dirty="0"/>
-          </a:p>
-        </p:txBody>
-      </p:sp>
-      <p:sp>
-        <p:nvSpPr>
-          <p:cNvPr id="3" name="ZoneTexte 2"/>
-          <p:cNvSpPr txBox="1"/>
-          <p:nvPr/>
-        </p:nvSpPr>
-        <p:spPr>
-          <a:xfrm>
-            <a:off x="17991806" y="16093835"/>
-            <a:ext cx="10873207" cy="769441"/>
-          </a:xfrm>
-          <a:prstGeom prst="rect">
-            <a:avLst/>
-          </a:prstGeom>
-          <a:noFill/>
-          <a:ln>
-            <a:solidFill>
-              <a:schemeClr val="tx1"/>
-            </a:solidFill>
-          </a:ln>
-        </p:spPr>
-        <p:txBody>
-          <a:bodyPr wrap="square" rtlCol="0">
-            <a:spAutoFit/>
-          </a:bodyPr>
-          <a:lstStyle/>
-          <a:p>
-            <a:pPr algn="ctr"/>
-            <a:r>
-              <a:rPr lang="fr-FR" sz="4400" dirty="0" smtClean="0"/>
-              <a:t>VGG19 (sans les dernière trois couches)</a:t>
-            </a:r>
-            <a:endParaRPr lang="fr-FR" sz="4400" dirty="0"/>
-          </a:p>
-        </p:txBody>
-      </p:sp>
-      <p:sp>
-        <p:nvSpPr>
-          <p:cNvPr id="30" name="ZoneTexte 29"/>
-          <p:cNvSpPr txBox="1"/>
-          <p:nvPr/>
-        </p:nvSpPr>
-        <p:spPr>
-          <a:xfrm>
-            <a:off x="17991806" y="17694090"/>
-            <a:ext cx="10873207" cy="769441"/>
-          </a:xfrm>
-          <a:prstGeom prst="rect">
-            <a:avLst/>
-          </a:prstGeom>
-          <a:noFill/>
-          <a:ln>
-            <a:solidFill>
-              <a:schemeClr val="tx1"/>
-            </a:solidFill>
-          </a:ln>
-        </p:spPr>
-        <p:txBody>
-          <a:bodyPr wrap="square" rtlCol="0">
-            <a:spAutoFit/>
-          </a:bodyPr>
-          <a:lstStyle/>
-          <a:p>
-            <a:pPr algn="ctr"/>
-            <a:r>
-              <a:rPr lang="fr-FR" sz="4400" dirty="0" smtClean="0"/>
-              <a:t>Global </a:t>
-            </a:r>
-            <a:r>
-              <a:rPr lang="fr-FR" sz="4400" dirty="0" err="1" smtClean="0"/>
-              <a:t>Average</a:t>
-            </a:r>
-            <a:r>
-              <a:rPr lang="fr-FR" sz="4400" dirty="0" smtClean="0"/>
-              <a:t> </a:t>
-            </a:r>
-            <a:r>
-              <a:rPr lang="fr-FR" sz="4400" dirty="0" err="1" smtClean="0"/>
-              <a:t>Pooling</a:t>
-            </a:r>
-            <a:r>
-              <a:rPr lang="fr-FR" sz="4400" dirty="0" smtClean="0"/>
-              <a:t> 2D</a:t>
-            </a:r>
-            <a:endParaRPr lang="fr-FR" sz="4400" dirty="0"/>
-          </a:p>
-        </p:txBody>
-      </p:sp>
-      <p:sp>
-        <p:nvSpPr>
-          <p:cNvPr id="32" name="ZoneTexte 31"/>
-          <p:cNvSpPr txBox="1"/>
-          <p:nvPr/>
-        </p:nvSpPr>
-        <p:spPr>
-          <a:xfrm>
-            <a:off x="17991806" y="19294345"/>
-            <a:ext cx="10873207" cy="2123658"/>
-          </a:xfrm>
-          <a:prstGeom prst="rect">
-            <a:avLst/>
-          </a:prstGeom>
-          <a:noFill/>
-          <a:ln>
-            <a:solidFill>
-              <a:schemeClr val="tx1"/>
-            </a:solidFill>
-          </a:ln>
-        </p:spPr>
-        <p:txBody>
-          <a:bodyPr wrap="square" rtlCol="0">
-            <a:spAutoFit/>
-          </a:bodyPr>
-          <a:lstStyle/>
-          <a:p>
-            <a:pPr algn="ctr"/>
-            <a:r>
-              <a:rPr lang="fr-FR" sz="4400" dirty="0" smtClean="0"/>
-              <a:t>Couche dense de 1024 unités</a:t>
-            </a:r>
-          </a:p>
-          <a:p>
-            <a:pPr algn="ctr"/>
-            <a:r>
-              <a:rPr lang="fr-FR" sz="4400" dirty="0"/>
-              <a:t>+</a:t>
-            </a:r>
-            <a:endParaRPr lang="fr-FR" sz="4400" dirty="0" smtClean="0"/>
-          </a:p>
-          <a:p>
-            <a:pPr algn="ctr"/>
-            <a:r>
-              <a:rPr lang="fr-FR" sz="4400" dirty="0" smtClean="0"/>
-              <a:t>Fonction d’activation Relu</a:t>
-            </a:r>
-            <a:endParaRPr lang="fr-FR" sz="4400" dirty="0"/>
-          </a:p>
-        </p:txBody>
-      </p:sp>
-      <p:sp>
-        <p:nvSpPr>
-          <p:cNvPr id="35" name="ZoneTexte 34"/>
-          <p:cNvSpPr txBox="1"/>
-          <p:nvPr/>
-        </p:nvSpPr>
-        <p:spPr>
-          <a:xfrm>
-            <a:off x="17991806" y="22248817"/>
-            <a:ext cx="10873207" cy="2123658"/>
-          </a:xfrm>
-          <a:prstGeom prst="rect">
-            <a:avLst/>
-          </a:prstGeom>
-          <a:noFill/>
-          <a:ln>
-            <a:solidFill>
-              <a:schemeClr val="tx1"/>
-            </a:solidFill>
-          </a:ln>
-        </p:spPr>
-        <p:txBody>
-          <a:bodyPr wrap="square" rtlCol="0">
-            <a:spAutoFit/>
-          </a:bodyPr>
-          <a:lstStyle/>
-          <a:p>
-            <a:pPr algn="ctr"/>
-            <a:r>
-              <a:rPr lang="fr-FR" sz="4400" dirty="0" smtClean="0"/>
-              <a:t>Couche dense de 1024 unités</a:t>
-            </a:r>
-          </a:p>
-          <a:p>
-            <a:pPr algn="ctr"/>
-            <a:r>
-              <a:rPr lang="fr-FR" sz="4400" dirty="0"/>
-              <a:t>+</a:t>
-            </a:r>
-            <a:endParaRPr lang="fr-FR" sz="4400" dirty="0" smtClean="0"/>
-          </a:p>
-          <a:p>
-            <a:pPr algn="ctr"/>
-            <a:r>
-              <a:rPr lang="fr-FR" sz="4400" dirty="0" smtClean="0"/>
-              <a:t>Fonction d’activation Relu</a:t>
-            </a:r>
-            <a:endParaRPr lang="fr-FR" sz="4400" dirty="0"/>
-          </a:p>
-        </p:txBody>
-      </p:sp>
-      <p:sp>
-        <p:nvSpPr>
-          <p:cNvPr id="36" name="ZoneTexte 35"/>
-          <p:cNvSpPr txBox="1"/>
-          <p:nvPr/>
-        </p:nvSpPr>
-        <p:spPr>
-          <a:xfrm>
-            <a:off x="17991806" y="25203289"/>
-            <a:ext cx="10873207" cy="769441"/>
-          </a:xfrm>
-          <a:prstGeom prst="rect">
-            <a:avLst/>
-          </a:prstGeom>
-          <a:noFill/>
-          <a:ln>
-            <a:solidFill>
-              <a:schemeClr val="tx1"/>
-            </a:solidFill>
-          </a:ln>
-        </p:spPr>
-        <p:txBody>
-          <a:bodyPr wrap="square" rtlCol="0">
-            <a:spAutoFit/>
-          </a:bodyPr>
-          <a:lstStyle/>
-          <a:p>
-            <a:pPr algn="ctr"/>
-            <a:r>
-              <a:rPr lang="fr-FR" sz="4400" dirty="0" smtClean="0"/>
-              <a:t>Fonction d’activation </a:t>
-            </a:r>
-            <a:r>
-              <a:rPr lang="fr-FR" sz="4400" dirty="0" err="1" smtClean="0"/>
-              <a:t>Softmax</a:t>
-            </a:r>
-            <a:endParaRPr lang="fr-FR" sz="4400" dirty="0"/>
-          </a:p>
-        </p:txBody>
-      </p:sp>
-      <p:sp>
-        <p:nvSpPr>
-          <p:cNvPr id="6" name="Ellipse 5"/>
-          <p:cNvSpPr/>
-          <p:nvPr/>
-        </p:nvSpPr>
-        <p:spPr bwMode="auto">
-          <a:xfrm>
-            <a:off x="18235226" y="26785433"/>
-            <a:ext cx="1152128" cy="1116667"/>
-          </a:xfrm>
-          <a:prstGeom prst="ellipse">
-            <a:avLst/>
-          </a:prstGeom>
-          <a:solidFill>
-            <a:schemeClr val="bg1"/>
-          </a:solidFill>
-          <a:ln w="9525" cap="flat" cmpd="sng" algn="ctr">
-            <a:solidFill>
-              <a:schemeClr val="tx1"/>
-            </a:solidFill>
-            <a:prstDash val="solid"/>
-            <a:round/>
-            <a:headEnd type="none" w="med" len="med"/>
-            <a:tailEnd type="none" w="med" len="med"/>
-          </a:ln>
-          <a:effectLst/>
-          <a:extLst/>
-        </p:spPr>
-        <p:txBody>
-          <a:bodyPr vert="horz" wrap="square" lIns="91440" tIns="45720" rIns="91440" bIns="45720" numCol="1" rtlCol="0" anchor="t" anchorCtr="0" compatLnSpc="1">
-            <a:prstTxWarp prst="textNoShape">
-              <a:avLst/>
-            </a:prstTxWarp>
-          </a:bodyPr>
-          <a:lstStyle/>
-          <a:p>
-            <a:pPr marL="0" marR="0" indent="0" algn="ctr" defTabSz="914400" rtl="0" eaLnBrk="0" fontAlgn="base" latinLnBrk="0" hangingPunct="0">
+            <a:pPr marL="0" marR="0" lvl="0" indent="0" algn="l" defTabSz="914400" rtl="0" eaLnBrk="0" fontAlgn="base" latinLnBrk="0" hangingPunct="0">
               <a:lnSpc>
                 <a:spcPct val="100000"/>
               </a:lnSpc>
@@ -7106,21 +5533,20 @@
               <a:buNone/>
               <a:tabLst/>
             </a:pPr>
-            <a:r>
-              <a:rPr kumimoji="0" lang="fr-FR" sz="4400" b="0" i="0" u="none" strike="noStrike" cap="none" normalizeH="0" baseline="0" dirty="0" smtClean="0">
+            <a:br>
+              <a:rPr kumimoji="0" lang="fr-FR" altLang="fr-FR" sz="1200" b="0" i="0" u="none" strike="noStrike" cap="none" normalizeH="0" baseline="0">
                 <a:ln>
                   <a:noFill/>
                 </a:ln>
                 <a:solidFill>
-                  <a:schemeClr val="tx1"/>
+                  <a:srgbClr val="DCDDDE"/>
                 </a:solidFill>
                 <a:effectLst/>
-                <a:latin typeface="Arial" charset="0"/>
-                <a:ea typeface="ＭＳ Ｐゴシック" pitchFamily="1" charset="-128"/>
+                <a:latin typeface="Arial" panose="020B0604020202020204" pitchFamily="34" charset="0"/>
+                <a:ea typeface="Whitney"/>
               </a:rPr>
-              <a:t>1</a:t>
-            </a:r>
-            <a:endParaRPr kumimoji="0" lang="fr-FR" sz="4400" b="0" i="0" u="none" strike="noStrike" cap="none" normalizeH="0" baseline="0" dirty="0" smtClean="0">
+            </a:br>
+            <a:endParaRPr kumimoji="0" lang="fr-FR" altLang="fr-FR" sz="1800" b="0" i="0" u="none" strike="noStrike" cap="none" normalizeH="0" baseline="0">
               <a:ln>
                 <a:noFill/>
               </a:ln>
@@ -7128,50 +5554,72 @@
                 <a:schemeClr val="tx1"/>
               </a:solidFill>
               <a:effectLst/>
-              <a:latin typeface="Arial" charset="0"/>
-              <a:ea typeface="ＭＳ Ｐゴシック" pitchFamily="1" charset="-128"/>
+              <a:latin typeface="Arial" panose="020B0604020202020204" pitchFamily="34" charset="0"/>
             </a:endParaRPr>
           </a:p>
         </p:txBody>
       </p:sp>
       <p:sp>
         <p:nvSpPr>
-          <p:cNvPr id="37" name="Ellipse 36"/>
-          <p:cNvSpPr/>
+          <p:cNvPr id="15" name="Rectangle 6">
+            <a:extLst>
+              <a:ext uri="{FF2B5EF4-FFF2-40B4-BE49-F238E27FC236}">
+                <a16:creationId xmlns:a16="http://schemas.microsoft.com/office/drawing/2014/main" id="{AAA6261F-22B6-4E7F-9B8F-C0FAAA9A40B4}"/>
+              </a:ext>
+            </a:extLst>
+          </p:cNvPr>
+          <p:cNvSpPr>
+            <a:spLocks noChangeArrowheads="1"/>
+          </p:cNvSpPr>
           <p:nvPr/>
         </p:nvSpPr>
         <p:spPr bwMode="auto">
           <a:xfrm>
-            <a:off x="20543786" y="26785433"/>
-            <a:ext cx="1152128" cy="1116667"/>
+            <a:off x="152400" y="152400"/>
+            <a:ext cx="24142700" cy="0"/>
           </a:xfrm>
-          <a:prstGeom prst="ellipse">
+          <a:prstGeom prst="rect">
             <a:avLst/>
           </a:prstGeom>
           <a:solidFill>
-            <a:schemeClr val="bg1"/>
+            <a:srgbClr val="40444B"/>
           </a:solidFill>
-          <a:ln w="9525" cap="flat" cmpd="sng" algn="ctr">
-            <a:solidFill>
-              <a:schemeClr val="tx1"/>
-            </a:solidFill>
-            <a:prstDash val="solid"/>
-            <a:round/>
-            <a:headEnd type="none" w="med" len="med"/>
-            <a:tailEnd type="none" w="med" len="med"/>
+          <a:ln>
+            <a:noFill/>
           </a:ln>
           <a:effectLst/>
-          <a:extLst/>
-        </p:spPr>
-        <p:txBody>
-          <a:bodyPr vert="horz" wrap="square" lIns="91440" tIns="45720" rIns="91440" bIns="45720" numCol="1" rtlCol="0" anchor="t" anchorCtr="0" compatLnSpc="1">
+          <a:extLst>
+            <a:ext uri="{91240B29-F687-4F45-9708-019B960494DF}">
+              <a14:hiddenLine xmlns:a14="http://schemas.microsoft.com/office/drawing/2010/main" w="9525">
+                <a:solidFill>
+                  <a:schemeClr val="tx1"/>
+                </a:solidFill>
+                <a:miter lim="800000"/>
+                <a:headEnd/>
+                <a:tailEnd/>
+              </a14:hiddenLine>
+            </a:ext>
+            <a:ext uri="{AF507438-7753-43E0-B8FC-AC1667EBCBE1}">
+              <a14:hiddenEffects xmlns:a14="http://schemas.microsoft.com/office/drawing/2010/main">
+                <a:effectLst>
+                  <a:outerShdw dist="35921" dir="2700000" algn="ctr" rotWithShape="0">
+                    <a:schemeClr val="bg2"/>
+                  </a:outerShdw>
+                </a:effectLst>
+              </a14:hiddenEffects>
+            </a:ext>
+          </a:extLst>
+        </p:spPr>
+        <p:txBody>
+          <a:bodyPr vert="horz" wrap="none" lIns="0" tIns="0" rIns="0" bIns="0" numCol="1" anchor="ctr" anchorCtr="0" compatLnSpc="1">
             <a:prstTxWarp prst="textNoShape">
               <a:avLst/>
             </a:prstTxWarp>
+            <a:spAutoFit/>
           </a:bodyPr>
           <a:lstStyle/>
           <a:p>
-            <a:pPr marL="0" marR="0" indent="0" algn="ctr" defTabSz="914400" rtl="0" eaLnBrk="0" fontAlgn="base" latinLnBrk="0" hangingPunct="0">
+            <a:pPr marL="0" marR="0" lvl="0" indent="0" algn="l" defTabSz="914400" rtl="0" eaLnBrk="0" fontAlgn="base" latinLnBrk="0" hangingPunct="0">
               <a:lnSpc>
                 <a:spcPct val="100000"/>
               </a:lnSpc>
@@ -7187,21 +5635,20 @@
               <a:buNone/>
               <a:tabLst/>
             </a:pPr>
-            <a:r>
-              <a:rPr kumimoji="0" lang="fr-FR" sz="4400" b="0" i="0" u="none" strike="noStrike" cap="none" normalizeH="0" baseline="0" dirty="0" smtClean="0">
+            <a:br>
+              <a:rPr kumimoji="0" lang="fr-FR" altLang="fr-FR" sz="1200" b="0" i="0" u="none" strike="noStrike" cap="none" normalizeH="0" baseline="0">
                 <a:ln>
                   <a:noFill/>
                 </a:ln>
                 <a:solidFill>
-                  <a:schemeClr val="tx1"/>
+                  <a:srgbClr val="DCDDDE"/>
                 </a:solidFill>
                 <a:effectLst/>
-                <a:latin typeface="Arial" charset="0"/>
-                <a:ea typeface="ＭＳ Ｐゴシック" pitchFamily="1" charset="-128"/>
+                <a:latin typeface="Arial" panose="020B0604020202020204" pitchFamily="34" charset="0"/>
+                <a:ea typeface="Whitney"/>
               </a:rPr>
-              <a:t>2</a:t>
-            </a:r>
-            <a:endParaRPr kumimoji="0" lang="fr-FR" sz="4400" b="0" i="0" u="none" strike="noStrike" cap="none" normalizeH="0" baseline="0" dirty="0" smtClean="0">
+            </a:br>
+            <a:endParaRPr kumimoji="0" lang="fr-FR" altLang="fr-FR" sz="1800" b="0" i="0" u="none" strike="noStrike" cap="none" normalizeH="0" baseline="0">
               <a:ln>
                 <a:noFill/>
               </a:ln>
@@ -7209,50 +5656,72 @@
                 <a:schemeClr val="tx1"/>
               </a:solidFill>
               <a:effectLst/>
-              <a:latin typeface="Arial" charset="0"/>
-              <a:ea typeface="ＭＳ Ｐゴシック" pitchFamily="1" charset="-128"/>
+              <a:latin typeface="Arial" panose="020B0604020202020204" pitchFamily="34" charset="0"/>
             </a:endParaRPr>
           </a:p>
         </p:txBody>
       </p:sp>
       <p:sp>
         <p:nvSpPr>
-          <p:cNvPr id="38" name="Ellipse 37"/>
-          <p:cNvSpPr/>
+          <p:cNvPr id="21" name="Rectangle 9">
+            <a:extLst>
+              <a:ext uri="{FF2B5EF4-FFF2-40B4-BE49-F238E27FC236}">
+                <a16:creationId xmlns:a16="http://schemas.microsoft.com/office/drawing/2014/main" id="{D7B96B10-023D-46C7-8693-C13C11D5218A}"/>
+              </a:ext>
+            </a:extLst>
+          </p:cNvPr>
+          <p:cNvSpPr>
+            <a:spLocks noChangeArrowheads="1"/>
+          </p:cNvSpPr>
           <p:nvPr/>
         </p:nvSpPr>
         <p:spPr bwMode="auto">
           <a:xfrm>
-            <a:off x="22852346" y="26785433"/>
-            <a:ext cx="1152128" cy="1116667"/>
+            <a:off x="152400" y="152400"/>
+            <a:ext cx="24142700" cy="0"/>
           </a:xfrm>
-          <a:prstGeom prst="ellipse">
+          <a:prstGeom prst="rect">
             <a:avLst/>
           </a:prstGeom>
           <a:solidFill>
-            <a:schemeClr val="bg1"/>
+            <a:srgbClr val="40444B"/>
           </a:solidFill>
-          <a:ln w="9525" cap="flat" cmpd="sng" algn="ctr">
-            <a:solidFill>
-              <a:schemeClr val="tx1"/>
-            </a:solidFill>
-            <a:prstDash val="solid"/>
-            <a:round/>
-            <a:headEnd type="none" w="med" len="med"/>
-            <a:tailEnd type="none" w="med" len="med"/>
+          <a:ln>
+            <a:noFill/>
           </a:ln>
           <a:effectLst/>
-          <a:extLst/>
-        </p:spPr>
-        <p:txBody>
-          <a:bodyPr vert="horz" wrap="square" lIns="91440" tIns="45720" rIns="91440" bIns="45720" numCol="1" rtlCol="0" anchor="t" anchorCtr="0" compatLnSpc="1">
+          <a:extLst>
+            <a:ext uri="{91240B29-F687-4F45-9708-019B960494DF}">
+              <a14:hiddenLine xmlns:a14="http://schemas.microsoft.com/office/drawing/2010/main" w="9525">
+                <a:solidFill>
+                  <a:schemeClr val="tx1"/>
+                </a:solidFill>
+                <a:miter lim="800000"/>
+                <a:headEnd/>
+                <a:tailEnd/>
+              </a14:hiddenLine>
+            </a:ext>
+            <a:ext uri="{AF507438-7753-43E0-B8FC-AC1667EBCBE1}">
+              <a14:hiddenEffects xmlns:a14="http://schemas.microsoft.com/office/drawing/2010/main">
+                <a:effectLst>
+                  <a:outerShdw dist="35921" dir="2700000" algn="ctr" rotWithShape="0">
+                    <a:schemeClr val="bg2"/>
+                  </a:outerShdw>
+                </a:effectLst>
+              </a14:hiddenEffects>
+            </a:ext>
+          </a:extLst>
+        </p:spPr>
+        <p:txBody>
+          <a:bodyPr vert="horz" wrap="none" lIns="0" tIns="0" rIns="0" bIns="0" numCol="1" anchor="ctr" anchorCtr="0" compatLnSpc="1">
             <a:prstTxWarp prst="textNoShape">
               <a:avLst/>
             </a:prstTxWarp>
+            <a:spAutoFit/>
           </a:bodyPr>
           <a:lstStyle/>
           <a:p>
-            <a:pPr marL="0" marR="0" indent="0" algn="ctr" defTabSz="914400" rtl="0" eaLnBrk="0" fontAlgn="base" latinLnBrk="0" hangingPunct="0">
+            <a:pPr marL="0" marR="0" lvl="0" indent="0" algn="l" defTabSz="914400" rtl="0" eaLnBrk="0" fontAlgn="base" latinLnBrk="0" hangingPunct="0">
               <a:lnSpc>
                 <a:spcPct val="100000"/>
               </a:lnSpc>
@@ -7268,21 +5737,20 @@
               <a:buNone/>
               <a:tabLst/>
             </a:pPr>
-            <a:r>
-              <a:rPr kumimoji="0" lang="fr-FR" sz="4400" b="0" i="0" u="none" strike="noStrike" cap="none" normalizeH="0" baseline="0" dirty="0" smtClean="0">
+            <a:br>
+              <a:rPr kumimoji="0" lang="fr-FR" altLang="fr-FR" sz="1200" b="0" i="0" u="none" strike="noStrike" cap="none" normalizeH="0" baseline="0">
                 <a:ln>
                   <a:noFill/>
                 </a:ln>
                 <a:solidFill>
-                  <a:schemeClr val="tx1"/>
+                  <a:srgbClr val="DCDDDE"/>
                 </a:solidFill>
                 <a:effectLst/>
-                <a:latin typeface="Arial" charset="0"/>
-                <a:ea typeface="ＭＳ Ｐゴシック" pitchFamily="1" charset="-128"/>
+                <a:latin typeface="Arial" panose="020B0604020202020204" pitchFamily="34" charset="0"/>
+                <a:ea typeface="Whitney"/>
               </a:rPr>
-              <a:t>3</a:t>
-            </a:r>
-            <a:endParaRPr kumimoji="0" lang="fr-FR" sz="4400" b="0" i="0" u="none" strike="noStrike" cap="none" normalizeH="0" baseline="0" dirty="0" smtClean="0">
+            </a:br>
+            <a:endParaRPr kumimoji="0" lang="fr-FR" altLang="fr-FR" sz="1800" b="0" i="0" u="none" strike="noStrike" cap="none" normalizeH="0" baseline="0">
               <a:ln>
                 <a:noFill/>
               </a:ln>
@@ -7290,50 +5758,72 @@
                 <a:schemeClr val="tx1"/>
               </a:solidFill>
               <a:effectLst/>
-              <a:latin typeface="Arial" charset="0"/>
-              <a:ea typeface="ＭＳ Ｐゴシック" pitchFamily="1" charset="-128"/>
+              <a:latin typeface="Arial" panose="020B0604020202020204" pitchFamily="34" charset="0"/>
             </a:endParaRPr>
           </a:p>
         </p:txBody>
       </p:sp>
       <p:sp>
         <p:nvSpPr>
-          <p:cNvPr id="39" name="Ellipse 38"/>
-          <p:cNvSpPr/>
+          <p:cNvPr id="25" name="Rectangle 12">
+            <a:extLst>
+              <a:ext uri="{FF2B5EF4-FFF2-40B4-BE49-F238E27FC236}">
+                <a16:creationId xmlns:a16="http://schemas.microsoft.com/office/drawing/2014/main" id="{24E8FF32-5D74-4C16-8511-E9BD39EDDE86}"/>
+              </a:ext>
+            </a:extLst>
+          </p:cNvPr>
+          <p:cNvSpPr>
+            <a:spLocks noChangeArrowheads="1"/>
+          </p:cNvSpPr>
           <p:nvPr/>
         </p:nvSpPr>
         <p:spPr bwMode="auto">
           <a:xfrm>
-            <a:off x="25160906" y="26788166"/>
-            <a:ext cx="1152128" cy="1116667"/>
+            <a:off x="152400" y="152400"/>
+            <a:ext cx="24142700" cy="0"/>
           </a:xfrm>
-          <a:prstGeom prst="ellipse">
+          <a:prstGeom prst="rect">
             <a:avLst/>
           </a:prstGeom>
           <a:solidFill>
-            <a:schemeClr val="bg1"/>
+            <a:srgbClr val="40444B"/>
           </a:solidFill>
-          <a:ln w="9525" cap="flat" cmpd="sng" algn="ctr">
-            <a:solidFill>
-              <a:schemeClr val="tx1"/>
-            </a:solidFill>
-            <a:prstDash val="solid"/>
-            <a:round/>
-            <a:headEnd type="none" w="med" len="med"/>
-            <a:tailEnd type="none" w="med" len="med"/>
+          <a:ln>
+            <a:noFill/>
           </a:ln>
           <a:effectLst/>
-          <a:extLst/>
-        </p:spPr>
-        <p:txBody>
-          <a:bodyPr vert="horz" wrap="square" lIns="91440" tIns="45720" rIns="91440" bIns="45720" numCol="1" rtlCol="0" anchor="t" anchorCtr="0" compatLnSpc="1">
+          <a:extLst>
+            <a:ext uri="{91240B29-F687-4F45-9708-019B960494DF}">
+              <a14:hiddenLine xmlns:a14="http://schemas.microsoft.com/office/drawing/2010/main" w="9525">
+                <a:solidFill>
+                  <a:schemeClr val="tx1"/>
+                </a:solidFill>
+                <a:miter lim="800000"/>
+                <a:headEnd/>
+                <a:tailEnd/>
+              </a14:hiddenLine>
+            </a:ext>
+            <a:ext uri="{AF507438-7753-43E0-B8FC-AC1667EBCBE1}">
+              <a14:hiddenEffects xmlns:a14="http://schemas.microsoft.com/office/drawing/2010/main">
+                <a:effectLst>
+                  <a:outerShdw dist="35921" dir="2700000" algn="ctr" rotWithShape="0">
+                    <a:schemeClr val="bg2"/>
+                  </a:outerShdw>
+                </a:effectLst>
+              </a14:hiddenEffects>
+            </a:ext>
+          </a:extLst>
+        </p:spPr>
+        <p:txBody>
+          <a:bodyPr vert="horz" wrap="none" lIns="0" tIns="0" rIns="0" bIns="0" numCol="1" anchor="ctr" anchorCtr="0" compatLnSpc="1">
             <a:prstTxWarp prst="textNoShape">
               <a:avLst/>
             </a:prstTxWarp>
+            <a:spAutoFit/>
           </a:bodyPr>
           <a:lstStyle/>
           <a:p>
-            <a:pPr marL="0" marR="0" indent="0" algn="ctr" defTabSz="914400" rtl="0" eaLnBrk="0" fontAlgn="base" latinLnBrk="0" hangingPunct="0">
+            <a:pPr marL="0" marR="0" lvl="0" indent="0" algn="l" defTabSz="914400" rtl="0" eaLnBrk="0" fontAlgn="base" latinLnBrk="0" hangingPunct="0">
               <a:lnSpc>
                 <a:spcPct val="100000"/>
               </a:lnSpc>
@@ -7349,21 +5839,20 @@
               <a:buNone/>
               <a:tabLst/>
             </a:pPr>
-            <a:r>
-              <a:rPr kumimoji="0" lang="fr-FR" sz="4400" b="0" i="0" u="none" strike="noStrike" cap="none" normalizeH="0" baseline="0" dirty="0" smtClean="0">
+            <a:br>
+              <a:rPr kumimoji="0" lang="fr-FR" altLang="fr-FR" sz="1200" b="0" i="0" u="none" strike="noStrike" cap="none" normalizeH="0" baseline="0">
                 <a:ln>
                   <a:noFill/>
                 </a:ln>
                 <a:solidFill>
-                  <a:schemeClr val="tx1"/>
+                  <a:srgbClr val="DCDDDE"/>
                 </a:solidFill>
                 <a:effectLst/>
-                <a:latin typeface="Arial" charset="0"/>
-                <a:ea typeface="ＭＳ Ｐゴシック" pitchFamily="1" charset="-128"/>
+                <a:latin typeface="Arial" panose="020B0604020202020204" pitchFamily="34" charset="0"/>
+                <a:ea typeface="Whitney"/>
               </a:rPr>
-              <a:t>4</a:t>
-            </a:r>
-            <a:endParaRPr kumimoji="0" lang="fr-FR" sz="4400" b="0" i="0" u="none" strike="noStrike" cap="none" normalizeH="0" baseline="0" dirty="0" smtClean="0">
+            </a:br>
+            <a:endParaRPr kumimoji="0" lang="fr-FR" altLang="fr-FR" sz="1800" b="0" i="0" u="none" strike="noStrike" cap="none" normalizeH="0" baseline="0">
               <a:ln>
                 <a:noFill/>
               </a:ln>
@@ -7371,50 +5860,72 @@
                 <a:schemeClr val="tx1"/>
               </a:solidFill>
               <a:effectLst/>
-              <a:latin typeface="Arial" charset="0"/>
-              <a:ea typeface="ＭＳ Ｐゴシック" pitchFamily="1" charset="-128"/>
+              <a:latin typeface="Arial" panose="020B0604020202020204" pitchFamily="34" charset="0"/>
             </a:endParaRPr>
           </a:p>
         </p:txBody>
       </p:sp>
       <p:sp>
         <p:nvSpPr>
-          <p:cNvPr id="40" name="Ellipse 39"/>
-          <p:cNvSpPr/>
+          <p:cNvPr id="28" name="Rectangle 6">
+            <a:extLst>
+              <a:ext uri="{FF2B5EF4-FFF2-40B4-BE49-F238E27FC236}">
+                <a16:creationId xmlns:a16="http://schemas.microsoft.com/office/drawing/2014/main" id="{E3D1804B-A83F-4F0F-82B8-B7410CB26A38}"/>
+              </a:ext>
+            </a:extLst>
+          </p:cNvPr>
+          <p:cNvSpPr>
+            <a:spLocks noChangeArrowheads="1"/>
+          </p:cNvSpPr>
           <p:nvPr/>
         </p:nvSpPr>
         <p:spPr bwMode="auto">
           <a:xfrm>
-            <a:off x="27469466" y="26785433"/>
-            <a:ext cx="1152128" cy="1116667"/>
+            <a:off x="152400" y="152400"/>
+            <a:ext cx="24142700" cy="0"/>
           </a:xfrm>
-          <a:prstGeom prst="ellipse">
+          <a:prstGeom prst="rect">
             <a:avLst/>
           </a:prstGeom>
           <a:solidFill>
-            <a:schemeClr val="bg1"/>
+            <a:srgbClr val="40444B"/>
           </a:solidFill>
-          <a:ln w="9525" cap="flat" cmpd="sng" algn="ctr">
-            <a:solidFill>
-              <a:schemeClr val="tx1"/>
-            </a:solidFill>
-            <a:prstDash val="solid"/>
-            <a:round/>
-            <a:headEnd type="none" w="med" len="med"/>
-            <a:tailEnd type="none" w="med" len="med"/>
+          <a:ln>
+            <a:noFill/>
           </a:ln>
           <a:effectLst/>
-          <a:extLst/>
-        </p:spPr>
-        <p:txBody>
-          <a:bodyPr vert="horz" wrap="square" lIns="91440" tIns="45720" rIns="91440" bIns="45720" numCol="1" rtlCol="0" anchor="t" anchorCtr="0" compatLnSpc="1">
+          <a:extLst>
+            <a:ext uri="{91240B29-F687-4F45-9708-019B960494DF}">
+              <a14:hiddenLine xmlns:a14="http://schemas.microsoft.com/office/drawing/2010/main" w="9525">
+                <a:solidFill>
+                  <a:schemeClr val="tx1"/>
+                </a:solidFill>
+                <a:miter lim="800000"/>
+                <a:headEnd/>
+                <a:tailEnd/>
+              </a14:hiddenLine>
+            </a:ext>
+            <a:ext uri="{AF507438-7753-43E0-B8FC-AC1667EBCBE1}">
+              <a14:hiddenEffects xmlns:a14="http://schemas.microsoft.com/office/drawing/2010/main">
+                <a:effectLst>
+                  <a:outerShdw dist="35921" dir="2700000" algn="ctr" rotWithShape="0">
+                    <a:schemeClr val="bg2"/>
+                  </a:outerShdw>
+                </a:effectLst>
+              </a14:hiddenEffects>
+            </a:ext>
+          </a:extLst>
+        </p:spPr>
+        <p:txBody>
+          <a:bodyPr vert="horz" wrap="none" lIns="0" tIns="0" rIns="0" bIns="0" numCol="1" anchor="ctr" anchorCtr="0" compatLnSpc="1">
             <a:prstTxWarp prst="textNoShape">
               <a:avLst/>
             </a:prstTxWarp>
+            <a:spAutoFit/>
           </a:bodyPr>
           <a:lstStyle/>
           <a:p>
-            <a:pPr marL="0" marR="0" indent="0" algn="ctr" defTabSz="914400" rtl="0" eaLnBrk="0" fontAlgn="base" latinLnBrk="0" hangingPunct="0">
+            <a:pPr marL="0" marR="0" lvl="0" indent="0" algn="l" defTabSz="914400" rtl="0" eaLnBrk="0" fontAlgn="base" latinLnBrk="0" hangingPunct="0">
               <a:lnSpc>
                 <a:spcPct val="100000"/>
               </a:lnSpc>
@@ -7430,21 +5941,89 @@
               <a:buNone/>
               <a:tabLst/>
             </a:pPr>
-            <a:r>
-              <a:rPr kumimoji="0" lang="fr-FR" sz="4400" b="0" i="0" u="none" strike="noStrike" cap="none" normalizeH="0" baseline="0" dirty="0" smtClean="0">
+            <a:br>
+              <a:rPr kumimoji="0" lang="fr-FR" altLang="fr-FR" sz="1200" b="0" i="0" u="none" strike="noStrike" cap="none" normalizeH="0" baseline="0">
                 <a:ln>
                   <a:noFill/>
                 </a:ln>
                 <a:solidFill>
-                  <a:schemeClr val="tx1"/>
+                  <a:srgbClr val="DCDDDE"/>
                 </a:solidFill>
                 <a:effectLst/>
-                <a:latin typeface="Arial" charset="0"/>
-                <a:ea typeface="ＭＳ Ｐゴシック" pitchFamily="1" charset="-128"/>
+                <a:latin typeface="Arial" panose="020B0604020202020204" pitchFamily="34" charset="0"/>
+                <a:ea typeface="Whitney"/>
               </a:rPr>
-              <a:t>5</a:t>
-            </a:r>
-            <a:endParaRPr kumimoji="0" lang="fr-FR" sz="4400" b="0" i="0" u="none" strike="noStrike" cap="none" normalizeH="0" baseline="0" dirty="0" smtClean="0">
+            </a:br>
+            <a:endParaRPr kumimoji="0" lang="fr-FR" altLang="fr-FR" sz="1800" b="0" i="0" u="none" strike="noStrike" cap="none" normalizeH="0" baseline="0">
+              <a:ln>
+                <a:noFill/>
+              </a:ln>
+              <a:solidFill>
+                <a:schemeClr val="tx1"/>
+              </a:solidFill>
+              <a:effectLst/>
+              <a:latin typeface="Arial" panose="020B0604020202020204" pitchFamily="34" charset="0"/>
+            </a:endParaRPr>
+          </a:p>
+        </p:txBody>
+      </p:sp>
+      <p:sp>
+        <p:nvSpPr>
+          <p:cNvPr id="38" name="Rectangle: Rounded Corners 37">
+            <a:extLst>
+              <a:ext uri="{FF2B5EF4-FFF2-40B4-BE49-F238E27FC236}">
+                <a16:creationId xmlns:a16="http://schemas.microsoft.com/office/drawing/2014/main" id="{F1E4ACFB-898C-4761-B849-BE2D67C2CED9}"/>
+              </a:ext>
+            </a:extLst>
+          </p:cNvPr>
+          <p:cNvSpPr/>
+          <p:nvPr/>
+        </p:nvSpPr>
+        <p:spPr bwMode="auto">
+          <a:xfrm>
+            <a:off x="17536184" y="12992101"/>
+            <a:ext cx="14571364" cy="27359844"/>
+          </a:xfrm>
+          <a:prstGeom prst="roundRect">
+            <a:avLst/>
+          </a:prstGeom>
+          <a:noFill/>
+          <a:ln w="9525" cap="flat" cmpd="sng" algn="ctr">
+            <a:solidFill>
+              <a:srgbClr val="6C5098"/>
+            </a:solidFill>
+            <a:prstDash val="solid"/>
+            <a:round/>
+            <a:headEnd type="none" w="med" len="med"/>
+            <a:tailEnd type="none" w="med" len="med"/>
+          </a:ln>
+          <a:effectLst/>
+        </p:spPr>
+        <p:txBody>
+          <a:bodyPr vert="horz" wrap="square" lIns="91440" tIns="45720" rIns="91440" bIns="45720" numCol="1" rtlCol="0" anchor="t" anchorCtr="0" compatLnSpc="1">
+            <a:prstTxWarp prst="textNoShape">
+              <a:avLst/>
+            </a:prstTxWarp>
+          </a:bodyPr>
+          <a:lstStyle/>
+          <a:p>
+            <a:pPr marL="0" marR="0" indent="0" algn="l" defTabSz="914400" rtl="0" eaLnBrk="0" fontAlgn="base" latinLnBrk="0" hangingPunct="0">
+              <a:lnSpc>
+                <a:spcPct val="100000"/>
+              </a:lnSpc>
+              <a:spcBef>
+                <a:spcPct val="0"/>
+              </a:spcBef>
+              <a:spcAft>
+                <a:spcPct val="0"/>
+              </a:spcAft>
+              <a:buClrTx/>
+              <a:buSzTx/>
+              <a:buFontTx/>
+              <a:buNone/>
+              <a:tabLst/>
+            </a:pPr>
+            <a:endParaRPr kumimoji="0" lang="en-GB" sz="2400" b="0" i="0" u="none" strike="noStrike" cap="none" normalizeH="0" baseline="0" dirty="0">
               <a:ln>
                 <a:noFill/>
               </a:ln>
@@ -7458,29 +6037,1500 @@
           </a:p>
         </p:txBody>
       </p:sp>
-      <p:cxnSp>
-        <p:nvCxnSpPr>
-          <p:cNvPr id="17" name="Connecteur droit 16"/>
-          <p:cNvCxnSpPr>
-            <a:stCxn id="35" idx="2"/>
-            <a:endCxn id="36" idx="0"/>
-          </p:cNvCxnSpPr>
+      <p:sp>
+        <p:nvSpPr>
+          <p:cNvPr id="44" name="Rectangle 43">
+            <a:extLst>
+              <a:ext uri="{FF2B5EF4-FFF2-40B4-BE49-F238E27FC236}">
+                <a16:creationId xmlns:a16="http://schemas.microsoft.com/office/drawing/2014/main" id="{C38E9321-141F-4B54-A736-E28BE7449C5D}"/>
+              </a:ext>
+            </a:extLst>
+          </p:cNvPr>
+          <p:cNvSpPr/>
           <p:nvPr/>
-        </p:nvCxnSpPr>
+        </p:nvSpPr>
+        <p:spPr>
+          <a:xfrm>
+            <a:off x="8115478" y="13104447"/>
+            <a:ext cx="2408032" cy="1323439"/>
+          </a:xfrm>
+          <a:prstGeom prst="rect">
+            <a:avLst/>
+          </a:prstGeom>
+          <a:noFill/>
+        </p:spPr>
+        <p:txBody>
+          <a:bodyPr wrap="none" lIns="91440" tIns="45720" rIns="91440" bIns="45720">
+            <a:spAutoFit/>
+          </a:bodyPr>
+          <a:lstStyle/>
+          <a:p>
+            <a:pPr algn="ctr"/>
+            <a:r>
+              <a:rPr lang="en-US" sz="8000" b="1" dirty="0">
+                <a:ln w="22225">
+                  <a:solidFill>
+                    <a:schemeClr val="accent2"/>
+                  </a:solidFill>
+                  <a:prstDash val="solid"/>
+                </a:ln>
+                <a:solidFill>
+                  <a:schemeClr val="accent2">
+                    <a:lumMod val="40000"/>
+                    <a:lumOff val="60000"/>
+                  </a:schemeClr>
+                </a:solidFill>
+              </a:rPr>
+              <a:t>SVM</a:t>
+            </a:r>
+            <a:endParaRPr lang="en-US" sz="8000" b="1" cap="none" spc="0" dirty="0">
+              <a:ln w="22225">
+                <a:solidFill>
+                  <a:schemeClr val="accent2"/>
+                </a:solidFill>
+                <a:prstDash val="solid"/>
+              </a:ln>
+              <a:solidFill>
+                <a:schemeClr val="accent2">
+                  <a:lumMod val="40000"/>
+                  <a:lumOff val="60000"/>
+                </a:schemeClr>
+              </a:solidFill>
+              <a:effectLst/>
+            </a:endParaRPr>
+          </a:p>
+        </p:txBody>
+      </p:sp>
+      <p:sp>
+        <p:nvSpPr>
+          <p:cNvPr id="45" name="TextBox 44">
+            <a:extLst>
+              <a:ext uri="{FF2B5EF4-FFF2-40B4-BE49-F238E27FC236}">
+                <a16:creationId xmlns:a16="http://schemas.microsoft.com/office/drawing/2014/main" id="{9EB1432B-3134-4FD4-97BE-54F5280D87B4}"/>
+              </a:ext>
+            </a:extLst>
+          </p:cNvPr>
+          <p:cNvSpPr txBox="1"/>
+          <p:nvPr/>
+        </p:nvSpPr>
+        <p:spPr>
+          <a:xfrm>
+            <a:off x="18166610" y="36686950"/>
+            <a:ext cx="13307903" cy="3600986"/>
+          </a:xfrm>
+          <a:prstGeom prst="rect">
+            <a:avLst/>
+          </a:prstGeom>
+          <a:noFill/>
+        </p:spPr>
+        <p:txBody>
+          <a:bodyPr wrap="square" rtlCol="0">
+            <a:spAutoFit/>
+          </a:bodyPr>
+          <a:lstStyle/>
+          <a:p>
+            <a:pPr algn="ctr"/>
+            <a:r>
+              <a:rPr lang="en-US" sz="3800" b="1" dirty="0">
+                <a:solidFill>
+                  <a:srgbClr val="6C5098"/>
+                </a:solidFill>
+              </a:rPr>
+              <a:t>Transfer learning</a:t>
+            </a:r>
+          </a:p>
+          <a:p>
+            <a:pPr algn="ctr"/>
+            <a:r>
+              <a:rPr lang="fr-FR" sz="3800" dirty="0"/>
+              <a:t>consiste à utiliser un modèle pré-entraîné pour un problème de classification et de l’adapter à un nouveau problème. Pour ce faire il faut prendre le modèle pré-entraîné en </a:t>
+            </a:r>
+            <a:r>
+              <a:rPr lang="fr-FR" sz="3800" dirty="0" err="1"/>
+              <a:t>ré-entraînant</a:t>
+            </a:r>
+            <a:r>
+              <a:rPr lang="fr-FR" sz="3800" dirty="0"/>
+              <a:t> ses dernières couches fully-connected sur le nouveau jeu de données.</a:t>
+            </a:r>
+          </a:p>
+        </p:txBody>
+      </p:sp>
+      <p:pic>
+        <p:nvPicPr>
+          <p:cNvPr id="35" name="Picture 34" descr="A plastic bag&#10;&#10;Description automatically generated">
+            <a:extLst>
+              <a:ext uri="{FF2B5EF4-FFF2-40B4-BE49-F238E27FC236}">
+                <a16:creationId xmlns:a16="http://schemas.microsoft.com/office/drawing/2014/main" id="{AA8E18DE-D1D8-478F-AD20-535335EF89A9}"/>
+              </a:ext>
+            </a:extLst>
+          </p:cNvPr>
+          <p:cNvPicPr>
+            <a:picLocks noChangeAspect="1"/>
+          </p:cNvPicPr>
+          <p:nvPr/>
+        </p:nvPicPr>
+        <p:blipFill>
+          <a:blip r:embed="rId11">
+            <a:extLst>
+              <a:ext uri="{28A0092B-C50C-407E-A947-70E740481C1C}">
+                <a14:useLocalDpi xmlns:a14="http://schemas.microsoft.com/office/drawing/2010/main" val="0"/>
+              </a:ext>
+            </a:extLst>
+          </a:blip>
+          <a:stretch>
+            <a:fillRect/>
+          </a:stretch>
+        </p:blipFill>
+        <p:spPr>
+          <a:xfrm>
+            <a:off x="3776266" y="14493636"/>
+            <a:ext cx="2972215" cy="2962688"/>
+          </a:xfrm>
+          <a:prstGeom prst="rect">
+            <a:avLst/>
+          </a:prstGeom>
+        </p:spPr>
+      </p:pic>
+      <p:pic>
+        <p:nvPicPr>
+          <p:cNvPr id="41" name="Picture 40" descr="A picture containing table, indoor, sitting, cake&#10;&#10;Description automatically generated">
+            <a:extLst>
+              <a:ext uri="{FF2B5EF4-FFF2-40B4-BE49-F238E27FC236}">
+                <a16:creationId xmlns:a16="http://schemas.microsoft.com/office/drawing/2014/main" id="{9BB5D6BF-A5DA-452F-9ACD-D38A067E963F}"/>
+              </a:ext>
+            </a:extLst>
+          </p:cNvPr>
+          <p:cNvPicPr>
+            <a:picLocks noChangeAspect="1"/>
+          </p:cNvPicPr>
+          <p:nvPr/>
+        </p:nvPicPr>
+        <p:blipFill>
+          <a:blip r:embed="rId12">
+            <a:extLst>
+              <a:ext uri="{28A0092B-C50C-407E-A947-70E740481C1C}">
+                <a14:useLocalDpi xmlns:a14="http://schemas.microsoft.com/office/drawing/2010/main" val="0"/>
+              </a:ext>
+            </a:extLst>
+          </a:blip>
+          <a:stretch>
+            <a:fillRect/>
+          </a:stretch>
+        </p:blipFill>
+        <p:spPr>
+          <a:xfrm>
+            <a:off x="7847676" y="14512688"/>
+            <a:ext cx="2943636" cy="2943636"/>
+          </a:xfrm>
+          <a:prstGeom prst="rect">
+            <a:avLst/>
+          </a:prstGeom>
+        </p:spPr>
+      </p:pic>
+      <p:pic>
+        <p:nvPicPr>
+          <p:cNvPr id="43" name="Picture 42" descr="A picture containing table, indoor, sitting, doughnut&#10;&#10;Description automatically generated">
+            <a:extLst>
+              <a:ext uri="{FF2B5EF4-FFF2-40B4-BE49-F238E27FC236}">
+                <a16:creationId xmlns:a16="http://schemas.microsoft.com/office/drawing/2014/main" id="{B2397519-5CCE-49FC-AFE6-F2741AD14557}"/>
+              </a:ext>
+            </a:extLst>
+          </p:cNvPr>
+          <p:cNvPicPr>
+            <a:picLocks noChangeAspect="1"/>
+          </p:cNvPicPr>
+          <p:nvPr/>
+        </p:nvPicPr>
+        <p:blipFill>
+          <a:blip r:embed="rId13">
+            <a:extLst>
+              <a:ext uri="{28A0092B-C50C-407E-A947-70E740481C1C}">
+                <a14:useLocalDpi xmlns:a14="http://schemas.microsoft.com/office/drawing/2010/main" val="0"/>
+              </a:ext>
+            </a:extLst>
+          </a:blip>
+          <a:stretch>
+            <a:fillRect/>
+          </a:stretch>
+        </p:blipFill>
+        <p:spPr>
+          <a:xfrm>
+            <a:off x="11980702" y="14436478"/>
+            <a:ext cx="3019846" cy="3019846"/>
+          </a:xfrm>
+          <a:prstGeom prst="rect">
+            <a:avLst/>
+          </a:prstGeom>
+        </p:spPr>
+      </p:pic>
+      <p:sp>
+        <p:nvSpPr>
+          <p:cNvPr id="60" name="TextBox 59">
+            <a:extLst>
+              <a:ext uri="{FF2B5EF4-FFF2-40B4-BE49-F238E27FC236}">
+                <a16:creationId xmlns:a16="http://schemas.microsoft.com/office/drawing/2014/main" id="{06C80951-6110-409E-B3FE-B86B462FB5FB}"/>
+              </a:ext>
+            </a:extLst>
+          </p:cNvPr>
+          <p:cNvSpPr txBox="1"/>
+          <p:nvPr/>
+        </p:nvSpPr>
+        <p:spPr>
+          <a:xfrm>
+            <a:off x="3930225" y="17676838"/>
+            <a:ext cx="2664296" cy="677108"/>
+          </a:xfrm>
+          <a:prstGeom prst="rect">
+            <a:avLst/>
+          </a:prstGeom>
+          <a:noFill/>
+        </p:spPr>
+        <p:txBody>
+          <a:bodyPr wrap="square" rtlCol="0">
+            <a:spAutoFit/>
+          </a:bodyPr>
+          <a:lstStyle/>
+          <a:p>
+            <a:pPr algn="ctr"/>
+            <a:r>
+              <a:rPr lang="en-US" sz="3800" dirty="0"/>
+              <a:t>ORB</a:t>
+            </a:r>
+            <a:endParaRPr lang="en-GB" sz="3800" dirty="0"/>
+          </a:p>
+        </p:txBody>
+      </p:sp>
+      <p:sp>
+        <p:nvSpPr>
+          <p:cNvPr id="61" name="TextBox 60">
+            <a:extLst>
+              <a:ext uri="{FF2B5EF4-FFF2-40B4-BE49-F238E27FC236}">
+                <a16:creationId xmlns:a16="http://schemas.microsoft.com/office/drawing/2014/main" id="{463B716E-E0E8-4BB7-91B1-047ABCB04D73}"/>
+              </a:ext>
+            </a:extLst>
+          </p:cNvPr>
+          <p:cNvSpPr txBox="1"/>
+          <p:nvPr/>
+        </p:nvSpPr>
+        <p:spPr>
+          <a:xfrm>
+            <a:off x="7987346" y="17676838"/>
+            <a:ext cx="2664296" cy="677108"/>
+          </a:xfrm>
+          <a:prstGeom prst="rect">
+            <a:avLst/>
+          </a:prstGeom>
+          <a:noFill/>
+        </p:spPr>
+        <p:txBody>
+          <a:bodyPr wrap="square" rtlCol="0">
+            <a:spAutoFit/>
+          </a:bodyPr>
+          <a:lstStyle/>
+          <a:p>
+            <a:pPr algn="ctr"/>
+            <a:r>
+              <a:rPr lang="en-US" sz="3800" dirty="0"/>
+              <a:t>SIFT</a:t>
+            </a:r>
+            <a:endParaRPr lang="en-GB" sz="3800" dirty="0"/>
+          </a:p>
+        </p:txBody>
+      </p:sp>
+      <p:sp>
+        <p:nvSpPr>
+          <p:cNvPr id="62" name="TextBox 61">
+            <a:extLst>
+              <a:ext uri="{FF2B5EF4-FFF2-40B4-BE49-F238E27FC236}">
+                <a16:creationId xmlns:a16="http://schemas.microsoft.com/office/drawing/2014/main" id="{78D35E5B-0952-4422-8588-2AAC7357891A}"/>
+              </a:ext>
+            </a:extLst>
+          </p:cNvPr>
+          <p:cNvSpPr txBox="1"/>
+          <p:nvPr/>
+        </p:nvSpPr>
+        <p:spPr>
+          <a:xfrm>
+            <a:off x="12158477" y="17676838"/>
+            <a:ext cx="2664296" cy="677108"/>
+          </a:xfrm>
+          <a:prstGeom prst="rect">
+            <a:avLst/>
+          </a:prstGeom>
+          <a:noFill/>
+        </p:spPr>
+        <p:txBody>
+          <a:bodyPr wrap="square" rtlCol="0">
+            <a:spAutoFit/>
+          </a:bodyPr>
+          <a:lstStyle/>
+          <a:p>
+            <a:pPr algn="ctr"/>
+            <a:r>
+              <a:rPr lang="en-US" sz="3800" dirty="0"/>
+              <a:t>SURF</a:t>
+            </a:r>
+            <a:endParaRPr lang="en-GB" sz="3800" dirty="0"/>
+          </a:p>
+        </p:txBody>
+      </p:sp>
+      <p:pic>
+        <p:nvPicPr>
+          <p:cNvPr id="51" name="Picture 50" descr="A picture containing drawing&#10;&#10;Description automatically generated">
+            <a:extLst>
+              <a:ext uri="{FF2B5EF4-FFF2-40B4-BE49-F238E27FC236}">
+                <a16:creationId xmlns:a16="http://schemas.microsoft.com/office/drawing/2014/main" id="{EB922F53-BD98-4841-A12F-C78AB8BC1675}"/>
+              </a:ext>
+            </a:extLst>
+          </p:cNvPr>
+          <p:cNvPicPr>
+            <a:picLocks noChangeAspect="1"/>
+          </p:cNvPicPr>
+          <p:nvPr/>
+        </p:nvPicPr>
+        <p:blipFill>
+          <a:blip r:embed="rId14">
+            <a:extLst>
+              <a:ext uri="{28A0092B-C50C-407E-A947-70E740481C1C}">
+                <a14:useLocalDpi xmlns:a14="http://schemas.microsoft.com/office/drawing/2010/main" val="0"/>
+              </a:ext>
+            </a:extLst>
+          </a:blip>
+          <a:stretch>
+            <a:fillRect/>
+          </a:stretch>
+        </p:blipFill>
+        <p:spPr>
+          <a:xfrm>
+            <a:off x="3224907" y="34742734"/>
+            <a:ext cx="11794967" cy="3454241"/>
+          </a:xfrm>
+          <a:prstGeom prst="rect">
+            <a:avLst/>
+          </a:prstGeom>
+        </p:spPr>
+      </p:pic>
+      <p:pic>
+        <p:nvPicPr>
+          <p:cNvPr id="1026" name="Picture 2">
+            <a:extLst>
+              <a:ext uri="{FF2B5EF4-FFF2-40B4-BE49-F238E27FC236}">
+                <a16:creationId xmlns:a16="http://schemas.microsoft.com/office/drawing/2014/main" id="{C7EAB3B5-14E6-445A-B792-6E402C4A406A}"/>
+              </a:ext>
+            </a:extLst>
+          </p:cNvPr>
+          <p:cNvPicPr>
+            <a:picLocks noChangeAspect="1" noChangeArrowheads="1"/>
+          </p:cNvPicPr>
+          <p:nvPr/>
+        </p:nvPicPr>
+        <p:blipFill>
+          <a:blip r:embed="rId15">
+            <a:extLst>
+              <a:ext uri="{28A0092B-C50C-407E-A947-70E740481C1C}">
+                <a14:useLocalDpi xmlns:a14="http://schemas.microsoft.com/office/drawing/2010/main" val="0"/>
+              </a:ext>
+            </a:extLst>
+          </a:blip>
+          <a:srcRect/>
+          <a:stretch>
+            <a:fillRect/>
+          </a:stretch>
+        </p:blipFill>
         <p:spPr bwMode="auto">
           <a:xfrm>
-            <a:off x="23428410" y="24372475"/>
-            <a:ext cx="0" cy="830814"/>
+            <a:off x="3422010" y="20989206"/>
+            <a:ext cx="11400763" cy="5260785"/>
           </a:xfrm>
-          <a:prstGeom prst="line">
+          <a:prstGeom prst="rect">
             <a:avLst/>
           </a:prstGeom>
-          <a:solidFill>
-            <a:schemeClr val="accent1"/>
-          </a:solidFill>
+          <a:noFill/>
+          <a:extLst>
+            <a:ext uri="{909E8E84-426E-40DD-AFC4-6F175D3DCCD1}">
+              <a14:hiddenFill xmlns:a14="http://schemas.microsoft.com/office/drawing/2010/main">
+                <a:solidFill>
+                  <a:srgbClr val="FFFFFF"/>
+                </a:solidFill>
+              </a14:hiddenFill>
+            </a:ext>
+          </a:extLst>
+        </p:spPr>
+      </p:pic>
+      <p:pic>
+        <p:nvPicPr>
+          <p:cNvPr id="53" name="Graphic 52">
+            <a:extLst>
+              <a:ext uri="{FF2B5EF4-FFF2-40B4-BE49-F238E27FC236}">
+                <a16:creationId xmlns:a16="http://schemas.microsoft.com/office/drawing/2014/main" id="{07831D89-DC11-46AC-AD70-A90F6820CF82}"/>
+              </a:ext>
+            </a:extLst>
+          </p:cNvPr>
+          <p:cNvPicPr>
+            <a:picLocks noChangeAspect="1"/>
+          </p:cNvPicPr>
+          <p:nvPr/>
+        </p:nvPicPr>
+        <p:blipFill>
+          <a:blip r:embed="rId16">
+            <a:extLst>
+              <a:ext uri="{28A0092B-C50C-407E-A947-70E740481C1C}">
+                <a14:useLocalDpi xmlns:a14="http://schemas.microsoft.com/office/drawing/2010/main" val="0"/>
+              </a:ext>
+              <a:ext uri="{96DAC541-7B7A-43D3-8B79-37D633B846F1}">
+                <asvg:svgBlip xmlns:asvg="http://schemas.microsoft.com/office/drawing/2016/SVG/main" r:embed="rId17"/>
+              </a:ext>
+            </a:extLst>
+          </a:blip>
+          <a:stretch>
+            <a:fillRect/>
+          </a:stretch>
+        </p:blipFill>
+        <p:spPr>
+          <a:xfrm>
+            <a:off x="7730384" y="28622054"/>
+            <a:ext cx="8575275" cy="2063569"/>
+          </a:xfrm>
+          <a:prstGeom prst="rect">
+            <a:avLst/>
+          </a:prstGeom>
+        </p:spPr>
+      </p:pic>
+      <p:sp>
+        <p:nvSpPr>
+          <p:cNvPr id="75" name="TextBox 74">
+            <a:extLst>
+              <a:ext uri="{FF2B5EF4-FFF2-40B4-BE49-F238E27FC236}">
+                <a16:creationId xmlns:a16="http://schemas.microsoft.com/office/drawing/2014/main" id="{839CE816-BD79-4F37-83B9-528F851BBFA4}"/>
+              </a:ext>
+            </a:extLst>
+          </p:cNvPr>
+          <p:cNvSpPr txBox="1"/>
+          <p:nvPr/>
+        </p:nvSpPr>
+        <p:spPr>
+          <a:xfrm>
+            <a:off x="2665541" y="18468926"/>
+            <a:ext cx="13307903" cy="2431435"/>
+          </a:xfrm>
+          <a:prstGeom prst="rect">
+            <a:avLst/>
+          </a:prstGeom>
+          <a:noFill/>
+        </p:spPr>
+        <p:txBody>
+          <a:bodyPr wrap="square" rtlCol="0">
+            <a:spAutoFit/>
+          </a:bodyPr>
+          <a:lstStyle/>
+          <a:p>
+            <a:pPr algn="just"/>
+            <a:r>
+              <a:rPr lang="fr-FR" sz="3800" dirty="0"/>
+              <a:t>Ce sont des algorithmes permettant de détecter et d'extraire les caractéristiques locales des images sous formes de positions clés et de descripteurs contenant des informations numériques dérivées de l'analyse locale de l'image.</a:t>
+            </a:r>
+          </a:p>
+        </p:txBody>
+      </p:sp>
+      <p:sp>
+        <p:nvSpPr>
+          <p:cNvPr id="76" name="TextBox 75">
+            <a:extLst>
+              <a:ext uri="{FF2B5EF4-FFF2-40B4-BE49-F238E27FC236}">
+                <a16:creationId xmlns:a16="http://schemas.microsoft.com/office/drawing/2014/main" id="{3FA17BF5-A935-4622-84B8-B7983C028F5A}"/>
+              </a:ext>
+            </a:extLst>
+          </p:cNvPr>
+          <p:cNvSpPr txBox="1"/>
+          <p:nvPr/>
+        </p:nvSpPr>
+        <p:spPr>
+          <a:xfrm>
+            <a:off x="2814415" y="26245790"/>
+            <a:ext cx="13307903" cy="2431435"/>
+          </a:xfrm>
+          <a:prstGeom prst="rect">
+            <a:avLst/>
+          </a:prstGeom>
+          <a:noFill/>
+        </p:spPr>
+        <p:txBody>
+          <a:bodyPr wrap="square" rtlCol="0">
+            <a:spAutoFit/>
+          </a:bodyPr>
+          <a:lstStyle/>
+          <a:p>
+            <a:pPr algn="just"/>
+            <a:r>
+              <a:rPr lang="fr-FR" sz="3800" dirty="0"/>
+              <a:t>Le principe des SVM est d’effectuer une séparation linéaire à des problèmes, où ce n'est pas possible en passant par des fonctions de transformation permettant de trouver l’hyperplan séparateur adéquat.</a:t>
+            </a:r>
+            <a:endParaRPr lang="fr-FR" sz="3800" b="1" dirty="0"/>
+          </a:p>
+        </p:txBody>
+      </p:sp>
+      <p:sp>
+        <p:nvSpPr>
+          <p:cNvPr id="78" name="TextBox 77">
+            <a:extLst>
+              <a:ext uri="{FF2B5EF4-FFF2-40B4-BE49-F238E27FC236}">
+                <a16:creationId xmlns:a16="http://schemas.microsoft.com/office/drawing/2014/main" id="{D87A0A6C-6B54-437E-9926-C97DE0DC85E1}"/>
+              </a:ext>
+            </a:extLst>
+          </p:cNvPr>
+          <p:cNvSpPr txBox="1"/>
+          <p:nvPr/>
+        </p:nvSpPr>
+        <p:spPr>
+          <a:xfrm>
+            <a:off x="2665541" y="30782294"/>
+            <a:ext cx="13307903" cy="3600986"/>
+          </a:xfrm>
+          <a:prstGeom prst="rect">
+            <a:avLst/>
+          </a:prstGeom>
+          <a:noFill/>
+        </p:spPr>
+        <p:txBody>
+          <a:bodyPr wrap="square" rtlCol="0">
+            <a:spAutoFit/>
+          </a:bodyPr>
+          <a:lstStyle/>
+          <a:p>
+            <a:r>
+              <a:rPr lang="fr-FR" sz="3800" dirty="0"/>
+              <a:t>- Projection des données dans un espace de </a:t>
+            </a:r>
+            <a:r>
+              <a:rPr lang="fr-FR" sz="3800" dirty="0" err="1"/>
+              <a:t>redescription</a:t>
+            </a:r>
+            <a:r>
+              <a:rPr lang="fr-FR" sz="3800" dirty="0"/>
+              <a:t>.</a:t>
+            </a:r>
+          </a:p>
+          <a:p>
+            <a:r>
+              <a:rPr lang="fr-FR" sz="3800" dirty="0"/>
+              <a:t>- Recherche de régularités linéaires dans cet espace.</a:t>
+            </a:r>
+          </a:p>
+          <a:p>
+            <a:r>
+              <a:rPr lang="fr-FR" sz="3800" dirty="0"/>
+              <a:t>- Les algorithmes de recherche ont seulement besoin des 	produits scalaires des projections des données.</a:t>
+            </a:r>
+          </a:p>
+          <a:p>
+            <a:r>
+              <a:rPr lang="fr-FR" sz="3800" dirty="0"/>
+              <a:t>- Les fonctions noyau permettent de calculer plus 	efficacement les produits scalaires.</a:t>
+            </a:r>
+          </a:p>
+        </p:txBody>
+      </p:sp>
+      <p:sp>
+        <p:nvSpPr>
+          <p:cNvPr id="79" name="TextBox 78">
+            <a:extLst>
+              <a:ext uri="{FF2B5EF4-FFF2-40B4-BE49-F238E27FC236}">
+                <a16:creationId xmlns:a16="http://schemas.microsoft.com/office/drawing/2014/main" id="{1D36B01D-440B-454A-B4F7-9AE59D7116E8}"/>
+              </a:ext>
+            </a:extLst>
+          </p:cNvPr>
+          <p:cNvSpPr txBox="1"/>
+          <p:nvPr/>
+        </p:nvSpPr>
+        <p:spPr>
+          <a:xfrm>
+            <a:off x="2814415" y="38559158"/>
+            <a:ext cx="13307903" cy="3600986"/>
+          </a:xfrm>
+          <a:prstGeom prst="rect">
+            <a:avLst/>
+          </a:prstGeom>
+          <a:noFill/>
+        </p:spPr>
+        <p:txBody>
+          <a:bodyPr wrap="square" rtlCol="0">
+            <a:spAutoFit/>
+          </a:bodyPr>
+          <a:lstStyle/>
+          <a:p>
+            <a:pPr algn="ctr"/>
+            <a:r>
+              <a:rPr lang="fr-FR" sz="3800" b="1" dirty="0">
+                <a:solidFill>
+                  <a:srgbClr val="6C5098"/>
+                </a:solidFill>
+              </a:rPr>
+              <a:t>One vs One</a:t>
+            </a:r>
+            <a:r>
+              <a:rPr lang="en-GB" sz="3800" b="1" dirty="0">
+                <a:solidFill>
+                  <a:srgbClr val="6C5098"/>
+                </a:solidFill>
+              </a:rPr>
+              <a:t> : </a:t>
+            </a:r>
+            <a:r>
+              <a:rPr lang="fr-FR" sz="3800" dirty="0"/>
+              <a:t>K (K - 1) / 2 classificateurs binaires sont créés, chacun reçoit les échantillons d'une paire de classes de l'ensemble de formation original. Au moment de la prédiction, un système de vote est appliqué, la classe qui a obtenu le plus grand nombre de prédictions est prédite par le classificateur combiné.</a:t>
+            </a:r>
+          </a:p>
+        </p:txBody>
+      </p:sp>
+      <p:sp>
+        <p:nvSpPr>
+          <p:cNvPr id="80" name="TextBox 79">
+            <a:extLst>
+              <a:ext uri="{FF2B5EF4-FFF2-40B4-BE49-F238E27FC236}">
+                <a16:creationId xmlns:a16="http://schemas.microsoft.com/office/drawing/2014/main" id="{5719B526-47C3-4453-BE28-C4E7B2134DB3}"/>
+              </a:ext>
+            </a:extLst>
+          </p:cNvPr>
+          <p:cNvSpPr txBox="1"/>
+          <p:nvPr/>
+        </p:nvSpPr>
+        <p:spPr>
+          <a:xfrm rot="16200000">
+            <a:off x="4196551" y="27012180"/>
+            <a:ext cx="1354217" cy="5294046"/>
+          </a:xfrm>
+          <a:prstGeom prst="rect">
+            <a:avLst/>
+          </a:prstGeom>
+          <a:noFill/>
+        </p:spPr>
+        <p:txBody>
+          <a:bodyPr vert="eaVert" wrap="square" rtlCol="0">
+            <a:spAutoFit/>
+          </a:bodyPr>
+          <a:lstStyle/>
+          <a:p>
+            <a:pPr algn="ctr"/>
+            <a:r>
+              <a:rPr lang="fr-FR" sz="3800" b="1" dirty="0">
+                <a:solidFill>
+                  <a:srgbClr val="6C5098"/>
+                </a:solidFill>
+              </a:rPr>
+              <a:t>Kernel RBF</a:t>
+            </a:r>
+          </a:p>
+          <a:p>
+            <a:pPr algn="ctr"/>
+            <a:r>
+              <a:rPr lang="en-US" sz="3800" b="1" dirty="0">
+                <a:solidFill>
+                  <a:srgbClr val="6C5098"/>
+                </a:solidFill>
+              </a:rPr>
+              <a:t>Radial basis function</a:t>
+            </a:r>
+            <a:endParaRPr lang="en-GB" sz="3800" b="1" dirty="0">
+              <a:solidFill>
+                <a:srgbClr val="6C5098"/>
+              </a:solidFill>
+            </a:endParaRPr>
+          </a:p>
+        </p:txBody>
+      </p:sp>
+      <p:sp>
+        <p:nvSpPr>
+          <p:cNvPr id="12" name="Rectangle 11">
+            <a:extLst>
+              <a:ext uri="{FF2B5EF4-FFF2-40B4-BE49-F238E27FC236}">
+                <a16:creationId xmlns:a16="http://schemas.microsoft.com/office/drawing/2014/main" id="{29B13DE1-B03F-49D8-80FA-892FABC9A966}"/>
+              </a:ext>
+            </a:extLst>
+          </p:cNvPr>
+          <p:cNvSpPr/>
+          <p:nvPr/>
+        </p:nvSpPr>
+        <p:spPr>
+          <a:xfrm>
+            <a:off x="23617348" y="13104448"/>
+            <a:ext cx="2406428" cy="1323439"/>
+          </a:xfrm>
+          <a:prstGeom prst="rect">
+            <a:avLst/>
+          </a:prstGeom>
+          <a:noFill/>
+        </p:spPr>
+        <p:txBody>
+          <a:bodyPr wrap="none" lIns="91440" tIns="45720" rIns="91440" bIns="45720">
+            <a:spAutoFit/>
+          </a:bodyPr>
+          <a:lstStyle/>
+          <a:p>
+            <a:pPr algn="ctr"/>
+            <a:r>
+              <a:rPr lang="en-US" sz="8000" b="1" dirty="0">
+                <a:ln w="22225">
+                  <a:solidFill>
+                    <a:schemeClr val="accent2"/>
+                  </a:solidFill>
+                  <a:prstDash val="solid"/>
+                </a:ln>
+                <a:solidFill>
+                  <a:schemeClr val="accent2">
+                    <a:lumMod val="40000"/>
+                    <a:lumOff val="60000"/>
+                  </a:schemeClr>
+                </a:solidFill>
+              </a:rPr>
+              <a:t>CNN</a:t>
+            </a:r>
+            <a:endParaRPr lang="en-US" sz="8000" b="1" cap="none" spc="0" dirty="0">
+              <a:ln w="22225">
+                <a:solidFill>
+                  <a:schemeClr val="accent2"/>
+                </a:solidFill>
+                <a:prstDash val="solid"/>
+              </a:ln>
+              <a:solidFill>
+                <a:schemeClr val="accent2">
+                  <a:lumMod val="40000"/>
+                  <a:lumOff val="60000"/>
+                </a:schemeClr>
+              </a:solidFill>
+              <a:effectLst/>
+            </a:endParaRPr>
+          </a:p>
+        </p:txBody>
+      </p:sp>
+      <p:graphicFrame>
+        <p:nvGraphicFramePr>
+          <p:cNvPr id="11" name="Table 18">
+            <a:extLst>
+              <a:ext uri="{FF2B5EF4-FFF2-40B4-BE49-F238E27FC236}">
+                <a16:creationId xmlns:a16="http://schemas.microsoft.com/office/drawing/2014/main" id="{BCBAF032-1143-44B8-8A28-B9DB00CA3586}"/>
+              </a:ext>
+            </a:extLst>
+          </p:cNvPr>
+          <p:cNvGraphicFramePr>
+            <a:graphicFrameLocks noGrp="1"/>
+          </p:cNvGraphicFramePr>
+          <p:nvPr>
+            <p:extLst>
+              <p:ext uri="{D42A27DB-BD31-4B8C-83A1-F6EECF244321}">
+                <p14:modId xmlns:p14="http://schemas.microsoft.com/office/powerpoint/2010/main" val="1532645180"/>
+              </p:ext>
+            </p:extLst>
+          </p:nvPr>
+        </p:nvGraphicFramePr>
+        <p:xfrm>
+          <a:off x="18112011" y="18843094"/>
+          <a:ext cx="13362502" cy="4568264"/>
+        </p:xfrm>
+        <a:graphic>
+          <a:graphicData uri="http://schemas.openxmlformats.org/drawingml/2006/table">
+            <a:tbl>
+              <a:tblPr firstRow="1" bandRow="1">
+                <a:tableStyleId>{5C22544A-7EE6-4342-B048-85BDC9FD1C3A}</a:tableStyleId>
+              </a:tblPr>
+              <a:tblGrid>
+                <a:gridCol w="6681251">
+                  <a:extLst>
+                    <a:ext uri="{9D8B030D-6E8A-4147-A177-3AD203B41FA5}">
+                      <a16:colId xmlns:a16="http://schemas.microsoft.com/office/drawing/2014/main" val="1643344713"/>
+                    </a:ext>
+                  </a:extLst>
+                </a:gridCol>
+                <a:gridCol w="6681251">
+                  <a:extLst>
+                    <a:ext uri="{9D8B030D-6E8A-4147-A177-3AD203B41FA5}">
+                      <a16:colId xmlns:a16="http://schemas.microsoft.com/office/drawing/2014/main" val="2838925563"/>
+                    </a:ext>
+                  </a:extLst>
+                </a:gridCol>
+              </a:tblGrid>
+              <a:tr h="1306904">
+                <a:tc gridSpan="2">
+                  <a:txBody>
+                    <a:bodyPr/>
+                    <a:lstStyle/>
+                    <a:p>
+                      <a:pPr algn="ctr"/>
+                      <a:r>
+                        <a:rPr lang="fr-FR" sz="3800" noProof="0" dirty="0">
+                          <a:solidFill>
+                            <a:srgbClr val="6C5098"/>
+                          </a:solidFill>
+                        </a:rPr>
+                        <a:t>Bloc Filtreur</a:t>
+                      </a:r>
+                    </a:p>
+                    <a:p>
+                      <a:pPr algn="ctr"/>
+                      <a:r>
+                        <a:rPr lang="fr-FR" sz="3800" b="0" dirty="0">
+                          <a:solidFill>
+                            <a:schemeClr val="tx1"/>
+                          </a:solidFill>
+                        </a:rPr>
+                        <a:t>extracteur des caractéristiques des images.</a:t>
+                      </a:r>
+                    </a:p>
+                  </a:txBody>
+                  <a:tcPr>
+                    <a:noFill/>
+                  </a:tcPr>
+                </a:tc>
+                <a:tc hMerge="1">
+                  <a:txBody>
+                    <a:bodyPr/>
+                    <a:lstStyle/>
+                    <a:p>
+                      <a:endParaRPr lang="en-GB" dirty="0"/>
+                    </a:p>
+                  </a:txBody>
+                  <a:tcPr/>
+                </a:tc>
+                <a:extLst>
+                  <a:ext uri="{0D108BD9-81ED-4DB2-BD59-A6C34878D82A}">
+                    <a16:rowId xmlns:a16="http://schemas.microsoft.com/office/drawing/2014/main" val="1993528755"/>
+                  </a:ext>
+                </a:extLst>
+              </a:tr>
+              <a:tr h="3147864">
+                <a:tc>
+                  <a:txBody>
+                    <a:bodyPr/>
+                    <a:lstStyle/>
+                    <a:p>
+                      <a:pPr marL="0" marR="0" lvl="0" indent="0" algn="ctr" defTabSz="914400" rtl="0" eaLnBrk="0" fontAlgn="base" latinLnBrk="0" hangingPunct="0">
+                        <a:lnSpc>
+                          <a:spcPct val="100000"/>
+                        </a:lnSpc>
+                        <a:spcBef>
+                          <a:spcPct val="0"/>
+                        </a:spcBef>
+                        <a:spcAft>
+                          <a:spcPct val="0"/>
+                        </a:spcAft>
+                        <a:buClrTx/>
+                        <a:buSzTx/>
+                        <a:buFontTx/>
+                        <a:buNone/>
+                        <a:tabLst/>
+                        <a:defRPr/>
+                      </a:pPr>
+                      <a:r>
+                        <a:rPr kumimoji="0" lang="fr-FR" sz="3800" b="1" i="0" u="none" strike="noStrike" kern="1200" cap="none" spc="0" normalizeH="0" baseline="0" noProof="0" dirty="0">
+                          <a:ln>
+                            <a:noFill/>
+                          </a:ln>
+                          <a:solidFill>
+                            <a:srgbClr val="6C5098"/>
+                          </a:solidFill>
+                          <a:effectLst/>
+                          <a:uLnTx/>
+                          <a:uFillTx/>
+                          <a:latin typeface="Arial" charset="0"/>
+                          <a:ea typeface="ＭＳ Ｐゴシック" pitchFamily="34" charset="-128"/>
+                          <a:cs typeface="+mn-cs"/>
+                        </a:rPr>
+                        <a:t>La couche de convolution</a:t>
+                      </a:r>
+                      <a:r>
+                        <a:rPr kumimoji="0" lang="fr-FR" sz="3800" b="1" i="0" u="none" strike="noStrike" kern="1200" cap="none" spc="0" normalizeH="0" baseline="0" noProof="0" dirty="0">
+                          <a:ln>
+                            <a:noFill/>
+                          </a:ln>
+                          <a:solidFill>
+                            <a:srgbClr val="000000"/>
+                          </a:solidFill>
+                          <a:effectLst/>
+                          <a:uLnTx/>
+                          <a:uFillTx/>
+                          <a:latin typeface="Arial" charset="0"/>
+                          <a:ea typeface="ＭＳ Ｐゴシック" pitchFamily="34" charset="-128"/>
+                          <a:cs typeface="+mn-cs"/>
+                        </a:rPr>
+                        <a:t> </a:t>
+                      </a:r>
+                    </a:p>
+                    <a:p>
+                      <a:pPr marL="0" marR="0" lvl="0" indent="0" algn="ctr" defTabSz="914400" rtl="0" eaLnBrk="0" fontAlgn="base" latinLnBrk="0" hangingPunct="0">
+                        <a:lnSpc>
+                          <a:spcPct val="100000"/>
+                        </a:lnSpc>
+                        <a:spcBef>
+                          <a:spcPct val="0"/>
+                        </a:spcBef>
+                        <a:spcAft>
+                          <a:spcPct val="0"/>
+                        </a:spcAft>
+                        <a:buClrTx/>
+                        <a:buSzTx/>
+                        <a:buFontTx/>
+                        <a:buNone/>
+                        <a:tabLst/>
+                        <a:defRPr/>
+                      </a:pPr>
+                      <a:r>
+                        <a:rPr kumimoji="0" lang="fr-FR" sz="3800" b="0" i="0" u="none" strike="noStrike" kern="1200" cap="none" spc="0" normalizeH="0" baseline="0" noProof="0" dirty="0">
+                          <a:ln>
+                            <a:noFill/>
+                          </a:ln>
+                          <a:solidFill>
+                            <a:srgbClr val="000000"/>
+                          </a:solidFill>
+                          <a:effectLst/>
+                          <a:uLnTx/>
+                          <a:uFillTx/>
+                          <a:latin typeface="Arial" charset="0"/>
+                          <a:ea typeface="ＭＳ Ｐゴシック" pitchFamily="34" charset="-128"/>
+                          <a:cs typeface="+mn-cs"/>
+                        </a:rPr>
+                        <a:t>détecte la présence d'un ensemble de caractéristiques dans les images données en entrée.</a:t>
+                      </a:r>
+                    </a:p>
+                    <a:p>
+                      <a:endParaRPr lang="en-GB" dirty="0"/>
+                    </a:p>
+                  </a:txBody>
+                  <a:tcPr>
+                    <a:noFill/>
+                  </a:tcPr>
+                </a:tc>
+                <a:tc>
+                  <a:txBody>
+                    <a:bodyPr/>
+                    <a:lstStyle/>
+                    <a:p>
+                      <a:pPr marL="0" marR="0" lvl="0" indent="0" algn="ctr" defTabSz="914400" rtl="0" eaLnBrk="0" fontAlgn="base" latinLnBrk="0" hangingPunct="0">
+                        <a:lnSpc>
+                          <a:spcPct val="100000"/>
+                        </a:lnSpc>
+                        <a:spcBef>
+                          <a:spcPct val="0"/>
+                        </a:spcBef>
+                        <a:spcAft>
+                          <a:spcPct val="0"/>
+                        </a:spcAft>
+                        <a:buClrTx/>
+                        <a:buSzTx/>
+                        <a:buFontTx/>
+                        <a:buNone/>
+                        <a:tabLst/>
+                        <a:defRPr/>
+                      </a:pPr>
+                      <a:r>
+                        <a:rPr kumimoji="0" lang="fr-FR" sz="3800" b="1" i="0" u="none" strike="noStrike" kern="1200" cap="none" spc="0" normalizeH="0" baseline="0" noProof="0" dirty="0">
+                          <a:ln>
+                            <a:noFill/>
+                          </a:ln>
+                          <a:solidFill>
+                            <a:srgbClr val="6C5098"/>
+                          </a:solidFill>
+                          <a:effectLst/>
+                          <a:uLnTx/>
+                          <a:uFillTx/>
+                          <a:latin typeface="Arial" charset="0"/>
+                          <a:ea typeface="ＭＳ Ｐゴシック" pitchFamily="34" charset="-128"/>
+                          <a:cs typeface="+mn-cs"/>
+                        </a:rPr>
+                        <a:t>La couche de </a:t>
+                      </a:r>
+                      <a:r>
+                        <a:rPr kumimoji="0" lang="fr-FR" sz="3800" b="1" i="0" u="none" strike="noStrike" kern="1200" cap="none" spc="0" normalizeH="0" baseline="0" noProof="0" dirty="0" err="1">
+                          <a:ln>
+                            <a:noFill/>
+                          </a:ln>
+                          <a:solidFill>
+                            <a:srgbClr val="6C5098"/>
+                          </a:solidFill>
+                          <a:effectLst/>
+                          <a:uLnTx/>
+                          <a:uFillTx/>
+                          <a:latin typeface="Arial" charset="0"/>
+                          <a:ea typeface="ＭＳ Ｐゴシック" pitchFamily="34" charset="-128"/>
+                          <a:cs typeface="+mn-cs"/>
+                        </a:rPr>
+                        <a:t>pooling</a:t>
+                      </a:r>
+                      <a:endParaRPr kumimoji="0" lang="fr-FR" sz="3800" b="1" i="0" u="none" strike="noStrike" kern="1200" cap="none" spc="0" normalizeH="0" baseline="0" noProof="0" dirty="0">
+                        <a:ln>
+                          <a:noFill/>
+                        </a:ln>
+                        <a:solidFill>
+                          <a:srgbClr val="000000"/>
+                        </a:solidFill>
+                        <a:effectLst/>
+                        <a:uLnTx/>
+                        <a:uFillTx/>
+                        <a:latin typeface="Arial" charset="0"/>
+                        <a:ea typeface="ＭＳ Ｐゴシック" pitchFamily="34" charset="-128"/>
+                        <a:cs typeface="+mn-cs"/>
+                      </a:endParaRPr>
+                    </a:p>
+                    <a:p>
+                      <a:pPr marL="0" marR="0" lvl="0" indent="0" algn="ctr" defTabSz="914400" rtl="0" eaLnBrk="0" fontAlgn="base" latinLnBrk="0" hangingPunct="0">
+                        <a:lnSpc>
+                          <a:spcPct val="100000"/>
+                        </a:lnSpc>
+                        <a:spcBef>
+                          <a:spcPct val="0"/>
+                        </a:spcBef>
+                        <a:spcAft>
+                          <a:spcPct val="0"/>
+                        </a:spcAft>
+                        <a:buClrTx/>
+                        <a:buSzTx/>
+                        <a:buFontTx/>
+                        <a:buNone/>
+                        <a:tabLst/>
+                        <a:defRPr/>
+                      </a:pPr>
+                      <a:r>
+                        <a:rPr kumimoji="0" lang="fr-FR" sz="3800" b="0" i="0" u="none" strike="noStrike" kern="1200" cap="none" spc="0" normalizeH="0" baseline="0" noProof="0" dirty="0">
+                          <a:ln>
+                            <a:noFill/>
+                          </a:ln>
+                          <a:solidFill>
+                            <a:srgbClr val="000000"/>
+                          </a:solidFill>
+                          <a:effectLst/>
+                          <a:uLnTx/>
+                          <a:uFillTx/>
+                          <a:latin typeface="Arial" charset="0"/>
+                          <a:ea typeface="ＭＳ Ｐゴシック" pitchFamily="34" charset="-128"/>
+                          <a:cs typeface="+mn-cs"/>
+                        </a:rPr>
+                        <a:t>réduit la taille d'un ensemble de caractéristiques tout en préservant les plus importantes.</a:t>
+                      </a:r>
+                    </a:p>
+                    <a:p>
+                      <a:endParaRPr lang="en-GB" dirty="0"/>
+                    </a:p>
+                  </a:txBody>
+                  <a:tcPr>
+                    <a:noFill/>
+                  </a:tcPr>
+                </a:tc>
+                <a:extLst>
+                  <a:ext uri="{0D108BD9-81ED-4DB2-BD59-A6C34878D82A}">
+                    <a16:rowId xmlns:a16="http://schemas.microsoft.com/office/drawing/2014/main" val="2872119397"/>
+                  </a:ext>
+                </a:extLst>
+              </a:tr>
+            </a:tbl>
+          </a:graphicData>
+        </a:graphic>
+      </p:graphicFrame>
+      <p:graphicFrame>
+        <p:nvGraphicFramePr>
+          <p:cNvPr id="46" name="Table 18">
+            <a:extLst>
+              <a:ext uri="{FF2B5EF4-FFF2-40B4-BE49-F238E27FC236}">
+                <a16:creationId xmlns:a16="http://schemas.microsoft.com/office/drawing/2014/main" id="{AA2B973D-9A5C-4F9D-93D8-F7CCFDC59497}"/>
+              </a:ext>
+            </a:extLst>
+          </p:cNvPr>
+          <p:cNvGraphicFramePr>
+            <a:graphicFrameLocks noGrp="1"/>
+          </p:cNvGraphicFramePr>
+          <p:nvPr>
+            <p:extLst>
+              <p:ext uri="{D42A27DB-BD31-4B8C-83A1-F6EECF244321}">
+                <p14:modId xmlns:p14="http://schemas.microsoft.com/office/powerpoint/2010/main" val="3412093182"/>
+              </p:ext>
+            </p:extLst>
+          </p:nvPr>
+        </p:nvGraphicFramePr>
+        <p:xfrm>
+          <a:off x="18050451" y="23897064"/>
+          <a:ext cx="13362502" cy="6264270"/>
+        </p:xfrm>
+        <a:graphic>
+          <a:graphicData uri="http://schemas.openxmlformats.org/drawingml/2006/table">
+            <a:tbl>
+              <a:tblPr firstRow="1" bandRow="1">
+                <a:tableStyleId>{5C22544A-7EE6-4342-B048-85BDC9FD1C3A}</a:tableStyleId>
+              </a:tblPr>
+              <a:tblGrid>
+                <a:gridCol w="6681251">
+                  <a:extLst>
+                    <a:ext uri="{9D8B030D-6E8A-4147-A177-3AD203B41FA5}">
+                      <a16:colId xmlns:a16="http://schemas.microsoft.com/office/drawing/2014/main" val="1643344713"/>
+                    </a:ext>
+                  </a:extLst>
+                </a:gridCol>
+                <a:gridCol w="6681251">
+                  <a:extLst>
+                    <a:ext uri="{9D8B030D-6E8A-4147-A177-3AD203B41FA5}">
+                      <a16:colId xmlns:a16="http://schemas.microsoft.com/office/drawing/2014/main" val="2838925563"/>
+                    </a:ext>
+                  </a:extLst>
+                </a:gridCol>
+              </a:tblGrid>
+              <a:tr h="1844670">
+                <a:tc gridSpan="2">
+                  <a:txBody>
+                    <a:bodyPr/>
+                    <a:lstStyle/>
+                    <a:p>
+                      <a:pPr algn="ctr"/>
+                      <a:r>
+                        <a:rPr lang="fr-FR" sz="3800" noProof="0" dirty="0">
+                          <a:solidFill>
+                            <a:srgbClr val="6C5098"/>
+                          </a:solidFill>
+                        </a:rPr>
+                        <a:t>Bloc Classifieur</a:t>
+                      </a:r>
+                    </a:p>
+                    <a:p>
+                      <a:pPr algn="ctr"/>
+                      <a:r>
+                        <a:rPr lang="fr-FR" sz="3800" b="0" dirty="0">
+                          <a:solidFill>
+                            <a:schemeClr val="tx1"/>
+                          </a:solidFill>
+                        </a:rPr>
+                        <a:t> combine les caractéristiques des images et</a:t>
+                      </a:r>
+                    </a:p>
+                    <a:p>
+                      <a:pPr algn="ctr"/>
+                      <a:r>
+                        <a:rPr lang="fr-FR" sz="3800" b="0" dirty="0">
+                          <a:solidFill>
+                            <a:schemeClr val="tx1"/>
+                          </a:solidFill>
+                        </a:rPr>
+                        <a:t>les classes dans des catégories.</a:t>
+                      </a:r>
+                      <a:endParaRPr lang="en-GB" sz="3800" b="0" dirty="0">
+                        <a:solidFill>
+                          <a:schemeClr val="tx1"/>
+                        </a:solidFill>
+                      </a:endParaRPr>
+                    </a:p>
+                  </a:txBody>
+                  <a:tcPr>
+                    <a:noFill/>
+                  </a:tcPr>
+                </a:tc>
+                <a:tc hMerge="1">
+                  <a:txBody>
+                    <a:bodyPr/>
+                    <a:lstStyle/>
+                    <a:p>
+                      <a:endParaRPr lang="en-GB" dirty="0"/>
+                    </a:p>
+                  </a:txBody>
+                  <a:tcPr/>
+                </a:tc>
+                <a:extLst>
+                  <a:ext uri="{0D108BD9-81ED-4DB2-BD59-A6C34878D82A}">
+                    <a16:rowId xmlns:a16="http://schemas.microsoft.com/office/drawing/2014/main" val="1993528755"/>
+                  </a:ext>
+                </a:extLst>
+              </a:tr>
+              <a:tr h="3469237">
+                <a:tc>
+                  <a:txBody>
+                    <a:bodyPr/>
+                    <a:lstStyle/>
+                    <a:p>
+                      <a:pPr marL="0" marR="0" lvl="0" indent="0" algn="ctr" defTabSz="914400" rtl="0" eaLnBrk="0" fontAlgn="base" latinLnBrk="0" hangingPunct="0">
+                        <a:lnSpc>
+                          <a:spcPct val="100000"/>
+                        </a:lnSpc>
+                        <a:spcBef>
+                          <a:spcPct val="0"/>
+                        </a:spcBef>
+                        <a:spcAft>
+                          <a:spcPct val="0"/>
+                        </a:spcAft>
+                        <a:buClrTx/>
+                        <a:buSzTx/>
+                        <a:buFontTx/>
+                        <a:buNone/>
+                        <a:tabLst/>
+                        <a:defRPr/>
+                      </a:pPr>
+                      <a:r>
+                        <a:rPr kumimoji="0" lang="fr-FR" sz="3800" b="1" i="0" u="none" strike="noStrike" kern="1200" cap="none" spc="0" normalizeH="0" baseline="0" noProof="0" dirty="0">
+                          <a:ln>
+                            <a:noFill/>
+                          </a:ln>
+                          <a:solidFill>
+                            <a:srgbClr val="6C5098"/>
+                          </a:solidFill>
+                          <a:effectLst/>
+                          <a:uLnTx/>
+                          <a:uFillTx/>
+                          <a:latin typeface="Arial" charset="0"/>
+                          <a:ea typeface="ＭＳ Ｐゴシック" pitchFamily="34" charset="-128"/>
+                          <a:cs typeface="+mn-cs"/>
+                        </a:rPr>
+                        <a:t>La couche de correction ReLU</a:t>
+                      </a:r>
+                    </a:p>
+                    <a:p>
+                      <a:pPr marL="0" marR="0" lvl="0" indent="0" algn="ctr" defTabSz="914400" rtl="0" eaLnBrk="0" fontAlgn="base" latinLnBrk="0" hangingPunct="0">
+                        <a:lnSpc>
+                          <a:spcPct val="100000"/>
+                        </a:lnSpc>
+                        <a:spcBef>
+                          <a:spcPct val="0"/>
+                        </a:spcBef>
+                        <a:spcAft>
+                          <a:spcPct val="0"/>
+                        </a:spcAft>
+                        <a:buClrTx/>
+                        <a:buSzTx/>
+                        <a:buFontTx/>
+                        <a:buNone/>
+                        <a:tabLst/>
+                        <a:defRPr/>
+                      </a:pPr>
+                      <a:endParaRPr kumimoji="0" lang="fr-FR" sz="3800" b="0" i="0" u="none" strike="noStrike" kern="1200" cap="none" spc="0" normalizeH="0" baseline="0" noProof="0" dirty="0">
+                        <a:ln>
+                          <a:noFill/>
+                        </a:ln>
+                        <a:solidFill>
+                          <a:srgbClr val="000000"/>
+                        </a:solidFill>
+                        <a:effectLst/>
+                        <a:uLnTx/>
+                        <a:uFillTx/>
+                        <a:latin typeface="Arial" charset="0"/>
+                        <a:ea typeface="ＭＳ Ｐゴシック" pitchFamily="34" charset="-128"/>
+                        <a:cs typeface="+mn-cs"/>
+                      </a:endParaRPr>
+                    </a:p>
+                    <a:p>
+                      <a:pPr marL="0" marR="0" lvl="0" indent="0" algn="ctr" defTabSz="914400" rtl="0" eaLnBrk="0" fontAlgn="base" latinLnBrk="0" hangingPunct="0">
+                        <a:lnSpc>
+                          <a:spcPct val="100000"/>
+                        </a:lnSpc>
+                        <a:spcBef>
+                          <a:spcPct val="0"/>
+                        </a:spcBef>
+                        <a:spcAft>
+                          <a:spcPct val="0"/>
+                        </a:spcAft>
+                        <a:buClrTx/>
+                        <a:buSzTx/>
+                        <a:buFontTx/>
+                        <a:buNone/>
+                        <a:tabLst/>
+                        <a:defRPr/>
+                      </a:pPr>
+                      <a:r>
+                        <a:rPr kumimoji="0" lang="fr-FR" sz="3800" b="0" i="0" u="none" strike="noStrike" kern="1200" cap="none" spc="0" normalizeH="0" baseline="0" noProof="0" dirty="0">
+                          <a:ln>
+                            <a:noFill/>
+                          </a:ln>
+                          <a:solidFill>
+                            <a:srgbClr val="000000"/>
+                          </a:solidFill>
+                          <a:effectLst/>
+                          <a:uLnTx/>
+                          <a:uFillTx/>
+                          <a:latin typeface="Arial" charset="0"/>
+                          <a:ea typeface="ＭＳ Ｐゴシック" pitchFamily="34" charset="-128"/>
+                          <a:cs typeface="+mn-cs"/>
+                        </a:rPr>
+                        <a:t>agit comme une fonction d’activation, remplace les valeurs négatives par des zéros.</a:t>
+                      </a:r>
+                      <a:endParaRPr kumimoji="0" lang="fr-FR" sz="3800" b="1" i="0" u="none" strike="noStrike" kern="1200" cap="none" spc="0" normalizeH="0" baseline="0" noProof="0" dirty="0">
+                        <a:ln>
+                          <a:noFill/>
+                        </a:ln>
+                        <a:solidFill>
+                          <a:srgbClr val="000000"/>
+                        </a:solidFill>
+                        <a:effectLst/>
+                        <a:uLnTx/>
+                        <a:uFillTx/>
+                        <a:latin typeface="Arial" charset="0"/>
+                        <a:ea typeface="ＭＳ Ｐゴシック" pitchFamily="34" charset="-128"/>
+                        <a:cs typeface="+mn-cs"/>
+                      </a:endParaRPr>
+                    </a:p>
+                    <a:p>
+                      <a:endParaRPr lang="en-GB" dirty="0"/>
+                    </a:p>
+                  </a:txBody>
+                  <a:tcPr>
+                    <a:noFill/>
+                  </a:tcPr>
+                </a:tc>
+                <a:tc>
+                  <a:txBody>
+                    <a:bodyPr/>
+                    <a:lstStyle/>
+                    <a:p>
+                      <a:pPr marL="0" marR="0" lvl="0" indent="0" algn="ctr" defTabSz="914400" rtl="0" eaLnBrk="0" fontAlgn="base" latinLnBrk="0" hangingPunct="0">
+                        <a:lnSpc>
+                          <a:spcPct val="100000"/>
+                        </a:lnSpc>
+                        <a:spcBef>
+                          <a:spcPct val="0"/>
+                        </a:spcBef>
+                        <a:spcAft>
+                          <a:spcPct val="0"/>
+                        </a:spcAft>
+                        <a:buClrTx/>
+                        <a:buSzTx/>
+                        <a:buFontTx/>
+                        <a:buNone/>
+                        <a:tabLst/>
+                        <a:defRPr/>
+                      </a:pPr>
+                      <a:r>
+                        <a:rPr kumimoji="0" lang="fr-FR" sz="3800" b="1" i="0" u="none" strike="noStrike" kern="1200" cap="none" spc="0" normalizeH="0" baseline="0" noProof="0" dirty="0">
+                          <a:ln>
+                            <a:noFill/>
+                          </a:ln>
+                          <a:solidFill>
+                            <a:srgbClr val="6C5098"/>
+                          </a:solidFill>
+                          <a:effectLst/>
+                          <a:uLnTx/>
+                          <a:uFillTx/>
+                          <a:latin typeface="Arial" charset="0"/>
+                          <a:ea typeface="ＭＳ Ｐゴシック" pitchFamily="34" charset="-128"/>
+                          <a:cs typeface="+mn-cs"/>
+                        </a:rPr>
+                        <a:t>La couche fully-connected</a:t>
+                      </a:r>
+                    </a:p>
+                    <a:p>
+                      <a:pPr marL="0" marR="0" lvl="0" indent="0" algn="ctr" defTabSz="914400" rtl="0" eaLnBrk="0" fontAlgn="base" latinLnBrk="0" hangingPunct="0">
+                        <a:lnSpc>
+                          <a:spcPct val="100000"/>
+                        </a:lnSpc>
+                        <a:spcBef>
+                          <a:spcPct val="0"/>
+                        </a:spcBef>
+                        <a:spcAft>
+                          <a:spcPct val="0"/>
+                        </a:spcAft>
+                        <a:buClrTx/>
+                        <a:buSzTx/>
+                        <a:buFontTx/>
+                        <a:buNone/>
+                        <a:tabLst/>
+                        <a:defRPr/>
+                      </a:pPr>
+                      <a:endParaRPr kumimoji="0" lang="fr-FR" sz="3800" b="0" i="0" u="none" strike="noStrike" kern="1200" cap="none" spc="0" normalizeH="0" baseline="0" noProof="0" dirty="0">
+                        <a:ln>
+                          <a:noFill/>
+                        </a:ln>
+                        <a:solidFill>
+                          <a:srgbClr val="000000"/>
+                        </a:solidFill>
+                        <a:effectLst/>
+                        <a:uLnTx/>
+                        <a:uFillTx/>
+                        <a:latin typeface="Arial" charset="0"/>
+                        <a:ea typeface="ＭＳ Ｐゴシック" pitchFamily="34" charset="-128"/>
+                        <a:cs typeface="+mn-cs"/>
+                      </a:endParaRPr>
+                    </a:p>
+                    <a:p>
+                      <a:pPr marL="0" marR="0" lvl="0" indent="0" algn="ctr" defTabSz="914400" rtl="0" eaLnBrk="0" fontAlgn="base" latinLnBrk="0" hangingPunct="0">
+                        <a:lnSpc>
+                          <a:spcPct val="100000"/>
+                        </a:lnSpc>
+                        <a:spcBef>
+                          <a:spcPct val="0"/>
+                        </a:spcBef>
+                        <a:spcAft>
+                          <a:spcPct val="0"/>
+                        </a:spcAft>
+                        <a:buClrTx/>
+                        <a:buSzTx/>
+                        <a:buFontTx/>
+                        <a:buNone/>
+                        <a:tabLst/>
+                        <a:defRPr/>
+                      </a:pPr>
+                      <a:r>
+                        <a:rPr kumimoji="0" lang="fr-FR" sz="3800" b="0" i="0" u="none" strike="noStrike" kern="1200" cap="none" spc="0" normalizeH="0" baseline="0" noProof="0" dirty="0">
+                          <a:ln>
+                            <a:noFill/>
+                          </a:ln>
+                          <a:solidFill>
+                            <a:srgbClr val="000000"/>
+                          </a:solidFill>
+                          <a:effectLst/>
+                          <a:uLnTx/>
+                          <a:uFillTx/>
+                          <a:latin typeface="Arial" charset="0"/>
+                          <a:ea typeface="ＭＳ Ｐゴシック" pitchFamily="34" charset="-128"/>
+                          <a:cs typeface="+mn-cs"/>
+                        </a:rPr>
+                        <a:t>transforme un vecteur en un autre en appliquant une combinaison linéaire avec ou sans fonction d’activation.</a:t>
+                      </a:r>
+                      <a:endParaRPr kumimoji="0" lang="fr-FR" sz="3800" b="1" i="0" u="none" strike="noStrike" kern="1200" cap="none" spc="0" normalizeH="0" baseline="0" noProof="0" dirty="0">
+                        <a:ln>
+                          <a:noFill/>
+                        </a:ln>
+                        <a:solidFill>
+                          <a:srgbClr val="000000"/>
+                        </a:solidFill>
+                        <a:effectLst/>
+                        <a:uLnTx/>
+                        <a:uFillTx/>
+                        <a:latin typeface="Arial" charset="0"/>
+                        <a:ea typeface="ＭＳ Ｐゴシック" pitchFamily="34" charset="-128"/>
+                        <a:cs typeface="+mn-cs"/>
+                      </a:endParaRPr>
+                    </a:p>
+                    <a:p>
+                      <a:endParaRPr lang="en-GB" dirty="0"/>
+                    </a:p>
+                  </a:txBody>
+                  <a:tcPr>
+                    <a:noFill/>
+                  </a:tcPr>
+                </a:tc>
+                <a:extLst>
+                  <a:ext uri="{0D108BD9-81ED-4DB2-BD59-A6C34878D82A}">
+                    <a16:rowId xmlns:a16="http://schemas.microsoft.com/office/drawing/2014/main" val="2872119397"/>
+                  </a:ext>
+                </a:extLst>
+              </a:tr>
+            </a:tbl>
+          </a:graphicData>
+        </a:graphic>
+      </p:graphicFrame>
+      <p:sp>
+        <p:nvSpPr>
+          <p:cNvPr id="47" name="Rectangle: Rounded Corners 46">
+            <a:extLst>
+              <a:ext uri="{FF2B5EF4-FFF2-40B4-BE49-F238E27FC236}">
+                <a16:creationId xmlns:a16="http://schemas.microsoft.com/office/drawing/2014/main" id="{9B404301-BCD4-4CF8-BDA2-CA4F6D43544B}"/>
+              </a:ext>
+            </a:extLst>
+          </p:cNvPr>
+          <p:cNvSpPr/>
+          <p:nvPr/>
+        </p:nvSpPr>
+        <p:spPr bwMode="auto">
+          <a:xfrm>
+            <a:off x="18166609" y="18648052"/>
+            <a:ext cx="13307903" cy="4933442"/>
+          </a:xfrm>
+          <a:prstGeom prst="roundRect">
+            <a:avLst/>
+          </a:prstGeom>
+          <a:noFill/>
           <a:ln w="9525" cap="flat" cmpd="sng" algn="ctr">
             <a:solidFill>
-              <a:schemeClr val="tx1"/>
+              <a:srgbClr val="6C5098"/>
             </a:solidFill>
             <a:prstDash val="solid"/>
             <a:round/>
@@ -7488,39 +7538,69 @@
             <a:tailEnd type="none" w="med" len="med"/>
           </a:ln>
           <a:effectLst/>
-          <a:extLst>
-            <a:ext uri="{AF507438-7753-43E0-B8FC-AC1667EBCBE1}">
-              <a14:hiddenEffects xmlns:a14="http://schemas.microsoft.com/office/drawing/2010/main">
-                <a:effectLst>
-                  <a:outerShdw dist="35921" dir="2700000" algn="ctr" rotWithShape="0">
-                    <a:schemeClr val="bg2"/>
-                  </a:outerShdw>
-                </a:effectLst>
-              </a14:hiddenEffects>
-            </a:ext>
-          </a:extLst>
-        </p:spPr>
-      </p:cxnSp>
-      <p:cxnSp>
-        <p:nvCxnSpPr>
-          <p:cNvPr id="48" name="Connecteur droit 47"/>
-          <p:cNvCxnSpPr/>
+        </p:spPr>
+        <p:txBody>
+          <a:bodyPr vert="horz" wrap="square" lIns="91440" tIns="45720" rIns="91440" bIns="45720" numCol="1" rtlCol="0" anchor="t" anchorCtr="0" compatLnSpc="1">
+            <a:prstTxWarp prst="textNoShape">
+              <a:avLst/>
+            </a:prstTxWarp>
+          </a:bodyPr>
+          <a:lstStyle/>
+          <a:p>
+            <a:pPr marL="0" marR="0" indent="0" algn="l" defTabSz="914400" rtl="0" eaLnBrk="0" fontAlgn="base" latinLnBrk="0" hangingPunct="0">
+              <a:lnSpc>
+                <a:spcPct val="100000"/>
+              </a:lnSpc>
+              <a:spcBef>
+                <a:spcPct val="0"/>
+              </a:spcBef>
+              <a:spcAft>
+                <a:spcPct val="0"/>
+              </a:spcAft>
+              <a:buClrTx/>
+              <a:buSzTx/>
+              <a:buFontTx/>
+              <a:buNone/>
+              <a:tabLst/>
+            </a:pPr>
+            <a:endParaRPr kumimoji="0" lang="en-GB" sz="2400" b="0" i="0" u="none" strike="noStrike" cap="none" normalizeH="0" baseline="0" dirty="0">
+              <a:ln>
+                <a:noFill/>
+              </a:ln>
+              <a:solidFill>
+                <a:schemeClr val="tx1"/>
+              </a:solidFill>
+              <a:effectLst/>
+              <a:latin typeface="Arial" charset="0"/>
+              <a:ea typeface="ＭＳ Ｐゴシック" pitchFamily="1" charset="-128"/>
+            </a:endParaRPr>
+          </a:p>
+        </p:txBody>
+      </p:sp>
+      <p:sp>
+        <p:nvSpPr>
+          <p:cNvPr id="48" name="Rectangle: Rounded Corners 47">
+            <a:extLst>
+              <a:ext uri="{FF2B5EF4-FFF2-40B4-BE49-F238E27FC236}">
+                <a16:creationId xmlns:a16="http://schemas.microsoft.com/office/drawing/2014/main" id="{D0E09CBB-AE99-4992-9275-EBAD5CA06971}"/>
+              </a:ext>
+            </a:extLst>
+          </p:cNvPr>
+          <p:cNvSpPr/>
           <p:nvPr/>
-        </p:nvCxnSpPr>
+        </p:nvSpPr>
         <p:spPr bwMode="auto">
           <a:xfrm>
-            <a:off x="23428410" y="25975842"/>
-            <a:ext cx="0" cy="830814"/>
+            <a:off x="18200003" y="23797518"/>
+            <a:ext cx="13307903" cy="6242509"/>
           </a:xfrm>
-          <a:prstGeom prst="line">
+          <a:prstGeom prst="roundRect">
             <a:avLst/>
           </a:prstGeom>
-          <a:solidFill>
-            <a:schemeClr val="accent1"/>
-          </a:solidFill>
+          <a:noFill/>
           <a:ln w="9525" cap="flat" cmpd="sng" algn="ctr">
             <a:solidFill>
-              <a:schemeClr val="tx1"/>
+              <a:srgbClr val="6C5098"/>
             </a:solidFill>
             <a:prstDash val="solid"/>
             <a:round/>
@@ -7528,568 +7608,88 @@
             <a:tailEnd type="none" w="med" len="med"/>
           </a:ln>
           <a:effectLst/>
-          <a:extLst>
-            <a:ext uri="{AF507438-7753-43E0-B8FC-AC1667EBCBE1}">
-              <a14:hiddenEffects xmlns:a14="http://schemas.microsoft.com/office/drawing/2010/main">
-                <a:effectLst>
-                  <a:outerShdw dist="35921" dir="2700000" algn="ctr" rotWithShape="0">
-                    <a:schemeClr val="bg2"/>
-                  </a:outerShdw>
-                </a:effectLst>
-              </a14:hiddenEffects>
-            </a:ext>
-          </a:extLst>
-        </p:spPr>
-      </p:cxnSp>
-      <p:cxnSp>
-        <p:nvCxnSpPr>
-          <p:cNvPr id="49" name="Connecteur droit 48"/>
-          <p:cNvCxnSpPr/>
+        </p:spPr>
+        <p:txBody>
+          <a:bodyPr vert="horz" wrap="square" lIns="91440" tIns="45720" rIns="91440" bIns="45720" numCol="1" rtlCol="0" anchor="t" anchorCtr="0" compatLnSpc="1">
+            <a:prstTxWarp prst="textNoShape">
+              <a:avLst/>
+            </a:prstTxWarp>
+          </a:bodyPr>
+          <a:lstStyle/>
+          <a:p>
+            <a:pPr marL="0" marR="0" indent="0" algn="l" defTabSz="914400" rtl="0" eaLnBrk="0" fontAlgn="base" latinLnBrk="0" hangingPunct="0">
+              <a:lnSpc>
+                <a:spcPct val="100000"/>
+              </a:lnSpc>
+              <a:spcBef>
+                <a:spcPct val="0"/>
+              </a:spcBef>
+              <a:spcAft>
+                <a:spcPct val="0"/>
+              </a:spcAft>
+              <a:buClrTx/>
+              <a:buSzTx/>
+              <a:buFontTx/>
+              <a:buNone/>
+              <a:tabLst/>
+            </a:pPr>
+            <a:endParaRPr kumimoji="0" lang="en-GB" sz="2400" b="0" i="0" u="none" strike="noStrike" cap="none" normalizeH="0" baseline="0" dirty="0">
+              <a:ln>
+                <a:noFill/>
+              </a:ln>
+              <a:solidFill>
+                <a:schemeClr val="tx1"/>
+              </a:solidFill>
+              <a:effectLst/>
+              <a:latin typeface="Arial" charset="0"/>
+              <a:ea typeface="ＭＳ Ｐゴシック" pitchFamily="1" charset="-128"/>
+            </a:endParaRPr>
+          </a:p>
+        </p:txBody>
+      </p:sp>
+      <p:pic>
+        <p:nvPicPr>
+          <p:cNvPr id="23" name="Graphic 22">
+            <a:extLst>
+              <a:ext uri="{FF2B5EF4-FFF2-40B4-BE49-F238E27FC236}">
+                <a16:creationId xmlns:a16="http://schemas.microsoft.com/office/drawing/2014/main" id="{1FE3CE83-0F5E-4458-A4B2-60F5FBBD8E37}"/>
+              </a:ext>
+            </a:extLst>
+          </p:cNvPr>
+          <p:cNvPicPr>
+            <a:picLocks noChangeAspect="1"/>
+          </p:cNvPicPr>
           <p:nvPr/>
-        </p:nvCxnSpPr>
-        <p:spPr bwMode="auto">
-          <a:xfrm>
-            <a:off x="21092454" y="25975842"/>
-            <a:ext cx="0" cy="830814"/>
-          </a:xfrm>
-          <a:prstGeom prst="line">
-            <a:avLst/>
-          </a:prstGeom>
-          <a:solidFill>
-            <a:schemeClr val="accent1"/>
-          </a:solidFill>
-          <a:ln w="9525" cap="flat" cmpd="sng" algn="ctr">
-            <a:solidFill>
-              <a:schemeClr val="tx1"/>
-            </a:solidFill>
-            <a:prstDash val="solid"/>
-            <a:round/>
-            <a:headEnd type="none" w="med" len="med"/>
-            <a:tailEnd type="none" w="med" len="med"/>
-          </a:ln>
-          <a:effectLst/>
-          <a:extLst>
-            <a:ext uri="{AF507438-7753-43E0-B8FC-AC1667EBCBE1}">
-              <a14:hiddenEffects xmlns:a14="http://schemas.microsoft.com/office/drawing/2010/main">
-                <a:effectLst>
-                  <a:outerShdw dist="35921" dir="2700000" algn="ctr" rotWithShape="0">
-                    <a:schemeClr val="bg2"/>
-                  </a:outerShdw>
-                </a:effectLst>
-              </a14:hiddenEffects>
-            </a:ext>
-          </a:extLst>
-        </p:spPr>
-      </p:cxnSp>
-      <p:cxnSp>
-        <p:nvCxnSpPr>
-          <p:cNvPr id="50" name="Connecteur droit 49"/>
-          <p:cNvCxnSpPr/>
-          <p:nvPr/>
-        </p:nvCxnSpPr>
-        <p:spPr bwMode="auto">
-          <a:xfrm>
-            <a:off x="18860206" y="25975842"/>
-            <a:ext cx="0" cy="830814"/>
-          </a:xfrm>
-          <a:prstGeom prst="line">
-            <a:avLst/>
-          </a:prstGeom>
-          <a:solidFill>
-            <a:schemeClr val="accent1"/>
-          </a:solidFill>
-          <a:ln w="9525" cap="flat" cmpd="sng" algn="ctr">
-            <a:solidFill>
-              <a:schemeClr val="tx1"/>
-            </a:solidFill>
-            <a:prstDash val="solid"/>
-            <a:round/>
-            <a:headEnd type="none" w="med" len="med"/>
-            <a:tailEnd type="none" w="med" len="med"/>
-          </a:ln>
-          <a:effectLst/>
-          <a:extLst>
-            <a:ext uri="{AF507438-7753-43E0-B8FC-AC1667EBCBE1}">
-              <a14:hiddenEffects xmlns:a14="http://schemas.microsoft.com/office/drawing/2010/main">
-                <a:effectLst>
-                  <a:outerShdw dist="35921" dir="2700000" algn="ctr" rotWithShape="0">
-                    <a:schemeClr val="bg2"/>
-                  </a:outerShdw>
-                </a:effectLst>
-              </a14:hiddenEffects>
-            </a:ext>
-          </a:extLst>
-        </p:spPr>
-      </p:cxnSp>
-      <p:cxnSp>
-        <p:nvCxnSpPr>
-          <p:cNvPr id="51" name="Connecteur droit 50"/>
-          <p:cNvCxnSpPr/>
-          <p:nvPr/>
-        </p:nvCxnSpPr>
-        <p:spPr bwMode="auto">
-          <a:xfrm>
-            <a:off x="25700966" y="25975842"/>
-            <a:ext cx="0" cy="830814"/>
-          </a:xfrm>
-          <a:prstGeom prst="line">
-            <a:avLst/>
-          </a:prstGeom>
-          <a:solidFill>
-            <a:schemeClr val="accent1"/>
-          </a:solidFill>
-          <a:ln w="9525" cap="flat" cmpd="sng" algn="ctr">
-            <a:solidFill>
-              <a:schemeClr val="tx1"/>
-            </a:solidFill>
-            <a:prstDash val="solid"/>
-            <a:round/>
-            <a:headEnd type="none" w="med" len="med"/>
-            <a:tailEnd type="none" w="med" len="med"/>
-          </a:ln>
-          <a:effectLst/>
-          <a:extLst>
-            <a:ext uri="{AF507438-7753-43E0-B8FC-AC1667EBCBE1}">
-              <a14:hiddenEffects xmlns:a14="http://schemas.microsoft.com/office/drawing/2010/main">
-                <a:effectLst>
-                  <a:outerShdw dist="35921" dir="2700000" algn="ctr" rotWithShape="0">
-                    <a:schemeClr val="bg2"/>
-                  </a:outerShdw>
-                </a:effectLst>
-              </a14:hiddenEffects>
-            </a:ext>
-          </a:extLst>
-        </p:spPr>
-      </p:cxnSp>
-      <p:cxnSp>
-        <p:nvCxnSpPr>
-          <p:cNvPr id="57" name="Connecteur droit 56"/>
-          <p:cNvCxnSpPr/>
-          <p:nvPr/>
-        </p:nvCxnSpPr>
-        <p:spPr bwMode="auto">
-          <a:xfrm>
-            <a:off x="27991953" y="25975842"/>
-            <a:ext cx="0" cy="830814"/>
-          </a:xfrm>
-          <a:prstGeom prst="line">
-            <a:avLst/>
-          </a:prstGeom>
-          <a:solidFill>
-            <a:schemeClr val="accent1"/>
-          </a:solidFill>
-          <a:ln w="9525" cap="flat" cmpd="sng" algn="ctr">
-            <a:solidFill>
-              <a:schemeClr val="tx1"/>
-            </a:solidFill>
-            <a:prstDash val="solid"/>
-            <a:round/>
-            <a:headEnd type="none" w="med" len="med"/>
-            <a:tailEnd type="none" w="med" len="med"/>
-          </a:ln>
-          <a:effectLst/>
-          <a:extLst>
-            <a:ext uri="{AF507438-7753-43E0-B8FC-AC1667EBCBE1}">
-              <a14:hiddenEffects xmlns:a14="http://schemas.microsoft.com/office/drawing/2010/main">
-                <a:effectLst>
-                  <a:outerShdw dist="35921" dir="2700000" algn="ctr" rotWithShape="0">
-                    <a:schemeClr val="bg2"/>
-                  </a:outerShdw>
-                </a:effectLst>
-              </a14:hiddenEffects>
-            </a:ext>
-          </a:extLst>
-        </p:spPr>
-      </p:cxnSp>
-      <p:cxnSp>
-        <p:nvCxnSpPr>
-          <p:cNvPr id="58" name="Connecteur droit 57"/>
-          <p:cNvCxnSpPr/>
-          <p:nvPr/>
-        </p:nvCxnSpPr>
-        <p:spPr bwMode="auto">
-          <a:xfrm>
-            <a:off x="23428410" y="21418003"/>
-            <a:ext cx="0" cy="830814"/>
-          </a:xfrm>
-          <a:prstGeom prst="line">
-            <a:avLst/>
-          </a:prstGeom>
-          <a:solidFill>
-            <a:schemeClr val="accent1"/>
-          </a:solidFill>
-          <a:ln w="9525" cap="flat" cmpd="sng" algn="ctr">
-            <a:solidFill>
-              <a:schemeClr val="tx1"/>
-            </a:solidFill>
-            <a:prstDash val="solid"/>
-            <a:round/>
-            <a:headEnd type="none" w="med" len="med"/>
-            <a:tailEnd type="none" w="med" len="med"/>
-          </a:ln>
-          <a:effectLst/>
-          <a:extLst>
-            <a:ext uri="{AF507438-7753-43E0-B8FC-AC1667EBCBE1}">
-              <a14:hiddenEffects xmlns:a14="http://schemas.microsoft.com/office/drawing/2010/main">
-                <a:effectLst>
-                  <a:outerShdw dist="35921" dir="2700000" algn="ctr" rotWithShape="0">
-                    <a:schemeClr val="bg2"/>
-                  </a:outerShdw>
-                </a:effectLst>
-              </a14:hiddenEffects>
-            </a:ext>
-          </a:extLst>
-        </p:spPr>
-      </p:cxnSp>
-      <p:cxnSp>
-        <p:nvCxnSpPr>
-          <p:cNvPr id="60" name="Connecteur droit 59"/>
-          <p:cNvCxnSpPr/>
-          <p:nvPr/>
-        </p:nvCxnSpPr>
-        <p:spPr bwMode="auto">
-          <a:xfrm>
-            <a:off x="23428410" y="18463531"/>
-            <a:ext cx="0" cy="830814"/>
-          </a:xfrm>
-          <a:prstGeom prst="line">
-            <a:avLst/>
-          </a:prstGeom>
-          <a:solidFill>
-            <a:schemeClr val="accent1"/>
-          </a:solidFill>
-          <a:ln w="9525" cap="flat" cmpd="sng" algn="ctr">
-            <a:solidFill>
-              <a:schemeClr val="tx1"/>
-            </a:solidFill>
-            <a:prstDash val="solid"/>
-            <a:round/>
-            <a:headEnd type="none" w="med" len="med"/>
-            <a:tailEnd type="none" w="med" len="med"/>
-          </a:ln>
-          <a:effectLst/>
-          <a:extLst>
-            <a:ext uri="{AF507438-7753-43E0-B8FC-AC1667EBCBE1}">
-              <a14:hiddenEffects xmlns:a14="http://schemas.microsoft.com/office/drawing/2010/main">
-                <a:effectLst>
-                  <a:outerShdw dist="35921" dir="2700000" algn="ctr" rotWithShape="0">
-                    <a:schemeClr val="bg2"/>
-                  </a:outerShdw>
-                </a:effectLst>
-              </a14:hiddenEffects>
-            </a:ext>
-          </a:extLst>
-        </p:spPr>
-      </p:cxnSp>
-      <p:cxnSp>
-        <p:nvCxnSpPr>
-          <p:cNvPr id="61" name="Connecteur droit 60"/>
-          <p:cNvCxnSpPr/>
-          <p:nvPr/>
-        </p:nvCxnSpPr>
-        <p:spPr bwMode="auto">
-          <a:xfrm>
-            <a:off x="23428410" y="16889951"/>
-            <a:ext cx="0" cy="830814"/>
-          </a:xfrm>
-          <a:prstGeom prst="line">
-            <a:avLst/>
-          </a:prstGeom>
-          <a:solidFill>
-            <a:schemeClr val="accent1"/>
-          </a:solidFill>
-          <a:ln w="9525" cap="flat" cmpd="sng" algn="ctr">
-            <a:solidFill>
-              <a:schemeClr val="tx1"/>
-            </a:solidFill>
-            <a:prstDash val="solid"/>
-            <a:round/>
-            <a:headEnd type="none" w="med" len="med"/>
-            <a:tailEnd type="none" w="med" len="med"/>
-          </a:ln>
-          <a:effectLst/>
-          <a:extLst>
-            <a:ext uri="{AF507438-7753-43E0-B8FC-AC1667EBCBE1}">
-              <a14:hiddenEffects xmlns:a14="http://schemas.microsoft.com/office/drawing/2010/main">
-                <a:effectLst>
-                  <a:outerShdw dist="35921" dir="2700000" algn="ctr" rotWithShape="0">
-                    <a:schemeClr val="bg2"/>
-                  </a:outerShdw>
-                </a:effectLst>
-              </a14:hiddenEffects>
-            </a:ext>
-          </a:extLst>
-        </p:spPr>
-      </p:cxnSp>
-      <p:sp>
-        <p:nvSpPr>
-          <p:cNvPr id="62" name="ZoneTexte 61"/>
-          <p:cNvSpPr txBox="1"/>
-          <p:nvPr/>
-        </p:nvSpPr>
+        </p:nvPicPr>
+        <p:blipFill rotWithShape="1">
+          <a:blip r:embed="rId18">
+            <a:extLst>
+              <a:ext uri="{28A0092B-C50C-407E-A947-70E740481C1C}">
+                <a14:useLocalDpi xmlns:a14="http://schemas.microsoft.com/office/drawing/2010/main" val="0"/>
+              </a:ext>
+              <a:ext uri="{96DAC541-7B7A-43D3-8B79-37D633B846F1}">
+                <asvg:svgBlip xmlns:asvg="http://schemas.microsoft.com/office/drawing/2016/SVG/main" r:embed="rId19"/>
+              </a:ext>
+            </a:extLst>
+          </a:blip>
+          <a:srcRect r="3241"/>
+          <a:stretch/>
+        </p:blipFill>
         <p:spPr>
           <a:xfrm>
-            <a:off x="16017988" y="12116801"/>
-            <a:ext cx="15022436" cy="2123658"/>
+            <a:off x="18682662" y="26893862"/>
+            <a:ext cx="5615885" cy="730575"/>
           </a:xfrm>
           <a:prstGeom prst="rect">
             <a:avLst/>
           </a:prstGeom>
-          <a:noFill/>
-        </p:spPr>
-        <p:txBody>
-          <a:bodyPr wrap="square" rtlCol="0">
-            <a:spAutoFit/>
-          </a:bodyPr>
-          <a:lstStyle/>
-          <a:p>
-            <a:r>
-              <a:rPr lang="fr-FR" sz="4400" dirty="0" smtClean="0"/>
-              <a:t>Le CNN a été obtenu via un </a:t>
-            </a:r>
-            <a:r>
-              <a:rPr lang="fr-FR" sz="4400" b="1" dirty="0" err="1" smtClean="0"/>
-              <a:t>transerf</a:t>
-            </a:r>
-            <a:r>
-              <a:rPr lang="fr-FR" sz="4400" b="1" dirty="0"/>
-              <a:t> </a:t>
-            </a:r>
-            <a:r>
-              <a:rPr lang="fr-FR" sz="4400" b="1" dirty="0" err="1" smtClean="0"/>
-              <a:t>learning</a:t>
-            </a:r>
-            <a:r>
-              <a:rPr lang="fr-FR" sz="4400" dirty="0" smtClean="0"/>
-              <a:t>, à partir du modèle </a:t>
-            </a:r>
-            <a:r>
-              <a:rPr lang="fr-FR" sz="4400" b="1" dirty="0" smtClean="0"/>
-              <a:t>VGG19</a:t>
-            </a:r>
-            <a:r>
-              <a:rPr lang="fr-FR" sz="4400" dirty="0" smtClean="0"/>
-              <a:t>. L’architecture générale du modèle est décrite par le schéma suivant (avec, à la fin, les 5 classes) :</a:t>
-            </a:r>
-            <a:endParaRPr lang="fr-FR" sz="4400" dirty="0"/>
-          </a:p>
-        </p:txBody>
-      </p:sp>
-      <p:cxnSp>
-        <p:nvCxnSpPr>
-          <p:cNvPr id="22" name="Connecteur droit avec flèche 21"/>
-          <p:cNvCxnSpPr>
-            <a:stCxn id="33" idx="2"/>
-            <a:endCxn id="42" idx="0"/>
-          </p:cNvCxnSpPr>
-          <p:nvPr/>
-        </p:nvCxnSpPr>
-        <p:spPr bwMode="auto">
-          <a:xfrm>
-            <a:off x="8715131" y="17540385"/>
-            <a:ext cx="0" cy="651452"/>
-          </a:xfrm>
-          <a:prstGeom prst="straightConnector1">
-            <a:avLst/>
-          </a:prstGeom>
-          <a:solidFill>
-            <a:schemeClr val="accent1"/>
-          </a:solidFill>
-          <a:ln w="50800" cap="flat" cmpd="sng" algn="ctr">
-            <a:solidFill>
-              <a:schemeClr val="tx1"/>
-            </a:solidFill>
-            <a:prstDash val="solid"/>
-            <a:round/>
-            <a:headEnd type="none" w="med" len="med"/>
-            <a:tailEnd type="triangle"/>
-          </a:ln>
-          <a:effectLst/>
-          <a:extLst>
-            <a:ext uri="{AF507438-7753-43E0-B8FC-AC1667EBCBE1}">
-              <a14:hiddenEffects xmlns:a14="http://schemas.microsoft.com/office/drawing/2010/main">
-                <a:effectLst>
-                  <a:outerShdw dist="35921" dir="2700000" algn="ctr" rotWithShape="0">
-                    <a:schemeClr val="bg2"/>
-                  </a:outerShdw>
-                </a:effectLst>
-              </a14:hiddenEffects>
-            </a:ext>
-          </a:extLst>
-        </p:spPr>
-      </p:cxnSp>
-      <p:cxnSp>
-        <p:nvCxnSpPr>
-          <p:cNvPr id="63" name="Connecteur droit avec flèche 62"/>
-          <p:cNvCxnSpPr/>
-          <p:nvPr/>
-        </p:nvCxnSpPr>
-        <p:spPr bwMode="auto">
-          <a:xfrm>
-            <a:off x="8715131" y="19704722"/>
-            <a:ext cx="0" cy="651452"/>
-          </a:xfrm>
-          <a:prstGeom prst="straightConnector1">
-            <a:avLst/>
-          </a:prstGeom>
-          <a:solidFill>
-            <a:schemeClr val="accent1"/>
-          </a:solidFill>
-          <a:ln w="50800" cap="flat" cmpd="sng" algn="ctr">
-            <a:solidFill>
-              <a:schemeClr val="tx1"/>
-            </a:solidFill>
-            <a:prstDash val="solid"/>
-            <a:round/>
-            <a:headEnd type="none" w="med" len="med"/>
-            <a:tailEnd type="triangle"/>
-          </a:ln>
-          <a:effectLst/>
-          <a:extLst>
-            <a:ext uri="{AF507438-7753-43E0-B8FC-AC1667EBCBE1}">
-              <a14:hiddenEffects xmlns:a14="http://schemas.microsoft.com/office/drawing/2010/main">
-                <a:effectLst>
-                  <a:outerShdw dist="35921" dir="2700000" algn="ctr" rotWithShape="0">
-                    <a:schemeClr val="bg2"/>
-                  </a:outerShdw>
-                </a:effectLst>
-              </a14:hiddenEffects>
-            </a:ext>
-          </a:extLst>
-        </p:spPr>
-      </p:cxnSp>
-      <p:cxnSp>
-        <p:nvCxnSpPr>
-          <p:cNvPr id="64" name="Connecteur droit avec flèche 63"/>
-          <p:cNvCxnSpPr/>
-          <p:nvPr/>
-        </p:nvCxnSpPr>
-        <p:spPr bwMode="auto">
-          <a:xfrm>
-            <a:off x="8715131" y="21745134"/>
-            <a:ext cx="0" cy="651452"/>
-          </a:xfrm>
-          <a:prstGeom prst="straightConnector1">
-            <a:avLst/>
-          </a:prstGeom>
-          <a:solidFill>
-            <a:schemeClr val="accent1"/>
-          </a:solidFill>
-          <a:ln w="50800" cap="flat" cmpd="sng" algn="ctr">
-            <a:solidFill>
-              <a:schemeClr val="tx1"/>
-            </a:solidFill>
-            <a:prstDash val="solid"/>
-            <a:round/>
-            <a:headEnd type="none" w="med" len="med"/>
-            <a:tailEnd type="triangle"/>
-          </a:ln>
-          <a:effectLst/>
-          <a:extLst>
-            <a:ext uri="{AF507438-7753-43E0-B8FC-AC1667EBCBE1}">
-              <a14:hiddenEffects xmlns:a14="http://schemas.microsoft.com/office/drawing/2010/main">
-                <a:effectLst>
-                  <a:outerShdw dist="35921" dir="2700000" algn="ctr" rotWithShape="0">
-                    <a:schemeClr val="bg2"/>
-                  </a:outerShdw>
-                </a:effectLst>
-              </a14:hiddenEffects>
-            </a:ext>
-          </a:extLst>
-        </p:spPr>
-      </p:cxnSp>
-      <p:cxnSp>
-        <p:nvCxnSpPr>
-          <p:cNvPr id="65" name="Connecteur droit avec flèche 64"/>
-          <p:cNvCxnSpPr/>
-          <p:nvPr/>
-        </p:nvCxnSpPr>
-        <p:spPr bwMode="auto">
-          <a:xfrm>
-            <a:off x="8703497" y="23848208"/>
-            <a:ext cx="0" cy="651452"/>
-          </a:xfrm>
-          <a:prstGeom prst="straightConnector1">
-            <a:avLst/>
-          </a:prstGeom>
-          <a:solidFill>
-            <a:schemeClr val="accent1"/>
-          </a:solidFill>
-          <a:ln w="50800" cap="flat" cmpd="sng" algn="ctr">
-            <a:solidFill>
-              <a:schemeClr val="tx1"/>
-            </a:solidFill>
-            <a:prstDash val="solid"/>
-            <a:round/>
-            <a:headEnd type="none" w="med" len="med"/>
-            <a:tailEnd type="triangle"/>
-          </a:ln>
-          <a:effectLst/>
-          <a:extLst>
-            <a:ext uri="{AF507438-7753-43E0-B8FC-AC1667EBCBE1}">
-              <a14:hiddenEffects xmlns:a14="http://schemas.microsoft.com/office/drawing/2010/main">
-                <a:effectLst>
-                  <a:outerShdw dist="35921" dir="2700000" algn="ctr" rotWithShape="0">
-                    <a:schemeClr val="bg2"/>
-                  </a:outerShdw>
-                </a:effectLst>
-              </a14:hiddenEffects>
-            </a:ext>
-          </a:extLst>
-        </p:spPr>
-      </p:cxnSp>
-      <p:cxnSp>
-        <p:nvCxnSpPr>
-          <p:cNvPr id="66" name="Connecteur droit avec flèche 65"/>
-          <p:cNvCxnSpPr/>
-          <p:nvPr/>
-        </p:nvCxnSpPr>
-        <p:spPr bwMode="auto">
-          <a:xfrm>
-            <a:off x="8703497" y="25972730"/>
-            <a:ext cx="0" cy="651452"/>
-          </a:xfrm>
-          <a:prstGeom prst="straightConnector1">
-            <a:avLst/>
-          </a:prstGeom>
-          <a:solidFill>
-            <a:schemeClr val="accent1"/>
-          </a:solidFill>
-          <a:ln w="50800" cap="flat" cmpd="sng" algn="ctr">
-            <a:solidFill>
-              <a:schemeClr val="tx1"/>
-            </a:solidFill>
-            <a:prstDash val="solid"/>
-            <a:round/>
-            <a:headEnd type="none" w="med" len="med"/>
-            <a:tailEnd type="triangle"/>
-          </a:ln>
-          <a:effectLst/>
-          <a:extLst>
-            <a:ext uri="{AF507438-7753-43E0-B8FC-AC1667EBCBE1}">
-              <a14:hiddenEffects xmlns:a14="http://schemas.microsoft.com/office/drawing/2010/main">
-                <a:effectLst>
-                  <a:outerShdw dist="35921" dir="2700000" algn="ctr" rotWithShape="0">
-                    <a:schemeClr val="bg2"/>
-                  </a:outerShdw>
-                </a:effectLst>
-              </a14:hiddenEffects>
-            </a:ext>
-          </a:extLst>
-        </p:spPr>
-      </p:cxnSp>
+        </p:spPr>
+      </p:pic>
     </p:spTree>
   </p:cSld>
   <p:clrMapOvr>
     <a:masterClrMapping/>
   </p:clrMapOvr>
-  <p:timing>
-    <p:tnLst>
-      <p:par>
-        <p:cTn id="1" dur="indefinite" restart="never" nodeType="tmRoot"/>
-      </p:par>
-    </p:tnLst>
-  </p:timing>
 </p:sld>
 </file>
 

--- a/PDS-INFO-2-G5.pptx
+++ b/PDS-INFO-2-G5.pptx
@@ -159,6 +159,43 @@
 </p:presentation>
 </file>
 
+<file path=ppt/changesInfos/changesInfo1.xml><?xml version="1.0" encoding="utf-8"?>
+<pc:chgInfo xmlns:a="http://schemas.openxmlformats.org/drawingml/2006/main" xmlns:r="http://schemas.openxmlformats.org/officeDocument/2006/relationships" xmlns:ac="http://schemas.microsoft.com/office/drawing/2013/main/command" xmlns:pc="http://schemas.microsoft.com/office/powerpoint/2013/main/command">
+  <pc:docChgLst>
+    <pc:chgData name="Brice.Petit@ulb.ac.be" userId="471340c5-ea36-4afb-85d4-5000669cca5d" providerId="ADAL" clId="{3CF6650F-7290-4380-976D-DF807063B0B8}"/>
+    <pc:docChg chg="custSel modSld">
+      <pc:chgData name="Brice.Petit@ulb.ac.be" userId="471340c5-ea36-4afb-85d4-5000669cca5d" providerId="ADAL" clId="{3CF6650F-7290-4380-976D-DF807063B0B8}" dt="2020-04-24T08:24:31.998" v="1" actId="20577"/>
+      <pc:docMkLst>
+        <pc:docMk/>
+      </pc:docMkLst>
+      <pc:sldChg chg="modSp mod">
+        <pc:chgData name="Brice.Petit@ulb.ac.be" userId="471340c5-ea36-4afb-85d4-5000669cca5d" providerId="ADAL" clId="{3CF6650F-7290-4380-976D-DF807063B0B8}" dt="2020-04-24T08:24:31.998" v="1" actId="20577"/>
+        <pc:sldMkLst>
+          <pc:docMk/>
+          <pc:sldMk cId="0" sldId="256"/>
+        </pc:sldMkLst>
+        <pc:spChg chg="mod">
+          <ac:chgData name="Brice.Petit@ulb.ac.be" userId="471340c5-ea36-4afb-85d4-5000669cca5d" providerId="ADAL" clId="{3CF6650F-7290-4380-976D-DF807063B0B8}" dt="2020-04-24T08:24:21.971" v="0" actId="313"/>
+          <ac:spMkLst>
+            <pc:docMk/>
+            <pc:sldMk cId="0" sldId="256"/>
+            <ac:spMk id="45" creationId="{9EB1432B-3134-4FD4-97BE-54F5280D87B4}"/>
+          </ac:spMkLst>
+        </pc:spChg>
+        <pc:spChg chg="mod">
+          <ac:chgData name="Brice.Petit@ulb.ac.be" userId="471340c5-ea36-4afb-85d4-5000669cca5d" providerId="ADAL" clId="{3CF6650F-7290-4380-976D-DF807063B0B8}" dt="2020-04-24T08:24:31.998" v="1" actId="20577"/>
+          <ac:spMkLst>
+            <pc:docMk/>
+            <pc:sldMk cId="0" sldId="256"/>
+            <ac:spMk id="78" creationId="{D87A0A6C-6B54-437E-9926-C97DE0DC85E1}"/>
+          </ac:spMkLst>
+        </pc:spChg>
+      </pc:sldChg>
+    </pc:docChg>
+  </pc:docChgLst>
+</pc:chgInfo>
+</file>
+
 <file path=ppt/handoutMasters/handoutMaster1.xml><?xml version="1.0" encoding="utf-8"?>
 <p:handoutMaster xmlns:a="http://schemas.openxmlformats.org/drawingml/2006/main" xmlns:r="http://schemas.openxmlformats.org/officeDocument/2006/relationships" xmlns:p="http://schemas.openxmlformats.org/presentationml/2006/main">
   <p:cSld>
@@ -260,7 +297,7 @@
               <a:pPr>
                 <a:defRPr/>
               </a:pPr>
-              <a:t>23-04-20</a:t>
+              <a:t>24-04-20</a:t>
             </a:fld>
             <a:endParaRPr lang="fr-BE"/>
           </a:p>
@@ -345,7 +382,7 @@
               <a:pPr>
                 <a:defRPr/>
               </a:pPr>
-              <a:t>‹#›</a:t>
+              <a:t>‹N°›</a:t>
             </a:fld>
             <a:endParaRPr lang="fr-BE"/>
           </a:p>
@@ -464,7 +501,7 @@
               <a:pPr>
                 <a:defRPr/>
               </a:pPr>
-              <a:t>23-04-20</a:t>
+              <a:t>24-04-20</a:t>
             </a:fld>
             <a:endParaRPr lang="fr-BE"/>
           </a:p>
@@ -647,7 +684,7 @@
               <a:pPr>
                 <a:defRPr/>
               </a:pPr>
-              <a:t>‹#›</a:t>
+              <a:t>‹N°›</a:t>
             </a:fld>
             <a:endParaRPr lang="fr-BE"/>
           </a:p>
@@ -1090,7 +1127,7 @@
               <a:pPr>
                 <a:defRPr/>
               </a:pPr>
-              <a:t>‹#›</a:t>
+              <a:t>‹N°›</a:t>
             </a:fld>
             <a:endParaRPr lang="fr-FR"/>
           </a:p>
@@ -1286,7 +1323,7 @@
               <a:pPr>
                 <a:defRPr/>
               </a:pPr>
-              <a:t>‹#›</a:t>
+              <a:t>‹N°›</a:t>
             </a:fld>
             <a:endParaRPr lang="fr-FR"/>
           </a:p>
@@ -1492,7 +1529,7 @@
               <a:pPr>
                 <a:defRPr/>
               </a:pPr>
-              <a:t>‹#›</a:t>
+              <a:t>‹N°›</a:t>
             </a:fld>
             <a:endParaRPr lang="fr-FR"/>
           </a:p>
@@ -1688,7 +1725,7 @@
               <a:pPr>
                 <a:defRPr/>
               </a:pPr>
-              <a:t>‹#›</a:t>
+              <a:t>‹N°›</a:t>
             </a:fld>
             <a:endParaRPr lang="fr-FR"/>
           </a:p>
@@ -1906,7 +1943,7 @@
               <a:pPr>
                 <a:defRPr/>
               </a:pPr>
-              <a:t>‹#›</a:t>
+              <a:t>‹N°›</a:t>
             </a:fld>
             <a:endParaRPr lang="fr-FR"/>
           </a:p>
@@ -2220,7 +2257,7 @@
               <a:pPr>
                 <a:defRPr/>
               </a:pPr>
-              <a:t>‹#›</a:t>
+              <a:t>‹N°›</a:t>
             </a:fld>
             <a:endParaRPr lang="fr-FR"/>
           </a:p>
@@ -2673,7 +2710,7 @@
               <a:pPr>
                 <a:defRPr/>
               </a:pPr>
-              <a:t>‹#›</a:t>
+              <a:t>‹N°›</a:t>
             </a:fld>
             <a:endParaRPr lang="fr-FR"/>
           </a:p>
@@ -2817,7 +2854,7 @@
               <a:pPr>
                 <a:defRPr/>
               </a:pPr>
-              <a:t>‹#›</a:t>
+              <a:t>‹N°›</a:t>
             </a:fld>
             <a:endParaRPr lang="fr-FR"/>
           </a:p>
@@ -2938,7 +2975,7 @@
               <a:pPr>
                 <a:defRPr/>
               </a:pPr>
-              <a:t>‹#›</a:t>
+              <a:t>‹N°›</a:t>
             </a:fld>
             <a:endParaRPr lang="fr-FR"/>
           </a:p>
@@ -3241,7 +3278,7 @@
               <a:pPr>
                 <a:defRPr/>
               </a:pPr>
-              <a:t>‹#›</a:t>
+              <a:t>‹N°›</a:t>
             </a:fld>
             <a:endParaRPr lang="fr-FR"/>
           </a:p>
@@ -3521,7 +3558,7 @@
               <a:pPr>
                 <a:defRPr/>
               </a:pPr>
-              <a:t>‹#›</a:t>
+              <a:t>‹N°›</a:t>
             </a:fld>
             <a:endParaRPr lang="fr-FR"/>
           </a:p>
@@ -3903,7 +3940,7 @@
               <a:pPr>
                 <a:defRPr/>
               </a:pPr>
-              <a:t>‹#›</a:t>
+              <a:t>‹N°›</a:t>
             </a:fld>
             <a:endParaRPr lang="fr-FR"/>
           </a:p>
@@ -6143,15 +6180,7 @@
             <a:pPr algn="ctr"/>
             <a:r>
               <a:rPr lang="fr-FR" sz="3800" dirty="0"/>
-              <a:t>consiste à utiliser un modèle pré-entraîné pour un problème de classification et de l’adapter à un nouveau problème. Pour ce faire il faut prendre le modèle pré-entraîné en </a:t>
-            </a:r>
-            <a:r>
-              <a:rPr lang="fr-FR" sz="3800" dirty="0" err="1"/>
-              <a:t>ré-entraînant</a:t>
-            </a:r>
-            <a:r>
-              <a:rPr lang="fr-FR" sz="3800" dirty="0"/>
-              <a:t> ses dernières couches fully-connected sur le nouveau jeu de données.</a:t>
+              <a:t>consiste à utiliser un modèle pré-entraîné pour un problème de classification et de l’adapter à un nouveau problème. Pour ce faire il faut prendre le modèle pré-entraîné en réentraînant ses dernières couches fully-connected sur le nouveau jeu de données.</a:t>
             </a:r>
           </a:p>
         </p:txBody>
@@ -6600,15 +6629,7 @@
           <a:p>
             <a:r>
               <a:rPr lang="fr-FR" sz="3800" dirty="0"/>
-              <a:t>- Projection des données dans un espace de </a:t>
-            </a:r>
-            <a:r>
-              <a:rPr lang="fr-FR" sz="3800" dirty="0" err="1"/>
-              <a:t>redescription</a:t>
-            </a:r>
-            <a:r>
-              <a:rPr lang="fr-FR" sz="3800" dirty="0"/>
-              <a:t>.</a:t>
+              <a:t>- Projection des données dans un espace de re-description.</a:t>
             </a:r>
           </a:p>
           <a:p>

--- a/PDS-INFO-2-G5.pptx
+++ b/PDS-INFO-2-G5.pptx
@@ -297,7 +297,7 @@
               <a:pPr>
                 <a:defRPr/>
               </a:pPr>
-              <a:t>24-04-20</a:t>
+              <a:t>28-04-20</a:t>
             </a:fld>
             <a:endParaRPr lang="fr-BE"/>
           </a:p>
@@ -382,7 +382,7 @@
               <a:pPr>
                 <a:defRPr/>
               </a:pPr>
-              <a:t>‹N°›</a:t>
+              <a:t>‹#›</a:t>
             </a:fld>
             <a:endParaRPr lang="fr-BE"/>
           </a:p>
@@ -501,7 +501,7 @@
               <a:pPr>
                 <a:defRPr/>
               </a:pPr>
-              <a:t>24-04-20</a:t>
+              <a:t>28-04-20</a:t>
             </a:fld>
             <a:endParaRPr lang="fr-BE"/>
           </a:p>
@@ -684,7 +684,7 @@
               <a:pPr>
                 <a:defRPr/>
               </a:pPr>
-              <a:t>‹N°›</a:t>
+              <a:t>‹#›</a:t>
             </a:fld>
             <a:endParaRPr lang="fr-BE"/>
           </a:p>
@@ -1127,7 +1127,7 @@
               <a:pPr>
                 <a:defRPr/>
               </a:pPr>
-              <a:t>‹N°›</a:t>
+              <a:t>‹#›</a:t>
             </a:fld>
             <a:endParaRPr lang="fr-FR"/>
           </a:p>
@@ -1323,7 +1323,7 @@
               <a:pPr>
                 <a:defRPr/>
               </a:pPr>
-              <a:t>‹N°›</a:t>
+              <a:t>‹#›</a:t>
             </a:fld>
             <a:endParaRPr lang="fr-FR"/>
           </a:p>
@@ -1529,7 +1529,7 @@
               <a:pPr>
                 <a:defRPr/>
               </a:pPr>
-              <a:t>‹N°›</a:t>
+              <a:t>‹#›</a:t>
             </a:fld>
             <a:endParaRPr lang="fr-FR"/>
           </a:p>
@@ -1725,7 +1725,7 @@
               <a:pPr>
                 <a:defRPr/>
               </a:pPr>
-              <a:t>‹N°›</a:t>
+              <a:t>‹#›</a:t>
             </a:fld>
             <a:endParaRPr lang="fr-FR"/>
           </a:p>
@@ -1943,7 +1943,7 @@
               <a:pPr>
                 <a:defRPr/>
               </a:pPr>
-              <a:t>‹N°›</a:t>
+              <a:t>‹#›</a:t>
             </a:fld>
             <a:endParaRPr lang="fr-FR"/>
           </a:p>
@@ -2257,7 +2257,7 @@
               <a:pPr>
                 <a:defRPr/>
               </a:pPr>
-              <a:t>‹N°›</a:t>
+              <a:t>‹#›</a:t>
             </a:fld>
             <a:endParaRPr lang="fr-FR"/>
           </a:p>
@@ -2710,7 +2710,7 @@
               <a:pPr>
                 <a:defRPr/>
               </a:pPr>
-              <a:t>‹N°›</a:t>
+              <a:t>‹#›</a:t>
             </a:fld>
             <a:endParaRPr lang="fr-FR"/>
           </a:p>
@@ -2854,7 +2854,7 @@
               <a:pPr>
                 <a:defRPr/>
               </a:pPr>
-              <a:t>‹N°›</a:t>
+              <a:t>‹#›</a:t>
             </a:fld>
             <a:endParaRPr lang="fr-FR"/>
           </a:p>
@@ -2975,7 +2975,7 @@
               <a:pPr>
                 <a:defRPr/>
               </a:pPr>
-              <a:t>‹N°›</a:t>
+              <a:t>‹#›</a:t>
             </a:fld>
             <a:endParaRPr lang="fr-FR"/>
           </a:p>
@@ -3278,7 +3278,7 @@
               <a:pPr>
                 <a:defRPr/>
               </a:pPr>
-              <a:t>‹N°›</a:t>
+              <a:t>‹#›</a:t>
             </a:fld>
             <a:endParaRPr lang="fr-FR"/>
           </a:p>
@@ -3558,7 +3558,7 @@
               <a:pPr>
                 <a:defRPr/>
               </a:pPr>
-              <a:t>‹N°›</a:t>
+              <a:t>‹#›</a:t>
             </a:fld>
             <a:endParaRPr lang="fr-FR"/>
           </a:p>
@@ -3940,7 +3940,7 @@
               <a:pPr>
                 <a:defRPr/>
               </a:pPr>
-              <a:t>‹N°›</a:t>
+              <a:t>‹#›</a:t>
             </a:fld>
             <a:endParaRPr lang="fr-FR"/>
           </a:p>
@@ -4455,7 +4455,7 @@
         <p:spPr bwMode="auto">
           <a:xfrm>
             <a:off x="2033813" y="12996318"/>
-            <a:ext cx="14571364" cy="29307256"/>
+            <a:ext cx="14571364" cy="25571842"/>
           </a:xfrm>
           <a:prstGeom prst="roundRect">
             <a:avLst/>
@@ -5370,7 +5370,7 @@
           </a:bodyPr>
           <a:lstStyle/>
           <a:p>
-            <a:pPr algn="just"/>
+            <a:pPr algn="ctr"/>
             <a:r>
               <a:rPr lang="fr-FR" sz="3800" dirty="0"/>
               <a:t>Pour la classification des déchets en cinq catégories, deux solutions de </a:t>
@@ -5385,8 +5385,11 @@
             </a:r>
             <a:r>
               <a:rPr lang="fr-FR" sz="3800" dirty="0"/>
-              <a:t> ont été explorées : </a:t>
-            </a:r>
+              <a:t> ont été explorées :</a:t>
+            </a:r>
+          </a:p>
+          <a:p>
+            <a:pPr algn="ctr"/>
             <a:r>
               <a:rPr lang="fr-FR" sz="3800" b="1" dirty="0"/>
               <a:t>SVM</a:t>
@@ -5473,23 +5476,7 @@
             </a:r>
             <a:r>
               <a:rPr lang="fr-FR" sz="3800" dirty="0"/>
-              <a:t>. Les précisions obtenues sont respectivement de </a:t>
-            </a:r>
-            <a:r>
-              <a:rPr lang="fr-FR" sz="3800" b="1" dirty="0"/>
-              <a:t>65</a:t>
-            </a:r>
-            <a:r>
-              <a:rPr lang="fr-FR" sz="3800" dirty="0"/>
-              <a:t>% et </a:t>
-            </a:r>
-            <a:r>
-              <a:rPr lang="fr-FR" sz="3800" b="1" dirty="0"/>
-              <a:t>90</a:t>
-            </a:r>
-            <a:r>
-              <a:rPr lang="fr-FR" sz="3800" dirty="0"/>
-              <a:t>%.</a:t>
+              <a:t>.</a:t>
             </a:r>
           </a:p>
         </p:txBody>
@@ -6019,7 +6006,7 @@
         <p:spPr bwMode="auto">
           <a:xfrm>
             <a:off x="17536184" y="12992101"/>
-            <a:ext cx="14571364" cy="27359844"/>
+            <a:ext cx="14571364" cy="27619324"/>
           </a:xfrm>
           <a:prstGeom prst="roundRect">
             <a:avLst/>
@@ -6152,8 +6139,8 @@
         </p:nvSpPr>
         <p:spPr>
           <a:xfrm>
-            <a:off x="18166610" y="36686950"/>
-            <a:ext cx="13307903" cy="3600986"/>
+            <a:off x="18527093" y="36686950"/>
+            <a:ext cx="12885860" cy="3600986"/>
           </a:xfrm>
           <a:prstGeom prst="rect">
             <a:avLst/>
@@ -6187,10 +6174,10 @@
       </p:sp>
       <p:pic>
         <p:nvPicPr>
-          <p:cNvPr id="35" name="Picture 34" descr="A plastic bag&#10;&#10;Description automatically generated">
+          <p:cNvPr id="51" name="Picture 50" descr="A picture containing drawing&#10;&#10;Description automatically generated">
             <a:extLst>
               <a:ext uri="{FF2B5EF4-FFF2-40B4-BE49-F238E27FC236}">
-                <a16:creationId xmlns:a16="http://schemas.microsoft.com/office/drawing/2014/main" id="{AA8E18DE-D1D8-478F-AD20-535335EF89A9}"/>
+                <a16:creationId xmlns:a16="http://schemas.microsoft.com/office/drawing/2014/main" id="{EB922F53-BD98-4841-A12F-C78AB8BC1675}"/>
               </a:ext>
             </a:extLst>
           </p:cNvPr>
@@ -6213,278 +6200,12 @@
         </p:blipFill>
         <p:spPr>
           <a:xfrm>
-            <a:off x="3776266" y="14493636"/>
-            <a:ext cx="2972215" cy="2962688"/>
+            <a:off x="4692999" y="31646390"/>
+            <a:ext cx="9436027" cy="2763408"/>
           </a:xfrm>
           <a:prstGeom prst="rect">
             <a:avLst/>
           </a:prstGeom>
-        </p:spPr>
-      </p:pic>
-      <p:pic>
-        <p:nvPicPr>
-          <p:cNvPr id="41" name="Picture 40" descr="A picture containing table, indoor, sitting, cake&#10;&#10;Description automatically generated">
-            <a:extLst>
-              <a:ext uri="{FF2B5EF4-FFF2-40B4-BE49-F238E27FC236}">
-                <a16:creationId xmlns:a16="http://schemas.microsoft.com/office/drawing/2014/main" id="{9BB5D6BF-A5DA-452F-9ACD-D38A067E963F}"/>
-              </a:ext>
-            </a:extLst>
-          </p:cNvPr>
-          <p:cNvPicPr>
-            <a:picLocks noChangeAspect="1"/>
-          </p:cNvPicPr>
-          <p:nvPr/>
-        </p:nvPicPr>
-        <p:blipFill>
-          <a:blip r:embed="rId12">
-            <a:extLst>
-              <a:ext uri="{28A0092B-C50C-407E-A947-70E740481C1C}">
-                <a14:useLocalDpi xmlns:a14="http://schemas.microsoft.com/office/drawing/2010/main" val="0"/>
-              </a:ext>
-            </a:extLst>
-          </a:blip>
-          <a:stretch>
-            <a:fillRect/>
-          </a:stretch>
-        </p:blipFill>
-        <p:spPr>
-          <a:xfrm>
-            <a:off x="7847676" y="14512688"/>
-            <a:ext cx="2943636" cy="2943636"/>
-          </a:xfrm>
-          <a:prstGeom prst="rect">
-            <a:avLst/>
-          </a:prstGeom>
-        </p:spPr>
-      </p:pic>
-      <p:pic>
-        <p:nvPicPr>
-          <p:cNvPr id="43" name="Picture 42" descr="A picture containing table, indoor, sitting, doughnut&#10;&#10;Description automatically generated">
-            <a:extLst>
-              <a:ext uri="{FF2B5EF4-FFF2-40B4-BE49-F238E27FC236}">
-                <a16:creationId xmlns:a16="http://schemas.microsoft.com/office/drawing/2014/main" id="{B2397519-5CCE-49FC-AFE6-F2741AD14557}"/>
-              </a:ext>
-            </a:extLst>
-          </p:cNvPr>
-          <p:cNvPicPr>
-            <a:picLocks noChangeAspect="1"/>
-          </p:cNvPicPr>
-          <p:nvPr/>
-        </p:nvPicPr>
-        <p:blipFill>
-          <a:blip r:embed="rId13">
-            <a:extLst>
-              <a:ext uri="{28A0092B-C50C-407E-A947-70E740481C1C}">
-                <a14:useLocalDpi xmlns:a14="http://schemas.microsoft.com/office/drawing/2010/main" val="0"/>
-              </a:ext>
-            </a:extLst>
-          </a:blip>
-          <a:stretch>
-            <a:fillRect/>
-          </a:stretch>
-        </p:blipFill>
-        <p:spPr>
-          <a:xfrm>
-            <a:off x="11980702" y="14436478"/>
-            <a:ext cx="3019846" cy="3019846"/>
-          </a:xfrm>
-          <a:prstGeom prst="rect">
-            <a:avLst/>
-          </a:prstGeom>
-        </p:spPr>
-      </p:pic>
-      <p:sp>
-        <p:nvSpPr>
-          <p:cNvPr id="60" name="TextBox 59">
-            <a:extLst>
-              <a:ext uri="{FF2B5EF4-FFF2-40B4-BE49-F238E27FC236}">
-                <a16:creationId xmlns:a16="http://schemas.microsoft.com/office/drawing/2014/main" id="{06C80951-6110-409E-B3FE-B86B462FB5FB}"/>
-              </a:ext>
-            </a:extLst>
-          </p:cNvPr>
-          <p:cNvSpPr txBox="1"/>
-          <p:nvPr/>
-        </p:nvSpPr>
-        <p:spPr>
-          <a:xfrm>
-            <a:off x="3930225" y="17676838"/>
-            <a:ext cx="2664296" cy="677108"/>
-          </a:xfrm>
-          <a:prstGeom prst="rect">
-            <a:avLst/>
-          </a:prstGeom>
-          <a:noFill/>
-        </p:spPr>
-        <p:txBody>
-          <a:bodyPr wrap="square" rtlCol="0">
-            <a:spAutoFit/>
-          </a:bodyPr>
-          <a:lstStyle/>
-          <a:p>
-            <a:pPr algn="ctr"/>
-            <a:r>
-              <a:rPr lang="en-US" sz="3800" dirty="0"/>
-              <a:t>ORB</a:t>
-            </a:r>
-            <a:endParaRPr lang="en-GB" sz="3800" dirty="0"/>
-          </a:p>
-        </p:txBody>
-      </p:sp>
-      <p:sp>
-        <p:nvSpPr>
-          <p:cNvPr id="61" name="TextBox 60">
-            <a:extLst>
-              <a:ext uri="{FF2B5EF4-FFF2-40B4-BE49-F238E27FC236}">
-                <a16:creationId xmlns:a16="http://schemas.microsoft.com/office/drawing/2014/main" id="{463B716E-E0E8-4BB7-91B1-047ABCB04D73}"/>
-              </a:ext>
-            </a:extLst>
-          </p:cNvPr>
-          <p:cNvSpPr txBox="1"/>
-          <p:nvPr/>
-        </p:nvSpPr>
-        <p:spPr>
-          <a:xfrm>
-            <a:off x="7987346" y="17676838"/>
-            <a:ext cx="2664296" cy="677108"/>
-          </a:xfrm>
-          <a:prstGeom prst="rect">
-            <a:avLst/>
-          </a:prstGeom>
-          <a:noFill/>
-        </p:spPr>
-        <p:txBody>
-          <a:bodyPr wrap="square" rtlCol="0">
-            <a:spAutoFit/>
-          </a:bodyPr>
-          <a:lstStyle/>
-          <a:p>
-            <a:pPr algn="ctr"/>
-            <a:r>
-              <a:rPr lang="en-US" sz="3800" dirty="0"/>
-              <a:t>SIFT</a:t>
-            </a:r>
-            <a:endParaRPr lang="en-GB" sz="3800" dirty="0"/>
-          </a:p>
-        </p:txBody>
-      </p:sp>
-      <p:sp>
-        <p:nvSpPr>
-          <p:cNvPr id="62" name="TextBox 61">
-            <a:extLst>
-              <a:ext uri="{FF2B5EF4-FFF2-40B4-BE49-F238E27FC236}">
-                <a16:creationId xmlns:a16="http://schemas.microsoft.com/office/drawing/2014/main" id="{78D35E5B-0952-4422-8588-2AAC7357891A}"/>
-              </a:ext>
-            </a:extLst>
-          </p:cNvPr>
-          <p:cNvSpPr txBox="1"/>
-          <p:nvPr/>
-        </p:nvSpPr>
-        <p:spPr>
-          <a:xfrm>
-            <a:off x="12158477" y="17676838"/>
-            <a:ext cx="2664296" cy="677108"/>
-          </a:xfrm>
-          <a:prstGeom prst="rect">
-            <a:avLst/>
-          </a:prstGeom>
-          <a:noFill/>
-        </p:spPr>
-        <p:txBody>
-          <a:bodyPr wrap="square" rtlCol="0">
-            <a:spAutoFit/>
-          </a:bodyPr>
-          <a:lstStyle/>
-          <a:p>
-            <a:pPr algn="ctr"/>
-            <a:r>
-              <a:rPr lang="en-US" sz="3800" dirty="0"/>
-              <a:t>SURF</a:t>
-            </a:r>
-            <a:endParaRPr lang="en-GB" sz="3800" dirty="0"/>
-          </a:p>
-        </p:txBody>
-      </p:sp>
-      <p:pic>
-        <p:nvPicPr>
-          <p:cNvPr id="51" name="Picture 50" descr="A picture containing drawing&#10;&#10;Description automatically generated">
-            <a:extLst>
-              <a:ext uri="{FF2B5EF4-FFF2-40B4-BE49-F238E27FC236}">
-                <a16:creationId xmlns:a16="http://schemas.microsoft.com/office/drawing/2014/main" id="{EB922F53-BD98-4841-A12F-C78AB8BC1675}"/>
-              </a:ext>
-            </a:extLst>
-          </p:cNvPr>
-          <p:cNvPicPr>
-            <a:picLocks noChangeAspect="1"/>
-          </p:cNvPicPr>
-          <p:nvPr/>
-        </p:nvPicPr>
-        <p:blipFill>
-          <a:blip r:embed="rId14">
-            <a:extLst>
-              <a:ext uri="{28A0092B-C50C-407E-A947-70E740481C1C}">
-                <a14:useLocalDpi xmlns:a14="http://schemas.microsoft.com/office/drawing/2010/main" val="0"/>
-              </a:ext>
-            </a:extLst>
-          </a:blip>
-          <a:stretch>
-            <a:fillRect/>
-          </a:stretch>
-        </p:blipFill>
-        <p:spPr>
-          <a:xfrm>
-            <a:off x="3224907" y="34742734"/>
-            <a:ext cx="11794967" cy="3454241"/>
-          </a:xfrm>
-          <a:prstGeom prst="rect">
-            <a:avLst/>
-          </a:prstGeom>
-        </p:spPr>
-      </p:pic>
-      <p:pic>
-        <p:nvPicPr>
-          <p:cNvPr id="1026" name="Picture 2">
-            <a:extLst>
-              <a:ext uri="{FF2B5EF4-FFF2-40B4-BE49-F238E27FC236}">
-                <a16:creationId xmlns:a16="http://schemas.microsoft.com/office/drawing/2014/main" id="{C7EAB3B5-14E6-445A-B792-6E402C4A406A}"/>
-              </a:ext>
-            </a:extLst>
-          </p:cNvPr>
-          <p:cNvPicPr>
-            <a:picLocks noChangeAspect="1" noChangeArrowheads="1"/>
-          </p:cNvPicPr>
-          <p:nvPr/>
-        </p:nvPicPr>
-        <p:blipFill>
-          <a:blip r:embed="rId15">
-            <a:extLst>
-              <a:ext uri="{28A0092B-C50C-407E-A947-70E740481C1C}">
-                <a14:useLocalDpi xmlns:a14="http://schemas.microsoft.com/office/drawing/2010/main" val="0"/>
-              </a:ext>
-            </a:extLst>
-          </a:blip>
-          <a:srcRect/>
-          <a:stretch>
-            <a:fillRect/>
-          </a:stretch>
-        </p:blipFill>
-        <p:spPr bwMode="auto">
-          <a:xfrm>
-            <a:off x="3422010" y="20989206"/>
-            <a:ext cx="11400763" cy="5260785"/>
-          </a:xfrm>
-          <a:prstGeom prst="rect">
-            <a:avLst/>
-          </a:prstGeom>
-          <a:noFill/>
-          <a:extLst>
-            <a:ext uri="{909E8E84-426E-40DD-AFC4-6F175D3DCCD1}">
-              <a14:hiddenFill xmlns:a14="http://schemas.microsoft.com/office/drawing/2010/main">
-                <a:solidFill>
-                  <a:srgbClr val="FFFFFF"/>
-                </a:solidFill>
-              </a14:hiddenFill>
-            </a:ext>
-          </a:extLst>
         </p:spPr>
       </p:pic>
       <p:pic>
@@ -6502,13 +6223,13 @@
           <p:nvPr/>
         </p:nvPicPr>
         <p:blipFill>
-          <a:blip r:embed="rId16">
+          <a:blip r:embed="rId12">
             <a:extLst>
               <a:ext uri="{28A0092B-C50C-407E-A947-70E740481C1C}">
                 <a14:useLocalDpi xmlns:a14="http://schemas.microsoft.com/office/drawing/2010/main" val="0"/>
               </a:ext>
               <a:ext uri="{96DAC541-7B7A-43D3-8B79-37D633B846F1}">
-                <asvg:svgBlip xmlns:asvg="http://schemas.microsoft.com/office/drawing/2016/SVG/main" r:embed="rId17"/>
+                <asvg:svgBlip xmlns:asvg="http://schemas.microsoft.com/office/drawing/2016/SVG/main" r:embed="rId13"/>
               </a:ext>
             </a:extLst>
           </a:blip>
@@ -6518,87 +6239,14 @@
         </p:blipFill>
         <p:spPr>
           <a:xfrm>
-            <a:off x="7730384" y="28622054"/>
-            <a:ext cx="8575275" cy="2063569"/>
+            <a:off x="9834449" y="26003082"/>
+            <a:ext cx="6039162" cy="1453274"/>
           </a:xfrm>
           <a:prstGeom prst="rect">
             <a:avLst/>
           </a:prstGeom>
         </p:spPr>
       </p:pic>
-      <p:sp>
-        <p:nvSpPr>
-          <p:cNvPr id="75" name="TextBox 74">
-            <a:extLst>
-              <a:ext uri="{FF2B5EF4-FFF2-40B4-BE49-F238E27FC236}">
-                <a16:creationId xmlns:a16="http://schemas.microsoft.com/office/drawing/2014/main" id="{839CE816-BD79-4F37-83B9-528F851BBFA4}"/>
-              </a:ext>
-            </a:extLst>
-          </p:cNvPr>
-          <p:cNvSpPr txBox="1"/>
-          <p:nvPr/>
-        </p:nvSpPr>
-        <p:spPr>
-          <a:xfrm>
-            <a:off x="2665541" y="18468926"/>
-            <a:ext cx="13307903" cy="2431435"/>
-          </a:xfrm>
-          <a:prstGeom prst="rect">
-            <a:avLst/>
-          </a:prstGeom>
-          <a:noFill/>
-        </p:spPr>
-        <p:txBody>
-          <a:bodyPr wrap="square" rtlCol="0">
-            <a:spAutoFit/>
-          </a:bodyPr>
-          <a:lstStyle/>
-          <a:p>
-            <a:pPr algn="just"/>
-            <a:r>
-              <a:rPr lang="fr-FR" sz="3800" dirty="0"/>
-              <a:t>Ce sont des algorithmes permettant de détecter et d'extraire les caractéristiques locales des images sous formes de positions clés et de descripteurs contenant des informations numériques dérivées de l'analyse locale de l'image.</a:t>
-            </a:r>
-          </a:p>
-        </p:txBody>
-      </p:sp>
-      <p:sp>
-        <p:nvSpPr>
-          <p:cNvPr id="76" name="TextBox 75">
-            <a:extLst>
-              <a:ext uri="{FF2B5EF4-FFF2-40B4-BE49-F238E27FC236}">
-                <a16:creationId xmlns:a16="http://schemas.microsoft.com/office/drawing/2014/main" id="{3FA17BF5-A935-4622-84B8-B7983C028F5A}"/>
-              </a:ext>
-            </a:extLst>
-          </p:cNvPr>
-          <p:cNvSpPr txBox="1"/>
-          <p:nvPr/>
-        </p:nvSpPr>
-        <p:spPr>
-          <a:xfrm>
-            <a:off x="2814415" y="26245790"/>
-            <a:ext cx="13307903" cy="2431435"/>
-          </a:xfrm>
-          <a:prstGeom prst="rect">
-            <a:avLst/>
-          </a:prstGeom>
-          <a:noFill/>
-        </p:spPr>
-        <p:txBody>
-          <a:bodyPr wrap="square" rtlCol="0">
-            <a:spAutoFit/>
-          </a:bodyPr>
-          <a:lstStyle/>
-          <a:p>
-            <a:pPr algn="just"/>
-            <a:r>
-              <a:rPr lang="fr-FR" sz="3800" dirty="0"/>
-              <a:t>Le principe des SVM est d’effectuer une séparation linéaire à des problèmes, où ce n'est pas possible en passant par des fonctions de transformation permettant de trouver l’hyperplan séparateur adéquat.</a:t>
-            </a:r>
-            <a:endParaRPr lang="fr-FR" sz="3800" b="1" dirty="0"/>
-          </a:p>
-        </p:txBody>
-      </p:sp>
       <p:sp>
         <p:nvSpPr>
           <p:cNvPr id="78" name="TextBox 77">
@@ -6613,8 +6261,8 @@
         </p:nvSpPr>
         <p:spPr>
           <a:xfrm>
-            <a:off x="2665541" y="30782294"/>
-            <a:ext cx="13307903" cy="3600986"/>
+            <a:off x="2757063" y="28190006"/>
+            <a:ext cx="13307903" cy="3016210"/>
           </a:xfrm>
           <a:prstGeom prst="rect">
             <a:avLst/>
@@ -6627,27 +6275,26 @@
           </a:bodyPr>
           <a:lstStyle/>
           <a:p>
+            <a:pPr algn="ctr"/>
+            <a:r>
+              <a:rPr lang="en-US" sz="3800" b="1" dirty="0">
+                <a:solidFill>
+                  <a:srgbClr val="6C5098"/>
+                </a:solidFill>
+              </a:rPr>
+              <a:t>Radial basis function (RBF)</a:t>
+            </a:r>
+            <a:endParaRPr lang="en-GB" sz="3800" b="1" dirty="0">
+              <a:solidFill>
+                <a:srgbClr val="6C5098"/>
+              </a:solidFill>
+            </a:endParaRPr>
+          </a:p>
+          <a:p>
+            <a:pPr algn="ctr"/>
             <a:r>
               <a:rPr lang="fr-FR" sz="3800" dirty="0"/>
-              <a:t>- Projection des données dans un espace de re-description.</a:t>
-            </a:r>
-          </a:p>
-          <a:p>
-            <a:r>
-              <a:rPr lang="fr-FR" sz="3800" dirty="0"/>
-              <a:t>- Recherche de régularités linéaires dans cet espace.</a:t>
-            </a:r>
-          </a:p>
-          <a:p>
-            <a:r>
-              <a:rPr lang="fr-FR" sz="3800" dirty="0"/>
-              <a:t>- Les algorithmes de recherche ont seulement besoin des 	produits scalaires des projections des données.</a:t>
-            </a:r>
-          </a:p>
-          <a:p>
-            <a:r>
-              <a:rPr lang="fr-FR" sz="3800" dirty="0"/>
-              <a:t>- Les fonctions noyau permettent de calculer plus 	efficacement les produits scalaires.</a:t>
+              <a:t>est une fonction noyau de transformation permettant de trouver l’hyperplan séparateur adéquat en calculant plus efficacement les produits scalaires des projections des données.</a:t>
             </a:r>
           </a:p>
         </p:txBody>
@@ -6666,8 +6313,8 @@
         </p:nvSpPr>
         <p:spPr>
           <a:xfrm>
-            <a:off x="2814415" y="38559158"/>
-            <a:ext cx="13307903" cy="3600986"/>
+            <a:off x="2792935" y="34526710"/>
+            <a:ext cx="13307903" cy="3016210"/>
           </a:xfrm>
           <a:prstGeom prst="rect">
             <a:avLst/>
@@ -6689,74 +6336,13 @@
               </a:rPr>
               <a:t>One vs One</a:t>
             </a:r>
-            <a:r>
-              <a:rPr lang="en-GB" sz="3800" b="1" dirty="0">
-                <a:solidFill>
-                  <a:srgbClr val="6C5098"/>
-                </a:solidFill>
-              </a:rPr>
-              <a:t> : </a:t>
-            </a:r>
+          </a:p>
+          <a:p>
+            <a:pPr algn="ctr"/>
             <a:r>
               <a:rPr lang="fr-FR" sz="3800" dirty="0"/>
-              <a:t>K (K - 1) / 2 classificateurs binaires sont créés, chacun reçoit les échantillons d'une paire de classes de l'ensemble de formation original. Au moment de la prédiction, un système de vote est appliqué, la classe qui a obtenu le plus grand nombre de prédictions est prédite par le classificateur combiné.</a:t>
-            </a:r>
-          </a:p>
-        </p:txBody>
-      </p:sp>
-      <p:sp>
-        <p:nvSpPr>
-          <p:cNvPr id="80" name="TextBox 79">
-            <a:extLst>
-              <a:ext uri="{FF2B5EF4-FFF2-40B4-BE49-F238E27FC236}">
-                <a16:creationId xmlns:a16="http://schemas.microsoft.com/office/drawing/2014/main" id="{5719B526-47C3-4453-BE28-C4E7B2134DB3}"/>
-              </a:ext>
-            </a:extLst>
-          </p:cNvPr>
-          <p:cNvSpPr txBox="1"/>
-          <p:nvPr/>
-        </p:nvSpPr>
-        <p:spPr>
-          <a:xfrm rot="16200000">
-            <a:off x="4196551" y="27012180"/>
-            <a:ext cx="1354217" cy="5294046"/>
-          </a:xfrm>
-          <a:prstGeom prst="rect">
-            <a:avLst/>
-          </a:prstGeom>
-          <a:noFill/>
-        </p:spPr>
-        <p:txBody>
-          <a:bodyPr vert="eaVert" wrap="square" rtlCol="0">
-            <a:spAutoFit/>
-          </a:bodyPr>
-          <a:lstStyle/>
-          <a:p>
-            <a:pPr algn="ctr"/>
-            <a:r>
-              <a:rPr lang="fr-FR" sz="3800" b="1" dirty="0">
-                <a:solidFill>
-                  <a:srgbClr val="6C5098"/>
-                </a:solidFill>
-              </a:rPr>
-              <a:t>Kernel RBF</a:t>
-            </a:r>
-          </a:p>
-          <a:p>
-            <a:pPr algn="ctr"/>
-            <a:r>
-              <a:rPr lang="en-US" sz="3800" b="1" dirty="0">
-                <a:solidFill>
-                  <a:srgbClr val="6C5098"/>
-                </a:solidFill>
-              </a:rPr>
-              <a:t>Radial basis function</a:t>
-            </a:r>
-            <a:endParaRPr lang="en-GB" sz="3800" b="1" dirty="0">
-              <a:solidFill>
-                <a:srgbClr val="6C5098"/>
-              </a:solidFill>
-            </a:endParaRPr>
+              <a:t>K (K - 1) / 2 classificateurs binaires sont créés. Au moment de la prédiction, un système de vote est appliqué, la classe qui a obtenu le plus grand nombre de prédictions est prédite par le classificateur combiné.</a:t>
+            </a:r>
           </a:p>
         </p:txBody>
       </p:sp>
@@ -6839,7 +6425,7 @@
           <p:nvPr>
             <p:extLst>
               <p:ext uri="{D42A27DB-BD31-4B8C-83A1-F6EECF244321}">
-                <p14:modId xmlns:p14="http://schemas.microsoft.com/office/powerpoint/2010/main" val="1532645180"/>
+                <p14:modId xmlns:p14="http://schemas.microsoft.com/office/powerpoint/2010/main" val="2662529017"/>
               </p:ext>
             </p:extLst>
           </p:nvPr>
@@ -6894,7 +6480,7 @@
                             <a:schemeClr val="tx1"/>
                           </a:solidFill>
                         </a:rPr>
-                        <a:t>extracteur des caractéristiques des images.</a:t>
+                        <a:t>extrait les caractéristiques des images.</a:t>
                       </a:r>
                     </a:p>
                   </a:txBody>
@@ -7060,7 +6646,7 @@
                         <a:t>La couche de </a:t>
                       </a:r>
                       <a:r>
-                        <a:rPr kumimoji="0" lang="fr-FR" sz="3800" b="1" i="0" u="none" strike="noStrike" kern="1200" cap="none" spc="0" normalizeH="0" baseline="0" noProof="0" dirty="0" err="1">
+                        <a:rPr kumimoji="0" lang="en-US" sz="3800" b="1" i="0" u="none" strike="noStrike" kern="1200" cap="none" spc="0" normalizeH="0" baseline="0" noProof="0" dirty="0">
                           <a:ln>
                             <a:noFill/>
                           </a:ln>
@@ -7076,7 +6662,7 @@
                         </a:rPr>
                         <a:t>pooling</a:t>
                       </a:r>
-                      <a:endParaRPr kumimoji="0" lang="fr-FR" sz="3800" b="1" i="0" u="none" strike="noStrike" kern="1200" cap="none" spc="0" normalizeH="0" baseline="0" noProof="0" dirty="0">
+                      <a:endParaRPr kumimoji="0" lang="en-US" sz="3800" b="1" i="0" u="none" strike="noStrike" kern="1200" cap="none" spc="0" normalizeH="0" baseline="0" noProof="0" dirty="0">
                         <a:ln>
                           <a:noFill/>
                         </a:ln>
@@ -7160,14 +6746,14 @@
           <p:nvPr>
             <p:extLst>
               <p:ext uri="{D42A27DB-BD31-4B8C-83A1-F6EECF244321}">
-                <p14:modId xmlns:p14="http://schemas.microsoft.com/office/powerpoint/2010/main" val="3412093182"/>
+                <p14:modId xmlns:p14="http://schemas.microsoft.com/office/powerpoint/2010/main" val="850409069"/>
               </p:ext>
             </p:extLst>
           </p:nvPr>
         </p:nvGraphicFramePr>
         <p:xfrm>
           <a:off x="18050451" y="23897064"/>
-          <a:ext cx="13362502" cy="6264270"/>
+          <a:ext cx="13362502" cy="5685150"/>
         </p:xfrm>
         <a:graphic>
           <a:graphicData uri="http://schemas.openxmlformats.org/drawingml/2006/table">
@@ -7215,7 +6801,7 @@
                             <a:schemeClr val="tx1"/>
                           </a:solidFill>
                         </a:rPr>
-                        <a:t> combine les caractéristiques des images et</a:t>
+                        <a:t>  étant donné les caractéristiques des images,</a:t>
                       </a:r>
                     </a:p>
                     <a:p>
@@ -7226,7 +6812,7 @@
                             <a:schemeClr val="tx1"/>
                           </a:solidFill>
                         </a:rPr>
-                        <a:t>les classes dans des catégories.</a:t>
+                        <a:t>détermine à quelle classe appartient l'image.</a:t>
                       </a:r>
                       <a:endParaRPr lang="en-GB" sz="3800" b="0" dirty="0">
                         <a:solidFill>
@@ -7362,7 +6948,7 @@
                           <a:ea typeface="ＭＳ Ｐゴシック" pitchFamily="34" charset="-128"/>
                           <a:cs typeface="+mn-cs"/>
                         </a:rPr>
-                        <a:t>agit comme une fonction d’activation, remplace les valeurs négatives par des zéros.</a:t>
+                        <a:t>est une fonction d’activation, remplace les valeurs négatives par des zéros.</a:t>
                       </a:r>
                       <a:endParaRPr kumimoji="0" lang="fr-FR" sz="3800" b="1" i="0" u="none" strike="noStrike" kern="1200" cap="none" spc="0" normalizeH="0" baseline="0" noProof="0" dirty="0">
                         <a:ln>
@@ -7683,13 +7269,13 @@
           <p:nvPr/>
         </p:nvPicPr>
         <p:blipFill rotWithShape="1">
-          <a:blip r:embed="rId18">
+          <a:blip r:embed="rId14">
             <a:extLst>
               <a:ext uri="{28A0092B-C50C-407E-A947-70E740481C1C}">
                 <a14:useLocalDpi xmlns:a14="http://schemas.microsoft.com/office/drawing/2010/main" val="0"/>
               </a:ext>
               <a:ext uri="{96DAC541-7B7A-43D3-8B79-37D633B846F1}">
-                <asvg:svgBlip xmlns:asvg="http://schemas.microsoft.com/office/drawing/2016/SVG/main" r:embed="rId19"/>
+                <asvg:svgBlip xmlns:asvg="http://schemas.microsoft.com/office/drawing/2016/SVG/main" r:embed="rId15"/>
               </a:ext>
             </a:extLst>
           </a:blip>
@@ -7706,6 +7292,1788 @@
           </a:prstGeom>
         </p:spPr>
       </p:pic>
+      <p:pic>
+        <p:nvPicPr>
+          <p:cNvPr id="7" name="Picture 6" descr="A picture containing clock&#10;&#10;Description automatically generated">
+            <a:extLst>
+              <a:ext uri="{FF2B5EF4-FFF2-40B4-BE49-F238E27FC236}">
+                <a16:creationId xmlns:a16="http://schemas.microsoft.com/office/drawing/2014/main" id="{4F4BC309-E76C-4067-B176-5E35013B0A9B}"/>
+              </a:ext>
+            </a:extLst>
+          </p:cNvPr>
+          <p:cNvPicPr>
+            <a:picLocks noChangeAspect="1"/>
+          </p:cNvPicPr>
+          <p:nvPr/>
+        </p:nvPicPr>
+        <p:blipFill rotWithShape="1">
+          <a:blip r:embed="rId16">
+            <a:extLst>
+              <a:ext uri="{28A0092B-C50C-407E-A947-70E740481C1C}">
+                <a14:useLocalDpi xmlns:a14="http://schemas.microsoft.com/office/drawing/2010/main" val="0"/>
+              </a:ext>
+            </a:extLst>
+          </a:blip>
+          <a:srcRect l="6557" t="44087" r="48323" b="6538"/>
+          <a:stretch/>
+        </p:blipFill>
+        <p:spPr>
+          <a:xfrm>
+            <a:off x="13008637" y="14580494"/>
+            <a:ext cx="2864974" cy="2353787"/>
+          </a:xfrm>
+          <a:prstGeom prst="rect">
+            <a:avLst/>
+          </a:prstGeom>
+        </p:spPr>
+      </p:pic>
+      <p:pic>
+        <p:nvPicPr>
+          <p:cNvPr id="17" name="Picture 16" descr="A picture containing remote&#10;&#10;Description automatically generated">
+            <a:extLst>
+              <a:ext uri="{FF2B5EF4-FFF2-40B4-BE49-F238E27FC236}">
+                <a16:creationId xmlns:a16="http://schemas.microsoft.com/office/drawing/2014/main" id="{FB6642AD-8A13-4C41-95A4-DA47CB163C14}"/>
+              </a:ext>
+            </a:extLst>
+          </p:cNvPr>
+          <p:cNvPicPr>
+            <a:picLocks noChangeAspect="1"/>
+          </p:cNvPicPr>
+          <p:nvPr/>
+        </p:nvPicPr>
+        <p:blipFill rotWithShape="1">
+          <a:blip r:embed="rId17">
+            <a:extLst>
+              <a:ext uri="{28A0092B-C50C-407E-A947-70E740481C1C}">
+                <a14:useLocalDpi xmlns:a14="http://schemas.microsoft.com/office/drawing/2010/main" val="0"/>
+              </a:ext>
+            </a:extLst>
+          </a:blip>
+          <a:srcRect l="24945" t="-297" r="41723" b="59968"/>
+          <a:stretch/>
+        </p:blipFill>
+        <p:spPr>
+          <a:xfrm>
+            <a:off x="3257098" y="18703070"/>
+            <a:ext cx="2516481" cy="2664046"/>
+          </a:xfrm>
+          <a:prstGeom prst="rect">
+            <a:avLst/>
+          </a:prstGeom>
+        </p:spPr>
+      </p:pic>
+      <p:pic>
+        <p:nvPicPr>
+          <p:cNvPr id="20" name="Picture 19" descr="A close up of a logo&#10;&#10;Description automatically generated">
+            <a:extLst>
+              <a:ext uri="{FF2B5EF4-FFF2-40B4-BE49-F238E27FC236}">
+                <a16:creationId xmlns:a16="http://schemas.microsoft.com/office/drawing/2014/main" id="{DD7996B2-49F6-4FCF-B8F0-3CE96A24B5FF}"/>
+              </a:ext>
+            </a:extLst>
+          </p:cNvPr>
+          <p:cNvPicPr>
+            <a:picLocks noChangeAspect="1"/>
+          </p:cNvPicPr>
+          <p:nvPr/>
+        </p:nvPicPr>
+        <p:blipFill rotWithShape="1">
+          <a:blip r:embed="rId18">
+            <a:extLst>
+              <a:ext uri="{28A0092B-C50C-407E-A947-70E740481C1C}">
+                <a14:useLocalDpi xmlns:a14="http://schemas.microsoft.com/office/drawing/2010/main" val="0"/>
+              </a:ext>
+            </a:extLst>
+          </a:blip>
+          <a:srcRect l="9377" t="18273" r="55882" b="63739"/>
+          <a:stretch/>
+        </p:blipFill>
+        <p:spPr>
+          <a:xfrm>
+            <a:off x="8115477" y="14554456"/>
+            <a:ext cx="3104789" cy="1354218"/>
+          </a:xfrm>
+          <a:prstGeom prst="rect">
+            <a:avLst/>
+          </a:prstGeom>
+        </p:spPr>
+      </p:pic>
+      <p:pic>
+        <p:nvPicPr>
+          <p:cNvPr id="32" name="Picture 31" descr="A picture containing drawing&#10;&#10;Description automatically generated">
+            <a:extLst>
+              <a:ext uri="{FF2B5EF4-FFF2-40B4-BE49-F238E27FC236}">
+                <a16:creationId xmlns:a16="http://schemas.microsoft.com/office/drawing/2014/main" id="{DF71E793-94AD-456F-BE1A-E517AEF82F4A}"/>
+              </a:ext>
+            </a:extLst>
+          </p:cNvPr>
+          <p:cNvPicPr>
+            <a:picLocks noChangeAspect="1"/>
+          </p:cNvPicPr>
+          <p:nvPr/>
+        </p:nvPicPr>
+        <p:blipFill rotWithShape="1">
+          <a:blip r:embed="rId19">
+            <a:extLst>
+              <a:ext uri="{28A0092B-C50C-407E-A947-70E740481C1C}">
+                <a14:useLocalDpi xmlns:a14="http://schemas.microsoft.com/office/drawing/2010/main" val="0"/>
+              </a:ext>
+            </a:extLst>
+          </a:blip>
+          <a:srcRect l="2426" t="78993" r="73828" b="7673"/>
+          <a:stretch/>
+        </p:blipFill>
+        <p:spPr>
+          <a:xfrm>
+            <a:off x="12608624" y="18597062"/>
+            <a:ext cx="3442317" cy="2679889"/>
+          </a:xfrm>
+          <a:prstGeom prst="rect">
+            <a:avLst/>
+          </a:prstGeom>
+        </p:spPr>
+      </p:pic>
+      <p:pic>
+        <p:nvPicPr>
+          <p:cNvPr id="34" name="Picture 33" descr="A close up of a logo&#10;&#10;Description automatically generated">
+            <a:extLst>
+              <a:ext uri="{FF2B5EF4-FFF2-40B4-BE49-F238E27FC236}">
+                <a16:creationId xmlns:a16="http://schemas.microsoft.com/office/drawing/2014/main" id="{EED5F03A-6C47-4377-9022-611ED9490030}"/>
+              </a:ext>
+            </a:extLst>
+          </p:cNvPr>
+          <p:cNvPicPr>
+            <a:picLocks noChangeAspect="1"/>
+          </p:cNvPicPr>
+          <p:nvPr/>
+        </p:nvPicPr>
+        <p:blipFill rotWithShape="1">
+          <a:blip r:embed="rId20">
+            <a:extLst>
+              <a:ext uri="{28A0092B-C50C-407E-A947-70E740481C1C}">
+                <a14:useLocalDpi xmlns:a14="http://schemas.microsoft.com/office/drawing/2010/main" val="0"/>
+              </a:ext>
+            </a:extLst>
+          </a:blip>
+          <a:srcRect l="463" t="45343" r="73765" b="31712"/>
+          <a:stretch/>
+        </p:blipFill>
+        <p:spPr>
+          <a:xfrm>
+            <a:off x="7865507" y="18661167"/>
+            <a:ext cx="2792127" cy="2066252"/>
+          </a:xfrm>
+          <a:prstGeom prst="rect">
+            <a:avLst/>
+          </a:prstGeom>
+        </p:spPr>
+      </p:pic>
+      <p:sp>
+        <p:nvSpPr>
+          <p:cNvPr id="63" name="Rectangle: Rounded Corners 62">
+            <a:extLst>
+              <a:ext uri="{FF2B5EF4-FFF2-40B4-BE49-F238E27FC236}">
+                <a16:creationId xmlns:a16="http://schemas.microsoft.com/office/drawing/2014/main" id="{04507344-FA40-47C9-B53F-0F27B3F39E75}"/>
+              </a:ext>
+            </a:extLst>
+          </p:cNvPr>
+          <p:cNvSpPr/>
+          <p:nvPr/>
+        </p:nvSpPr>
+        <p:spPr bwMode="auto">
+          <a:xfrm>
+            <a:off x="2665539" y="14436478"/>
+            <a:ext cx="13307903" cy="3744599"/>
+          </a:xfrm>
+          <a:prstGeom prst="roundRect">
+            <a:avLst/>
+          </a:prstGeom>
+          <a:noFill/>
+          <a:ln w="9525" cap="flat" cmpd="sng" algn="ctr">
+            <a:solidFill>
+              <a:srgbClr val="6C5098"/>
+            </a:solidFill>
+            <a:prstDash val="solid"/>
+            <a:round/>
+            <a:headEnd type="none" w="med" len="med"/>
+            <a:tailEnd type="none" w="med" len="med"/>
+          </a:ln>
+          <a:effectLst/>
+        </p:spPr>
+        <p:txBody>
+          <a:bodyPr vert="horz" wrap="square" lIns="91440" tIns="45720" rIns="91440" bIns="45720" numCol="1" rtlCol="0" anchor="t" anchorCtr="0" compatLnSpc="1">
+            <a:prstTxWarp prst="textNoShape">
+              <a:avLst/>
+            </a:prstTxWarp>
+          </a:bodyPr>
+          <a:lstStyle/>
+          <a:p>
+            <a:pPr marL="0" marR="0" indent="0" algn="l" defTabSz="914400" rtl="0" eaLnBrk="0" fontAlgn="base" latinLnBrk="0" hangingPunct="0">
+              <a:lnSpc>
+                <a:spcPct val="100000"/>
+              </a:lnSpc>
+              <a:spcBef>
+                <a:spcPct val="0"/>
+              </a:spcBef>
+              <a:spcAft>
+                <a:spcPct val="0"/>
+              </a:spcAft>
+              <a:buClrTx/>
+              <a:buSzTx/>
+              <a:buFontTx/>
+              <a:buNone/>
+              <a:tabLst/>
+            </a:pPr>
+            <a:endParaRPr kumimoji="0" lang="en-GB" sz="2400" b="0" i="0" u="none" strike="noStrike" cap="none" normalizeH="0" baseline="0" dirty="0">
+              <a:ln>
+                <a:noFill/>
+              </a:ln>
+              <a:solidFill>
+                <a:schemeClr val="tx1"/>
+              </a:solidFill>
+              <a:effectLst/>
+              <a:latin typeface="Arial" charset="0"/>
+              <a:ea typeface="ＭＳ Ｐゴシック" pitchFamily="1" charset="-128"/>
+            </a:endParaRPr>
+          </a:p>
+        </p:txBody>
+      </p:sp>
+      <p:sp>
+        <p:nvSpPr>
+          <p:cNvPr id="39" name="Arrow: Right 38">
+            <a:extLst>
+              <a:ext uri="{FF2B5EF4-FFF2-40B4-BE49-F238E27FC236}">
+                <a16:creationId xmlns:a16="http://schemas.microsoft.com/office/drawing/2014/main" id="{8CB4E6B9-A1C3-45CF-8FA7-BE638D6968F2}"/>
+              </a:ext>
+            </a:extLst>
+          </p:cNvPr>
+          <p:cNvSpPr/>
+          <p:nvPr/>
+        </p:nvSpPr>
+        <p:spPr bwMode="auto">
+          <a:xfrm rot="20326522">
+            <a:off x="6137248" y="15238869"/>
+            <a:ext cx="1755918" cy="592460"/>
+          </a:xfrm>
+          <a:prstGeom prst="rightArrow">
+            <a:avLst/>
+          </a:prstGeom>
+          <a:solidFill>
+            <a:srgbClr val="6C5098"/>
+          </a:solidFill>
+          <a:ln w="9525" cap="flat" cmpd="sng" algn="ctr">
+            <a:solidFill>
+              <a:schemeClr val="tx1"/>
+            </a:solidFill>
+            <a:prstDash val="solid"/>
+            <a:round/>
+            <a:headEnd type="none" w="med" len="med"/>
+            <a:tailEnd type="none" w="med" len="med"/>
+          </a:ln>
+          <a:effectLst/>
+        </p:spPr>
+        <p:txBody>
+          <a:bodyPr vert="horz" wrap="square" lIns="91440" tIns="45720" rIns="91440" bIns="45720" numCol="1" rtlCol="0" anchor="t" anchorCtr="0" compatLnSpc="1">
+            <a:prstTxWarp prst="textNoShape">
+              <a:avLst/>
+            </a:prstTxWarp>
+          </a:bodyPr>
+          <a:lstStyle/>
+          <a:p>
+            <a:pPr marL="0" marR="0" indent="0" algn="l" defTabSz="914400" rtl="0" eaLnBrk="0" fontAlgn="base" latinLnBrk="0" hangingPunct="0">
+              <a:lnSpc>
+                <a:spcPct val="100000"/>
+              </a:lnSpc>
+              <a:spcBef>
+                <a:spcPct val="0"/>
+              </a:spcBef>
+              <a:spcAft>
+                <a:spcPct val="0"/>
+              </a:spcAft>
+              <a:buClrTx/>
+              <a:buSzTx/>
+              <a:buFontTx/>
+              <a:buNone/>
+              <a:tabLst/>
+            </a:pPr>
+            <a:endParaRPr kumimoji="0" lang="en-GB" sz="2400" b="0" i="0" u="none" strike="noStrike" cap="none" normalizeH="0" baseline="0">
+              <a:ln>
+                <a:noFill/>
+              </a:ln>
+              <a:solidFill>
+                <a:schemeClr val="tx1"/>
+              </a:solidFill>
+              <a:effectLst/>
+              <a:latin typeface="Arial" charset="0"/>
+              <a:ea typeface="ＭＳ Ｐゴシック" pitchFamily="1" charset="-128"/>
+            </a:endParaRPr>
+          </a:p>
+        </p:txBody>
+      </p:sp>
+      <p:sp>
+        <p:nvSpPr>
+          <p:cNvPr id="66" name="Arrow: Right 65">
+            <a:extLst>
+              <a:ext uri="{FF2B5EF4-FFF2-40B4-BE49-F238E27FC236}">
+                <a16:creationId xmlns:a16="http://schemas.microsoft.com/office/drawing/2014/main" id="{44AB60EC-4B0B-4E70-A167-113CB2E3639D}"/>
+              </a:ext>
+            </a:extLst>
+          </p:cNvPr>
+          <p:cNvSpPr/>
+          <p:nvPr/>
+        </p:nvSpPr>
+        <p:spPr bwMode="auto">
+          <a:xfrm rot="627024">
+            <a:off x="11199672" y="15348593"/>
+            <a:ext cx="1755918" cy="592460"/>
+          </a:xfrm>
+          <a:prstGeom prst="rightArrow">
+            <a:avLst/>
+          </a:prstGeom>
+          <a:solidFill>
+            <a:srgbClr val="6C5098"/>
+          </a:solidFill>
+          <a:ln w="9525" cap="flat" cmpd="sng" algn="ctr">
+            <a:solidFill>
+              <a:schemeClr val="tx1"/>
+            </a:solidFill>
+            <a:prstDash val="solid"/>
+            <a:round/>
+            <a:headEnd type="none" w="med" len="med"/>
+            <a:tailEnd type="none" w="med" len="med"/>
+          </a:ln>
+          <a:effectLst/>
+        </p:spPr>
+        <p:txBody>
+          <a:bodyPr vert="horz" wrap="square" lIns="91440" tIns="45720" rIns="91440" bIns="45720" numCol="1" rtlCol="0" anchor="t" anchorCtr="0" compatLnSpc="1">
+            <a:prstTxWarp prst="textNoShape">
+              <a:avLst/>
+            </a:prstTxWarp>
+          </a:bodyPr>
+          <a:lstStyle/>
+          <a:p>
+            <a:pPr marL="0" marR="0" indent="0" algn="l" defTabSz="914400" rtl="0" eaLnBrk="0" fontAlgn="base" latinLnBrk="0" hangingPunct="0">
+              <a:lnSpc>
+                <a:spcPct val="100000"/>
+              </a:lnSpc>
+              <a:spcBef>
+                <a:spcPct val="0"/>
+              </a:spcBef>
+              <a:spcAft>
+                <a:spcPct val="0"/>
+              </a:spcAft>
+              <a:buClrTx/>
+              <a:buSzTx/>
+              <a:buFontTx/>
+              <a:buNone/>
+              <a:tabLst/>
+            </a:pPr>
+            <a:endParaRPr kumimoji="0" lang="en-GB" sz="2400" b="0" i="0" u="none" strike="noStrike" cap="none" normalizeH="0" baseline="0">
+              <a:ln>
+                <a:noFill/>
+              </a:ln>
+              <a:solidFill>
+                <a:schemeClr val="tx1"/>
+              </a:solidFill>
+              <a:effectLst/>
+              <a:latin typeface="Arial" charset="0"/>
+              <a:ea typeface="ＭＳ Ｐゴシック" pitchFamily="1" charset="-128"/>
+            </a:endParaRPr>
+          </a:p>
+        </p:txBody>
+      </p:sp>
+      <p:sp>
+        <p:nvSpPr>
+          <p:cNvPr id="67" name="Arrow: Right 66">
+            <a:extLst>
+              <a:ext uri="{FF2B5EF4-FFF2-40B4-BE49-F238E27FC236}">
+                <a16:creationId xmlns:a16="http://schemas.microsoft.com/office/drawing/2014/main" id="{B7BF118F-202B-4A08-83A9-E3734815C270}"/>
+              </a:ext>
+            </a:extLst>
+          </p:cNvPr>
+          <p:cNvSpPr/>
+          <p:nvPr/>
+        </p:nvSpPr>
+        <p:spPr bwMode="auto">
+          <a:xfrm rot="20445938">
+            <a:off x="5884795" y="19521320"/>
+            <a:ext cx="1755918" cy="592460"/>
+          </a:xfrm>
+          <a:prstGeom prst="rightArrow">
+            <a:avLst/>
+          </a:prstGeom>
+          <a:solidFill>
+            <a:srgbClr val="6C5098"/>
+          </a:solidFill>
+          <a:ln w="9525" cap="flat" cmpd="sng" algn="ctr">
+            <a:solidFill>
+              <a:schemeClr val="tx1"/>
+            </a:solidFill>
+            <a:prstDash val="solid"/>
+            <a:round/>
+            <a:headEnd type="none" w="med" len="med"/>
+            <a:tailEnd type="none" w="med" len="med"/>
+          </a:ln>
+          <a:effectLst/>
+        </p:spPr>
+        <p:txBody>
+          <a:bodyPr vert="horz" wrap="square" lIns="91440" tIns="45720" rIns="91440" bIns="45720" numCol="1" rtlCol="0" anchor="t" anchorCtr="0" compatLnSpc="1">
+            <a:prstTxWarp prst="textNoShape">
+              <a:avLst/>
+            </a:prstTxWarp>
+          </a:bodyPr>
+          <a:lstStyle/>
+          <a:p>
+            <a:pPr marL="0" marR="0" indent="0" algn="l" defTabSz="914400" rtl="0" eaLnBrk="0" fontAlgn="base" latinLnBrk="0" hangingPunct="0">
+              <a:lnSpc>
+                <a:spcPct val="100000"/>
+              </a:lnSpc>
+              <a:spcBef>
+                <a:spcPct val="0"/>
+              </a:spcBef>
+              <a:spcAft>
+                <a:spcPct val="0"/>
+              </a:spcAft>
+              <a:buClrTx/>
+              <a:buSzTx/>
+              <a:buFontTx/>
+              <a:buNone/>
+              <a:tabLst/>
+            </a:pPr>
+            <a:endParaRPr kumimoji="0" lang="en-GB" sz="2400" b="0" i="0" u="none" strike="noStrike" cap="none" normalizeH="0" baseline="0">
+              <a:ln>
+                <a:noFill/>
+              </a:ln>
+              <a:solidFill>
+                <a:schemeClr val="tx1"/>
+              </a:solidFill>
+              <a:effectLst/>
+              <a:latin typeface="Arial" charset="0"/>
+              <a:ea typeface="ＭＳ Ｐゴシック" pitchFamily="1" charset="-128"/>
+            </a:endParaRPr>
+          </a:p>
+        </p:txBody>
+      </p:sp>
+      <p:sp>
+        <p:nvSpPr>
+          <p:cNvPr id="69" name="Arrow: Right 68">
+            <a:extLst>
+              <a:ext uri="{FF2B5EF4-FFF2-40B4-BE49-F238E27FC236}">
+                <a16:creationId xmlns:a16="http://schemas.microsoft.com/office/drawing/2014/main" id="{A66D563B-1809-4BC9-A4B4-4B2173DC54BD}"/>
+              </a:ext>
+            </a:extLst>
+          </p:cNvPr>
+          <p:cNvSpPr/>
+          <p:nvPr/>
+        </p:nvSpPr>
+        <p:spPr bwMode="auto">
+          <a:xfrm rot="700766">
+            <a:off x="11023732" y="19579155"/>
+            <a:ext cx="1755918" cy="592460"/>
+          </a:xfrm>
+          <a:prstGeom prst="rightArrow">
+            <a:avLst/>
+          </a:prstGeom>
+          <a:solidFill>
+            <a:srgbClr val="6C5098"/>
+          </a:solidFill>
+          <a:ln w="9525" cap="flat" cmpd="sng" algn="ctr">
+            <a:solidFill>
+              <a:schemeClr val="tx1"/>
+            </a:solidFill>
+            <a:prstDash val="solid"/>
+            <a:round/>
+            <a:headEnd type="none" w="med" len="med"/>
+            <a:tailEnd type="none" w="med" len="med"/>
+          </a:ln>
+          <a:effectLst/>
+        </p:spPr>
+        <p:txBody>
+          <a:bodyPr vert="horz" wrap="square" lIns="91440" tIns="45720" rIns="91440" bIns="45720" numCol="1" rtlCol="0" anchor="t" anchorCtr="0" compatLnSpc="1">
+            <a:prstTxWarp prst="textNoShape">
+              <a:avLst/>
+            </a:prstTxWarp>
+          </a:bodyPr>
+          <a:lstStyle/>
+          <a:p>
+            <a:pPr marL="0" marR="0" indent="0" algn="l" defTabSz="914400" rtl="0" eaLnBrk="0" fontAlgn="base" latinLnBrk="0" hangingPunct="0">
+              <a:lnSpc>
+                <a:spcPct val="100000"/>
+              </a:lnSpc>
+              <a:spcBef>
+                <a:spcPct val="0"/>
+              </a:spcBef>
+              <a:spcAft>
+                <a:spcPct val="0"/>
+              </a:spcAft>
+              <a:buClrTx/>
+              <a:buSzTx/>
+              <a:buFontTx/>
+              <a:buNone/>
+              <a:tabLst/>
+            </a:pPr>
+            <a:endParaRPr kumimoji="0" lang="en-GB" sz="2400" b="0" i="0" u="none" strike="noStrike" cap="none" normalizeH="0" baseline="0">
+              <a:ln>
+                <a:noFill/>
+              </a:ln>
+              <a:solidFill>
+                <a:schemeClr val="tx1"/>
+              </a:solidFill>
+              <a:effectLst/>
+              <a:latin typeface="Arial" charset="0"/>
+              <a:ea typeface="ＭＳ Ｐゴシック" pitchFamily="1" charset="-128"/>
+            </a:endParaRPr>
+          </a:p>
+        </p:txBody>
+      </p:sp>
+      <p:sp>
+        <p:nvSpPr>
+          <p:cNvPr id="70" name="TextBox 69">
+            <a:extLst>
+              <a:ext uri="{FF2B5EF4-FFF2-40B4-BE49-F238E27FC236}">
+                <a16:creationId xmlns:a16="http://schemas.microsoft.com/office/drawing/2014/main" id="{281BCE37-20C5-42BB-94E8-21F69CA21914}"/>
+              </a:ext>
+            </a:extLst>
+          </p:cNvPr>
+          <p:cNvSpPr txBox="1"/>
+          <p:nvPr/>
+        </p:nvSpPr>
+        <p:spPr>
+          <a:xfrm>
+            <a:off x="2665540" y="16253515"/>
+            <a:ext cx="13307903" cy="2431435"/>
+          </a:xfrm>
+          <a:prstGeom prst="rect">
+            <a:avLst/>
+          </a:prstGeom>
+          <a:noFill/>
+        </p:spPr>
+        <p:txBody>
+          <a:bodyPr wrap="square" rtlCol="0">
+            <a:spAutoFit/>
+          </a:bodyPr>
+          <a:lstStyle/>
+          <a:p>
+            <a:pPr algn="ctr"/>
+            <a:r>
+              <a:rPr lang="fr-FR" sz="3800" b="1" dirty="0">
+                <a:solidFill>
+                  <a:srgbClr val="6C5098"/>
+                </a:solidFill>
+              </a:rPr>
+              <a:t>Extracteur de caractéristiques</a:t>
+            </a:r>
+          </a:p>
+          <a:p>
+            <a:pPr algn="ctr"/>
+            <a:r>
+              <a:rPr lang="fr-FR" sz="3800" dirty="0"/>
+              <a:t>détecte et extrait les caractéristiques locales des images sous formes de positions clés et de descripteurs.</a:t>
+            </a:r>
+          </a:p>
+          <a:p>
+            <a:pPr algn="ctr"/>
+            <a:endParaRPr lang="fr-FR" sz="3800" dirty="0"/>
+          </a:p>
+        </p:txBody>
+      </p:sp>
+      <p:graphicFrame>
+        <p:nvGraphicFramePr>
+          <p:cNvPr id="71" name="Table 7">
+            <a:extLst>
+              <a:ext uri="{FF2B5EF4-FFF2-40B4-BE49-F238E27FC236}">
+                <a16:creationId xmlns:a16="http://schemas.microsoft.com/office/drawing/2014/main" id="{31174AD0-EDD6-4582-9F6E-44A52FFBA421}"/>
+              </a:ext>
+            </a:extLst>
+          </p:cNvPr>
+          <p:cNvGraphicFramePr>
+            <a:graphicFrameLocks noGrp="1"/>
+          </p:cNvGraphicFramePr>
+          <p:nvPr>
+            <p:extLst>
+              <p:ext uri="{D42A27DB-BD31-4B8C-83A1-F6EECF244321}">
+                <p14:modId xmlns:p14="http://schemas.microsoft.com/office/powerpoint/2010/main" val="2325352400"/>
+              </p:ext>
+            </p:extLst>
+          </p:nvPr>
+        </p:nvGraphicFramePr>
+        <p:xfrm>
+          <a:off x="3224907" y="38738773"/>
+          <a:ext cx="12748538" cy="3708817"/>
+        </p:xfrm>
+        <a:graphic>
+          <a:graphicData uri="http://schemas.openxmlformats.org/drawingml/2006/table">
+            <a:tbl>
+              <a:tblPr firstRow="1" bandRow="1">
+                <a:tableStyleId>{93296810-A885-4BE3-A3E7-6D5BEEA58F35}</a:tableStyleId>
+              </a:tblPr>
+              <a:tblGrid>
+                <a:gridCol w="4249513">
+                  <a:extLst>
+                    <a:ext uri="{9D8B030D-6E8A-4147-A177-3AD203B41FA5}">
+                      <a16:colId xmlns:a16="http://schemas.microsoft.com/office/drawing/2014/main" val="2626304605"/>
+                    </a:ext>
+                  </a:extLst>
+                </a:gridCol>
+                <a:gridCol w="1416504">
+                  <a:extLst>
+                    <a:ext uri="{9D8B030D-6E8A-4147-A177-3AD203B41FA5}">
+                      <a16:colId xmlns:a16="http://schemas.microsoft.com/office/drawing/2014/main" val="2973038698"/>
+                    </a:ext>
+                  </a:extLst>
+                </a:gridCol>
+                <a:gridCol w="1416504">
+                  <a:extLst>
+                    <a:ext uri="{9D8B030D-6E8A-4147-A177-3AD203B41FA5}">
+                      <a16:colId xmlns:a16="http://schemas.microsoft.com/office/drawing/2014/main" val="1718655701"/>
+                    </a:ext>
+                  </a:extLst>
+                </a:gridCol>
+                <a:gridCol w="1416504">
+                  <a:extLst>
+                    <a:ext uri="{9D8B030D-6E8A-4147-A177-3AD203B41FA5}">
+                      <a16:colId xmlns:a16="http://schemas.microsoft.com/office/drawing/2014/main" val="2403150399"/>
+                    </a:ext>
+                  </a:extLst>
+                </a:gridCol>
+                <a:gridCol w="4249513">
+                  <a:extLst>
+                    <a:ext uri="{9D8B030D-6E8A-4147-A177-3AD203B41FA5}">
+                      <a16:colId xmlns:a16="http://schemas.microsoft.com/office/drawing/2014/main" val="1961620341"/>
+                    </a:ext>
+                  </a:extLst>
+                </a:gridCol>
+              </a:tblGrid>
+              <a:tr h="624913">
+                <a:tc rowSpan="2">
+                  <a:txBody>
+                    <a:bodyPr/>
+                    <a:lstStyle/>
+                    <a:p>
+                      <a:pPr algn="ctr"/>
+                      <a:r>
+                        <a:rPr lang="fr-FR" sz="3400" noProof="0" dirty="0"/>
+                        <a:t>Modèle</a:t>
+                      </a:r>
+                    </a:p>
+                  </a:txBody>
+                  <a:tcPr anchor="ctr">
+                    <a:solidFill>
+                      <a:srgbClr val="6C5098"/>
+                    </a:solidFill>
+                  </a:tcPr>
+                </a:tc>
+                <a:tc gridSpan="3">
+                  <a:txBody>
+                    <a:bodyPr/>
+                    <a:lstStyle/>
+                    <a:p>
+                      <a:pPr algn="ctr"/>
+                      <a:r>
+                        <a:rPr lang="en-US" sz="3400" dirty="0"/>
+                        <a:t>SVM</a:t>
+                      </a:r>
+                      <a:endParaRPr lang="en-GB" sz="3400" dirty="0"/>
+                    </a:p>
+                  </a:txBody>
+                  <a:tcPr anchor="ctr">
+                    <a:solidFill>
+                      <a:srgbClr val="6C5098"/>
+                    </a:solidFill>
+                  </a:tcPr>
+                </a:tc>
+                <a:tc hMerge="1">
+                  <a:txBody>
+                    <a:bodyPr/>
+                    <a:lstStyle/>
+                    <a:p>
+                      <a:endParaRPr lang="en-GB"/>
+                    </a:p>
+                  </a:txBody>
+                  <a:tcPr/>
+                </a:tc>
+                <a:tc hMerge="1">
+                  <a:txBody>
+                    <a:bodyPr/>
+                    <a:lstStyle/>
+                    <a:p>
+                      <a:endParaRPr lang="en-GB"/>
+                    </a:p>
+                  </a:txBody>
+                  <a:tcPr/>
+                </a:tc>
+                <a:tc rowSpan="2">
+                  <a:txBody>
+                    <a:bodyPr/>
+                    <a:lstStyle/>
+                    <a:p>
+                      <a:pPr algn="ctr"/>
+                      <a:r>
+                        <a:rPr lang="en-US" sz="3400" dirty="0"/>
+                        <a:t>CNN</a:t>
+                      </a:r>
+                      <a:endParaRPr lang="en-GB" sz="3400" dirty="0"/>
+                    </a:p>
+                  </a:txBody>
+                  <a:tcPr anchor="ctr">
+                    <a:solidFill>
+                      <a:srgbClr val="6C5098"/>
+                    </a:solidFill>
+                  </a:tcPr>
+                </a:tc>
+                <a:extLst>
+                  <a:ext uri="{0D108BD9-81ED-4DB2-BD59-A6C34878D82A}">
+                    <a16:rowId xmlns:a16="http://schemas.microsoft.com/office/drawing/2014/main" val="2066148640"/>
+                  </a:ext>
+                </a:extLst>
+              </a:tr>
+              <a:tr h="771726">
+                <a:tc vMerge="1">
+                  <a:txBody>
+                    <a:bodyPr/>
+                    <a:lstStyle/>
+                    <a:p>
+                      <a:endParaRPr lang="en-GB"/>
+                    </a:p>
+                  </a:txBody>
+                  <a:tcPr/>
+                </a:tc>
+                <a:tc>
+                  <a:txBody>
+                    <a:bodyPr/>
+                    <a:lstStyle/>
+                    <a:p>
+                      <a:pPr algn="ctr"/>
+                      <a:r>
+                        <a:rPr lang="en-US" sz="3400" dirty="0"/>
+                        <a:t>SIFT</a:t>
+                      </a:r>
+                      <a:endParaRPr lang="en-GB" sz="3400" dirty="0"/>
+                    </a:p>
+                  </a:txBody>
+                  <a:tcPr anchor="ctr"/>
+                </a:tc>
+                <a:tc>
+                  <a:txBody>
+                    <a:bodyPr/>
+                    <a:lstStyle/>
+                    <a:p>
+                      <a:pPr algn="ctr"/>
+                      <a:r>
+                        <a:rPr lang="en-US" sz="3400" dirty="0"/>
+                        <a:t>SURF</a:t>
+                      </a:r>
+                      <a:endParaRPr lang="en-GB" sz="3400" dirty="0"/>
+                    </a:p>
+                  </a:txBody>
+                  <a:tcPr anchor="ctr"/>
+                </a:tc>
+                <a:tc>
+                  <a:txBody>
+                    <a:bodyPr/>
+                    <a:lstStyle/>
+                    <a:p>
+                      <a:pPr algn="ctr"/>
+                      <a:r>
+                        <a:rPr lang="en-US" sz="3400" dirty="0"/>
+                        <a:t>ORB</a:t>
+                      </a:r>
+                      <a:endParaRPr lang="en-GB" sz="3400" dirty="0"/>
+                    </a:p>
+                  </a:txBody>
+                  <a:tcPr anchor="ctr"/>
+                </a:tc>
+                <a:tc vMerge="1">
+                  <a:txBody>
+                    <a:bodyPr/>
+                    <a:lstStyle/>
+                    <a:p>
+                      <a:endParaRPr lang="en-GB"/>
+                    </a:p>
+                  </a:txBody>
+                  <a:tcPr/>
+                </a:tc>
+                <a:extLst>
+                  <a:ext uri="{0D108BD9-81ED-4DB2-BD59-A6C34878D82A}">
+                    <a16:rowId xmlns:a16="http://schemas.microsoft.com/office/drawing/2014/main" val="2518867"/>
+                  </a:ext>
+                </a:extLst>
+              </a:tr>
+              <a:tr h="1156089">
+                <a:tc>
+                  <a:txBody>
+                    <a:bodyPr/>
+                    <a:lstStyle/>
+                    <a:p>
+                      <a:pPr algn="ctr"/>
+                      <a:r>
+                        <a:rPr lang="fr-FR" sz="3400" noProof="0" dirty="0"/>
+                        <a:t>Précision</a:t>
+                      </a:r>
+                    </a:p>
+                    <a:p>
+                      <a:pPr algn="ctr"/>
+                      <a:r>
+                        <a:rPr lang="fr-FR" sz="3400" noProof="0" dirty="0"/>
+                        <a:t>(%)</a:t>
+                      </a:r>
+                    </a:p>
+                  </a:txBody>
+                  <a:tcPr anchor="ctr"/>
+                </a:tc>
+                <a:tc>
+                  <a:txBody>
+                    <a:bodyPr/>
+                    <a:lstStyle/>
+                    <a:p>
+                      <a:pPr algn="ctr"/>
+                      <a:r>
+                        <a:rPr lang="fr-FR" sz="3400" noProof="0" dirty="0"/>
+                        <a:t>62</a:t>
+                      </a:r>
+                    </a:p>
+                  </a:txBody>
+                  <a:tcPr anchor="ctr"/>
+                </a:tc>
+                <a:tc>
+                  <a:txBody>
+                    <a:bodyPr/>
+                    <a:lstStyle/>
+                    <a:p>
+                      <a:pPr algn="ctr"/>
+                      <a:r>
+                        <a:rPr lang="fr-FR" sz="3400" noProof="0" dirty="0"/>
+                        <a:t>65</a:t>
+                      </a:r>
+                    </a:p>
+                  </a:txBody>
+                  <a:tcPr anchor="ctr"/>
+                </a:tc>
+                <a:tc>
+                  <a:txBody>
+                    <a:bodyPr/>
+                    <a:lstStyle/>
+                    <a:p>
+                      <a:pPr algn="ctr"/>
+                      <a:r>
+                        <a:rPr lang="fr-FR" sz="3400" noProof="0" dirty="0"/>
+                        <a:t>58</a:t>
+                      </a:r>
+                    </a:p>
+                  </a:txBody>
+                  <a:tcPr anchor="ctr"/>
+                </a:tc>
+                <a:tc>
+                  <a:txBody>
+                    <a:bodyPr/>
+                    <a:lstStyle/>
+                    <a:p>
+                      <a:pPr algn="ctr"/>
+                      <a:r>
+                        <a:rPr lang="en-US" sz="3400" dirty="0"/>
+                        <a:t>90</a:t>
+                      </a:r>
+                      <a:endParaRPr lang="en-GB" sz="3400" dirty="0"/>
+                    </a:p>
+                  </a:txBody>
+                  <a:tcPr anchor="ctr"/>
+                </a:tc>
+                <a:extLst>
+                  <a:ext uri="{0D108BD9-81ED-4DB2-BD59-A6C34878D82A}">
+                    <a16:rowId xmlns:a16="http://schemas.microsoft.com/office/drawing/2014/main" val="3071276382"/>
+                  </a:ext>
+                </a:extLst>
+              </a:tr>
+              <a:tr h="1156089">
+                <a:tc>
+                  <a:txBody>
+                    <a:bodyPr/>
+                    <a:lstStyle/>
+                    <a:p>
+                      <a:pPr algn="ctr"/>
+                      <a:r>
+                        <a:rPr lang="en-US" sz="3400" dirty="0"/>
+                        <a:t>Temps </a:t>
+                      </a:r>
+                      <a:r>
+                        <a:rPr lang="fr-FR" sz="3400" noProof="0" dirty="0"/>
+                        <a:t>d’exécution (minutes)</a:t>
+                      </a:r>
+                    </a:p>
+                  </a:txBody>
+                  <a:tcPr anchor="ctr"/>
+                </a:tc>
+                <a:tc>
+                  <a:txBody>
+                    <a:bodyPr/>
+                    <a:lstStyle/>
+                    <a:p>
+                      <a:pPr algn="ctr"/>
+                      <a:r>
+                        <a:rPr lang="en-US" sz="3400" dirty="0"/>
+                        <a:t>137</a:t>
+                      </a:r>
+                      <a:endParaRPr lang="en-GB" sz="3400" dirty="0"/>
+                    </a:p>
+                  </a:txBody>
+                  <a:tcPr anchor="ctr"/>
+                </a:tc>
+                <a:tc>
+                  <a:txBody>
+                    <a:bodyPr/>
+                    <a:lstStyle/>
+                    <a:p>
+                      <a:pPr algn="ctr"/>
+                      <a:r>
+                        <a:rPr lang="en-US" sz="3400" dirty="0"/>
+                        <a:t>228</a:t>
+                      </a:r>
+                      <a:endParaRPr lang="en-GB" sz="3400" dirty="0"/>
+                    </a:p>
+                  </a:txBody>
+                  <a:tcPr anchor="ctr"/>
+                </a:tc>
+                <a:tc>
+                  <a:txBody>
+                    <a:bodyPr/>
+                    <a:lstStyle/>
+                    <a:p>
+                      <a:pPr algn="ctr"/>
+                      <a:r>
+                        <a:rPr lang="en-US" sz="3400" dirty="0"/>
+                        <a:t>100</a:t>
+                      </a:r>
+                      <a:endParaRPr lang="en-GB" sz="3400" dirty="0"/>
+                    </a:p>
+                  </a:txBody>
+                  <a:tcPr anchor="ctr"/>
+                </a:tc>
+                <a:tc>
+                  <a:txBody>
+                    <a:bodyPr/>
+                    <a:lstStyle/>
+                    <a:p>
+                      <a:pPr algn="ctr"/>
+                      <a:r>
+                        <a:rPr lang="en-US" sz="3400" dirty="0"/>
+                        <a:t>60</a:t>
+                      </a:r>
+                      <a:endParaRPr lang="en-GB" sz="3400" dirty="0"/>
+                    </a:p>
+                  </a:txBody>
+                  <a:tcPr anchor="ctr"/>
+                </a:tc>
+                <a:extLst>
+                  <a:ext uri="{0D108BD9-81ED-4DB2-BD59-A6C34878D82A}">
+                    <a16:rowId xmlns:a16="http://schemas.microsoft.com/office/drawing/2014/main" val="3333150796"/>
+                  </a:ext>
+                </a:extLst>
+              </a:tr>
+            </a:tbl>
+          </a:graphicData>
+        </a:graphic>
+      </p:graphicFrame>
+      <p:pic>
+        <p:nvPicPr>
+          <p:cNvPr id="74" name="Picture 73" descr="A picture containing table, indoor, sitting, cake&#10;&#10;Description automatically generated">
+            <a:extLst>
+              <a:ext uri="{FF2B5EF4-FFF2-40B4-BE49-F238E27FC236}">
+                <a16:creationId xmlns:a16="http://schemas.microsoft.com/office/drawing/2014/main" id="{F40257E0-8EF0-4D5F-A288-267728F3721B}"/>
+              </a:ext>
+            </a:extLst>
+          </p:cNvPr>
+          <p:cNvPicPr>
+            <a:picLocks noChangeAspect="1"/>
+          </p:cNvPicPr>
+          <p:nvPr/>
+        </p:nvPicPr>
+        <p:blipFill>
+          <a:blip r:embed="rId21">
+            <a:extLst>
+              <a:ext uri="{28A0092B-C50C-407E-A947-70E740481C1C}">
+                <a14:useLocalDpi xmlns:a14="http://schemas.microsoft.com/office/drawing/2010/main" val="0"/>
+              </a:ext>
+            </a:extLst>
+          </a:blip>
+          <a:stretch>
+            <a:fillRect/>
+          </a:stretch>
+        </p:blipFill>
+        <p:spPr>
+          <a:xfrm>
+            <a:off x="3513113" y="14658971"/>
+            <a:ext cx="2135362" cy="2135362"/>
+          </a:xfrm>
+          <a:prstGeom prst="rect">
+            <a:avLst/>
+          </a:prstGeom>
+          <a:ln>
+            <a:noFill/>
+          </a:ln>
+          <a:effectLst>
+            <a:outerShdw blurRad="190500" algn="tl" rotWithShape="0">
+              <a:srgbClr val="000000">
+                <a:alpha val="70000"/>
+              </a:srgbClr>
+            </a:outerShdw>
+          </a:effectLst>
+        </p:spPr>
+      </p:pic>
+      <p:graphicFrame>
+        <p:nvGraphicFramePr>
+          <p:cNvPr id="77" name="Table 18">
+            <a:extLst>
+              <a:ext uri="{FF2B5EF4-FFF2-40B4-BE49-F238E27FC236}">
+                <a16:creationId xmlns:a16="http://schemas.microsoft.com/office/drawing/2014/main" id="{D749F16C-6BBC-4585-B659-F8A3E4730775}"/>
+              </a:ext>
+            </a:extLst>
+          </p:cNvPr>
+          <p:cNvGraphicFramePr>
+            <a:graphicFrameLocks noGrp="1"/>
+          </p:cNvGraphicFramePr>
+          <p:nvPr>
+            <p:extLst>
+              <p:ext uri="{D42A27DB-BD31-4B8C-83A1-F6EECF244321}">
+                <p14:modId xmlns:p14="http://schemas.microsoft.com/office/powerpoint/2010/main" val="4202030430"/>
+              </p:ext>
+            </p:extLst>
+          </p:nvPr>
+        </p:nvGraphicFramePr>
+        <p:xfrm>
+          <a:off x="2738337" y="20678265"/>
+          <a:ext cx="13362501" cy="4284493"/>
+        </p:xfrm>
+        <a:graphic>
+          <a:graphicData uri="http://schemas.openxmlformats.org/drawingml/2006/table">
+            <a:tbl>
+              <a:tblPr firstRow="1" bandRow="1">
+                <a:tableStyleId>{5C22544A-7EE6-4342-B048-85BDC9FD1C3A}</a:tableStyleId>
+              </a:tblPr>
+              <a:tblGrid>
+                <a:gridCol w="4454167">
+                  <a:extLst>
+                    <a:ext uri="{9D8B030D-6E8A-4147-A177-3AD203B41FA5}">
+                      <a16:colId xmlns:a16="http://schemas.microsoft.com/office/drawing/2014/main" val="1643344713"/>
+                    </a:ext>
+                  </a:extLst>
+                </a:gridCol>
+                <a:gridCol w="4454167">
+                  <a:extLst>
+                    <a:ext uri="{9D8B030D-6E8A-4147-A177-3AD203B41FA5}">
+                      <a16:colId xmlns:a16="http://schemas.microsoft.com/office/drawing/2014/main" val="2838925563"/>
+                    </a:ext>
+                  </a:extLst>
+                </a:gridCol>
+                <a:gridCol w="4454167">
+                  <a:extLst>
+                    <a:ext uri="{9D8B030D-6E8A-4147-A177-3AD203B41FA5}">
+                      <a16:colId xmlns:a16="http://schemas.microsoft.com/office/drawing/2014/main" val="4235402434"/>
+                    </a:ext>
+                  </a:extLst>
+                </a:gridCol>
+              </a:tblGrid>
+              <a:tr h="815256">
+                <a:tc gridSpan="3">
+                  <a:txBody>
+                    <a:bodyPr/>
+                    <a:lstStyle/>
+                    <a:p>
+                      <a:pPr algn="ctr"/>
+                      <a:r>
+                        <a:rPr lang="fr-BE" sz="3800" b="1" dirty="0">
+                          <a:solidFill>
+                            <a:srgbClr val="6C5098"/>
+                          </a:solidFill>
+                        </a:rPr>
+                        <a:t>Regroupement</a:t>
+                      </a:r>
+                      <a:r>
+                        <a:rPr lang="en-US" sz="3800" b="1" dirty="0">
+                          <a:solidFill>
+                            <a:srgbClr val="6C5098"/>
+                          </a:solidFill>
+                        </a:rPr>
+                        <a:t> </a:t>
+                      </a:r>
+                      <a:r>
+                        <a:rPr lang="fr-FR" sz="3800" b="1" dirty="0">
+                          <a:solidFill>
+                            <a:srgbClr val="6C5098"/>
+                          </a:solidFill>
+                        </a:rPr>
+                        <a:t>et fréquences</a:t>
+                      </a:r>
+                    </a:p>
+                  </a:txBody>
+                  <a:tcPr>
+                    <a:noFill/>
+                  </a:tcPr>
+                </a:tc>
+                <a:tc hMerge="1">
+                  <a:txBody>
+                    <a:bodyPr/>
+                    <a:lstStyle/>
+                    <a:p>
+                      <a:endParaRPr lang="en-GB" dirty="0"/>
+                    </a:p>
+                  </a:txBody>
+                  <a:tcPr/>
+                </a:tc>
+                <a:tc hMerge="1">
+                  <a:txBody>
+                    <a:bodyPr/>
+                    <a:lstStyle/>
+                    <a:p>
+                      <a:pPr algn="ctr"/>
+                      <a:endParaRPr lang="en-GB" sz="3800" b="0" dirty="0">
+                        <a:solidFill>
+                          <a:schemeClr val="tx1"/>
+                        </a:solidFill>
+                      </a:endParaRPr>
+                    </a:p>
+                  </a:txBody>
+                  <a:tcPr>
+                    <a:noFill/>
+                  </a:tcPr>
+                </a:tc>
+                <a:extLst>
+                  <a:ext uri="{0D108BD9-81ED-4DB2-BD59-A6C34878D82A}">
+                    <a16:rowId xmlns:a16="http://schemas.microsoft.com/office/drawing/2014/main" val="1993528755"/>
+                  </a:ext>
+                </a:extLst>
+              </a:tr>
+              <a:tr h="3469237">
+                <a:tc>
+                  <a:txBody>
+                    <a:bodyPr/>
+                    <a:lstStyle/>
+                    <a:p>
+                      <a:pPr marL="0" marR="0" lvl="0" indent="0" algn="ctr" defTabSz="914400" rtl="0" eaLnBrk="0" fontAlgn="base" latinLnBrk="0" hangingPunct="0">
+                        <a:lnSpc>
+                          <a:spcPct val="100000"/>
+                        </a:lnSpc>
+                        <a:spcBef>
+                          <a:spcPct val="0"/>
+                        </a:spcBef>
+                        <a:spcAft>
+                          <a:spcPct val="0"/>
+                        </a:spcAft>
+                        <a:buClrTx/>
+                        <a:buSzTx/>
+                        <a:buFontTx/>
+                        <a:buNone/>
+                        <a:tabLst/>
+                        <a:defRPr/>
+                      </a:pPr>
+                      <a:r>
+                        <a:rPr kumimoji="0" lang="fr-FR" sz="3800" b="1" i="0" u="none" strike="noStrike" kern="1200" cap="none" spc="0" normalizeH="0" baseline="0" noProof="0" dirty="0">
+                          <a:ln>
+                            <a:noFill/>
+                          </a:ln>
+                          <a:solidFill>
+                            <a:srgbClr val="6C5098"/>
+                          </a:solidFill>
+                          <a:effectLst/>
+                          <a:uLnTx/>
+                          <a:uFillTx/>
+                          <a:latin typeface="Arial" charset="0"/>
+                          <a:ea typeface="ＭＳ Ｐゴシック" pitchFamily="34" charset="-128"/>
+                          <a:cs typeface="+mn-cs"/>
+                        </a:rPr>
+                        <a:t>K-</a:t>
+                      </a:r>
+                      <a:r>
+                        <a:rPr kumimoji="0" lang="fr-FR" sz="3800" b="1" i="0" u="none" strike="noStrike" kern="1200" cap="none" spc="0" normalizeH="0" baseline="0" noProof="0" dirty="0" err="1">
+                          <a:ln>
+                            <a:noFill/>
+                          </a:ln>
+                          <a:solidFill>
+                            <a:srgbClr val="6C5098"/>
+                          </a:solidFill>
+                          <a:effectLst/>
+                          <a:uLnTx/>
+                          <a:uFillTx/>
+                          <a:latin typeface="Arial" charset="0"/>
+                          <a:ea typeface="ＭＳ Ｐゴシック" pitchFamily="34" charset="-128"/>
+                          <a:cs typeface="+mn-cs"/>
+                        </a:rPr>
+                        <a:t>means</a:t>
+                      </a:r>
+                      <a:endParaRPr kumimoji="0" lang="fr-FR" sz="3800" b="1" i="0" u="none" strike="noStrike" kern="1200" cap="none" spc="0" normalizeH="0" baseline="0" noProof="0" dirty="0">
+                        <a:ln>
+                          <a:noFill/>
+                        </a:ln>
+                        <a:solidFill>
+                          <a:srgbClr val="6C5098"/>
+                        </a:solidFill>
+                        <a:effectLst/>
+                        <a:uLnTx/>
+                        <a:uFillTx/>
+                        <a:latin typeface="Arial" charset="0"/>
+                        <a:ea typeface="ＭＳ Ｐゴシック" pitchFamily="34" charset="-128"/>
+                        <a:cs typeface="+mn-cs"/>
+                      </a:endParaRPr>
+                    </a:p>
+                    <a:p>
+                      <a:pPr marL="0" marR="0" lvl="0" indent="0" algn="ctr" defTabSz="914400" rtl="0" eaLnBrk="0" fontAlgn="base" latinLnBrk="0" hangingPunct="0">
+                        <a:lnSpc>
+                          <a:spcPct val="100000"/>
+                        </a:lnSpc>
+                        <a:spcBef>
+                          <a:spcPct val="0"/>
+                        </a:spcBef>
+                        <a:spcAft>
+                          <a:spcPct val="0"/>
+                        </a:spcAft>
+                        <a:buClrTx/>
+                        <a:buSzTx/>
+                        <a:buFontTx/>
+                        <a:buNone/>
+                        <a:tabLst/>
+                        <a:defRPr/>
+                      </a:pPr>
+                      <a:r>
+                        <a:rPr lang="fr-FR" sz="3800" dirty="0"/>
+                        <a:t>partitionne en K groupe l’ensemble des descripteurs de caractéristiques.</a:t>
+                      </a:r>
+                      <a:endParaRPr lang="en-GB" dirty="0"/>
+                    </a:p>
+                  </a:txBody>
+                  <a:tcPr>
+                    <a:noFill/>
+                  </a:tcPr>
+                </a:tc>
+                <a:tc>
+                  <a:txBody>
+                    <a:bodyPr/>
+                    <a:lstStyle/>
+                    <a:p>
+                      <a:pPr marL="0" marR="0" lvl="0" indent="0" algn="ctr" defTabSz="914400" rtl="0" eaLnBrk="0" fontAlgn="base" latinLnBrk="0" hangingPunct="0">
+                        <a:lnSpc>
+                          <a:spcPct val="100000"/>
+                        </a:lnSpc>
+                        <a:spcBef>
+                          <a:spcPct val="0"/>
+                        </a:spcBef>
+                        <a:spcAft>
+                          <a:spcPct val="0"/>
+                        </a:spcAft>
+                        <a:buClrTx/>
+                        <a:buSzTx/>
+                        <a:buFontTx/>
+                        <a:buNone/>
+                        <a:tabLst/>
+                        <a:defRPr/>
+                      </a:pPr>
+                      <a:r>
+                        <a:rPr kumimoji="0" lang="fr-FR" sz="3800" b="1" i="0" u="none" strike="noStrike" kern="1200" cap="none" spc="0" normalizeH="0" baseline="0" noProof="0" dirty="0">
+                          <a:ln>
+                            <a:noFill/>
+                          </a:ln>
+                          <a:solidFill>
+                            <a:srgbClr val="6C5098"/>
+                          </a:solidFill>
+                          <a:effectLst/>
+                          <a:uLnTx/>
+                          <a:uFillTx/>
+                          <a:latin typeface="Arial" charset="0"/>
+                          <a:ea typeface="ＭＳ Ｐゴシック" pitchFamily="34" charset="-128"/>
+                          <a:cs typeface="+mn-cs"/>
+                        </a:rPr>
+                        <a:t>Code </a:t>
+                      </a:r>
+                      <a:r>
+                        <a:rPr kumimoji="0" lang="fr-FR" sz="3800" b="1" i="0" u="none" strike="noStrike" kern="1200" cap="none" spc="0" normalizeH="0" baseline="0" noProof="0" dirty="0" err="1">
+                          <a:ln>
+                            <a:noFill/>
+                          </a:ln>
+                          <a:solidFill>
+                            <a:srgbClr val="6C5098"/>
+                          </a:solidFill>
+                          <a:effectLst/>
+                          <a:uLnTx/>
+                          <a:uFillTx/>
+                          <a:latin typeface="Arial" charset="0"/>
+                          <a:ea typeface="ＭＳ Ｐゴシック" pitchFamily="34" charset="-128"/>
+                          <a:cs typeface="+mn-cs"/>
+                        </a:rPr>
+                        <a:t>words</a:t>
+                      </a:r>
+                      <a:endParaRPr kumimoji="0" lang="fr-FR" sz="3800" b="0" i="0" u="none" strike="noStrike" kern="1200" cap="none" spc="0" normalizeH="0" baseline="0" noProof="0" dirty="0">
+                        <a:ln>
+                          <a:noFill/>
+                        </a:ln>
+                        <a:solidFill>
+                          <a:srgbClr val="000000"/>
+                        </a:solidFill>
+                        <a:effectLst/>
+                        <a:uLnTx/>
+                        <a:uFillTx/>
+                        <a:latin typeface="Arial" charset="0"/>
+                        <a:ea typeface="ＭＳ Ｐゴシック" pitchFamily="34" charset="-128"/>
+                        <a:cs typeface="+mn-cs"/>
+                      </a:endParaRPr>
+                    </a:p>
+                    <a:p>
+                      <a:pPr marL="0" marR="0" lvl="0" indent="0" algn="ctr" defTabSz="914400" rtl="0" eaLnBrk="0" fontAlgn="base" latinLnBrk="0" hangingPunct="0">
+                        <a:lnSpc>
+                          <a:spcPct val="100000"/>
+                        </a:lnSpc>
+                        <a:spcBef>
+                          <a:spcPct val="0"/>
+                        </a:spcBef>
+                        <a:spcAft>
+                          <a:spcPct val="0"/>
+                        </a:spcAft>
+                        <a:buClrTx/>
+                        <a:buSzTx/>
+                        <a:buFontTx/>
+                        <a:buNone/>
+                        <a:tabLst/>
+                        <a:defRPr/>
+                      </a:pPr>
+                      <a:r>
+                        <a:rPr lang="fr-FR" sz="3800" dirty="0"/>
+                        <a:t>sont définis comme le centre de ces ensembles.</a:t>
+                      </a:r>
+                      <a:endParaRPr kumimoji="0" lang="fr-FR" sz="3800" b="1" i="0" u="none" strike="noStrike" kern="1200" cap="none" spc="0" normalizeH="0" baseline="0" noProof="0" dirty="0">
+                        <a:ln>
+                          <a:noFill/>
+                        </a:ln>
+                        <a:solidFill>
+                          <a:srgbClr val="000000"/>
+                        </a:solidFill>
+                        <a:effectLst/>
+                        <a:uLnTx/>
+                        <a:uFillTx/>
+                        <a:latin typeface="Arial" charset="0"/>
+                        <a:ea typeface="ＭＳ Ｐゴシック" pitchFamily="34" charset="-128"/>
+                        <a:cs typeface="+mn-cs"/>
+                      </a:endParaRPr>
+                    </a:p>
+                  </a:txBody>
+                  <a:tcPr>
+                    <a:noFill/>
+                  </a:tcPr>
+                </a:tc>
+                <a:tc>
+                  <a:txBody>
+                    <a:bodyPr/>
+                    <a:lstStyle/>
+                    <a:p>
+                      <a:pPr marL="0" marR="0" lvl="0" indent="0" algn="ctr" defTabSz="914400" rtl="0" eaLnBrk="0" fontAlgn="base" latinLnBrk="0" hangingPunct="0">
+                        <a:lnSpc>
+                          <a:spcPct val="100000"/>
+                        </a:lnSpc>
+                        <a:spcBef>
+                          <a:spcPct val="0"/>
+                        </a:spcBef>
+                        <a:spcAft>
+                          <a:spcPct val="0"/>
+                        </a:spcAft>
+                        <a:buClrTx/>
+                        <a:buSzTx/>
+                        <a:buFontTx/>
+                        <a:buNone/>
+                        <a:tabLst/>
+                        <a:defRPr/>
+                      </a:pPr>
+                      <a:r>
+                        <a:rPr kumimoji="0" lang="fr-FR" sz="3800" b="1" i="0" u="none" strike="noStrike" kern="1200" cap="none" spc="0" normalizeH="0" baseline="0" noProof="0" dirty="0">
+                          <a:ln>
+                            <a:noFill/>
+                          </a:ln>
+                          <a:solidFill>
+                            <a:srgbClr val="6C5098"/>
+                          </a:solidFill>
+                          <a:effectLst/>
+                          <a:uLnTx/>
+                          <a:uFillTx/>
+                          <a:latin typeface="Arial" charset="0"/>
+                          <a:ea typeface="ＭＳ Ｐゴシック" pitchFamily="34" charset="-128"/>
+                          <a:cs typeface="+mn-cs"/>
+                        </a:rPr>
+                        <a:t>Histogramme</a:t>
+                      </a:r>
+                    </a:p>
+                    <a:p>
+                      <a:pPr marL="0" marR="0" lvl="0" indent="0" algn="ctr" defTabSz="914400" rtl="0" eaLnBrk="0" fontAlgn="base" latinLnBrk="0" hangingPunct="0">
+                        <a:lnSpc>
+                          <a:spcPct val="100000"/>
+                        </a:lnSpc>
+                        <a:spcBef>
+                          <a:spcPct val="0"/>
+                        </a:spcBef>
+                        <a:spcAft>
+                          <a:spcPct val="0"/>
+                        </a:spcAft>
+                        <a:buClrTx/>
+                        <a:buSzTx/>
+                        <a:buFontTx/>
+                        <a:buNone/>
+                        <a:tabLst/>
+                        <a:defRPr/>
+                      </a:pPr>
+                      <a:r>
+                        <a:rPr lang="fr-FR" sz="3800" dirty="0"/>
+                        <a:t>représente l’image par la fréquence de ces mots de code.</a:t>
+                      </a:r>
+                      <a:endParaRPr kumimoji="0" lang="fr-FR" sz="3800" b="1" i="0" u="none" strike="noStrike" kern="1200" cap="none" spc="0" normalizeH="0" baseline="0" noProof="0" dirty="0">
+                        <a:ln>
+                          <a:noFill/>
+                        </a:ln>
+                        <a:solidFill>
+                          <a:srgbClr val="6C5098"/>
+                        </a:solidFill>
+                        <a:effectLst/>
+                        <a:uLnTx/>
+                        <a:uFillTx/>
+                        <a:latin typeface="Arial" charset="0"/>
+                        <a:ea typeface="ＭＳ Ｐゴシック" pitchFamily="34" charset="-128"/>
+                        <a:cs typeface="+mn-cs"/>
+                      </a:endParaRPr>
+                    </a:p>
+                  </a:txBody>
+                  <a:tcPr>
+                    <a:noFill/>
+                  </a:tcPr>
+                </a:tc>
+                <a:extLst>
+                  <a:ext uri="{0D108BD9-81ED-4DB2-BD59-A6C34878D82A}">
+                    <a16:rowId xmlns:a16="http://schemas.microsoft.com/office/drawing/2014/main" val="2872119397"/>
+                  </a:ext>
+                </a:extLst>
+              </a:tr>
+            </a:tbl>
+          </a:graphicData>
+        </a:graphic>
+      </p:graphicFrame>
+      <p:sp>
+        <p:nvSpPr>
+          <p:cNvPr id="65" name="Rectangle: Rounded Corners 64">
+            <a:extLst>
+              <a:ext uri="{FF2B5EF4-FFF2-40B4-BE49-F238E27FC236}">
+                <a16:creationId xmlns:a16="http://schemas.microsoft.com/office/drawing/2014/main" id="{9F06C41F-D8B9-4A5D-B4DD-B5F591A1886E}"/>
+              </a:ext>
+            </a:extLst>
+          </p:cNvPr>
+          <p:cNvSpPr/>
+          <p:nvPr/>
+        </p:nvSpPr>
+        <p:spPr bwMode="auto">
+          <a:xfrm>
+            <a:off x="2665541" y="18540934"/>
+            <a:ext cx="13307902" cy="6126934"/>
+          </a:xfrm>
+          <a:prstGeom prst="roundRect">
+            <a:avLst/>
+          </a:prstGeom>
+          <a:noFill/>
+          <a:ln w="9525" cap="flat" cmpd="sng" algn="ctr">
+            <a:solidFill>
+              <a:srgbClr val="6C5098"/>
+            </a:solidFill>
+            <a:prstDash val="solid"/>
+            <a:round/>
+            <a:headEnd type="none" w="med" len="med"/>
+            <a:tailEnd type="none" w="med" len="med"/>
+          </a:ln>
+          <a:effectLst/>
+        </p:spPr>
+        <p:txBody>
+          <a:bodyPr vert="horz" wrap="square" lIns="91440" tIns="45720" rIns="91440" bIns="45720" numCol="1" rtlCol="0" anchor="t" anchorCtr="0" compatLnSpc="1">
+            <a:prstTxWarp prst="textNoShape">
+              <a:avLst/>
+            </a:prstTxWarp>
+          </a:bodyPr>
+          <a:lstStyle/>
+          <a:p>
+            <a:pPr marL="0" marR="0" indent="0" algn="l" defTabSz="914400" rtl="0" eaLnBrk="0" fontAlgn="base" latinLnBrk="0" hangingPunct="0">
+              <a:lnSpc>
+                <a:spcPct val="100000"/>
+              </a:lnSpc>
+              <a:spcBef>
+                <a:spcPct val="0"/>
+              </a:spcBef>
+              <a:spcAft>
+                <a:spcPct val="0"/>
+              </a:spcAft>
+              <a:buClrTx/>
+              <a:buSzTx/>
+              <a:buFontTx/>
+              <a:buNone/>
+              <a:tabLst/>
+            </a:pPr>
+            <a:endParaRPr kumimoji="0" lang="en-GB" sz="2400" b="0" i="0" u="none" strike="noStrike" cap="none" normalizeH="0" baseline="0" dirty="0">
+              <a:ln>
+                <a:noFill/>
+              </a:ln>
+              <a:solidFill>
+                <a:schemeClr val="tx1"/>
+              </a:solidFill>
+              <a:effectLst/>
+              <a:latin typeface="Arial" charset="0"/>
+              <a:ea typeface="ＭＳ Ｐゴシック" pitchFamily="1" charset="-128"/>
+            </a:endParaRPr>
+          </a:p>
+        </p:txBody>
+      </p:sp>
+      <p:pic>
+        <p:nvPicPr>
+          <p:cNvPr id="83" name="Picture 2">
+            <a:extLst>
+              <a:ext uri="{FF2B5EF4-FFF2-40B4-BE49-F238E27FC236}">
+                <a16:creationId xmlns:a16="http://schemas.microsoft.com/office/drawing/2014/main" id="{F715BA96-317E-43E2-B0D9-7D61684619E5}"/>
+              </a:ext>
+            </a:extLst>
+          </p:cNvPr>
+          <p:cNvPicPr>
+            <a:picLocks noChangeAspect="1" noChangeArrowheads="1"/>
+          </p:cNvPicPr>
+          <p:nvPr/>
+        </p:nvPicPr>
+        <p:blipFill>
+          <a:blip r:embed="rId22">
+            <a:extLst>
+              <a:ext uri="{28A0092B-C50C-407E-A947-70E740481C1C}">
+                <a14:useLocalDpi xmlns:a14="http://schemas.microsoft.com/office/drawing/2010/main" val="0"/>
+              </a:ext>
+            </a:extLst>
+          </a:blip>
+          <a:srcRect/>
+          <a:stretch>
+            <a:fillRect/>
+          </a:stretch>
+        </p:blipFill>
+        <p:spPr bwMode="auto">
+          <a:xfrm>
+            <a:off x="3248999" y="25165670"/>
+            <a:ext cx="6490497" cy="2994985"/>
+          </a:xfrm>
+          <a:prstGeom prst="rect">
+            <a:avLst/>
+          </a:prstGeom>
+          <a:noFill/>
+          <a:extLst>
+            <a:ext uri="{909E8E84-426E-40DD-AFC4-6F175D3DCCD1}">
+              <a14:hiddenFill xmlns:a14="http://schemas.microsoft.com/office/drawing/2010/main">
+                <a:solidFill>
+                  <a:srgbClr val="FFFFFF"/>
+                </a:solidFill>
+              </a14:hiddenFill>
+            </a:ext>
+          </a:extLst>
+        </p:spPr>
+      </p:pic>
+      <p:sp>
+        <p:nvSpPr>
+          <p:cNvPr id="81" name="Rectangle: Rounded Corners 80">
+            <a:extLst>
+              <a:ext uri="{FF2B5EF4-FFF2-40B4-BE49-F238E27FC236}">
+                <a16:creationId xmlns:a16="http://schemas.microsoft.com/office/drawing/2014/main" id="{EDBAF128-24EF-4522-AF5E-1A10635E21C2}"/>
+              </a:ext>
+            </a:extLst>
+          </p:cNvPr>
+          <p:cNvSpPr/>
+          <p:nvPr/>
+        </p:nvSpPr>
+        <p:spPr bwMode="auto">
+          <a:xfrm>
+            <a:off x="2665540" y="24899698"/>
+            <a:ext cx="13307902" cy="6306518"/>
+          </a:xfrm>
+          <a:prstGeom prst="roundRect">
+            <a:avLst/>
+          </a:prstGeom>
+          <a:noFill/>
+          <a:ln w="9525" cap="flat" cmpd="sng" algn="ctr">
+            <a:solidFill>
+              <a:srgbClr val="6C5098"/>
+            </a:solidFill>
+            <a:prstDash val="solid"/>
+            <a:round/>
+            <a:headEnd type="none" w="med" len="med"/>
+            <a:tailEnd type="none" w="med" len="med"/>
+          </a:ln>
+          <a:effectLst/>
+        </p:spPr>
+        <p:txBody>
+          <a:bodyPr vert="horz" wrap="square" lIns="91440" tIns="45720" rIns="91440" bIns="45720" numCol="1" rtlCol="0" anchor="t" anchorCtr="0" compatLnSpc="1">
+            <a:prstTxWarp prst="textNoShape">
+              <a:avLst/>
+            </a:prstTxWarp>
+          </a:bodyPr>
+          <a:lstStyle/>
+          <a:p>
+            <a:pPr marL="0" marR="0" indent="0" algn="l" defTabSz="914400" rtl="0" eaLnBrk="0" fontAlgn="base" latinLnBrk="0" hangingPunct="0">
+              <a:lnSpc>
+                <a:spcPct val="100000"/>
+              </a:lnSpc>
+              <a:spcBef>
+                <a:spcPct val="0"/>
+              </a:spcBef>
+              <a:spcAft>
+                <a:spcPct val="0"/>
+              </a:spcAft>
+              <a:buClrTx/>
+              <a:buSzTx/>
+              <a:buFontTx/>
+              <a:buNone/>
+              <a:tabLst/>
+            </a:pPr>
+            <a:endParaRPr kumimoji="0" lang="en-GB" sz="2400" b="0" i="0" u="none" strike="noStrike" cap="none" normalizeH="0" baseline="0" dirty="0">
+              <a:ln>
+                <a:noFill/>
+              </a:ln>
+              <a:solidFill>
+                <a:schemeClr val="tx1"/>
+              </a:solidFill>
+              <a:effectLst/>
+              <a:latin typeface="Arial" charset="0"/>
+              <a:ea typeface="ＭＳ Ｐゴシック" pitchFamily="1" charset="-128"/>
+            </a:endParaRPr>
+          </a:p>
+        </p:txBody>
+      </p:sp>
+      <p:sp>
+        <p:nvSpPr>
+          <p:cNvPr id="85" name="Rectangle: Rounded Corners 84">
+            <a:extLst>
+              <a:ext uri="{FF2B5EF4-FFF2-40B4-BE49-F238E27FC236}">
+                <a16:creationId xmlns:a16="http://schemas.microsoft.com/office/drawing/2014/main" id="{CB9920A1-AB77-41DC-BDEB-353470F1B378}"/>
+              </a:ext>
+            </a:extLst>
+          </p:cNvPr>
+          <p:cNvSpPr/>
+          <p:nvPr/>
+        </p:nvSpPr>
+        <p:spPr bwMode="auto">
+          <a:xfrm>
+            <a:off x="2665541" y="31386489"/>
+            <a:ext cx="13307902" cy="6308573"/>
+          </a:xfrm>
+          <a:prstGeom prst="roundRect">
+            <a:avLst/>
+          </a:prstGeom>
+          <a:noFill/>
+          <a:ln w="9525" cap="flat" cmpd="sng" algn="ctr">
+            <a:solidFill>
+              <a:srgbClr val="6C5098"/>
+            </a:solidFill>
+            <a:prstDash val="solid"/>
+            <a:round/>
+            <a:headEnd type="none" w="med" len="med"/>
+            <a:tailEnd type="none" w="med" len="med"/>
+          </a:ln>
+          <a:effectLst/>
+        </p:spPr>
+        <p:txBody>
+          <a:bodyPr vert="horz" wrap="square" lIns="91440" tIns="45720" rIns="91440" bIns="45720" numCol="1" rtlCol="0" anchor="t" anchorCtr="0" compatLnSpc="1">
+            <a:prstTxWarp prst="textNoShape">
+              <a:avLst/>
+            </a:prstTxWarp>
+          </a:bodyPr>
+          <a:lstStyle/>
+          <a:p>
+            <a:pPr marL="0" marR="0" indent="0" algn="l" defTabSz="914400" rtl="0" eaLnBrk="0" fontAlgn="base" latinLnBrk="0" hangingPunct="0">
+              <a:lnSpc>
+                <a:spcPct val="100000"/>
+              </a:lnSpc>
+              <a:spcBef>
+                <a:spcPct val="0"/>
+              </a:spcBef>
+              <a:spcAft>
+                <a:spcPct val="0"/>
+              </a:spcAft>
+              <a:buClrTx/>
+              <a:buSzTx/>
+              <a:buFontTx/>
+              <a:buNone/>
+              <a:tabLst/>
+            </a:pPr>
+            <a:endParaRPr kumimoji="0" lang="en-GB" sz="2400" b="0" i="0" u="none" strike="noStrike" cap="none" normalizeH="0" baseline="0" dirty="0">
+              <a:ln>
+                <a:noFill/>
+              </a:ln>
+              <a:solidFill>
+                <a:schemeClr val="tx1"/>
+              </a:solidFill>
+              <a:effectLst/>
+              <a:latin typeface="Arial" charset="0"/>
+              <a:ea typeface="ＭＳ Ｐゴシック" pitchFamily="1" charset="-128"/>
+            </a:endParaRPr>
+          </a:p>
+        </p:txBody>
+      </p:sp>
+      <p:sp>
+        <p:nvSpPr>
+          <p:cNvPr id="86" name="Rectangle: Rounded Corners 85">
+            <a:extLst>
+              <a:ext uri="{FF2B5EF4-FFF2-40B4-BE49-F238E27FC236}">
+                <a16:creationId xmlns:a16="http://schemas.microsoft.com/office/drawing/2014/main" id="{DDEB4AE3-A6D2-4998-AD89-CE08D3DF690E}"/>
+              </a:ext>
+            </a:extLst>
+          </p:cNvPr>
+          <p:cNvSpPr/>
+          <p:nvPr/>
+        </p:nvSpPr>
+        <p:spPr bwMode="auto">
+          <a:xfrm>
+            <a:off x="18214833" y="30228417"/>
+            <a:ext cx="13307903" cy="10116308"/>
+          </a:xfrm>
+          <a:prstGeom prst="roundRect">
+            <a:avLst/>
+          </a:prstGeom>
+          <a:noFill/>
+          <a:ln w="9525" cap="flat" cmpd="sng" algn="ctr">
+            <a:solidFill>
+              <a:srgbClr val="6C5098"/>
+            </a:solidFill>
+            <a:prstDash val="solid"/>
+            <a:round/>
+            <a:headEnd type="none" w="med" len="med"/>
+            <a:tailEnd type="none" w="med" len="med"/>
+          </a:ln>
+          <a:effectLst/>
+        </p:spPr>
+        <p:txBody>
+          <a:bodyPr vert="horz" wrap="square" lIns="91440" tIns="45720" rIns="91440" bIns="45720" numCol="1" rtlCol="0" anchor="t" anchorCtr="0" compatLnSpc="1">
+            <a:prstTxWarp prst="textNoShape">
+              <a:avLst/>
+            </a:prstTxWarp>
+          </a:bodyPr>
+          <a:lstStyle/>
+          <a:p>
+            <a:pPr marL="0" marR="0" indent="0" algn="l" defTabSz="914400" rtl="0" eaLnBrk="0" fontAlgn="base" latinLnBrk="0" hangingPunct="0">
+              <a:lnSpc>
+                <a:spcPct val="100000"/>
+              </a:lnSpc>
+              <a:spcBef>
+                <a:spcPct val="0"/>
+              </a:spcBef>
+              <a:spcAft>
+                <a:spcPct val="0"/>
+              </a:spcAft>
+              <a:buClrTx/>
+              <a:buSzTx/>
+              <a:buFontTx/>
+              <a:buNone/>
+              <a:tabLst/>
+            </a:pPr>
+            <a:endParaRPr kumimoji="0" lang="en-GB" sz="2400" b="0" i="0" u="none" strike="noStrike" cap="none" normalizeH="0" baseline="0" dirty="0">
+              <a:ln>
+                <a:noFill/>
+              </a:ln>
+              <a:solidFill>
+                <a:schemeClr val="tx1"/>
+              </a:solidFill>
+              <a:effectLst/>
+              <a:latin typeface="Arial" charset="0"/>
+              <a:ea typeface="ＭＳ Ｐゴシック" pitchFamily="1" charset="-128"/>
+            </a:endParaRPr>
+          </a:p>
+        </p:txBody>
+      </p:sp>
     </p:spTree>
   </p:cSld>
   <p:clrMapOvr>

--- a/PDS-INFO-2-G5.pptx
+++ b/PDS-INFO-2-G5.pptx
@@ -4368,84 +4368,12 @@
           <a:chExt cx="0" cy="0"/>
         </a:xfrm>
       </p:grpSpPr>
-      <p:pic>
-        <p:nvPicPr>
-          <p:cNvPr id="8" name="Picture 7" descr="A screenshot of a cell phone&#10;&#10;Description automatically generated">
+      <p:sp>
+        <p:nvSpPr>
+          <p:cNvPr id="38" name="Rectangle: Rounded Corners 37">
             <a:extLst>
               <a:ext uri="{FF2B5EF4-FFF2-40B4-BE49-F238E27FC236}">
-                <a16:creationId xmlns:a16="http://schemas.microsoft.com/office/drawing/2014/main" id="{A14AD4C3-93BF-432E-9860-A92EFC207D59}"/>
-              </a:ext>
-            </a:extLst>
-          </p:cNvPr>
-          <p:cNvPicPr>
-            <a:picLocks noChangeAspect="1"/>
-          </p:cNvPicPr>
-          <p:nvPr/>
-        </p:nvPicPr>
-        <p:blipFill>
-          <a:blip r:embed="rId3">
-            <a:extLst>
-              <a:ext uri="{28A0092B-C50C-407E-A947-70E740481C1C}">
-                <a14:useLocalDpi xmlns:a14="http://schemas.microsoft.com/office/drawing/2010/main" val="0"/>
-              </a:ext>
-            </a:extLst>
-          </a:blip>
-          <a:stretch>
-            <a:fillRect/>
-          </a:stretch>
-        </p:blipFill>
-        <p:spPr>
-          <a:xfrm>
-            <a:off x="19819186" y="30228417"/>
-            <a:ext cx="9825033" cy="6818573"/>
-          </a:xfrm>
-          <a:prstGeom prst="rect">
-            <a:avLst/>
-          </a:prstGeom>
-        </p:spPr>
-      </p:pic>
-      <p:pic>
-        <p:nvPicPr>
-          <p:cNvPr id="5" name="Picture 4" descr="A picture containing map, text&#10;&#10;Description automatically generated">
-            <a:extLst>
-              <a:ext uri="{FF2B5EF4-FFF2-40B4-BE49-F238E27FC236}">
-                <a16:creationId xmlns:a16="http://schemas.microsoft.com/office/drawing/2014/main" id="{62400BA3-48D7-4269-9F0D-EC4FD71B23C6}"/>
-              </a:ext>
-            </a:extLst>
-          </p:cNvPr>
-          <p:cNvPicPr>
-            <a:picLocks noChangeAspect="1"/>
-          </p:cNvPicPr>
-          <p:nvPr/>
-        </p:nvPicPr>
-        <p:blipFill>
-          <a:blip r:embed="rId4">
-            <a:extLst>
-              <a:ext uri="{28A0092B-C50C-407E-A947-70E740481C1C}">
-                <a14:useLocalDpi xmlns:a14="http://schemas.microsoft.com/office/drawing/2010/main" val="0"/>
-              </a:ext>
-            </a:extLst>
-          </a:blip>
-          <a:stretch>
-            <a:fillRect/>
-          </a:stretch>
-        </p:blipFill>
-        <p:spPr>
-          <a:xfrm>
-            <a:off x="18166610" y="13798134"/>
-            <a:ext cx="13185693" cy="4454768"/>
-          </a:xfrm>
-          <a:prstGeom prst="rect">
-            <a:avLst/>
-          </a:prstGeom>
-        </p:spPr>
-      </p:pic>
-      <p:sp>
-        <p:nvSpPr>
-          <p:cNvPr id="6" name="Rectangle: Rounded Corners 5">
-            <a:extLst>
-              <a:ext uri="{FF2B5EF4-FFF2-40B4-BE49-F238E27FC236}">
-                <a16:creationId xmlns:a16="http://schemas.microsoft.com/office/drawing/2014/main" id="{16C412BC-7FD0-4FD7-A441-E859367890FD}"/>
+                <a16:creationId xmlns:a16="http://schemas.microsoft.com/office/drawing/2014/main" id="{F1E4ACFB-898C-4761-B849-BE2D67C2CED9}"/>
               </a:ext>
             </a:extLst>
           </p:cNvPr>
@@ -4454,13 +4382,17 @@
         </p:nvSpPr>
         <p:spPr bwMode="auto">
           <a:xfrm>
-            <a:off x="2033813" y="12996318"/>
-            <a:ext cx="14571364" cy="25571842"/>
+            <a:off x="17536184" y="12992101"/>
+            <a:ext cx="14571364" cy="27619324"/>
           </a:xfrm>
           <a:prstGeom prst="roundRect">
             <a:avLst/>
           </a:prstGeom>
-          <a:noFill/>
+          <a:solidFill>
+            <a:srgbClr val="CECEEF">
+              <a:alpha val="50196"/>
+            </a:srgbClr>
+          </a:solidFill>
           <a:ln w="9525" cap="flat" cmpd="sng" algn="ctr">
             <a:solidFill>
               <a:srgbClr val="6C5098"/>
@@ -4510,6 +4442,80 @@
           </a:p>
         </p:txBody>
       </p:sp>
+      <p:sp>
+        <p:nvSpPr>
+          <p:cNvPr id="6" name="Rectangle: Rounded Corners 5">
+            <a:extLst>
+              <a:ext uri="{FF2B5EF4-FFF2-40B4-BE49-F238E27FC236}">
+                <a16:creationId xmlns:a16="http://schemas.microsoft.com/office/drawing/2014/main" id="{16C412BC-7FD0-4FD7-A441-E859367890FD}"/>
+              </a:ext>
+            </a:extLst>
+          </p:cNvPr>
+          <p:cNvSpPr/>
+          <p:nvPr/>
+        </p:nvSpPr>
+        <p:spPr bwMode="auto">
+          <a:xfrm>
+            <a:off x="2033813" y="12996318"/>
+            <a:ext cx="14571364" cy="25332092"/>
+          </a:xfrm>
+          <a:prstGeom prst="roundRect">
+            <a:avLst/>
+          </a:prstGeom>
+          <a:solidFill>
+            <a:srgbClr val="CECEEF">
+              <a:alpha val="50196"/>
+            </a:srgbClr>
+          </a:solidFill>
+          <a:ln w="9525" cap="flat" cmpd="sng" algn="ctr">
+            <a:solidFill>
+              <a:srgbClr val="6C5098"/>
+            </a:solidFill>
+            <a:prstDash val="solid"/>
+            <a:round/>
+            <a:headEnd type="none" w="med" len="med"/>
+            <a:tailEnd type="none" w="med" len="med"/>
+          </a:ln>
+          <a:effectLst/>
+        </p:spPr>
+        <p:txBody>
+          <a:bodyPr vert="horz" wrap="square" lIns="91440" tIns="45720" rIns="91440" bIns="45720" numCol="1" rtlCol="0" anchor="t" anchorCtr="0" compatLnSpc="1">
+            <a:prstTxWarp prst="textNoShape">
+              <a:avLst/>
+            </a:prstTxWarp>
+          </a:bodyPr>
+          <a:lstStyle/>
+          <a:p>
+            <a:pPr marL="0" marR="0" indent="0" algn="l" defTabSz="914400" rtl="0" eaLnBrk="0" fontAlgn="base" latinLnBrk="0" hangingPunct="0">
+              <a:lnSpc>
+                <a:spcPct val="100000"/>
+              </a:lnSpc>
+              <a:spcBef>
+                <a:spcPct val="0"/>
+              </a:spcBef>
+              <a:spcAft>
+                <a:spcPct val="0"/>
+              </a:spcAft>
+              <a:buClrTx/>
+              <a:buSzTx/>
+              <a:buFontTx/>
+              <a:buNone/>
+              <a:tabLst/>
+            </a:pPr>
+            <a:endParaRPr kumimoji="0" lang="en-GB" sz="2400" b="0" i="0" u="none" strike="noStrike" cap="none" normalizeH="0" baseline="0" dirty="0">
+              <a:ln>
+                <a:noFill/>
+              </a:ln>
+              <a:solidFill>
+                <a:schemeClr val="tx1"/>
+              </a:solidFill>
+              <a:effectLst/>
+              <a:latin typeface="Arial" charset="0"/>
+              <a:ea typeface="ＭＳ Ｐゴシック" pitchFamily="1" charset="-128"/>
+            </a:endParaRPr>
+          </a:p>
+        </p:txBody>
+      </p:sp>
       <p:pic>
         <p:nvPicPr>
           <p:cNvPr id="14" name="Image 11" descr="Une image contenant texte, batterie&#10;&#10;Description générée avec un niveau de confiance élevé">
@@ -4525,7 +4531,7 @@
           <p:nvPr/>
         </p:nvPicPr>
         <p:blipFill>
-          <a:blip r:embed="rId5" cstate="print">
+          <a:blip r:embed="rId3" cstate="print">
             <a:extLst>
               <a:ext uri="{28A0092B-C50C-407E-A947-70E740481C1C}">
                 <a14:useLocalDpi xmlns:a14="http://schemas.microsoft.com/office/drawing/2010/main" val="0"/>
@@ -4555,7 +4561,7 @@
           <p:nvPr/>
         </p:nvPicPr>
         <p:blipFill>
-          <a:blip r:embed="rId6">
+          <a:blip r:embed="rId4">
             <a:extLst>
               <a:ext uri="{28A0092B-C50C-407E-A947-70E740481C1C}">
                 <a14:useLocalDpi xmlns:a14="http://schemas.microsoft.com/office/drawing/2010/main" val="0"/>
@@ -4947,7 +4953,7 @@
           <p:nvPr/>
         </p:nvPicPr>
         <p:blipFill>
-          <a:blip r:embed="rId7" cstate="print">
+          <a:blip r:embed="rId5" cstate="print">
             <a:extLst>
               <a:ext uri="{28A0092B-C50C-407E-A947-70E740481C1C}">
                 <a14:useLocalDpi xmlns:a14="http://schemas.microsoft.com/office/drawing/2010/main" val="0"/>
@@ -5001,7 +5007,7 @@
           <p:nvPr/>
         </p:nvPicPr>
         <p:blipFill>
-          <a:blip r:embed="rId8" cstate="print">
+          <a:blip r:embed="rId6" cstate="print">
             <a:extLst>
               <a:ext uri="{28A0092B-C50C-407E-A947-70E740481C1C}">
                 <a14:useLocalDpi xmlns:a14="http://schemas.microsoft.com/office/drawing/2010/main" val="0"/>
@@ -5258,7 +5264,7 @@
           <p:nvPr/>
         </p:nvPicPr>
         <p:blipFill>
-          <a:blip r:embed="rId9" cstate="print">
+          <a:blip r:embed="rId7" cstate="print">
             <a:extLst>
               <a:ext uri="{28A0092B-C50C-407E-A947-70E740481C1C}">
                 <a14:useLocalDpi xmlns:a14="http://schemas.microsoft.com/office/drawing/2010/main" val="0"/>
@@ -5318,7 +5324,7 @@
           <p:nvPr/>
         </p:nvPicPr>
         <p:blipFill>
-          <a:blip r:embed="rId10">
+          <a:blip r:embed="rId8">
             <a:extLst>
               <a:ext uri="{28A0092B-C50C-407E-A947-70E740481C1C}">
                 <a14:useLocalDpi xmlns:a14="http://schemas.microsoft.com/office/drawing/2010/main" val="0"/>
@@ -5993,10 +5999,74 @@
       </p:sp>
       <p:sp>
         <p:nvSpPr>
-          <p:cNvPr id="38" name="Rectangle: Rounded Corners 37">
+          <p:cNvPr id="44" name="Rectangle 43">
             <a:extLst>
               <a:ext uri="{FF2B5EF4-FFF2-40B4-BE49-F238E27FC236}">
-                <a16:creationId xmlns:a16="http://schemas.microsoft.com/office/drawing/2014/main" id="{F1E4ACFB-898C-4761-B849-BE2D67C2CED9}"/>
+                <a16:creationId xmlns:a16="http://schemas.microsoft.com/office/drawing/2014/main" id="{C38E9321-141F-4B54-A736-E28BE7449C5D}"/>
+              </a:ext>
+            </a:extLst>
+          </p:cNvPr>
+          <p:cNvSpPr/>
+          <p:nvPr/>
+        </p:nvSpPr>
+        <p:spPr>
+          <a:xfrm>
+            <a:off x="8115478" y="13104447"/>
+            <a:ext cx="2408032" cy="1323439"/>
+          </a:xfrm>
+          <a:prstGeom prst="rect">
+            <a:avLst/>
+          </a:prstGeom>
+          <a:noFill/>
+        </p:spPr>
+        <p:txBody>
+          <a:bodyPr wrap="none" lIns="91440" tIns="45720" rIns="91440" bIns="45720">
+            <a:spAutoFit/>
+          </a:bodyPr>
+          <a:lstStyle/>
+          <a:p>
+            <a:pPr algn="ctr"/>
+            <a:r>
+              <a:rPr lang="en-US" sz="8000" b="1" dirty="0">
+                <a:ln w="22225">
+                  <a:solidFill>
+                    <a:schemeClr val="accent2"/>
+                  </a:solidFill>
+                  <a:prstDash val="solid"/>
+                </a:ln>
+                <a:solidFill>
+                  <a:schemeClr val="accent2">
+                    <a:lumMod val="60000"/>
+                    <a:lumOff val="40000"/>
+                  </a:schemeClr>
+                </a:solidFill>
+              </a:rPr>
+              <a:t>SVM</a:t>
+            </a:r>
+            <a:endParaRPr lang="en-US" sz="8000" b="1" cap="none" spc="0" dirty="0">
+              <a:ln w="22225">
+                <a:solidFill>
+                  <a:schemeClr val="accent2"/>
+                </a:solidFill>
+                <a:prstDash val="solid"/>
+              </a:ln>
+              <a:solidFill>
+                <a:schemeClr val="accent2">
+                  <a:lumMod val="60000"/>
+                  <a:lumOff val="40000"/>
+                </a:schemeClr>
+              </a:solidFill>
+              <a:effectLst/>
+            </a:endParaRPr>
+          </a:p>
+        </p:txBody>
+      </p:sp>
+      <p:sp>
+        <p:nvSpPr>
+          <p:cNvPr id="47" name="Rectangle: Rounded Corners 46">
+            <a:extLst>
+              <a:ext uri="{FF2B5EF4-FFF2-40B4-BE49-F238E27FC236}">
+                <a16:creationId xmlns:a16="http://schemas.microsoft.com/office/drawing/2014/main" id="{9B404301-BCD4-4CF8-BDA2-CA4F6D43544B}"/>
               </a:ext>
             </a:extLst>
           </p:cNvPr>
@@ -6005,13 +6075,15 @@
         </p:nvSpPr>
         <p:spPr bwMode="auto">
           <a:xfrm>
-            <a:off x="17536184" y="12992101"/>
-            <a:ext cx="14571364" cy="27619324"/>
+            <a:off x="18166609" y="18648052"/>
+            <a:ext cx="13307903" cy="4933442"/>
           </a:xfrm>
           <a:prstGeom prst="roundRect">
             <a:avLst/>
           </a:prstGeom>
-          <a:noFill/>
+          <a:solidFill>
+            <a:schemeClr val="bg1"/>
+          </a:solidFill>
           <a:ln w="9525" cap="flat" cmpd="sng" algn="ctr">
             <a:solidFill>
               <a:srgbClr val="6C5098"/>
@@ -6063,1063 +6135,10 @@
       </p:sp>
       <p:sp>
         <p:nvSpPr>
-          <p:cNvPr id="44" name="Rectangle 43">
+          <p:cNvPr id="48" name="Rectangle: Rounded Corners 47">
             <a:extLst>
               <a:ext uri="{FF2B5EF4-FFF2-40B4-BE49-F238E27FC236}">
-                <a16:creationId xmlns:a16="http://schemas.microsoft.com/office/drawing/2014/main" id="{C38E9321-141F-4B54-A736-E28BE7449C5D}"/>
-              </a:ext>
-            </a:extLst>
-          </p:cNvPr>
-          <p:cNvSpPr/>
-          <p:nvPr/>
-        </p:nvSpPr>
-        <p:spPr>
-          <a:xfrm>
-            <a:off x="8115478" y="13104447"/>
-            <a:ext cx="2408032" cy="1323439"/>
-          </a:xfrm>
-          <a:prstGeom prst="rect">
-            <a:avLst/>
-          </a:prstGeom>
-          <a:noFill/>
-        </p:spPr>
-        <p:txBody>
-          <a:bodyPr wrap="none" lIns="91440" tIns="45720" rIns="91440" bIns="45720">
-            <a:spAutoFit/>
-          </a:bodyPr>
-          <a:lstStyle/>
-          <a:p>
-            <a:pPr algn="ctr"/>
-            <a:r>
-              <a:rPr lang="en-US" sz="8000" b="1" dirty="0">
-                <a:ln w="22225">
-                  <a:solidFill>
-                    <a:schemeClr val="accent2"/>
-                  </a:solidFill>
-                  <a:prstDash val="solid"/>
-                </a:ln>
-                <a:solidFill>
-                  <a:schemeClr val="accent2">
-                    <a:lumMod val="40000"/>
-                    <a:lumOff val="60000"/>
-                  </a:schemeClr>
-                </a:solidFill>
-              </a:rPr>
-              <a:t>SVM</a:t>
-            </a:r>
-            <a:endParaRPr lang="en-US" sz="8000" b="1" cap="none" spc="0" dirty="0">
-              <a:ln w="22225">
-                <a:solidFill>
-                  <a:schemeClr val="accent2"/>
-                </a:solidFill>
-                <a:prstDash val="solid"/>
-              </a:ln>
-              <a:solidFill>
-                <a:schemeClr val="accent2">
-                  <a:lumMod val="40000"/>
-                  <a:lumOff val="60000"/>
-                </a:schemeClr>
-              </a:solidFill>
-              <a:effectLst/>
-            </a:endParaRPr>
-          </a:p>
-        </p:txBody>
-      </p:sp>
-      <p:sp>
-        <p:nvSpPr>
-          <p:cNvPr id="45" name="TextBox 44">
-            <a:extLst>
-              <a:ext uri="{FF2B5EF4-FFF2-40B4-BE49-F238E27FC236}">
-                <a16:creationId xmlns:a16="http://schemas.microsoft.com/office/drawing/2014/main" id="{9EB1432B-3134-4FD4-97BE-54F5280D87B4}"/>
-              </a:ext>
-            </a:extLst>
-          </p:cNvPr>
-          <p:cNvSpPr txBox="1"/>
-          <p:nvPr/>
-        </p:nvSpPr>
-        <p:spPr>
-          <a:xfrm>
-            <a:off x="18527093" y="36686950"/>
-            <a:ext cx="12885860" cy="3600986"/>
-          </a:xfrm>
-          <a:prstGeom prst="rect">
-            <a:avLst/>
-          </a:prstGeom>
-          <a:noFill/>
-        </p:spPr>
-        <p:txBody>
-          <a:bodyPr wrap="square" rtlCol="0">
-            <a:spAutoFit/>
-          </a:bodyPr>
-          <a:lstStyle/>
-          <a:p>
-            <a:pPr algn="ctr"/>
-            <a:r>
-              <a:rPr lang="en-US" sz="3800" b="1" dirty="0">
-                <a:solidFill>
-                  <a:srgbClr val="6C5098"/>
-                </a:solidFill>
-              </a:rPr>
-              <a:t>Transfer learning</a:t>
-            </a:r>
-          </a:p>
-          <a:p>
-            <a:pPr algn="ctr"/>
-            <a:r>
-              <a:rPr lang="fr-FR" sz="3800" dirty="0"/>
-              <a:t>consiste à utiliser un modèle pré-entraîné pour un problème de classification et de l’adapter à un nouveau problème. Pour ce faire il faut prendre le modèle pré-entraîné en réentraînant ses dernières couches fully-connected sur le nouveau jeu de données.</a:t>
-            </a:r>
-          </a:p>
-        </p:txBody>
-      </p:sp>
-      <p:pic>
-        <p:nvPicPr>
-          <p:cNvPr id="51" name="Picture 50" descr="A picture containing drawing&#10;&#10;Description automatically generated">
-            <a:extLst>
-              <a:ext uri="{FF2B5EF4-FFF2-40B4-BE49-F238E27FC236}">
-                <a16:creationId xmlns:a16="http://schemas.microsoft.com/office/drawing/2014/main" id="{EB922F53-BD98-4841-A12F-C78AB8BC1675}"/>
-              </a:ext>
-            </a:extLst>
-          </p:cNvPr>
-          <p:cNvPicPr>
-            <a:picLocks noChangeAspect="1"/>
-          </p:cNvPicPr>
-          <p:nvPr/>
-        </p:nvPicPr>
-        <p:blipFill>
-          <a:blip r:embed="rId11">
-            <a:extLst>
-              <a:ext uri="{28A0092B-C50C-407E-A947-70E740481C1C}">
-                <a14:useLocalDpi xmlns:a14="http://schemas.microsoft.com/office/drawing/2010/main" val="0"/>
-              </a:ext>
-            </a:extLst>
-          </a:blip>
-          <a:stretch>
-            <a:fillRect/>
-          </a:stretch>
-        </p:blipFill>
-        <p:spPr>
-          <a:xfrm>
-            <a:off x="4692999" y="31646390"/>
-            <a:ext cx="9436027" cy="2763408"/>
-          </a:xfrm>
-          <a:prstGeom prst="rect">
-            <a:avLst/>
-          </a:prstGeom>
-        </p:spPr>
-      </p:pic>
-      <p:pic>
-        <p:nvPicPr>
-          <p:cNvPr id="53" name="Graphic 52">
-            <a:extLst>
-              <a:ext uri="{FF2B5EF4-FFF2-40B4-BE49-F238E27FC236}">
-                <a16:creationId xmlns:a16="http://schemas.microsoft.com/office/drawing/2014/main" id="{07831D89-DC11-46AC-AD70-A90F6820CF82}"/>
-              </a:ext>
-            </a:extLst>
-          </p:cNvPr>
-          <p:cNvPicPr>
-            <a:picLocks noChangeAspect="1"/>
-          </p:cNvPicPr>
-          <p:nvPr/>
-        </p:nvPicPr>
-        <p:blipFill>
-          <a:blip r:embed="rId12">
-            <a:extLst>
-              <a:ext uri="{28A0092B-C50C-407E-A947-70E740481C1C}">
-                <a14:useLocalDpi xmlns:a14="http://schemas.microsoft.com/office/drawing/2010/main" val="0"/>
-              </a:ext>
-              <a:ext uri="{96DAC541-7B7A-43D3-8B79-37D633B846F1}">
-                <asvg:svgBlip xmlns:asvg="http://schemas.microsoft.com/office/drawing/2016/SVG/main" r:embed="rId13"/>
-              </a:ext>
-            </a:extLst>
-          </a:blip>
-          <a:stretch>
-            <a:fillRect/>
-          </a:stretch>
-        </p:blipFill>
-        <p:spPr>
-          <a:xfrm>
-            <a:off x="9834449" y="26003082"/>
-            <a:ext cx="6039162" cy="1453274"/>
-          </a:xfrm>
-          <a:prstGeom prst="rect">
-            <a:avLst/>
-          </a:prstGeom>
-        </p:spPr>
-      </p:pic>
-      <p:sp>
-        <p:nvSpPr>
-          <p:cNvPr id="78" name="TextBox 77">
-            <a:extLst>
-              <a:ext uri="{FF2B5EF4-FFF2-40B4-BE49-F238E27FC236}">
-                <a16:creationId xmlns:a16="http://schemas.microsoft.com/office/drawing/2014/main" id="{D87A0A6C-6B54-437E-9926-C97DE0DC85E1}"/>
-              </a:ext>
-            </a:extLst>
-          </p:cNvPr>
-          <p:cNvSpPr txBox="1"/>
-          <p:nvPr/>
-        </p:nvSpPr>
-        <p:spPr>
-          <a:xfrm>
-            <a:off x="2757063" y="28190006"/>
-            <a:ext cx="13307903" cy="3016210"/>
-          </a:xfrm>
-          <a:prstGeom prst="rect">
-            <a:avLst/>
-          </a:prstGeom>
-          <a:noFill/>
-        </p:spPr>
-        <p:txBody>
-          <a:bodyPr wrap="square" rtlCol="0">
-            <a:spAutoFit/>
-          </a:bodyPr>
-          <a:lstStyle/>
-          <a:p>
-            <a:pPr algn="ctr"/>
-            <a:r>
-              <a:rPr lang="en-US" sz="3800" b="1" dirty="0">
-                <a:solidFill>
-                  <a:srgbClr val="6C5098"/>
-                </a:solidFill>
-              </a:rPr>
-              <a:t>Radial basis function (RBF)</a:t>
-            </a:r>
-            <a:endParaRPr lang="en-GB" sz="3800" b="1" dirty="0">
-              <a:solidFill>
-                <a:srgbClr val="6C5098"/>
-              </a:solidFill>
-            </a:endParaRPr>
-          </a:p>
-          <a:p>
-            <a:pPr algn="ctr"/>
-            <a:r>
-              <a:rPr lang="fr-FR" sz="3800" dirty="0"/>
-              <a:t>est une fonction noyau de transformation permettant de trouver l’hyperplan séparateur adéquat en calculant plus efficacement les produits scalaires des projections des données.</a:t>
-            </a:r>
-          </a:p>
-        </p:txBody>
-      </p:sp>
-      <p:sp>
-        <p:nvSpPr>
-          <p:cNvPr id="79" name="TextBox 78">
-            <a:extLst>
-              <a:ext uri="{FF2B5EF4-FFF2-40B4-BE49-F238E27FC236}">
-                <a16:creationId xmlns:a16="http://schemas.microsoft.com/office/drawing/2014/main" id="{1D36B01D-440B-454A-B4F7-9AE59D7116E8}"/>
-              </a:ext>
-            </a:extLst>
-          </p:cNvPr>
-          <p:cNvSpPr txBox="1"/>
-          <p:nvPr/>
-        </p:nvSpPr>
-        <p:spPr>
-          <a:xfrm>
-            <a:off x="2792935" y="34526710"/>
-            <a:ext cx="13307903" cy="3016210"/>
-          </a:xfrm>
-          <a:prstGeom prst="rect">
-            <a:avLst/>
-          </a:prstGeom>
-          <a:noFill/>
-        </p:spPr>
-        <p:txBody>
-          <a:bodyPr wrap="square" rtlCol="0">
-            <a:spAutoFit/>
-          </a:bodyPr>
-          <a:lstStyle/>
-          <a:p>
-            <a:pPr algn="ctr"/>
-            <a:r>
-              <a:rPr lang="fr-FR" sz="3800" b="1" dirty="0">
-                <a:solidFill>
-                  <a:srgbClr val="6C5098"/>
-                </a:solidFill>
-              </a:rPr>
-              <a:t>One vs One</a:t>
-            </a:r>
-          </a:p>
-          <a:p>
-            <a:pPr algn="ctr"/>
-            <a:r>
-              <a:rPr lang="fr-FR" sz="3800" dirty="0"/>
-              <a:t>K (K - 1) / 2 classificateurs binaires sont créés. Au moment de la prédiction, un système de vote est appliqué, la classe qui a obtenu le plus grand nombre de prédictions est prédite par le classificateur combiné.</a:t>
-            </a:r>
-          </a:p>
-        </p:txBody>
-      </p:sp>
-      <p:sp>
-        <p:nvSpPr>
-          <p:cNvPr id="12" name="Rectangle 11">
-            <a:extLst>
-              <a:ext uri="{FF2B5EF4-FFF2-40B4-BE49-F238E27FC236}">
-                <a16:creationId xmlns:a16="http://schemas.microsoft.com/office/drawing/2014/main" id="{29B13DE1-B03F-49D8-80FA-892FABC9A966}"/>
-              </a:ext>
-            </a:extLst>
-          </p:cNvPr>
-          <p:cNvSpPr/>
-          <p:nvPr/>
-        </p:nvSpPr>
-        <p:spPr>
-          <a:xfrm>
-            <a:off x="23617348" y="13104448"/>
-            <a:ext cx="2406428" cy="1323439"/>
-          </a:xfrm>
-          <a:prstGeom prst="rect">
-            <a:avLst/>
-          </a:prstGeom>
-          <a:noFill/>
-        </p:spPr>
-        <p:txBody>
-          <a:bodyPr wrap="none" lIns="91440" tIns="45720" rIns="91440" bIns="45720">
-            <a:spAutoFit/>
-          </a:bodyPr>
-          <a:lstStyle/>
-          <a:p>
-            <a:pPr algn="ctr"/>
-            <a:r>
-              <a:rPr lang="en-US" sz="8000" b="1" dirty="0">
-                <a:ln w="22225">
-                  <a:solidFill>
-                    <a:schemeClr val="accent2"/>
-                  </a:solidFill>
-                  <a:prstDash val="solid"/>
-                </a:ln>
-                <a:solidFill>
-                  <a:schemeClr val="accent2">
-                    <a:lumMod val="40000"/>
-                    <a:lumOff val="60000"/>
-                  </a:schemeClr>
-                </a:solidFill>
-              </a:rPr>
-              <a:t>CNN</a:t>
-            </a:r>
-            <a:endParaRPr lang="en-US" sz="8000" b="1" cap="none" spc="0" dirty="0">
-              <a:ln w="22225">
-                <a:solidFill>
-                  <a:schemeClr val="accent2"/>
-                </a:solidFill>
-                <a:prstDash val="solid"/>
-              </a:ln>
-              <a:solidFill>
-                <a:schemeClr val="accent2">
-                  <a:lumMod val="40000"/>
-                  <a:lumOff val="60000"/>
-                </a:schemeClr>
-              </a:solidFill>
-              <a:effectLst/>
-            </a:endParaRPr>
-          </a:p>
-        </p:txBody>
-      </p:sp>
-      <p:graphicFrame>
-        <p:nvGraphicFramePr>
-          <p:cNvPr id="11" name="Table 18">
-            <a:extLst>
-              <a:ext uri="{FF2B5EF4-FFF2-40B4-BE49-F238E27FC236}">
-                <a16:creationId xmlns:a16="http://schemas.microsoft.com/office/drawing/2014/main" id="{BCBAF032-1143-44B8-8A28-B9DB00CA3586}"/>
-              </a:ext>
-            </a:extLst>
-          </p:cNvPr>
-          <p:cNvGraphicFramePr>
-            <a:graphicFrameLocks noGrp="1"/>
-          </p:cNvGraphicFramePr>
-          <p:nvPr>
-            <p:extLst>
-              <p:ext uri="{D42A27DB-BD31-4B8C-83A1-F6EECF244321}">
-                <p14:modId xmlns:p14="http://schemas.microsoft.com/office/powerpoint/2010/main" val="2662529017"/>
-              </p:ext>
-            </p:extLst>
-          </p:nvPr>
-        </p:nvGraphicFramePr>
-        <p:xfrm>
-          <a:off x="18112011" y="18843094"/>
-          <a:ext cx="13362502" cy="4568264"/>
-        </p:xfrm>
-        <a:graphic>
-          <a:graphicData uri="http://schemas.openxmlformats.org/drawingml/2006/table">
-            <a:tbl>
-              <a:tblPr firstRow="1" bandRow="1">
-                <a:tableStyleId>{5C22544A-7EE6-4342-B048-85BDC9FD1C3A}</a:tableStyleId>
-              </a:tblPr>
-              <a:tblGrid>
-                <a:gridCol w="6681251">
-                  <a:extLst>
-                    <a:ext uri="{9D8B030D-6E8A-4147-A177-3AD203B41FA5}">
-                      <a16:colId xmlns:a16="http://schemas.microsoft.com/office/drawing/2014/main" val="1643344713"/>
-                    </a:ext>
-                  </a:extLst>
-                </a:gridCol>
-                <a:gridCol w="6681251">
-                  <a:extLst>
-                    <a:ext uri="{9D8B030D-6E8A-4147-A177-3AD203B41FA5}">
-                      <a16:colId xmlns:a16="http://schemas.microsoft.com/office/drawing/2014/main" val="2838925563"/>
-                    </a:ext>
-                  </a:extLst>
-                </a:gridCol>
-              </a:tblGrid>
-              <a:tr h="1306904">
-                <a:tc gridSpan="2">
-                  <a:txBody>
-                    <a:bodyPr/>
-                    <a:lstStyle/>
-                    <a:p>
-                      <a:pPr algn="ctr"/>
-                      <a:r>
-                        <a:rPr lang="fr-FR" sz="3800" noProof="0" dirty="0">
-                          <a:solidFill>
-                            <a:srgbClr val="6C5098"/>
-                          </a:solidFill>
-                        </a:rPr>
-                        <a:t>Bloc Filtreur</a:t>
-                      </a:r>
-                    </a:p>
-                    <a:p>
-                      <a:pPr algn="ctr"/>
-                      <a:r>
-                        <a:rPr lang="fr-FR" sz="3800" b="0" dirty="0">
-                          <a:solidFill>
-                            <a:schemeClr val="tx1"/>
-                          </a:solidFill>
-                        </a:rPr>
-                        <a:t>extrait les caractéristiques des images.</a:t>
-                      </a:r>
-                    </a:p>
-                  </a:txBody>
-                  <a:tcPr>
-                    <a:noFill/>
-                  </a:tcPr>
-                </a:tc>
-                <a:tc hMerge="1">
-                  <a:txBody>
-                    <a:bodyPr/>
-                    <a:lstStyle/>
-                    <a:p>
-                      <a:endParaRPr lang="en-GB" dirty="0"/>
-                    </a:p>
-                  </a:txBody>
-                  <a:tcPr/>
-                </a:tc>
-                <a:extLst>
-                  <a:ext uri="{0D108BD9-81ED-4DB2-BD59-A6C34878D82A}">
-                    <a16:rowId xmlns:a16="http://schemas.microsoft.com/office/drawing/2014/main" val="1993528755"/>
-                  </a:ext>
-                </a:extLst>
-              </a:tr>
-              <a:tr h="3147864">
-                <a:tc>
-                  <a:txBody>
-                    <a:bodyPr/>
-                    <a:lstStyle/>
-                    <a:p>
-                      <a:pPr marL="0" marR="0" lvl="0" indent="0" algn="ctr" defTabSz="914400" rtl="0" eaLnBrk="0" fontAlgn="base" latinLnBrk="0" hangingPunct="0">
-                        <a:lnSpc>
-                          <a:spcPct val="100000"/>
-                        </a:lnSpc>
-                        <a:spcBef>
-                          <a:spcPct val="0"/>
-                        </a:spcBef>
-                        <a:spcAft>
-                          <a:spcPct val="0"/>
-                        </a:spcAft>
-                        <a:buClrTx/>
-                        <a:buSzTx/>
-                        <a:buFontTx/>
-                        <a:buNone/>
-                        <a:tabLst/>
-                        <a:defRPr/>
-                      </a:pPr>
-                      <a:r>
-                        <a:rPr kumimoji="0" lang="fr-FR" sz="3800" b="1" i="0" u="none" strike="noStrike" kern="1200" cap="none" spc="0" normalizeH="0" baseline="0" noProof="0" dirty="0">
-                          <a:ln>
-                            <a:noFill/>
-                          </a:ln>
-                          <a:solidFill>
-                            <a:srgbClr val="6C5098"/>
-                          </a:solidFill>
-                          <a:effectLst/>
-                          <a:uLnTx/>
-                          <a:uFillTx/>
-                          <a:latin typeface="Arial" charset="0"/>
-                          <a:ea typeface="ＭＳ Ｐゴシック" pitchFamily="34" charset="-128"/>
-                          <a:cs typeface="+mn-cs"/>
-                        </a:rPr>
-                        <a:t>La couche de convolution</a:t>
-                      </a:r>
-                      <a:r>
-                        <a:rPr kumimoji="0" lang="fr-FR" sz="3800" b="1" i="0" u="none" strike="noStrike" kern="1200" cap="none" spc="0" normalizeH="0" baseline="0" noProof="0" dirty="0">
-                          <a:ln>
-                            <a:noFill/>
-                          </a:ln>
-                          <a:solidFill>
-                            <a:srgbClr val="000000"/>
-                          </a:solidFill>
-                          <a:effectLst/>
-                          <a:uLnTx/>
-                          <a:uFillTx/>
-                          <a:latin typeface="Arial" charset="0"/>
-                          <a:ea typeface="ＭＳ Ｐゴシック" pitchFamily="34" charset="-128"/>
-                          <a:cs typeface="+mn-cs"/>
-                        </a:rPr>
-                        <a:t> </a:t>
-                      </a:r>
-                    </a:p>
-                    <a:p>
-                      <a:pPr marL="0" marR="0" lvl="0" indent="0" algn="ctr" defTabSz="914400" rtl="0" eaLnBrk="0" fontAlgn="base" latinLnBrk="0" hangingPunct="0">
-                        <a:lnSpc>
-                          <a:spcPct val="100000"/>
-                        </a:lnSpc>
-                        <a:spcBef>
-                          <a:spcPct val="0"/>
-                        </a:spcBef>
-                        <a:spcAft>
-                          <a:spcPct val="0"/>
-                        </a:spcAft>
-                        <a:buClrTx/>
-                        <a:buSzTx/>
-                        <a:buFontTx/>
-                        <a:buNone/>
-                        <a:tabLst/>
-                        <a:defRPr/>
-                      </a:pPr>
-                      <a:r>
-                        <a:rPr kumimoji="0" lang="fr-FR" sz="3800" b="0" i="0" u="none" strike="noStrike" kern="1200" cap="none" spc="0" normalizeH="0" baseline="0" noProof="0" dirty="0">
-                          <a:ln>
-                            <a:noFill/>
-                          </a:ln>
-                          <a:solidFill>
-                            <a:srgbClr val="000000"/>
-                          </a:solidFill>
-                          <a:effectLst/>
-                          <a:uLnTx/>
-                          <a:uFillTx/>
-                          <a:latin typeface="Arial" charset="0"/>
-                          <a:ea typeface="ＭＳ Ｐゴシック" pitchFamily="34" charset="-128"/>
-                          <a:cs typeface="+mn-cs"/>
-                        </a:rPr>
-                        <a:t>détecte la présence d'un ensemble de caractéristiques dans les images données en entrée.</a:t>
-                      </a:r>
-                    </a:p>
-                    <a:p>
-                      <a:endParaRPr lang="en-GB" dirty="0"/>
-                    </a:p>
-                  </a:txBody>
-                  <a:tcPr>
-                    <a:noFill/>
-                  </a:tcPr>
-                </a:tc>
-                <a:tc>
-                  <a:txBody>
-                    <a:bodyPr/>
-                    <a:lstStyle/>
-                    <a:p>
-                      <a:pPr marL="0" marR="0" lvl="0" indent="0" algn="ctr" defTabSz="914400" rtl="0" eaLnBrk="0" fontAlgn="base" latinLnBrk="0" hangingPunct="0">
-                        <a:lnSpc>
-                          <a:spcPct val="100000"/>
-                        </a:lnSpc>
-                        <a:spcBef>
-                          <a:spcPct val="0"/>
-                        </a:spcBef>
-                        <a:spcAft>
-                          <a:spcPct val="0"/>
-                        </a:spcAft>
-                        <a:buClrTx/>
-                        <a:buSzTx/>
-                        <a:buFontTx/>
-                        <a:buNone/>
-                        <a:tabLst/>
-                        <a:defRPr/>
-                      </a:pPr>
-                      <a:r>
-                        <a:rPr kumimoji="0" lang="fr-FR" sz="3800" b="1" i="0" u="none" strike="noStrike" kern="1200" cap="none" spc="0" normalizeH="0" baseline="0" noProof="0" dirty="0">
-                          <a:ln>
-                            <a:noFill/>
-                          </a:ln>
-                          <a:solidFill>
-                            <a:srgbClr val="6C5098"/>
-                          </a:solidFill>
-                          <a:effectLst/>
-                          <a:uLnTx/>
-                          <a:uFillTx/>
-                          <a:latin typeface="Arial" charset="0"/>
-                          <a:ea typeface="ＭＳ Ｐゴシック" pitchFamily="34" charset="-128"/>
-                          <a:cs typeface="+mn-cs"/>
-                        </a:rPr>
-                        <a:t>La couche de </a:t>
-                      </a:r>
-                      <a:r>
-                        <a:rPr kumimoji="0" lang="en-US" sz="3800" b="1" i="0" u="none" strike="noStrike" kern="1200" cap="none" spc="0" normalizeH="0" baseline="0" noProof="0" dirty="0">
-                          <a:ln>
-                            <a:noFill/>
-                          </a:ln>
-                          <a:solidFill>
-                            <a:srgbClr val="6C5098"/>
-                          </a:solidFill>
-                          <a:effectLst/>
-                          <a:uLnTx/>
-                          <a:uFillTx/>
-                          <a:latin typeface="Arial" charset="0"/>
-                          <a:ea typeface="ＭＳ Ｐゴシック" pitchFamily="34" charset="-128"/>
-                          <a:cs typeface="+mn-cs"/>
-                        </a:rPr>
-                        <a:t>pooling</a:t>
-                      </a:r>
-                      <a:endParaRPr kumimoji="0" lang="en-US" sz="3800" b="1" i="0" u="none" strike="noStrike" kern="1200" cap="none" spc="0" normalizeH="0" baseline="0" noProof="0" dirty="0">
-                        <a:ln>
-                          <a:noFill/>
-                        </a:ln>
-                        <a:solidFill>
-                          <a:srgbClr val="000000"/>
-                        </a:solidFill>
-                        <a:effectLst/>
-                        <a:uLnTx/>
-                        <a:uFillTx/>
-                        <a:latin typeface="Arial" charset="0"/>
-                        <a:ea typeface="ＭＳ Ｐゴシック" pitchFamily="34" charset="-128"/>
-                        <a:cs typeface="+mn-cs"/>
-                      </a:endParaRPr>
-                    </a:p>
-                    <a:p>
-                      <a:pPr marL="0" marR="0" lvl="0" indent="0" algn="ctr" defTabSz="914400" rtl="0" eaLnBrk="0" fontAlgn="base" latinLnBrk="0" hangingPunct="0">
-                        <a:lnSpc>
-                          <a:spcPct val="100000"/>
-                        </a:lnSpc>
-                        <a:spcBef>
-                          <a:spcPct val="0"/>
-                        </a:spcBef>
-                        <a:spcAft>
-                          <a:spcPct val="0"/>
-                        </a:spcAft>
-                        <a:buClrTx/>
-                        <a:buSzTx/>
-                        <a:buFontTx/>
-                        <a:buNone/>
-                        <a:tabLst/>
-                        <a:defRPr/>
-                      </a:pPr>
-                      <a:r>
-                        <a:rPr kumimoji="0" lang="fr-FR" sz="3800" b="0" i="0" u="none" strike="noStrike" kern="1200" cap="none" spc="0" normalizeH="0" baseline="0" noProof="0" dirty="0">
-                          <a:ln>
-                            <a:noFill/>
-                          </a:ln>
-                          <a:solidFill>
-                            <a:srgbClr val="000000"/>
-                          </a:solidFill>
-                          <a:effectLst/>
-                          <a:uLnTx/>
-                          <a:uFillTx/>
-                          <a:latin typeface="Arial" charset="0"/>
-                          <a:ea typeface="ＭＳ Ｐゴシック" pitchFamily="34" charset="-128"/>
-                          <a:cs typeface="+mn-cs"/>
-                        </a:rPr>
-                        <a:t>réduit la taille d'un ensemble de caractéristiques tout en préservant les plus importantes.</a:t>
-                      </a:r>
-                    </a:p>
-                    <a:p>
-                      <a:endParaRPr lang="en-GB" dirty="0"/>
-                    </a:p>
-                  </a:txBody>
-                  <a:tcPr>
-                    <a:noFill/>
-                  </a:tcPr>
-                </a:tc>
-                <a:extLst>
-                  <a:ext uri="{0D108BD9-81ED-4DB2-BD59-A6C34878D82A}">
-                    <a16:rowId xmlns:a16="http://schemas.microsoft.com/office/drawing/2014/main" val="2872119397"/>
-                  </a:ext>
-                </a:extLst>
-              </a:tr>
-            </a:tbl>
-          </a:graphicData>
-        </a:graphic>
-      </p:graphicFrame>
-      <p:graphicFrame>
-        <p:nvGraphicFramePr>
-          <p:cNvPr id="46" name="Table 18">
-            <a:extLst>
-              <a:ext uri="{FF2B5EF4-FFF2-40B4-BE49-F238E27FC236}">
-                <a16:creationId xmlns:a16="http://schemas.microsoft.com/office/drawing/2014/main" id="{AA2B973D-9A5C-4F9D-93D8-F7CCFDC59497}"/>
-              </a:ext>
-            </a:extLst>
-          </p:cNvPr>
-          <p:cNvGraphicFramePr>
-            <a:graphicFrameLocks noGrp="1"/>
-          </p:cNvGraphicFramePr>
-          <p:nvPr>
-            <p:extLst>
-              <p:ext uri="{D42A27DB-BD31-4B8C-83A1-F6EECF244321}">
-                <p14:modId xmlns:p14="http://schemas.microsoft.com/office/powerpoint/2010/main" val="850409069"/>
-              </p:ext>
-            </p:extLst>
-          </p:nvPr>
-        </p:nvGraphicFramePr>
-        <p:xfrm>
-          <a:off x="18050451" y="23897064"/>
-          <a:ext cx="13362502" cy="5685150"/>
-        </p:xfrm>
-        <a:graphic>
-          <a:graphicData uri="http://schemas.openxmlformats.org/drawingml/2006/table">
-            <a:tbl>
-              <a:tblPr firstRow="1" bandRow="1">
-                <a:tableStyleId>{5C22544A-7EE6-4342-B048-85BDC9FD1C3A}</a:tableStyleId>
-              </a:tblPr>
-              <a:tblGrid>
-                <a:gridCol w="6681251">
-                  <a:extLst>
-                    <a:ext uri="{9D8B030D-6E8A-4147-A177-3AD203B41FA5}">
-                      <a16:colId xmlns:a16="http://schemas.microsoft.com/office/drawing/2014/main" val="1643344713"/>
-                    </a:ext>
-                  </a:extLst>
-                </a:gridCol>
-                <a:gridCol w="6681251">
-                  <a:extLst>
-                    <a:ext uri="{9D8B030D-6E8A-4147-A177-3AD203B41FA5}">
-                      <a16:colId xmlns:a16="http://schemas.microsoft.com/office/drawing/2014/main" val="2838925563"/>
-                    </a:ext>
-                  </a:extLst>
-                </a:gridCol>
-              </a:tblGrid>
-              <a:tr h="1844670">
-                <a:tc gridSpan="2">
-                  <a:txBody>
-                    <a:bodyPr/>
-                    <a:lstStyle/>
-                    <a:p>
-                      <a:pPr algn="ctr"/>
-                      <a:r>
-                        <a:rPr lang="fr-FR" sz="3800" noProof="0" dirty="0">
-                          <a:solidFill>
-                            <a:srgbClr val="6C5098"/>
-                          </a:solidFill>
-                        </a:rPr>
-                        <a:t>Bloc Classifieur</a:t>
-                      </a:r>
-                    </a:p>
-                    <a:p>
-                      <a:pPr algn="ctr"/>
-                      <a:r>
-                        <a:rPr lang="fr-FR" sz="3800" b="0" dirty="0">
-                          <a:solidFill>
-                            <a:schemeClr val="tx1"/>
-                          </a:solidFill>
-                        </a:rPr>
-                        <a:t>  étant donné les caractéristiques des images,</a:t>
-                      </a:r>
-                    </a:p>
-                    <a:p>
-                      <a:pPr algn="ctr"/>
-                      <a:r>
-                        <a:rPr lang="fr-FR" sz="3800" b="0" dirty="0">
-                          <a:solidFill>
-                            <a:schemeClr val="tx1"/>
-                          </a:solidFill>
-                        </a:rPr>
-                        <a:t>détermine à quelle classe appartient l'image.</a:t>
-                      </a:r>
-                      <a:endParaRPr lang="en-GB" sz="3800" b="0" dirty="0">
-                        <a:solidFill>
-                          <a:schemeClr val="tx1"/>
-                        </a:solidFill>
-                      </a:endParaRPr>
-                    </a:p>
-                  </a:txBody>
-                  <a:tcPr>
-                    <a:noFill/>
-                  </a:tcPr>
-                </a:tc>
-                <a:tc hMerge="1">
-                  <a:txBody>
-                    <a:bodyPr/>
-                    <a:lstStyle/>
-                    <a:p>
-                      <a:endParaRPr lang="en-GB" dirty="0"/>
-                    </a:p>
-                  </a:txBody>
-                  <a:tcPr/>
-                </a:tc>
-                <a:extLst>
-                  <a:ext uri="{0D108BD9-81ED-4DB2-BD59-A6C34878D82A}">
-                    <a16:rowId xmlns:a16="http://schemas.microsoft.com/office/drawing/2014/main" val="1993528755"/>
-                  </a:ext>
-                </a:extLst>
-              </a:tr>
-              <a:tr h="3469237">
-                <a:tc>
-                  <a:txBody>
-                    <a:bodyPr/>
-                    <a:lstStyle/>
-                    <a:p>
-                      <a:pPr marL="0" marR="0" lvl="0" indent="0" algn="ctr" defTabSz="914400" rtl="0" eaLnBrk="0" fontAlgn="base" latinLnBrk="0" hangingPunct="0">
-                        <a:lnSpc>
-                          <a:spcPct val="100000"/>
-                        </a:lnSpc>
-                        <a:spcBef>
-                          <a:spcPct val="0"/>
-                        </a:spcBef>
-                        <a:spcAft>
-                          <a:spcPct val="0"/>
-                        </a:spcAft>
-                        <a:buClrTx/>
-                        <a:buSzTx/>
-                        <a:buFontTx/>
-                        <a:buNone/>
-                        <a:tabLst/>
-                        <a:defRPr/>
-                      </a:pPr>
-                      <a:r>
-                        <a:rPr kumimoji="0" lang="fr-FR" sz="3800" b="1" i="0" u="none" strike="noStrike" kern="1200" cap="none" spc="0" normalizeH="0" baseline="0" noProof="0" dirty="0">
-                          <a:ln>
-                            <a:noFill/>
-                          </a:ln>
-                          <a:solidFill>
-                            <a:srgbClr val="6C5098"/>
-                          </a:solidFill>
-                          <a:effectLst/>
-                          <a:uLnTx/>
-                          <a:uFillTx/>
-                          <a:latin typeface="Arial" charset="0"/>
-                          <a:ea typeface="ＭＳ Ｐゴシック" pitchFamily="34" charset="-128"/>
-                          <a:cs typeface="+mn-cs"/>
-                        </a:rPr>
-                        <a:t>La couche de correction ReLU</a:t>
-                      </a:r>
-                    </a:p>
-                    <a:p>
-                      <a:pPr marL="0" marR="0" lvl="0" indent="0" algn="ctr" defTabSz="914400" rtl="0" eaLnBrk="0" fontAlgn="base" latinLnBrk="0" hangingPunct="0">
-                        <a:lnSpc>
-                          <a:spcPct val="100000"/>
-                        </a:lnSpc>
-                        <a:spcBef>
-                          <a:spcPct val="0"/>
-                        </a:spcBef>
-                        <a:spcAft>
-                          <a:spcPct val="0"/>
-                        </a:spcAft>
-                        <a:buClrTx/>
-                        <a:buSzTx/>
-                        <a:buFontTx/>
-                        <a:buNone/>
-                        <a:tabLst/>
-                        <a:defRPr/>
-                      </a:pPr>
-                      <a:endParaRPr kumimoji="0" lang="fr-FR" sz="3800" b="0" i="0" u="none" strike="noStrike" kern="1200" cap="none" spc="0" normalizeH="0" baseline="0" noProof="0" dirty="0">
-                        <a:ln>
-                          <a:noFill/>
-                        </a:ln>
-                        <a:solidFill>
-                          <a:srgbClr val="000000"/>
-                        </a:solidFill>
-                        <a:effectLst/>
-                        <a:uLnTx/>
-                        <a:uFillTx/>
-                        <a:latin typeface="Arial" charset="0"/>
-                        <a:ea typeface="ＭＳ Ｐゴシック" pitchFamily="34" charset="-128"/>
-                        <a:cs typeface="+mn-cs"/>
-                      </a:endParaRPr>
-                    </a:p>
-                    <a:p>
-                      <a:pPr marL="0" marR="0" lvl="0" indent="0" algn="ctr" defTabSz="914400" rtl="0" eaLnBrk="0" fontAlgn="base" latinLnBrk="0" hangingPunct="0">
-                        <a:lnSpc>
-                          <a:spcPct val="100000"/>
-                        </a:lnSpc>
-                        <a:spcBef>
-                          <a:spcPct val="0"/>
-                        </a:spcBef>
-                        <a:spcAft>
-                          <a:spcPct val="0"/>
-                        </a:spcAft>
-                        <a:buClrTx/>
-                        <a:buSzTx/>
-                        <a:buFontTx/>
-                        <a:buNone/>
-                        <a:tabLst/>
-                        <a:defRPr/>
-                      </a:pPr>
-                      <a:r>
-                        <a:rPr kumimoji="0" lang="fr-FR" sz="3800" b="0" i="0" u="none" strike="noStrike" kern="1200" cap="none" spc="0" normalizeH="0" baseline="0" noProof="0" dirty="0">
-                          <a:ln>
-                            <a:noFill/>
-                          </a:ln>
-                          <a:solidFill>
-                            <a:srgbClr val="000000"/>
-                          </a:solidFill>
-                          <a:effectLst/>
-                          <a:uLnTx/>
-                          <a:uFillTx/>
-                          <a:latin typeface="Arial" charset="0"/>
-                          <a:ea typeface="ＭＳ Ｐゴシック" pitchFamily="34" charset="-128"/>
-                          <a:cs typeface="+mn-cs"/>
-                        </a:rPr>
-                        <a:t>est une fonction d’activation, remplace les valeurs négatives par des zéros.</a:t>
-                      </a:r>
-                      <a:endParaRPr kumimoji="0" lang="fr-FR" sz="3800" b="1" i="0" u="none" strike="noStrike" kern="1200" cap="none" spc="0" normalizeH="0" baseline="0" noProof="0" dirty="0">
-                        <a:ln>
-                          <a:noFill/>
-                        </a:ln>
-                        <a:solidFill>
-                          <a:srgbClr val="000000"/>
-                        </a:solidFill>
-                        <a:effectLst/>
-                        <a:uLnTx/>
-                        <a:uFillTx/>
-                        <a:latin typeface="Arial" charset="0"/>
-                        <a:ea typeface="ＭＳ Ｐゴシック" pitchFamily="34" charset="-128"/>
-                        <a:cs typeface="+mn-cs"/>
-                      </a:endParaRPr>
-                    </a:p>
-                    <a:p>
-                      <a:endParaRPr lang="en-GB" dirty="0"/>
-                    </a:p>
-                  </a:txBody>
-                  <a:tcPr>
-                    <a:noFill/>
-                  </a:tcPr>
-                </a:tc>
-                <a:tc>
-                  <a:txBody>
-                    <a:bodyPr/>
-                    <a:lstStyle/>
-                    <a:p>
-                      <a:pPr marL="0" marR="0" lvl="0" indent="0" algn="ctr" defTabSz="914400" rtl="0" eaLnBrk="0" fontAlgn="base" latinLnBrk="0" hangingPunct="0">
-                        <a:lnSpc>
-                          <a:spcPct val="100000"/>
-                        </a:lnSpc>
-                        <a:spcBef>
-                          <a:spcPct val="0"/>
-                        </a:spcBef>
-                        <a:spcAft>
-                          <a:spcPct val="0"/>
-                        </a:spcAft>
-                        <a:buClrTx/>
-                        <a:buSzTx/>
-                        <a:buFontTx/>
-                        <a:buNone/>
-                        <a:tabLst/>
-                        <a:defRPr/>
-                      </a:pPr>
-                      <a:r>
-                        <a:rPr kumimoji="0" lang="fr-FR" sz="3800" b="1" i="0" u="none" strike="noStrike" kern="1200" cap="none" spc="0" normalizeH="0" baseline="0" noProof="0" dirty="0">
-                          <a:ln>
-                            <a:noFill/>
-                          </a:ln>
-                          <a:solidFill>
-                            <a:srgbClr val="6C5098"/>
-                          </a:solidFill>
-                          <a:effectLst/>
-                          <a:uLnTx/>
-                          <a:uFillTx/>
-                          <a:latin typeface="Arial" charset="0"/>
-                          <a:ea typeface="ＭＳ Ｐゴシック" pitchFamily="34" charset="-128"/>
-                          <a:cs typeface="+mn-cs"/>
-                        </a:rPr>
-                        <a:t>La couche fully-connected</a:t>
-                      </a:r>
-                    </a:p>
-                    <a:p>
-                      <a:pPr marL="0" marR="0" lvl="0" indent="0" algn="ctr" defTabSz="914400" rtl="0" eaLnBrk="0" fontAlgn="base" latinLnBrk="0" hangingPunct="0">
-                        <a:lnSpc>
-                          <a:spcPct val="100000"/>
-                        </a:lnSpc>
-                        <a:spcBef>
-                          <a:spcPct val="0"/>
-                        </a:spcBef>
-                        <a:spcAft>
-                          <a:spcPct val="0"/>
-                        </a:spcAft>
-                        <a:buClrTx/>
-                        <a:buSzTx/>
-                        <a:buFontTx/>
-                        <a:buNone/>
-                        <a:tabLst/>
-                        <a:defRPr/>
-                      </a:pPr>
-                      <a:endParaRPr kumimoji="0" lang="fr-FR" sz="3800" b="0" i="0" u="none" strike="noStrike" kern="1200" cap="none" spc="0" normalizeH="0" baseline="0" noProof="0" dirty="0">
-                        <a:ln>
-                          <a:noFill/>
-                        </a:ln>
-                        <a:solidFill>
-                          <a:srgbClr val="000000"/>
-                        </a:solidFill>
-                        <a:effectLst/>
-                        <a:uLnTx/>
-                        <a:uFillTx/>
-                        <a:latin typeface="Arial" charset="0"/>
-                        <a:ea typeface="ＭＳ Ｐゴシック" pitchFamily="34" charset="-128"/>
-                        <a:cs typeface="+mn-cs"/>
-                      </a:endParaRPr>
-                    </a:p>
-                    <a:p>
-                      <a:pPr marL="0" marR="0" lvl="0" indent="0" algn="ctr" defTabSz="914400" rtl="0" eaLnBrk="0" fontAlgn="base" latinLnBrk="0" hangingPunct="0">
-                        <a:lnSpc>
-                          <a:spcPct val="100000"/>
-                        </a:lnSpc>
-                        <a:spcBef>
-                          <a:spcPct val="0"/>
-                        </a:spcBef>
-                        <a:spcAft>
-                          <a:spcPct val="0"/>
-                        </a:spcAft>
-                        <a:buClrTx/>
-                        <a:buSzTx/>
-                        <a:buFontTx/>
-                        <a:buNone/>
-                        <a:tabLst/>
-                        <a:defRPr/>
-                      </a:pPr>
-                      <a:r>
-                        <a:rPr kumimoji="0" lang="fr-FR" sz="3800" b="0" i="0" u="none" strike="noStrike" kern="1200" cap="none" spc="0" normalizeH="0" baseline="0" noProof="0" dirty="0">
-                          <a:ln>
-                            <a:noFill/>
-                          </a:ln>
-                          <a:solidFill>
-                            <a:srgbClr val="000000"/>
-                          </a:solidFill>
-                          <a:effectLst/>
-                          <a:uLnTx/>
-                          <a:uFillTx/>
-                          <a:latin typeface="Arial" charset="0"/>
-                          <a:ea typeface="ＭＳ Ｐゴシック" pitchFamily="34" charset="-128"/>
-                          <a:cs typeface="+mn-cs"/>
-                        </a:rPr>
-                        <a:t>transforme un vecteur en un autre en appliquant une combinaison linéaire avec ou sans fonction d’activation.</a:t>
-                      </a:r>
-                      <a:endParaRPr kumimoji="0" lang="fr-FR" sz="3800" b="1" i="0" u="none" strike="noStrike" kern="1200" cap="none" spc="0" normalizeH="0" baseline="0" noProof="0" dirty="0">
-                        <a:ln>
-                          <a:noFill/>
-                        </a:ln>
-                        <a:solidFill>
-                          <a:srgbClr val="000000"/>
-                        </a:solidFill>
-                        <a:effectLst/>
-                        <a:uLnTx/>
-                        <a:uFillTx/>
-                        <a:latin typeface="Arial" charset="0"/>
-                        <a:ea typeface="ＭＳ Ｐゴシック" pitchFamily="34" charset="-128"/>
-                        <a:cs typeface="+mn-cs"/>
-                      </a:endParaRPr>
-                    </a:p>
-                    <a:p>
-                      <a:endParaRPr lang="en-GB" dirty="0"/>
-                    </a:p>
-                  </a:txBody>
-                  <a:tcPr>
-                    <a:noFill/>
-                  </a:tcPr>
-                </a:tc>
-                <a:extLst>
-                  <a:ext uri="{0D108BD9-81ED-4DB2-BD59-A6C34878D82A}">
-                    <a16:rowId xmlns:a16="http://schemas.microsoft.com/office/drawing/2014/main" val="2872119397"/>
-                  </a:ext>
-                </a:extLst>
-              </a:tr>
-            </a:tbl>
-          </a:graphicData>
-        </a:graphic>
-      </p:graphicFrame>
-      <p:sp>
-        <p:nvSpPr>
-          <p:cNvPr id="47" name="Rectangle: Rounded Corners 46">
-            <a:extLst>
-              <a:ext uri="{FF2B5EF4-FFF2-40B4-BE49-F238E27FC236}">
-                <a16:creationId xmlns:a16="http://schemas.microsoft.com/office/drawing/2014/main" id="{9B404301-BCD4-4CF8-BDA2-CA4F6D43544B}"/>
+                <a16:creationId xmlns:a16="http://schemas.microsoft.com/office/drawing/2014/main" id="{D0E09CBB-AE99-4992-9275-EBAD5CA06971}"/>
               </a:ext>
             </a:extLst>
           </p:cNvPr>
@@ -7128,13 +6147,15 @@
         </p:nvSpPr>
         <p:spPr bwMode="auto">
           <a:xfrm>
-            <a:off x="18166609" y="18648052"/>
-            <a:ext cx="13307903" cy="4933442"/>
+            <a:off x="18200003" y="23797518"/>
+            <a:ext cx="13307903" cy="6242509"/>
           </a:xfrm>
           <a:prstGeom prst="roundRect">
             <a:avLst/>
           </a:prstGeom>
-          <a:noFill/>
+          <a:solidFill>
+            <a:schemeClr val="bg1"/>
+          </a:solidFill>
           <a:ln w="9525" cap="flat" cmpd="sng" algn="ctr">
             <a:solidFill>
               <a:srgbClr val="6C5098"/>
@@ -7184,76 +6205,6 @@
           </a:p>
         </p:txBody>
       </p:sp>
-      <p:sp>
-        <p:nvSpPr>
-          <p:cNvPr id="48" name="Rectangle: Rounded Corners 47">
-            <a:extLst>
-              <a:ext uri="{FF2B5EF4-FFF2-40B4-BE49-F238E27FC236}">
-                <a16:creationId xmlns:a16="http://schemas.microsoft.com/office/drawing/2014/main" id="{D0E09CBB-AE99-4992-9275-EBAD5CA06971}"/>
-              </a:ext>
-            </a:extLst>
-          </p:cNvPr>
-          <p:cNvSpPr/>
-          <p:nvPr/>
-        </p:nvSpPr>
-        <p:spPr bwMode="auto">
-          <a:xfrm>
-            <a:off x="18200003" y="23797518"/>
-            <a:ext cx="13307903" cy="6242509"/>
-          </a:xfrm>
-          <a:prstGeom prst="roundRect">
-            <a:avLst/>
-          </a:prstGeom>
-          <a:noFill/>
-          <a:ln w="9525" cap="flat" cmpd="sng" algn="ctr">
-            <a:solidFill>
-              <a:srgbClr val="6C5098"/>
-            </a:solidFill>
-            <a:prstDash val="solid"/>
-            <a:round/>
-            <a:headEnd type="none" w="med" len="med"/>
-            <a:tailEnd type="none" w="med" len="med"/>
-          </a:ln>
-          <a:effectLst/>
-        </p:spPr>
-        <p:txBody>
-          <a:bodyPr vert="horz" wrap="square" lIns="91440" tIns="45720" rIns="91440" bIns="45720" numCol="1" rtlCol="0" anchor="t" anchorCtr="0" compatLnSpc="1">
-            <a:prstTxWarp prst="textNoShape">
-              <a:avLst/>
-            </a:prstTxWarp>
-          </a:bodyPr>
-          <a:lstStyle/>
-          <a:p>
-            <a:pPr marL="0" marR="0" indent="0" algn="l" defTabSz="914400" rtl="0" eaLnBrk="0" fontAlgn="base" latinLnBrk="0" hangingPunct="0">
-              <a:lnSpc>
-                <a:spcPct val="100000"/>
-              </a:lnSpc>
-              <a:spcBef>
-                <a:spcPct val="0"/>
-              </a:spcBef>
-              <a:spcAft>
-                <a:spcPct val="0"/>
-              </a:spcAft>
-              <a:buClrTx/>
-              <a:buSzTx/>
-              <a:buFontTx/>
-              <a:buNone/>
-              <a:tabLst/>
-            </a:pPr>
-            <a:endParaRPr kumimoji="0" lang="en-GB" sz="2400" b="0" i="0" u="none" strike="noStrike" cap="none" normalizeH="0" baseline="0" dirty="0">
-              <a:ln>
-                <a:noFill/>
-              </a:ln>
-              <a:solidFill>
-                <a:schemeClr val="tx1"/>
-              </a:solidFill>
-              <a:effectLst/>
-              <a:latin typeface="Arial" charset="0"/>
-              <a:ea typeface="ＭＳ Ｐゴシック" pitchFamily="1" charset="-128"/>
-            </a:endParaRPr>
-          </a:p>
-        </p:txBody>
-      </p:sp>
       <p:pic>
         <p:nvPicPr>
           <p:cNvPr id="23" name="Graphic 22">
@@ -7269,13 +6220,13 @@
           <p:nvPr/>
         </p:nvPicPr>
         <p:blipFill rotWithShape="1">
-          <a:blip r:embed="rId14">
+          <a:blip r:embed="rId9">
             <a:extLst>
               <a:ext uri="{28A0092B-C50C-407E-A947-70E740481C1C}">
                 <a14:useLocalDpi xmlns:a14="http://schemas.microsoft.com/office/drawing/2010/main" val="0"/>
               </a:ext>
               <a:ext uri="{96DAC541-7B7A-43D3-8B79-37D633B846F1}">
-                <asvg:svgBlip xmlns:asvg="http://schemas.microsoft.com/office/drawing/2016/SVG/main" r:embed="rId15"/>
+                <asvg:svgBlip xmlns:asvg="http://schemas.microsoft.com/office/drawing/2016/SVG/main" r:embed="rId10"/>
               </a:ext>
             </a:extLst>
           </a:blip>
@@ -7286,181 +6237,6 @@
           <a:xfrm>
             <a:off x="18682662" y="26893862"/>
             <a:ext cx="5615885" cy="730575"/>
-          </a:xfrm>
-          <a:prstGeom prst="rect">
-            <a:avLst/>
-          </a:prstGeom>
-        </p:spPr>
-      </p:pic>
-      <p:pic>
-        <p:nvPicPr>
-          <p:cNvPr id="7" name="Picture 6" descr="A picture containing clock&#10;&#10;Description automatically generated">
-            <a:extLst>
-              <a:ext uri="{FF2B5EF4-FFF2-40B4-BE49-F238E27FC236}">
-                <a16:creationId xmlns:a16="http://schemas.microsoft.com/office/drawing/2014/main" id="{4F4BC309-E76C-4067-B176-5E35013B0A9B}"/>
-              </a:ext>
-            </a:extLst>
-          </p:cNvPr>
-          <p:cNvPicPr>
-            <a:picLocks noChangeAspect="1"/>
-          </p:cNvPicPr>
-          <p:nvPr/>
-        </p:nvPicPr>
-        <p:blipFill rotWithShape="1">
-          <a:blip r:embed="rId16">
-            <a:extLst>
-              <a:ext uri="{28A0092B-C50C-407E-A947-70E740481C1C}">
-                <a14:useLocalDpi xmlns:a14="http://schemas.microsoft.com/office/drawing/2010/main" val="0"/>
-              </a:ext>
-            </a:extLst>
-          </a:blip>
-          <a:srcRect l="6557" t="44087" r="48323" b="6538"/>
-          <a:stretch/>
-        </p:blipFill>
-        <p:spPr>
-          <a:xfrm>
-            <a:off x="13008637" y="14580494"/>
-            <a:ext cx="2864974" cy="2353787"/>
-          </a:xfrm>
-          <a:prstGeom prst="rect">
-            <a:avLst/>
-          </a:prstGeom>
-        </p:spPr>
-      </p:pic>
-      <p:pic>
-        <p:nvPicPr>
-          <p:cNvPr id="17" name="Picture 16" descr="A picture containing remote&#10;&#10;Description automatically generated">
-            <a:extLst>
-              <a:ext uri="{FF2B5EF4-FFF2-40B4-BE49-F238E27FC236}">
-                <a16:creationId xmlns:a16="http://schemas.microsoft.com/office/drawing/2014/main" id="{FB6642AD-8A13-4C41-95A4-DA47CB163C14}"/>
-              </a:ext>
-            </a:extLst>
-          </p:cNvPr>
-          <p:cNvPicPr>
-            <a:picLocks noChangeAspect="1"/>
-          </p:cNvPicPr>
-          <p:nvPr/>
-        </p:nvPicPr>
-        <p:blipFill rotWithShape="1">
-          <a:blip r:embed="rId17">
-            <a:extLst>
-              <a:ext uri="{28A0092B-C50C-407E-A947-70E740481C1C}">
-                <a14:useLocalDpi xmlns:a14="http://schemas.microsoft.com/office/drawing/2010/main" val="0"/>
-              </a:ext>
-            </a:extLst>
-          </a:blip>
-          <a:srcRect l="24945" t="-297" r="41723" b="59968"/>
-          <a:stretch/>
-        </p:blipFill>
-        <p:spPr>
-          <a:xfrm>
-            <a:off x="3257098" y="18703070"/>
-            <a:ext cx="2516481" cy="2664046"/>
-          </a:xfrm>
-          <a:prstGeom prst="rect">
-            <a:avLst/>
-          </a:prstGeom>
-        </p:spPr>
-      </p:pic>
-      <p:pic>
-        <p:nvPicPr>
-          <p:cNvPr id="20" name="Picture 19" descr="A close up of a logo&#10;&#10;Description automatically generated">
-            <a:extLst>
-              <a:ext uri="{FF2B5EF4-FFF2-40B4-BE49-F238E27FC236}">
-                <a16:creationId xmlns:a16="http://schemas.microsoft.com/office/drawing/2014/main" id="{DD7996B2-49F6-4FCF-B8F0-3CE96A24B5FF}"/>
-              </a:ext>
-            </a:extLst>
-          </p:cNvPr>
-          <p:cNvPicPr>
-            <a:picLocks noChangeAspect="1"/>
-          </p:cNvPicPr>
-          <p:nvPr/>
-        </p:nvPicPr>
-        <p:blipFill rotWithShape="1">
-          <a:blip r:embed="rId18">
-            <a:extLst>
-              <a:ext uri="{28A0092B-C50C-407E-A947-70E740481C1C}">
-                <a14:useLocalDpi xmlns:a14="http://schemas.microsoft.com/office/drawing/2010/main" val="0"/>
-              </a:ext>
-            </a:extLst>
-          </a:blip>
-          <a:srcRect l="9377" t="18273" r="55882" b="63739"/>
-          <a:stretch/>
-        </p:blipFill>
-        <p:spPr>
-          <a:xfrm>
-            <a:off x="8115477" y="14554456"/>
-            <a:ext cx="3104789" cy="1354218"/>
-          </a:xfrm>
-          <a:prstGeom prst="rect">
-            <a:avLst/>
-          </a:prstGeom>
-        </p:spPr>
-      </p:pic>
-      <p:pic>
-        <p:nvPicPr>
-          <p:cNvPr id="32" name="Picture 31" descr="A picture containing drawing&#10;&#10;Description automatically generated">
-            <a:extLst>
-              <a:ext uri="{FF2B5EF4-FFF2-40B4-BE49-F238E27FC236}">
-                <a16:creationId xmlns:a16="http://schemas.microsoft.com/office/drawing/2014/main" id="{DF71E793-94AD-456F-BE1A-E517AEF82F4A}"/>
-              </a:ext>
-            </a:extLst>
-          </p:cNvPr>
-          <p:cNvPicPr>
-            <a:picLocks noChangeAspect="1"/>
-          </p:cNvPicPr>
-          <p:nvPr/>
-        </p:nvPicPr>
-        <p:blipFill rotWithShape="1">
-          <a:blip r:embed="rId19">
-            <a:extLst>
-              <a:ext uri="{28A0092B-C50C-407E-A947-70E740481C1C}">
-                <a14:useLocalDpi xmlns:a14="http://schemas.microsoft.com/office/drawing/2010/main" val="0"/>
-              </a:ext>
-            </a:extLst>
-          </a:blip>
-          <a:srcRect l="2426" t="78993" r="73828" b="7673"/>
-          <a:stretch/>
-        </p:blipFill>
-        <p:spPr>
-          <a:xfrm>
-            <a:off x="12608624" y="18597062"/>
-            <a:ext cx="3442317" cy="2679889"/>
-          </a:xfrm>
-          <a:prstGeom prst="rect">
-            <a:avLst/>
-          </a:prstGeom>
-        </p:spPr>
-      </p:pic>
-      <p:pic>
-        <p:nvPicPr>
-          <p:cNvPr id="34" name="Picture 33" descr="A close up of a logo&#10;&#10;Description automatically generated">
-            <a:extLst>
-              <a:ext uri="{FF2B5EF4-FFF2-40B4-BE49-F238E27FC236}">
-                <a16:creationId xmlns:a16="http://schemas.microsoft.com/office/drawing/2014/main" id="{EED5F03A-6C47-4377-9022-611ED9490030}"/>
-              </a:ext>
-            </a:extLst>
-          </p:cNvPr>
-          <p:cNvPicPr>
-            <a:picLocks noChangeAspect="1"/>
-          </p:cNvPicPr>
-          <p:nvPr/>
-        </p:nvPicPr>
-        <p:blipFill rotWithShape="1">
-          <a:blip r:embed="rId20">
-            <a:extLst>
-              <a:ext uri="{28A0092B-C50C-407E-A947-70E740481C1C}">
-                <a14:useLocalDpi xmlns:a14="http://schemas.microsoft.com/office/drawing/2010/main" val="0"/>
-              </a:ext>
-            </a:extLst>
-          </a:blip>
-          <a:srcRect l="463" t="45343" r="73765" b="31712"/>
-          <a:stretch/>
-        </p:blipFill>
-        <p:spPr>
-          <a:xfrm>
-            <a:off x="7865507" y="18661167"/>
-            <a:ext cx="2792127" cy="2066252"/>
           </a:xfrm>
           <a:prstGeom prst="rect">
             <a:avLst/>
@@ -7487,7 +6263,9 @@
           <a:prstGeom prst="roundRect">
             <a:avLst/>
           </a:prstGeom>
-          <a:noFill/>
+          <a:solidFill>
+            <a:schemeClr val="bg1"/>
+          </a:solidFill>
           <a:ln w="9525" cap="flat" cmpd="sng" algn="ctr">
             <a:solidFill>
               <a:srgbClr val="6C5098"/>
@@ -7683,150 +6461,6 @@
       </p:sp>
       <p:sp>
         <p:nvSpPr>
-          <p:cNvPr id="67" name="Arrow: Right 66">
-            <a:extLst>
-              <a:ext uri="{FF2B5EF4-FFF2-40B4-BE49-F238E27FC236}">
-                <a16:creationId xmlns:a16="http://schemas.microsoft.com/office/drawing/2014/main" id="{B7BF118F-202B-4A08-83A9-E3734815C270}"/>
-              </a:ext>
-            </a:extLst>
-          </p:cNvPr>
-          <p:cNvSpPr/>
-          <p:nvPr/>
-        </p:nvSpPr>
-        <p:spPr bwMode="auto">
-          <a:xfrm rot="20445938">
-            <a:off x="5884795" y="19521320"/>
-            <a:ext cx="1755918" cy="592460"/>
-          </a:xfrm>
-          <a:prstGeom prst="rightArrow">
-            <a:avLst/>
-          </a:prstGeom>
-          <a:solidFill>
-            <a:srgbClr val="6C5098"/>
-          </a:solidFill>
-          <a:ln w="9525" cap="flat" cmpd="sng" algn="ctr">
-            <a:solidFill>
-              <a:schemeClr val="tx1"/>
-            </a:solidFill>
-            <a:prstDash val="solid"/>
-            <a:round/>
-            <a:headEnd type="none" w="med" len="med"/>
-            <a:tailEnd type="none" w="med" len="med"/>
-          </a:ln>
-          <a:effectLst/>
-        </p:spPr>
-        <p:txBody>
-          <a:bodyPr vert="horz" wrap="square" lIns="91440" tIns="45720" rIns="91440" bIns="45720" numCol="1" rtlCol="0" anchor="t" anchorCtr="0" compatLnSpc="1">
-            <a:prstTxWarp prst="textNoShape">
-              <a:avLst/>
-            </a:prstTxWarp>
-          </a:bodyPr>
-          <a:lstStyle/>
-          <a:p>
-            <a:pPr marL="0" marR="0" indent="0" algn="l" defTabSz="914400" rtl="0" eaLnBrk="0" fontAlgn="base" latinLnBrk="0" hangingPunct="0">
-              <a:lnSpc>
-                <a:spcPct val="100000"/>
-              </a:lnSpc>
-              <a:spcBef>
-                <a:spcPct val="0"/>
-              </a:spcBef>
-              <a:spcAft>
-                <a:spcPct val="0"/>
-              </a:spcAft>
-              <a:buClrTx/>
-              <a:buSzTx/>
-              <a:buFontTx/>
-              <a:buNone/>
-              <a:tabLst/>
-            </a:pPr>
-            <a:endParaRPr kumimoji="0" lang="en-GB" sz="2400" b="0" i="0" u="none" strike="noStrike" cap="none" normalizeH="0" baseline="0">
-              <a:ln>
-                <a:noFill/>
-              </a:ln>
-              <a:solidFill>
-                <a:schemeClr val="tx1"/>
-              </a:solidFill>
-              <a:effectLst/>
-              <a:latin typeface="Arial" charset="0"/>
-              <a:ea typeface="ＭＳ Ｐゴシック" pitchFamily="1" charset="-128"/>
-            </a:endParaRPr>
-          </a:p>
-        </p:txBody>
-      </p:sp>
-      <p:sp>
-        <p:nvSpPr>
-          <p:cNvPr id="69" name="Arrow: Right 68">
-            <a:extLst>
-              <a:ext uri="{FF2B5EF4-FFF2-40B4-BE49-F238E27FC236}">
-                <a16:creationId xmlns:a16="http://schemas.microsoft.com/office/drawing/2014/main" id="{A66D563B-1809-4BC9-A4B4-4B2173DC54BD}"/>
-              </a:ext>
-            </a:extLst>
-          </p:cNvPr>
-          <p:cNvSpPr/>
-          <p:nvPr/>
-        </p:nvSpPr>
-        <p:spPr bwMode="auto">
-          <a:xfrm rot="700766">
-            <a:off x="11023732" y="19579155"/>
-            <a:ext cx="1755918" cy="592460"/>
-          </a:xfrm>
-          <a:prstGeom prst="rightArrow">
-            <a:avLst/>
-          </a:prstGeom>
-          <a:solidFill>
-            <a:srgbClr val="6C5098"/>
-          </a:solidFill>
-          <a:ln w="9525" cap="flat" cmpd="sng" algn="ctr">
-            <a:solidFill>
-              <a:schemeClr val="tx1"/>
-            </a:solidFill>
-            <a:prstDash val="solid"/>
-            <a:round/>
-            <a:headEnd type="none" w="med" len="med"/>
-            <a:tailEnd type="none" w="med" len="med"/>
-          </a:ln>
-          <a:effectLst/>
-        </p:spPr>
-        <p:txBody>
-          <a:bodyPr vert="horz" wrap="square" lIns="91440" tIns="45720" rIns="91440" bIns="45720" numCol="1" rtlCol="0" anchor="t" anchorCtr="0" compatLnSpc="1">
-            <a:prstTxWarp prst="textNoShape">
-              <a:avLst/>
-            </a:prstTxWarp>
-          </a:bodyPr>
-          <a:lstStyle/>
-          <a:p>
-            <a:pPr marL="0" marR="0" indent="0" algn="l" defTabSz="914400" rtl="0" eaLnBrk="0" fontAlgn="base" latinLnBrk="0" hangingPunct="0">
-              <a:lnSpc>
-                <a:spcPct val="100000"/>
-              </a:lnSpc>
-              <a:spcBef>
-                <a:spcPct val="0"/>
-              </a:spcBef>
-              <a:spcAft>
-                <a:spcPct val="0"/>
-              </a:spcAft>
-              <a:buClrTx/>
-              <a:buSzTx/>
-              <a:buFontTx/>
-              <a:buNone/>
-              <a:tabLst/>
-            </a:pPr>
-            <a:endParaRPr kumimoji="0" lang="en-GB" sz="2400" b="0" i="0" u="none" strike="noStrike" cap="none" normalizeH="0" baseline="0">
-              <a:ln>
-                <a:noFill/>
-              </a:ln>
-              <a:solidFill>
-                <a:schemeClr val="tx1"/>
-              </a:solidFill>
-              <a:effectLst/>
-              <a:latin typeface="Arial" charset="0"/>
-              <a:ea typeface="ＭＳ Ｐゴシック" pitchFamily="1" charset="-128"/>
-            </a:endParaRPr>
-          </a:p>
-        </p:txBody>
-      </p:sp>
-      <p:sp>
-        <p:nvSpPr>
           <p:cNvPr id="70" name="TextBox 69">
             <a:extLst>
               <a:ext uri="{FF2B5EF4-FFF2-40B4-BE49-F238E27FC236}">
@@ -7891,13 +6525,13 @@
           <p:nvPr>
             <p:extLst>
               <p:ext uri="{D42A27DB-BD31-4B8C-83A1-F6EECF244321}">
-                <p14:modId xmlns:p14="http://schemas.microsoft.com/office/powerpoint/2010/main" val="2325352400"/>
+                <p14:modId xmlns:p14="http://schemas.microsoft.com/office/powerpoint/2010/main" val="3704338247"/>
               </p:ext>
             </p:extLst>
           </p:nvPr>
         </p:nvGraphicFramePr>
         <p:xfrm>
-          <a:off x="3224907" y="38738773"/>
+          <a:off x="3036743" y="38847190"/>
           <a:ext cx="12748538" cy="3708817"/>
         </p:xfrm>
         <a:graphic>
@@ -8272,6 +6906,544 @@
           </a:graphicData>
         </a:graphic>
       </p:graphicFrame>
+      <p:sp>
+        <p:nvSpPr>
+          <p:cNvPr id="65" name="Rectangle: Rounded Corners 64">
+            <a:extLst>
+              <a:ext uri="{FF2B5EF4-FFF2-40B4-BE49-F238E27FC236}">
+                <a16:creationId xmlns:a16="http://schemas.microsoft.com/office/drawing/2014/main" id="{9F06C41F-D8B9-4A5D-B4DD-B5F591A1886E}"/>
+              </a:ext>
+            </a:extLst>
+          </p:cNvPr>
+          <p:cNvSpPr/>
+          <p:nvPr/>
+        </p:nvSpPr>
+        <p:spPr bwMode="auto">
+          <a:xfrm>
+            <a:off x="2665541" y="18540934"/>
+            <a:ext cx="13307902" cy="6126934"/>
+          </a:xfrm>
+          <a:prstGeom prst="roundRect">
+            <a:avLst/>
+          </a:prstGeom>
+          <a:solidFill>
+            <a:schemeClr val="bg1"/>
+          </a:solidFill>
+          <a:ln w="9525" cap="flat" cmpd="sng" algn="ctr">
+            <a:solidFill>
+              <a:srgbClr val="6C5098"/>
+            </a:solidFill>
+            <a:prstDash val="solid"/>
+            <a:round/>
+            <a:headEnd type="none" w="med" len="med"/>
+            <a:tailEnd type="none" w="med" len="med"/>
+          </a:ln>
+          <a:effectLst/>
+        </p:spPr>
+        <p:txBody>
+          <a:bodyPr vert="horz" wrap="square" lIns="91440" tIns="45720" rIns="91440" bIns="45720" numCol="1" rtlCol="0" anchor="t" anchorCtr="0" compatLnSpc="1">
+            <a:prstTxWarp prst="textNoShape">
+              <a:avLst/>
+            </a:prstTxWarp>
+          </a:bodyPr>
+          <a:lstStyle/>
+          <a:p>
+            <a:pPr marL="0" marR="0" indent="0" algn="l" defTabSz="914400" rtl="0" eaLnBrk="0" fontAlgn="base" latinLnBrk="0" hangingPunct="0">
+              <a:lnSpc>
+                <a:spcPct val="100000"/>
+              </a:lnSpc>
+              <a:spcBef>
+                <a:spcPct val="0"/>
+              </a:spcBef>
+              <a:spcAft>
+                <a:spcPct val="0"/>
+              </a:spcAft>
+              <a:buClrTx/>
+              <a:buSzTx/>
+              <a:buFontTx/>
+              <a:buNone/>
+              <a:tabLst/>
+            </a:pPr>
+            <a:endParaRPr kumimoji="0" lang="en-GB" sz="2400" b="0" i="0" u="none" strike="noStrike" cap="none" normalizeH="0" baseline="0" dirty="0">
+              <a:ln>
+                <a:noFill/>
+              </a:ln>
+              <a:solidFill>
+                <a:schemeClr val="tx1"/>
+              </a:solidFill>
+              <a:effectLst/>
+              <a:latin typeface="Arial" charset="0"/>
+              <a:ea typeface="ＭＳ Ｐゴシック" pitchFamily="1" charset="-128"/>
+            </a:endParaRPr>
+          </a:p>
+        </p:txBody>
+      </p:sp>
+      <p:sp>
+        <p:nvSpPr>
+          <p:cNvPr id="81" name="Rectangle: Rounded Corners 80">
+            <a:extLst>
+              <a:ext uri="{FF2B5EF4-FFF2-40B4-BE49-F238E27FC236}">
+                <a16:creationId xmlns:a16="http://schemas.microsoft.com/office/drawing/2014/main" id="{EDBAF128-24EF-4522-AF5E-1A10635E21C2}"/>
+              </a:ext>
+            </a:extLst>
+          </p:cNvPr>
+          <p:cNvSpPr/>
+          <p:nvPr/>
+        </p:nvSpPr>
+        <p:spPr bwMode="auto">
+          <a:xfrm>
+            <a:off x="2665540" y="24899698"/>
+            <a:ext cx="13307902" cy="6306518"/>
+          </a:xfrm>
+          <a:prstGeom prst="roundRect">
+            <a:avLst/>
+          </a:prstGeom>
+          <a:solidFill>
+            <a:schemeClr val="bg1"/>
+          </a:solidFill>
+          <a:ln w="9525" cap="flat" cmpd="sng" algn="ctr">
+            <a:solidFill>
+              <a:srgbClr val="6C5098"/>
+            </a:solidFill>
+            <a:prstDash val="solid"/>
+            <a:round/>
+            <a:headEnd type="none" w="med" len="med"/>
+            <a:tailEnd type="none" w="med" len="med"/>
+          </a:ln>
+          <a:effectLst/>
+        </p:spPr>
+        <p:txBody>
+          <a:bodyPr vert="horz" wrap="square" lIns="91440" tIns="45720" rIns="91440" bIns="45720" numCol="1" rtlCol="0" anchor="t" anchorCtr="0" compatLnSpc="1">
+            <a:prstTxWarp prst="textNoShape">
+              <a:avLst/>
+            </a:prstTxWarp>
+          </a:bodyPr>
+          <a:lstStyle/>
+          <a:p>
+            <a:pPr marL="0" marR="0" indent="0" algn="l" defTabSz="914400" rtl="0" eaLnBrk="0" fontAlgn="base" latinLnBrk="0" hangingPunct="0">
+              <a:lnSpc>
+                <a:spcPct val="100000"/>
+              </a:lnSpc>
+              <a:spcBef>
+                <a:spcPct val="0"/>
+              </a:spcBef>
+              <a:spcAft>
+                <a:spcPct val="0"/>
+              </a:spcAft>
+              <a:buClrTx/>
+              <a:buSzTx/>
+              <a:buFontTx/>
+              <a:buNone/>
+              <a:tabLst/>
+            </a:pPr>
+            <a:endParaRPr kumimoji="0" lang="en-GB" sz="2400" b="0" i="0" u="none" strike="noStrike" cap="none" normalizeH="0" baseline="0" dirty="0">
+              <a:ln>
+                <a:noFill/>
+              </a:ln>
+              <a:solidFill>
+                <a:schemeClr val="tx1"/>
+              </a:solidFill>
+              <a:effectLst/>
+              <a:latin typeface="Arial" charset="0"/>
+              <a:ea typeface="ＭＳ Ｐゴシック" pitchFamily="1" charset="-128"/>
+            </a:endParaRPr>
+          </a:p>
+        </p:txBody>
+      </p:sp>
+      <p:sp>
+        <p:nvSpPr>
+          <p:cNvPr id="85" name="Rectangle: Rounded Corners 84">
+            <a:extLst>
+              <a:ext uri="{FF2B5EF4-FFF2-40B4-BE49-F238E27FC236}">
+                <a16:creationId xmlns:a16="http://schemas.microsoft.com/office/drawing/2014/main" id="{CB9920A1-AB77-41DC-BDEB-353470F1B378}"/>
+              </a:ext>
+            </a:extLst>
+          </p:cNvPr>
+          <p:cNvSpPr/>
+          <p:nvPr/>
+        </p:nvSpPr>
+        <p:spPr bwMode="auto">
+          <a:xfrm>
+            <a:off x="2665541" y="31386489"/>
+            <a:ext cx="13307902" cy="6308573"/>
+          </a:xfrm>
+          <a:prstGeom prst="roundRect">
+            <a:avLst/>
+          </a:prstGeom>
+          <a:solidFill>
+            <a:schemeClr val="bg1"/>
+          </a:solidFill>
+          <a:ln w="9525" cap="flat" cmpd="sng" algn="ctr">
+            <a:solidFill>
+              <a:srgbClr val="6C5098"/>
+            </a:solidFill>
+            <a:prstDash val="solid"/>
+            <a:round/>
+            <a:headEnd type="none" w="med" len="med"/>
+            <a:tailEnd type="none" w="med" len="med"/>
+          </a:ln>
+          <a:effectLst/>
+        </p:spPr>
+        <p:txBody>
+          <a:bodyPr vert="horz" wrap="square" lIns="91440" tIns="45720" rIns="91440" bIns="45720" numCol="1" rtlCol="0" anchor="t" anchorCtr="0" compatLnSpc="1">
+            <a:prstTxWarp prst="textNoShape">
+              <a:avLst/>
+            </a:prstTxWarp>
+          </a:bodyPr>
+          <a:lstStyle/>
+          <a:p>
+            <a:pPr marL="0" marR="0" indent="0" algn="l" defTabSz="914400" rtl="0" eaLnBrk="0" fontAlgn="base" latinLnBrk="0" hangingPunct="0">
+              <a:lnSpc>
+                <a:spcPct val="100000"/>
+              </a:lnSpc>
+              <a:spcBef>
+                <a:spcPct val="0"/>
+              </a:spcBef>
+              <a:spcAft>
+                <a:spcPct val="0"/>
+              </a:spcAft>
+              <a:buClrTx/>
+              <a:buSzTx/>
+              <a:buFontTx/>
+              <a:buNone/>
+              <a:tabLst/>
+            </a:pPr>
+            <a:endParaRPr kumimoji="0" lang="en-GB" sz="2400" b="0" i="0" u="none" strike="noStrike" cap="none" normalizeH="0" baseline="0" dirty="0">
+              <a:ln>
+                <a:noFill/>
+              </a:ln>
+              <a:solidFill>
+                <a:schemeClr val="tx1"/>
+              </a:solidFill>
+              <a:effectLst/>
+              <a:latin typeface="Arial" charset="0"/>
+              <a:ea typeface="ＭＳ Ｐゴシック" pitchFamily="1" charset="-128"/>
+            </a:endParaRPr>
+          </a:p>
+        </p:txBody>
+      </p:sp>
+      <p:sp>
+        <p:nvSpPr>
+          <p:cNvPr id="86" name="Rectangle: Rounded Corners 85">
+            <a:extLst>
+              <a:ext uri="{FF2B5EF4-FFF2-40B4-BE49-F238E27FC236}">
+                <a16:creationId xmlns:a16="http://schemas.microsoft.com/office/drawing/2014/main" id="{DDEB4AE3-A6D2-4998-AD89-CE08D3DF690E}"/>
+              </a:ext>
+            </a:extLst>
+          </p:cNvPr>
+          <p:cNvSpPr/>
+          <p:nvPr/>
+        </p:nvSpPr>
+        <p:spPr bwMode="auto">
+          <a:xfrm>
+            <a:off x="18214833" y="30228417"/>
+            <a:ext cx="13307903" cy="10116308"/>
+          </a:xfrm>
+          <a:prstGeom prst="roundRect">
+            <a:avLst/>
+          </a:prstGeom>
+          <a:solidFill>
+            <a:schemeClr val="bg1"/>
+          </a:solidFill>
+          <a:ln w="9525" cap="flat" cmpd="sng" algn="ctr">
+            <a:solidFill>
+              <a:srgbClr val="6C5098"/>
+            </a:solidFill>
+            <a:prstDash val="solid"/>
+            <a:round/>
+            <a:headEnd type="none" w="med" len="med"/>
+            <a:tailEnd type="none" w="med" len="med"/>
+          </a:ln>
+          <a:effectLst/>
+        </p:spPr>
+        <p:txBody>
+          <a:bodyPr vert="horz" wrap="square" lIns="91440" tIns="45720" rIns="91440" bIns="45720" numCol="1" rtlCol="0" anchor="t" anchorCtr="0" compatLnSpc="1">
+            <a:prstTxWarp prst="textNoShape">
+              <a:avLst/>
+            </a:prstTxWarp>
+          </a:bodyPr>
+          <a:lstStyle/>
+          <a:p>
+            <a:pPr marL="0" marR="0" indent="0" algn="l" defTabSz="914400" rtl="0" eaLnBrk="0" fontAlgn="base" latinLnBrk="0" hangingPunct="0">
+              <a:lnSpc>
+                <a:spcPct val="100000"/>
+              </a:lnSpc>
+              <a:spcBef>
+                <a:spcPct val="0"/>
+              </a:spcBef>
+              <a:spcAft>
+                <a:spcPct val="0"/>
+              </a:spcAft>
+              <a:buClrTx/>
+              <a:buSzTx/>
+              <a:buFontTx/>
+              <a:buNone/>
+              <a:tabLst/>
+            </a:pPr>
+            <a:endParaRPr kumimoji="0" lang="en-GB" sz="2400" b="0" i="0" u="none" strike="noStrike" cap="none" normalizeH="0" baseline="0" dirty="0">
+              <a:ln>
+                <a:noFill/>
+              </a:ln>
+              <a:solidFill>
+                <a:schemeClr val="tx1"/>
+              </a:solidFill>
+              <a:effectLst/>
+              <a:latin typeface="Arial" charset="0"/>
+              <a:ea typeface="ＭＳ Ｐゴシック" pitchFamily="1" charset="-128"/>
+            </a:endParaRPr>
+          </a:p>
+        </p:txBody>
+      </p:sp>
+      <p:pic>
+        <p:nvPicPr>
+          <p:cNvPr id="51" name="Picture 50" descr="A picture containing drawing&#10;&#10;Description automatically generated">
+            <a:extLst>
+              <a:ext uri="{FF2B5EF4-FFF2-40B4-BE49-F238E27FC236}">
+                <a16:creationId xmlns:a16="http://schemas.microsoft.com/office/drawing/2014/main" id="{EB922F53-BD98-4841-A12F-C78AB8BC1675}"/>
+              </a:ext>
+            </a:extLst>
+          </p:cNvPr>
+          <p:cNvPicPr>
+            <a:picLocks noChangeAspect="1"/>
+          </p:cNvPicPr>
+          <p:nvPr/>
+        </p:nvPicPr>
+        <p:blipFill>
+          <a:blip r:embed="rId11">
+            <a:extLst>
+              <a:ext uri="{28A0092B-C50C-407E-A947-70E740481C1C}">
+                <a14:useLocalDpi xmlns:a14="http://schemas.microsoft.com/office/drawing/2010/main" val="0"/>
+              </a:ext>
+            </a:extLst>
+          </a:blip>
+          <a:stretch>
+            <a:fillRect/>
+          </a:stretch>
+        </p:blipFill>
+        <p:spPr>
+          <a:xfrm>
+            <a:off x="4692999" y="31646390"/>
+            <a:ext cx="9436027" cy="2763408"/>
+          </a:xfrm>
+          <a:prstGeom prst="rect">
+            <a:avLst/>
+          </a:prstGeom>
+        </p:spPr>
+      </p:pic>
+      <p:pic>
+        <p:nvPicPr>
+          <p:cNvPr id="53" name="Graphic 52">
+            <a:extLst>
+              <a:ext uri="{FF2B5EF4-FFF2-40B4-BE49-F238E27FC236}">
+                <a16:creationId xmlns:a16="http://schemas.microsoft.com/office/drawing/2014/main" id="{07831D89-DC11-46AC-AD70-A90F6820CF82}"/>
+              </a:ext>
+            </a:extLst>
+          </p:cNvPr>
+          <p:cNvPicPr>
+            <a:picLocks noChangeAspect="1"/>
+          </p:cNvPicPr>
+          <p:nvPr/>
+        </p:nvPicPr>
+        <p:blipFill>
+          <a:blip r:embed="rId12">
+            <a:extLst>
+              <a:ext uri="{28A0092B-C50C-407E-A947-70E740481C1C}">
+                <a14:useLocalDpi xmlns:a14="http://schemas.microsoft.com/office/drawing/2010/main" val="0"/>
+              </a:ext>
+              <a:ext uri="{96DAC541-7B7A-43D3-8B79-37D633B846F1}">
+                <asvg:svgBlip xmlns:asvg="http://schemas.microsoft.com/office/drawing/2016/SVG/main" r:embed="rId13"/>
+              </a:ext>
+            </a:extLst>
+          </a:blip>
+          <a:stretch>
+            <a:fillRect/>
+          </a:stretch>
+        </p:blipFill>
+        <p:spPr>
+          <a:xfrm>
+            <a:off x="9834449" y="26003082"/>
+            <a:ext cx="6039162" cy="1453274"/>
+          </a:xfrm>
+          <a:prstGeom prst="rect">
+            <a:avLst/>
+          </a:prstGeom>
+        </p:spPr>
+      </p:pic>
+      <p:pic>
+        <p:nvPicPr>
+          <p:cNvPr id="7" name="Picture 6" descr="A picture containing clock&#10;&#10;Description automatically generated">
+            <a:extLst>
+              <a:ext uri="{FF2B5EF4-FFF2-40B4-BE49-F238E27FC236}">
+                <a16:creationId xmlns:a16="http://schemas.microsoft.com/office/drawing/2014/main" id="{4F4BC309-E76C-4067-B176-5E35013B0A9B}"/>
+              </a:ext>
+            </a:extLst>
+          </p:cNvPr>
+          <p:cNvPicPr>
+            <a:picLocks noChangeAspect="1"/>
+          </p:cNvPicPr>
+          <p:nvPr/>
+        </p:nvPicPr>
+        <p:blipFill rotWithShape="1">
+          <a:blip r:embed="rId14">
+            <a:extLst>
+              <a:ext uri="{28A0092B-C50C-407E-A947-70E740481C1C}">
+                <a14:useLocalDpi xmlns:a14="http://schemas.microsoft.com/office/drawing/2010/main" val="0"/>
+              </a:ext>
+            </a:extLst>
+          </a:blip>
+          <a:srcRect l="6557" t="46242" r="49457" b="6538"/>
+          <a:stretch/>
+        </p:blipFill>
+        <p:spPr>
+          <a:xfrm>
+            <a:off x="13008637" y="14683221"/>
+            <a:ext cx="2792966" cy="2251060"/>
+          </a:xfrm>
+          <a:prstGeom prst="rect">
+            <a:avLst/>
+          </a:prstGeom>
+        </p:spPr>
+      </p:pic>
+      <p:pic>
+        <p:nvPicPr>
+          <p:cNvPr id="17" name="Picture 16" descr="A picture containing remote&#10;&#10;Description automatically generated">
+            <a:extLst>
+              <a:ext uri="{FF2B5EF4-FFF2-40B4-BE49-F238E27FC236}">
+                <a16:creationId xmlns:a16="http://schemas.microsoft.com/office/drawing/2014/main" id="{FB6642AD-8A13-4C41-95A4-DA47CB163C14}"/>
+              </a:ext>
+            </a:extLst>
+          </p:cNvPr>
+          <p:cNvPicPr>
+            <a:picLocks noChangeAspect="1"/>
+          </p:cNvPicPr>
+          <p:nvPr/>
+        </p:nvPicPr>
+        <p:blipFill rotWithShape="1">
+          <a:blip r:embed="rId15">
+            <a:extLst>
+              <a:ext uri="{28A0092B-C50C-407E-A947-70E740481C1C}">
+                <a14:useLocalDpi xmlns:a14="http://schemas.microsoft.com/office/drawing/2010/main" val="0"/>
+              </a:ext>
+            </a:extLst>
+          </a:blip>
+          <a:srcRect l="24945" t="-297" r="41723" b="59968"/>
+          <a:stretch/>
+        </p:blipFill>
+        <p:spPr>
+          <a:xfrm>
+            <a:off x="3257098" y="18703070"/>
+            <a:ext cx="2516481" cy="2664046"/>
+          </a:xfrm>
+          <a:prstGeom prst="rect">
+            <a:avLst/>
+          </a:prstGeom>
+        </p:spPr>
+      </p:pic>
+      <p:pic>
+        <p:nvPicPr>
+          <p:cNvPr id="20" name="Picture 19" descr="A close up of a logo&#10;&#10;Description automatically generated">
+            <a:extLst>
+              <a:ext uri="{FF2B5EF4-FFF2-40B4-BE49-F238E27FC236}">
+                <a16:creationId xmlns:a16="http://schemas.microsoft.com/office/drawing/2014/main" id="{DD7996B2-49F6-4FCF-B8F0-3CE96A24B5FF}"/>
+              </a:ext>
+            </a:extLst>
+          </p:cNvPr>
+          <p:cNvPicPr>
+            <a:picLocks noChangeAspect="1"/>
+          </p:cNvPicPr>
+          <p:nvPr/>
+        </p:nvPicPr>
+        <p:blipFill rotWithShape="1">
+          <a:blip r:embed="rId16">
+            <a:extLst>
+              <a:ext uri="{28A0092B-C50C-407E-A947-70E740481C1C}">
+                <a14:useLocalDpi xmlns:a14="http://schemas.microsoft.com/office/drawing/2010/main" val="0"/>
+              </a:ext>
+            </a:extLst>
+          </a:blip>
+          <a:srcRect l="9377" t="18273" r="55882" b="63739"/>
+          <a:stretch/>
+        </p:blipFill>
+        <p:spPr>
+          <a:xfrm>
+            <a:off x="8115477" y="14554456"/>
+            <a:ext cx="3104789" cy="1354218"/>
+          </a:xfrm>
+          <a:prstGeom prst="rect">
+            <a:avLst/>
+          </a:prstGeom>
+        </p:spPr>
+      </p:pic>
+      <p:pic>
+        <p:nvPicPr>
+          <p:cNvPr id="32" name="Picture 31" descr="A picture containing drawing&#10;&#10;Description automatically generated">
+            <a:extLst>
+              <a:ext uri="{FF2B5EF4-FFF2-40B4-BE49-F238E27FC236}">
+                <a16:creationId xmlns:a16="http://schemas.microsoft.com/office/drawing/2014/main" id="{DF71E793-94AD-456F-BE1A-E517AEF82F4A}"/>
+              </a:ext>
+            </a:extLst>
+          </p:cNvPr>
+          <p:cNvPicPr>
+            <a:picLocks noChangeAspect="1"/>
+          </p:cNvPicPr>
+          <p:nvPr/>
+        </p:nvPicPr>
+        <p:blipFill rotWithShape="1">
+          <a:blip r:embed="rId17">
+            <a:extLst>
+              <a:ext uri="{28A0092B-C50C-407E-A947-70E740481C1C}">
+                <a14:useLocalDpi xmlns:a14="http://schemas.microsoft.com/office/drawing/2010/main" val="0"/>
+              </a:ext>
+            </a:extLst>
+          </a:blip>
+          <a:srcRect l="2426" t="78993" r="75470" b="7673"/>
+          <a:stretch/>
+        </p:blipFill>
+        <p:spPr>
+          <a:xfrm>
+            <a:off x="12777267" y="18747581"/>
+            <a:ext cx="3024336" cy="2529370"/>
+          </a:xfrm>
+          <a:prstGeom prst="snipRoundRect">
+            <a:avLst/>
+          </a:prstGeom>
+        </p:spPr>
+      </p:pic>
+      <p:pic>
+        <p:nvPicPr>
+          <p:cNvPr id="34" name="Picture 33" descr="A close up of a logo&#10;&#10;Description automatically generated">
+            <a:extLst>
+              <a:ext uri="{FF2B5EF4-FFF2-40B4-BE49-F238E27FC236}">
+                <a16:creationId xmlns:a16="http://schemas.microsoft.com/office/drawing/2014/main" id="{EED5F03A-6C47-4377-9022-611ED9490030}"/>
+              </a:ext>
+            </a:extLst>
+          </p:cNvPr>
+          <p:cNvPicPr>
+            <a:picLocks noChangeAspect="1"/>
+          </p:cNvPicPr>
+          <p:nvPr/>
+        </p:nvPicPr>
+        <p:blipFill rotWithShape="1">
+          <a:blip r:embed="rId18">
+            <a:extLst>
+              <a:ext uri="{28A0092B-C50C-407E-A947-70E740481C1C}">
+                <a14:useLocalDpi xmlns:a14="http://schemas.microsoft.com/office/drawing/2010/main" val="0"/>
+              </a:ext>
+            </a:extLst>
+          </a:blip>
+          <a:srcRect l="463" t="45343" r="73765" b="31712"/>
+          <a:stretch/>
+        </p:blipFill>
+        <p:spPr>
+          <a:xfrm>
+            <a:off x="7865507" y="18661167"/>
+            <a:ext cx="2792127" cy="2066252"/>
+          </a:xfrm>
+          <a:prstGeom prst="rect">
+            <a:avLst/>
+          </a:prstGeom>
+        </p:spPr>
+      </p:pic>
       <p:pic>
         <p:nvPicPr>
           <p:cNvPr id="74" name="Picture 73" descr="A picture containing table, indoor, sitting, cake&#10;&#10;Description automatically generated">
@@ -8287,7 +7459,7 @@
           <p:nvPr/>
         </p:nvPicPr>
         <p:blipFill>
-          <a:blip r:embed="rId21">
+          <a:blip r:embed="rId19">
             <a:extLst>
               <a:ext uri="{28A0092B-C50C-407E-A947-70E740481C1C}">
                 <a14:useLocalDpi xmlns:a14="http://schemas.microsoft.com/office/drawing/2010/main" val="0"/>
@@ -8318,6 +7490,197 @@
           </a:effectLst>
         </p:spPr>
       </p:pic>
+      <p:pic>
+        <p:nvPicPr>
+          <p:cNvPr id="83" name="Picture 2">
+            <a:extLst>
+              <a:ext uri="{FF2B5EF4-FFF2-40B4-BE49-F238E27FC236}">
+                <a16:creationId xmlns:a16="http://schemas.microsoft.com/office/drawing/2014/main" id="{F715BA96-317E-43E2-B0D9-7D61684619E5}"/>
+              </a:ext>
+            </a:extLst>
+          </p:cNvPr>
+          <p:cNvPicPr>
+            <a:picLocks noChangeAspect="1" noChangeArrowheads="1"/>
+          </p:cNvPicPr>
+          <p:nvPr/>
+        </p:nvPicPr>
+        <p:blipFill>
+          <a:blip r:embed="rId20">
+            <a:extLst>
+              <a:ext uri="{28A0092B-C50C-407E-A947-70E740481C1C}">
+                <a14:useLocalDpi xmlns:a14="http://schemas.microsoft.com/office/drawing/2010/main" val="0"/>
+              </a:ext>
+            </a:extLst>
+          </a:blip>
+          <a:srcRect/>
+          <a:stretch>
+            <a:fillRect/>
+          </a:stretch>
+        </p:blipFill>
+        <p:spPr bwMode="auto">
+          <a:xfrm>
+            <a:off x="3248999" y="25165670"/>
+            <a:ext cx="6490497" cy="2994985"/>
+          </a:xfrm>
+          <a:prstGeom prst="rect">
+            <a:avLst/>
+          </a:prstGeom>
+          <a:noFill/>
+          <a:extLst>
+            <a:ext uri="{909E8E84-426E-40DD-AFC4-6F175D3DCCD1}">
+              <a14:hiddenFill xmlns:a14="http://schemas.microsoft.com/office/drawing/2010/main">
+                <a:solidFill>
+                  <a:srgbClr val="FFFFFF"/>
+                </a:solidFill>
+              </a14:hiddenFill>
+            </a:ext>
+          </a:extLst>
+        </p:spPr>
+      </p:pic>
+      <p:sp>
+        <p:nvSpPr>
+          <p:cNvPr id="67" name="Arrow: Right 66">
+            <a:extLst>
+              <a:ext uri="{FF2B5EF4-FFF2-40B4-BE49-F238E27FC236}">
+                <a16:creationId xmlns:a16="http://schemas.microsoft.com/office/drawing/2014/main" id="{B7BF118F-202B-4A08-83A9-E3734815C270}"/>
+              </a:ext>
+            </a:extLst>
+          </p:cNvPr>
+          <p:cNvSpPr/>
+          <p:nvPr/>
+        </p:nvSpPr>
+        <p:spPr bwMode="auto">
+          <a:xfrm rot="20445938">
+            <a:off x="5884795" y="19521320"/>
+            <a:ext cx="1755918" cy="592460"/>
+          </a:xfrm>
+          <a:prstGeom prst="rightArrow">
+            <a:avLst/>
+          </a:prstGeom>
+          <a:solidFill>
+            <a:srgbClr val="6C5098"/>
+          </a:solidFill>
+          <a:ln w="9525" cap="flat" cmpd="sng" algn="ctr">
+            <a:solidFill>
+              <a:schemeClr val="tx1"/>
+            </a:solidFill>
+            <a:prstDash val="solid"/>
+            <a:round/>
+            <a:headEnd type="none" w="med" len="med"/>
+            <a:tailEnd type="none" w="med" len="med"/>
+          </a:ln>
+          <a:effectLst/>
+        </p:spPr>
+        <p:txBody>
+          <a:bodyPr vert="horz" wrap="square" lIns="91440" tIns="45720" rIns="91440" bIns="45720" numCol="1" rtlCol="0" anchor="t" anchorCtr="0" compatLnSpc="1">
+            <a:prstTxWarp prst="textNoShape">
+              <a:avLst/>
+            </a:prstTxWarp>
+          </a:bodyPr>
+          <a:lstStyle/>
+          <a:p>
+            <a:pPr marL="0" marR="0" indent="0" algn="l" defTabSz="914400" rtl="0" eaLnBrk="0" fontAlgn="base" latinLnBrk="0" hangingPunct="0">
+              <a:lnSpc>
+                <a:spcPct val="100000"/>
+              </a:lnSpc>
+              <a:spcBef>
+                <a:spcPct val="0"/>
+              </a:spcBef>
+              <a:spcAft>
+                <a:spcPct val="0"/>
+              </a:spcAft>
+              <a:buClrTx/>
+              <a:buSzTx/>
+              <a:buFontTx/>
+              <a:buNone/>
+              <a:tabLst/>
+            </a:pPr>
+            <a:endParaRPr kumimoji="0" lang="en-GB" sz="2400" b="0" i="0" u="none" strike="noStrike" cap="none" normalizeH="0" baseline="0">
+              <a:ln>
+                <a:noFill/>
+              </a:ln>
+              <a:solidFill>
+                <a:schemeClr val="tx1"/>
+              </a:solidFill>
+              <a:effectLst/>
+              <a:latin typeface="Arial" charset="0"/>
+              <a:ea typeface="ＭＳ Ｐゴシック" pitchFamily="1" charset="-128"/>
+            </a:endParaRPr>
+          </a:p>
+        </p:txBody>
+      </p:sp>
+      <p:sp>
+        <p:nvSpPr>
+          <p:cNvPr id="69" name="Arrow: Right 68">
+            <a:extLst>
+              <a:ext uri="{FF2B5EF4-FFF2-40B4-BE49-F238E27FC236}">
+                <a16:creationId xmlns:a16="http://schemas.microsoft.com/office/drawing/2014/main" id="{A66D563B-1809-4BC9-A4B4-4B2173DC54BD}"/>
+              </a:ext>
+            </a:extLst>
+          </p:cNvPr>
+          <p:cNvSpPr/>
+          <p:nvPr/>
+        </p:nvSpPr>
+        <p:spPr bwMode="auto">
+          <a:xfrm rot="700766">
+            <a:off x="11023732" y="19579155"/>
+            <a:ext cx="1755918" cy="592460"/>
+          </a:xfrm>
+          <a:prstGeom prst="rightArrow">
+            <a:avLst/>
+          </a:prstGeom>
+          <a:solidFill>
+            <a:srgbClr val="6C5098"/>
+          </a:solidFill>
+          <a:ln w="9525" cap="flat" cmpd="sng" algn="ctr">
+            <a:solidFill>
+              <a:schemeClr val="tx1"/>
+            </a:solidFill>
+            <a:prstDash val="solid"/>
+            <a:round/>
+            <a:headEnd type="none" w="med" len="med"/>
+            <a:tailEnd type="none" w="med" len="med"/>
+          </a:ln>
+          <a:effectLst/>
+        </p:spPr>
+        <p:txBody>
+          <a:bodyPr vert="horz" wrap="square" lIns="91440" tIns="45720" rIns="91440" bIns="45720" numCol="1" rtlCol="0" anchor="t" anchorCtr="0" compatLnSpc="1">
+            <a:prstTxWarp prst="textNoShape">
+              <a:avLst/>
+            </a:prstTxWarp>
+          </a:bodyPr>
+          <a:lstStyle/>
+          <a:p>
+            <a:pPr marL="0" marR="0" indent="0" algn="l" defTabSz="914400" rtl="0" eaLnBrk="0" fontAlgn="base" latinLnBrk="0" hangingPunct="0">
+              <a:lnSpc>
+                <a:spcPct val="100000"/>
+              </a:lnSpc>
+              <a:spcBef>
+                <a:spcPct val="0"/>
+              </a:spcBef>
+              <a:spcAft>
+                <a:spcPct val="0"/>
+              </a:spcAft>
+              <a:buClrTx/>
+              <a:buSzTx/>
+              <a:buFontTx/>
+              <a:buNone/>
+              <a:tabLst/>
+            </a:pPr>
+            <a:endParaRPr kumimoji="0" lang="en-GB" sz="2400" b="0" i="0" u="none" strike="noStrike" cap="none" normalizeH="0" baseline="0">
+              <a:ln>
+                <a:noFill/>
+              </a:ln>
+              <a:solidFill>
+                <a:schemeClr val="tx1"/>
+              </a:solidFill>
+              <a:effectLst/>
+              <a:latin typeface="Arial" charset="0"/>
+              <a:ea typeface="ＭＳ Ｐゴシック" pitchFamily="1" charset="-128"/>
+            </a:endParaRPr>
+          </a:p>
+        </p:txBody>
+      </p:sp>
       <p:graphicFrame>
         <p:nvGraphicFramePr>
           <p:cNvPr id="77" name="Table 18">
@@ -8333,7 +7696,7 @@
           <p:nvPr>
             <p:extLst>
               <p:ext uri="{D42A27DB-BD31-4B8C-83A1-F6EECF244321}">
-                <p14:modId xmlns:p14="http://schemas.microsoft.com/office/powerpoint/2010/main" val="4202030430"/>
+                <p14:modId xmlns:p14="http://schemas.microsoft.com/office/powerpoint/2010/main" val="3303295011"/>
               </p:ext>
             </p:extLst>
           </p:nvPr>
@@ -8405,6 +7768,26 @@
                     </a:p>
                   </a:txBody>
                   <a:tcPr>
+                    <a:lnL w="12700" cmpd="sng">
+                      <a:noFill/>
+                    </a:lnL>
+                    <a:lnR w="12700" cmpd="sng">
+                      <a:noFill/>
+                    </a:lnR>
+                    <a:lnT w="12700" cmpd="sng">
+                      <a:noFill/>
+                    </a:lnT>
+                    <a:lnB w="38100" cmpd="sng">
+                      <a:noFill/>
+                    </a:lnB>
+                    <a:lnTlToBr w="12700" cmpd="sng">
+                      <a:noFill/>
+                      <a:prstDash val="solid"/>
+                    </a:lnTlToBr>
+                    <a:lnBlToTr w="12700" cmpd="sng">
+                      <a:noFill/>
+                      <a:prstDash val="solid"/>
+                    </a:lnBlToTr>
                     <a:noFill/>
                   </a:tcPr>
                 </a:tc>
@@ -8539,6 +7922,26 @@
                     </a:p>
                   </a:txBody>
                   <a:tcPr>
+                    <a:lnL w="12700" cmpd="sng">
+                      <a:noFill/>
+                    </a:lnL>
+                    <a:lnR w="12700" cmpd="sng">
+                      <a:noFill/>
+                    </a:lnR>
+                    <a:lnT w="38100" cmpd="sng">
+                      <a:noFill/>
+                    </a:lnT>
+                    <a:lnB w="12700" cmpd="sng">
+                      <a:noFill/>
+                    </a:lnB>
+                    <a:lnTlToBr w="12700" cmpd="sng">
+                      <a:noFill/>
+                      <a:prstDash val="solid"/>
+                    </a:lnTlToBr>
+                    <a:lnBlToTr w="12700" cmpd="sng">
+                      <a:noFill/>
+                      <a:prstDash val="solid"/>
+                    </a:lnBlToTr>
                     <a:noFill/>
                   </a:tcPr>
                 </a:tc>
@@ -8652,6 +8055,26 @@
                     </a:p>
                   </a:txBody>
                   <a:tcPr>
+                    <a:lnL w="12700" cmpd="sng">
+                      <a:noFill/>
+                    </a:lnL>
+                    <a:lnR w="12700" cmpd="sng">
+                      <a:noFill/>
+                    </a:lnR>
+                    <a:lnT w="38100" cmpd="sng">
+                      <a:noFill/>
+                    </a:lnT>
+                    <a:lnB w="12700" cmpd="sng">
+                      <a:noFill/>
+                    </a:lnB>
+                    <a:lnTlToBr w="12700" cmpd="sng">
+                      <a:noFill/>
+                      <a:prstDash val="solid"/>
+                    </a:lnTlToBr>
+                    <a:lnBlToTr w="12700" cmpd="sng">
+                      <a:noFill/>
+                      <a:prstDash val="solid"/>
+                    </a:lnBlToTr>
                     <a:noFill/>
                   </a:tcPr>
                 </a:tc>
@@ -8734,6 +8157,26 @@
                     </a:p>
                   </a:txBody>
                   <a:tcPr>
+                    <a:lnL w="12700" cmpd="sng">
+                      <a:noFill/>
+                    </a:lnL>
+                    <a:lnR w="12700" cmpd="sng">
+                      <a:noFill/>
+                    </a:lnR>
+                    <a:lnT w="38100" cmpd="sng">
+                      <a:noFill/>
+                    </a:lnT>
+                    <a:lnB w="12700" cmpd="sng">
+                      <a:noFill/>
+                    </a:lnB>
+                    <a:lnTlToBr w="12700" cmpd="sng">
+                      <a:noFill/>
+                      <a:prstDash val="solid"/>
+                    </a:lnTlToBr>
+                    <a:lnBlToTr w="12700" cmpd="sng">
+                      <a:noFill/>
+                      <a:prstDash val="solid"/>
+                    </a:lnBlToTr>
                     <a:noFill/>
                   </a:tcPr>
                 </a:tc>
@@ -8749,85 +8192,1064 @@
       </p:graphicFrame>
       <p:sp>
         <p:nvSpPr>
-          <p:cNvPr id="65" name="Rectangle: Rounded Corners 64">
+          <p:cNvPr id="78" name="TextBox 77">
             <a:extLst>
               <a:ext uri="{FF2B5EF4-FFF2-40B4-BE49-F238E27FC236}">
-                <a16:creationId xmlns:a16="http://schemas.microsoft.com/office/drawing/2014/main" id="{9F06C41F-D8B9-4A5D-B4DD-B5F591A1886E}"/>
+                <a16:creationId xmlns:a16="http://schemas.microsoft.com/office/drawing/2014/main" id="{D87A0A6C-6B54-437E-9926-C97DE0DC85E1}"/>
+              </a:ext>
+            </a:extLst>
+          </p:cNvPr>
+          <p:cNvSpPr txBox="1"/>
+          <p:nvPr/>
+        </p:nvSpPr>
+        <p:spPr>
+          <a:xfrm>
+            <a:off x="2757063" y="28190006"/>
+            <a:ext cx="13307903" cy="3016210"/>
+          </a:xfrm>
+          <a:prstGeom prst="rect">
+            <a:avLst/>
+          </a:prstGeom>
+          <a:noFill/>
+        </p:spPr>
+        <p:txBody>
+          <a:bodyPr wrap="square" rtlCol="0">
+            <a:spAutoFit/>
+          </a:bodyPr>
+          <a:lstStyle/>
+          <a:p>
+            <a:pPr algn="ctr"/>
+            <a:r>
+              <a:rPr lang="en-US" sz="3800" b="1" dirty="0">
+                <a:solidFill>
+                  <a:srgbClr val="6C5098"/>
+                </a:solidFill>
+              </a:rPr>
+              <a:t>Radial basis function (RBF)</a:t>
+            </a:r>
+            <a:endParaRPr lang="en-GB" sz="3800" b="1" dirty="0">
+              <a:solidFill>
+                <a:srgbClr val="6C5098"/>
+              </a:solidFill>
+            </a:endParaRPr>
+          </a:p>
+          <a:p>
+            <a:pPr algn="ctr"/>
+            <a:r>
+              <a:rPr lang="fr-FR" sz="3800" dirty="0"/>
+              <a:t>est une fonction noyau de transformation permettant de trouver l’hyperplan séparateur adéquat en calculant plus efficacement les produits scalaires des projections des données.</a:t>
+            </a:r>
+          </a:p>
+        </p:txBody>
+      </p:sp>
+      <p:sp>
+        <p:nvSpPr>
+          <p:cNvPr id="79" name="TextBox 78">
+            <a:extLst>
+              <a:ext uri="{FF2B5EF4-FFF2-40B4-BE49-F238E27FC236}">
+                <a16:creationId xmlns:a16="http://schemas.microsoft.com/office/drawing/2014/main" id="{1D36B01D-440B-454A-B4F7-9AE59D7116E8}"/>
+              </a:ext>
+            </a:extLst>
+          </p:cNvPr>
+          <p:cNvSpPr txBox="1"/>
+          <p:nvPr/>
+        </p:nvSpPr>
+        <p:spPr>
+          <a:xfrm>
+            <a:off x="2792935" y="34526710"/>
+            <a:ext cx="13307903" cy="3016210"/>
+          </a:xfrm>
+          <a:prstGeom prst="rect">
+            <a:avLst/>
+          </a:prstGeom>
+          <a:noFill/>
+        </p:spPr>
+        <p:txBody>
+          <a:bodyPr wrap="square" rtlCol="0">
+            <a:spAutoFit/>
+          </a:bodyPr>
+          <a:lstStyle/>
+          <a:p>
+            <a:pPr algn="ctr"/>
+            <a:r>
+              <a:rPr lang="fr-FR" sz="3800" b="1" dirty="0">
+                <a:solidFill>
+                  <a:srgbClr val="6C5098"/>
+                </a:solidFill>
+              </a:rPr>
+              <a:t>One vs One</a:t>
+            </a:r>
+          </a:p>
+          <a:p>
+            <a:pPr algn="ctr"/>
+            <a:r>
+              <a:rPr lang="fr-FR" sz="3800" dirty="0"/>
+              <a:t>K (K - 1) / 2 classificateurs binaires sont créés. Au moment de la prédiction, un système de vote est appliqué, la classe qui a obtenu le plus grand nombre de prédictions est prédite par le classificateur combiné.</a:t>
+            </a:r>
+          </a:p>
+        </p:txBody>
+      </p:sp>
+      <p:pic>
+        <p:nvPicPr>
+          <p:cNvPr id="5" name="Picture 4" descr="A picture containing map, text&#10;&#10;Description automatically generated">
+            <a:extLst>
+              <a:ext uri="{FF2B5EF4-FFF2-40B4-BE49-F238E27FC236}">
+                <a16:creationId xmlns:a16="http://schemas.microsoft.com/office/drawing/2014/main" id="{62400BA3-48D7-4269-9F0D-EC4FD71B23C6}"/>
+              </a:ext>
+            </a:extLst>
+          </p:cNvPr>
+          <p:cNvPicPr>
+            <a:picLocks noChangeAspect="1"/>
+          </p:cNvPicPr>
+          <p:nvPr/>
+        </p:nvPicPr>
+        <p:blipFill>
+          <a:blip r:embed="rId21">
+            <a:extLst>
+              <a:ext uri="{28A0092B-C50C-407E-A947-70E740481C1C}">
+                <a14:useLocalDpi xmlns:a14="http://schemas.microsoft.com/office/drawing/2010/main" val="0"/>
+              </a:ext>
+            </a:extLst>
+          </a:blip>
+          <a:stretch>
+            <a:fillRect/>
+          </a:stretch>
+        </p:blipFill>
+        <p:spPr>
+          <a:xfrm>
+            <a:off x="18166610" y="14385802"/>
+            <a:ext cx="13185693" cy="3867099"/>
+          </a:xfrm>
+          <a:prstGeom prst="roundRect">
+            <a:avLst>
+              <a:gd name="adj" fmla="val 16667"/>
+            </a:avLst>
+          </a:prstGeom>
+          <a:ln>
+            <a:solidFill>
+              <a:srgbClr val="6C5098"/>
+            </a:solidFill>
+          </a:ln>
+          <a:effectLst>
+            <a:outerShdw blurRad="76200" dist="38100" dir="7800000" algn="tl" rotWithShape="0">
+              <a:srgbClr val="000000">
+                <a:alpha val="40000"/>
+              </a:srgbClr>
+            </a:outerShdw>
+          </a:effectLst>
+          <a:scene3d>
+            <a:camera prst="orthographicFront"/>
+            <a:lightRig rig="contrasting" dir="t">
+              <a:rot lat="0" lon="0" rev="4200000"/>
+            </a:lightRig>
+          </a:scene3d>
+          <a:sp3d prstMaterial="plastic">
+            <a:bevelT w="381000" h="114300" prst="relaxedInset"/>
+            <a:contourClr>
+              <a:srgbClr val="969696"/>
+            </a:contourClr>
+          </a:sp3d>
+        </p:spPr>
+      </p:pic>
+      <p:sp>
+        <p:nvSpPr>
+          <p:cNvPr id="12" name="Rectangle 11">
+            <a:extLst>
+              <a:ext uri="{FF2B5EF4-FFF2-40B4-BE49-F238E27FC236}">
+                <a16:creationId xmlns:a16="http://schemas.microsoft.com/office/drawing/2014/main" id="{29B13DE1-B03F-49D8-80FA-892FABC9A966}"/>
               </a:ext>
             </a:extLst>
           </p:cNvPr>
           <p:cNvSpPr/>
           <p:nvPr/>
         </p:nvSpPr>
-        <p:spPr bwMode="auto">
+        <p:spPr>
           <a:xfrm>
-            <a:off x="2665541" y="18540934"/>
-            <a:ext cx="13307902" cy="6126934"/>
+            <a:off x="23617348" y="13104448"/>
+            <a:ext cx="2406428" cy="1323439"/>
           </a:xfrm>
-          <a:prstGeom prst="roundRect">
+          <a:prstGeom prst="rect">
             <a:avLst/>
           </a:prstGeom>
           <a:noFill/>
-          <a:ln w="9525" cap="flat" cmpd="sng" algn="ctr">
-            <a:solidFill>
-              <a:srgbClr val="6C5098"/>
-            </a:solidFill>
-            <a:prstDash val="solid"/>
-            <a:round/>
-            <a:headEnd type="none" w="med" len="med"/>
-            <a:tailEnd type="none" w="med" len="med"/>
-          </a:ln>
-          <a:effectLst/>
         </p:spPr>
         <p:txBody>
-          <a:bodyPr vert="horz" wrap="square" lIns="91440" tIns="45720" rIns="91440" bIns="45720" numCol="1" rtlCol="0" anchor="t" anchorCtr="0" compatLnSpc="1">
-            <a:prstTxWarp prst="textNoShape">
-              <a:avLst/>
-            </a:prstTxWarp>
+          <a:bodyPr wrap="none" lIns="91440" tIns="45720" rIns="91440" bIns="45720">
+            <a:spAutoFit/>
           </a:bodyPr>
           <a:lstStyle/>
           <a:p>
-            <a:pPr marL="0" marR="0" indent="0" algn="l" defTabSz="914400" rtl="0" eaLnBrk="0" fontAlgn="base" latinLnBrk="0" hangingPunct="0">
-              <a:lnSpc>
-                <a:spcPct val="100000"/>
-              </a:lnSpc>
-              <a:spcBef>
-                <a:spcPct val="0"/>
-              </a:spcBef>
-              <a:spcAft>
-                <a:spcPct val="0"/>
-              </a:spcAft>
-              <a:buClrTx/>
-              <a:buSzTx/>
-              <a:buFontTx/>
-              <a:buNone/>
-              <a:tabLst/>
-            </a:pPr>
-            <a:endParaRPr kumimoji="0" lang="en-GB" sz="2400" b="0" i="0" u="none" strike="noStrike" cap="none" normalizeH="0" baseline="0" dirty="0">
-              <a:ln>
-                <a:noFill/>
+            <a:pPr algn="ctr"/>
+            <a:r>
+              <a:rPr lang="en-US" sz="8000" b="1" dirty="0">
+                <a:ln w="22225">
+                  <a:solidFill>
+                    <a:schemeClr val="accent2"/>
+                  </a:solidFill>
+                  <a:prstDash val="solid"/>
+                </a:ln>
+                <a:solidFill>
+                  <a:schemeClr val="accent2">
+                    <a:lumMod val="60000"/>
+                    <a:lumOff val="40000"/>
+                  </a:schemeClr>
+                </a:solidFill>
+              </a:rPr>
+              <a:t>CNN</a:t>
+            </a:r>
+            <a:endParaRPr lang="en-US" sz="8000" b="1" cap="none" spc="0" dirty="0">
+              <a:ln w="22225">
+                <a:solidFill>
+                  <a:schemeClr val="accent2"/>
+                </a:solidFill>
+                <a:prstDash val="solid"/>
               </a:ln>
               <a:solidFill>
-                <a:schemeClr val="tx1"/>
+                <a:schemeClr val="accent2">
+                  <a:lumMod val="60000"/>
+                  <a:lumOff val="40000"/>
+                </a:schemeClr>
               </a:solidFill>
               <a:effectLst/>
-              <a:latin typeface="Arial" charset="0"/>
-              <a:ea typeface="ＭＳ Ｐゴシック" pitchFamily="1" charset="-128"/>
             </a:endParaRPr>
           </a:p>
         </p:txBody>
       </p:sp>
+      <p:graphicFrame>
+        <p:nvGraphicFramePr>
+          <p:cNvPr id="11" name="Table 18">
+            <a:extLst>
+              <a:ext uri="{FF2B5EF4-FFF2-40B4-BE49-F238E27FC236}">
+                <a16:creationId xmlns:a16="http://schemas.microsoft.com/office/drawing/2014/main" id="{BCBAF032-1143-44B8-8A28-B9DB00CA3586}"/>
+              </a:ext>
+            </a:extLst>
+          </p:cNvPr>
+          <p:cNvGraphicFramePr>
+            <a:graphicFrameLocks noGrp="1"/>
+          </p:cNvGraphicFramePr>
+          <p:nvPr>
+            <p:extLst>
+              <p:ext uri="{D42A27DB-BD31-4B8C-83A1-F6EECF244321}">
+                <p14:modId xmlns:p14="http://schemas.microsoft.com/office/powerpoint/2010/main" val="736673978"/>
+              </p:ext>
+            </p:extLst>
+          </p:nvPr>
+        </p:nvGraphicFramePr>
+        <p:xfrm>
+          <a:off x="18112011" y="18843094"/>
+          <a:ext cx="13362502" cy="4568264"/>
+        </p:xfrm>
+        <a:graphic>
+          <a:graphicData uri="http://schemas.openxmlformats.org/drawingml/2006/table">
+            <a:tbl>
+              <a:tblPr firstRow="1" bandRow="1">
+                <a:tableStyleId>{5C22544A-7EE6-4342-B048-85BDC9FD1C3A}</a:tableStyleId>
+              </a:tblPr>
+              <a:tblGrid>
+                <a:gridCol w="6681251">
+                  <a:extLst>
+                    <a:ext uri="{9D8B030D-6E8A-4147-A177-3AD203B41FA5}">
+                      <a16:colId xmlns:a16="http://schemas.microsoft.com/office/drawing/2014/main" val="1643344713"/>
+                    </a:ext>
+                  </a:extLst>
+                </a:gridCol>
+                <a:gridCol w="6681251">
+                  <a:extLst>
+                    <a:ext uri="{9D8B030D-6E8A-4147-A177-3AD203B41FA5}">
+                      <a16:colId xmlns:a16="http://schemas.microsoft.com/office/drawing/2014/main" val="2838925563"/>
+                    </a:ext>
+                  </a:extLst>
+                </a:gridCol>
+              </a:tblGrid>
+              <a:tr h="1306904">
+                <a:tc gridSpan="2">
+                  <a:txBody>
+                    <a:bodyPr/>
+                    <a:lstStyle/>
+                    <a:p>
+                      <a:pPr algn="ctr"/>
+                      <a:r>
+                        <a:rPr lang="fr-FR" sz="3800" noProof="0" dirty="0">
+                          <a:solidFill>
+                            <a:srgbClr val="6C5098"/>
+                          </a:solidFill>
+                        </a:rPr>
+                        <a:t>Bloc Filtreur</a:t>
+                      </a:r>
+                    </a:p>
+                    <a:p>
+                      <a:pPr algn="ctr"/>
+                      <a:r>
+                        <a:rPr lang="fr-FR" sz="3800" b="0" dirty="0">
+                          <a:solidFill>
+                            <a:schemeClr val="tx1"/>
+                          </a:solidFill>
+                        </a:rPr>
+                        <a:t>extrait les caractéristiques des images.</a:t>
+                      </a:r>
+                    </a:p>
+                  </a:txBody>
+                  <a:tcPr>
+                    <a:lnL w="12700" cmpd="sng">
+                      <a:noFill/>
+                    </a:lnL>
+                    <a:lnR w="12700" cmpd="sng">
+                      <a:noFill/>
+                    </a:lnR>
+                    <a:lnT w="12700" cmpd="sng">
+                      <a:noFill/>
+                    </a:lnT>
+                    <a:lnB w="38100" cmpd="sng">
+                      <a:noFill/>
+                    </a:lnB>
+                    <a:lnTlToBr w="12700" cmpd="sng">
+                      <a:noFill/>
+                      <a:prstDash val="solid"/>
+                    </a:lnTlToBr>
+                    <a:lnBlToTr w="12700" cmpd="sng">
+                      <a:noFill/>
+                      <a:prstDash val="solid"/>
+                    </a:lnBlToTr>
+                    <a:noFill/>
+                  </a:tcPr>
+                </a:tc>
+                <a:tc hMerge="1">
+                  <a:txBody>
+                    <a:bodyPr/>
+                    <a:lstStyle/>
+                    <a:p>
+                      <a:endParaRPr lang="en-GB" dirty="0"/>
+                    </a:p>
+                  </a:txBody>
+                  <a:tcPr/>
+                </a:tc>
+                <a:extLst>
+                  <a:ext uri="{0D108BD9-81ED-4DB2-BD59-A6C34878D82A}">
+                    <a16:rowId xmlns:a16="http://schemas.microsoft.com/office/drawing/2014/main" val="1993528755"/>
+                  </a:ext>
+                </a:extLst>
+              </a:tr>
+              <a:tr h="3147864">
+                <a:tc>
+                  <a:txBody>
+                    <a:bodyPr/>
+                    <a:lstStyle/>
+                    <a:p>
+                      <a:pPr marL="0" marR="0" lvl="0" indent="0" algn="ctr" defTabSz="914400" rtl="0" eaLnBrk="0" fontAlgn="base" latinLnBrk="0" hangingPunct="0">
+                        <a:lnSpc>
+                          <a:spcPct val="100000"/>
+                        </a:lnSpc>
+                        <a:spcBef>
+                          <a:spcPct val="0"/>
+                        </a:spcBef>
+                        <a:spcAft>
+                          <a:spcPct val="0"/>
+                        </a:spcAft>
+                        <a:buClrTx/>
+                        <a:buSzTx/>
+                        <a:buFontTx/>
+                        <a:buNone/>
+                        <a:tabLst/>
+                        <a:defRPr/>
+                      </a:pPr>
+                      <a:r>
+                        <a:rPr kumimoji="0" lang="fr-FR" sz="3800" b="1" i="0" u="none" strike="noStrike" kern="1200" cap="none" spc="0" normalizeH="0" baseline="0" noProof="0" dirty="0">
+                          <a:ln>
+                            <a:noFill/>
+                          </a:ln>
+                          <a:solidFill>
+                            <a:srgbClr val="6C5098"/>
+                          </a:solidFill>
+                          <a:effectLst/>
+                          <a:uLnTx/>
+                          <a:uFillTx/>
+                          <a:latin typeface="Arial" charset="0"/>
+                          <a:ea typeface="ＭＳ Ｐゴシック" pitchFamily="34" charset="-128"/>
+                          <a:cs typeface="+mn-cs"/>
+                        </a:rPr>
+                        <a:t>La couche de convolution</a:t>
+                      </a:r>
+                      <a:r>
+                        <a:rPr kumimoji="0" lang="fr-FR" sz="3800" b="1" i="0" u="none" strike="noStrike" kern="1200" cap="none" spc="0" normalizeH="0" baseline="0" noProof="0" dirty="0">
+                          <a:ln>
+                            <a:noFill/>
+                          </a:ln>
+                          <a:solidFill>
+                            <a:srgbClr val="000000"/>
+                          </a:solidFill>
+                          <a:effectLst/>
+                          <a:uLnTx/>
+                          <a:uFillTx/>
+                          <a:latin typeface="Arial" charset="0"/>
+                          <a:ea typeface="ＭＳ Ｐゴシック" pitchFamily="34" charset="-128"/>
+                          <a:cs typeface="+mn-cs"/>
+                        </a:rPr>
+                        <a:t> </a:t>
+                      </a:r>
+                    </a:p>
+                    <a:p>
+                      <a:pPr marL="0" marR="0" lvl="0" indent="0" algn="ctr" defTabSz="914400" rtl="0" eaLnBrk="0" fontAlgn="base" latinLnBrk="0" hangingPunct="0">
+                        <a:lnSpc>
+                          <a:spcPct val="100000"/>
+                        </a:lnSpc>
+                        <a:spcBef>
+                          <a:spcPct val="0"/>
+                        </a:spcBef>
+                        <a:spcAft>
+                          <a:spcPct val="0"/>
+                        </a:spcAft>
+                        <a:buClrTx/>
+                        <a:buSzTx/>
+                        <a:buFontTx/>
+                        <a:buNone/>
+                        <a:tabLst/>
+                        <a:defRPr/>
+                      </a:pPr>
+                      <a:r>
+                        <a:rPr kumimoji="0" lang="fr-FR" sz="3800" b="0" i="0" u="none" strike="noStrike" kern="1200" cap="none" spc="0" normalizeH="0" baseline="0" noProof="0" dirty="0">
+                          <a:ln>
+                            <a:noFill/>
+                          </a:ln>
+                          <a:solidFill>
+                            <a:srgbClr val="000000"/>
+                          </a:solidFill>
+                          <a:effectLst/>
+                          <a:uLnTx/>
+                          <a:uFillTx/>
+                          <a:latin typeface="Arial" charset="0"/>
+                          <a:ea typeface="ＭＳ Ｐゴシック" pitchFamily="34" charset="-128"/>
+                          <a:cs typeface="+mn-cs"/>
+                        </a:rPr>
+                        <a:t>détecte la présence d'un ensemble de caractéristiques dans les images données en entrée.</a:t>
+                      </a:r>
+                    </a:p>
+                    <a:p>
+                      <a:endParaRPr lang="en-GB" dirty="0"/>
+                    </a:p>
+                  </a:txBody>
+                  <a:tcPr>
+                    <a:lnL w="12700" cmpd="sng">
+                      <a:noFill/>
+                    </a:lnL>
+                    <a:lnR w="12700" cmpd="sng">
+                      <a:noFill/>
+                    </a:lnR>
+                    <a:lnT w="38100" cmpd="sng">
+                      <a:noFill/>
+                    </a:lnT>
+                    <a:lnB w="12700" cmpd="sng">
+                      <a:noFill/>
+                    </a:lnB>
+                    <a:lnTlToBr w="12700" cmpd="sng">
+                      <a:noFill/>
+                      <a:prstDash val="solid"/>
+                    </a:lnTlToBr>
+                    <a:lnBlToTr w="12700" cmpd="sng">
+                      <a:noFill/>
+                      <a:prstDash val="solid"/>
+                    </a:lnBlToTr>
+                    <a:noFill/>
+                  </a:tcPr>
+                </a:tc>
+                <a:tc>
+                  <a:txBody>
+                    <a:bodyPr/>
+                    <a:lstStyle/>
+                    <a:p>
+                      <a:pPr marL="0" marR="0" lvl="0" indent="0" algn="ctr" defTabSz="914400" rtl="0" eaLnBrk="0" fontAlgn="base" latinLnBrk="0" hangingPunct="0">
+                        <a:lnSpc>
+                          <a:spcPct val="100000"/>
+                        </a:lnSpc>
+                        <a:spcBef>
+                          <a:spcPct val="0"/>
+                        </a:spcBef>
+                        <a:spcAft>
+                          <a:spcPct val="0"/>
+                        </a:spcAft>
+                        <a:buClrTx/>
+                        <a:buSzTx/>
+                        <a:buFontTx/>
+                        <a:buNone/>
+                        <a:tabLst/>
+                        <a:defRPr/>
+                      </a:pPr>
+                      <a:r>
+                        <a:rPr kumimoji="0" lang="fr-FR" sz="3800" b="1" i="0" u="none" strike="noStrike" kern="1200" cap="none" spc="0" normalizeH="0" baseline="0" noProof="0" dirty="0">
+                          <a:ln>
+                            <a:noFill/>
+                          </a:ln>
+                          <a:solidFill>
+                            <a:srgbClr val="6C5098"/>
+                          </a:solidFill>
+                          <a:effectLst/>
+                          <a:uLnTx/>
+                          <a:uFillTx/>
+                          <a:latin typeface="Arial" charset="0"/>
+                          <a:ea typeface="ＭＳ Ｐゴシック" pitchFamily="34" charset="-128"/>
+                          <a:cs typeface="+mn-cs"/>
+                        </a:rPr>
+                        <a:t>La couche de </a:t>
+                      </a:r>
+                      <a:r>
+                        <a:rPr kumimoji="0" lang="en-US" sz="3800" b="1" i="0" u="none" strike="noStrike" kern="1200" cap="none" spc="0" normalizeH="0" baseline="0" noProof="0" dirty="0">
+                          <a:ln>
+                            <a:noFill/>
+                          </a:ln>
+                          <a:solidFill>
+                            <a:srgbClr val="6C5098"/>
+                          </a:solidFill>
+                          <a:effectLst/>
+                          <a:uLnTx/>
+                          <a:uFillTx/>
+                          <a:latin typeface="Arial" charset="0"/>
+                          <a:ea typeface="ＭＳ Ｐゴシック" pitchFamily="34" charset="-128"/>
+                          <a:cs typeface="+mn-cs"/>
+                        </a:rPr>
+                        <a:t>pooling</a:t>
+                      </a:r>
+                      <a:endParaRPr kumimoji="0" lang="en-US" sz="3800" b="1" i="0" u="none" strike="noStrike" kern="1200" cap="none" spc="0" normalizeH="0" baseline="0" noProof="0" dirty="0">
+                        <a:ln>
+                          <a:noFill/>
+                        </a:ln>
+                        <a:solidFill>
+                          <a:srgbClr val="000000"/>
+                        </a:solidFill>
+                        <a:effectLst/>
+                        <a:uLnTx/>
+                        <a:uFillTx/>
+                        <a:latin typeface="Arial" charset="0"/>
+                        <a:ea typeface="ＭＳ Ｐゴシック" pitchFamily="34" charset="-128"/>
+                        <a:cs typeface="+mn-cs"/>
+                      </a:endParaRPr>
+                    </a:p>
+                    <a:p>
+                      <a:pPr marL="0" marR="0" lvl="0" indent="0" algn="ctr" defTabSz="914400" rtl="0" eaLnBrk="0" fontAlgn="base" latinLnBrk="0" hangingPunct="0">
+                        <a:lnSpc>
+                          <a:spcPct val="100000"/>
+                        </a:lnSpc>
+                        <a:spcBef>
+                          <a:spcPct val="0"/>
+                        </a:spcBef>
+                        <a:spcAft>
+                          <a:spcPct val="0"/>
+                        </a:spcAft>
+                        <a:buClrTx/>
+                        <a:buSzTx/>
+                        <a:buFontTx/>
+                        <a:buNone/>
+                        <a:tabLst/>
+                        <a:defRPr/>
+                      </a:pPr>
+                      <a:r>
+                        <a:rPr kumimoji="0" lang="fr-FR" sz="3800" b="0" i="0" u="none" strike="noStrike" kern="1200" cap="none" spc="0" normalizeH="0" baseline="0" noProof="0" dirty="0">
+                          <a:ln>
+                            <a:noFill/>
+                          </a:ln>
+                          <a:solidFill>
+                            <a:srgbClr val="000000"/>
+                          </a:solidFill>
+                          <a:effectLst/>
+                          <a:uLnTx/>
+                          <a:uFillTx/>
+                          <a:latin typeface="Arial" charset="0"/>
+                          <a:ea typeface="ＭＳ Ｐゴシック" pitchFamily="34" charset="-128"/>
+                          <a:cs typeface="+mn-cs"/>
+                        </a:rPr>
+                        <a:t>réduit la taille d'un ensemble de caractéristiques tout en préservant les plus importantes.</a:t>
+                      </a:r>
+                    </a:p>
+                    <a:p>
+                      <a:endParaRPr lang="en-GB" dirty="0"/>
+                    </a:p>
+                  </a:txBody>
+                  <a:tcPr>
+                    <a:lnL w="12700" cmpd="sng">
+                      <a:noFill/>
+                    </a:lnL>
+                    <a:lnR w="12700" cmpd="sng">
+                      <a:noFill/>
+                    </a:lnR>
+                    <a:lnT w="38100" cmpd="sng">
+                      <a:noFill/>
+                    </a:lnT>
+                    <a:lnB w="12700" cmpd="sng">
+                      <a:noFill/>
+                    </a:lnB>
+                    <a:lnTlToBr w="12700" cmpd="sng">
+                      <a:noFill/>
+                      <a:prstDash val="solid"/>
+                    </a:lnTlToBr>
+                    <a:lnBlToTr w="12700" cmpd="sng">
+                      <a:noFill/>
+                      <a:prstDash val="solid"/>
+                    </a:lnBlToTr>
+                    <a:noFill/>
+                  </a:tcPr>
+                </a:tc>
+                <a:extLst>
+                  <a:ext uri="{0D108BD9-81ED-4DB2-BD59-A6C34878D82A}">
+                    <a16:rowId xmlns:a16="http://schemas.microsoft.com/office/drawing/2014/main" val="2872119397"/>
+                  </a:ext>
+                </a:extLst>
+              </a:tr>
+            </a:tbl>
+          </a:graphicData>
+        </a:graphic>
+      </p:graphicFrame>
+      <p:graphicFrame>
+        <p:nvGraphicFramePr>
+          <p:cNvPr id="46" name="Table 18">
+            <a:extLst>
+              <a:ext uri="{FF2B5EF4-FFF2-40B4-BE49-F238E27FC236}">
+                <a16:creationId xmlns:a16="http://schemas.microsoft.com/office/drawing/2014/main" id="{AA2B973D-9A5C-4F9D-93D8-F7CCFDC59497}"/>
+              </a:ext>
+            </a:extLst>
+          </p:cNvPr>
+          <p:cNvGraphicFramePr>
+            <a:graphicFrameLocks noGrp="1"/>
+          </p:cNvGraphicFramePr>
+          <p:nvPr>
+            <p:extLst>
+              <p:ext uri="{D42A27DB-BD31-4B8C-83A1-F6EECF244321}">
+                <p14:modId xmlns:p14="http://schemas.microsoft.com/office/powerpoint/2010/main" val="1447790005"/>
+              </p:ext>
+            </p:extLst>
+          </p:nvPr>
+        </p:nvGraphicFramePr>
+        <p:xfrm>
+          <a:off x="18050451" y="23897064"/>
+          <a:ext cx="13362502" cy="5685150"/>
+        </p:xfrm>
+        <a:graphic>
+          <a:graphicData uri="http://schemas.openxmlformats.org/drawingml/2006/table">
+            <a:tbl>
+              <a:tblPr firstRow="1" bandRow="1">
+                <a:tableStyleId>{5C22544A-7EE6-4342-B048-85BDC9FD1C3A}</a:tableStyleId>
+              </a:tblPr>
+              <a:tblGrid>
+                <a:gridCol w="6681251">
+                  <a:extLst>
+                    <a:ext uri="{9D8B030D-6E8A-4147-A177-3AD203B41FA5}">
+                      <a16:colId xmlns:a16="http://schemas.microsoft.com/office/drawing/2014/main" val="1643344713"/>
+                    </a:ext>
+                  </a:extLst>
+                </a:gridCol>
+                <a:gridCol w="6681251">
+                  <a:extLst>
+                    <a:ext uri="{9D8B030D-6E8A-4147-A177-3AD203B41FA5}">
+                      <a16:colId xmlns:a16="http://schemas.microsoft.com/office/drawing/2014/main" val="2838925563"/>
+                    </a:ext>
+                  </a:extLst>
+                </a:gridCol>
+              </a:tblGrid>
+              <a:tr h="1844670">
+                <a:tc gridSpan="2">
+                  <a:txBody>
+                    <a:bodyPr/>
+                    <a:lstStyle/>
+                    <a:p>
+                      <a:pPr algn="ctr"/>
+                      <a:r>
+                        <a:rPr lang="fr-FR" sz="3800" noProof="0" dirty="0">
+                          <a:solidFill>
+                            <a:srgbClr val="6C5098"/>
+                          </a:solidFill>
+                        </a:rPr>
+                        <a:t>Bloc Classifieur</a:t>
+                      </a:r>
+                    </a:p>
+                    <a:p>
+                      <a:pPr algn="ctr"/>
+                      <a:r>
+                        <a:rPr lang="fr-FR" sz="3800" b="0" dirty="0">
+                          <a:solidFill>
+                            <a:schemeClr val="tx1"/>
+                          </a:solidFill>
+                        </a:rPr>
+                        <a:t>  étant donné les caractéristiques des images,</a:t>
+                      </a:r>
+                    </a:p>
+                    <a:p>
+                      <a:pPr algn="ctr"/>
+                      <a:r>
+                        <a:rPr lang="fr-FR" sz="3800" b="0" dirty="0">
+                          <a:solidFill>
+                            <a:schemeClr val="tx1"/>
+                          </a:solidFill>
+                        </a:rPr>
+                        <a:t>détermine à quelle classe appartient l'image.</a:t>
+                      </a:r>
+                      <a:endParaRPr lang="en-GB" sz="3800" b="0" dirty="0">
+                        <a:solidFill>
+                          <a:schemeClr val="tx1"/>
+                        </a:solidFill>
+                      </a:endParaRPr>
+                    </a:p>
+                  </a:txBody>
+                  <a:tcPr>
+                    <a:lnL w="12700" cmpd="sng">
+                      <a:noFill/>
+                    </a:lnL>
+                    <a:lnR w="12700" cmpd="sng">
+                      <a:noFill/>
+                    </a:lnR>
+                    <a:lnT w="12700" cmpd="sng">
+                      <a:noFill/>
+                    </a:lnT>
+                    <a:lnB w="38100" cmpd="sng">
+                      <a:noFill/>
+                    </a:lnB>
+                    <a:lnTlToBr w="12700" cmpd="sng">
+                      <a:noFill/>
+                      <a:prstDash val="solid"/>
+                    </a:lnTlToBr>
+                    <a:lnBlToTr w="12700" cmpd="sng">
+                      <a:noFill/>
+                      <a:prstDash val="solid"/>
+                    </a:lnBlToTr>
+                    <a:noFill/>
+                  </a:tcPr>
+                </a:tc>
+                <a:tc hMerge="1">
+                  <a:txBody>
+                    <a:bodyPr/>
+                    <a:lstStyle/>
+                    <a:p>
+                      <a:endParaRPr lang="en-GB" dirty="0"/>
+                    </a:p>
+                  </a:txBody>
+                  <a:tcPr/>
+                </a:tc>
+                <a:extLst>
+                  <a:ext uri="{0D108BD9-81ED-4DB2-BD59-A6C34878D82A}">
+                    <a16:rowId xmlns:a16="http://schemas.microsoft.com/office/drawing/2014/main" val="1993528755"/>
+                  </a:ext>
+                </a:extLst>
+              </a:tr>
+              <a:tr h="3469237">
+                <a:tc>
+                  <a:txBody>
+                    <a:bodyPr/>
+                    <a:lstStyle/>
+                    <a:p>
+                      <a:pPr marL="0" marR="0" lvl="0" indent="0" algn="ctr" defTabSz="914400" rtl="0" eaLnBrk="0" fontAlgn="base" latinLnBrk="0" hangingPunct="0">
+                        <a:lnSpc>
+                          <a:spcPct val="100000"/>
+                        </a:lnSpc>
+                        <a:spcBef>
+                          <a:spcPct val="0"/>
+                        </a:spcBef>
+                        <a:spcAft>
+                          <a:spcPct val="0"/>
+                        </a:spcAft>
+                        <a:buClrTx/>
+                        <a:buSzTx/>
+                        <a:buFontTx/>
+                        <a:buNone/>
+                        <a:tabLst/>
+                        <a:defRPr/>
+                      </a:pPr>
+                      <a:r>
+                        <a:rPr kumimoji="0" lang="fr-FR" sz="3800" b="1" i="0" u="none" strike="noStrike" kern="1200" cap="none" spc="0" normalizeH="0" baseline="0" noProof="0" dirty="0">
+                          <a:ln>
+                            <a:noFill/>
+                          </a:ln>
+                          <a:solidFill>
+                            <a:srgbClr val="6C5098"/>
+                          </a:solidFill>
+                          <a:effectLst/>
+                          <a:uLnTx/>
+                          <a:uFillTx/>
+                          <a:latin typeface="Arial" charset="0"/>
+                          <a:ea typeface="ＭＳ Ｐゴシック" pitchFamily="34" charset="-128"/>
+                          <a:cs typeface="+mn-cs"/>
+                        </a:rPr>
+                        <a:t>La couche de correction ReLU</a:t>
+                      </a:r>
+                    </a:p>
+                    <a:p>
+                      <a:pPr marL="0" marR="0" lvl="0" indent="0" algn="ctr" defTabSz="914400" rtl="0" eaLnBrk="0" fontAlgn="base" latinLnBrk="0" hangingPunct="0">
+                        <a:lnSpc>
+                          <a:spcPct val="100000"/>
+                        </a:lnSpc>
+                        <a:spcBef>
+                          <a:spcPct val="0"/>
+                        </a:spcBef>
+                        <a:spcAft>
+                          <a:spcPct val="0"/>
+                        </a:spcAft>
+                        <a:buClrTx/>
+                        <a:buSzTx/>
+                        <a:buFontTx/>
+                        <a:buNone/>
+                        <a:tabLst/>
+                        <a:defRPr/>
+                      </a:pPr>
+                      <a:endParaRPr kumimoji="0" lang="fr-FR" sz="3800" b="0" i="0" u="none" strike="noStrike" kern="1200" cap="none" spc="0" normalizeH="0" baseline="0" noProof="0" dirty="0">
+                        <a:ln>
+                          <a:noFill/>
+                        </a:ln>
+                        <a:solidFill>
+                          <a:srgbClr val="000000"/>
+                        </a:solidFill>
+                        <a:effectLst/>
+                        <a:uLnTx/>
+                        <a:uFillTx/>
+                        <a:latin typeface="Arial" charset="0"/>
+                        <a:ea typeface="ＭＳ Ｐゴシック" pitchFamily="34" charset="-128"/>
+                        <a:cs typeface="+mn-cs"/>
+                      </a:endParaRPr>
+                    </a:p>
+                    <a:p>
+                      <a:pPr marL="0" marR="0" lvl="0" indent="0" algn="ctr" defTabSz="914400" rtl="0" eaLnBrk="0" fontAlgn="base" latinLnBrk="0" hangingPunct="0">
+                        <a:lnSpc>
+                          <a:spcPct val="100000"/>
+                        </a:lnSpc>
+                        <a:spcBef>
+                          <a:spcPct val="0"/>
+                        </a:spcBef>
+                        <a:spcAft>
+                          <a:spcPct val="0"/>
+                        </a:spcAft>
+                        <a:buClrTx/>
+                        <a:buSzTx/>
+                        <a:buFontTx/>
+                        <a:buNone/>
+                        <a:tabLst/>
+                        <a:defRPr/>
+                      </a:pPr>
+                      <a:r>
+                        <a:rPr kumimoji="0" lang="fr-FR" sz="3800" b="0" i="0" u="none" strike="noStrike" kern="1200" cap="none" spc="0" normalizeH="0" baseline="0" noProof="0" dirty="0">
+                          <a:ln>
+                            <a:noFill/>
+                          </a:ln>
+                          <a:solidFill>
+                            <a:srgbClr val="000000"/>
+                          </a:solidFill>
+                          <a:effectLst/>
+                          <a:uLnTx/>
+                          <a:uFillTx/>
+                          <a:latin typeface="Arial" charset="0"/>
+                          <a:ea typeface="ＭＳ Ｐゴシック" pitchFamily="34" charset="-128"/>
+                          <a:cs typeface="+mn-cs"/>
+                        </a:rPr>
+                        <a:t>est une fonction d’activation, remplace les valeurs négatives par des zéros.</a:t>
+                      </a:r>
+                      <a:endParaRPr kumimoji="0" lang="fr-FR" sz="3800" b="1" i="0" u="none" strike="noStrike" kern="1200" cap="none" spc="0" normalizeH="0" baseline="0" noProof="0" dirty="0">
+                        <a:ln>
+                          <a:noFill/>
+                        </a:ln>
+                        <a:solidFill>
+                          <a:srgbClr val="000000"/>
+                        </a:solidFill>
+                        <a:effectLst/>
+                        <a:uLnTx/>
+                        <a:uFillTx/>
+                        <a:latin typeface="Arial" charset="0"/>
+                        <a:ea typeface="ＭＳ Ｐゴシック" pitchFamily="34" charset="-128"/>
+                        <a:cs typeface="+mn-cs"/>
+                      </a:endParaRPr>
+                    </a:p>
+                    <a:p>
+                      <a:endParaRPr lang="en-GB" dirty="0"/>
+                    </a:p>
+                  </a:txBody>
+                  <a:tcPr>
+                    <a:lnL w="12700" cmpd="sng">
+                      <a:noFill/>
+                    </a:lnL>
+                    <a:lnR w="12700" cmpd="sng">
+                      <a:noFill/>
+                    </a:lnR>
+                    <a:lnT w="38100" cmpd="sng">
+                      <a:noFill/>
+                    </a:lnT>
+                    <a:lnB w="12700" cmpd="sng">
+                      <a:noFill/>
+                    </a:lnB>
+                    <a:lnTlToBr w="12700" cmpd="sng">
+                      <a:noFill/>
+                      <a:prstDash val="solid"/>
+                    </a:lnTlToBr>
+                    <a:lnBlToTr w="12700" cmpd="sng">
+                      <a:noFill/>
+                      <a:prstDash val="solid"/>
+                    </a:lnBlToTr>
+                    <a:noFill/>
+                  </a:tcPr>
+                </a:tc>
+                <a:tc>
+                  <a:txBody>
+                    <a:bodyPr/>
+                    <a:lstStyle/>
+                    <a:p>
+                      <a:pPr marL="0" marR="0" lvl="0" indent="0" algn="ctr" defTabSz="914400" rtl="0" eaLnBrk="0" fontAlgn="base" latinLnBrk="0" hangingPunct="0">
+                        <a:lnSpc>
+                          <a:spcPct val="100000"/>
+                        </a:lnSpc>
+                        <a:spcBef>
+                          <a:spcPct val="0"/>
+                        </a:spcBef>
+                        <a:spcAft>
+                          <a:spcPct val="0"/>
+                        </a:spcAft>
+                        <a:buClrTx/>
+                        <a:buSzTx/>
+                        <a:buFontTx/>
+                        <a:buNone/>
+                        <a:tabLst/>
+                        <a:defRPr/>
+                      </a:pPr>
+                      <a:r>
+                        <a:rPr kumimoji="0" lang="fr-FR" sz="3800" b="1" i="0" u="none" strike="noStrike" kern="1200" cap="none" spc="0" normalizeH="0" baseline="0" noProof="0" dirty="0">
+                          <a:ln>
+                            <a:noFill/>
+                          </a:ln>
+                          <a:solidFill>
+                            <a:srgbClr val="6C5098"/>
+                          </a:solidFill>
+                          <a:effectLst/>
+                          <a:uLnTx/>
+                          <a:uFillTx/>
+                          <a:latin typeface="Arial" charset="0"/>
+                          <a:ea typeface="ＭＳ Ｐゴシック" pitchFamily="34" charset="-128"/>
+                          <a:cs typeface="+mn-cs"/>
+                        </a:rPr>
+                        <a:t>La couche fully-connected</a:t>
+                      </a:r>
+                    </a:p>
+                    <a:p>
+                      <a:pPr marL="0" marR="0" lvl="0" indent="0" algn="ctr" defTabSz="914400" rtl="0" eaLnBrk="0" fontAlgn="base" latinLnBrk="0" hangingPunct="0">
+                        <a:lnSpc>
+                          <a:spcPct val="100000"/>
+                        </a:lnSpc>
+                        <a:spcBef>
+                          <a:spcPct val="0"/>
+                        </a:spcBef>
+                        <a:spcAft>
+                          <a:spcPct val="0"/>
+                        </a:spcAft>
+                        <a:buClrTx/>
+                        <a:buSzTx/>
+                        <a:buFontTx/>
+                        <a:buNone/>
+                        <a:tabLst/>
+                        <a:defRPr/>
+                      </a:pPr>
+                      <a:endParaRPr kumimoji="0" lang="fr-FR" sz="3800" b="0" i="0" u="none" strike="noStrike" kern="1200" cap="none" spc="0" normalizeH="0" baseline="0" noProof="0" dirty="0">
+                        <a:ln>
+                          <a:noFill/>
+                        </a:ln>
+                        <a:solidFill>
+                          <a:srgbClr val="000000"/>
+                        </a:solidFill>
+                        <a:effectLst/>
+                        <a:uLnTx/>
+                        <a:uFillTx/>
+                        <a:latin typeface="Arial" charset="0"/>
+                        <a:ea typeface="ＭＳ Ｐゴシック" pitchFamily="34" charset="-128"/>
+                        <a:cs typeface="+mn-cs"/>
+                      </a:endParaRPr>
+                    </a:p>
+                    <a:p>
+                      <a:pPr marL="0" marR="0" lvl="0" indent="0" algn="ctr" defTabSz="914400" rtl="0" eaLnBrk="0" fontAlgn="base" latinLnBrk="0" hangingPunct="0">
+                        <a:lnSpc>
+                          <a:spcPct val="100000"/>
+                        </a:lnSpc>
+                        <a:spcBef>
+                          <a:spcPct val="0"/>
+                        </a:spcBef>
+                        <a:spcAft>
+                          <a:spcPct val="0"/>
+                        </a:spcAft>
+                        <a:buClrTx/>
+                        <a:buSzTx/>
+                        <a:buFontTx/>
+                        <a:buNone/>
+                        <a:tabLst/>
+                        <a:defRPr/>
+                      </a:pPr>
+                      <a:r>
+                        <a:rPr kumimoji="0" lang="fr-FR" sz="3800" b="0" i="0" u="none" strike="noStrike" kern="1200" cap="none" spc="0" normalizeH="0" baseline="0" noProof="0" dirty="0">
+                          <a:ln>
+                            <a:noFill/>
+                          </a:ln>
+                          <a:solidFill>
+                            <a:srgbClr val="000000"/>
+                          </a:solidFill>
+                          <a:effectLst/>
+                          <a:uLnTx/>
+                          <a:uFillTx/>
+                          <a:latin typeface="Arial" charset="0"/>
+                          <a:ea typeface="ＭＳ Ｐゴシック" pitchFamily="34" charset="-128"/>
+                          <a:cs typeface="+mn-cs"/>
+                        </a:rPr>
+                        <a:t>transforme un vecteur en un autre en appliquant une combinaison linéaire avec ou sans fonction d’activation.</a:t>
+                      </a:r>
+                      <a:endParaRPr kumimoji="0" lang="fr-FR" sz="3800" b="1" i="0" u="none" strike="noStrike" kern="1200" cap="none" spc="0" normalizeH="0" baseline="0" noProof="0" dirty="0">
+                        <a:ln>
+                          <a:noFill/>
+                        </a:ln>
+                        <a:solidFill>
+                          <a:srgbClr val="000000"/>
+                        </a:solidFill>
+                        <a:effectLst/>
+                        <a:uLnTx/>
+                        <a:uFillTx/>
+                        <a:latin typeface="Arial" charset="0"/>
+                        <a:ea typeface="ＭＳ Ｐゴシック" pitchFamily="34" charset="-128"/>
+                        <a:cs typeface="+mn-cs"/>
+                      </a:endParaRPr>
+                    </a:p>
+                    <a:p>
+                      <a:endParaRPr lang="en-GB" dirty="0"/>
+                    </a:p>
+                  </a:txBody>
+                  <a:tcPr>
+                    <a:lnL w="12700" cmpd="sng">
+                      <a:noFill/>
+                    </a:lnL>
+                    <a:lnR w="12700" cmpd="sng">
+                      <a:noFill/>
+                    </a:lnR>
+                    <a:lnT w="38100" cmpd="sng">
+                      <a:noFill/>
+                    </a:lnT>
+                    <a:lnB w="12700" cmpd="sng">
+                      <a:noFill/>
+                    </a:lnB>
+                    <a:lnTlToBr w="12700" cmpd="sng">
+                      <a:noFill/>
+                      <a:prstDash val="solid"/>
+                    </a:lnTlToBr>
+                    <a:lnBlToTr w="12700" cmpd="sng">
+                      <a:noFill/>
+                      <a:prstDash val="solid"/>
+                    </a:lnBlToTr>
+                    <a:noFill/>
+                  </a:tcPr>
+                </a:tc>
+                <a:extLst>
+                  <a:ext uri="{0D108BD9-81ED-4DB2-BD59-A6C34878D82A}">
+                    <a16:rowId xmlns:a16="http://schemas.microsoft.com/office/drawing/2014/main" val="2872119397"/>
+                  </a:ext>
+                </a:extLst>
+              </a:tr>
+            </a:tbl>
+          </a:graphicData>
+        </a:graphic>
+      </p:graphicFrame>
       <p:pic>
         <p:nvPicPr>
-          <p:cNvPr id="83" name="Picture 2">
+          <p:cNvPr id="8" name="Picture 7" descr="A screenshot of a cell phone&#10;&#10;Description automatically generated">
             <a:extLst>
               <a:ext uri="{FF2B5EF4-FFF2-40B4-BE49-F238E27FC236}">
-                <a16:creationId xmlns:a16="http://schemas.microsoft.com/office/drawing/2014/main" id="{F715BA96-317E-43E2-B0D9-7D61684619E5}"/>
+                <a16:creationId xmlns:a16="http://schemas.microsoft.com/office/drawing/2014/main" id="{A14AD4C3-93BF-432E-9860-A92EFC207D59}"/>
               </a:ext>
             </a:extLst>
           </p:cNvPr>
           <p:cNvPicPr>
-            <a:picLocks noChangeAspect="1" noChangeArrowheads="1"/>
+            <a:picLocks noChangeAspect="1"/>
           </p:cNvPicPr>
           <p:nvPr/>
         </p:nvPicPr>
@@ -8839,238 +9261,64 @@
               </a:ext>
             </a:extLst>
           </a:blip>
-          <a:srcRect/>
           <a:stretch>
             <a:fillRect/>
           </a:stretch>
         </p:blipFill>
-        <p:spPr bwMode="auto">
+        <p:spPr>
           <a:xfrm>
-            <a:off x="3248999" y="25165670"/>
-            <a:ext cx="6490497" cy="2994985"/>
+            <a:off x="19824089" y="30307232"/>
+            <a:ext cx="9815225" cy="6811766"/>
+          </a:xfrm>
+          <a:prstGeom prst="rect">
+            <a:avLst/>
+          </a:prstGeom>
+        </p:spPr>
+      </p:pic>
+      <p:sp>
+        <p:nvSpPr>
+          <p:cNvPr id="45" name="TextBox 44">
+            <a:extLst>
+              <a:ext uri="{FF2B5EF4-FFF2-40B4-BE49-F238E27FC236}">
+                <a16:creationId xmlns:a16="http://schemas.microsoft.com/office/drawing/2014/main" id="{9EB1432B-3134-4FD4-97BE-54F5280D87B4}"/>
+              </a:ext>
+            </a:extLst>
+          </p:cNvPr>
+          <p:cNvSpPr txBox="1"/>
+          <p:nvPr/>
+        </p:nvSpPr>
+        <p:spPr>
+          <a:xfrm>
+            <a:off x="18527093" y="36686950"/>
+            <a:ext cx="12885860" cy="3600986"/>
           </a:xfrm>
           <a:prstGeom prst="rect">
             <a:avLst/>
           </a:prstGeom>
           <a:noFill/>
-          <a:extLst>
-            <a:ext uri="{909E8E84-426E-40DD-AFC4-6F175D3DCCD1}">
-              <a14:hiddenFill xmlns:a14="http://schemas.microsoft.com/office/drawing/2010/main">
-                <a:solidFill>
-                  <a:srgbClr val="FFFFFF"/>
-                </a:solidFill>
-              </a14:hiddenFill>
-            </a:ext>
-          </a:extLst>
-        </p:spPr>
-      </p:pic>
-      <p:sp>
-        <p:nvSpPr>
-          <p:cNvPr id="81" name="Rectangle: Rounded Corners 80">
-            <a:extLst>
-              <a:ext uri="{FF2B5EF4-FFF2-40B4-BE49-F238E27FC236}">
-                <a16:creationId xmlns:a16="http://schemas.microsoft.com/office/drawing/2014/main" id="{EDBAF128-24EF-4522-AF5E-1A10635E21C2}"/>
-              </a:ext>
-            </a:extLst>
-          </p:cNvPr>
-          <p:cNvSpPr/>
-          <p:nvPr/>
-        </p:nvSpPr>
-        <p:spPr bwMode="auto">
-          <a:xfrm>
-            <a:off x="2665540" y="24899698"/>
-            <a:ext cx="13307902" cy="6306518"/>
-          </a:xfrm>
-          <a:prstGeom prst="roundRect">
-            <a:avLst/>
-          </a:prstGeom>
-          <a:noFill/>
-          <a:ln w="9525" cap="flat" cmpd="sng" algn="ctr">
-            <a:solidFill>
-              <a:srgbClr val="6C5098"/>
-            </a:solidFill>
-            <a:prstDash val="solid"/>
-            <a:round/>
-            <a:headEnd type="none" w="med" len="med"/>
-            <a:tailEnd type="none" w="med" len="med"/>
-          </a:ln>
-          <a:effectLst/>
         </p:spPr>
         <p:txBody>
-          <a:bodyPr vert="horz" wrap="square" lIns="91440" tIns="45720" rIns="91440" bIns="45720" numCol="1" rtlCol="0" anchor="t" anchorCtr="0" compatLnSpc="1">
-            <a:prstTxWarp prst="textNoShape">
-              <a:avLst/>
-            </a:prstTxWarp>
+          <a:bodyPr wrap="square" rtlCol="0">
+            <a:spAutoFit/>
           </a:bodyPr>
           <a:lstStyle/>
           <a:p>
-            <a:pPr marL="0" marR="0" indent="0" algn="l" defTabSz="914400" rtl="0" eaLnBrk="0" fontAlgn="base" latinLnBrk="0" hangingPunct="0">
-              <a:lnSpc>
-                <a:spcPct val="100000"/>
-              </a:lnSpc>
-              <a:spcBef>
-                <a:spcPct val="0"/>
-              </a:spcBef>
-              <a:spcAft>
-                <a:spcPct val="0"/>
-              </a:spcAft>
-              <a:buClrTx/>
-              <a:buSzTx/>
-              <a:buFontTx/>
-              <a:buNone/>
-              <a:tabLst/>
-            </a:pPr>
-            <a:endParaRPr kumimoji="0" lang="en-GB" sz="2400" b="0" i="0" u="none" strike="noStrike" cap="none" normalizeH="0" baseline="0" dirty="0">
-              <a:ln>
-                <a:noFill/>
-              </a:ln>
-              <a:solidFill>
-                <a:schemeClr val="tx1"/>
-              </a:solidFill>
-              <a:effectLst/>
-              <a:latin typeface="Arial" charset="0"/>
-              <a:ea typeface="ＭＳ Ｐゴシック" pitchFamily="1" charset="-128"/>
-            </a:endParaRPr>
-          </a:p>
-        </p:txBody>
-      </p:sp>
-      <p:sp>
-        <p:nvSpPr>
-          <p:cNvPr id="85" name="Rectangle: Rounded Corners 84">
-            <a:extLst>
-              <a:ext uri="{FF2B5EF4-FFF2-40B4-BE49-F238E27FC236}">
-                <a16:creationId xmlns:a16="http://schemas.microsoft.com/office/drawing/2014/main" id="{CB9920A1-AB77-41DC-BDEB-353470F1B378}"/>
-              </a:ext>
-            </a:extLst>
-          </p:cNvPr>
-          <p:cNvSpPr/>
-          <p:nvPr/>
-        </p:nvSpPr>
-        <p:spPr bwMode="auto">
-          <a:xfrm>
-            <a:off x="2665541" y="31386489"/>
-            <a:ext cx="13307902" cy="6308573"/>
-          </a:xfrm>
-          <a:prstGeom prst="roundRect">
-            <a:avLst/>
-          </a:prstGeom>
-          <a:noFill/>
-          <a:ln w="9525" cap="flat" cmpd="sng" algn="ctr">
-            <a:solidFill>
-              <a:srgbClr val="6C5098"/>
-            </a:solidFill>
-            <a:prstDash val="solid"/>
-            <a:round/>
-            <a:headEnd type="none" w="med" len="med"/>
-            <a:tailEnd type="none" w="med" len="med"/>
-          </a:ln>
-          <a:effectLst/>
-        </p:spPr>
-        <p:txBody>
-          <a:bodyPr vert="horz" wrap="square" lIns="91440" tIns="45720" rIns="91440" bIns="45720" numCol="1" rtlCol="0" anchor="t" anchorCtr="0" compatLnSpc="1">
-            <a:prstTxWarp prst="textNoShape">
-              <a:avLst/>
-            </a:prstTxWarp>
-          </a:bodyPr>
-          <a:lstStyle/>
-          <a:p>
-            <a:pPr marL="0" marR="0" indent="0" algn="l" defTabSz="914400" rtl="0" eaLnBrk="0" fontAlgn="base" latinLnBrk="0" hangingPunct="0">
-              <a:lnSpc>
-                <a:spcPct val="100000"/>
-              </a:lnSpc>
-              <a:spcBef>
-                <a:spcPct val="0"/>
-              </a:spcBef>
-              <a:spcAft>
-                <a:spcPct val="0"/>
-              </a:spcAft>
-              <a:buClrTx/>
-              <a:buSzTx/>
-              <a:buFontTx/>
-              <a:buNone/>
-              <a:tabLst/>
-            </a:pPr>
-            <a:endParaRPr kumimoji="0" lang="en-GB" sz="2400" b="0" i="0" u="none" strike="noStrike" cap="none" normalizeH="0" baseline="0" dirty="0">
-              <a:ln>
-                <a:noFill/>
-              </a:ln>
-              <a:solidFill>
-                <a:schemeClr val="tx1"/>
-              </a:solidFill>
-              <a:effectLst/>
-              <a:latin typeface="Arial" charset="0"/>
-              <a:ea typeface="ＭＳ Ｐゴシック" pitchFamily="1" charset="-128"/>
-            </a:endParaRPr>
-          </a:p>
-        </p:txBody>
-      </p:sp>
-      <p:sp>
-        <p:nvSpPr>
-          <p:cNvPr id="86" name="Rectangle: Rounded Corners 85">
-            <a:extLst>
-              <a:ext uri="{FF2B5EF4-FFF2-40B4-BE49-F238E27FC236}">
-                <a16:creationId xmlns:a16="http://schemas.microsoft.com/office/drawing/2014/main" id="{DDEB4AE3-A6D2-4998-AD89-CE08D3DF690E}"/>
-              </a:ext>
-            </a:extLst>
-          </p:cNvPr>
-          <p:cNvSpPr/>
-          <p:nvPr/>
-        </p:nvSpPr>
-        <p:spPr bwMode="auto">
-          <a:xfrm>
-            <a:off x="18214833" y="30228417"/>
-            <a:ext cx="13307903" cy="10116308"/>
-          </a:xfrm>
-          <a:prstGeom prst="roundRect">
-            <a:avLst/>
-          </a:prstGeom>
-          <a:noFill/>
-          <a:ln w="9525" cap="flat" cmpd="sng" algn="ctr">
-            <a:solidFill>
-              <a:srgbClr val="6C5098"/>
-            </a:solidFill>
-            <a:prstDash val="solid"/>
-            <a:round/>
-            <a:headEnd type="none" w="med" len="med"/>
-            <a:tailEnd type="none" w="med" len="med"/>
-          </a:ln>
-          <a:effectLst/>
-        </p:spPr>
-        <p:txBody>
-          <a:bodyPr vert="horz" wrap="square" lIns="91440" tIns="45720" rIns="91440" bIns="45720" numCol="1" rtlCol="0" anchor="t" anchorCtr="0" compatLnSpc="1">
-            <a:prstTxWarp prst="textNoShape">
-              <a:avLst/>
-            </a:prstTxWarp>
-          </a:bodyPr>
-          <a:lstStyle/>
-          <a:p>
-            <a:pPr marL="0" marR="0" indent="0" algn="l" defTabSz="914400" rtl="0" eaLnBrk="0" fontAlgn="base" latinLnBrk="0" hangingPunct="0">
-              <a:lnSpc>
-                <a:spcPct val="100000"/>
-              </a:lnSpc>
-              <a:spcBef>
-                <a:spcPct val="0"/>
-              </a:spcBef>
-              <a:spcAft>
-                <a:spcPct val="0"/>
-              </a:spcAft>
-              <a:buClrTx/>
-              <a:buSzTx/>
-              <a:buFontTx/>
-              <a:buNone/>
-              <a:tabLst/>
-            </a:pPr>
-            <a:endParaRPr kumimoji="0" lang="en-GB" sz="2400" b="0" i="0" u="none" strike="noStrike" cap="none" normalizeH="0" baseline="0" dirty="0">
-              <a:ln>
-                <a:noFill/>
-              </a:ln>
-              <a:solidFill>
-                <a:schemeClr val="tx1"/>
-              </a:solidFill>
-              <a:effectLst/>
-              <a:latin typeface="Arial" charset="0"/>
-              <a:ea typeface="ＭＳ Ｐゴシック" pitchFamily="1" charset="-128"/>
-            </a:endParaRPr>
+            <a:pPr algn="ctr"/>
+            <a:r>
+              <a:rPr lang="en-US" sz="3800" b="1" dirty="0">
+                <a:solidFill>
+                  <a:srgbClr val="6C5098"/>
+                </a:solidFill>
+              </a:rPr>
+              <a:t>Transfer learning</a:t>
+            </a:r>
+          </a:p>
+          <a:p>
+            <a:pPr algn="ctr"/>
+            <a:r>
+              <a:rPr lang="fr-FR" sz="3800" dirty="0"/>
+              <a:t>consiste à utiliser un modèle pré-entraîné pour un problème de classification et de l’adapter à un nouveau problème. Pour ce faire il faut prendre le modèle pré-entraîné en réentraînant ses dernières couches fully-connected sur le nouveau jeu de données.</a:t>
+            </a:r>
           </a:p>
         </p:txBody>
       </p:sp>

--- a/PDS-INFO-2-G5.pptx
+++ b/PDS-INFO-2-G5.pptx
@@ -6510,402 +6510,6 @@
           </a:p>
         </p:txBody>
       </p:sp>
-      <p:graphicFrame>
-        <p:nvGraphicFramePr>
-          <p:cNvPr id="71" name="Table 7">
-            <a:extLst>
-              <a:ext uri="{FF2B5EF4-FFF2-40B4-BE49-F238E27FC236}">
-                <a16:creationId xmlns:a16="http://schemas.microsoft.com/office/drawing/2014/main" id="{31174AD0-EDD6-4582-9F6E-44A52FFBA421}"/>
-              </a:ext>
-            </a:extLst>
-          </p:cNvPr>
-          <p:cNvGraphicFramePr>
-            <a:graphicFrameLocks noGrp="1"/>
-          </p:cNvGraphicFramePr>
-          <p:nvPr>
-            <p:extLst>
-              <p:ext uri="{D42A27DB-BD31-4B8C-83A1-F6EECF244321}">
-                <p14:modId xmlns:p14="http://schemas.microsoft.com/office/powerpoint/2010/main" val="3704338247"/>
-              </p:ext>
-            </p:extLst>
-          </p:nvPr>
-        </p:nvGraphicFramePr>
-        <p:xfrm>
-          <a:off x="3036743" y="38847190"/>
-          <a:ext cx="12748538" cy="3708817"/>
-        </p:xfrm>
-        <a:graphic>
-          <a:graphicData uri="http://schemas.openxmlformats.org/drawingml/2006/table">
-            <a:tbl>
-              <a:tblPr firstRow="1" bandRow="1">
-                <a:tableStyleId>{93296810-A885-4BE3-A3E7-6D5BEEA58F35}</a:tableStyleId>
-              </a:tblPr>
-              <a:tblGrid>
-                <a:gridCol w="4249513">
-                  <a:extLst>
-                    <a:ext uri="{9D8B030D-6E8A-4147-A177-3AD203B41FA5}">
-                      <a16:colId xmlns:a16="http://schemas.microsoft.com/office/drawing/2014/main" val="2626304605"/>
-                    </a:ext>
-                  </a:extLst>
-                </a:gridCol>
-                <a:gridCol w="1416504">
-                  <a:extLst>
-                    <a:ext uri="{9D8B030D-6E8A-4147-A177-3AD203B41FA5}">
-                      <a16:colId xmlns:a16="http://schemas.microsoft.com/office/drawing/2014/main" val="2973038698"/>
-                    </a:ext>
-                  </a:extLst>
-                </a:gridCol>
-                <a:gridCol w="1416504">
-                  <a:extLst>
-                    <a:ext uri="{9D8B030D-6E8A-4147-A177-3AD203B41FA5}">
-                      <a16:colId xmlns:a16="http://schemas.microsoft.com/office/drawing/2014/main" val="1718655701"/>
-                    </a:ext>
-                  </a:extLst>
-                </a:gridCol>
-                <a:gridCol w="1416504">
-                  <a:extLst>
-                    <a:ext uri="{9D8B030D-6E8A-4147-A177-3AD203B41FA5}">
-                      <a16:colId xmlns:a16="http://schemas.microsoft.com/office/drawing/2014/main" val="2403150399"/>
-                    </a:ext>
-                  </a:extLst>
-                </a:gridCol>
-                <a:gridCol w="4249513">
-                  <a:extLst>
-                    <a:ext uri="{9D8B030D-6E8A-4147-A177-3AD203B41FA5}">
-                      <a16:colId xmlns:a16="http://schemas.microsoft.com/office/drawing/2014/main" val="1961620341"/>
-                    </a:ext>
-                  </a:extLst>
-                </a:gridCol>
-              </a:tblGrid>
-              <a:tr h="624913">
-                <a:tc rowSpan="2">
-                  <a:txBody>
-                    <a:bodyPr/>
-                    <a:lstStyle/>
-                    <a:p>
-                      <a:pPr algn="ctr"/>
-                      <a:r>
-                        <a:rPr lang="fr-FR" sz="3400" noProof="0" dirty="0"/>
-                        <a:t>Modèle</a:t>
-                      </a:r>
-                    </a:p>
-                  </a:txBody>
-                  <a:tcPr anchor="ctr">
-                    <a:solidFill>
-                      <a:srgbClr val="6C5098"/>
-                    </a:solidFill>
-                  </a:tcPr>
-                </a:tc>
-                <a:tc gridSpan="3">
-                  <a:txBody>
-                    <a:bodyPr/>
-                    <a:lstStyle/>
-                    <a:p>
-                      <a:pPr algn="ctr"/>
-                      <a:r>
-                        <a:rPr lang="en-US" sz="3400" dirty="0"/>
-                        <a:t>SVM</a:t>
-                      </a:r>
-                      <a:endParaRPr lang="en-GB" sz="3400" dirty="0"/>
-                    </a:p>
-                  </a:txBody>
-                  <a:tcPr anchor="ctr">
-                    <a:solidFill>
-                      <a:srgbClr val="6C5098"/>
-                    </a:solidFill>
-                  </a:tcPr>
-                </a:tc>
-                <a:tc hMerge="1">
-                  <a:txBody>
-                    <a:bodyPr/>
-                    <a:lstStyle/>
-                    <a:p>
-                      <a:endParaRPr lang="en-GB"/>
-                    </a:p>
-                  </a:txBody>
-                  <a:tcPr/>
-                </a:tc>
-                <a:tc hMerge="1">
-                  <a:txBody>
-                    <a:bodyPr/>
-                    <a:lstStyle/>
-                    <a:p>
-                      <a:endParaRPr lang="en-GB"/>
-                    </a:p>
-                  </a:txBody>
-                  <a:tcPr/>
-                </a:tc>
-                <a:tc rowSpan="2">
-                  <a:txBody>
-                    <a:bodyPr/>
-                    <a:lstStyle/>
-                    <a:p>
-                      <a:pPr algn="ctr"/>
-                      <a:r>
-                        <a:rPr lang="en-US" sz="3400" dirty="0"/>
-                        <a:t>CNN</a:t>
-                      </a:r>
-                      <a:endParaRPr lang="en-GB" sz="3400" dirty="0"/>
-                    </a:p>
-                  </a:txBody>
-                  <a:tcPr anchor="ctr">
-                    <a:solidFill>
-                      <a:srgbClr val="6C5098"/>
-                    </a:solidFill>
-                  </a:tcPr>
-                </a:tc>
-                <a:extLst>
-                  <a:ext uri="{0D108BD9-81ED-4DB2-BD59-A6C34878D82A}">
-                    <a16:rowId xmlns:a16="http://schemas.microsoft.com/office/drawing/2014/main" val="2066148640"/>
-                  </a:ext>
-                </a:extLst>
-              </a:tr>
-              <a:tr h="771726">
-                <a:tc vMerge="1">
-                  <a:txBody>
-                    <a:bodyPr/>
-                    <a:lstStyle/>
-                    <a:p>
-                      <a:endParaRPr lang="en-GB"/>
-                    </a:p>
-                  </a:txBody>
-                  <a:tcPr/>
-                </a:tc>
-                <a:tc>
-                  <a:txBody>
-                    <a:bodyPr/>
-                    <a:lstStyle/>
-                    <a:p>
-                      <a:pPr algn="ctr"/>
-                      <a:r>
-                        <a:rPr lang="en-US" sz="3400" dirty="0"/>
-                        <a:t>SIFT</a:t>
-                      </a:r>
-                      <a:endParaRPr lang="en-GB" sz="3400" dirty="0"/>
-                    </a:p>
-                  </a:txBody>
-                  <a:tcPr anchor="ctr"/>
-                </a:tc>
-                <a:tc>
-                  <a:txBody>
-                    <a:bodyPr/>
-                    <a:lstStyle/>
-                    <a:p>
-                      <a:pPr algn="ctr"/>
-                      <a:r>
-                        <a:rPr lang="en-US" sz="3400" dirty="0"/>
-                        <a:t>SURF</a:t>
-                      </a:r>
-                      <a:endParaRPr lang="en-GB" sz="3400" dirty="0"/>
-                    </a:p>
-                  </a:txBody>
-                  <a:tcPr anchor="ctr"/>
-                </a:tc>
-                <a:tc>
-                  <a:txBody>
-                    <a:bodyPr/>
-                    <a:lstStyle/>
-                    <a:p>
-                      <a:pPr algn="ctr"/>
-                      <a:r>
-                        <a:rPr lang="en-US" sz="3400" dirty="0"/>
-                        <a:t>ORB</a:t>
-                      </a:r>
-                      <a:endParaRPr lang="en-GB" sz="3400" dirty="0"/>
-                    </a:p>
-                  </a:txBody>
-                  <a:tcPr anchor="ctr"/>
-                </a:tc>
-                <a:tc vMerge="1">
-                  <a:txBody>
-                    <a:bodyPr/>
-                    <a:lstStyle/>
-                    <a:p>
-                      <a:endParaRPr lang="en-GB"/>
-                    </a:p>
-                  </a:txBody>
-                  <a:tcPr/>
-                </a:tc>
-                <a:extLst>
-                  <a:ext uri="{0D108BD9-81ED-4DB2-BD59-A6C34878D82A}">
-                    <a16:rowId xmlns:a16="http://schemas.microsoft.com/office/drawing/2014/main" val="2518867"/>
-                  </a:ext>
-                </a:extLst>
-              </a:tr>
-              <a:tr h="1156089">
-                <a:tc>
-                  <a:txBody>
-                    <a:bodyPr/>
-                    <a:lstStyle/>
-                    <a:p>
-                      <a:pPr algn="ctr"/>
-                      <a:r>
-                        <a:rPr lang="fr-FR" sz="3400" noProof="0" dirty="0"/>
-                        <a:t>Précision</a:t>
-                      </a:r>
-                    </a:p>
-                    <a:p>
-                      <a:pPr algn="ctr"/>
-                      <a:r>
-                        <a:rPr lang="fr-FR" sz="3400" noProof="0" dirty="0"/>
-                        <a:t>(%)</a:t>
-                      </a:r>
-                    </a:p>
-                  </a:txBody>
-                  <a:tcPr anchor="ctr"/>
-                </a:tc>
-                <a:tc>
-                  <a:txBody>
-                    <a:bodyPr/>
-                    <a:lstStyle/>
-                    <a:p>
-                      <a:pPr algn="ctr"/>
-                      <a:r>
-                        <a:rPr lang="fr-FR" sz="3400" noProof="0" dirty="0"/>
-                        <a:t>62</a:t>
-                      </a:r>
-                    </a:p>
-                  </a:txBody>
-                  <a:tcPr anchor="ctr"/>
-                </a:tc>
-                <a:tc>
-                  <a:txBody>
-                    <a:bodyPr/>
-                    <a:lstStyle/>
-                    <a:p>
-                      <a:pPr algn="ctr"/>
-                      <a:r>
-                        <a:rPr lang="fr-FR" sz="3400" noProof="0" dirty="0"/>
-                        <a:t>65</a:t>
-                      </a:r>
-                    </a:p>
-                  </a:txBody>
-                  <a:tcPr anchor="ctr"/>
-                </a:tc>
-                <a:tc>
-                  <a:txBody>
-                    <a:bodyPr/>
-                    <a:lstStyle/>
-                    <a:p>
-                      <a:pPr algn="ctr"/>
-                      <a:r>
-                        <a:rPr lang="fr-FR" sz="3400" noProof="0" dirty="0"/>
-                        <a:t>58</a:t>
-                      </a:r>
-                    </a:p>
-                  </a:txBody>
-                  <a:tcPr anchor="ctr"/>
-                </a:tc>
-                <a:tc>
-                  <a:txBody>
-                    <a:bodyPr/>
-                    <a:lstStyle/>
-                    <a:p>
-                      <a:pPr algn="ctr"/>
-                      <a:r>
-                        <a:rPr lang="en-US" sz="3400" dirty="0"/>
-                        <a:t>90</a:t>
-                      </a:r>
-                      <a:endParaRPr lang="en-GB" sz="3400" dirty="0"/>
-                    </a:p>
-                  </a:txBody>
-                  <a:tcPr anchor="ctr"/>
-                </a:tc>
-                <a:extLst>
-                  <a:ext uri="{0D108BD9-81ED-4DB2-BD59-A6C34878D82A}">
-                    <a16:rowId xmlns:a16="http://schemas.microsoft.com/office/drawing/2014/main" val="3071276382"/>
-                  </a:ext>
-                </a:extLst>
-              </a:tr>
-              <a:tr h="1156089">
-                <a:tc>
-                  <a:txBody>
-                    <a:bodyPr/>
-                    <a:lstStyle/>
-                    <a:p>
-                      <a:pPr algn="ctr"/>
-                      <a:r>
-                        <a:rPr lang="en-US" sz="3400" dirty="0"/>
-                        <a:t>Temps </a:t>
-                      </a:r>
-                      <a:r>
-                        <a:rPr lang="fr-FR" sz="3400" noProof="0" dirty="0"/>
-                        <a:t>d’exécution (minutes)</a:t>
-                      </a:r>
-                    </a:p>
-                  </a:txBody>
-                  <a:tcPr anchor="ctr"/>
-                </a:tc>
-                <a:tc>
-                  <a:txBody>
-                    <a:bodyPr/>
-                    <a:lstStyle/>
-                    <a:p>
-                      <a:pPr algn="ctr"/>
-                      <a:r>
-                        <a:rPr lang="en-US" sz="3400" dirty="0"/>
-                        <a:t>137</a:t>
-                      </a:r>
-                      <a:endParaRPr lang="en-GB" sz="3400" dirty="0"/>
-                    </a:p>
-                  </a:txBody>
-                  <a:tcPr anchor="ctr"/>
-                </a:tc>
-                <a:tc>
-                  <a:txBody>
-                    <a:bodyPr/>
-                    <a:lstStyle/>
-                    <a:p>
-                      <a:pPr algn="ctr"/>
-                      <a:r>
-                        <a:rPr lang="en-US" sz="3400" dirty="0"/>
-                        <a:t>228</a:t>
-                      </a:r>
-                      <a:endParaRPr lang="en-GB" sz="3400" dirty="0"/>
-                    </a:p>
-                  </a:txBody>
-                  <a:tcPr anchor="ctr"/>
-                </a:tc>
-                <a:tc>
-                  <a:txBody>
-                    <a:bodyPr/>
-                    <a:lstStyle/>
-                    <a:p>
-                      <a:pPr algn="ctr"/>
-                      <a:r>
-                        <a:rPr lang="en-US" sz="3400" dirty="0"/>
-                        <a:t>100</a:t>
-                      </a:r>
-                      <a:endParaRPr lang="en-GB" sz="3400" dirty="0"/>
-                    </a:p>
-                  </a:txBody>
-                  <a:tcPr anchor="ctr"/>
-                </a:tc>
-                <a:tc>
-                  <a:txBody>
-                    <a:bodyPr/>
-                    <a:lstStyle/>
-                    <a:p>
-                      <a:pPr algn="ctr"/>
-                      <a:r>
-                        <a:rPr lang="en-US" sz="3400" dirty="0"/>
-                        <a:t>60</a:t>
-                      </a:r>
-                      <a:endParaRPr lang="en-GB" sz="3400" dirty="0"/>
-                    </a:p>
-                  </a:txBody>
-                  <a:tcPr anchor="ctr"/>
-                </a:tc>
-                <a:extLst>
-                  <a:ext uri="{0D108BD9-81ED-4DB2-BD59-A6C34878D82A}">
-                    <a16:rowId xmlns:a16="http://schemas.microsoft.com/office/drawing/2014/main" val="3333150796"/>
-                  </a:ext>
-                </a:extLst>
-              </a:tr>
-            </a:tbl>
-          </a:graphicData>
-        </a:graphic>
-      </p:graphicFrame>
       <p:sp>
         <p:nvSpPr>
           <p:cNvPr id="65" name="Rectangle: Rounded Corners 64">
@@ -9322,6 +8926,1206 @@
           </a:p>
         </p:txBody>
       </p:sp>
+      <p:sp>
+        <p:nvSpPr>
+          <p:cNvPr id="87" name="Rectangle: Rounded Corners 86">
+            <a:extLst>
+              <a:ext uri="{FF2B5EF4-FFF2-40B4-BE49-F238E27FC236}">
+                <a16:creationId xmlns:a16="http://schemas.microsoft.com/office/drawing/2014/main" id="{8951E342-AD12-434D-8705-DFEEF794D080}"/>
+              </a:ext>
+            </a:extLst>
+          </p:cNvPr>
+          <p:cNvSpPr/>
+          <p:nvPr/>
+        </p:nvSpPr>
+        <p:spPr bwMode="auto">
+          <a:xfrm>
+            <a:off x="2665540" y="38620201"/>
+            <a:ext cx="13307902" cy="4024117"/>
+          </a:xfrm>
+          <a:prstGeom prst="roundRect">
+            <a:avLst/>
+          </a:prstGeom>
+          <a:solidFill>
+            <a:srgbClr val="CECEEF">
+              <a:alpha val="50196"/>
+            </a:srgbClr>
+          </a:solidFill>
+          <a:ln w="9525" cap="flat" cmpd="sng" algn="ctr">
+            <a:solidFill>
+              <a:srgbClr val="6C5098"/>
+            </a:solidFill>
+            <a:prstDash val="solid"/>
+            <a:round/>
+            <a:headEnd type="none" w="med" len="med"/>
+            <a:tailEnd type="none" w="med" len="med"/>
+          </a:ln>
+          <a:effectLst/>
+        </p:spPr>
+        <p:txBody>
+          <a:bodyPr vert="horz" wrap="square" lIns="91440" tIns="45720" rIns="91440" bIns="45720" numCol="1" rtlCol="0" anchor="t" anchorCtr="0" compatLnSpc="1">
+            <a:prstTxWarp prst="textNoShape">
+              <a:avLst/>
+            </a:prstTxWarp>
+          </a:bodyPr>
+          <a:lstStyle/>
+          <a:p>
+            <a:pPr marL="0" marR="0" indent="0" algn="l" defTabSz="914400" rtl="0" eaLnBrk="0" fontAlgn="base" latinLnBrk="0" hangingPunct="0">
+              <a:lnSpc>
+                <a:spcPct val="100000"/>
+              </a:lnSpc>
+              <a:spcBef>
+                <a:spcPct val="0"/>
+              </a:spcBef>
+              <a:spcAft>
+                <a:spcPct val="0"/>
+              </a:spcAft>
+              <a:buClrTx/>
+              <a:buSzTx/>
+              <a:buFontTx/>
+              <a:buNone/>
+              <a:tabLst/>
+            </a:pPr>
+            <a:endParaRPr kumimoji="0" lang="en-GB" sz="2400" b="0" i="0" u="none" strike="noStrike" cap="none" normalizeH="0" baseline="0" dirty="0">
+              <a:ln>
+                <a:noFill/>
+              </a:ln>
+              <a:solidFill>
+                <a:schemeClr val="tx1"/>
+              </a:solidFill>
+              <a:effectLst/>
+              <a:latin typeface="Arial" charset="0"/>
+              <a:ea typeface="ＭＳ Ｐゴシック" pitchFamily="1" charset="-128"/>
+            </a:endParaRPr>
+          </a:p>
+        </p:txBody>
+      </p:sp>
+      <p:graphicFrame>
+        <p:nvGraphicFramePr>
+          <p:cNvPr id="71" name="Table 7">
+            <a:extLst>
+              <a:ext uri="{FF2B5EF4-FFF2-40B4-BE49-F238E27FC236}">
+                <a16:creationId xmlns:a16="http://schemas.microsoft.com/office/drawing/2014/main" id="{31174AD0-EDD6-4582-9F6E-44A52FFBA421}"/>
+              </a:ext>
+            </a:extLst>
+          </p:cNvPr>
+          <p:cNvGraphicFramePr>
+            <a:graphicFrameLocks noGrp="1"/>
+          </p:cNvGraphicFramePr>
+          <p:nvPr>
+            <p:extLst>
+              <p:ext uri="{D42A27DB-BD31-4B8C-83A1-F6EECF244321}">
+                <p14:modId xmlns:p14="http://schemas.microsoft.com/office/powerpoint/2010/main" val="1148051116"/>
+              </p:ext>
+            </p:extLst>
+          </p:nvPr>
+        </p:nvGraphicFramePr>
+        <p:xfrm>
+          <a:off x="2665540" y="38620201"/>
+          <a:ext cx="13307902" cy="4040370"/>
+        </p:xfrm>
+        <a:graphic>
+          <a:graphicData uri="http://schemas.openxmlformats.org/drawingml/2006/table">
+            <a:tbl>
+              <a:tblPr firstRow="1" bandRow="1">
+                <a:tableStyleId>{93296810-A885-4BE3-A3E7-6D5BEEA58F35}</a:tableStyleId>
+              </a:tblPr>
+              <a:tblGrid>
+                <a:gridCol w="4435967">
+                  <a:extLst>
+                    <a:ext uri="{9D8B030D-6E8A-4147-A177-3AD203B41FA5}">
+                      <a16:colId xmlns:a16="http://schemas.microsoft.com/office/drawing/2014/main" val="2626304605"/>
+                    </a:ext>
+                  </a:extLst>
+                </a:gridCol>
+                <a:gridCol w="1478656">
+                  <a:extLst>
+                    <a:ext uri="{9D8B030D-6E8A-4147-A177-3AD203B41FA5}">
+                      <a16:colId xmlns:a16="http://schemas.microsoft.com/office/drawing/2014/main" val="2973038698"/>
+                    </a:ext>
+                  </a:extLst>
+                </a:gridCol>
+                <a:gridCol w="1478656">
+                  <a:extLst>
+                    <a:ext uri="{9D8B030D-6E8A-4147-A177-3AD203B41FA5}">
+                      <a16:colId xmlns:a16="http://schemas.microsoft.com/office/drawing/2014/main" val="1718655701"/>
+                    </a:ext>
+                  </a:extLst>
+                </a:gridCol>
+                <a:gridCol w="1478656">
+                  <a:extLst>
+                    <a:ext uri="{9D8B030D-6E8A-4147-A177-3AD203B41FA5}">
+                      <a16:colId xmlns:a16="http://schemas.microsoft.com/office/drawing/2014/main" val="2403150399"/>
+                    </a:ext>
+                  </a:extLst>
+                </a:gridCol>
+                <a:gridCol w="4435967">
+                  <a:extLst>
+                    <a:ext uri="{9D8B030D-6E8A-4147-A177-3AD203B41FA5}">
+                      <a16:colId xmlns:a16="http://schemas.microsoft.com/office/drawing/2014/main" val="1961620341"/>
+                    </a:ext>
+                  </a:extLst>
+                </a:gridCol>
+              </a:tblGrid>
+              <a:tr h="684786">
+                <a:tc rowSpan="2">
+                  <a:txBody>
+                    <a:bodyPr/>
+                    <a:lstStyle/>
+                    <a:p>
+                      <a:pPr algn="ctr"/>
+                      <a:r>
+                        <a:rPr lang="fr-FR" sz="4000" noProof="0" dirty="0">
+                          <a:solidFill>
+                            <a:schemeClr val="accent2">
+                              <a:lumMod val="75000"/>
+                            </a:schemeClr>
+                          </a:solidFill>
+                        </a:rPr>
+                        <a:t>Modèle</a:t>
+                      </a:r>
+                    </a:p>
+                  </a:txBody>
+                  <a:tcPr anchor="ctr">
+                    <a:lnL w="12700" cmpd="sng">
+                      <a:noFill/>
+                    </a:lnL>
+                    <a:lnR w="12700" cap="flat" cmpd="sng" algn="ctr">
+                      <a:solidFill>
+                        <a:schemeClr val="tx1"/>
+                      </a:solidFill>
+                      <a:prstDash val="solid"/>
+                      <a:round/>
+                      <a:headEnd type="none" w="med" len="med"/>
+                      <a:tailEnd type="none" w="med" len="med"/>
+                    </a:lnR>
+                    <a:lnT w="12700" cmpd="sng">
+                      <a:noFill/>
+                    </a:lnT>
+                    <a:lnB w="12700" cap="flat" cmpd="sng" algn="ctr">
+                      <a:solidFill>
+                        <a:schemeClr val="tx1"/>
+                      </a:solidFill>
+                      <a:prstDash val="solid"/>
+                      <a:round/>
+                      <a:headEnd type="none" w="med" len="med"/>
+                      <a:tailEnd type="none" w="med" len="med"/>
+                    </a:lnB>
+                    <a:lnTlToBr w="12700" cmpd="sng">
+                      <a:noFill/>
+                      <a:prstDash val="solid"/>
+                    </a:lnTlToBr>
+                    <a:lnBlToTr w="12700" cmpd="sng">
+                      <a:noFill/>
+                      <a:prstDash val="solid"/>
+                    </a:lnBlToTr>
+                    <a:noFill/>
+                  </a:tcPr>
+                </a:tc>
+                <a:tc gridSpan="3">
+                  <a:txBody>
+                    <a:bodyPr/>
+                    <a:lstStyle/>
+                    <a:p>
+                      <a:pPr algn="ctr"/>
+                      <a:r>
+                        <a:rPr lang="en-US" sz="4000" dirty="0">
+                          <a:solidFill>
+                            <a:schemeClr val="accent2">
+                              <a:lumMod val="75000"/>
+                            </a:schemeClr>
+                          </a:solidFill>
+                        </a:rPr>
+                        <a:t>SVM</a:t>
+                      </a:r>
+                      <a:endParaRPr lang="en-GB" sz="4000" dirty="0">
+                        <a:solidFill>
+                          <a:schemeClr val="accent2">
+                            <a:lumMod val="75000"/>
+                          </a:schemeClr>
+                        </a:solidFill>
+                      </a:endParaRPr>
+                    </a:p>
+                  </a:txBody>
+                  <a:tcPr anchor="ctr">
+                    <a:lnL w="12700" cap="flat" cmpd="sng" algn="ctr">
+                      <a:solidFill>
+                        <a:schemeClr val="tx1"/>
+                      </a:solidFill>
+                      <a:prstDash val="solid"/>
+                      <a:round/>
+                      <a:headEnd type="none" w="med" len="med"/>
+                      <a:tailEnd type="none" w="med" len="med"/>
+                    </a:lnL>
+                    <a:lnR w="12700" cap="flat" cmpd="sng" algn="ctr">
+                      <a:solidFill>
+                        <a:schemeClr val="tx1"/>
+                      </a:solidFill>
+                      <a:prstDash val="solid"/>
+                      <a:round/>
+                      <a:headEnd type="none" w="med" len="med"/>
+                      <a:tailEnd type="none" w="med" len="med"/>
+                    </a:lnR>
+                    <a:lnT w="12700" cmpd="sng">
+                      <a:noFill/>
+                    </a:lnT>
+                    <a:lnB w="12700" cap="flat" cmpd="sng" algn="ctr">
+                      <a:solidFill>
+                        <a:schemeClr val="tx1"/>
+                      </a:solidFill>
+                      <a:prstDash val="solid"/>
+                      <a:round/>
+                      <a:headEnd type="none" w="med" len="med"/>
+                      <a:tailEnd type="none" w="med" len="med"/>
+                    </a:lnB>
+                    <a:lnTlToBr w="12700" cmpd="sng">
+                      <a:noFill/>
+                      <a:prstDash val="solid"/>
+                    </a:lnTlToBr>
+                    <a:lnBlToTr w="12700" cmpd="sng">
+                      <a:noFill/>
+                      <a:prstDash val="solid"/>
+                    </a:lnBlToTr>
+                    <a:noFill/>
+                  </a:tcPr>
+                </a:tc>
+                <a:tc hMerge="1">
+                  <a:txBody>
+                    <a:bodyPr/>
+                    <a:lstStyle/>
+                    <a:p>
+                      <a:endParaRPr lang="en-GB"/>
+                    </a:p>
+                  </a:txBody>
+                  <a:tcPr/>
+                </a:tc>
+                <a:tc hMerge="1">
+                  <a:txBody>
+                    <a:bodyPr/>
+                    <a:lstStyle/>
+                    <a:p>
+                      <a:endParaRPr lang="en-GB"/>
+                    </a:p>
+                  </a:txBody>
+                  <a:tcPr/>
+                </a:tc>
+                <a:tc rowSpan="2">
+                  <a:txBody>
+                    <a:bodyPr/>
+                    <a:lstStyle/>
+                    <a:p>
+                      <a:pPr algn="ctr"/>
+                      <a:r>
+                        <a:rPr lang="en-US" sz="4000" dirty="0">
+                          <a:solidFill>
+                            <a:schemeClr val="accent2">
+                              <a:lumMod val="75000"/>
+                            </a:schemeClr>
+                          </a:solidFill>
+                        </a:rPr>
+                        <a:t>CNN</a:t>
+                      </a:r>
+                      <a:endParaRPr lang="en-GB" sz="4000" dirty="0">
+                        <a:solidFill>
+                          <a:schemeClr val="accent2">
+                            <a:lumMod val="75000"/>
+                          </a:schemeClr>
+                        </a:solidFill>
+                      </a:endParaRPr>
+                    </a:p>
+                  </a:txBody>
+                  <a:tcPr anchor="ctr">
+                    <a:lnL w="12700" cap="flat" cmpd="sng" algn="ctr">
+                      <a:solidFill>
+                        <a:schemeClr val="tx1"/>
+                      </a:solidFill>
+                      <a:prstDash val="solid"/>
+                      <a:round/>
+                      <a:headEnd type="none" w="med" len="med"/>
+                      <a:tailEnd type="none" w="med" len="med"/>
+                    </a:lnL>
+                    <a:lnR w="12700" cmpd="sng">
+                      <a:noFill/>
+                    </a:lnR>
+                    <a:lnT w="12700" cmpd="sng">
+                      <a:noFill/>
+                    </a:lnT>
+                    <a:lnB w="12700" cap="flat" cmpd="sng" algn="ctr">
+                      <a:solidFill>
+                        <a:schemeClr val="tx1"/>
+                      </a:solidFill>
+                      <a:prstDash val="solid"/>
+                      <a:round/>
+                      <a:headEnd type="none" w="med" len="med"/>
+                      <a:tailEnd type="none" w="med" len="med"/>
+                    </a:lnB>
+                    <a:lnTlToBr w="12700" cmpd="sng">
+                      <a:noFill/>
+                      <a:prstDash val="solid"/>
+                    </a:lnTlToBr>
+                    <a:lnBlToTr w="12700" cmpd="sng">
+                      <a:noFill/>
+                      <a:prstDash val="solid"/>
+                    </a:lnBlToTr>
+                    <a:noFill/>
+                  </a:tcPr>
+                </a:tc>
+                <a:extLst>
+                  <a:ext uri="{0D108BD9-81ED-4DB2-BD59-A6C34878D82A}">
+                    <a16:rowId xmlns:a16="http://schemas.microsoft.com/office/drawing/2014/main" val="2066148640"/>
+                  </a:ext>
+                </a:extLst>
+              </a:tr>
+              <a:tr h="805624">
+                <a:tc vMerge="1">
+                  <a:txBody>
+                    <a:bodyPr/>
+                    <a:lstStyle/>
+                    <a:p>
+                      <a:endParaRPr lang="en-GB"/>
+                    </a:p>
+                  </a:txBody>
+                  <a:tcPr/>
+                </a:tc>
+                <a:tc>
+                  <a:txBody>
+                    <a:bodyPr/>
+                    <a:lstStyle/>
+                    <a:p>
+                      <a:pPr algn="ctr"/>
+                      <a:r>
+                        <a:rPr lang="en-US" sz="3400" dirty="0">
+                          <a:solidFill>
+                            <a:schemeClr val="accent2">
+                              <a:lumMod val="75000"/>
+                            </a:schemeClr>
+                          </a:solidFill>
+                        </a:rPr>
+                        <a:t>SIFT</a:t>
+                      </a:r>
+                      <a:endParaRPr lang="en-GB" sz="3400" dirty="0">
+                        <a:solidFill>
+                          <a:schemeClr val="accent2">
+                            <a:lumMod val="75000"/>
+                          </a:schemeClr>
+                        </a:solidFill>
+                      </a:endParaRPr>
+                    </a:p>
+                  </a:txBody>
+                  <a:tcPr anchor="ctr">
+                    <a:lnL w="12700" cap="flat" cmpd="sng" algn="ctr">
+                      <a:solidFill>
+                        <a:schemeClr val="tx1"/>
+                      </a:solidFill>
+                      <a:prstDash val="solid"/>
+                      <a:round/>
+                      <a:headEnd type="none" w="med" len="med"/>
+                      <a:tailEnd type="none" w="med" len="med"/>
+                    </a:lnL>
+                    <a:lnR w="12700" cap="flat" cmpd="sng" algn="ctr">
+                      <a:solidFill>
+                        <a:schemeClr val="tx1"/>
+                      </a:solidFill>
+                      <a:prstDash val="solid"/>
+                      <a:round/>
+                      <a:headEnd type="none" w="med" len="med"/>
+                      <a:tailEnd type="none" w="med" len="med"/>
+                    </a:lnR>
+                    <a:lnT w="12700" cap="flat" cmpd="sng" algn="ctr">
+                      <a:solidFill>
+                        <a:schemeClr val="tx1"/>
+                      </a:solidFill>
+                      <a:prstDash val="solid"/>
+                      <a:round/>
+                      <a:headEnd type="none" w="med" len="med"/>
+                      <a:tailEnd type="none" w="med" len="med"/>
+                    </a:lnT>
+                    <a:lnB w="12700" cap="flat" cmpd="sng" algn="ctr">
+                      <a:solidFill>
+                        <a:schemeClr val="tx1"/>
+                      </a:solidFill>
+                      <a:prstDash val="solid"/>
+                      <a:round/>
+                      <a:headEnd type="none" w="med" len="med"/>
+                      <a:tailEnd type="none" w="med" len="med"/>
+                    </a:lnB>
+                    <a:lnTlToBr w="12700" cmpd="sng">
+                      <a:noFill/>
+                      <a:prstDash val="solid"/>
+                    </a:lnTlToBr>
+                    <a:lnBlToTr w="12700" cmpd="sng">
+                      <a:noFill/>
+                      <a:prstDash val="solid"/>
+                    </a:lnBlToTr>
+                    <a:noFill/>
+                  </a:tcPr>
+                </a:tc>
+                <a:tc>
+                  <a:txBody>
+                    <a:bodyPr/>
+                    <a:lstStyle/>
+                    <a:p>
+                      <a:pPr algn="ctr"/>
+                      <a:r>
+                        <a:rPr lang="en-US" sz="3400" dirty="0">
+                          <a:solidFill>
+                            <a:schemeClr val="accent2">
+                              <a:lumMod val="75000"/>
+                            </a:schemeClr>
+                          </a:solidFill>
+                        </a:rPr>
+                        <a:t>SURF</a:t>
+                      </a:r>
+                      <a:endParaRPr lang="en-GB" sz="3400" dirty="0">
+                        <a:solidFill>
+                          <a:schemeClr val="accent2">
+                            <a:lumMod val="75000"/>
+                          </a:schemeClr>
+                        </a:solidFill>
+                      </a:endParaRPr>
+                    </a:p>
+                  </a:txBody>
+                  <a:tcPr anchor="ctr">
+                    <a:lnL w="12700" cap="flat" cmpd="sng" algn="ctr">
+                      <a:solidFill>
+                        <a:schemeClr val="tx1"/>
+                      </a:solidFill>
+                      <a:prstDash val="solid"/>
+                      <a:round/>
+                      <a:headEnd type="none" w="med" len="med"/>
+                      <a:tailEnd type="none" w="med" len="med"/>
+                    </a:lnL>
+                    <a:lnR w="12700" cap="flat" cmpd="sng" algn="ctr">
+                      <a:solidFill>
+                        <a:schemeClr val="tx1"/>
+                      </a:solidFill>
+                      <a:prstDash val="solid"/>
+                      <a:round/>
+                      <a:headEnd type="none" w="med" len="med"/>
+                      <a:tailEnd type="none" w="med" len="med"/>
+                    </a:lnR>
+                    <a:lnT w="12700" cap="flat" cmpd="sng" algn="ctr">
+                      <a:solidFill>
+                        <a:schemeClr val="tx1"/>
+                      </a:solidFill>
+                      <a:prstDash val="solid"/>
+                      <a:round/>
+                      <a:headEnd type="none" w="med" len="med"/>
+                      <a:tailEnd type="none" w="med" len="med"/>
+                    </a:lnT>
+                    <a:lnB w="12700" cap="flat" cmpd="sng" algn="ctr">
+                      <a:solidFill>
+                        <a:schemeClr val="tx1"/>
+                      </a:solidFill>
+                      <a:prstDash val="solid"/>
+                      <a:round/>
+                      <a:headEnd type="none" w="med" len="med"/>
+                      <a:tailEnd type="none" w="med" len="med"/>
+                    </a:lnB>
+                    <a:lnTlToBr w="12700" cmpd="sng">
+                      <a:noFill/>
+                      <a:prstDash val="solid"/>
+                    </a:lnTlToBr>
+                    <a:lnBlToTr w="12700" cmpd="sng">
+                      <a:noFill/>
+                      <a:prstDash val="solid"/>
+                    </a:lnBlToTr>
+                    <a:noFill/>
+                  </a:tcPr>
+                </a:tc>
+                <a:tc>
+                  <a:txBody>
+                    <a:bodyPr/>
+                    <a:lstStyle/>
+                    <a:p>
+                      <a:pPr algn="ctr"/>
+                      <a:r>
+                        <a:rPr lang="en-US" sz="3400" dirty="0">
+                          <a:solidFill>
+                            <a:schemeClr val="accent2">
+                              <a:lumMod val="75000"/>
+                            </a:schemeClr>
+                          </a:solidFill>
+                        </a:rPr>
+                        <a:t>ORB</a:t>
+                      </a:r>
+                      <a:endParaRPr lang="en-GB" sz="3400" dirty="0">
+                        <a:solidFill>
+                          <a:schemeClr val="accent2">
+                            <a:lumMod val="75000"/>
+                          </a:schemeClr>
+                        </a:solidFill>
+                      </a:endParaRPr>
+                    </a:p>
+                  </a:txBody>
+                  <a:tcPr anchor="ctr">
+                    <a:lnL w="12700" cap="flat" cmpd="sng" algn="ctr">
+                      <a:solidFill>
+                        <a:schemeClr val="tx1"/>
+                      </a:solidFill>
+                      <a:prstDash val="solid"/>
+                      <a:round/>
+                      <a:headEnd type="none" w="med" len="med"/>
+                      <a:tailEnd type="none" w="med" len="med"/>
+                    </a:lnL>
+                    <a:lnR w="12700" cap="flat" cmpd="sng" algn="ctr">
+                      <a:solidFill>
+                        <a:schemeClr val="tx1"/>
+                      </a:solidFill>
+                      <a:prstDash val="solid"/>
+                      <a:round/>
+                      <a:headEnd type="none" w="med" len="med"/>
+                      <a:tailEnd type="none" w="med" len="med"/>
+                    </a:lnR>
+                    <a:lnT w="12700" cap="flat" cmpd="sng" algn="ctr">
+                      <a:solidFill>
+                        <a:schemeClr val="tx1"/>
+                      </a:solidFill>
+                      <a:prstDash val="solid"/>
+                      <a:round/>
+                      <a:headEnd type="none" w="med" len="med"/>
+                      <a:tailEnd type="none" w="med" len="med"/>
+                    </a:lnT>
+                    <a:lnB w="12700" cap="flat" cmpd="sng" algn="ctr">
+                      <a:solidFill>
+                        <a:schemeClr val="tx1"/>
+                      </a:solidFill>
+                      <a:prstDash val="solid"/>
+                      <a:round/>
+                      <a:headEnd type="none" w="med" len="med"/>
+                      <a:tailEnd type="none" w="med" len="med"/>
+                    </a:lnB>
+                    <a:lnTlToBr w="12700" cmpd="sng">
+                      <a:noFill/>
+                      <a:prstDash val="solid"/>
+                    </a:lnTlToBr>
+                    <a:lnBlToTr w="12700" cmpd="sng">
+                      <a:noFill/>
+                      <a:prstDash val="solid"/>
+                    </a:lnBlToTr>
+                    <a:noFill/>
+                  </a:tcPr>
+                </a:tc>
+                <a:tc vMerge="1">
+                  <a:txBody>
+                    <a:bodyPr/>
+                    <a:lstStyle/>
+                    <a:p>
+                      <a:endParaRPr lang="en-GB"/>
+                    </a:p>
+                  </a:txBody>
+                  <a:tcPr/>
+                </a:tc>
+                <a:extLst>
+                  <a:ext uri="{0D108BD9-81ED-4DB2-BD59-A6C34878D82A}">
+                    <a16:rowId xmlns:a16="http://schemas.microsoft.com/office/drawing/2014/main" val="2518867"/>
+                  </a:ext>
+                </a:extLst>
+              </a:tr>
+              <a:tr h="1266853">
+                <a:tc>
+                  <a:txBody>
+                    <a:bodyPr/>
+                    <a:lstStyle/>
+                    <a:p>
+                      <a:pPr algn="ctr"/>
+                      <a:r>
+                        <a:rPr lang="fr-FR" sz="3400" noProof="0" dirty="0">
+                          <a:solidFill>
+                            <a:schemeClr val="accent2">
+                              <a:lumMod val="75000"/>
+                            </a:schemeClr>
+                          </a:solidFill>
+                        </a:rPr>
+                        <a:t>Précision</a:t>
+                      </a:r>
+                    </a:p>
+                    <a:p>
+                      <a:pPr algn="ctr"/>
+                      <a:r>
+                        <a:rPr lang="fr-FR" sz="3400" noProof="0" dirty="0">
+                          <a:solidFill>
+                            <a:schemeClr val="accent2">
+                              <a:lumMod val="75000"/>
+                            </a:schemeClr>
+                          </a:solidFill>
+                        </a:rPr>
+                        <a:t>(%)</a:t>
+                      </a:r>
+                    </a:p>
+                  </a:txBody>
+                  <a:tcPr anchor="ctr">
+                    <a:lnL w="12700" cmpd="sng">
+                      <a:noFill/>
+                    </a:lnL>
+                    <a:lnR w="12700" cap="flat" cmpd="sng" algn="ctr">
+                      <a:solidFill>
+                        <a:schemeClr val="tx1"/>
+                      </a:solidFill>
+                      <a:prstDash val="solid"/>
+                      <a:round/>
+                      <a:headEnd type="none" w="med" len="med"/>
+                      <a:tailEnd type="none" w="med" len="med"/>
+                    </a:lnR>
+                    <a:lnT w="12700" cap="flat" cmpd="sng" algn="ctr">
+                      <a:solidFill>
+                        <a:schemeClr val="tx1"/>
+                      </a:solidFill>
+                      <a:prstDash val="solid"/>
+                      <a:round/>
+                      <a:headEnd type="none" w="med" len="med"/>
+                      <a:tailEnd type="none" w="med" len="med"/>
+                    </a:lnT>
+                    <a:lnB w="12700" cap="flat" cmpd="sng" algn="ctr">
+                      <a:solidFill>
+                        <a:schemeClr val="tx1"/>
+                      </a:solidFill>
+                      <a:prstDash val="solid"/>
+                      <a:round/>
+                      <a:headEnd type="none" w="med" len="med"/>
+                      <a:tailEnd type="none" w="med" len="med"/>
+                    </a:lnB>
+                    <a:lnTlToBr w="12700" cmpd="sng">
+                      <a:noFill/>
+                      <a:prstDash val="solid"/>
+                    </a:lnTlToBr>
+                    <a:lnBlToTr w="12700" cmpd="sng">
+                      <a:noFill/>
+                      <a:prstDash val="solid"/>
+                    </a:lnBlToTr>
+                    <a:noFill/>
+                  </a:tcPr>
+                </a:tc>
+                <a:tc>
+                  <a:txBody>
+                    <a:bodyPr/>
+                    <a:lstStyle/>
+                    <a:p>
+                      <a:pPr algn="ctr"/>
+                      <a:r>
+                        <a:rPr lang="fr-FR" sz="3400" noProof="0" dirty="0"/>
+                        <a:t>62</a:t>
+                      </a:r>
+                    </a:p>
+                  </a:txBody>
+                  <a:tcPr anchor="ctr">
+                    <a:lnL w="12700" cap="flat" cmpd="sng" algn="ctr">
+                      <a:solidFill>
+                        <a:schemeClr val="tx1"/>
+                      </a:solidFill>
+                      <a:prstDash val="solid"/>
+                      <a:round/>
+                      <a:headEnd type="none" w="med" len="med"/>
+                      <a:tailEnd type="none" w="med" len="med"/>
+                    </a:lnL>
+                    <a:lnR w="12700" cap="flat" cmpd="sng" algn="ctr">
+                      <a:solidFill>
+                        <a:schemeClr val="tx1"/>
+                      </a:solidFill>
+                      <a:prstDash val="solid"/>
+                      <a:round/>
+                      <a:headEnd type="none" w="med" len="med"/>
+                      <a:tailEnd type="none" w="med" len="med"/>
+                    </a:lnR>
+                    <a:lnT w="12700" cap="flat" cmpd="sng" algn="ctr">
+                      <a:solidFill>
+                        <a:schemeClr val="tx1"/>
+                      </a:solidFill>
+                      <a:prstDash val="solid"/>
+                      <a:round/>
+                      <a:headEnd type="none" w="med" len="med"/>
+                      <a:tailEnd type="none" w="med" len="med"/>
+                    </a:lnT>
+                    <a:lnB w="12700" cap="flat" cmpd="sng" algn="ctr">
+                      <a:solidFill>
+                        <a:schemeClr val="tx1"/>
+                      </a:solidFill>
+                      <a:prstDash val="solid"/>
+                      <a:round/>
+                      <a:headEnd type="none" w="med" len="med"/>
+                      <a:tailEnd type="none" w="med" len="med"/>
+                    </a:lnB>
+                    <a:lnTlToBr w="12700" cmpd="sng">
+                      <a:noFill/>
+                      <a:prstDash val="solid"/>
+                    </a:lnTlToBr>
+                    <a:lnBlToTr w="12700" cmpd="sng">
+                      <a:noFill/>
+                      <a:prstDash val="solid"/>
+                    </a:lnBlToTr>
+                    <a:noFill/>
+                  </a:tcPr>
+                </a:tc>
+                <a:tc>
+                  <a:txBody>
+                    <a:bodyPr/>
+                    <a:lstStyle/>
+                    <a:p>
+                      <a:pPr algn="ctr"/>
+                      <a:r>
+                        <a:rPr lang="fr-FR" sz="3400" noProof="0" dirty="0"/>
+                        <a:t>65</a:t>
+                      </a:r>
+                    </a:p>
+                  </a:txBody>
+                  <a:tcPr anchor="ctr">
+                    <a:lnL w="12700" cap="flat" cmpd="sng" algn="ctr">
+                      <a:solidFill>
+                        <a:schemeClr val="tx1"/>
+                      </a:solidFill>
+                      <a:prstDash val="solid"/>
+                      <a:round/>
+                      <a:headEnd type="none" w="med" len="med"/>
+                      <a:tailEnd type="none" w="med" len="med"/>
+                    </a:lnL>
+                    <a:lnR w="12700" cap="flat" cmpd="sng" algn="ctr">
+                      <a:solidFill>
+                        <a:schemeClr val="tx1"/>
+                      </a:solidFill>
+                      <a:prstDash val="solid"/>
+                      <a:round/>
+                      <a:headEnd type="none" w="med" len="med"/>
+                      <a:tailEnd type="none" w="med" len="med"/>
+                    </a:lnR>
+                    <a:lnT w="12700" cap="flat" cmpd="sng" algn="ctr">
+                      <a:solidFill>
+                        <a:schemeClr val="tx1"/>
+                      </a:solidFill>
+                      <a:prstDash val="solid"/>
+                      <a:round/>
+                      <a:headEnd type="none" w="med" len="med"/>
+                      <a:tailEnd type="none" w="med" len="med"/>
+                    </a:lnT>
+                    <a:lnB w="12700" cap="flat" cmpd="sng" algn="ctr">
+                      <a:solidFill>
+                        <a:schemeClr val="tx1"/>
+                      </a:solidFill>
+                      <a:prstDash val="solid"/>
+                      <a:round/>
+                      <a:headEnd type="none" w="med" len="med"/>
+                      <a:tailEnd type="none" w="med" len="med"/>
+                    </a:lnB>
+                    <a:lnTlToBr w="12700" cmpd="sng">
+                      <a:noFill/>
+                      <a:prstDash val="solid"/>
+                    </a:lnTlToBr>
+                    <a:lnBlToTr w="12700" cmpd="sng">
+                      <a:noFill/>
+                      <a:prstDash val="solid"/>
+                    </a:lnBlToTr>
+                    <a:noFill/>
+                  </a:tcPr>
+                </a:tc>
+                <a:tc>
+                  <a:txBody>
+                    <a:bodyPr/>
+                    <a:lstStyle/>
+                    <a:p>
+                      <a:pPr algn="ctr"/>
+                      <a:r>
+                        <a:rPr lang="fr-FR" sz="3400" noProof="0" dirty="0"/>
+                        <a:t>58</a:t>
+                      </a:r>
+                    </a:p>
+                  </a:txBody>
+                  <a:tcPr anchor="ctr">
+                    <a:lnL w="12700" cap="flat" cmpd="sng" algn="ctr">
+                      <a:solidFill>
+                        <a:schemeClr val="tx1"/>
+                      </a:solidFill>
+                      <a:prstDash val="solid"/>
+                      <a:round/>
+                      <a:headEnd type="none" w="med" len="med"/>
+                      <a:tailEnd type="none" w="med" len="med"/>
+                    </a:lnL>
+                    <a:lnR w="12700" cap="flat" cmpd="sng" algn="ctr">
+                      <a:solidFill>
+                        <a:schemeClr val="tx1"/>
+                      </a:solidFill>
+                      <a:prstDash val="solid"/>
+                      <a:round/>
+                      <a:headEnd type="none" w="med" len="med"/>
+                      <a:tailEnd type="none" w="med" len="med"/>
+                    </a:lnR>
+                    <a:lnT w="12700" cap="flat" cmpd="sng" algn="ctr">
+                      <a:solidFill>
+                        <a:schemeClr val="tx1"/>
+                      </a:solidFill>
+                      <a:prstDash val="solid"/>
+                      <a:round/>
+                      <a:headEnd type="none" w="med" len="med"/>
+                      <a:tailEnd type="none" w="med" len="med"/>
+                    </a:lnT>
+                    <a:lnB w="12700" cap="flat" cmpd="sng" algn="ctr">
+                      <a:solidFill>
+                        <a:schemeClr val="tx1"/>
+                      </a:solidFill>
+                      <a:prstDash val="solid"/>
+                      <a:round/>
+                      <a:headEnd type="none" w="med" len="med"/>
+                      <a:tailEnd type="none" w="med" len="med"/>
+                    </a:lnB>
+                    <a:lnTlToBr w="12700" cmpd="sng">
+                      <a:noFill/>
+                      <a:prstDash val="solid"/>
+                    </a:lnTlToBr>
+                    <a:lnBlToTr w="12700" cmpd="sng">
+                      <a:noFill/>
+                      <a:prstDash val="solid"/>
+                    </a:lnBlToTr>
+                    <a:noFill/>
+                  </a:tcPr>
+                </a:tc>
+                <a:tc>
+                  <a:txBody>
+                    <a:bodyPr/>
+                    <a:lstStyle/>
+                    <a:p>
+                      <a:pPr algn="ctr"/>
+                      <a:r>
+                        <a:rPr lang="en-US" sz="3400" dirty="0"/>
+                        <a:t>90</a:t>
+                      </a:r>
+                      <a:endParaRPr lang="en-GB" sz="3400" dirty="0"/>
+                    </a:p>
+                  </a:txBody>
+                  <a:tcPr anchor="ctr">
+                    <a:lnL w="12700" cap="flat" cmpd="sng" algn="ctr">
+                      <a:solidFill>
+                        <a:schemeClr val="tx1"/>
+                      </a:solidFill>
+                      <a:prstDash val="solid"/>
+                      <a:round/>
+                      <a:headEnd type="none" w="med" len="med"/>
+                      <a:tailEnd type="none" w="med" len="med"/>
+                    </a:lnL>
+                    <a:lnR w="12700" cmpd="sng">
+                      <a:noFill/>
+                    </a:lnR>
+                    <a:lnT w="12700" cap="flat" cmpd="sng" algn="ctr">
+                      <a:solidFill>
+                        <a:schemeClr val="tx1"/>
+                      </a:solidFill>
+                      <a:prstDash val="solid"/>
+                      <a:round/>
+                      <a:headEnd type="none" w="med" len="med"/>
+                      <a:tailEnd type="none" w="med" len="med"/>
+                    </a:lnT>
+                    <a:lnB w="12700" cap="flat" cmpd="sng" algn="ctr">
+                      <a:solidFill>
+                        <a:schemeClr val="tx1"/>
+                      </a:solidFill>
+                      <a:prstDash val="solid"/>
+                      <a:round/>
+                      <a:headEnd type="none" w="med" len="med"/>
+                      <a:tailEnd type="none" w="med" len="med"/>
+                    </a:lnB>
+                    <a:lnTlToBr w="12700" cmpd="sng">
+                      <a:noFill/>
+                      <a:prstDash val="solid"/>
+                    </a:lnTlToBr>
+                    <a:lnBlToTr w="12700" cmpd="sng">
+                      <a:noFill/>
+                      <a:prstDash val="solid"/>
+                    </a:lnBlToTr>
+                    <a:noFill/>
+                  </a:tcPr>
+                </a:tc>
+                <a:extLst>
+                  <a:ext uri="{0D108BD9-81ED-4DB2-BD59-A6C34878D82A}">
+                    <a16:rowId xmlns:a16="http://schemas.microsoft.com/office/drawing/2014/main" val="3071276382"/>
+                  </a:ext>
+                </a:extLst>
+              </a:tr>
+              <a:tr h="1266853">
+                <a:tc>
+                  <a:txBody>
+                    <a:bodyPr/>
+                    <a:lstStyle/>
+                    <a:p>
+                      <a:pPr algn="ctr"/>
+                      <a:r>
+                        <a:rPr lang="en-US" sz="3400" dirty="0">
+                          <a:solidFill>
+                            <a:schemeClr val="accent2">
+                              <a:lumMod val="75000"/>
+                            </a:schemeClr>
+                          </a:solidFill>
+                        </a:rPr>
+                        <a:t>Temps </a:t>
+                      </a:r>
+                      <a:r>
+                        <a:rPr lang="fr-FR" sz="3400" noProof="0" dirty="0">
+                          <a:solidFill>
+                            <a:schemeClr val="accent2">
+                              <a:lumMod val="75000"/>
+                            </a:schemeClr>
+                          </a:solidFill>
+                        </a:rPr>
+                        <a:t>d’exécution (minutes)</a:t>
+                      </a:r>
+                    </a:p>
+                  </a:txBody>
+                  <a:tcPr anchor="ctr">
+                    <a:lnL w="12700" cmpd="sng">
+                      <a:noFill/>
+                    </a:lnL>
+                    <a:lnR w="12700" cap="flat" cmpd="sng" algn="ctr">
+                      <a:solidFill>
+                        <a:schemeClr val="tx1"/>
+                      </a:solidFill>
+                      <a:prstDash val="solid"/>
+                      <a:round/>
+                      <a:headEnd type="none" w="med" len="med"/>
+                      <a:tailEnd type="none" w="med" len="med"/>
+                    </a:lnR>
+                    <a:lnT w="12700" cap="flat" cmpd="sng" algn="ctr">
+                      <a:solidFill>
+                        <a:schemeClr val="tx1"/>
+                      </a:solidFill>
+                      <a:prstDash val="solid"/>
+                      <a:round/>
+                      <a:headEnd type="none" w="med" len="med"/>
+                      <a:tailEnd type="none" w="med" len="med"/>
+                    </a:lnT>
+                    <a:lnB w="12700" cmpd="sng">
+                      <a:noFill/>
+                    </a:lnB>
+                    <a:lnTlToBr w="12700" cmpd="sng">
+                      <a:noFill/>
+                      <a:prstDash val="solid"/>
+                    </a:lnTlToBr>
+                    <a:lnBlToTr w="12700" cmpd="sng">
+                      <a:noFill/>
+                      <a:prstDash val="solid"/>
+                    </a:lnBlToTr>
+                    <a:noFill/>
+                  </a:tcPr>
+                </a:tc>
+                <a:tc>
+                  <a:txBody>
+                    <a:bodyPr/>
+                    <a:lstStyle/>
+                    <a:p>
+                      <a:pPr algn="ctr"/>
+                      <a:r>
+                        <a:rPr lang="en-US" sz="3400" dirty="0"/>
+                        <a:t>137</a:t>
+                      </a:r>
+                      <a:endParaRPr lang="en-GB" sz="3400" dirty="0"/>
+                    </a:p>
+                  </a:txBody>
+                  <a:tcPr anchor="ctr">
+                    <a:lnL w="12700" cap="flat" cmpd="sng" algn="ctr">
+                      <a:solidFill>
+                        <a:schemeClr val="tx1"/>
+                      </a:solidFill>
+                      <a:prstDash val="solid"/>
+                      <a:round/>
+                      <a:headEnd type="none" w="med" len="med"/>
+                      <a:tailEnd type="none" w="med" len="med"/>
+                    </a:lnL>
+                    <a:lnR w="12700" cap="flat" cmpd="sng" algn="ctr">
+                      <a:solidFill>
+                        <a:schemeClr val="tx1"/>
+                      </a:solidFill>
+                      <a:prstDash val="solid"/>
+                      <a:round/>
+                      <a:headEnd type="none" w="med" len="med"/>
+                      <a:tailEnd type="none" w="med" len="med"/>
+                    </a:lnR>
+                    <a:lnT w="12700" cap="flat" cmpd="sng" algn="ctr">
+                      <a:solidFill>
+                        <a:schemeClr val="tx1"/>
+                      </a:solidFill>
+                      <a:prstDash val="solid"/>
+                      <a:round/>
+                      <a:headEnd type="none" w="med" len="med"/>
+                      <a:tailEnd type="none" w="med" len="med"/>
+                    </a:lnT>
+                    <a:lnB w="12700" cmpd="sng">
+                      <a:noFill/>
+                    </a:lnB>
+                    <a:lnTlToBr w="12700" cmpd="sng">
+                      <a:noFill/>
+                      <a:prstDash val="solid"/>
+                    </a:lnTlToBr>
+                    <a:lnBlToTr w="12700" cmpd="sng">
+                      <a:noFill/>
+                      <a:prstDash val="solid"/>
+                    </a:lnBlToTr>
+                    <a:noFill/>
+                  </a:tcPr>
+                </a:tc>
+                <a:tc>
+                  <a:txBody>
+                    <a:bodyPr/>
+                    <a:lstStyle/>
+                    <a:p>
+                      <a:pPr algn="ctr"/>
+                      <a:r>
+                        <a:rPr lang="en-US" sz="3400" dirty="0"/>
+                        <a:t>228</a:t>
+                      </a:r>
+                      <a:endParaRPr lang="en-GB" sz="3400" dirty="0"/>
+                    </a:p>
+                  </a:txBody>
+                  <a:tcPr anchor="ctr">
+                    <a:lnL w="12700" cap="flat" cmpd="sng" algn="ctr">
+                      <a:solidFill>
+                        <a:schemeClr val="tx1"/>
+                      </a:solidFill>
+                      <a:prstDash val="solid"/>
+                      <a:round/>
+                      <a:headEnd type="none" w="med" len="med"/>
+                      <a:tailEnd type="none" w="med" len="med"/>
+                    </a:lnL>
+                    <a:lnR w="12700" cap="flat" cmpd="sng" algn="ctr">
+                      <a:solidFill>
+                        <a:schemeClr val="tx1"/>
+                      </a:solidFill>
+                      <a:prstDash val="solid"/>
+                      <a:round/>
+                      <a:headEnd type="none" w="med" len="med"/>
+                      <a:tailEnd type="none" w="med" len="med"/>
+                    </a:lnR>
+                    <a:lnT w="12700" cap="flat" cmpd="sng" algn="ctr">
+                      <a:solidFill>
+                        <a:schemeClr val="tx1"/>
+                      </a:solidFill>
+                      <a:prstDash val="solid"/>
+                      <a:round/>
+                      <a:headEnd type="none" w="med" len="med"/>
+                      <a:tailEnd type="none" w="med" len="med"/>
+                    </a:lnT>
+                    <a:lnB w="12700" cmpd="sng">
+                      <a:noFill/>
+                    </a:lnB>
+                    <a:lnTlToBr w="12700" cmpd="sng">
+                      <a:noFill/>
+                      <a:prstDash val="solid"/>
+                    </a:lnTlToBr>
+                    <a:lnBlToTr w="12700" cmpd="sng">
+                      <a:noFill/>
+                      <a:prstDash val="solid"/>
+                    </a:lnBlToTr>
+                    <a:noFill/>
+                  </a:tcPr>
+                </a:tc>
+                <a:tc>
+                  <a:txBody>
+                    <a:bodyPr/>
+                    <a:lstStyle/>
+                    <a:p>
+                      <a:pPr algn="ctr"/>
+                      <a:r>
+                        <a:rPr lang="en-US" sz="3400" dirty="0"/>
+                        <a:t>100</a:t>
+                      </a:r>
+                      <a:endParaRPr lang="en-GB" sz="3400" dirty="0"/>
+                    </a:p>
+                  </a:txBody>
+                  <a:tcPr anchor="ctr">
+                    <a:lnL w="12700" cap="flat" cmpd="sng" algn="ctr">
+                      <a:solidFill>
+                        <a:schemeClr val="tx1"/>
+                      </a:solidFill>
+                      <a:prstDash val="solid"/>
+                      <a:round/>
+                      <a:headEnd type="none" w="med" len="med"/>
+                      <a:tailEnd type="none" w="med" len="med"/>
+                    </a:lnL>
+                    <a:lnR w="12700" cap="flat" cmpd="sng" algn="ctr">
+                      <a:solidFill>
+                        <a:schemeClr val="tx1"/>
+                      </a:solidFill>
+                      <a:prstDash val="solid"/>
+                      <a:round/>
+                      <a:headEnd type="none" w="med" len="med"/>
+                      <a:tailEnd type="none" w="med" len="med"/>
+                    </a:lnR>
+                    <a:lnT w="12700" cap="flat" cmpd="sng" algn="ctr">
+                      <a:solidFill>
+                        <a:schemeClr val="tx1"/>
+                      </a:solidFill>
+                      <a:prstDash val="solid"/>
+                      <a:round/>
+                      <a:headEnd type="none" w="med" len="med"/>
+                      <a:tailEnd type="none" w="med" len="med"/>
+                    </a:lnT>
+                    <a:lnB w="12700" cmpd="sng">
+                      <a:noFill/>
+                    </a:lnB>
+                    <a:lnTlToBr w="12700" cmpd="sng">
+                      <a:noFill/>
+                      <a:prstDash val="solid"/>
+                    </a:lnTlToBr>
+                    <a:lnBlToTr w="12700" cmpd="sng">
+                      <a:noFill/>
+                      <a:prstDash val="solid"/>
+                    </a:lnBlToTr>
+                    <a:noFill/>
+                  </a:tcPr>
+                </a:tc>
+                <a:tc>
+                  <a:txBody>
+                    <a:bodyPr/>
+                    <a:lstStyle/>
+                    <a:p>
+                      <a:pPr algn="ctr"/>
+                      <a:r>
+                        <a:rPr lang="en-US" sz="3400" dirty="0"/>
+                        <a:t>60</a:t>
+                      </a:r>
+                      <a:endParaRPr lang="en-GB" sz="3400" dirty="0"/>
+                    </a:p>
+                  </a:txBody>
+                  <a:tcPr anchor="ctr">
+                    <a:lnL w="12700" cap="flat" cmpd="sng" algn="ctr">
+                      <a:solidFill>
+                        <a:schemeClr val="tx1"/>
+                      </a:solidFill>
+                      <a:prstDash val="solid"/>
+                      <a:round/>
+                      <a:headEnd type="none" w="med" len="med"/>
+                      <a:tailEnd type="none" w="med" len="med"/>
+                    </a:lnL>
+                    <a:lnR w="12700" cmpd="sng">
+                      <a:noFill/>
+                    </a:lnR>
+                    <a:lnT w="12700" cap="flat" cmpd="sng" algn="ctr">
+                      <a:solidFill>
+                        <a:schemeClr val="tx1"/>
+                      </a:solidFill>
+                      <a:prstDash val="solid"/>
+                      <a:round/>
+                      <a:headEnd type="none" w="med" len="med"/>
+                      <a:tailEnd type="none" w="med" len="med"/>
+                    </a:lnT>
+                    <a:lnB w="12700" cmpd="sng">
+                      <a:noFill/>
+                    </a:lnB>
+                    <a:lnTlToBr w="12700" cmpd="sng">
+                      <a:noFill/>
+                      <a:prstDash val="solid"/>
+                    </a:lnTlToBr>
+                    <a:lnBlToTr w="12700" cmpd="sng">
+                      <a:noFill/>
+                      <a:prstDash val="solid"/>
+                    </a:lnBlToTr>
+                    <a:noFill/>
+                  </a:tcPr>
+                </a:tc>
+                <a:extLst>
+                  <a:ext uri="{0D108BD9-81ED-4DB2-BD59-A6C34878D82A}">
+                    <a16:rowId xmlns:a16="http://schemas.microsoft.com/office/drawing/2014/main" val="3333150796"/>
+                  </a:ext>
+                </a:extLst>
+              </a:tr>
+            </a:tbl>
+          </a:graphicData>
+        </a:graphic>
+      </p:graphicFrame>
     </p:spTree>
   </p:cSld>
   <p:clrMapOvr>

--- a/PDS-INFO-2-G5.pptx
+++ b/PDS-INFO-2-G5.pptx
@@ -297,7 +297,7 @@
               <a:pPr>
                 <a:defRPr/>
               </a:pPr>
-              <a:t>28-04-20</a:t>
+              <a:t>29-04-20</a:t>
             </a:fld>
             <a:endParaRPr lang="fr-BE"/>
           </a:p>
@@ -501,7 +501,7 @@
               <a:pPr>
                 <a:defRPr/>
               </a:pPr>
-              <a:t>28-04-20</a:t>
+              <a:t>29-04-20</a:t>
             </a:fld>
             <a:endParaRPr lang="fr-BE"/>
           </a:p>
@@ -5362,8 +5362,8 @@
         </p:nvSpPr>
         <p:spPr>
           <a:xfrm>
-            <a:off x="2033812" y="11340134"/>
-            <a:ext cx="29964433" cy="1261884"/>
+            <a:off x="2033812" y="11052102"/>
+            <a:ext cx="29964433" cy="1846659"/>
           </a:xfrm>
           <a:prstGeom prst="rect">
             <a:avLst/>
@@ -5430,8 +5430,11 @@
             </a:r>
             <a:r>
               <a:rPr lang="fr-FR" sz="3800" dirty="0"/>
-              <a:t>achine), </a:t>
+              <a:t>achine) avec les techniques d'extraction des caractéristiques SIFT, SURF et ORB</a:t>
             </a:r>
+          </a:p>
+          <a:p>
+            <a:pPr algn="ctr"/>
             <a:r>
               <a:rPr lang="fr-FR" sz="3800" b="1" dirty="0"/>
               <a:t>CNN</a:t>
@@ -9000,1132 +9003,2424 @@
           </a:p>
         </p:txBody>
       </p:sp>
-      <p:graphicFrame>
-        <p:nvGraphicFramePr>
-          <p:cNvPr id="71" name="Table 7">
-            <a:extLst>
-              <a:ext uri="{FF2B5EF4-FFF2-40B4-BE49-F238E27FC236}">
-                <a16:creationId xmlns:a16="http://schemas.microsoft.com/office/drawing/2014/main" id="{31174AD0-EDD6-4582-9F6E-44A52FFBA421}"/>
-              </a:ext>
-            </a:extLst>
-          </p:cNvPr>
-          <p:cNvGraphicFramePr>
-            <a:graphicFrameLocks noGrp="1"/>
-          </p:cNvGraphicFramePr>
-          <p:nvPr>
-            <p:extLst>
-              <p:ext uri="{D42A27DB-BD31-4B8C-83A1-F6EECF244321}">
-                <p14:modId xmlns:p14="http://schemas.microsoft.com/office/powerpoint/2010/main" val="1148051116"/>
-              </p:ext>
-            </p:extLst>
-          </p:nvPr>
-        </p:nvGraphicFramePr>
-        <p:xfrm>
-          <a:off x="2665540" y="38620201"/>
-          <a:ext cx="13307902" cy="4040370"/>
-        </p:xfrm>
-        <a:graphic>
-          <a:graphicData uri="http://schemas.openxmlformats.org/drawingml/2006/table">
-            <a:tbl>
-              <a:tblPr firstRow="1" bandRow="1">
-                <a:tableStyleId>{93296810-A885-4BE3-A3E7-6D5BEEA58F35}</a:tableStyleId>
-              </a:tblPr>
-              <a:tblGrid>
-                <a:gridCol w="4435967">
-                  <a:extLst>
-                    <a:ext uri="{9D8B030D-6E8A-4147-A177-3AD203B41FA5}">
-                      <a16:colId xmlns:a16="http://schemas.microsoft.com/office/drawing/2014/main" val="2626304605"/>
-                    </a:ext>
-                  </a:extLst>
-                </a:gridCol>
-                <a:gridCol w="1478656">
-                  <a:extLst>
-                    <a:ext uri="{9D8B030D-6E8A-4147-A177-3AD203B41FA5}">
-                      <a16:colId xmlns:a16="http://schemas.microsoft.com/office/drawing/2014/main" val="2973038698"/>
-                    </a:ext>
-                  </a:extLst>
-                </a:gridCol>
-                <a:gridCol w="1478656">
-                  <a:extLst>
-                    <a:ext uri="{9D8B030D-6E8A-4147-A177-3AD203B41FA5}">
-                      <a16:colId xmlns:a16="http://schemas.microsoft.com/office/drawing/2014/main" val="1718655701"/>
-                    </a:ext>
-                  </a:extLst>
-                </a:gridCol>
-                <a:gridCol w="1478656">
-                  <a:extLst>
-                    <a:ext uri="{9D8B030D-6E8A-4147-A177-3AD203B41FA5}">
-                      <a16:colId xmlns:a16="http://schemas.microsoft.com/office/drawing/2014/main" val="2403150399"/>
-                    </a:ext>
-                  </a:extLst>
-                </a:gridCol>
-                <a:gridCol w="4435967">
-                  <a:extLst>
-                    <a:ext uri="{9D8B030D-6E8A-4147-A177-3AD203B41FA5}">
-                      <a16:colId xmlns:a16="http://schemas.microsoft.com/office/drawing/2014/main" val="1961620341"/>
-                    </a:ext>
-                  </a:extLst>
-                </a:gridCol>
-              </a:tblGrid>
-              <a:tr h="684786">
-                <a:tc rowSpan="2">
-                  <a:txBody>
-                    <a:bodyPr/>
-                    <a:lstStyle/>
-                    <a:p>
-                      <a:pPr algn="ctr"/>
-                      <a:r>
-                        <a:rPr lang="fr-FR" sz="4000" noProof="0" dirty="0">
-                          <a:solidFill>
-                            <a:schemeClr val="accent2">
-                              <a:lumMod val="75000"/>
-                            </a:schemeClr>
-                          </a:solidFill>
-                        </a:rPr>
-                        <a:t>Modèle</a:t>
-                      </a:r>
-                    </a:p>
-                  </a:txBody>
-                  <a:tcPr anchor="ctr">
-                    <a:lnL w="12700" cmpd="sng">
-                      <a:noFill/>
-                    </a:lnL>
-                    <a:lnR w="12700" cap="flat" cmpd="sng" algn="ctr">
-                      <a:solidFill>
-                        <a:schemeClr val="tx1"/>
-                      </a:solidFill>
-                      <a:prstDash val="solid"/>
-                      <a:round/>
-                      <a:headEnd type="none" w="med" len="med"/>
-                      <a:tailEnd type="none" w="med" len="med"/>
-                    </a:lnR>
-                    <a:lnT w="12700" cmpd="sng">
-                      <a:noFill/>
-                    </a:lnT>
-                    <a:lnB w="12700" cap="flat" cmpd="sng" algn="ctr">
-                      <a:solidFill>
-                        <a:schemeClr val="tx1"/>
-                      </a:solidFill>
-                      <a:prstDash val="solid"/>
-                      <a:round/>
-                      <a:headEnd type="none" w="med" len="med"/>
-                      <a:tailEnd type="none" w="med" len="med"/>
-                    </a:lnB>
-                    <a:lnTlToBr w="12700" cmpd="sng">
-                      <a:noFill/>
-                      <a:prstDash val="solid"/>
-                    </a:lnTlToBr>
-                    <a:lnBlToTr w="12700" cmpd="sng">
-                      <a:noFill/>
-                      <a:prstDash val="solid"/>
-                    </a:lnBlToTr>
-                    <a:noFill/>
-                  </a:tcPr>
-                </a:tc>
-                <a:tc gridSpan="3">
-                  <a:txBody>
-                    <a:bodyPr/>
-                    <a:lstStyle/>
-                    <a:p>
-                      <a:pPr algn="ctr"/>
-                      <a:r>
-                        <a:rPr lang="en-US" sz="4000" dirty="0">
-                          <a:solidFill>
-                            <a:schemeClr val="accent2">
-                              <a:lumMod val="75000"/>
-                            </a:schemeClr>
-                          </a:solidFill>
-                        </a:rPr>
-                        <a:t>SVM</a:t>
-                      </a:r>
-                      <a:endParaRPr lang="en-GB" sz="4000" dirty="0">
-                        <a:solidFill>
-                          <a:schemeClr val="accent2">
-                            <a:lumMod val="75000"/>
-                          </a:schemeClr>
-                        </a:solidFill>
-                      </a:endParaRPr>
-                    </a:p>
-                  </a:txBody>
-                  <a:tcPr anchor="ctr">
-                    <a:lnL w="12700" cap="flat" cmpd="sng" algn="ctr">
-                      <a:solidFill>
-                        <a:schemeClr val="tx1"/>
-                      </a:solidFill>
-                      <a:prstDash val="solid"/>
-                      <a:round/>
-                      <a:headEnd type="none" w="med" len="med"/>
-                      <a:tailEnd type="none" w="med" len="med"/>
-                    </a:lnL>
-                    <a:lnR w="12700" cap="flat" cmpd="sng" algn="ctr">
-                      <a:solidFill>
-                        <a:schemeClr val="tx1"/>
-                      </a:solidFill>
-                      <a:prstDash val="solid"/>
-                      <a:round/>
-                      <a:headEnd type="none" w="med" len="med"/>
-                      <a:tailEnd type="none" w="med" len="med"/>
-                    </a:lnR>
-                    <a:lnT w="12700" cmpd="sng">
-                      <a:noFill/>
-                    </a:lnT>
-                    <a:lnB w="12700" cap="flat" cmpd="sng" algn="ctr">
-                      <a:solidFill>
-                        <a:schemeClr val="tx1"/>
-                      </a:solidFill>
-                      <a:prstDash val="solid"/>
-                      <a:round/>
-                      <a:headEnd type="none" w="med" len="med"/>
-                      <a:tailEnd type="none" w="med" len="med"/>
-                    </a:lnB>
-                    <a:lnTlToBr w="12700" cmpd="sng">
-                      <a:noFill/>
-                      <a:prstDash val="solid"/>
-                    </a:lnTlToBr>
-                    <a:lnBlToTr w="12700" cmpd="sng">
-                      <a:noFill/>
-                      <a:prstDash val="solid"/>
-                    </a:lnBlToTr>
-                    <a:noFill/>
-                  </a:tcPr>
-                </a:tc>
-                <a:tc hMerge="1">
-                  <a:txBody>
-                    <a:bodyPr/>
-                    <a:lstStyle/>
-                    <a:p>
-                      <a:endParaRPr lang="en-GB"/>
-                    </a:p>
-                  </a:txBody>
-                  <a:tcPr/>
-                </a:tc>
-                <a:tc hMerge="1">
-                  <a:txBody>
-                    <a:bodyPr/>
-                    <a:lstStyle/>
-                    <a:p>
-                      <a:endParaRPr lang="en-GB"/>
-                    </a:p>
-                  </a:txBody>
-                  <a:tcPr/>
-                </a:tc>
-                <a:tc rowSpan="2">
-                  <a:txBody>
-                    <a:bodyPr/>
-                    <a:lstStyle/>
-                    <a:p>
-                      <a:pPr algn="ctr"/>
-                      <a:r>
-                        <a:rPr lang="en-US" sz="4000" dirty="0">
-                          <a:solidFill>
-                            <a:schemeClr val="accent2">
-                              <a:lumMod val="75000"/>
-                            </a:schemeClr>
-                          </a:solidFill>
-                        </a:rPr>
-                        <a:t>CNN</a:t>
-                      </a:r>
-                      <a:endParaRPr lang="en-GB" sz="4000" dirty="0">
-                        <a:solidFill>
-                          <a:schemeClr val="accent2">
-                            <a:lumMod val="75000"/>
-                          </a:schemeClr>
-                        </a:solidFill>
-                      </a:endParaRPr>
-                    </a:p>
-                  </a:txBody>
-                  <a:tcPr anchor="ctr">
-                    <a:lnL w="12700" cap="flat" cmpd="sng" algn="ctr">
-                      <a:solidFill>
-                        <a:schemeClr val="tx1"/>
-                      </a:solidFill>
-                      <a:prstDash val="solid"/>
-                      <a:round/>
-                      <a:headEnd type="none" w="med" len="med"/>
-                      <a:tailEnd type="none" w="med" len="med"/>
-                    </a:lnL>
-                    <a:lnR w="12700" cmpd="sng">
-                      <a:noFill/>
-                    </a:lnR>
-                    <a:lnT w="12700" cmpd="sng">
-                      <a:noFill/>
-                    </a:lnT>
-                    <a:lnB w="12700" cap="flat" cmpd="sng" algn="ctr">
-                      <a:solidFill>
-                        <a:schemeClr val="tx1"/>
-                      </a:solidFill>
-                      <a:prstDash val="solid"/>
-                      <a:round/>
-                      <a:headEnd type="none" w="med" len="med"/>
-                      <a:tailEnd type="none" w="med" len="med"/>
-                    </a:lnB>
-                    <a:lnTlToBr w="12700" cmpd="sng">
-                      <a:noFill/>
-                      <a:prstDash val="solid"/>
-                    </a:lnTlToBr>
-                    <a:lnBlToTr w="12700" cmpd="sng">
-                      <a:noFill/>
-                      <a:prstDash val="solid"/>
-                    </a:lnBlToTr>
-                    <a:noFill/>
-                  </a:tcPr>
-                </a:tc>
+      <mc:AlternateContent xmlns:mc="http://schemas.openxmlformats.org/markup-compatibility/2006">
+        <mc:Choice xmlns:a14="http://schemas.microsoft.com/office/drawing/2010/main" Requires="a14">
+          <p:graphicFrame>
+            <p:nvGraphicFramePr>
+              <p:cNvPr id="71" name="Table 7">
                 <a:extLst>
-                  <a:ext uri="{0D108BD9-81ED-4DB2-BD59-A6C34878D82A}">
-                    <a16:rowId xmlns:a16="http://schemas.microsoft.com/office/drawing/2014/main" val="2066148640"/>
+                  <a:ext uri="{FF2B5EF4-FFF2-40B4-BE49-F238E27FC236}">
+                    <a16:creationId xmlns:a16="http://schemas.microsoft.com/office/drawing/2014/main" id="{31174AD0-EDD6-4582-9F6E-44A52FFBA421}"/>
                   </a:ext>
                 </a:extLst>
-              </a:tr>
-              <a:tr h="805624">
-                <a:tc vMerge="1">
-                  <a:txBody>
-                    <a:bodyPr/>
-                    <a:lstStyle/>
-                    <a:p>
-                      <a:endParaRPr lang="en-GB"/>
-                    </a:p>
-                  </a:txBody>
-                  <a:tcPr/>
-                </a:tc>
-                <a:tc>
-                  <a:txBody>
-                    <a:bodyPr/>
-                    <a:lstStyle/>
-                    <a:p>
-                      <a:pPr algn="ctr"/>
-                      <a:r>
-                        <a:rPr lang="en-US" sz="3400" dirty="0">
+              </p:cNvPr>
+              <p:cNvGraphicFramePr>
+                <a:graphicFrameLocks noGrp="1"/>
+              </p:cNvGraphicFramePr>
+              <p:nvPr>
+                <p:extLst>
+                  <p:ext uri="{D42A27DB-BD31-4B8C-83A1-F6EECF244321}">
+                    <p14:modId xmlns:p14="http://schemas.microsoft.com/office/powerpoint/2010/main" val="2882936830"/>
+                  </p:ext>
+                </p:extLst>
+              </p:nvPr>
+            </p:nvGraphicFramePr>
+            <p:xfrm>
+              <a:off x="2665540" y="38620201"/>
+              <a:ext cx="13307902" cy="4040370"/>
+            </p:xfrm>
+            <a:graphic>
+              <a:graphicData uri="http://schemas.openxmlformats.org/drawingml/2006/table">
+                <a:tbl>
+                  <a:tblPr firstRow="1" bandRow="1">
+                    <a:tableStyleId>{93296810-A885-4BE3-A3E7-6D5BEEA58F35}</a:tableStyleId>
+                  </a:tblPr>
+                  <a:tblGrid>
+                    <a:gridCol w="4435967">
+                      <a:extLst>
+                        <a:ext uri="{9D8B030D-6E8A-4147-A177-3AD203B41FA5}">
+                          <a16:colId xmlns:a16="http://schemas.microsoft.com/office/drawing/2014/main" val="2626304605"/>
+                        </a:ext>
+                      </a:extLst>
+                    </a:gridCol>
+                    <a:gridCol w="1478656">
+                      <a:extLst>
+                        <a:ext uri="{9D8B030D-6E8A-4147-A177-3AD203B41FA5}">
+                          <a16:colId xmlns:a16="http://schemas.microsoft.com/office/drawing/2014/main" val="2973038698"/>
+                        </a:ext>
+                      </a:extLst>
+                    </a:gridCol>
+                    <a:gridCol w="1478656">
+                      <a:extLst>
+                        <a:ext uri="{9D8B030D-6E8A-4147-A177-3AD203B41FA5}">
+                          <a16:colId xmlns:a16="http://schemas.microsoft.com/office/drawing/2014/main" val="1718655701"/>
+                        </a:ext>
+                      </a:extLst>
+                    </a:gridCol>
+                    <a:gridCol w="1478656">
+                      <a:extLst>
+                        <a:ext uri="{9D8B030D-6E8A-4147-A177-3AD203B41FA5}">
+                          <a16:colId xmlns:a16="http://schemas.microsoft.com/office/drawing/2014/main" val="2403150399"/>
+                        </a:ext>
+                      </a:extLst>
+                    </a:gridCol>
+                    <a:gridCol w="4435967">
+                      <a:extLst>
+                        <a:ext uri="{9D8B030D-6E8A-4147-A177-3AD203B41FA5}">
+                          <a16:colId xmlns:a16="http://schemas.microsoft.com/office/drawing/2014/main" val="1961620341"/>
+                        </a:ext>
+                      </a:extLst>
+                    </a:gridCol>
+                  </a:tblGrid>
+                  <a:tr h="684786">
+                    <a:tc rowSpan="2">
+                      <a:txBody>
+                        <a:bodyPr/>
+                        <a:lstStyle/>
+                        <a:p>
+                          <a:pPr algn="ctr"/>
+                          <a:r>
+                            <a:rPr lang="fr-FR" sz="4000" noProof="0" dirty="0">
+                              <a:solidFill>
+                                <a:schemeClr val="accent2">
+                                  <a:lumMod val="75000"/>
+                                </a:schemeClr>
+                              </a:solidFill>
+                            </a:rPr>
+                            <a:t>Modèle</a:t>
+                          </a:r>
+                        </a:p>
+                      </a:txBody>
+                      <a:tcPr anchor="ctr">
+                        <a:lnL w="12700" cmpd="sng">
+                          <a:noFill/>
+                        </a:lnL>
+                        <a:lnR w="12700" cap="flat" cmpd="sng" algn="ctr">
                           <a:solidFill>
-                            <a:schemeClr val="accent2">
-                              <a:lumMod val="75000"/>
-                            </a:schemeClr>
+                            <a:schemeClr val="tx1"/>
                           </a:solidFill>
-                        </a:rPr>
-                        <a:t>SIFT</a:t>
-                      </a:r>
-                      <a:endParaRPr lang="en-GB" sz="3400" dirty="0">
-                        <a:solidFill>
-                          <a:schemeClr val="accent2">
-                            <a:lumMod val="75000"/>
-                          </a:schemeClr>
-                        </a:solidFill>
-                      </a:endParaRPr>
-                    </a:p>
-                  </a:txBody>
-                  <a:tcPr anchor="ctr">
-                    <a:lnL w="12700" cap="flat" cmpd="sng" algn="ctr">
-                      <a:solidFill>
-                        <a:schemeClr val="tx1"/>
-                      </a:solidFill>
-                      <a:prstDash val="solid"/>
-                      <a:round/>
-                      <a:headEnd type="none" w="med" len="med"/>
-                      <a:tailEnd type="none" w="med" len="med"/>
-                    </a:lnL>
-                    <a:lnR w="12700" cap="flat" cmpd="sng" algn="ctr">
-                      <a:solidFill>
-                        <a:schemeClr val="tx1"/>
-                      </a:solidFill>
-                      <a:prstDash val="solid"/>
-                      <a:round/>
-                      <a:headEnd type="none" w="med" len="med"/>
-                      <a:tailEnd type="none" w="med" len="med"/>
-                    </a:lnR>
-                    <a:lnT w="12700" cap="flat" cmpd="sng" algn="ctr">
-                      <a:solidFill>
-                        <a:schemeClr val="tx1"/>
-                      </a:solidFill>
-                      <a:prstDash val="solid"/>
-                      <a:round/>
-                      <a:headEnd type="none" w="med" len="med"/>
-                      <a:tailEnd type="none" w="med" len="med"/>
-                    </a:lnT>
-                    <a:lnB w="12700" cap="flat" cmpd="sng" algn="ctr">
-                      <a:solidFill>
-                        <a:schemeClr val="tx1"/>
-                      </a:solidFill>
-                      <a:prstDash val="solid"/>
-                      <a:round/>
-                      <a:headEnd type="none" w="med" len="med"/>
-                      <a:tailEnd type="none" w="med" len="med"/>
-                    </a:lnB>
-                    <a:lnTlToBr w="12700" cmpd="sng">
-                      <a:noFill/>
-                      <a:prstDash val="solid"/>
-                    </a:lnTlToBr>
-                    <a:lnBlToTr w="12700" cmpd="sng">
-                      <a:noFill/>
-                      <a:prstDash val="solid"/>
-                    </a:lnBlToTr>
-                    <a:noFill/>
-                  </a:tcPr>
-                </a:tc>
-                <a:tc>
-                  <a:txBody>
-                    <a:bodyPr/>
-                    <a:lstStyle/>
-                    <a:p>
-                      <a:pPr algn="ctr"/>
-                      <a:r>
-                        <a:rPr lang="en-US" sz="3400" dirty="0">
+                          <a:prstDash val="solid"/>
+                          <a:round/>
+                          <a:headEnd type="none" w="med" len="med"/>
+                          <a:tailEnd type="none" w="med" len="med"/>
+                        </a:lnR>
+                        <a:lnT w="12700" cmpd="sng">
+                          <a:noFill/>
+                        </a:lnT>
+                        <a:lnB w="12700" cap="flat" cmpd="sng" algn="ctr">
                           <a:solidFill>
-                            <a:schemeClr val="accent2">
-                              <a:lumMod val="75000"/>
-                            </a:schemeClr>
+                            <a:schemeClr val="tx1"/>
                           </a:solidFill>
-                        </a:rPr>
-                        <a:t>SURF</a:t>
-                      </a:r>
-                      <a:endParaRPr lang="en-GB" sz="3400" dirty="0">
-                        <a:solidFill>
-                          <a:schemeClr val="accent2">
-                            <a:lumMod val="75000"/>
-                          </a:schemeClr>
-                        </a:solidFill>
-                      </a:endParaRPr>
-                    </a:p>
-                  </a:txBody>
-                  <a:tcPr anchor="ctr">
-                    <a:lnL w="12700" cap="flat" cmpd="sng" algn="ctr">
-                      <a:solidFill>
-                        <a:schemeClr val="tx1"/>
-                      </a:solidFill>
-                      <a:prstDash val="solid"/>
-                      <a:round/>
-                      <a:headEnd type="none" w="med" len="med"/>
-                      <a:tailEnd type="none" w="med" len="med"/>
-                    </a:lnL>
-                    <a:lnR w="12700" cap="flat" cmpd="sng" algn="ctr">
-                      <a:solidFill>
-                        <a:schemeClr val="tx1"/>
-                      </a:solidFill>
-                      <a:prstDash val="solid"/>
-                      <a:round/>
-                      <a:headEnd type="none" w="med" len="med"/>
-                      <a:tailEnd type="none" w="med" len="med"/>
-                    </a:lnR>
-                    <a:lnT w="12700" cap="flat" cmpd="sng" algn="ctr">
-                      <a:solidFill>
-                        <a:schemeClr val="tx1"/>
-                      </a:solidFill>
-                      <a:prstDash val="solid"/>
-                      <a:round/>
-                      <a:headEnd type="none" w="med" len="med"/>
-                      <a:tailEnd type="none" w="med" len="med"/>
-                    </a:lnT>
-                    <a:lnB w="12700" cap="flat" cmpd="sng" algn="ctr">
-                      <a:solidFill>
-                        <a:schemeClr val="tx1"/>
-                      </a:solidFill>
-                      <a:prstDash val="solid"/>
-                      <a:round/>
-                      <a:headEnd type="none" w="med" len="med"/>
-                      <a:tailEnd type="none" w="med" len="med"/>
-                    </a:lnB>
-                    <a:lnTlToBr w="12700" cmpd="sng">
-                      <a:noFill/>
-                      <a:prstDash val="solid"/>
-                    </a:lnTlToBr>
-                    <a:lnBlToTr w="12700" cmpd="sng">
-                      <a:noFill/>
-                      <a:prstDash val="solid"/>
-                    </a:lnBlToTr>
-                    <a:noFill/>
-                  </a:tcPr>
-                </a:tc>
-                <a:tc>
-                  <a:txBody>
-                    <a:bodyPr/>
-                    <a:lstStyle/>
-                    <a:p>
-                      <a:pPr algn="ctr"/>
-                      <a:r>
-                        <a:rPr lang="en-US" sz="3400" dirty="0">
+                          <a:prstDash val="solid"/>
+                          <a:round/>
+                          <a:headEnd type="none" w="med" len="med"/>
+                          <a:tailEnd type="none" w="med" len="med"/>
+                        </a:lnB>
+                        <a:lnTlToBr w="12700" cmpd="sng">
+                          <a:noFill/>
+                          <a:prstDash val="solid"/>
+                        </a:lnTlToBr>
+                        <a:lnBlToTr w="12700" cmpd="sng">
+                          <a:noFill/>
+                          <a:prstDash val="solid"/>
+                        </a:lnBlToTr>
+                        <a:noFill/>
+                      </a:tcPr>
+                    </a:tc>
+                    <a:tc gridSpan="3">
+                      <a:txBody>
+                        <a:bodyPr/>
+                        <a:lstStyle/>
+                        <a:p>
+                          <a:pPr algn="ctr"/>
+                          <a:r>
+                            <a:rPr lang="en-US" sz="4000" dirty="0">
+                              <a:solidFill>
+                                <a:schemeClr val="accent2">
+                                  <a:lumMod val="75000"/>
+                                </a:schemeClr>
+                              </a:solidFill>
+                            </a:rPr>
+                            <a:t>SVM</a:t>
+                          </a:r>
+                          <a:endParaRPr lang="en-GB" sz="4000" dirty="0">
+                            <a:solidFill>
+                              <a:schemeClr val="accent2">
+                                <a:lumMod val="75000"/>
+                              </a:schemeClr>
+                            </a:solidFill>
+                          </a:endParaRPr>
+                        </a:p>
+                      </a:txBody>
+                      <a:tcPr anchor="ctr">
+                        <a:lnL w="12700" cap="flat" cmpd="sng" algn="ctr">
                           <a:solidFill>
-                            <a:schemeClr val="accent2">
-                              <a:lumMod val="75000"/>
-                            </a:schemeClr>
+                            <a:schemeClr val="tx1"/>
                           </a:solidFill>
-                        </a:rPr>
-                        <a:t>ORB</a:t>
-                      </a:r>
-                      <a:endParaRPr lang="en-GB" sz="3400" dirty="0">
-                        <a:solidFill>
-                          <a:schemeClr val="accent2">
-                            <a:lumMod val="75000"/>
-                          </a:schemeClr>
-                        </a:solidFill>
-                      </a:endParaRPr>
-                    </a:p>
-                  </a:txBody>
-                  <a:tcPr anchor="ctr">
-                    <a:lnL w="12700" cap="flat" cmpd="sng" algn="ctr">
-                      <a:solidFill>
-                        <a:schemeClr val="tx1"/>
-                      </a:solidFill>
-                      <a:prstDash val="solid"/>
-                      <a:round/>
-                      <a:headEnd type="none" w="med" len="med"/>
-                      <a:tailEnd type="none" w="med" len="med"/>
-                    </a:lnL>
-                    <a:lnR w="12700" cap="flat" cmpd="sng" algn="ctr">
-                      <a:solidFill>
-                        <a:schemeClr val="tx1"/>
-                      </a:solidFill>
-                      <a:prstDash val="solid"/>
-                      <a:round/>
-                      <a:headEnd type="none" w="med" len="med"/>
-                      <a:tailEnd type="none" w="med" len="med"/>
-                    </a:lnR>
-                    <a:lnT w="12700" cap="flat" cmpd="sng" algn="ctr">
-                      <a:solidFill>
-                        <a:schemeClr val="tx1"/>
-                      </a:solidFill>
-                      <a:prstDash val="solid"/>
-                      <a:round/>
-                      <a:headEnd type="none" w="med" len="med"/>
-                      <a:tailEnd type="none" w="med" len="med"/>
-                    </a:lnT>
-                    <a:lnB w="12700" cap="flat" cmpd="sng" algn="ctr">
-                      <a:solidFill>
-                        <a:schemeClr val="tx1"/>
-                      </a:solidFill>
-                      <a:prstDash val="solid"/>
-                      <a:round/>
-                      <a:headEnd type="none" w="med" len="med"/>
-                      <a:tailEnd type="none" w="med" len="med"/>
-                    </a:lnB>
-                    <a:lnTlToBr w="12700" cmpd="sng">
-                      <a:noFill/>
-                      <a:prstDash val="solid"/>
-                    </a:lnTlToBr>
-                    <a:lnBlToTr w="12700" cmpd="sng">
-                      <a:noFill/>
-                      <a:prstDash val="solid"/>
-                    </a:lnBlToTr>
-                    <a:noFill/>
-                  </a:tcPr>
-                </a:tc>
-                <a:tc vMerge="1">
-                  <a:txBody>
-                    <a:bodyPr/>
-                    <a:lstStyle/>
-                    <a:p>
-                      <a:endParaRPr lang="en-GB"/>
-                    </a:p>
-                  </a:txBody>
-                  <a:tcPr/>
-                </a:tc>
+                          <a:prstDash val="solid"/>
+                          <a:round/>
+                          <a:headEnd type="none" w="med" len="med"/>
+                          <a:tailEnd type="none" w="med" len="med"/>
+                        </a:lnL>
+                        <a:lnR w="12700" cap="flat" cmpd="sng" algn="ctr">
+                          <a:solidFill>
+                            <a:schemeClr val="tx1"/>
+                          </a:solidFill>
+                          <a:prstDash val="solid"/>
+                          <a:round/>
+                          <a:headEnd type="none" w="med" len="med"/>
+                          <a:tailEnd type="none" w="med" len="med"/>
+                        </a:lnR>
+                        <a:lnT w="12700" cmpd="sng">
+                          <a:noFill/>
+                        </a:lnT>
+                        <a:lnB w="12700" cap="flat" cmpd="sng" algn="ctr">
+                          <a:solidFill>
+                            <a:schemeClr val="tx1"/>
+                          </a:solidFill>
+                          <a:prstDash val="solid"/>
+                          <a:round/>
+                          <a:headEnd type="none" w="med" len="med"/>
+                          <a:tailEnd type="none" w="med" len="med"/>
+                        </a:lnB>
+                        <a:lnTlToBr w="12700" cmpd="sng">
+                          <a:noFill/>
+                          <a:prstDash val="solid"/>
+                        </a:lnTlToBr>
+                        <a:lnBlToTr w="12700" cmpd="sng">
+                          <a:noFill/>
+                          <a:prstDash val="solid"/>
+                        </a:lnBlToTr>
+                        <a:noFill/>
+                      </a:tcPr>
+                    </a:tc>
+                    <a:tc hMerge="1">
+                      <a:txBody>
+                        <a:bodyPr/>
+                        <a:lstStyle/>
+                        <a:p>
+                          <a:endParaRPr lang="en-GB"/>
+                        </a:p>
+                      </a:txBody>
+                      <a:tcPr/>
+                    </a:tc>
+                    <a:tc hMerge="1">
+                      <a:txBody>
+                        <a:bodyPr/>
+                        <a:lstStyle/>
+                        <a:p>
+                          <a:endParaRPr lang="en-GB"/>
+                        </a:p>
+                      </a:txBody>
+                      <a:tcPr/>
+                    </a:tc>
+                    <a:tc rowSpan="2">
+                      <a:txBody>
+                        <a:bodyPr/>
+                        <a:lstStyle/>
+                        <a:p>
+                          <a:pPr algn="ctr"/>
+                          <a:r>
+                            <a:rPr lang="en-US" sz="4000" dirty="0">
+                              <a:solidFill>
+                                <a:schemeClr val="accent2">
+                                  <a:lumMod val="75000"/>
+                                </a:schemeClr>
+                              </a:solidFill>
+                            </a:rPr>
+                            <a:t>CNN</a:t>
+                          </a:r>
+                          <a:endParaRPr lang="en-GB" sz="4000" dirty="0">
+                            <a:solidFill>
+                              <a:schemeClr val="accent2">
+                                <a:lumMod val="75000"/>
+                              </a:schemeClr>
+                            </a:solidFill>
+                          </a:endParaRPr>
+                        </a:p>
+                      </a:txBody>
+                      <a:tcPr anchor="ctr">
+                        <a:lnL w="12700" cap="flat" cmpd="sng" algn="ctr">
+                          <a:solidFill>
+                            <a:schemeClr val="tx1"/>
+                          </a:solidFill>
+                          <a:prstDash val="solid"/>
+                          <a:round/>
+                          <a:headEnd type="none" w="med" len="med"/>
+                          <a:tailEnd type="none" w="med" len="med"/>
+                        </a:lnL>
+                        <a:lnR w="12700" cmpd="sng">
+                          <a:noFill/>
+                        </a:lnR>
+                        <a:lnT w="12700" cmpd="sng">
+                          <a:noFill/>
+                        </a:lnT>
+                        <a:lnB w="12700" cap="flat" cmpd="sng" algn="ctr">
+                          <a:solidFill>
+                            <a:schemeClr val="tx1"/>
+                          </a:solidFill>
+                          <a:prstDash val="solid"/>
+                          <a:round/>
+                          <a:headEnd type="none" w="med" len="med"/>
+                          <a:tailEnd type="none" w="med" len="med"/>
+                        </a:lnB>
+                        <a:lnTlToBr w="12700" cmpd="sng">
+                          <a:noFill/>
+                          <a:prstDash val="solid"/>
+                        </a:lnTlToBr>
+                        <a:lnBlToTr w="12700" cmpd="sng">
+                          <a:noFill/>
+                          <a:prstDash val="solid"/>
+                        </a:lnBlToTr>
+                        <a:noFill/>
+                      </a:tcPr>
+                    </a:tc>
+                    <a:extLst>
+                      <a:ext uri="{0D108BD9-81ED-4DB2-BD59-A6C34878D82A}">
+                        <a16:rowId xmlns:a16="http://schemas.microsoft.com/office/drawing/2014/main" val="2066148640"/>
+                      </a:ext>
+                    </a:extLst>
+                  </a:tr>
+                  <a:tr h="805624">
+                    <a:tc vMerge="1">
+                      <a:txBody>
+                        <a:bodyPr/>
+                        <a:lstStyle/>
+                        <a:p>
+                          <a:endParaRPr lang="en-GB"/>
+                        </a:p>
+                      </a:txBody>
+                      <a:tcPr/>
+                    </a:tc>
+                    <a:tc>
+                      <a:txBody>
+                        <a:bodyPr/>
+                        <a:lstStyle/>
+                        <a:p>
+                          <a:pPr algn="ctr"/>
+                          <a:r>
+                            <a:rPr lang="en-US" sz="3400" dirty="0">
+                              <a:solidFill>
+                                <a:schemeClr val="accent2">
+                                  <a:lumMod val="75000"/>
+                                </a:schemeClr>
+                              </a:solidFill>
+                            </a:rPr>
+                            <a:t>SIFT</a:t>
+                          </a:r>
+                          <a:endParaRPr lang="en-GB" sz="3400" dirty="0">
+                            <a:solidFill>
+                              <a:schemeClr val="accent2">
+                                <a:lumMod val="75000"/>
+                              </a:schemeClr>
+                            </a:solidFill>
+                          </a:endParaRPr>
+                        </a:p>
+                      </a:txBody>
+                      <a:tcPr anchor="ctr">
+                        <a:lnL w="12700" cap="flat" cmpd="sng" algn="ctr">
+                          <a:solidFill>
+                            <a:schemeClr val="tx1"/>
+                          </a:solidFill>
+                          <a:prstDash val="solid"/>
+                          <a:round/>
+                          <a:headEnd type="none" w="med" len="med"/>
+                          <a:tailEnd type="none" w="med" len="med"/>
+                        </a:lnL>
+                        <a:lnR w="12700" cap="flat" cmpd="sng" algn="ctr">
+                          <a:solidFill>
+                            <a:schemeClr val="tx1"/>
+                          </a:solidFill>
+                          <a:prstDash val="solid"/>
+                          <a:round/>
+                          <a:headEnd type="none" w="med" len="med"/>
+                          <a:tailEnd type="none" w="med" len="med"/>
+                        </a:lnR>
+                        <a:lnT w="12700" cap="flat" cmpd="sng" algn="ctr">
+                          <a:solidFill>
+                            <a:schemeClr val="tx1"/>
+                          </a:solidFill>
+                          <a:prstDash val="solid"/>
+                          <a:round/>
+                          <a:headEnd type="none" w="med" len="med"/>
+                          <a:tailEnd type="none" w="med" len="med"/>
+                        </a:lnT>
+                        <a:lnB w="12700" cap="flat" cmpd="sng" algn="ctr">
+                          <a:solidFill>
+                            <a:schemeClr val="tx1"/>
+                          </a:solidFill>
+                          <a:prstDash val="solid"/>
+                          <a:round/>
+                          <a:headEnd type="none" w="med" len="med"/>
+                          <a:tailEnd type="none" w="med" len="med"/>
+                        </a:lnB>
+                        <a:lnTlToBr w="12700" cmpd="sng">
+                          <a:noFill/>
+                          <a:prstDash val="solid"/>
+                        </a:lnTlToBr>
+                        <a:lnBlToTr w="12700" cmpd="sng">
+                          <a:noFill/>
+                          <a:prstDash val="solid"/>
+                        </a:lnBlToTr>
+                        <a:noFill/>
+                      </a:tcPr>
+                    </a:tc>
+                    <a:tc>
+                      <a:txBody>
+                        <a:bodyPr/>
+                        <a:lstStyle/>
+                        <a:p>
+                          <a:pPr algn="ctr"/>
+                          <a:r>
+                            <a:rPr lang="en-US" sz="3400" dirty="0">
+                              <a:solidFill>
+                                <a:schemeClr val="accent2">
+                                  <a:lumMod val="75000"/>
+                                </a:schemeClr>
+                              </a:solidFill>
+                            </a:rPr>
+                            <a:t>SURF</a:t>
+                          </a:r>
+                          <a:endParaRPr lang="en-GB" sz="3400" dirty="0">
+                            <a:solidFill>
+                              <a:schemeClr val="accent2">
+                                <a:lumMod val="75000"/>
+                              </a:schemeClr>
+                            </a:solidFill>
+                          </a:endParaRPr>
+                        </a:p>
+                      </a:txBody>
+                      <a:tcPr anchor="ctr">
+                        <a:lnL w="12700" cap="flat" cmpd="sng" algn="ctr">
+                          <a:solidFill>
+                            <a:schemeClr val="tx1"/>
+                          </a:solidFill>
+                          <a:prstDash val="solid"/>
+                          <a:round/>
+                          <a:headEnd type="none" w="med" len="med"/>
+                          <a:tailEnd type="none" w="med" len="med"/>
+                        </a:lnL>
+                        <a:lnR w="12700" cap="flat" cmpd="sng" algn="ctr">
+                          <a:solidFill>
+                            <a:schemeClr val="tx1"/>
+                          </a:solidFill>
+                          <a:prstDash val="solid"/>
+                          <a:round/>
+                          <a:headEnd type="none" w="med" len="med"/>
+                          <a:tailEnd type="none" w="med" len="med"/>
+                        </a:lnR>
+                        <a:lnT w="12700" cap="flat" cmpd="sng" algn="ctr">
+                          <a:solidFill>
+                            <a:schemeClr val="tx1"/>
+                          </a:solidFill>
+                          <a:prstDash val="solid"/>
+                          <a:round/>
+                          <a:headEnd type="none" w="med" len="med"/>
+                          <a:tailEnd type="none" w="med" len="med"/>
+                        </a:lnT>
+                        <a:lnB w="12700" cap="flat" cmpd="sng" algn="ctr">
+                          <a:solidFill>
+                            <a:schemeClr val="tx1"/>
+                          </a:solidFill>
+                          <a:prstDash val="solid"/>
+                          <a:round/>
+                          <a:headEnd type="none" w="med" len="med"/>
+                          <a:tailEnd type="none" w="med" len="med"/>
+                        </a:lnB>
+                        <a:lnTlToBr w="12700" cmpd="sng">
+                          <a:noFill/>
+                          <a:prstDash val="solid"/>
+                        </a:lnTlToBr>
+                        <a:lnBlToTr w="12700" cmpd="sng">
+                          <a:noFill/>
+                          <a:prstDash val="solid"/>
+                        </a:lnBlToTr>
+                        <a:noFill/>
+                      </a:tcPr>
+                    </a:tc>
+                    <a:tc>
+                      <a:txBody>
+                        <a:bodyPr/>
+                        <a:lstStyle/>
+                        <a:p>
+                          <a:pPr algn="ctr"/>
+                          <a:r>
+                            <a:rPr lang="en-US" sz="3400" dirty="0">
+                              <a:solidFill>
+                                <a:schemeClr val="accent2">
+                                  <a:lumMod val="75000"/>
+                                </a:schemeClr>
+                              </a:solidFill>
+                            </a:rPr>
+                            <a:t>ORB</a:t>
+                          </a:r>
+                          <a:endParaRPr lang="en-GB" sz="3400" dirty="0">
+                            <a:solidFill>
+                              <a:schemeClr val="accent2">
+                                <a:lumMod val="75000"/>
+                              </a:schemeClr>
+                            </a:solidFill>
+                          </a:endParaRPr>
+                        </a:p>
+                      </a:txBody>
+                      <a:tcPr anchor="ctr">
+                        <a:lnL w="12700" cap="flat" cmpd="sng" algn="ctr">
+                          <a:solidFill>
+                            <a:schemeClr val="tx1"/>
+                          </a:solidFill>
+                          <a:prstDash val="solid"/>
+                          <a:round/>
+                          <a:headEnd type="none" w="med" len="med"/>
+                          <a:tailEnd type="none" w="med" len="med"/>
+                        </a:lnL>
+                        <a:lnR w="12700" cap="flat" cmpd="sng" algn="ctr">
+                          <a:solidFill>
+                            <a:schemeClr val="tx1"/>
+                          </a:solidFill>
+                          <a:prstDash val="solid"/>
+                          <a:round/>
+                          <a:headEnd type="none" w="med" len="med"/>
+                          <a:tailEnd type="none" w="med" len="med"/>
+                        </a:lnR>
+                        <a:lnT w="12700" cap="flat" cmpd="sng" algn="ctr">
+                          <a:solidFill>
+                            <a:schemeClr val="tx1"/>
+                          </a:solidFill>
+                          <a:prstDash val="solid"/>
+                          <a:round/>
+                          <a:headEnd type="none" w="med" len="med"/>
+                          <a:tailEnd type="none" w="med" len="med"/>
+                        </a:lnT>
+                        <a:lnB w="12700" cap="flat" cmpd="sng" algn="ctr">
+                          <a:solidFill>
+                            <a:schemeClr val="tx1"/>
+                          </a:solidFill>
+                          <a:prstDash val="solid"/>
+                          <a:round/>
+                          <a:headEnd type="none" w="med" len="med"/>
+                          <a:tailEnd type="none" w="med" len="med"/>
+                        </a:lnB>
+                        <a:lnTlToBr w="12700" cmpd="sng">
+                          <a:noFill/>
+                          <a:prstDash val="solid"/>
+                        </a:lnTlToBr>
+                        <a:lnBlToTr w="12700" cmpd="sng">
+                          <a:noFill/>
+                          <a:prstDash val="solid"/>
+                        </a:lnBlToTr>
+                        <a:noFill/>
+                      </a:tcPr>
+                    </a:tc>
+                    <a:tc vMerge="1">
+                      <a:txBody>
+                        <a:bodyPr/>
+                        <a:lstStyle/>
+                        <a:p>
+                          <a:endParaRPr lang="en-GB"/>
+                        </a:p>
+                      </a:txBody>
+                      <a:tcPr/>
+                    </a:tc>
+                    <a:extLst>
+                      <a:ext uri="{0D108BD9-81ED-4DB2-BD59-A6C34878D82A}">
+                        <a16:rowId xmlns:a16="http://schemas.microsoft.com/office/drawing/2014/main" val="2518867"/>
+                      </a:ext>
+                    </a:extLst>
+                  </a:tr>
+                  <a:tr h="1266853">
+                    <a:tc>
+                      <a:txBody>
+                        <a:bodyPr/>
+                        <a:lstStyle/>
+                        <a:p>
+                          <a:pPr algn="ctr"/>
+                          <a14:m>
+                            <m:oMathPara xmlns:m="http://schemas.openxmlformats.org/officeDocument/2006/math">
+                              <m:oMathParaPr>
+                                <m:jc m:val="centerGroup"/>
+                              </m:oMathParaPr>
+                              <m:oMath xmlns:m="http://schemas.openxmlformats.org/officeDocument/2006/math">
+                                <m:f>
+                                  <m:fPr>
+                                    <m:ctrlPr>
+                                      <a:rPr lang="fr-FR" sz="2000" i="1" noProof="0" smtClean="0">
+                                        <a:solidFill>
+                                          <a:schemeClr val="accent2">
+                                            <a:lumMod val="75000"/>
+                                          </a:schemeClr>
+                                        </a:solidFill>
+                                        <a:latin typeface="Cambria Math" panose="02040503050406030204" pitchFamily="18" charset="0"/>
+                                      </a:rPr>
+                                    </m:ctrlPr>
+                                  </m:fPr>
+                                  <m:num>
+                                    <m:r>
+                                      <a:rPr lang="en-US" sz="2000" b="0" i="1" noProof="0" smtClean="0">
+                                        <a:solidFill>
+                                          <a:schemeClr val="accent2">
+                                            <a:lumMod val="75000"/>
+                                          </a:schemeClr>
+                                        </a:solidFill>
+                                        <a:latin typeface="Cambria Math" panose="02040503050406030204" pitchFamily="18" charset="0"/>
+                                      </a:rPr>
+                                      <m:t>𝑛𝑏</m:t>
+                                    </m:r>
+                                    <m:r>
+                                      <a:rPr lang="en-US" sz="2000" b="0" i="1" noProof="0" smtClean="0">
+                                        <a:solidFill>
+                                          <a:schemeClr val="accent2">
+                                            <a:lumMod val="75000"/>
+                                          </a:schemeClr>
+                                        </a:solidFill>
+                                        <a:latin typeface="Cambria Math" panose="02040503050406030204" pitchFamily="18" charset="0"/>
+                                      </a:rPr>
+                                      <m:t> </m:t>
+                                    </m:r>
+                                    <m:r>
+                                      <a:rPr lang="en-US" sz="2000" b="0" i="1" noProof="0" smtClean="0">
+                                        <a:solidFill>
+                                          <a:schemeClr val="accent2">
+                                            <a:lumMod val="75000"/>
+                                          </a:schemeClr>
+                                        </a:solidFill>
+                                        <a:latin typeface="Cambria Math" panose="02040503050406030204" pitchFamily="18" charset="0"/>
+                                      </a:rPr>
+                                      <m:t>𝑖𝑚𝑎𝑔𝑒𝑠</m:t>
+                                    </m:r>
+                                    <m:r>
+                                      <a:rPr lang="en-US" sz="2000" b="0" i="1" noProof="0" smtClean="0">
+                                        <a:solidFill>
+                                          <a:schemeClr val="accent2">
+                                            <a:lumMod val="75000"/>
+                                          </a:schemeClr>
+                                        </a:solidFill>
+                                        <a:latin typeface="Cambria Math" panose="02040503050406030204" pitchFamily="18" charset="0"/>
+                                      </a:rPr>
+                                      <m:t> </m:t>
+                                    </m:r>
+                                    <m:r>
+                                      <a:rPr lang="en-US" sz="2000" b="0" i="1" noProof="0" smtClean="0">
+                                        <a:solidFill>
+                                          <a:schemeClr val="accent2">
+                                            <a:lumMod val="75000"/>
+                                          </a:schemeClr>
+                                        </a:solidFill>
+                                        <a:latin typeface="Cambria Math" panose="02040503050406030204" pitchFamily="18" charset="0"/>
+                                      </a:rPr>
+                                      <m:t>𝑐𝑜𝑟𝑟𝑒𝑐𝑡𝑒𝑚𝑒𝑛𝑡</m:t>
+                                    </m:r>
+                                    <m:r>
+                                      <a:rPr lang="en-US" sz="2000" b="0" i="1" noProof="0" smtClean="0">
+                                        <a:solidFill>
+                                          <a:schemeClr val="accent2">
+                                            <a:lumMod val="75000"/>
+                                          </a:schemeClr>
+                                        </a:solidFill>
+                                        <a:latin typeface="Cambria Math" panose="02040503050406030204" pitchFamily="18" charset="0"/>
+                                      </a:rPr>
+                                      <m:t> </m:t>
+                                    </m:r>
+                                    <m:r>
+                                      <a:rPr lang="en-US" sz="2000" b="0" i="1" noProof="0" smtClean="0">
+                                        <a:solidFill>
+                                          <a:schemeClr val="accent2">
+                                            <a:lumMod val="75000"/>
+                                          </a:schemeClr>
+                                        </a:solidFill>
+                                        <a:latin typeface="Cambria Math" panose="02040503050406030204" pitchFamily="18" charset="0"/>
+                                      </a:rPr>
+                                      <m:t>𝑝𝑟</m:t>
+                                    </m:r>
+                                    <m:r>
+                                      <a:rPr lang="en-US" sz="2000" b="0" i="1" noProof="0" smtClean="0">
+                                        <a:solidFill>
+                                          <a:schemeClr val="accent2">
+                                            <a:lumMod val="75000"/>
+                                          </a:schemeClr>
+                                        </a:solidFill>
+                                        <a:latin typeface="Cambria Math" panose="02040503050406030204" pitchFamily="18" charset="0"/>
+                                      </a:rPr>
+                                      <m:t>é</m:t>
+                                    </m:r>
+                                    <m:r>
+                                      <a:rPr lang="en-US" sz="2000" b="0" i="1" noProof="0" smtClean="0">
+                                        <a:solidFill>
+                                          <a:schemeClr val="accent2">
+                                            <a:lumMod val="75000"/>
+                                          </a:schemeClr>
+                                        </a:solidFill>
+                                        <a:latin typeface="Cambria Math" panose="02040503050406030204" pitchFamily="18" charset="0"/>
+                                      </a:rPr>
+                                      <m:t>𝑑𝑖𝑡𝑒𝑠</m:t>
+                                    </m:r>
+                                  </m:num>
+                                  <m:den>
+                                    <m:r>
+                                      <a:rPr lang="en-US" sz="2000" b="0" i="1" noProof="0" smtClean="0">
+                                        <a:solidFill>
+                                          <a:schemeClr val="accent2">
+                                            <a:lumMod val="75000"/>
+                                          </a:schemeClr>
+                                        </a:solidFill>
+                                        <a:latin typeface="Cambria Math" panose="02040503050406030204" pitchFamily="18" charset="0"/>
+                                      </a:rPr>
+                                      <m:t>𝑛𝑏</m:t>
+                                    </m:r>
+                                    <m:r>
+                                      <a:rPr lang="en-US" sz="2000" b="0" i="1" noProof="0" smtClean="0">
+                                        <a:solidFill>
+                                          <a:schemeClr val="accent2">
+                                            <a:lumMod val="75000"/>
+                                          </a:schemeClr>
+                                        </a:solidFill>
+                                        <a:latin typeface="Cambria Math" panose="02040503050406030204" pitchFamily="18" charset="0"/>
+                                      </a:rPr>
+                                      <m:t> </m:t>
+                                    </m:r>
+                                    <m:r>
+                                      <a:rPr lang="en-US" sz="2000" b="0" i="1" noProof="0" smtClean="0">
+                                        <a:solidFill>
+                                          <a:schemeClr val="accent2">
+                                            <a:lumMod val="75000"/>
+                                          </a:schemeClr>
+                                        </a:solidFill>
+                                        <a:latin typeface="Cambria Math" panose="02040503050406030204" pitchFamily="18" charset="0"/>
+                                      </a:rPr>
+                                      <m:t>𝑖𝑚𝑎𝑔𝑒𝑠</m:t>
+                                    </m:r>
+                                    <m:r>
+                                      <a:rPr lang="en-US" sz="2000" b="0" i="1" noProof="0" smtClean="0">
+                                        <a:solidFill>
+                                          <a:schemeClr val="accent2">
+                                            <a:lumMod val="75000"/>
+                                          </a:schemeClr>
+                                        </a:solidFill>
+                                        <a:latin typeface="Cambria Math" panose="02040503050406030204" pitchFamily="18" charset="0"/>
+                                      </a:rPr>
+                                      <m:t> </m:t>
+                                    </m:r>
+                                    <m:r>
+                                      <a:rPr lang="en-US" sz="2000" b="0" i="1" noProof="0" smtClean="0">
+                                        <a:solidFill>
+                                          <a:schemeClr val="accent2">
+                                            <a:lumMod val="75000"/>
+                                          </a:schemeClr>
+                                        </a:solidFill>
+                                        <a:latin typeface="Cambria Math" panose="02040503050406030204" pitchFamily="18" charset="0"/>
+                                      </a:rPr>
+                                      <m:t>𝑡𝑜𝑡𝑎𝑙</m:t>
+                                    </m:r>
+                                  </m:den>
+                                </m:f>
+                              </m:oMath>
+                            </m:oMathPara>
+                          </a14:m>
+                          <a:endParaRPr lang="fr-FR" sz="2000" noProof="0" dirty="0">
+                            <a:solidFill>
+                              <a:schemeClr val="accent2">
+                                <a:lumMod val="75000"/>
+                              </a:schemeClr>
+                            </a:solidFill>
+                          </a:endParaRPr>
+                        </a:p>
+                        <a:p>
+                          <a:pPr algn="ctr"/>
+                          <a:r>
+                            <a:rPr lang="fr-FR" sz="3400" noProof="0" dirty="0">
+                              <a:solidFill>
+                                <a:schemeClr val="accent2">
+                                  <a:lumMod val="75000"/>
+                                </a:schemeClr>
+                              </a:solidFill>
+                            </a:rPr>
+                            <a:t>Précision (%)</a:t>
+                          </a:r>
+                        </a:p>
+                      </a:txBody>
+                      <a:tcPr anchor="ctr">
+                        <a:lnL w="12700" cmpd="sng">
+                          <a:noFill/>
+                        </a:lnL>
+                        <a:lnR w="12700" cap="flat" cmpd="sng" algn="ctr">
+                          <a:solidFill>
+                            <a:schemeClr val="tx1"/>
+                          </a:solidFill>
+                          <a:prstDash val="solid"/>
+                          <a:round/>
+                          <a:headEnd type="none" w="med" len="med"/>
+                          <a:tailEnd type="none" w="med" len="med"/>
+                        </a:lnR>
+                        <a:lnT w="12700" cap="flat" cmpd="sng" algn="ctr">
+                          <a:solidFill>
+                            <a:schemeClr val="tx1"/>
+                          </a:solidFill>
+                          <a:prstDash val="solid"/>
+                          <a:round/>
+                          <a:headEnd type="none" w="med" len="med"/>
+                          <a:tailEnd type="none" w="med" len="med"/>
+                        </a:lnT>
+                        <a:lnB w="12700" cap="flat" cmpd="sng" algn="ctr">
+                          <a:solidFill>
+                            <a:schemeClr val="tx1"/>
+                          </a:solidFill>
+                          <a:prstDash val="solid"/>
+                          <a:round/>
+                          <a:headEnd type="none" w="med" len="med"/>
+                          <a:tailEnd type="none" w="med" len="med"/>
+                        </a:lnB>
+                        <a:lnTlToBr w="12700" cmpd="sng">
+                          <a:noFill/>
+                          <a:prstDash val="solid"/>
+                        </a:lnTlToBr>
+                        <a:lnBlToTr w="12700" cmpd="sng">
+                          <a:noFill/>
+                          <a:prstDash val="solid"/>
+                        </a:lnBlToTr>
+                        <a:noFill/>
+                      </a:tcPr>
+                    </a:tc>
+                    <a:tc>
+                      <a:txBody>
+                        <a:bodyPr/>
+                        <a:lstStyle/>
+                        <a:p>
+                          <a:pPr algn="ctr"/>
+                          <a:r>
+                            <a:rPr lang="fr-FR" sz="3400" noProof="0" dirty="0"/>
+                            <a:t>62</a:t>
+                          </a:r>
+                        </a:p>
+                      </a:txBody>
+                      <a:tcPr anchor="ctr">
+                        <a:lnL w="12700" cap="flat" cmpd="sng" algn="ctr">
+                          <a:solidFill>
+                            <a:schemeClr val="tx1"/>
+                          </a:solidFill>
+                          <a:prstDash val="solid"/>
+                          <a:round/>
+                          <a:headEnd type="none" w="med" len="med"/>
+                          <a:tailEnd type="none" w="med" len="med"/>
+                        </a:lnL>
+                        <a:lnR w="12700" cap="flat" cmpd="sng" algn="ctr">
+                          <a:solidFill>
+                            <a:schemeClr val="tx1"/>
+                          </a:solidFill>
+                          <a:prstDash val="solid"/>
+                          <a:round/>
+                          <a:headEnd type="none" w="med" len="med"/>
+                          <a:tailEnd type="none" w="med" len="med"/>
+                        </a:lnR>
+                        <a:lnT w="12700" cap="flat" cmpd="sng" algn="ctr">
+                          <a:solidFill>
+                            <a:schemeClr val="tx1"/>
+                          </a:solidFill>
+                          <a:prstDash val="solid"/>
+                          <a:round/>
+                          <a:headEnd type="none" w="med" len="med"/>
+                          <a:tailEnd type="none" w="med" len="med"/>
+                        </a:lnT>
+                        <a:lnB w="12700" cap="flat" cmpd="sng" algn="ctr">
+                          <a:solidFill>
+                            <a:schemeClr val="tx1"/>
+                          </a:solidFill>
+                          <a:prstDash val="solid"/>
+                          <a:round/>
+                          <a:headEnd type="none" w="med" len="med"/>
+                          <a:tailEnd type="none" w="med" len="med"/>
+                        </a:lnB>
+                        <a:lnTlToBr w="12700" cmpd="sng">
+                          <a:noFill/>
+                          <a:prstDash val="solid"/>
+                        </a:lnTlToBr>
+                        <a:lnBlToTr w="12700" cmpd="sng">
+                          <a:noFill/>
+                          <a:prstDash val="solid"/>
+                        </a:lnBlToTr>
+                        <a:noFill/>
+                      </a:tcPr>
+                    </a:tc>
+                    <a:tc>
+                      <a:txBody>
+                        <a:bodyPr/>
+                        <a:lstStyle/>
+                        <a:p>
+                          <a:pPr algn="ctr"/>
+                          <a:r>
+                            <a:rPr lang="fr-FR" sz="3400" noProof="0" dirty="0"/>
+                            <a:t>65</a:t>
+                          </a:r>
+                        </a:p>
+                      </a:txBody>
+                      <a:tcPr anchor="ctr">
+                        <a:lnL w="12700" cap="flat" cmpd="sng" algn="ctr">
+                          <a:solidFill>
+                            <a:schemeClr val="tx1"/>
+                          </a:solidFill>
+                          <a:prstDash val="solid"/>
+                          <a:round/>
+                          <a:headEnd type="none" w="med" len="med"/>
+                          <a:tailEnd type="none" w="med" len="med"/>
+                        </a:lnL>
+                        <a:lnR w="12700" cap="flat" cmpd="sng" algn="ctr">
+                          <a:solidFill>
+                            <a:schemeClr val="tx1"/>
+                          </a:solidFill>
+                          <a:prstDash val="solid"/>
+                          <a:round/>
+                          <a:headEnd type="none" w="med" len="med"/>
+                          <a:tailEnd type="none" w="med" len="med"/>
+                        </a:lnR>
+                        <a:lnT w="12700" cap="flat" cmpd="sng" algn="ctr">
+                          <a:solidFill>
+                            <a:schemeClr val="tx1"/>
+                          </a:solidFill>
+                          <a:prstDash val="solid"/>
+                          <a:round/>
+                          <a:headEnd type="none" w="med" len="med"/>
+                          <a:tailEnd type="none" w="med" len="med"/>
+                        </a:lnT>
+                        <a:lnB w="12700" cap="flat" cmpd="sng" algn="ctr">
+                          <a:solidFill>
+                            <a:schemeClr val="tx1"/>
+                          </a:solidFill>
+                          <a:prstDash val="solid"/>
+                          <a:round/>
+                          <a:headEnd type="none" w="med" len="med"/>
+                          <a:tailEnd type="none" w="med" len="med"/>
+                        </a:lnB>
+                        <a:lnTlToBr w="12700" cmpd="sng">
+                          <a:noFill/>
+                          <a:prstDash val="solid"/>
+                        </a:lnTlToBr>
+                        <a:lnBlToTr w="12700" cmpd="sng">
+                          <a:noFill/>
+                          <a:prstDash val="solid"/>
+                        </a:lnBlToTr>
+                        <a:noFill/>
+                      </a:tcPr>
+                    </a:tc>
+                    <a:tc>
+                      <a:txBody>
+                        <a:bodyPr/>
+                        <a:lstStyle/>
+                        <a:p>
+                          <a:pPr algn="ctr"/>
+                          <a:r>
+                            <a:rPr lang="fr-FR" sz="3400" noProof="0" dirty="0"/>
+                            <a:t>58</a:t>
+                          </a:r>
+                        </a:p>
+                      </a:txBody>
+                      <a:tcPr anchor="ctr">
+                        <a:lnL w="12700" cap="flat" cmpd="sng" algn="ctr">
+                          <a:solidFill>
+                            <a:schemeClr val="tx1"/>
+                          </a:solidFill>
+                          <a:prstDash val="solid"/>
+                          <a:round/>
+                          <a:headEnd type="none" w="med" len="med"/>
+                          <a:tailEnd type="none" w="med" len="med"/>
+                        </a:lnL>
+                        <a:lnR w="12700" cap="flat" cmpd="sng" algn="ctr">
+                          <a:solidFill>
+                            <a:schemeClr val="tx1"/>
+                          </a:solidFill>
+                          <a:prstDash val="solid"/>
+                          <a:round/>
+                          <a:headEnd type="none" w="med" len="med"/>
+                          <a:tailEnd type="none" w="med" len="med"/>
+                        </a:lnR>
+                        <a:lnT w="12700" cap="flat" cmpd="sng" algn="ctr">
+                          <a:solidFill>
+                            <a:schemeClr val="tx1"/>
+                          </a:solidFill>
+                          <a:prstDash val="solid"/>
+                          <a:round/>
+                          <a:headEnd type="none" w="med" len="med"/>
+                          <a:tailEnd type="none" w="med" len="med"/>
+                        </a:lnT>
+                        <a:lnB w="12700" cap="flat" cmpd="sng" algn="ctr">
+                          <a:solidFill>
+                            <a:schemeClr val="tx1"/>
+                          </a:solidFill>
+                          <a:prstDash val="solid"/>
+                          <a:round/>
+                          <a:headEnd type="none" w="med" len="med"/>
+                          <a:tailEnd type="none" w="med" len="med"/>
+                        </a:lnB>
+                        <a:lnTlToBr w="12700" cmpd="sng">
+                          <a:noFill/>
+                          <a:prstDash val="solid"/>
+                        </a:lnTlToBr>
+                        <a:lnBlToTr w="12700" cmpd="sng">
+                          <a:noFill/>
+                          <a:prstDash val="solid"/>
+                        </a:lnBlToTr>
+                        <a:noFill/>
+                      </a:tcPr>
+                    </a:tc>
+                    <a:tc>
+                      <a:txBody>
+                        <a:bodyPr/>
+                        <a:lstStyle/>
+                        <a:p>
+                          <a:pPr algn="ctr"/>
+                          <a:r>
+                            <a:rPr lang="en-US" sz="3400" dirty="0"/>
+                            <a:t>90</a:t>
+                          </a:r>
+                          <a:endParaRPr lang="en-GB" sz="3400" dirty="0"/>
+                        </a:p>
+                      </a:txBody>
+                      <a:tcPr anchor="ctr">
+                        <a:lnL w="12700" cap="flat" cmpd="sng" algn="ctr">
+                          <a:solidFill>
+                            <a:schemeClr val="tx1"/>
+                          </a:solidFill>
+                          <a:prstDash val="solid"/>
+                          <a:round/>
+                          <a:headEnd type="none" w="med" len="med"/>
+                          <a:tailEnd type="none" w="med" len="med"/>
+                        </a:lnL>
+                        <a:lnR w="12700" cmpd="sng">
+                          <a:noFill/>
+                        </a:lnR>
+                        <a:lnT w="12700" cap="flat" cmpd="sng" algn="ctr">
+                          <a:solidFill>
+                            <a:schemeClr val="tx1"/>
+                          </a:solidFill>
+                          <a:prstDash val="solid"/>
+                          <a:round/>
+                          <a:headEnd type="none" w="med" len="med"/>
+                          <a:tailEnd type="none" w="med" len="med"/>
+                        </a:lnT>
+                        <a:lnB w="12700" cap="flat" cmpd="sng" algn="ctr">
+                          <a:solidFill>
+                            <a:schemeClr val="tx1"/>
+                          </a:solidFill>
+                          <a:prstDash val="solid"/>
+                          <a:round/>
+                          <a:headEnd type="none" w="med" len="med"/>
+                          <a:tailEnd type="none" w="med" len="med"/>
+                        </a:lnB>
+                        <a:lnTlToBr w="12700" cmpd="sng">
+                          <a:noFill/>
+                          <a:prstDash val="solid"/>
+                        </a:lnTlToBr>
+                        <a:lnBlToTr w="12700" cmpd="sng">
+                          <a:noFill/>
+                          <a:prstDash val="solid"/>
+                        </a:lnBlToTr>
+                        <a:noFill/>
+                      </a:tcPr>
+                    </a:tc>
+                    <a:extLst>
+                      <a:ext uri="{0D108BD9-81ED-4DB2-BD59-A6C34878D82A}">
+                        <a16:rowId xmlns:a16="http://schemas.microsoft.com/office/drawing/2014/main" val="3071276382"/>
+                      </a:ext>
+                    </a:extLst>
+                  </a:tr>
+                  <a:tr h="1266853">
+                    <a:tc>
+                      <a:txBody>
+                        <a:bodyPr/>
+                        <a:lstStyle/>
+                        <a:p>
+                          <a:pPr algn="ctr"/>
+                          <a:r>
+                            <a:rPr lang="en-US" sz="3400" dirty="0">
+                              <a:solidFill>
+                                <a:schemeClr val="accent2">
+                                  <a:lumMod val="75000"/>
+                                </a:schemeClr>
+                              </a:solidFill>
+                            </a:rPr>
+                            <a:t>Temps </a:t>
+                          </a:r>
+                          <a:r>
+                            <a:rPr lang="fr-FR" sz="3400" noProof="0" dirty="0">
+                              <a:solidFill>
+                                <a:schemeClr val="accent2">
+                                  <a:lumMod val="75000"/>
+                                </a:schemeClr>
+                              </a:solidFill>
+                            </a:rPr>
+                            <a:t>d’exécution (minutes)</a:t>
+                          </a:r>
+                        </a:p>
+                      </a:txBody>
+                      <a:tcPr anchor="ctr">
+                        <a:lnL w="12700" cmpd="sng">
+                          <a:noFill/>
+                        </a:lnL>
+                        <a:lnR w="12700" cap="flat" cmpd="sng" algn="ctr">
+                          <a:solidFill>
+                            <a:schemeClr val="tx1"/>
+                          </a:solidFill>
+                          <a:prstDash val="solid"/>
+                          <a:round/>
+                          <a:headEnd type="none" w="med" len="med"/>
+                          <a:tailEnd type="none" w="med" len="med"/>
+                        </a:lnR>
+                        <a:lnT w="12700" cap="flat" cmpd="sng" algn="ctr">
+                          <a:solidFill>
+                            <a:schemeClr val="tx1"/>
+                          </a:solidFill>
+                          <a:prstDash val="solid"/>
+                          <a:round/>
+                          <a:headEnd type="none" w="med" len="med"/>
+                          <a:tailEnd type="none" w="med" len="med"/>
+                        </a:lnT>
+                        <a:lnB w="12700" cmpd="sng">
+                          <a:noFill/>
+                        </a:lnB>
+                        <a:lnTlToBr w="12700" cmpd="sng">
+                          <a:noFill/>
+                          <a:prstDash val="solid"/>
+                        </a:lnTlToBr>
+                        <a:lnBlToTr w="12700" cmpd="sng">
+                          <a:noFill/>
+                          <a:prstDash val="solid"/>
+                        </a:lnBlToTr>
+                        <a:noFill/>
+                      </a:tcPr>
+                    </a:tc>
+                    <a:tc>
+                      <a:txBody>
+                        <a:bodyPr/>
+                        <a:lstStyle/>
+                        <a:p>
+                          <a:pPr algn="ctr"/>
+                          <a:r>
+                            <a:rPr lang="en-US" sz="3400" dirty="0"/>
+                            <a:t>137</a:t>
+                          </a:r>
+                          <a:endParaRPr lang="en-GB" sz="3400" dirty="0"/>
+                        </a:p>
+                      </a:txBody>
+                      <a:tcPr anchor="ctr">
+                        <a:lnL w="12700" cap="flat" cmpd="sng" algn="ctr">
+                          <a:solidFill>
+                            <a:schemeClr val="tx1"/>
+                          </a:solidFill>
+                          <a:prstDash val="solid"/>
+                          <a:round/>
+                          <a:headEnd type="none" w="med" len="med"/>
+                          <a:tailEnd type="none" w="med" len="med"/>
+                        </a:lnL>
+                        <a:lnR w="12700" cap="flat" cmpd="sng" algn="ctr">
+                          <a:solidFill>
+                            <a:schemeClr val="tx1"/>
+                          </a:solidFill>
+                          <a:prstDash val="solid"/>
+                          <a:round/>
+                          <a:headEnd type="none" w="med" len="med"/>
+                          <a:tailEnd type="none" w="med" len="med"/>
+                        </a:lnR>
+                        <a:lnT w="12700" cap="flat" cmpd="sng" algn="ctr">
+                          <a:solidFill>
+                            <a:schemeClr val="tx1"/>
+                          </a:solidFill>
+                          <a:prstDash val="solid"/>
+                          <a:round/>
+                          <a:headEnd type="none" w="med" len="med"/>
+                          <a:tailEnd type="none" w="med" len="med"/>
+                        </a:lnT>
+                        <a:lnB w="12700" cmpd="sng">
+                          <a:noFill/>
+                        </a:lnB>
+                        <a:lnTlToBr w="12700" cmpd="sng">
+                          <a:noFill/>
+                          <a:prstDash val="solid"/>
+                        </a:lnTlToBr>
+                        <a:lnBlToTr w="12700" cmpd="sng">
+                          <a:noFill/>
+                          <a:prstDash val="solid"/>
+                        </a:lnBlToTr>
+                        <a:noFill/>
+                      </a:tcPr>
+                    </a:tc>
+                    <a:tc>
+                      <a:txBody>
+                        <a:bodyPr/>
+                        <a:lstStyle/>
+                        <a:p>
+                          <a:pPr algn="ctr"/>
+                          <a:r>
+                            <a:rPr lang="en-US" sz="3400" dirty="0"/>
+                            <a:t>228</a:t>
+                          </a:r>
+                          <a:endParaRPr lang="en-GB" sz="3400" dirty="0"/>
+                        </a:p>
+                      </a:txBody>
+                      <a:tcPr anchor="ctr">
+                        <a:lnL w="12700" cap="flat" cmpd="sng" algn="ctr">
+                          <a:solidFill>
+                            <a:schemeClr val="tx1"/>
+                          </a:solidFill>
+                          <a:prstDash val="solid"/>
+                          <a:round/>
+                          <a:headEnd type="none" w="med" len="med"/>
+                          <a:tailEnd type="none" w="med" len="med"/>
+                        </a:lnL>
+                        <a:lnR w="12700" cap="flat" cmpd="sng" algn="ctr">
+                          <a:solidFill>
+                            <a:schemeClr val="tx1"/>
+                          </a:solidFill>
+                          <a:prstDash val="solid"/>
+                          <a:round/>
+                          <a:headEnd type="none" w="med" len="med"/>
+                          <a:tailEnd type="none" w="med" len="med"/>
+                        </a:lnR>
+                        <a:lnT w="12700" cap="flat" cmpd="sng" algn="ctr">
+                          <a:solidFill>
+                            <a:schemeClr val="tx1"/>
+                          </a:solidFill>
+                          <a:prstDash val="solid"/>
+                          <a:round/>
+                          <a:headEnd type="none" w="med" len="med"/>
+                          <a:tailEnd type="none" w="med" len="med"/>
+                        </a:lnT>
+                        <a:lnB w="12700" cmpd="sng">
+                          <a:noFill/>
+                        </a:lnB>
+                        <a:lnTlToBr w="12700" cmpd="sng">
+                          <a:noFill/>
+                          <a:prstDash val="solid"/>
+                        </a:lnTlToBr>
+                        <a:lnBlToTr w="12700" cmpd="sng">
+                          <a:noFill/>
+                          <a:prstDash val="solid"/>
+                        </a:lnBlToTr>
+                        <a:noFill/>
+                      </a:tcPr>
+                    </a:tc>
+                    <a:tc>
+                      <a:txBody>
+                        <a:bodyPr/>
+                        <a:lstStyle/>
+                        <a:p>
+                          <a:pPr algn="ctr"/>
+                          <a:r>
+                            <a:rPr lang="en-US" sz="3400" dirty="0"/>
+                            <a:t>100</a:t>
+                          </a:r>
+                          <a:endParaRPr lang="en-GB" sz="3400" dirty="0"/>
+                        </a:p>
+                      </a:txBody>
+                      <a:tcPr anchor="ctr">
+                        <a:lnL w="12700" cap="flat" cmpd="sng" algn="ctr">
+                          <a:solidFill>
+                            <a:schemeClr val="tx1"/>
+                          </a:solidFill>
+                          <a:prstDash val="solid"/>
+                          <a:round/>
+                          <a:headEnd type="none" w="med" len="med"/>
+                          <a:tailEnd type="none" w="med" len="med"/>
+                        </a:lnL>
+                        <a:lnR w="12700" cap="flat" cmpd="sng" algn="ctr">
+                          <a:solidFill>
+                            <a:schemeClr val="tx1"/>
+                          </a:solidFill>
+                          <a:prstDash val="solid"/>
+                          <a:round/>
+                          <a:headEnd type="none" w="med" len="med"/>
+                          <a:tailEnd type="none" w="med" len="med"/>
+                        </a:lnR>
+                        <a:lnT w="12700" cap="flat" cmpd="sng" algn="ctr">
+                          <a:solidFill>
+                            <a:schemeClr val="tx1"/>
+                          </a:solidFill>
+                          <a:prstDash val="solid"/>
+                          <a:round/>
+                          <a:headEnd type="none" w="med" len="med"/>
+                          <a:tailEnd type="none" w="med" len="med"/>
+                        </a:lnT>
+                        <a:lnB w="12700" cmpd="sng">
+                          <a:noFill/>
+                        </a:lnB>
+                        <a:lnTlToBr w="12700" cmpd="sng">
+                          <a:noFill/>
+                          <a:prstDash val="solid"/>
+                        </a:lnTlToBr>
+                        <a:lnBlToTr w="12700" cmpd="sng">
+                          <a:noFill/>
+                          <a:prstDash val="solid"/>
+                        </a:lnBlToTr>
+                        <a:noFill/>
+                      </a:tcPr>
+                    </a:tc>
+                    <a:tc>
+                      <a:txBody>
+                        <a:bodyPr/>
+                        <a:lstStyle/>
+                        <a:p>
+                          <a:pPr algn="ctr"/>
+                          <a:r>
+                            <a:rPr lang="en-US" sz="3400" dirty="0"/>
+                            <a:t>60</a:t>
+                          </a:r>
+                          <a:endParaRPr lang="en-GB" sz="3400" dirty="0"/>
+                        </a:p>
+                      </a:txBody>
+                      <a:tcPr anchor="ctr">
+                        <a:lnL w="12700" cap="flat" cmpd="sng" algn="ctr">
+                          <a:solidFill>
+                            <a:schemeClr val="tx1"/>
+                          </a:solidFill>
+                          <a:prstDash val="solid"/>
+                          <a:round/>
+                          <a:headEnd type="none" w="med" len="med"/>
+                          <a:tailEnd type="none" w="med" len="med"/>
+                        </a:lnL>
+                        <a:lnR w="12700" cmpd="sng">
+                          <a:noFill/>
+                        </a:lnR>
+                        <a:lnT w="12700" cap="flat" cmpd="sng" algn="ctr">
+                          <a:solidFill>
+                            <a:schemeClr val="tx1"/>
+                          </a:solidFill>
+                          <a:prstDash val="solid"/>
+                          <a:round/>
+                          <a:headEnd type="none" w="med" len="med"/>
+                          <a:tailEnd type="none" w="med" len="med"/>
+                        </a:lnT>
+                        <a:lnB w="12700" cmpd="sng">
+                          <a:noFill/>
+                        </a:lnB>
+                        <a:lnTlToBr w="12700" cmpd="sng">
+                          <a:noFill/>
+                          <a:prstDash val="solid"/>
+                        </a:lnTlToBr>
+                        <a:lnBlToTr w="12700" cmpd="sng">
+                          <a:noFill/>
+                          <a:prstDash val="solid"/>
+                        </a:lnBlToTr>
+                        <a:noFill/>
+                      </a:tcPr>
+                    </a:tc>
+                    <a:extLst>
+                      <a:ext uri="{0D108BD9-81ED-4DB2-BD59-A6C34878D82A}">
+                        <a16:rowId xmlns:a16="http://schemas.microsoft.com/office/drawing/2014/main" val="3333150796"/>
+                      </a:ext>
+                    </a:extLst>
+                  </a:tr>
+                </a:tbl>
+              </a:graphicData>
+            </a:graphic>
+          </p:graphicFrame>
+        </mc:Choice>
+        <mc:Fallback>
+          <p:graphicFrame>
+            <p:nvGraphicFramePr>
+              <p:cNvPr id="71" name="Table 7">
                 <a:extLst>
-                  <a:ext uri="{0D108BD9-81ED-4DB2-BD59-A6C34878D82A}">
-                    <a16:rowId xmlns:a16="http://schemas.microsoft.com/office/drawing/2014/main" val="2518867"/>
+                  <a:ext uri="{FF2B5EF4-FFF2-40B4-BE49-F238E27FC236}">
+                    <a16:creationId xmlns:a16="http://schemas.microsoft.com/office/drawing/2014/main" id="{31174AD0-EDD6-4582-9F6E-44A52FFBA421}"/>
                   </a:ext>
                 </a:extLst>
-              </a:tr>
-              <a:tr h="1266853">
-                <a:tc>
-                  <a:txBody>
-                    <a:bodyPr/>
-                    <a:lstStyle/>
-                    <a:p>
-                      <a:pPr algn="ctr"/>
-                      <a:r>
-                        <a:rPr lang="fr-FR" sz="3400" noProof="0" dirty="0">
+              </p:cNvPr>
+              <p:cNvGraphicFramePr>
+                <a:graphicFrameLocks noGrp="1"/>
+              </p:cNvGraphicFramePr>
+              <p:nvPr>
+                <p:extLst>
+                  <p:ext uri="{D42A27DB-BD31-4B8C-83A1-F6EECF244321}">
+                    <p14:modId xmlns:p14="http://schemas.microsoft.com/office/powerpoint/2010/main" val="2882936830"/>
+                  </p:ext>
+                </p:extLst>
+              </p:nvPr>
+            </p:nvGraphicFramePr>
+            <p:xfrm>
+              <a:off x="2665540" y="38620201"/>
+              <a:ext cx="13307902" cy="4040370"/>
+            </p:xfrm>
+            <a:graphic>
+              <a:graphicData uri="http://schemas.openxmlformats.org/drawingml/2006/table">
+                <a:tbl>
+                  <a:tblPr firstRow="1" bandRow="1">
+                    <a:tableStyleId>{93296810-A885-4BE3-A3E7-6D5BEEA58F35}</a:tableStyleId>
+                  </a:tblPr>
+                  <a:tblGrid>
+                    <a:gridCol w="4435967">
+                      <a:extLst>
+                        <a:ext uri="{9D8B030D-6E8A-4147-A177-3AD203B41FA5}">
+                          <a16:colId xmlns:a16="http://schemas.microsoft.com/office/drawing/2014/main" val="2626304605"/>
+                        </a:ext>
+                      </a:extLst>
+                    </a:gridCol>
+                    <a:gridCol w="1478656">
+                      <a:extLst>
+                        <a:ext uri="{9D8B030D-6E8A-4147-A177-3AD203B41FA5}">
+                          <a16:colId xmlns:a16="http://schemas.microsoft.com/office/drawing/2014/main" val="2973038698"/>
+                        </a:ext>
+                      </a:extLst>
+                    </a:gridCol>
+                    <a:gridCol w="1478656">
+                      <a:extLst>
+                        <a:ext uri="{9D8B030D-6E8A-4147-A177-3AD203B41FA5}">
+                          <a16:colId xmlns:a16="http://schemas.microsoft.com/office/drawing/2014/main" val="1718655701"/>
+                        </a:ext>
+                      </a:extLst>
+                    </a:gridCol>
+                    <a:gridCol w="1478656">
+                      <a:extLst>
+                        <a:ext uri="{9D8B030D-6E8A-4147-A177-3AD203B41FA5}">
+                          <a16:colId xmlns:a16="http://schemas.microsoft.com/office/drawing/2014/main" val="2403150399"/>
+                        </a:ext>
+                      </a:extLst>
+                    </a:gridCol>
+                    <a:gridCol w="4435967">
+                      <a:extLst>
+                        <a:ext uri="{9D8B030D-6E8A-4147-A177-3AD203B41FA5}">
+                          <a16:colId xmlns:a16="http://schemas.microsoft.com/office/drawing/2014/main" val="1961620341"/>
+                        </a:ext>
+                      </a:extLst>
+                    </a:gridCol>
+                  </a:tblGrid>
+                  <a:tr h="701040">
+                    <a:tc rowSpan="2">
+                      <a:txBody>
+                        <a:bodyPr/>
+                        <a:lstStyle/>
+                        <a:p>
+                          <a:pPr algn="ctr"/>
+                          <a:r>
+                            <a:rPr lang="fr-FR" sz="4000" noProof="0" dirty="0">
+                              <a:solidFill>
+                                <a:schemeClr val="accent2">
+                                  <a:lumMod val="75000"/>
+                                </a:schemeClr>
+                              </a:solidFill>
+                            </a:rPr>
+                            <a:t>Modèle</a:t>
+                          </a:r>
+                        </a:p>
+                      </a:txBody>
+                      <a:tcPr anchor="ctr">
+                        <a:lnL w="12700" cmpd="sng">
+                          <a:noFill/>
+                        </a:lnL>
+                        <a:lnR w="12700" cap="flat" cmpd="sng" algn="ctr">
                           <a:solidFill>
-                            <a:schemeClr val="accent2">
-                              <a:lumMod val="75000"/>
-                            </a:schemeClr>
+                            <a:schemeClr val="tx1"/>
                           </a:solidFill>
-                        </a:rPr>
-                        <a:t>Précision</a:t>
-                      </a:r>
-                    </a:p>
-                    <a:p>
-                      <a:pPr algn="ctr"/>
-                      <a:r>
-                        <a:rPr lang="fr-FR" sz="3400" noProof="0" dirty="0">
+                          <a:prstDash val="solid"/>
+                          <a:round/>
+                          <a:headEnd type="none" w="med" len="med"/>
+                          <a:tailEnd type="none" w="med" len="med"/>
+                        </a:lnR>
+                        <a:lnT w="12700" cmpd="sng">
+                          <a:noFill/>
+                        </a:lnT>
+                        <a:lnB w="12700" cap="flat" cmpd="sng" algn="ctr">
                           <a:solidFill>
-                            <a:schemeClr val="accent2">
-                              <a:lumMod val="75000"/>
-                            </a:schemeClr>
+                            <a:schemeClr val="tx1"/>
                           </a:solidFill>
-                        </a:rPr>
-                        <a:t>(%)</a:t>
-                      </a:r>
-                    </a:p>
-                  </a:txBody>
-                  <a:tcPr anchor="ctr">
-                    <a:lnL w="12700" cmpd="sng">
-                      <a:noFill/>
-                    </a:lnL>
-                    <a:lnR w="12700" cap="flat" cmpd="sng" algn="ctr">
-                      <a:solidFill>
-                        <a:schemeClr val="tx1"/>
-                      </a:solidFill>
-                      <a:prstDash val="solid"/>
-                      <a:round/>
-                      <a:headEnd type="none" w="med" len="med"/>
-                      <a:tailEnd type="none" w="med" len="med"/>
-                    </a:lnR>
-                    <a:lnT w="12700" cap="flat" cmpd="sng" algn="ctr">
-                      <a:solidFill>
-                        <a:schemeClr val="tx1"/>
-                      </a:solidFill>
-                      <a:prstDash val="solid"/>
-                      <a:round/>
-                      <a:headEnd type="none" w="med" len="med"/>
-                      <a:tailEnd type="none" w="med" len="med"/>
-                    </a:lnT>
-                    <a:lnB w="12700" cap="flat" cmpd="sng" algn="ctr">
-                      <a:solidFill>
-                        <a:schemeClr val="tx1"/>
-                      </a:solidFill>
-                      <a:prstDash val="solid"/>
-                      <a:round/>
-                      <a:headEnd type="none" w="med" len="med"/>
-                      <a:tailEnd type="none" w="med" len="med"/>
-                    </a:lnB>
-                    <a:lnTlToBr w="12700" cmpd="sng">
-                      <a:noFill/>
-                      <a:prstDash val="solid"/>
-                    </a:lnTlToBr>
-                    <a:lnBlToTr w="12700" cmpd="sng">
-                      <a:noFill/>
-                      <a:prstDash val="solid"/>
-                    </a:lnBlToTr>
-                    <a:noFill/>
-                  </a:tcPr>
-                </a:tc>
-                <a:tc>
-                  <a:txBody>
-                    <a:bodyPr/>
-                    <a:lstStyle/>
-                    <a:p>
-                      <a:pPr algn="ctr"/>
-                      <a:r>
-                        <a:rPr lang="fr-FR" sz="3400" noProof="0" dirty="0"/>
-                        <a:t>62</a:t>
-                      </a:r>
-                    </a:p>
-                  </a:txBody>
-                  <a:tcPr anchor="ctr">
-                    <a:lnL w="12700" cap="flat" cmpd="sng" algn="ctr">
-                      <a:solidFill>
-                        <a:schemeClr val="tx1"/>
-                      </a:solidFill>
-                      <a:prstDash val="solid"/>
-                      <a:round/>
-                      <a:headEnd type="none" w="med" len="med"/>
-                      <a:tailEnd type="none" w="med" len="med"/>
-                    </a:lnL>
-                    <a:lnR w="12700" cap="flat" cmpd="sng" algn="ctr">
-                      <a:solidFill>
-                        <a:schemeClr val="tx1"/>
-                      </a:solidFill>
-                      <a:prstDash val="solid"/>
-                      <a:round/>
-                      <a:headEnd type="none" w="med" len="med"/>
-                      <a:tailEnd type="none" w="med" len="med"/>
-                    </a:lnR>
-                    <a:lnT w="12700" cap="flat" cmpd="sng" algn="ctr">
-                      <a:solidFill>
-                        <a:schemeClr val="tx1"/>
-                      </a:solidFill>
-                      <a:prstDash val="solid"/>
-                      <a:round/>
-                      <a:headEnd type="none" w="med" len="med"/>
-                      <a:tailEnd type="none" w="med" len="med"/>
-                    </a:lnT>
-                    <a:lnB w="12700" cap="flat" cmpd="sng" algn="ctr">
-                      <a:solidFill>
-                        <a:schemeClr val="tx1"/>
-                      </a:solidFill>
-                      <a:prstDash val="solid"/>
-                      <a:round/>
-                      <a:headEnd type="none" w="med" len="med"/>
-                      <a:tailEnd type="none" w="med" len="med"/>
-                    </a:lnB>
-                    <a:lnTlToBr w="12700" cmpd="sng">
-                      <a:noFill/>
-                      <a:prstDash val="solid"/>
-                    </a:lnTlToBr>
-                    <a:lnBlToTr w="12700" cmpd="sng">
-                      <a:noFill/>
-                      <a:prstDash val="solid"/>
-                    </a:lnBlToTr>
-                    <a:noFill/>
-                  </a:tcPr>
-                </a:tc>
-                <a:tc>
-                  <a:txBody>
-                    <a:bodyPr/>
-                    <a:lstStyle/>
-                    <a:p>
-                      <a:pPr algn="ctr"/>
-                      <a:r>
-                        <a:rPr lang="fr-FR" sz="3400" noProof="0" dirty="0"/>
-                        <a:t>65</a:t>
-                      </a:r>
-                    </a:p>
-                  </a:txBody>
-                  <a:tcPr anchor="ctr">
-                    <a:lnL w="12700" cap="flat" cmpd="sng" algn="ctr">
-                      <a:solidFill>
-                        <a:schemeClr val="tx1"/>
-                      </a:solidFill>
-                      <a:prstDash val="solid"/>
-                      <a:round/>
-                      <a:headEnd type="none" w="med" len="med"/>
-                      <a:tailEnd type="none" w="med" len="med"/>
-                    </a:lnL>
-                    <a:lnR w="12700" cap="flat" cmpd="sng" algn="ctr">
-                      <a:solidFill>
-                        <a:schemeClr val="tx1"/>
-                      </a:solidFill>
-                      <a:prstDash val="solid"/>
-                      <a:round/>
-                      <a:headEnd type="none" w="med" len="med"/>
-                      <a:tailEnd type="none" w="med" len="med"/>
-                    </a:lnR>
-                    <a:lnT w="12700" cap="flat" cmpd="sng" algn="ctr">
-                      <a:solidFill>
-                        <a:schemeClr val="tx1"/>
-                      </a:solidFill>
-                      <a:prstDash val="solid"/>
-                      <a:round/>
-                      <a:headEnd type="none" w="med" len="med"/>
-                      <a:tailEnd type="none" w="med" len="med"/>
-                    </a:lnT>
-                    <a:lnB w="12700" cap="flat" cmpd="sng" algn="ctr">
-                      <a:solidFill>
-                        <a:schemeClr val="tx1"/>
-                      </a:solidFill>
-                      <a:prstDash val="solid"/>
-                      <a:round/>
-                      <a:headEnd type="none" w="med" len="med"/>
-                      <a:tailEnd type="none" w="med" len="med"/>
-                    </a:lnB>
-                    <a:lnTlToBr w="12700" cmpd="sng">
-                      <a:noFill/>
-                      <a:prstDash val="solid"/>
-                    </a:lnTlToBr>
-                    <a:lnBlToTr w="12700" cmpd="sng">
-                      <a:noFill/>
-                      <a:prstDash val="solid"/>
-                    </a:lnBlToTr>
-                    <a:noFill/>
-                  </a:tcPr>
-                </a:tc>
-                <a:tc>
-                  <a:txBody>
-                    <a:bodyPr/>
-                    <a:lstStyle/>
-                    <a:p>
-                      <a:pPr algn="ctr"/>
-                      <a:r>
-                        <a:rPr lang="fr-FR" sz="3400" noProof="0" dirty="0"/>
-                        <a:t>58</a:t>
-                      </a:r>
-                    </a:p>
-                  </a:txBody>
-                  <a:tcPr anchor="ctr">
-                    <a:lnL w="12700" cap="flat" cmpd="sng" algn="ctr">
-                      <a:solidFill>
-                        <a:schemeClr val="tx1"/>
-                      </a:solidFill>
-                      <a:prstDash val="solid"/>
-                      <a:round/>
-                      <a:headEnd type="none" w="med" len="med"/>
-                      <a:tailEnd type="none" w="med" len="med"/>
-                    </a:lnL>
-                    <a:lnR w="12700" cap="flat" cmpd="sng" algn="ctr">
-                      <a:solidFill>
-                        <a:schemeClr val="tx1"/>
-                      </a:solidFill>
-                      <a:prstDash val="solid"/>
-                      <a:round/>
-                      <a:headEnd type="none" w="med" len="med"/>
-                      <a:tailEnd type="none" w="med" len="med"/>
-                    </a:lnR>
-                    <a:lnT w="12700" cap="flat" cmpd="sng" algn="ctr">
-                      <a:solidFill>
-                        <a:schemeClr val="tx1"/>
-                      </a:solidFill>
-                      <a:prstDash val="solid"/>
-                      <a:round/>
-                      <a:headEnd type="none" w="med" len="med"/>
-                      <a:tailEnd type="none" w="med" len="med"/>
-                    </a:lnT>
-                    <a:lnB w="12700" cap="flat" cmpd="sng" algn="ctr">
-                      <a:solidFill>
-                        <a:schemeClr val="tx1"/>
-                      </a:solidFill>
-                      <a:prstDash val="solid"/>
-                      <a:round/>
-                      <a:headEnd type="none" w="med" len="med"/>
-                      <a:tailEnd type="none" w="med" len="med"/>
-                    </a:lnB>
-                    <a:lnTlToBr w="12700" cmpd="sng">
-                      <a:noFill/>
-                      <a:prstDash val="solid"/>
-                    </a:lnTlToBr>
-                    <a:lnBlToTr w="12700" cmpd="sng">
-                      <a:noFill/>
-                      <a:prstDash val="solid"/>
-                    </a:lnBlToTr>
-                    <a:noFill/>
-                  </a:tcPr>
-                </a:tc>
-                <a:tc>
-                  <a:txBody>
-                    <a:bodyPr/>
-                    <a:lstStyle/>
-                    <a:p>
-                      <a:pPr algn="ctr"/>
-                      <a:r>
-                        <a:rPr lang="en-US" sz="3400" dirty="0"/>
-                        <a:t>90</a:t>
-                      </a:r>
-                      <a:endParaRPr lang="en-GB" sz="3400" dirty="0"/>
-                    </a:p>
-                  </a:txBody>
-                  <a:tcPr anchor="ctr">
-                    <a:lnL w="12700" cap="flat" cmpd="sng" algn="ctr">
-                      <a:solidFill>
-                        <a:schemeClr val="tx1"/>
-                      </a:solidFill>
-                      <a:prstDash val="solid"/>
-                      <a:round/>
-                      <a:headEnd type="none" w="med" len="med"/>
-                      <a:tailEnd type="none" w="med" len="med"/>
-                    </a:lnL>
-                    <a:lnR w="12700" cmpd="sng">
-                      <a:noFill/>
-                    </a:lnR>
-                    <a:lnT w="12700" cap="flat" cmpd="sng" algn="ctr">
-                      <a:solidFill>
-                        <a:schemeClr val="tx1"/>
-                      </a:solidFill>
-                      <a:prstDash val="solid"/>
-                      <a:round/>
-                      <a:headEnd type="none" w="med" len="med"/>
-                      <a:tailEnd type="none" w="med" len="med"/>
-                    </a:lnT>
-                    <a:lnB w="12700" cap="flat" cmpd="sng" algn="ctr">
-                      <a:solidFill>
-                        <a:schemeClr val="tx1"/>
-                      </a:solidFill>
-                      <a:prstDash val="solid"/>
-                      <a:round/>
-                      <a:headEnd type="none" w="med" len="med"/>
-                      <a:tailEnd type="none" w="med" len="med"/>
-                    </a:lnB>
-                    <a:lnTlToBr w="12700" cmpd="sng">
-                      <a:noFill/>
-                      <a:prstDash val="solid"/>
-                    </a:lnTlToBr>
-                    <a:lnBlToTr w="12700" cmpd="sng">
-                      <a:noFill/>
-                      <a:prstDash val="solid"/>
-                    </a:lnBlToTr>
-                    <a:noFill/>
-                  </a:tcPr>
-                </a:tc>
-                <a:extLst>
-                  <a:ext uri="{0D108BD9-81ED-4DB2-BD59-A6C34878D82A}">
-                    <a16:rowId xmlns:a16="http://schemas.microsoft.com/office/drawing/2014/main" val="3071276382"/>
-                  </a:ext>
-                </a:extLst>
-              </a:tr>
-              <a:tr h="1266853">
-                <a:tc>
-                  <a:txBody>
-                    <a:bodyPr/>
-                    <a:lstStyle/>
-                    <a:p>
-                      <a:pPr algn="ctr"/>
-                      <a:r>
-                        <a:rPr lang="en-US" sz="3400" dirty="0">
+                          <a:prstDash val="solid"/>
+                          <a:round/>
+                          <a:headEnd type="none" w="med" len="med"/>
+                          <a:tailEnd type="none" w="med" len="med"/>
+                        </a:lnB>
+                        <a:lnTlToBr w="12700" cmpd="sng">
+                          <a:noFill/>
+                          <a:prstDash val="solid"/>
+                        </a:lnTlToBr>
+                        <a:lnBlToTr w="12700" cmpd="sng">
+                          <a:noFill/>
+                          <a:prstDash val="solid"/>
+                        </a:lnBlToTr>
+                        <a:noFill/>
+                      </a:tcPr>
+                    </a:tc>
+                    <a:tc gridSpan="3">
+                      <a:txBody>
+                        <a:bodyPr/>
+                        <a:lstStyle/>
+                        <a:p>
+                          <a:pPr algn="ctr"/>
+                          <a:r>
+                            <a:rPr lang="en-US" sz="4000" dirty="0">
+                              <a:solidFill>
+                                <a:schemeClr val="accent2">
+                                  <a:lumMod val="75000"/>
+                                </a:schemeClr>
+                              </a:solidFill>
+                            </a:rPr>
+                            <a:t>SVM</a:t>
+                          </a:r>
+                          <a:endParaRPr lang="en-GB" sz="4000" dirty="0">
+                            <a:solidFill>
+                              <a:schemeClr val="accent2">
+                                <a:lumMod val="75000"/>
+                              </a:schemeClr>
+                            </a:solidFill>
+                          </a:endParaRPr>
+                        </a:p>
+                      </a:txBody>
+                      <a:tcPr anchor="ctr">
+                        <a:lnL w="12700" cap="flat" cmpd="sng" algn="ctr">
                           <a:solidFill>
-                            <a:schemeClr val="accent2">
-                              <a:lumMod val="75000"/>
-                            </a:schemeClr>
+                            <a:schemeClr val="tx1"/>
                           </a:solidFill>
-                        </a:rPr>
-                        <a:t>Temps </a:t>
-                      </a:r>
-                      <a:r>
-                        <a:rPr lang="fr-FR" sz="3400" noProof="0" dirty="0">
+                          <a:prstDash val="solid"/>
+                          <a:round/>
+                          <a:headEnd type="none" w="med" len="med"/>
+                          <a:tailEnd type="none" w="med" len="med"/>
+                        </a:lnL>
+                        <a:lnR w="12700" cap="flat" cmpd="sng" algn="ctr">
                           <a:solidFill>
-                            <a:schemeClr val="accent2">
-                              <a:lumMod val="75000"/>
-                            </a:schemeClr>
+                            <a:schemeClr val="tx1"/>
                           </a:solidFill>
-                        </a:rPr>
-                        <a:t>d’exécution (minutes)</a:t>
-                      </a:r>
-                    </a:p>
-                  </a:txBody>
-                  <a:tcPr anchor="ctr">
-                    <a:lnL w="12700" cmpd="sng">
-                      <a:noFill/>
-                    </a:lnL>
-                    <a:lnR w="12700" cap="flat" cmpd="sng" algn="ctr">
-                      <a:solidFill>
-                        <a:schemeClr val="tx1"/>
-                      </a:solidFill>
-                      <a:prstDash val="solid"/>
-                      <a:round/>
-                      <a:headEnd type="none" w="med" len="med"/>
-                      <a:tailEnd type="none" w="med" len="med"/>
-                    </a:lnR>
-                    <a:lnT w="12700" cap="flat" cmpd="sng" algn="ctr">
-                      <a:solidFill>
-                        <a:schemeClr val="tx1"/>
-                      </a:solidFill>
-                      <a:prstDash val="solid"/>
-                      <a:round/>
-                      <a:headEnd type="none" w="med" len="med"/>
-                      <a:tailEnd type="none" w="med" len="med"/>
-                    </a:lnT>
-                    <a:lnB w="12700" cmpd="sng">
-                      <a:noFill/>
-                    </a:lnB>
-                    <a:lnTlToBr w="12700" cmpd="sng">
-                      <a:noFill/>
-                      <a:prstDash val="solid"/>
-                    </a:lnTlToBr>
-                    <a:lnBlToTr w="12700" cmpd="sng">
-                      <a:noFill/>
-                      <a:prstDash val="solid"/>
-                    </a:lnBlToTr>
-                    <a:noFill/>
-                  </a:tcPr>
-                </a:tc>
-                <a:tc>
-                  <a:txBody>
-                    <a:bodyPr/>
-                    <a:lstStyle/>
-                    <a:p>
-                      <a:pPr algn="ctr"/>
-                      <a:r>
-                        <a:rPr lang="en-US" sz="3400" dirty="0"/>
-                        <a:t>137</a:t>
-                      </a:r>
-                      <a:endParaRPr lang="en-GB" sz="3400" dirty="0"/>
-                    </a:p>
-                  </a:txBody>
-                  <a:tcPr anchor="ctr">
-                    <a:lnL w="12700" cap="flat" cmpd="sng" algn="ctr">
-                      <a:solidFill>
-                        <a:schemeClr val="tx1"/>
-                      </a:solidFill>
-                      <a:prstDash val="solid"/>
-                      <a:round/>
-                      <a:headEnd type="none" w="med" len="med"/>
-                      <a:tailEnd type="none" w="med" len="med"/>
-                    </a:lnL>
-                    <a:lnR w="12700" cap="flat" cmpd="sng" algn="ctr">
-                      <a:solidFill>
-                        <a:schemeClr val="tx1"/>
-                      </a:solidFill>
-                      <a:prstDash val="solid"/>
-                      <a:round/>
-                      <a:headEnd type="none" w="med" len="med"/>
-                      <a:tailEnd type="none" w="med" len="med"/>
-                    </a:lnR>
-                    <a:lnT w="12700" cap="flat" cmpd="sng" algn="ctr">
-                      <a:solidFill>
-                        <a:schemeClr val="tx1"/>
-                      </a:solidFill>
-                      <a:prstDash val="solid"/>
-                      <a:round/>
-                      <a:headEnd type="none" w="med" len="med"/>
-                      <a:tailEnd type="none" w="med" len="med"/>
-                    </a:lnT>
-                    <a:lnB w="12700" cmpd="sng">
-                      <a:noFill/>
-                    </a:lnB>
-                    <a:lnTlToBr w="12700" cmpd="sng">
-                      <a:noFill/>
-                      <a:prstDash val="solid"/>
-                    </a:lnTlToBr>
-                    <a:lnBlToTr w="12700" cmpd="sng">
-                      <a:noFill/>
-                      <a:prstDash val="solid"/>
-                    </a:lnBlToTr>
-                    <a:noFill/>
-                  </a:tcPr>
-                </a:tc>
-                <a:tc>
-                  <a:txBody>
-                    <a:bodyPr/>
-                    <a:lstStyle/>
-                    <a:p>
-                      <a:pPr algn="ctr"/>
-                      <a:r>
-                        <a:rPr lang="en-US" sz="3400" dirty="0"/>
-                        <a:t>228</a:t>
-                      </a:r>
-                      <a:endParaRPr lang="en-GB" sz="3400" dirty="0"/>
-                    </a:p>
-                  </a:txBody>
-                  <a:tcPr anchor="ctr">
-                    <a:lnL w="12700" cap="flat" cmpd="sng" algn="ctr">
-                      <a:solidFill>
-                        <a:schemeClr val="tx1"/>
-                      </a:solidFill>
-                      <a:prstDash val="solid"/>
-                      <a:round/>
-                      <a:headEnd type="none" w="med" len="med"/>
-                      <a:tailEnd type="none" w="med" len="med"/>
-                    </a:lnL>
-                    <a:lnR w="12700" cap="flat" cmpd="sng" algn="ctr">
-                      <a:solidFill>
-                        <a:schemeClr val="tx1"/>
-                      </a:solidFill>
-                      <a:prstDash val="solid"/>
-                      <a:round/>
-                      <a:headEnd type="none" w="med" len="med"/>
-                      <a:tailEnd type="none" w="med" len="med"/>
-                    </a:lnR>
-                    <a:lnT w="12700" cap="flat" cmpd="sng" algn="ctr">
-                      <a:solidFill>
-                        <a:schemeClr val="tx1"/>
-                      </a:solidFill>
-                      <a:prstDash val="solid"/>
-                      <a:round/>
-                      <a:headEnd type="none" w="med" len="med"/>
-                      <a:tailEnd type="none" w="med" len="med"/>
-                    </a:lnT>
-                    <a:lnB w="12700" cmpd="sng">
-                      <a:noFill/>
-                    </a:lnB>
-                    <a:lnTlToBr w="12700" cmpd="sng">
-                      <a:noFill/>
-                      <a:prstDash val="solid"/>
-                    </a:lnTlToBr>
-                    <a:lnBlToTr w="12700" cmpd="sng">
-                      <a:noFill/>
-                      <a:prstDash val="solid"/>
-                    </a:lnBlToTr>
-                    <a:noFill/>
-                  </a:tcPr>
-                </a:tc>
-                <a:tc>
-                  <a:txBody>
-                    <a:bodyPr/>
-                    <a:lstStyle/>
-                    <a:p>
-                      <a:pPr algn="ctr"/>
-                      <a:r>
-                        <a:rPr lang="en-US" sz="3400" dirty="0"/>
-                        <a:t>100</a:t>
-                      </a:r>
-                      <a:endParaRPr lang="en-GB" sz="3400" dirty="0"/>
-                    </a:p>
-                  </a:txBody>
-                  <a:tcPr anchor="ctr">
-                    <a:lnL w="12700" cap="flat" cmpd="sng" algn="ctr">
-                      <a:solidFill>
-                        <a:schemeClr val="tx1"/>
-                      </a:solidFill>
-                      <a:prstDash val="solid"/>
-                      <a:round/>
-                      <a:headEnd type="none" w="med" len="med"/>
-                      <a:tailEnd type="none" w="med" len="med"/>
-                    </a:lnL>
-                    <a:lnR w="12700" cap="flat" cmpd="sng" algn="ctr">
-                      <a:solidFill>
-                        <a:schemeClr val="tx1"/>
-                      </a:solidFill>
-                      <a:prstDash val="solid"/>
-                      <a:round/>
-                      <a:headEnd type="none" w="med" len="med"/>
-                      <a:tailEnd type="none" w="med" len="med"/>
-                    </a:lnR>
-                    <a:lnT w="12700" cap="flat" cmpd="sng" algn="ctr">
-                      <a:solidFill>
-                        <a:schemeClr val="tx1"/>
-                      </a:solidFill>
-                      <a:prstDash val="solid"/>
-                      <a:round/>
-                      <a:headEnd type="none" w="med" len="med"/>
-                      <a:tailEnd type="none" w="med" len="med"/>
-                    </a:lnT>
-                    <a:lnB w="12700" cmpd="sng">
-                      <a:noFill/>
-                    </a:lnB>
-                    <a:lnTlToBr w="12700" cmpd="sng">
-                      <a:noFill/>
-                      <a:prstDash val="solid"/>
-                    </a:lnTlToBr>
-                    <a:lnBlToTr w="12700" cmpd="sng">
-                      <a:noFill/>
-                      <a:prstDash val="solid"/>
-                    </a:lnBlToTr>
-                    <a:noFill/>
-                  </a:tcPr>
-                </a:tc>
-                <a:tc>
-                  <a:txBody>
-                    <a:bodyPr/>
-                    <a:lstStyle/>
-                    <a:p>
-                      <a:pPr algn="ctr"/>
-                      <a:r>
-                        <a:rPr lang="en-US" sz="3400" dirty="0"/>
-                        <a:t>60</a:t>
-                      </a:r>
-                      <a:endParaRPr lang="en-GB" sz="3400" dirty="0"/>
-                    </a:p>
-                  </a:txBody>
-                  <a:tcPr anchor="ctr">
-                    <a:lnL w="12700" cap="flat" cmpd="sng" algn="ctr">
-                      <a:solidFill>
-                        <a:schemeClr val="tx1"/>
-                      </a:solidFill>
-                      <a:prstDash val="solid"/>
-                      <a:round/>
-                      <a:headEnd type="none" w="med" len="med"/>
-                      <a:tailEnd type="none" w="med" len="med"/>
-                    </a:lnL>
-                    <a:lnR w="12700" cmpd="sng">
-                      <a:noFill/>
-                    </a:lnR>
-                    <a:lnT w="12700" cap="flat" cmpd="sng" algn="ctr">
-                      <a:solidFill>
-                        <a:schemeClr val="tx1"/>
-                      </a:solidFill>
-                      <a:prstDash val="solid"/>
-                      <a:round/>
-                      <a:headEnd type="none" w="med" len="med"/>
-                      <a:tailEnd type="none" w="med" len="med"/>
-                    </a:lnT>
-                    <a:lnB w="12700" cmpd="sng">
-                      <a:noFill/>
-                    </a:lnB>
-                    <a:lnTlToBr w="12700" cmpd="sng">
-                      <a:noFill/>
-                      <a:prstDash val="solid"/>
-                    </a:lnTlToBr>
-                    <a:lnBlToTr w="12700" cmpd="sng">
-                      <a:noFill/>
-                      <a:prstDash val="solid"/>
-                    </a:lnBlToTr>
-                    <a:noFill/>
-                  </a:tcPr>
-                </a:tc>
-                <a:extLst>
-                  <a:ext uri="{0D108BD9-81ED-4DB2-BD59-A6C34878D82A}">
-                    <a16:rowId xmlns:a16="http://schemas.microsoft.com/office/drawing/2014/main" val="3333150796"/>
-                  </a:ext>
-                </a:extLst>
-              </a:tr>
-            </a:tbl>
-          </a:graphicData>
-        </a:graphic>
-      </p:graphicFrame>
+                          <a:prstDash val="solid"/>
+                          <a:round/>
+                          <a:headEnd type="none" w="med" len="med"/>
+                          <a:tailEnd type="none" w="med" len="med"/>
+                        </a:lnR>
+                        <a:lnT w="12700" cmpd="sng">
+                          <a:noFill/>
+                        </a:lnT>
+                        <a:lnB w="12700" cap="flat" cmpd="sng" algn="ctr">
+                          <a:solidFill>
+                            <a:schemeClr val="tx1"/>
+                          </a:solidFill>
+                          <a:prstDash val="solid"/>
+                          <a:round/>
+                          <a:headEnd type="none" w="med" len="med"/>
+                          <a:tailEnd type="none" w="med" len="med"/>
+                        </a:lnB>
+                        <a:lnTlToBr w="12700" cmpd="sng">
+                          <a:noFill/>
+                          <a:prstDash val="solid"/>
+                        </a:lnTlToBr>
+                        <a:lnBlToTr w="12700" cmpd="sng">
+                          <a:noFill/>
+                          <a:prstDash val="solid"/>
+                        </a:lnBlToTr>
+                        <a:noFill/>
+                      </a:tcPr>
+                    </a:tc>
+                    <a:tc hMerge="1">
+                      <a:txBody>
+                        <a:bodyPr/>
+                        <a:lstStyle/>
+                        <a:p>
+                          <a:endParaRPr lang="en-GB"/>
+                        </a:p>
+                      </a:txBody>
+                      <a:tcPr/>
+                    </a:tc>
+                    <a:tc hMerge="1">
+                      <a:txBody>
+                        <a:bodyPr/>
+                        <a:lstStyle/>
+                        <a:p>
+                          <a:endParaRPr lang="en-GB"/>
+                        </a:p>
+                      </a:txBody>
+                      <a:tcPr/>
+                    </a:tc>
+                    <a:tc rowSpan="2">
+                      <a:txBody>
+                        <a:bodyPr/>
+                        <a:lstStyle/>
+                        <a:p>
+                          <a:pPr algn="ctr"/>
+                          <a:r>
+                            <a:rPr lang="en-US" sz="4000" dirty="0">
+                              <a:solidFill>
+                                <a:schemeClr val="accent2">
+                                  <a:lumMod val="75000"/>
+                                </a:schemeClr>
+                              </a:solidFill>
+                            </a:rPr>
+                            <a:t>CNN</a:t>
+                          </a:r>
+                          <a:endParaRPr lang="en-GB" sz="4000" dirty="0">
+                            <a:solidFill>
+                              <a:schemeClr val="accent2">
+                                <a:lumMod val="75000"/>
+                              </a:schemeClr>
+                            </a:solidFill>
+                          </a:endParaRPr>
+                        </a:p>
+                      </a:txBody>
+                      <a:tcPr anchor="ctr">
+                        <a:lnL w="12700" cap="flat" cmpd="sng" algn="ctr">
+                          <a:solidFill>
+                            <a:schemeClr val="tx1"/>
+                          </a:solidFill>
+                          <a:prstDash val="solid"/>
+                          <a:round/>
+                          <a:headEnd type="none" w="med" len="med"/>
+                          <a:tailEnd type="none" w="med" len="med"/>
+                        </a:lnL>
+                        <a:lnR w="12700" cmpd="sng">
+                          <a:noFill/>
+                        </a:lnR>
+                        <a:lnT w="12700" cmpd="sng">
+                          <a:noFill/>
+                        </a:lnT>
+                        <a:lnB w="12700" cap="flat" cmpd="sng" algn="ctr">
+                          <a:solidFill>
+                            <a:schemeClr val="tx1"/>
+                          </a:solidFill>
+                          <a:prstDash val="solid"/>
+                          <a:round/>
+                          <a:headEnd type="none" w="med" len="med"/>
+                          <a:tailEnd type="none" w="med" len="med"/>
+                        </a:lnB>
+                        <a:lnTlToBr w="12700" cmpd="sng">
+                          <a:noFill/>
+                          <a:prstDash val="solid"/>
+                        </a:lnTlToBr>
+                        <a:lnBlToTr w="12700" cmpd="sng">
+                          <a:noFill/>
+                          <a:prstDash val="solid"/>
+                        </a:lnBlToTr>
+                        <a:noFill/>
+                      </a:tcPr>
+                    </a:tc>
+                    <a:extLst>
+                      <a:ext uri="{0D108BD9-81ED-4DB2-BD59-A6C34878D82A}">
+                        <a16:rowId xmlns:a16="http://schemas.microsoft.com/office/drawing/2014/main" val="2066148640"/>
+                      </a:ext>
+                    </a:extLst>
+                  </a:tr>
+                  <a:tr h="805624">
+                    <a:tc vMerge="1">
+                      <a:txBody>
+                        <a:bodyPr/>
+                        <a:lstStyle/>
+                        <a:p>
+                          <a:endParaRPr lang="en-GB"/>
+                        </a:p>
+                      </a:txBody>
+                      <a:tcPr/>
+                    </a:tc>
+                    <a:tc>
+                      <a:txBody>
+                        <a:bodyPr/>
+                        <a:lstStyle/>
+                        <a:p>
+                          <a:pPr algn="ctr"/>
+                          <a:r>
+                            <a:rPr lang="en-US" sz="3400" dirty="0">
+                              <a:solidFill>
+                                <a:schemeClr val="accent2">
+                                  <a:lumMod val="75000"/>
+                                </a:schemeClr>
+                              </a:solidFill>
+                            </a:rPr>
+                            <a:t>SIFT</a:t>
+                          </a:r>
+                          <a:endParaRPr lang="en-GB" sz="3400" dirty="0">
+                            <a:solidFill>
+                              <a:schemeClr val="accent2">
+                                <a:lumMod val="75000"/>
+                              </a:schemeClr>
+                            </a:solidFill>
+                          </a:endParaRPr>
+                        </a:p>
+                      </a:txBody>
+                      <a:tcPr anchor="ctr">
+                        <a:lnL w="12700" cap="flat" cmpd="sng" algn="ctr">
+                          <a:solidFill>
+                            <a:schemeClr val="tx1"/>
+                          </a:solidFill>
+                          <a:prstDash val="solid"/>
+                          <a:round/>
+                          <a:headEnd type="none" w="med" len="med"/>
+                          <a:tailEnd type="none" w="med" len="med"/>
+                        </a:lnL>
+                        <a:lnR w="12700" cap="flat" cmpd="sng" algn="ctr">
+                          <a:solidFill>
+                            <a:schemeClr val="tx1"/>
+                          </a:solidFill>
+                          <a:prstDash val="solid"/>
+                          <a:round/>
+                          <a:headEnd type="none" w="med" len="med"/>
+                          <a:tailEnd type="none" w="med" len="med"/>
+                        </a:lnR>
+                        <a:lnT w="12700" cap="flat" cmpd="sng" algn="ctr">
+                          <a:solidFill>
+                            <a:schemeClr val="tx1"/>
+                          </a:solidFill>
+                          <a:prstDash val="solid"/>
+                          <a:round/>
+                          <a:headEnd type="none" w="med" len="med"/>
+                          <a:tailEnd type="none" w="med" len="med"/>
+                        </a:lnT>
+                        <a:lnB w="12700" cap="flat" cmpd="sng" algn="ctr">
+                          <a:solidFill>
+                            <a:schemeClr val="tx1"/>
+                          </a:solidFill>
+                          <a:prstDash val="solid"/>
+                          <a:round/>
+                          <a:headEnd type="none" w="med" len="med"/>
+                          <a:tailEnd type="none" w="med" len="med"/>
+                        </a:lnB>
+                        <a:lnTlToBr w="12700" cmpd="sng">
+                          <a:noFill/>
+                          <a:prstDash val="solid"/>
+                        </a:lnTlToBr>
+                        <a:lnBlToTr w="12700" cmpd="sng">
+                          <a:noFill/>
+                          <a:prstDash val="solid"/>
+                        </a:lnBlToTr>
+                        <a:noFill/>
+                      </a:tcPr>
+                    </a:tc>
+                    <a:tc>
+                      <a:txBody>
+                        <a:bodyPr/>
+                        <a:lstStyle/>
+                        <a:p>
+                          <a:pPr algn="ctr"/>
+                          <a:r>
+                            <a:rPr lang="en-US" sz="3400" dirty="0">
+                              <a:solidFill>
+                                <a:schemeClr val="accent2">
+                                  <a:lumMod val="75000"/>
+                                </a:schemeClr>
+                              </a:solidFill>
+                            </a:rPr>
+                            <a:t>SURF</a:t>
+                          </a:r>
+                          <a:endParaRPr lang="en-GB" sz="3400" dirty="0">
+                            <a:solidFill>
+                              <a:schemeClr val="accent2">
+                                <a:lumMod val="75000"/>
+                              </a:schemeClr>
+                            </a:solidFill>
+                          </a:endParaRPr>
+                        </a:p>
+                      </a:txBody>
+                      <a:tcPr anchor="ctr">
+                        <a:lnL w="12700" cap="flat" cmpd="sng" algn="ctr">
+                          <a:solidFill>
+                            <a:schemeClr val="tx1"/>
+                          </a:solidFill>
+                          <a:prstDash val="solid"/>
+                          <a:round/>
+                          <a:headEnd type="none" w="med" len="med"/>
+                          <a:tailEnd type="none" w="med" len="med"/>
+                        </a:lnL>
+                        <a:lnR w="12700" cap="flat" cmpd="sng" algn="ctr">
+                          <a:solidFill>
+                            <a:schemeClr val="tx1"/>
+                          </a:solidFill>
+                          <a:prstDash val="solid"/>
+                          <a:round/>
+                          <a:headEnd type="none" w="med" len="med"/>
+                          <a:tailEnd type="none" w="med" len="med"/>
+                        </a:lnR>
+                        <a:lnT w="12700" cap="flat" cmpd="sng" algn="ctr">
+                          <a:solidFill>
+                            <a:schemeClr val="tx1"/>
+                          </a:solidFill>
+                          <a:prstDash val="solid"/>
+                          <a:round/>
+                          <a:headEnd type="none" w="med" len="med"/>
+                          <a:tailEnd type="none" w="med" len="med"/>
+                        </a:lnT>
+                        <a:lnB w="12700" cap="flat" cmpd="sng" algn="ctr">
+                          <a:solidFill>
+                            <a:schemeClr val="tx1"/>
+                          </a:solidFill>
+                          <a:prstDash val="solid"/>
+                          <a:round/>
+                          <a:headEnd type="none" w="med" len="med"/>
+                          <a:tailEnd type="none" w="med" len="med"/>
+                        </a:lnB>
+                        <a:lnTlToBr w="12700" cmpd="sng">
+                          <a:noFill/>
+                          <a:prstDash val="solid"/>
+                        </a:lnTlToBr>
+                        <a:lnBlToTr w="12700" cmpd="sng">
+                          <a:noFill/>
+                          <a:prstDash val="solid"/>
+                        </a:lnBlToTr>
+                        <a:noFill/>
+                      </a:tcPr>
+                    </a:tc>
+                    <a:tc>
+                      <a:txBody>
+                        <a:bodyPr/>
+                        <a:lstStyle/>
+                        <a:p>
+                          <a:pPr algn="ctr"/>
+                          <a:r>
+                            <a:rPr lang="en-US" sz="3400" dirty="0">
+                              <a:solidFill>
+                                <a:schemeClr val="accent2">
+                                  <a:lumMod val="75000"/>
+                                </a:schemeClr>
+                              </a:solidFill>
+                            </a:rPr>
+                            <a:t>ORB</a:t>
+                          </a:r>
+                          <a:endParaRPr lang="en-GB" sz="3400" dirty="0">
+                            <a:solidFill>
+                              <a:schemeClr val="accent2">
+                                <a:lumMod val="75000"/>
+                              </a:schemeClr>
+                            </a:solidFill>
+                          </a:endParaRPr>
+                        </a:p>
+                      </a:txBody>
+                      <a:tcPr anchor="ctr">
+                        <a:lnL w="12700" cap="flat" cmpd="sng" algn="ctr">
+                          <a:solidFill>
+                            <a:schemeClr val="tx1"/>
+                          </a:solidFill>
+                          <a:prstDash val="solid"/>
+                          <a:round/>
+                          <a:headEnd type="none" w="med" len="med"/>
+                          <a:tailEnd type="none" w="med" len="med"/>
+                        </a:lnL>
+                        <a:lnR w="12700" cap="flat" cmpd="sng" algn="ctr">
+                          <a:solidFill>
+                            <a:schemeClr val="tx1"/>
+                          </a:solidFill>
+                          <a:prstDash val="solid"/>
+                          <a:round/>
+                          <a:headEnd type="none" w="med" len="med"/>
+                          <a:tailEnd type="none" w="med" len="med"/>
+                        </a:lnR>
+                        <a:lnT w="12700" cap="flat" cmpd="sng" algn="ctr">
+                          <a:solidFill>
+                            <a:schemeClr val="tx1"/>
+                          </a:solidFill>
+                          <a:prstDash val="solid"/>
+                          <a:round/>
+                          <a:headEnd type="none" w="med" len="med"/>
+                          <a:tailEnd type="none" w="med" len="med"/>
+                        </a:lnT>
+                        <a:lnB w="12700" cap="flat" cmpd="sng" algn="ctr">
+                          <a:solidFill>
+                            <a:schemeClr val="tx1"/>
+                          </a:solidFill>
+                          <a:prstDash val="solid"/>
+                          <a:round/>
+                          <a:headEnd type="none" w="med" len="med"/>
+                          <a:tailEnd type="none" w="med" len="med"/>
+                        </a:lnB>
+                        <a:lnTlToBr w="12700" cmpd="sng">
+                          <a:noFill/>
+                          <a:prstDash val="solid"/>
+                        </a:lnTlToBr>
+                        <a:lnBlToTr w="12700" cmpd="sng">
+                          <a:noFill/>
+                          <a:prstDash val="solid"/>
+                        </a:lnBlToTr>
+                        <a:noFill/>
+                      </a:tcPr>
+                    </a:tc>
+                    <a:tc vMerge="1">
+                      <a:txBody>
+                        <a:bodyPr/>
+                        <a:lstStyle/>
+                        <a:p>
+                          <a:endParaRPr lang="en-GB"/>
+                        </a:p>
+                      </a:txBody>
+                      <a:tcPr/>
+                    </a:tc>
+                    <a:extLst>
+                      <a:ext uri="{0D108BD9-81ED-4DB2-BD59-A6C34878D82A}">
+                        <a16:rowId xmlns:a16="http://schemas.microsoft.com/office/drawing/2014/main" val="2518867"/>
+                      </a:ext>
+                    </a:extLst>
+                  </a:tr>
+                  <a:tr h="1266853">
+                    <a:tc>
+                      <a:txBody>
+                        <a:bodyPr/>
+                        <a:lstStyle/>
+                        <a:p>
+                          <a:endParaRPr lang="fr-FR"/>
+                        </a:p>
+                      </a:txBody>
+                      <a:tcPr anchor="ctr">
+                        <a:lnL w="12700" cmpd="sng">
+                          <a:noFill/>
+                        </a:lnL>
+                        <a:lnR w="12700" cap="flat" cmpd="sng" algn="ctr">
+                          <a:solidFill>
+                            <a:schemeClr val="tx1"/>
+                          </a:solidFill>
+                          <a:prstDash val="solid"/>
+                          <a:round/>
+                          <a:headEnd type="none" w="med" len="med"/>
+                          <a:tailEnd type="none" w="med" len="med"/>
+                        </a:lnR>
+                        <a:lnT w="12700" cap="flat" cmpd="sng" algn="ctr">
+                          <a:solidFill>
+                            <a:schemeClr val="tx1"/>
+                          </a:solidFill>
+                          <a:prstDash val="solid"/>
+                          <a:round/>
+                          <a:headEnd type="none" w="med" len="med"/>
+                          <a:tailEnd type="none" w="med" len="med"/>
+                        </a:lnT>
+                        <a:lnB w="12700" cap="flat" cmpd="sng" algn="ctr">
+                          <a:solidFill>
+                            <a:schemeClr val="tx1"/>
+                          </a:solidFill>
+                          <a:prstDash val="solid"/>
+                          <a:round/>
+                          <a:headEnd type="none" w="med" len="med"/>
+                          <a:tailEnd type="none" w="med" len="med"/>
+                        </a:lnB>
+                        <a:lnTlToBr w="12700" cmpd="sng">
+                          <a:noFill/>
+                          <a:prstDash val="solid"/>
+                        </a:lnTlToBr>
+                        <a:lnBlToTr w="12700" cmpd="sng">
+                          <a:noFill/>
+                          <a:prstDash val="solid"/>
+                        </a:lnBlToTr>
+                        <a:blipFill>
+                          <a:blip r:embed="rId23"/>
+                          <a:stretch>
+                            <a:fillRect t="-127885" r="-200137" b="-111058"/>
+                          </a:stretch>
+                        </a:blipFill>
+                      </a:tcPr>
+                    </a:tc>
+                    <a:tc>
+                      <a:txBody>
+                        <a:bodyPr/>
+                        <a:lstStyle/>
+                        <a:p>
+                          <a:pPr algn="ctr"/>
+                          <a:r>
+                            <a:rPr lang="fr-FR" sz="3400" noProof="0" dirty="0"/>
+                            <a:t>62</a:t>
+                          </a:r>
+                        </a:p>
+                      </a:txBody>
+                      <a:tcPr anchor="ctr">
+                        <a:lnL w="12700" cap="flat" cmpd="sng" algn="ctr">
+                          <a:solidFill>
+                            <a:schemeClr val="tx1"/>
+                          </a:solidFill>
+                          <a:prstDash val="solid"/>
+                          <a:round/>
+                          <a:headEnd type="none" w="med" len="med"/>
+                          <a:tailEnd type="none" w="med" len="med"/>
+                        </a:lnL>
+                        <a:lnR w="12700" cap="flat" cmpd="sng" algn="ctr">
+                          <a:solidFill>
+                            <a:schemeClr val="tx1"/>
+                          </a:solidFill>
+                          <a:prstDash val="solid"/>
+                          <a:round/>
+                          <a:headEnd type="none" w="med" len="med"/>
+                          <a:tailEnd type="none" w="med" len="med"/>
+                        </a:lnR>
+                        <a:lnT w="12700" cap="flat" cmpd="sng" algn="ctr">
+                          <a:solidFill>
+                            <a:schemeClr val="tx1"/>
+                          </a:solidFill>
+                          <a:prstDash val="solid"/>
+                          <a:round/>
+                          <a:headEnd type="none" w="med" len="med"/>
+                          <a:tailEnd type="none" w="med" len="med"/>
+                        </a:lnT>
+                        <a:lnB w="12700" cap="flat" cmpd="sng" algn="ctr">
+                          <a:solidFill>
+                            <a:schemeClr val="tx1"/>
+                          </a:solidFill>
+                          <a:prstDash val="solid"/>
+                          <a:round/>
+                          <a:headEnd type="none" w="med" len="med"/>
+                          <a:tailEnd type="none" w="med" len="med"/>
+                        </a:lnB>
+                        <a:lnTlToBr w="12700" cmpd="sng">
+                          <a:noFill/>
+                          <a:prstDash val="solid"/>
+                        </a:lnTlToBr>
+                        <a:lnBlToTr w="12700" cmpd="sng">
+                          <a:noFill/>
+                          <a:prstDash val="solid"/>
+                        </a:lnBlToTr>
+                        <a:noFill/>
+                      </a:tcPr>
+                    </a:tc>
+                    <a:tc>
+                      <a:txBody>
+                        <a:bodyPr/>
+                        <a:lstStyle/>
+                        <a:p>
+                          <a:pPr algn="ctr"/>
+                          <a:r>
+                            <a:rPr lang="fr-FR" sz="3400" noProof="0" dirty="0"/>
+                            <a:t>65</a:t>
+                          </a:r>
+                        </a:p>
+                      </a:txBody>
+                      <a:tcPr anchor="ctr">
+                        <a:lnL w="12700" cap="flat" cmpd="sng" algn="ctr">
+                          <a:solidFill>
+                            <a:schemeClr val="tx1"/>
+                          </a:solidFill>
+                          <a:prstDash val="solid"/>
+                          <a:round/>
+                          <a:headEnd type="none" w="med" len="med"/>
+                          <a:tailEnd type="none" w="med" len="med"/>
+                        </a:lnL>
+                        <a:lnR w="12700" cap="flat" cmpd="sng" algn="ctr">
+                          <a:solidFill>
+                            <a:schemeClr val="tx1"/>
+                          </a:solidFill>
+                          <a:prstDash val="solid"/>
+                          <a:round/>
+                          <a:headEnd type="none" w="med" len="med"/>
+                          <a:tailEnd type="none" w="med" len="med"/>
+                        </a:lnR>
+                        <a:lnT w="12700" cap="flat" cmpd="sng" algn="ctr">
+                          <a:solidFill>
+                            <a:schemeClr val="tx1"/>
+                          </a:solidFill>
+                          <a:prstDash val="solid"/>
+                          <a:round/>
+                          <a:headEnd type="none" w="med" len="med"/>
+                          <a:tailEnd type="none" w="med" len="med"/>
+                        </a:lnT>
+                        <a:lnB w="12700" cap="flat" cmpd="sng" algn="ctr">
+                          <a:solidFill>
+                            <a:schemeClr val="tx1"/>
+                          </a:solidFill>
+                          <a:prstDash val="solid"/>
+                          <a:round/>
+                          <a:headEnd type="none" w="med" len="med"/>
+                          <a:tailEnd type="none" w="med" len="med"/>
+                        </a:lnB>
+                        <a:lnTlToBr w="12700" cmpd="sng">
+                          <a:noFill/>
+                          <a:prstDash val="solid"/>
+                        </a:lnTlToBr>
+                        <a:lnBlToTr w="12700" cmpd="sng">
+                          <a:noFill/>
+                          <a:prstDash val="solid"/>
+                        </a:lnBlToTr>
+                        <a:noFill/>
+                      </a:tcPr>
+                    </a:tc>
+                    <a:tc>
+                      <a:txBody>
+                        <a:bodyPr/>
+                        <a:lstStyle/>
+                        <a:p>
+                          <a:pPr algn="ctr"/>
+                          <a:r>
+                            <a:rPr lang="fr-FR" sz="3400" noProof="0" dirty="0"/>
+                            <a:t>58</a:t>
+                          </a:r>
+                        </a:p>
+                      </a:txBody>
+                      <a:tcPr anchor="ctr">
+                        <a:lnL w="12700" cap="flat" cmpd="sng" algn="ctr">
+                          <a:solidFill>
+                            <a:schemeClr val="tx1"/>
+                          </a:solidFill>
+                          <a:prstDash val="solid"/>
+                          <a:round/>
+                          <a:headEnd type="none" w="med" len="med"/>
+                          <a:tailEnd type="none" w="med" len="med"/>
+                        </a:lnL>
+                        <a:lnR w="12700" cap="flat" cmpd="sng" algn="ctr">
+                          <a:solidFill>
+                            <a:schemeClr val="tx1"/>
+                          </a:solidFill>
+                          <a:prstDash val="solid"/>
+                          <a:round/>
+                          <a:headEnd type="none" w="med" len="med"/>
+                          <a:tailEnd type="none" w="med" len="med"/>
+                        </a:lnR>
+                        <a:lnT w="12700" cap="flat" cmpd="sng" algn="ctr">
+                          <a:solidFill>
+                            <a:schemeClr val="tx1"/>
+                          </a:solidFill>
+                          <a:prstDash val="solid"/>
+                          <a:round/>
+                          <a:headEnd type="none" w="med" len="med"/>
+                          <a:tailEnd type="none" w="med" len="med"/>
+                        </a:lnT>
+                        <a:lnB w="12700" cap="flat" cmpd="sng" algn="ctr">
+                          <a:solidFill>
+                            <a:schemeClr val="tx1"/>
+                          </a:solidFill>
+                          <a:prstDash val="solid"/>
+                          <a:round/>
+                          <a:headEnd type="none" w="med" len="med"/>
+                          <a:tailEnd type="none" w="med" len="med"/>
+                        </a:lnB>
+                        <a:lnTlToBr w="12700" cmpd="sng">
+                          <a:noFill/>
+                          <a:prstDash val="solid"/>
+                        </a:lnTlToBr>
+                        <a:lnBlToTr w="12700" cmpd="sng">
+                          <a:noFill/>
+                          <a:prstDash val="solid"/>
+                        </a:lnBlToTr>
+                        <a:noFill/>
+                      </a:tcPr>
+                    </a:tc>
+                    <a:tc>
+                      <a:txBody>
+                        <a:bodyPr/>
+                        <a:lstStyle/>
+                        <a:p>
+                          <a:pPr algn="ctr"/>
+                          <a:r>
+                            <a:rPr lang="en-US" sz="3400" dirty="0"/>
+                            <a:t>90</a:t>
+                          </a:r>
+                          <a:endParaRPr lang="en-GB" sz="3400" dirty="0"/>
+                        </a:p>
+                      </a:txBody>
+                      <a:tcPr anchor="ctr">
+                        <a:lnL w="12700" cap="flat" cmpd="sng" algn="ctr">
+                          <a:solidFill>
+                            <a:schemeClr val="tx1"/>
+                          </a:solidFill>
+                          <a:prstDash val="solid"/>
+                          <a:round/>
+                          <a:headEnd type="none" w="med" len="med"/>
+                          <a:tailEnd type="none" w="med" len="med"/>
+                        </a:lnL>
+                        <a:lnR w="12700" cmpd="sng">
+                          <a:noFill/>
+                        </a:lnR>
+                        <a:lnT w="12700" cap="flat" cmpd="sng" algn="ctr">
+                          <a:solidFill>
+                            <a:schemeClr val="tx1"/>
+                          </a:solidFill>
+                          <a:prstDash val="solid"/>
+                          <a:round/>
+                          <a:headEnd type="none" w="med" len="med"/>
+                          <a:tailEnd type="none" w="med" len="med"/>
+                        </a:lnT>
+                        <a:lnB w="12700" cap="flat" cmpd="sng" algn="ctr">
+                          <a:solidFill>
+                            <a:schemeClr val="tx1"/>
+                          </a:solidFill>
+                          <a:prstDash val="solid"/>
+                          <a:round/>
+                          <a:headEnd type="none" w="med" len="med"/>
+                          <a:tailEnd type="none" w="med" len="med"/>
+                        </a:lnB>
+                        <a:lnTlToBr w="12700" cmpd="sng">
+                          <a:noFill/>
+                          <a:prstDash val="solid"/>
+                        </a:lnTlToBr>
+                        <a:lnBlToTr w="12700" cmpd="sng">
+                          <a:noFill/>
+                          <a:prstDash val="solid"/>
+                        </a:lnBlToTr>
+                        <a:noFill/>
+                      </a:tcPr>
+                    </a:tc>
+                    <a:extLst>
+                      <a:ext uri="{0D108BD9-81ED-4DB2-BD59-A6C34878D82A}">
+                        <a16:rowId xmlns:a16="http://schemas.microsoft.com/office/drawing/2014/main" val="3071276382"/>
+                      </a:ext>
+                    </a:extLst>
+                  </a:tr>
+                  <a:tr h="1266853">
+                    <a:tc>
+                      <a:txBody>
+                        <a:bodyPr/>
+                        <a:lstStyle/>
+                        <a:p>
+                          <a:pPr algn="ctr"/>
+                          <a:r>
+                            <a:rPr lang="en-US" sz="3400" dirty="0">
+                              <a:solidFill>
+                                <a:schemeClr val="accent2">
+                                  <a:lumMod val="75000"/>
+                                </a:schemeClr>
+                              </a:solidFill>
+                            </a:rPr>
+                            <a:t>Temps </a:t>
+                          </a:r>
+                          <a:r>
+                            <a:rPr lang="fr-FR" sz="3400" noProof="0" dirty="0">
+                              <a:solidFill>
+                                <a:schemeClr val="accent2">
+                                  <a:lumMod val="75000"/>
+                                </a:schemeClr>
+                              </a:solidFill>
+                            </a:rPr>
+                            <a:t>d’exécution (minutes)</a:t>
+                          </a:r>
+                        </a:p>
+                      </a:txBody>
+                      <a:tcPr anchor="ctr">
+                        <a:lnL w="12700" cmpd="sng">
+                          <a:noFill/>
+                        </a:lnL>
+                        <a:lnR w="12700" cap="flat" cmpd="sng" algn="ctr">
+                          <a:solidFill>
+                            <a:schemeClr val="tx1"/>
+                          </a:solidFill>
+                          <a:prstDash val="solid"/>
+                          <a:round/>
+                          <a:headEnd type="none" w="med" len="med"/>
+                          <a:tailEnd type="none" w="med" len="med"/>
+                        </a:lnR>
+                        <a:lnT w="12700" cap="flat" cmpd="sng" algn="ctr">
+                          <a:solidFill>
+                            <a:schemeClr val="tx1"/>
+                          </a:solidFill>
+                          <a:prstDash val="solid"/>
+                          <a:round/>
+                          <a:headEnd type="none" w="med" len="med"/>
+                          <a:tailEnd type="none" w="med" len="med"/>
+                        </a:lnT>
+                        <a:lnB w="12700" cmpd="sng">
+                          <a:noFill/>
+                        </a:lnB>
+                        <a:lnTlToBr w="12700" cmpd="sng">
+                          <a:noFill/>
+                          <a:prstDash val="solid"/>
+                        </a:lnTlToBr>
+                        <a:lnBlToTr w="12700" cmpd="sng">
+                          <a:noFill/>
+                          <a:prstDash val="solid"/>
+                        </a:lnBlToTr>
+                        <a:noFill/>
+                      </a:tcPr>
+                    </a:tc>
+                    <a:tc>
+                      <a:txBody>
+                        <a:bodyPr/>
+                        <a:lstStyle/>
+                        <a:p>
+                          <a:pPr algn="ctr"/>
+                          <a:r>
+                            <a:rPr lang="en-US" sz="3400" dirty="0"/>
+                            <a:t>137</a:t>
+                          </a:r>
+                          <a:endParaRPr lang="en-GB" sz="3400" dirty="0"/>
+                        </a:p>
+                      </a:txBody>
+                      <a:tcPr anchor="ctr">
+                        <a:lnL w="12700" cap="flat" cmpd="sng" algn="ctr">
+                          <a:solidFill>
+                            <a:schemeClr val="tx1"/>
+                          </a:solidFill>
+                          <a:prstDash val="solid"/>
+                          <a:round/>
+                          <a:headEnd type="none" w="med" len="med"/>
+                          <a:tailEnd type="none" w="med" len="med"/>
+                        </a:lnL>
+                        <a:lnR w="12700" cap="flat" cmpd="sng" algn="ctr">
+                          <a:solidFill>
+                            <a:schemeClr val="tx1"/>
+                          </a:solidFill>
+                          <a:prstDash val="solid"/>
+                          <a:round/>
+                          <a:headEnd type="none" w="med" len="med"/>
+                          <a:tailEnd type="none" w="med" len="med"/>
+                        </a:lnR>
+                        <a:lnT w="12700" cap="flat" cmpd="sng" algn="ctr">
+                          <a:solidFill>
+                            <a:schemeClr val="tx1"/>
+                          </a:solidFill>
+                          <a:prstDash val="solid"/>
+                          <a:round/>
+                          <a:headEnd type="none" w="med" len="med"/>
+                          <a:tailEnd type="none" w="med" len="med"/>
+                        </a:lnT>
+                        <a:lnB w="12700" cmpd="sng">
+                          <a:noFill/>
+                        </a:lnB>
+                        <a:lnTlToBr w="12700" cmpd="sng">
+                          <a:noFill/>
+                          <a:prstDash val="solid"/>
+                        </a:lnTlToBr>
+                        <a:lnBlToTr w="12700" cmpd="sng">
+                          <a:noFill/>
+                          <a:prstDash val="solid"/>
+                        </a:lnBlToTr>
+                        <a:noFill/>
+                      </a:tcPr>
+                    </a:tc>
+                    <a:tc>
+                      <a:txBody>
+                        <a:bodyPr/>
+                        <a:lstStyle/>
+                        <a:p>
+                          <a:pPr algn="ctr"/>
+                          <a:r>
+                            <a:rPr lang="en-US" sz="3400" dirty="0"/>
+                            <a:t>228</a:t>
+                          </a:r>
+                          <a:endParaRPr lang="en-GB" sz="3400" dirty="0"/>
+                        </a:p>
+                      </a:txBody>
+                      <a:tcPr anchor="ctr">
+                        <a:lnL w="12700" cap="flat" cmpd="sng" algn="ctr">
+                          <a:solidFill>
+                            <a:schemeClr val="tx1"/>
+                          </a:solidFill>
+                          <a:prstDash val="solid"/>
+                          <a:round/>
+                          <a:headEnd type="none" w="med" len="med"/>
+                          <a:tailEnd type="none" w="med" len="med"/>
+                        </a:lnL>
+                        <a:lnR w="12700" cap="flat" cmpd="sng" algn="ctr">
+                          <a:solidFill>
+                            <a:schemeClr val="tx1"/>
+                          </a:solidFill>
+                          <a:prstDash val="solid"/>
+                          <a:round/>
+                          <a:headEnd type="none" w="med" len="med"/>
+                          <a:tailEnd type="none" w="med" len="med"/>
+                        </a:lnR>
+                        <a:lnT w="12700" cap="flat" cmpd="sng" algn="ctr">
+                          <a:solidFill>
+                            <a:schemeClr val="tx1"/>
+                          </a:solidFill>
+                          <a:prstDash val="solid"/>
+                          <a:round/>
+                          <a:headEnd type="none" w="med" len="med"/>
+                          <a:tailEnd type="none" w="med" len="med"/>
+                        </a:lnT>
+                        <a:lnB w="12700" cmpd="sng">
+                          <a:noFill/>
+                        </a:lnB>
+                        <a:lnTlToBr w="12700" cmpd="sng">
+                          <a:noFill/>
+                          <a:prstDash val="solid"/>
+                        </a:lnTlToBr>
+                        <a:lnBlToTr w="12700" cmpd="sng">
+                          <a:noFill/>
+                          <a:prstDash val="solid"/>
+                        </a:lnBlToTr>
+                        <a:noFill/>
+                      </a:tcPr>
+                    </a:tc>
+                    <a:tc>
+                      <a:txBody>
+                        <a:bodyPr/>
+                        <a:lstStyle/>
+                        <a:p>
+                          <a:pPr algn="ctr"/>
+                          <a:r>
+                            <a:rPr lang="en-US" sz="3400" dirty="0"/>
+                            <a:t>100</a:t>
+                          </a:r>
+                          <a:endParaRPr lang="en-GB" sz="3400" dirty="0"/>
+                        </a:p>
+                      </a:txBody>
+                      <a:tcPr anchor="ctr">
+                        <a:lnL w="12700" cap="flat" cmpd="sng" algn="ctr">
+                          <a:solidFill>
+                            <a:schemeClr val="tx1"/>
+                          </a:solidFill>
+                          <a:prstDash val="solid"/>
+                          <a:round/>
+                          <a:headEnd type="none" w="med" len="med"/>
+                          <a:tailEnd type="none" w="med" len="med"/>
+                        </a:lnL>
+                        <a:lnR w="12700" cap="flat" cmpd="sng" algn="ctr">
+                          <a:solidFill>
+                            <a:schemeClr val="tx1"/>
+                          </a:solidFill>
+                          <a:prstDash val="solid"/>
+                          <a:round/>
+                          <a:headEnd type="none" w="med" len="med"/>
+                          <a:tailEnd type="none" w="med" len="med"/>
+                        </a:lnR>
+                        <a:lnT w="12700" cap="flat" cmpd="sng" algn="ctr">
+                          <a:solidFill>
+                            <a:schemeClr val="tx1"/>
+                          </a:solidFill>
+                          <a:prstDash val="solid"/>
+                          <a:round/>
+                          <a:headEnd type="none" w="med" len="med"/>
+                          <a:tailEnd type="none" w="med" len="med"/>
+                        </a:lnT>
+                        <a:lnB w="12700" cmpd="sng">
+                          <a:noFill/>
+                        </a:lnB>
+                        <a:lnTlToBr w="12700" cmpd="sng">
+                          <a:noFill/>
+                          <a:prstDash val="solid"/>
+                        </a:lnTlToBr>
+                        <a:lnBlToTr w="12700" cmpd="sng">
+                          <a:noFill/>
+                          <a:prstDash val="solid"/>
+                        </a:lnBlToTr>
+                        <a:noFill/>
+                      </a:tcPr>
+                    </a:tc>
+                    <a:tc>
+                      <a:txBody>
+                        <a:bodyPr/>
+                        <a:lstStyle/>
+                        <a:p>
+                          <a:pPr algn="ctr"/>
+                          <a:r>
+                            <a:rPr lang="en-US" sz="3400" dirty="0"/>
+                            <a:t>60</a:t>
+                          </a:r>
+                          <a:endParaRPr lang="en-GB" sz="3400" dirty="0"/>
+                        </a:p>
+                      </a:txBody>
+                      <a:tcPr anchor="ctr">
+                        <a:lnL w="12700" cap="flat" cmpd="sng" algn="ctr">
+                          <a:solidFill>
+                            <a:schemeClr val="tx1"/>
+                          </a:solidFill>
+                          <a:prstDash val="solid"/>
+                          <a:round/>
+                          <a:headEnd type="none" w="med" len="med"/>
+                          <a:tailEnd type="none" w="med" len="med"/>
+                        </a:lnL>
+                        <a:lnR w="12700" cmpd="sng">
+                          <a:noFill/>
+                        </a:lnR>
+                        <a:lnT w="12700" cap="flat" cmpd="sng" algn="ctr">
+                          <a:solidFill>
+                            <a:schemeClr val="tx1"/>
+                          </a:solidFill>
+                          <a:prstDash val="solid"/>
+                          <a:round/>
+                          <a:headEnd type="none" w="med" len="med"/>
+                          <a:tailEnd type="none" w="med" len="med"/>
+                        </a:lnT>
+                        <a:lnB w="12700" cmpd="sng">
+                          <a:noFill/>
+                        </a:lnB>
+                        <a:lnTlToBr w="12700" cmpd="sng">
+                          <a:noFill/>
+                          <a:prstDash val="solid"/>
+                        </a:lnTlToBr>
+                        <a:lnBlToTr w="12700" cmpd="sng">
+                          <a:noFill/>
+                          <a:prstDash val="solid"/>
+                        </a:lnBlToTr>
+                        <a:noFill/>
+                      </a:tcPr>
+                    </a:tc>
+                    <a:extLst>
+                      <a:ext uri="{0D108BD9-81ED-4DB2-BD59-A6C34878D82A}">
+                        <a16:rowId xmlns:a16="http://schemas.microsoft.com/office/drawing/2014/main" val="3333150796"/>
+                      </a:ext>
+                    </a:extLst>
+                  </a:tr>
+                </a:tbl>
+              </a:graphicData>
+            </a:graphic>
+          </p:graphicFrame>
+        </mc:Fallback>
+      </mc:AlternateContent>
     </p:spTree>
   </p:cSld>
   <p:clrMapOvr>

--- a/PDS-INFO-2-G5.pptx
+++ b/PDS-INFO-2-G5.pptx
@@ -4368,6 +4368,80 @@
           <a:chExt cx="0" cy="0"/>
         </a:xfrm>
       </p:grpSpPr>
+      <p:sp>
+        <p:nvSpPr>
+          <p:cNvPr id="9" name="Rectangle: Rounded Corners 8">
+            <a:extLst>
+              <a:ext uri="{FF2B5EF4-FFF2-40B4-BE49-F238E27FC236}">
+                <a16:creationId xmlns:a16="http://schemas.microsoft.com/office/drawing/2014/main" id="{EC158220-7FA4-4CBD-AE55-B0959BA3F694}"/>
+              </a:ext>
+            </a:extLst>
+          </p:cNvPr>
+          <p:cNvSpPr/>
+          <p:nvPr/>
+        </p:nvSpPr>
+        <p:spPr bwMode="auto">
+          <a:xfrm>
+            <a:off x="17884399" y="40903423"/>
+            <a:ext cx="7841039" cy="1902028"/>
+          </a:xfrm>
+          <a:prstGeom prst="roundRect">
+            <a:avLst/>
+          </a:prstGeom>
+          <a:solidFill>
+            <a:srgbClr val="CECEEF">
+              <a:alpha val="50196"/>
+            </a:srgbClr>
+          </a:solidFill>
+          <a:ln w="9525" cap="flat" cmpd="sng" algn="ctr">
+            <a:solidFill>
+              <a:srgbClr val="6C5098"/>
+            </a:solidFill>
+            <a:prstDash val="solid"/>
+            <a:round/>
+            <a:headEnd type="none" w="med" len="med"/>
+            <a:tailEnd type="none" w="med" len="med"/>
+          </a:ln>
+          <a:effectLst/>
+        </p:spPr>
+        <p:txBody>
+          <a:bodyPr vert="horz" wrap="square" lIns="91440" tIns="45720" rIns="91440" bIns="45720" numCol="1" rtlCol="0" anchor="t" anchorCtr="0" compatLnSpc="1">
+            <a:prstTxWarp prst="textNoShape">
+              <a:avLst/>
+            </a:prstTxWarp>
+          </a:bodyPr>
+          <a:lstStyle/>
+          <a:p>
+            <a:pPr marL="0" marR="0" indent="0" algn="l" defTabSz="914400" rtl="0" eaLnBrk="0" fontAlgn="base" latinLnBrk="0" hangingPunct="0">
+              <a:lnSpc>
+                <a:spcPct val="100000"/>
+              </a:lnSpc>
+              <a:spcBef>
+                <a:spcPct val="0"/>
+              </a:spcBef>
+              <a:spcAft>
+                <a:spcPct val="0"/>
+              </a:spcAft>
+              <a:buClrTx/>
+              <a:buSzTx/>
+              <a:buFontTx/>
+              <a:buNone/>
+              <a:tabLst/>
+            </a:pPr>
+            <a:endParaRPr kumimoji="0" lang="en-GB" sz="2400" b="0" i="0" u="none" strike="noStrike" cap="none" normalizeH="0" baseline="0" dirty="0">
+              <a:ln>
+                <a:noFill/>
+              </a:ln>
+              <a:solidFill>
+                <a:schemeClr val="tx1"/>
+              </a:solidFill>
+              <a:effectLst/>
+              <a:latin typeface="Arial" charset="0"/>
+              <a:ea typeface="ＭＳ Ｐゴシック" pitchFamily="1" charset="-128"/>
+            </a:endParaRPr>
+          </a:p>
+        </p:txBody>
+      </p:sp>
       <p:sp>
         <p:nvSpPr>
           <p:cNvPr id="38" name="Rectangle: Rounded Corners 37">
@@ -9003,2422 +9077,1414 @@
           </a:p>
         </p:txBody>
       </p:sp>
+      <p:graphicFrame>
+        <p:nvGraphicFramePr>
+          <p:cNvPr id="71" name="Table 7">
+            <a:extLst>
+              <a:ext uri="{FF2B5EF4-FFF2-40B4-BE49-F238E27FC236}">
+                <a16:creationId xmlns:a16="http://schemas.microsoft.com/office/drawing/2014/main" id="{31174AD0-EDD6-4582-9F6E-44A52FFBA421}"/>
+              </a:ext>
+            </a:extLst>
+          </p:cNvPr>
+          <p:cNvGraphicFramePr>
+            <a:graphicFrameLocks noGrp="1"/>
+          </p:cNvGraphicFramePr>
+          <p:nvPr>
+            <p:extLst>
+              <p:ext uri="{D42A27DB-BD31-4B8C-83A1-F6EECF244321}">
+                <p14:modId xmlns:p14="http://schemas.microsoft.com/office/powerpoint/2010/main" val="387239080"/>
+              </p:ext>
+            </p:extLst>
+          </p:nvPr>
+        </p:nvGraphicFramePr>
+        <p:xfrm>
+          <a:off x="2665540" y="38620201"/>
+          <a:ext cx="13307902" cy="4040370"/>
+        </p:xfrm>
+        <a:graphic>
+          <a:graphicData uri="http://schemas.openxmlformats.org/drawingml/2006/table">
+            <a:tbl>
+              <a:tblPr firstRow="1" bandRow="1">
+                <a:tableStyleId>{93296810-A885-4BE3-A3E7-6D5BEEA58F35}</a:tableStyleId>
+              </a:tblPr>
+              <a:tblGrid>
+                <a:gridCol w="4435967">
+                  <a:extLst>
+                    <a:ext uri="{9D8B030D-6E8A-4147-A177-3AD203B41FA5}">
+                      <a16:colId xmlns:a16="http://schemas.microsoft.com/office/drawing/2014/main" val="2626304605"/>
+                    </a:ext>
+                  </a:extLst>
+                </a:gridCol>
+                <a:gridCol w="1478656">
+                  <a:extLst>
+                    <a:ext uri="{9D8B030D-6E8A-4147-A177-3AD203B41FA5}">
+                      <a16:colId xmlns:a16="http://schemas.microsoft.com/office/drawing/2014/main" val="2973038698"/>
+                    </a:ext>
+                  </a:extLst>
+                </a:gridCol>
+                <a:gridCol w="1478656">
+                  <a:extLst>
+                    <a:ext uri="{9D8B030D-6E8A-4147-A177-3AD203B41FA5}">
+                      <a16:colId xmlns:a16="http://schemas.microsoft.com/office/drawing/2014/main" val="1718655701"/>
+                    </a:ext>
+                  </a:extLst>
+                </a:gridCol>
+                <a:gridCol w="1478656">
+                  <a:extLst>
+                    <a:ext uri="{9D8B030D-6E8A-4147-A177-3AD203B41FA5}">
+                      <a16:colId xmlns:a16="http://schemas.microsoft.com/office/drawing/2014/main" val="2403150399"/>
+                    </a:ext>
+                  </a:extLst>
+                </a:gridCol>
+                <a:gridCol w="4435967">
+                  <a:extLst>
+                    <a:ext uri="{9D8B030D-6E8A-4147-A177-3AD203B41FA5}">
+                      <a16:colId xmlns:a16="http://schemas.microsoft.com/office/drawing/2014/main" val="1961620341"/>
+                    </a:ext>
+                  </a:extLst>
+                </a:gridCol>
+              </a:tblGrid>
+              <a:tr h="684786">
+                <a:tc rowSpan="2">
+                  <a:txBody>
+                    <a:bodyPr/>
+                    <a:lstStyle/>
+                    <a:p>
+                      <a:pPr algn="ctr"/>
+                      <a:r>
+                        <a:rPr lang="fr-FR" sz="4000" noProof="0" dirty="0">
+                          <a:solidFill>
+                            <a:schemeClr val="accent2">
+                              <a:lumMod val="75000"/>
+                            </a:schemeClr>
+                          </a:solidFill>
+                        </a:rPr>
+                        <a:t>Modèle</a:t>
+                      </a:r>
+                    </a:p>
+                  </a:txBody>
+                  <a:tcPr anchor="ctr">
+                    <a:lnL w="12700" cmpd="sng">
+                      <a:noFill/>
+                    </a:lnL>
+                    <a:lnR w="12700" cap="flat" cmpd="sng" algn="ctr">
+                      <a:solidFill>
+                        <a:schemeClr val="tx1"/>
+                      </a:solidFill>
+                      <a:prstDash val="solid"/>
+                      <a:round/>
+                      <a:headEnd type="none" w="med" len="med"/>
+                      <a:tailEnd type="none" w="med" len="med"/>
+                    </a:lnR>
+                    <a:lnT w="12700" cmpd="sng">
+                      <a:noFill/>
+                    </a:lnT>
+                    <a:lnB w="12700" cap="flat" cmpd="sng" algn="ctr">
+                      <a:solidFill>
+                        <a:schemeClr val="tx1"/>
+                      </a:solidFill>
+                      <a:prstDash val="solid"/>
+                      <a:round/>
+                      <a:headEnd type="none" w="med" len="med"/>
+                      <a:tailEnd type="none" w="med" len="med"/>
+                    </a:lnB>
+                    <a:lnTlToBr w="12700" cmpd="sng">
+                      <a:noFill/>
+                      <a:prstDash val="solid"/>
+                    </a:lnTlToBr>
+                    <a:lnBlToTr w="12700" cmpd="sng">
+                      <a:noFill/>
+                      <a:prstDash val="solid"/>
+                    </a:lnBlToTr>
+                    <a:noFill/>
+                  </a:tcPr>
+                </a:tc>
+                <a:tc gridSpan="3">
+                  <a:txBody>
+                    <a:bodyPr/>
+                    <a:lstStyle/>
+                    <a:p>
+                      <a:pPr algn="ctr"/>
+                      <a:r>
+                        <a:rPr lang="en-US" sz="4000" dirty="0">
+                          <a:solidFill>
+                            <a:schemeClr val="accent2">
+                              <a:lumMod val="75000"/>
+                            </a:schemeClr>
+                          </a:solidFill>
+                        </a:rPr>
+                        <a:t>SVM</a:t>
+                      </a:r>
+                      <a:endParaRPr lang="en-GB" sz="4000" dirty="0">
+                        <a:solidFill>
+                          <a:schemeClr val="accent2">
+                            <a:lumMod val="75000"/>
+                          </a:schemeClr>
+                        </a:solidFill>
+                      </a:endParaRPr>
+                    </a:p>
+                  </a:txBody>
+                  <a:tcPr anchor="ctr">
+                    <a:lnL w="12700" cap="flat" cmpd="sng" algn="ctr">
+                      <a:solidFill>
+                        <a:schemeClr val="tx1"/>
+                      </a:solidFill>
+                      <a:prstDash val="solid"/>
+                      <a:round/>
+                      <a:headEnd type="none" w="med" len="med"/>
+                      <a:tailEnd type="none" w="med" len="med"/>
+                    </a:lnL>
+                    <a:lnR w="12700" cap="flat" cmpd="sng" algn="ctr">
+                      <a:solidFill>
+                        <a:schemeClr val="tx1"/>
+                      </a:solidFill>
+                      <a:prstDash val="solid"/>
+                      <a:round/>
+                      <a:headEnd type="none" w="med" len="med"/>
+                      <a:tailEnd type="none" w="med" len="med"/>
+                    </a:lnR>
+                    <a:lnT w="12700" cmpd="sng">
+                      <a:noFill/>
+                    </a:lnT>
+                    <a:lnB w="12700" cap="flat" cmpd="sng" algn="ctr">
+                      <a:solidFill>
+                        <a:schemeClr val="tx1"/>
+                      </a:solidFill>
+                      <a:prstDash val="solid"/>
+                      <a:round/>
+                      <a:headEnd type="none" w="med" len="med"/>
+                      <a:tailEnd type="none" w="med" len="med"/>
+                    </a:lnB>
+                    <a:lnTlToBr w="12700" cmpd="sng">
+                      <a:noFill/>
+                      <a:prstDash val="solid"/>
+                    </a:lnTlToBr>
+                    <a:lnBlToTr w="12700" cmpd="sng">
+                      <a:noFill/>
+                      <a:prstDash val="solid"/>
+                    </a:lnBlToTr>
+                    <a:noFill/>
+                  </a:tcPr>
+                </a:tc>
+                <a:tc hMerge="1">
+                  <a:txBody>
+                    <a:bodyPr/>
+                    <a:lstStyle/>
+                    <a:p>
+                      <a:endParaRPr lang="en-GB"/>
+                    </a:p>
+                  </a:txBody>
+                  <a:tcPr/>
+                </a:tc>
+                <a:tc hMerge="1">
+                  <a:txBody>
+                    <a:bodyPr/>
+                    <a:lstStyle/>
+                    <a:p>
+                      <a:endParaRPr lang="en-GB"/>
+                    </a:p>
+                  </a:txBody>
+                  <a:tcPr/>
+                </a:tc>
+                <a:tc rowSpan="2">
+                  <a:txBody>
+                    <a:bodyPr/>
+                    <a:lstStyle/>
+                    <a:p>
+                      <a:pPr algn="ctr"/>
+                      <a:r>
+                        <a:rPr lang="en-US" sz="4000" dirty="0">
+                          <a:solidFill>
+                            <a:schemeClr val="accent2">
+                              <a:lumMod val="75000"/>
+                            </a:schemeClr>
+                          </a:solidFill>
+                        </a:rPr>
+                        <a:t>CNN</a:t>
+                      </a:r>
+                      <a:endParaRPr lang="en-GB" sz="4000" dirty="0">
+                        <a:solidFill>
+                          <a:schemeClr val="accent2">
+                            <a:lumMod val="75000"/>
+                          </a:schemeClr>
+                        </a:solidFill>
+                      </a:endParaRPr>
+                    </a:p>
+                  </a:txBody>
+                  <a:tcPr anchor="ctr">
+                    <a:lnL w="12700" cap="flat" cmpd="sng" algn="ctr">
+                      <a:solidFill>
+                        <a:schemeClr val="tx1"/>
+                      </a:solidFill>
+                      <a:prstDash val="solid"/>
+                      <a:round/>
+                      <a:headEnd type="none" w="med" len="med"/>
+                      <a:tailEnd type="none" w="med" len="med"/>
+                    </a:lnL>
+                    <a:lnR w="12700" cmpd="sng">
+                      <a:noFill/>
+                    </a:lnR>
+                    <a:lnT w="12700" cmpd="sng">
+                      <a:noFill/>
+                    </a:lnT>
+                    <a:lnB w="12700" cap="flat" cmpd="sng" algn="ctr">
+                      <a:solidFill>
+                        <a:schemeClr val="tx1"/>
+                      </a:solidFill>
+                      <a:prstDash val="solid"/>
+                      <a:round/>
+                      <a:headEnd type="none" w="med" len="med"/>
+                      <a:tailEnd type="none" w="med" len="med"/>
+                    </a:lnB>
+                    <a:lnTlToBr w="12700" cmpd="sng">
+                      <a:noFill/>
+                      <a:prstDash val="solid"/>
+                    </a:lnTlToBr>
+                    <a:lnBlToTr w="12700" cmpd="sng">
+                      <a:noFill/>
+                      <a:prstDash val="solid"/>
+                    </a:lnBlToTr>
+                    <a:noFill/>
+                  </a:tcPr>
+                </a:tc>
+                <a:extLst>
+                  <a:ext uri="{0D108BD9-81ED-4DB2-BD59-A6C34878D82A}">
+                    <a16:rowId xmlns:a16="http://schemas.microsoft.com/office/drawing/2014/main" val="2066148640"/>
+                  </a:ext>
+                </a:extLst>
+              </a:tr>
+              <a:tr h="805624">
+                <a:tc vMerge="1">
+                  <a:txBody>
+                    <a:bodyPr/>
+                    <a:lstStyle/>
+                    <a:p>
+                      <a:endParaRPr lang="en-GB"/>
+                    </a:p>
+                  </a:txBody>
+                  <a:tcPr/>
+                </a:tc>
+                <a:tc>
+                  <a:txBody>
+                    <a:bodyPr/>
+                    <a:lstStyle/>
+                    <a:p>
+                      <a:pPr algn="ctr"/>
+                      <a:r>
+                        <a:rPr lang="en-US" sz="3400" dirty="0">
+                          <a:solidFill>
+                            <a:schemeClr val="accent2">
+                              <a:lumMod val="75000"/>
+                            </a:schemeClr>
+                          </a:solidFill>
+                        </a:rPr>
+                        <a:t>SIFT</a:t>
+                      </a:r>
+                      <a:endParaRPr lang="en-GB" sz="3400" dirty="0">
+                        <a:solidFill>
+                          <a:schemeClr val="accent2">
+                            <a:lumMod val="75000"/>
+                          </a:schemeClr>
+                        </a:solidFill>
+                      </a:endParaRPr>
+                    </a:p>
+                  </a:txBody>
+                  <a:tcPr anchor="ctr">
+                    <a:lnL w="12700" cap="flat" cmpd="sng" algn="ctr">
+                      <a:solidFill>
+                        <a:schemeClr val="tx1"/>
+                      </a:solidFill>
+                      <a:prstDash val="solid"/>
+                      <a:round/>
+                      <a:headEnd type="none" w="med" len="med"/>
+                      <a:tailEnd type="none" w="med" len="med"/>
+                    </a:lnL>
+                    <a:lnR w="12700" cap="flat" cmpd="sng" algn="ctr">
+                      <a:solidFill>
+                        <a:schemeClr val="tx1"/>
+                      </a:solidFill>
+                      <a:prstDash val="solid"/>
+                      <a:round/>
+                      <a:headEnd type="none" w="med" len="med"/>
+                      <a:tailEnd type="none" w="med" len="med"/>
+                    </a:lnR>
+                    <a:lnT w="12700" cap="flat" cmpd="sng" algn="ctr">
+                      <a:solidFill>
+                        <a:schemeClr val="tx1"/>
+                      </a:solidFill>
+                      <a:prstDash val="solid"/>
+                      <a:round/>
+                      <a:headEnd type="none" w="med" len="med"/>
+                      <a:tailEnd type="none" w="med" len="med"/>
+                    </a:lnT>
+                    <a:lnB w="12700" cap="flat" cmpd="sng" algn="ctr">
+                      <a:solidFill>
+                        <a:schemeClr val="tx1"/>
+                      </a:solidFill>
+                      <a:prstDash val="solid"/>
+                      <a:round/>
+                      <a:headEnd type="none" w="med" len="med"/>
+                      <a:tailEnd type="none" w="med" len="med"/>
+                    </a:lnB>
+                    <a:lnTlToBr w="12700" cmpd="sng">
+                      <a:noFill/>
+                      <a:prstDash val="solid"/>
+                    </a:lnTlToBr>
+                    <a:lnBlToTr w="12700" cmpd="sng">
+                      <a:noFill/>
+                      <a:prstDash val="solid"/>
+                    </a:lnBlToTr>
+                    <a:noFill/>
+                  </a:tcPr>
+                </a:tc>
+                <a:tc>
+                  <a:txBody>
+                    <a:bodyPr/>
+                    <a:lstStyle/>
+                    <a:p>
+                      <a:pPr algn="ctr"/>
+                      <a:r>
+                        <a:rPr lang="en-US" sz="3400" dirty="0">
+                          <a:solidFill>
+                            <a:schemeClr val="accent2">
+                              <a:lumMod val="75000"/>
+                            </a:schemeClr>
+                          </a:solidFill>
+                        </a:rPr>
+                        <a:t>SURF</a:t>
+                      </a:r>
+                      <a:endParaRPr lang="en-GB" sz="3400" dirty="0">
+                        <a:solidFill>
+                          <a:schemeClr val="accent2">
+                            <a:lumMod val="75000"/>
+                          </a:schemeClr>
+                        </a:solidFill>
+                      </a:endParaRPr>
+                    </a:p>
+                  </a:txBody>
+                  <a:tcPr anchor="ctr">
+                    <a:lnL w="12700" cap="flat" cmpd="sng" algn="ctr">
+                      <a:solidFill>
+                        <a:schemeClr val="tx1"/>
+                      </a:solidFill>
+                      <a:prstDash val="solid"/>
+                      <a:round/>
+                      <a:headEnd type="none" w="med" len="med"/>
+                      <a:tailEnd type="none" w="med" len="med"/>
+                    </a:lnL>
+                    <a:lnR w="12700" cap="flat" cmpd="sng" algn="ctr">
+                      <a:solidFill>
+                        <a:schemeClr val="tx1"/>
+                      </a:solidFill>
+                      <a:prstDash val="solid"/>
+                      <a:round/>
+                      <a:headEnd type="none" w="med" len="med"/>
+                      <a:tailEnd type="none" w="med" len="med"/>
+                    </a:lnR>
+                    <a:lnT w="12700" cap="flat" cmpd="sng" algn="ctr">
+                      <a:solidFill>
+                        <a:schemeClr val="tx1"/>
+                      </a:solidFill>
+                      <a:prstDash val="solid"/>
+                      <a:round/>
+                      <a:headEnd type="none" w="med" len="med"/>
+                      <a:tailEnd type="none" w="med" len="med"/>
+                    </a:lnT>
+                    <a:lnB w="12700" cap="flat" cmpd="sng" algn="ctr">
+                      <a:solidFill>
+                        <a:schemeClr val="tx1"/>
+                      </a:solidFill>
+                      <a:prstDash val="solid"/>
+                      <a:round/>
+                      <a:headEnd type="none" w="med" len="med"/>
+                      <a:tailEnd type="none" w="med" len="med"/>
+                    </a:lnB>
+                    <a:lnTlToBr w="12700" cmpd="sng">
+                      <a:noFill/>
+                      <a:prstDash val="solid"/>
+                    </a:lnTlToBr>
+                    <a:lnBlToTr w="12700" cmpd="sng">
+                      <a:noFill/>
+                      <a:prstDash val="solid"/>
+                    </a:lnBlToTr>
+                    <a:noFill/>
+                  </a:tcPr>
+                </a:tc>
+                <a:tc>
+                  <a:txBody>
+                    <a:bodyPr/>
+                    <a:lstStyle/>
+                    <a:p>
+                      <a:pPr algn="ctr"/>
+                      <a:r>
+                        <a:rPr lang="en-US" sz="3400" dirty="0">
+                          <a:solidFill>
+                            <a:schemeClr val="accent2">
+                              <a:lumMod val="75000"/>
+                            </a:schemeClr>
+                          </a:solidFill>
+                        </a:rPr>
+                        <a:t>ORB</a:t>
+                      </a:r>
+                      <a:endParaRPr lang="en-GB" sz="3400" dirty="0">
+                        <a:solidFill>
+                          <a:schemeClr val="accent2">
+                            <a:lumMod val="75000"/>
+                          </a:schemeClr>
+                        </a:solidFill>
+                      </a:endParaRPr>
+                    </a:p>
+                  </a:txBody>
+                  <a:tcPr anchor="ctr">
+                    <a:lnL w="12700" cap="flat" cmpd="sng" algn="ctr">
+                      <a:solidFill>
+                        <a:schemeClr val="tx1"/>
+                      </a:solidFill>
+                      <a:prstDash val="solid"/>
+                      <a:round/>
+                      <a:headEnd type="none" w="med" len="med"/>
+                      <a:tailEnd type="none" w="med" len="med"/>
+                    </a:lnL>
+                    <a:lnR w="12700" cap="flat" cmpd="sng" algn="ctr">
+                      <a:solidFill>
+                        <a:schemeClr val="tx1"/>
+                      </a:solidFill>
+                      <a:prstDash val="solid"/>
+                      <a:round/>
+                      <a:headEnd type="none" w="med" len="med"/>
+                      <a:tailEnd type="none" w="med" len="med"/>
+                    </a:lnR>
+                    <a:lnT w="12700" cap="flat" cmpd="sng" algn="ctr">
+                      <a:solidFill>
+                        <a:schemeClr val="tx1"/>
+                      </a:solidFill>
+                      <a:prstDash val="solid"/>
+                      <a:round/>
+                      <a:headEnd type="none" w="med" len="med"/>
+                      <a:tailEnd type="none" w="med" len="med"/>
+                    </a:lnT>
+                    <a:lnB w="12700" cap="flat" cmpd="sng" algn="ctr">
+                      <a:solidFill>
+                        <a:schemeClr val="tx1"/>
+                      </a:solidFill>
+                      <a:prstDash val="solid"/>
+                      <a:round/>
+                      <a:headEnd type="none" w="med" len="med"/>
+                      <a:tailEnd type="none" w="med" len="med"/>
+                    </a:lnB>
+                    <a:lnTlToBr w="12700" cmpd="sng">
+                      <a:noFill/>
+                      <a:prstDash val="solid"/>
+                    </a:lnTlToBr>
+                    <a:lnBlToTr w="12700" cmpd="sng">
+                      <a:noFill/>
+                      <a:prstDash val="solid"/>
+                    </a:lnBlToTr>
+                    <a:noFill/>
+                  </a:tcPr>
+                </a:tc>
+                <a:tc vMerge="1">
+                  <a:txBody>
+                    <a:bodyPr/>
+                    <a:lstStyle/>
+                    <a:p>
+                      <a:endParaRPr lang="en-GB"/>
+                    </a:p>
+                  </a:txBody>
+                  <a:tcPr/>
+                </a:tc>
+                <a:extLst>
+                  <a:ext uri="{0D108BD9-81ED-4DB2-BD59-A6C34878D82A}">
+                    <a16:rowId xmlns:a16="http://schemas.microsoft.com/office/drawing/2014/main" val="2518867"/>
+                  </a:ext>
+                </a:extLst>
+              </a:tr>
+              <a:tr h="1266853">
+                <a:tc>
+                  <a:txBody>
+                    <a:bodyPr/>
+                    <a:lstStyle/>
+                    <a:p>
+                      <a:pPr algn="ctr"/>
+                      <a:r>
+                        <a:rPr lang="fr-FR" sz="3400" noProof="0" dirty="0">
+                          <a:solidFill>
+                            <a:schemeClr val="accent2">
+                              <a:lumMod val="75000"/>
+                            </a:schemeClr>
+                          </a:solidFill>
+                        </a:rPr>
+                        <a:t>Précision*</a:t>
+                      </a:r>
+                    </a:p>
+                    <a:p>
+                      <a:pPr algn="ctr"/>
+                      <a:r>
+                        <a:rPr lang="fr-FR" sz="3400" noProof="0" dirty="0">
+                          <a:solidFill>
+                            <a:schemeClr val="accent2">
+                              <a:lumMod val="75000"/>
+                            </a:schemeClr>
+                          </a:solidFill>
+                        </a:rPr>
+                        <a:t>(%)</a:t>
+                      </a:r>
+                    </a:p>
+                  </a:txBody>
+                  <a:tcPr anchor="ctr">
+                    <a:lnL w="12700" cmpd="sng">
+                      <a:noFill/>
+                    </a:lnL>
+                    <a:lnR w="12700" cap="flat" cmpd="sng" algn="ctr">
+                      <a:solidFill>
+                        <a:schemeClr val="tx1"/>
+                      </a:solidFill>
+                      <a:prstDash val="solid"/>
+                      <a:round/>
+                      <a:headEnd type="none" w="med" len="med"/>
+                      <a:tailEnd type="none" w="med" len="med"/>
+                    </a:lnR>
+                    <a:lnT w="12700" cap="flat" cmpd="sng" algn="ctr">
+                      <a:solidFill>
+                        <a:schemeClr val="tx1"/>
+                      </a:solidFill>
+                      <a:prstDash val="solid"/>
+                      <a:round/>
+                      <a:headEnd type="none" w="med" len="med"/>
+                      <a:tailEnd type="none" w="med" len="med"/>
+                    </a:lnT>
+                    <a:lnB w="12700" cap="flat" cmpd="sng" algn="ctr">
+                      <a:solidFill>
+                        <a:schemeClr val="tx1"/>
+                      </a:solidFill>
+                      <a:prstDash val="solid"/>
+                      <a:round/>
+                      <a:headEnd type="none" w="med" len="med"/>
+                      <a:tailEnd type="none" w="med" len="med"/>
+                    </a:lnB>
+                    <a:lnTlToBr w="12700" cmpd="sng">
+                      <a:noFill/>
+                      <a:prstDash val="solid"/>
+                    </a:lnTlToBr>
+                    <a:lnBlToTr w="12700" cmpd="sng">
+                      <a:noFill/>
+                      <a:prstDash val="solid"/>
+                    </a:lnBlToTr>
+                    <a:noFill/>
+                  </a:tcPr>
+                </a:tc>
+                <a:tc>
+                  <a:txBody>
+                    <a:bodyPr/>
+                    <a:lstStyle/>
+                    <a:p>
+                      <a:pPr algn="ctr"/>
+                      <a:r>
+                        <a:rPr lang="fr-FR" sz="3400" noProof="0" dirty="0"/>
+                        <a:t>62</a:t>
+                      </a:r>
+                    </a:p>
+                  </a:txBody>
+                  <a:tcPr anchor="ctr">
+                    <a:lnL w="12700" cap="flat" cmpd="sng" algn="ctr">
+                      <a:solidFill>
+                        <a:schemeClr val="tx1"/>
+                      </a:solidFill>
+                      <a:prstDash val="solid"/>
+                      <a:round/>
+                      <a:headEnd type="none" w="med" len="med"/>
+                      <a:tailEnd type="none" w="med" len="med"/>
+                    </a:lnL>
+                    <a:lnR w="12700" cap="flat" cmpd="sng" algn="ctr">
+                      <a:solidFill>
+                        <a:schemeClr val="tx1"/>
+                      </a:solidFill>
+                      <a:prstDash val="solid"/>
+                      <a:round/>
+                      <a:headEnd type="none" w="med" len="med"/>
+                      <a:tailEnd type="none" w="med" len="med"/>
+                    </a:lnR>
+                    <a:lnT w="12700" cap="flat" cmpd="sng" algn="ctr">
+                      <a:solidFill>
+                        <a:schemeClr val="tx1"/>
+                      </a:solidFill>
+                      <a:prstDash val="solid"/>
+                      <a:round/>
+                      <a:headEnd type="none" w="med" len="med"/>
+                      <a:tailEnd type="none" w="med" len="med"/>
+                    </a:lnT>
+                    <a:lnB w="12700" cap="flat" cmpd="sng" algn="ctr">
+                      <a:solidFill>
+                        <a:schemeClr val="tx1"/>
+                      </a:solidFill>
+                      <a:prstDash val="solid"/>
+                      <a:round/>
+                      <a:headEnd type="none" w="med" len="med"/>
+                      <a:tailEnd type="none" w="med" len="med"/>
+                    </a:lnB>
+                    <a:lnTlToBr w="12700" cmpd="sng">
+                      <a:noFill/>
+                      <a:prstDash val="solid"/>
+                    </a:lnTlToBr>
+                    <a:lnBlToTr w="12700" cmpd="sng">
+                      <a:noFill/>
+                      <a:prstDash val="solid"/>
+                    </a:lnBlToTr>
+                    <a:noFill/>
+                  </a:tcPr>
+                </a:tc>
+                <a:tc>
+                  <a:txBody>
+                    <a:bodyPr/>
+                    <a:lstStyle/>
+                    <a:p>
+                      <a:pPr algn="ctr"/>
+                      <a:r>
+                        <a:rPr lang="fr-FR" sz="3400" noProof="0" dirty="0"/>
+                        <a:t>65</a:t>
+                      </a:r>
+                    </a:p>
+                  </a:txBody>
+                  <a:tcPr anchor="ctr">
+                    <a:lnL w="12700" cap="flat" cmpd="sng" algn="ctr">
+                      <a:solidFill>
+                        <a:schemeClr val="tx1"/>
+                      </a:solidFill>
+                      <a:prstDash val="solid"/>
+                      <a:round/>
+                      <a:headEnd type="none" w="med" len="med"/>
+                      <a:tailEnd type="none" w="med" len="med"/>
+                    </a:lnL>
+                    <a:lnR w="12700" cap="flat" cmpd="sng" algn="ctr">
+                      <a:solidFill>
+                        <a:schemeClr val="tx1"/>
+                      </a:solidFill>
+                      <a:prstDash val="solid"/>
+                      <a:round/>
+                      <a:headEnd type="none" w="med" len="med"/>
+                      <a:tailEnd type="none" w="med" len="med"/>
+                    </a:lnR>
+                    <a:lnT w="12700" cap="flat" cmpd="sng" algn="ctr">
+                      <a:solidFill>
+                        <a:schemeClr val="tx1"/>
+                      </a:solidFill>
+                      <a:prstDash val="solid"/>
+                      <a:round/>
+                      <a:headEnd type="none" w="med" len="med"/>
+                      <a:tailEnd type="none" w="med" len="med"/>
+                    </a:lnT>
+                    <a:lnB w="12700" cap="flat" cmpd="sng" algn="ctr">
+                      <a:solidFill>
+                        <a:schemeClr val="tx1"/>
+                      </a:solidFill>
+                      <a:prstDash val="solid"/>
+                      <a:round/>
+                      <a:headEnd type="none" w="med" len="med"/>
+                      <a:tailEnd type="none" w="med" len="med"/>
+                    </a:lnB>
+                    <a:lnTlToBr w="12700" cmpd="sng">
+                      <a:noFill/>
+                      <a:prstDash val="solid"/>
+                    </a:lnTlToBr>
+                    <a:lnBlToTr w="12700" cmpd="sng">
+                      <a:noFill/>
+                      <a:prstDash val="solid"/>
+                    </a:lnBlToTr>
+                    <a:noFill/>
+                  </a:tcPr>
+                </a:tc>
+                <a:tc>
+                  <a:txBody>
+                    <a:bodyPr/>
+                    <a:lstStyle/>
+                    <a:p>
+                      <a:pPr algn="ctr"/>
+                      <a:r>
+                        <a:rPr lang="fr-FR" sz="3400" noProof="0" dirty="0"/>
+                        <a:t>58</a:t>
+                      </a:r>
+                    </a:p>
+                  </a:txBody>
+                  <a:tcPr anchor="ctr">
+                    <a:lnL w="12700" cap="flat" cmpd="sng" algn="ctr">
+                      <a:solidFill>
+                        <a:schemeClr val="tx1"/>
+                      </a:solidFill>
+                      <a:prstDash val="solid"/>
+                      <a:round/>
+                      <a:headEnd type="none" w="med" len="med"/>
+                      <a:tailEnd type="none" w="med" len="med"/>
+                    </a:lnL>
+                    <a:lnR w="12700" cap="flat" cmpd="sng" algn="ctr">
+                      <a:solidFill>
+                        <a:schemeClr val="tx1"/>
+                      </a:solidFill>
+                      <a:prstDash val="solid"/>
+                      <a:round/>
+                      <a:headEnd type="none" w="med" len="med"/>
+                      <a:tailEnd type="none" w="med" len="med"/>
+                    </a:lnR>
+                    <a:lnT w="12700" cap="flat" cmpd="sng" algn="ctr">
+                      <a:solidFill>
+                        <a:schemeClr val="tx1"/>
+                      </a:solidFill>
+                      <a:prstDash val="solid"/>
+                      <a:round/>
+                      <a:headEnd type="none" w="med" len="med"/>
+                      <a:tailEnd type="none" w="med" len="med"/>
+                    </a:lnT>
+                    <a:lnB w="12700" cap="flat" cmpd="sng" algn="ctr">
+                      <a:solidFill>
+                        <a:schemeClr val="tx1"/>
+                      </a:solidFill>
+                      <a:prstDash val="solid"/>
+                      <a:round/>
+                      <a:headEnd type="none" w="med" len="med"/>
+                      <a:tailEnd type="none" w="med" len="med"/>
+                    </a:lnB>
+                    <a:lnTlToBr w="12700" cmpd="sng">
+                      <a:noFill/>
+                      <a:prstDash val="solid"/>
+                    </a:lnTlToBr>
+                    <a:lnBlToTr w="12700" cmpd="sng">
+                      <a:noFill/>
+                      <a:prstDash val="solid"/>
+                    </a:lnBlToTr>
+                    <a:noFill/>
+                  </a:tcPr>
+                </a:tc>
+                <a:tc>
+                  <a:txBody>
+                    <a:bodyPr/>
+                    <a:lstStyle/>
+                    <a:p>
+                      <a:pPr algn="ctr"/>
+                      <a:r>
+                        <a:rPr lang="en-US" sz="3400" dirty="0"/>
+                        <a:t>90</a:t>
+                      </a:r>
+                      <a:endParaRPr lang="en-GB" sz="3400" dirty="0"/>
+                    </a:p>
+                  </a:txBody>
+                  <a:tcPr anchor="ctr">
+                    <a:lnL w="12700" cap="flat" cmpd="sng" algn="ctr">
+                      <a:solidFill>
+                        <a:schemeClr val="tx1"/>
+                      </a:solidFill>
+                      <a:prstDash val="solid"/>
+                      <a:round/>
+                      <a:headEnd type="none" w="med" len="med"/>
+                      <a:tailEnd type="none" w="med" len="med"/>
+                    </a:lnL>
+                    <a:lnR w="12700" cmpd="sng">
+                      <a:noFill/>
+                    </a:lnR>
+                    <a:lnT w="12700" cap="flat" cmpd="sng" algn="ctr">
+                      <a:solidFill>
+                        <a:schemeClr val="tx1"/>
+                      </a:solidFill>
+                      <a:prstDash val="solid"/>
+                      <a:round/>
+                      <a:headEnd type="none" w="med" len="med"/>
+                      <a:tailEnd type="none" w="med" len="med"/>
+                    </a:lnT>
+                    <a:lnB w="12700" cap="flat" cmpd="sng" algn="ctr">
+                      <a:solidFill>
+                        <a:schemeClr val="tx1"/>
+                      </a:solidFill>
+                      <a:prstDash val="solid"/>
+                      <a:round/>
+                      <a:headEnd type="none" w="med" len="med"/>
+                      <a:tailEnd type="none" w="med" len="med"/>
+                    </a:lnB>
+                    <a:lnTlToBr w="12700" cmpd="sng">
+                      <a:noFill/>
+                      <a:prstDash val="solid"/>
+                    </a:lnTlToBr>
+                    <a:lnBlToTr w="12700" cmpd="sng">
+                      <a:noFill/>
+                      <a:prstDash val="solid"/>
+                    </a:lnBlToTr>
+                    <a:noFill/>
+                  </a:tcPr>
+                </a:tc>
+                <a:extLst>
+                  <a:ext uri="{0D108BD9-81ED-4DB2-BD59-A6C34878D82A}">
+                    <a16:rowId xmlns:a16="http://schemas.microsoft.com/office/drawing/2014/main" val="3071276382"/>
+                  </a:ext>
+                </a:extLst>
+              </a:tr>
+              <a:tr h="1266853">
+                <a:tc>
+                  <a:txBody>
+                    <a:bodyPr/>
+                    <a:lstStyle/>
+                    <a:p>
+                      <a:pPr algn="ctr"/>
+                      <a:r>
+                        <a:rPr lang="en-US" sz="3400" dirty="0">
+                          <a:solidFill>
+                            <a:schemeClr val="accent2">
+                              <a:lumMod val="75000"/>
+                            </a:schemeClr>
+                          </a:solidFill>
+                        </a:rPr>
+                        <a:t>Temps </a:t>
+                      </a:r>
+                      <a:r>
+                        <a:rPr lang="fr-FR" sz="3400" noProof="0" dirty="0">
+                          <a:solidFill>
+                            <a:schemeClr val="accent2">
+                              <a:lumMod val="75000"/>
+                            </a:schemeClr>
+                          </a:solidFill>
+                        </a:rPr>
+                        <a:t>d’exécution (minutes)</a:t>
+                      </a:r>
+                    </a:p>
+                  </a:txBody>
+                  <a:tcPr anchor="ctr">
+                    <a:lnL w="12700" cmpd="sng">
+                      <a:noFill/>
+                    </a:lnL>
+                    <a:lnR w="12700" cap="flat" cmpd="sng" algn="ctr">
+                      <a:solidFill>
+                        <a:schemeClr val="tx1"/>
+                      </a:solidFill>
+                      <a:prstDash val="solid"/>
+                      <a:round/>
+                      <a:headEnd type="none" w="med" len="med"/>
+                      <a:tailEnd type="none" w="med" len="med"/>
+                    </a:lnR>
+                    <a:lnT w="12700" cap="flat" cmpd="sng" algn="ctr">
+                      <a:solidFill>
+                        <a:schemeClr val="tx1"/>
+                      </a:solidFill>
+                      <a:prstDash val="solid"/>
+                      <a:round/>
+                      <a:headEnd type="none" w="med" len="med"/>
+                      <a:tailEnd type="none" w="med" len="med"/>
+                    </a:lnT>
+                    <a:lnB w="12700" cmpd="sng">
+                      <a:noFill/>
+                    </a:lnB>
+                    <a:lnTlToBr w="12700" cmpd="sng">
+                      <a:noFill/>
+                      <a:prstDash val="solid"/>
+                    </a:lnTlToBr>
+                    <a:lnBlToTr w="12700" cmpd="sng">
+                      <a:noFill/>
+                      <a:prstDash val="solid"/>
+                    </a:lnBlToTr>
+                    <a:noFill/>
+                  </a:tcPr>
+                </a:tc>
+                <a:tc>
+                  <a:txBody>
+                    <a:bodyPr/>
+                    <a:lstStyle/>
+                    <a:p>
+                      <a:pPr algn="ctr"/>
+                      <a:r>
+                        <a:rPr lang="en-US" sz="3400" dirty="0"/>
+                        <a:t>137</a:t>
+                      </a:r>
+                      <a:endParaRPr lang="en-GB" sz="3400" dirty="0"/>
+                    </a:p>
+                  </a:txBody>
+                  <a:tcPr anchor="ctr">
+                    <a:lnL w="12700" cap="flat" cmpd="sng" algn="ctr">
+                      <a:solidFill>
+                        <a:schemeClr val="tx1"/>
+                      </a:solidFill>
+                      <a:prstDash val="solid"/>
+                      <a:round/>
+                      <a:headEnd type="none" w="med" len="med"/>
+                      <a:tailEnd type="none" w="med" len="med"/>
+                    </a:lnL>
+                    <a:lnR w="12700" cap="flat" cmpd="sng" algn="ctr">
+                      <a:solidFill>
+                        <a:schemeClr val="tx1"/>
+                      </a:solidFill>
+                      <a:prstDash val="solid"/>
+                      <a:round/>
+                      <a:headEnd type="none" w="med" len="med"/>
+                      <a:tailEnd type="none" w="med" len="med"/>
+                    </a:lnR>
+                    <a:lnT w="12700" cap="flat" cmpd="sng" algn="ctr">
+                      <a:solidFill>
+                        <a:schemeClr val="tx1"/>
+                      </a:solidFill>
+                      <a:prstDash val="solid"/>
+                      <a:round/>
+                      <a:headEnd type="none" w="med" len="med"/>
+                      <a:tailEnd type="none" w="med" len="med"/>
+                    </a:lnT>
+                    <a:lnB w="12700" cmpd="sng">
+                      <a:noFill/>
+                    </a:lnB>
+                    <a:lnTlToBr w="12700" cmpd="sng">
+                      <a:noFill/>
+                      <a:prstDash val="solid"/>
+                    </a:lnTlToBr>
+                    <a:lnBlToTr w="12700" cmpd="sng">
+                      <a:noFill/>
+                      <a:prstDash val="solid"/>
+                    </a:lnBlToTr>
+                    <a:noFill/>
+                  </a:tcPr>
+                </a:tc>
+                <a:tc>
+                  <a:txBody>
+                    <a:bodyPr/>
+                    <a:lstStyle/>
+                    <a:p>
+                      <a:pPr algn="ctr"/>
+                      <a:r>
+                        <a:rPr lang="en-US" sz="3400" dirty="0"/>
+                        <a:t>228</a:t>
+                      </a:r>
+                      <a:endParaRPr lang="en-GB" sz="3400" dirty="0"/>
+                    </a:p>
+                  </a:txBody>
+                  <a:tcPr anchor="ctr">
+                    <a:lnL w="12700" cap="flat" cmpd="sng" algn="ctr">
+                      <a:solidFill>
+                        <a:schemeClr val="tx1"/>
+                      </a:solidFill>
+                      <a:prstDash val="solid"/>
+                      <a:round/>
+                      <a:headEnd type="none" w="med" len="med"/>
+                      <a:tailEnd type="none" w="med" len="med"/>
+                    </a:lnL>
+                    <a:lnR w="12700" cap="flat" cmpd="sng" algn="ctr">
+                      <a:solidFill>
+                        <a:schemeClr val="tx1"/>
+                      </a:solidFill>
+                      <a:prstDash val="solid"/>
+                      <a:round/>
+                      <a:headEnd type="none" w="med" len="med"/>
+                      <a:tailEnd type="none" w="med" len="med"/>
+                    </a:lnR>
+                    <a:lnT w="12700" cap="flat" cmpd="sng" algn="ctr">
+                      <a:solidFill>
+                        <a:schemeClr val="tx1"/>
+                      </a:solidFill>
+                      <a:prstDash val="solid"/>
+                      <a:round/>
+                      <a:headEnd type="none" w="med" len="med"/>
+                      <a:tailEnd type="none" w="med" len="med"/>
+                    </a:lnT>
+                    <a:lnB w="12700" cmpd="sng">
+                      <a:noFill/>
+                    </a:lnB>
+                    <a:lnTlToBr w="12700" cmpd="sng">
+                      <a:noFill/>
+                      <a:prstDash val="solid"/>
+                    </a:lnTlToBr>
+                    <a:lnBlToTr w="12700" cmpd="sng">
+                      <a:noFill/>
+                      <a:prstDash val="solid"/>
+                    </a:lnBlToTr>
+                    <a:noFill/>
+                  </a:tcPr>
+                </a:tc>
+                <a:tc>
+                  <a:txBody>
+                    <a:bodyPr/>
+                    <a:lstStyle/>
+                    <a:p>
+                      <a:pPr algn="ctr"/>
+                      <a:r>
+                        <a:rPr lang="en-US" sz="3400" dirty="0"/>
+                        <a:t>100</a:t>
+                      </a:r>
+                      <a:endParaRPr lang="en-GB" sz="3400" dirty="0"/>
+                    </a:p>
+                  </a:txBody>
+                  <a:tcPr anchor="ctr">
+                    <a:lnL w="12700" cap="flat" cmpd="sng" algn="ctr">
+                      <a:solidFill>
+                        <a:schemeClr val="tx1"/>
+                      </a:solidFill>
+                      <a:prstDash val="solid"/>
+                      <a:round/>
+                      <a:headEnd type="none" w="med" len="med"/>
+                      <a:tailEnd type="none" w="med" len="med"/>
+                    </a:lnL>
+                    <a:lnR w="12700" cap="flat" cmpd="sng" algn="ctr">
+                      <a:solidFill>
+                        <a:schemeClr val="tx1"/>
+                      </a:solidFill>
+                      <a:prstDash val="solid"/>
+                      <a:round/>
+                      <a:headEnd type="none" w="med" len="med"/>
+                      <a:tailEnd type="none" w="med" len="med"/>
+                    </a:lnR>
+                    <a:lnT w="12700" cap="flat" cmpd="sng" algn="ctr">
+                      <a:solidFill>
+                        <a:schemeClr val="tx1"/>
+                      </a:solidFill>
+                      <a:prstDash val="solid"/>
+                      <a:round/>
+                      <a:headEnd type="none" w="med" len="med"/>
+                      <a:tailEnd type="none" w="med" len="med"/>
+                    </a:lnT>
+                    <a:lnB w="12700" cmpd="sng">
+                      <a:noFill/>
+                    </a:lnB>
+                    <a:lnTlToBr w="12700" cmpd="sng">
+                      <a:noFill/>
+                      <a:prstDash val="solid"/>
+                    </a:lnTlToBr>
+                    <a:lnBlToTr w="12700" cmpd="sng">
+                      <a:noFill/>
+                      <a:prstDash val="solid"/>
+                    </a:lnBlToTr>
+                    <a:noFill/>
+                  </a:tcPr>
+                </a:tc>
+                <a:tc>
+                  <a:txBody>
+                    <a:bodyPr/>
+                    <a:lstStyle/>
+                    <a:p>
+                      <a:pPr algn="ctr"/>
+                      <a:r>
+                        <a:rPr lang="en-US" sz="3400" dirty="0"/>
+                        <a:t>60</a:t>
+                      </a:r>
+                      <a:endParaRPr lang="en-GB" sz="3400" dirty="0"/>
+                    </a:p>
+                  </a:txBody>
+                  <a:tcPr anchor="ctr">
+                    <a:lnL w="12700" cap="flat" cmpd="sng" algn="ctr">
+                      <a:solidFill>
+                        <a:schemeClr val="tx1"/>
+                      </a:solidFill>
+                      <a:prstDash val="solid"/>
+                      <a:round/>
+                      <a:headEnd type="none" w="med" len="med"/>
+                      <a:tailEnd type="none" w="med" len="med"/>
+                    </a:lnL>
+                    <a:lnR w="12700" cmpd="sng">
+                      <a:noFill/>
+                    </a:lnR>
+                    <a:lnT w="12700" cap="flat" cmpd="sng" algn="ctr">
+                      <a:solidFill>
+                        <a:schemeClr val="tx1"/>
+                      </a:solidFill>
+                      <a:prstDash val="solid"/>
+                      <a:round/>
+                      <a:headEnd type="none" w="med" len="med"/>
+                      <a:tailEnd type="none" w="med" len="med"/>
+                    </a:lnT>
+                    <a:lnB w="12700" cmpd="sng">
+                      <a:noFill/>
+                    </a:lnB>
+                    <a:lnTlToBr w="12700" cmpd="sng">
+                      <a:noFill/>
+                      <a:prstDash val="solid"/>
+                    </a:lnTlToBr>
+                    <a:lnBlToTr w="12700" cmpd="sng">
+                      <a:noFill/>
+                      <a:prstDash val="solid"/>
+                    </a:lnBlToTr>
+                    <a:noFill/>
+                  </a:tcPr>
+                </a:tc>
+                <a:extLst>
+                  <a:ext uri="{0D108BD9-81ED-4DB2-BD59-A6C34878D82A}">
+                    <a16:rowId xmlns:a16="http://schemas.microsoft.com/office/drawing/2014/main" val="3333150796"/>
+                  </a:ext>
+                </a:extLst>
+              </a:tr>
+            </a:tbl>
+          </a:graphicData>
+        </a:graphic>
+      </p:graphicFrame>
       <mc:AlternateContent xmlns:mc="http://schemas.openxmlformats.org/markup-compatibility/2006">
         <mc:Choice xmlns:a14="http://schemas.microsoft.com/office/drawing/2010/main" Requires="a14">
-          <p:graphicFrame>
-            <p:nvGraphicFramePr>
-              <p:cNvPr id="71" name="Table 7">
+          <p:sp>
+            <p:nvSpPr>
+              <p:cNvPr id="54" name="TextBox 53">
                 <a:extLst>
                   <a:ext uri="{FF2B5EF4-FFF2-40B4-BE49-F238E27FC236}">
-                    <a16:creationId xmlns:a16="http://schemas.microsoft.com/office/drawing/2014/main" id="{31174AD0-EDD6-4582-9F6E-44A52FFBA421}"/>
+                    <a16:creationId xmlns:a16="http://schemas.microsoft.com/office/drawing/2014/main" id="{C2B843D7-71CD-4D5B-A7B9-F6BE4BFB57B2}"/>
                   </a:ext>
                 </a:extLst>
               </p:cNvPr>
-              <p:cNvGraphicFramePr>
-                <a:graphicFrameLocks noGrp="1"/>
-              </p:cNvGraphicFramePr>
-              <p:nvPr>
-                <p:extLst>
-                  <p:ext uri="{D42A27DB-BD31-4B8C-83A1-F6EECF244321}">
-                    <p14:modId xmlns:p14="http://schemas.microsoft.com/office/powerpoint/2010/main" val="2882936830"/>
-                  </p:ext>
-                </p:extLst>
-              </p:nvPr>
-            </p:nvGraphicFramePr>
-            <p:xfrm>
-              <a:off x="2665540" y="38620201"/>
-              <a:ext cx="13307902" cy="4040370"/>
-            </p:xfrm>
-            <a:graphic>
-              <a:graphicData uri="http://schemas.openxmlformats.org/drawingml/2006/table">
-                <a:tbl>
-                  <a:tblPr firstRow="1" bandRow="1">
-                    <a:tableStyleId>{93296810-A885-4BE3-A3E7-6D5BEEA58F35}</a:tableStyleId>
-                  </a:tblPr>
-                  <a:tblGrid>
-                    <a:gridCol w="4435967">
-                      <a:extLst>
-                        <a:ext uri="{9D8B030D-6E8A-4147-A177-3AD203B41FA5}">
-                          <a16:colId xmlns:a16="http://schemas.microsoft.com/office/drawing/2014/main" val="2626304605"/>
-                        </a:ext>
-                      </a:extLst>
-                    </a:gridCol>
-                    <a:gridCol w="1478656">
-                      <a:extLst>
-                        <a:ext uri="{9D8B030D-6E8A-4147-A177-3AD203B41FA5}">
-                          <a16:colId xmlns:a16="http://schemas.microsoft.com/office/drawing/2014/main" val="2973038698"/>
-                        </a:ext>
-                      </a:extLst>
-                    </a:gridCol>
-                    <a:gridCol w="1478656">
-                      <a:extLst>
-                        <a:ext uri="{9D8B030D-6E8A-4147-A177-3AD203B41FA5}">
-                          <a16:colId xmlns:a16="http://schemas.microsoft.com/office/drawing/2014/main" val="1718655701"/>
-                        </a:ext>
-                      </a:extLst>
-                    </a:gridCol>
-                    <a:gridCol w="1478656">
-                      <a:extLst>
-                        <a:ext uri="{9D8B030D-6E8A-4147-A177-3AD203B41FA5}">
-                          <a16:colId xmlns:a16="http://schemas.microsoft.com/office/drawing/2014/main" val="2403150399"/>
-                        </a:ext>
-                      </a:extLst>
-                    </a:gridCol>
-                    <a:gridCol w="4435967">
-                      <a:extLst>
-                        <a:ext uri="{9D8B030D-6E8A-4147-A177-3AD203B41FA5}">
-                          <a16:colId xmlns:a16="http://schemas.microsoft.com/office/drawing/2014/main" val="1961620341"/>
-                        </a:ext>
-                      </a:extLst>
-                    </a:gridCol>
-                  </a:tblGrid>
-                  <a:tr h="684786">
-                    <a:tc rowSpan="2">
-                      <a:txBody>
-                        <a:bodyPr/>
-                        <a:lstStyle/>
-                        <a:p>
-                          <a:pPr algn="ctr"/>
-                          <a:r>
-                            <a:rPr lang="fr-FR" sz="4000" noProof="0" dirty="0">
+              <p:cNvSpPr txBox="1"/>
+              <p:nvPr/>
+            </p:nvSpPr>
+            <p:spPr>
+              <a:xfrm>
+                <a:off x="18004071" y="41302777"/>
+                <a:ext cx="4846880" cy="1180003"/>
+              </a:xfrm>
+              <a:prstGeom prst="rect">
+                <a:avLst/>
+              </a:prstGeom>
+              <a:noFill/>
+            </p:spPr>
+            <p:txBody>
+              <a:bodyPr wrap="square">
+                <a:spAutoFit/>
+              </a:bodyPr>
+              <a:lstStyle/>
+              <a:p>
+                <a:pPr/>
+                <a14:m>
+                  <m:oMathPara xmlns:m="http://schemas.openxmlformats.org/officeDocument/2006/math">
+                    <m:oMathParaPr>
+                      <m:jc m:val="centerGroup"/>
+                    </m:oMathParaPr>
+                    <m:oMath xmlns:m="http://schemas.openxmlformats.org/officeDocument/2006/math">
+                      <m:r>
+                        <a:rPr lang="en-US" sz="3400" b="0" i="1" noProof="0" smtClean="0">
+                          <a:solidFill>
+                            <a:schemeClr val="accent2">
+                              <a:lumMod val="75000"/>
+                            </a:schemeClr>
+                          </a:solidFill>
+                          <a:latin typeface="Cambria Math" panose="02040503050406030204" pitchFamily="18" charset="0"/>
+                        </a:rPr>
+                        <m:t>∗ </m:t>
+                      </m:r>
+                      <m:f>
+                        <m:fPr>
+                          <m:ctrlPr>
+                            <a:rPr lang="fr-FR" sz="3400" i="1" noProof="0" smtClean="0">
                               <a:solidFill>
                                 <a:schemeClr val="accent2">
                                   <a:lumMod val="75000"/>
                                 </a:schemeClr>
                               </a:solidFill>
+                              <a:latin typeface="Cambria Math" panose="02040503050406030204" pitchFamily="18" charset="0"/>
                             </a:rPr>
-                            <a:t>Modèle</a:t>
-                          </a:r>
-                        </a:p>
-                      </a:txBody>
-                      <a:tcPr anchor="ctr">
-                        <a:lnL w="12700" cmpd="sng">
-                          <a:noFill/>
-                        </a:lnL>
-                        <a:lnR w="12700" cap="flat" cmpd="sng" algn="ctr">
-                          <a:solidFill>
-                            <a:schemeClr val="tx1"/>
-                          </a:solidFill>
-                          <a:prstDash val="solid"/>
-                          <a:round/>
-                          <a:headEnd type="none" w="med" len="med"/>
-                          <a:tailEnd type="none" w="med" len="med"/>
-                        </a:lnR>
-                        <a:lnT w="12700" cmpd="sng">
-                          <a:noFill/>
-                        </a:lnT>
-                        <a:lnB w="12700" cap="flat" cmpd="sng" algn="ctr">
-                          <a:solidFill>
-                            <a:schemeClr val="tx1"/>
-                          </a:solidFill>
-                          <a:prstDash val="solid"/>
-                          <a:round/>
-                          <a:headEnd type="none" w="med" len="med"/>
-                          <a:tailEnd type="none" w="med" len="med"/>
-                        </a:lnB>
-                        <a:lnTlToBr w="12700" cmpd="sng">
-                          <a:noFill/>
-                          <a:prstDash val="solid"/>
-                        </a:lnTlToBr>
-                        <a:lnBlToTr w="12700" cmpd="sng">
-                          <a:noFill/>
-                          <a:prstDash val="solid"/>
-                        </a:lnBlToTr>
-                        <a:noFill/>
-                      </a:tcPr>
-                    </a:tc>
-                    <a:tc gridSpan="3">
-                      <a:txBody>
-                        <a:bodyPr/>
-                        <a:lstStyle/>
-                        <a:p>
-                          <a:pPr algn="ctr"/>
-                          <a:r>
-                            <a:rPr lang="en-US" sz="4000" dirty="0">
+                          </m:ctrlPr>
+                        </m:fPr>
+                        <m:num>
+                          <m:r>
+                            <a:rPr lang="en-US" sz="3400" b="0" i="1" noProof="0" smtClean="0">
                               <a:solidFill>
                                 <a:schemeClr val="accent2">
                                   <a:lumMod val="75000"/>
                                 </a:schemeClr>
                               </a:solidFill>
+                              <a:latin typeface="Cambria Math" panose="02040503050406030204" pitchFamily="18" charset="0"/>
                             </a:rPr>
-                            <a:t>SVM</a:t>
-                          </a:r>
-                          <a:endParaRPr lang="en-GB" sz="4000" dirty="0">
-                            <a:solidFill>
-                              <a:schemeClr val="accent2">
-                                <a:lumMod val="75000"/>
-                              </a:schemeClr>
-                            </a:solidFill>
-                          </a:endParaRPr>
-                        </a:p>
-                      </a:txBody>
-                      <a:tcPr anchor="ctr">
-                        <a:lnL w="12700" cap="flat" cmpd="sng" algn="ctr">
-                          <a:solidFill>
-                            <a:schemeClr val="tx1"/>
-                          </a:solidFill>
-                          <a:prstDash val="solid"/>
-                          <a:round/>
-                          <a:headEnd type="none" w="med" len="med"/>
-                          <a:tailEnd type="none" w="med" len="med"/>
-                        </a:lnL>
-                        <a:lnR w="12700" cap="flat" cmpd="sng" algn="ctr">
-                          <a:solidFill>
-                            <a:schemeClr val="tx1"/>
-                          </a:solidFill>
-                          <a:prstDash val="solid"/>
-                          <a:round/>
-                          <a:headEnd type="none" w="med" len="med"/>
-                          <a:tailEnd type="none" w="med" len="med"/>
-                        </a:lnR>
-                        <a:lnT w="12700" cmpd="sng">
-                          <a:noFill/>
-                        </a:lnT>
-                        <a:lnB w="12700" cap="flat" cmpd="sng" algn="ctr">
-                          <a:solidFill>
-                            <a:schemeClr val="tx1"/>
-                          </a:solidFill>
-                          <a:prstDash val="solid"/>
-                          <a:round/>
-                          <a:headEnd type="none" w="med" len="med"/>
-                          <a:tailEnd type="none" w="med" len="med"/>
-                        </a:lnB>
-                        <a:lnTlToBr w="12700" cmpd="sng">
-                          <a:noFill/>
-                          <a:prstDash val="solid"/>
-                        </a:lnTlToBr>
-                        <a:lnBlToTr w="12700" cmpd="sng">
-                          <a:noFill/>
-                          <a:prstDash val="solid"/>
-                        </a:lnBlToTr>
-                        <a:noFill/>
-                      </a:tcPr>
-                    </a:tc>
-                    <a:tc hMerge="1">
-                      <a:txBody>
-                        <a:bodyPr/>
-                        <a:lstStyle/>
-                        <a:p>
-                          <a:endParaRPr lang="en-GB"/>
-                        </a:p>
-                      </a:txBody>
-                      <a:tcPr/>
-                    </a:tc>
-                    <a:tc hMerge="1">
-                      <a:txBody>
-                        <a:bodyPr/>
-                        <a:lstStyle/>
-                        <a:p>
-                          <a:endParaRPr lang="en-GB"/>
-                        </a:p>
-                      </a:txBody>
-                      <a:tcPr/>
-                    </a:tc>
-                    <a:tc rowSpan="2">
-                      <a:txBody>
-                        <a:bodyPr/>
-                        <a:lstStyle/>
-                        <a:p>
-                          <a:pPr algn="ctr"/>
-                          <a:r>
-                            <a:rPr lang="en-US" sz="4000" dirty="0">
+                            <m:t>𝑛𝑏</m:t>
+                          </m:r>
+                          <m:r>
+                            <a:rPr lang="en-US" sz="3400" b="0" i="1" noProof="0" smtClean="0">
                               <a:solidFill>
                                 <a:schemeClr val="accent2">
                                   <a:lumMod val="75000"/>
                                 </a:schemeClr>
                               </a:solidFill>
+                              <a:latin typeface="Cambria Math" panose="02040503050406030204" pitchFamily="18" charset="0"/>
                             </a:rPr>
-                            <a:t>CNN</a:t>
-                          </a:r>
-                          <a:endParaRPr lang="en-GB" sz="4000" dirty="0">
-                            <a:solidFill>
-                              <a:schemeClr val="accent2">
-                                <a:lumMod val="75000"/>
-                              </a:schemeClr>
-                            </a:solidFill>
-                          </a:endParaRPr>
-                        </a:p>
-                      </a:txBody>
-                      <a:tcPr anchor="ctr">
-                        <a:lnL w="12700" cap="flat" cmpd="sng" algn="ctr">
-                          <a:solidFill>
-                            <a:schemeClr val="tx1"/>
-                          </a:solidFill>
-                          <a:prstDash val="solid"/>
-                          <a:round/>
-                          <a:headEnd type="none" w="med" len="med"/>
-                          <a:tailEnd type="none" w="med" len="med"/>
-                        </a:lnL>
-                        <a:lnR w="12700" cmpd="sng">
-                          <a:noFill/>
-                        </a:lnR>
-                        <a:lnT w="12700" cmpd="sng">
-                          <a:noFill/>
-                        </a:lnT>
-                        <a:lnB w="12700" cap="flat" cmpd="sng" algn="ctr">
-                          <a:solidFill>
-                            <a:schemeClr val="tx1"/>
-                          </a:solidFill>
-                          <a:prstDash val="solid"/>
-                          <a:round/>
-                          <a:headEnd type="none" w="med" len="med"/>
-                          <a:tailEnd type="none" w="med" len="med"/>
-                        </a:lnB>
-                        <a:lnTlToBr w="12700" cmpd="sng">
-                          <a:noFill/>
-                          <a:prstDash val="solid"/>
-                        </a:lnTlToBr>
-                        <a:lnBlToTr w="12700" cmpd="sng">
-                          <a:noFill/>
-                          <a:prstDash val="solid"/>
-                        </a:lnBlToTr>
-                        <a:noFill/>
-                      </a:tcPr>
-                    </a:tc>
-                    <a:extLst>
-                      <a:ext uri="{0D108BD9-81ED-4DB2-BD59-A6C34878D82A}">
-                        <a16:rowId xmlns:a16="http://schemas.microsoft.com/office/drawing/2014/main" val="2066148640"/>
-                      </a:ext>
-                    </a:extLst>
-                  </a:tr>
-                  <a:tr h="805624">
-                    <a:tc vMerge="1">
-                      <a:txBody>
-                        <a:bodyPr/>
-                        <a:lstStyle/>
-                        <a:p>
-                          <a:endParaRPr lang="en-GB"/>
-                        </a:p>
-                      </a:txBody>
-                      <a:tcPr/>
-                    </a:tc>
-                    <a:tc>
-                      <a:txBody>
-                        <a:bodyPr/>
-                        <a:lstStyle/>
-                        <a:p>
-                          <a:pPr algn="ctr"/>
-                          <a:r>
-                            <a:rPr lang="en-US" sz="3400" dirty="0">
+                            <m:t> </m:t>
+                          </m:r>
+                          <m:r>
+                            <a:rPr lang="en-US" sz="3400" b="0" i="1" noProof="0" smtClean="0">
                               <a:solidFill>
                                 <a:schemeClr val="accent2">
                                   <a:lumMod val="75000"/>
                                 </a:schemeClr>
                               </a:solidFill>
+                              <a:latin typeface="Cambria Math" panose="02040503050406030204" pitchFamily="18" charset="0"/>
                             </a:rPr>
-                            <a:t>SIFT</a:t>
-                          </a:r>
-                          <a:endParaRPr lang="en-GB" sz="3400" dirty="0">
-                            <a:solidFill>
-                              <a:schemeClr val="accent2">
-                                <a:lumMod val="75000"/>
-                              </a:schemeClr>
-                            </a:solidFill>
-                          </a:endParaRPr>
-                        </a:p>
-                      </a:txBody>
-                      <a:tcPr anchor="ctr">
-                        <a:lnL w="12700" cap="flat" cmpd="sng" algn="ctr">
-                          <a:solidFill>
-                            <a:schemeClr val="tx1"/>
-                          </a:solidFill>
-                          <a:prstDash val="solid"/>
-                          <a:round/>
-                          <a:headEnd type="none" w="med" len="med"/>
-                          <a:tailEnd type="none" w="med" len="med"/>
-                        </a:lnL>
-                        <a:lnR w="12700" cap="flat" cmpd="sng" algn="ctr">
-                          <a:solidFill>
-                            <a:schemeClr val="tx1"/>
-                          </a:solidFill>
-                          <a:prstDash val="solid"/>
-                          <a:round/>
-                          <a:headEnd type="none" w="med" len="med"/>
-                          <a:tailEnd type="none" w="med" len="med"/>
-                        </a:lnR>
-                        <a:lnT w="12700" cap="flat" cmpd="sng" algn="ctr">
-                          <a:solidFill>
-                            <a:schemeClr val="tx1"/>
-                          </a:solidFill>
-                          <a:prstDash val="solid"/>
-                          <a:round/>
-                          <a:headEnd type="none" w="med" len="med"/>
-                          <a:tailEnd type="none" w="med" len="med"/>
-                        </a:lnT>
-                        <a:lnB w="12700" cap="flat" cmpd="sng" algn="ctr">
-                          <a:solidFill>
-                            <a:schemeClr val="tx1"/>
-                          </a:solidFill>
-                          <a:prstDash val="solid"/>
-                          <a:round/>
-                          <a:headEnd type="none" w="med" len="med"/>
-                          <a:tailEnd type="none" w="med" len="med"/>
-                        </a:lnB>
-                        <a:lnTlToBr w="12700" cmpd="sng">
-                          <a:noFill/>
-                          <a:prstDash val="solid"/>
-                        </a:lnTlToBr>
-                        <a:lnBlToTr w="12700" cmpd="sng">
-                          <a:noFill/>
-                          <a:prstDash val="solid"/>
-                        </a:lnBlToTr>
-                        <a:noFill/>
-                      </a:tcPr>
-                    </a:tc>
-                    <a:tc>
-                      <a:txBody>
-                        <a:bodyPr/>
-                        <a:lstStyle/>
-                        <a:p>
-                          <a:pPr algn="ctr"/>
-                          <a:r>
-                            <a:rPr lang="en-US" sz="3400" dirty="0">
+                            <m:t>𝑖𝑚𝑎𝑔𝑒𝑠</m:t>
+                          </m:r>
+                          <m:r>
+                            <a:rPr lang="en-US" sz="3400" b="0" i="1" noProof="0" smtClean="0">
                               <a:solidFill>
                                 <a:schemeClr val="accent2">
                                   <a:lumMod val="75000"/>
                                 </a:schemeClr>
                               </a:solidFill>
+                              <a:latin typeface="Cambria Math" panose="02040503050406030204" pitchFamily="18" charset="0"/>
                             </a:rPr>
-                            <a:t>SURF</a:t>
-                          </a:r>
-                          <a:endParaRPr lang="en-GB" sz="3400" dirty="0">
-                            <a:solidFill>
-                              <a:schemeClr val="accent2">
-                                <a:lumMod val="75000"/>
-                              </a:schemeClr>
-                            </a:solidFill>
-                          </a:endParaRPr>
-                        </a:p>
-                      </a:txBody>
-                      <a:tcPr anchor="ctr">
-                        <a:lnL w="12700" cap="flat" cmpd="sng" algn="ctr">
-                          <a:solidFill>
-                            <a:schemeClr val="tx1"/>
-                          </a:solidFill>
-                          <a:prstDash val="solid"/>
-                          <a:round/>
-                          <a:headEnd type="none" w="med" len="med"/>
-                          <a:tailEnd type="none" w="med" len="med"/>
-                        </a:lnL>
-                        <a:lnR w="12700" cap="flat" cmpd="sng" algn="ctr">
-                          <a:solidFill>
-                            <a:schemeClr val="tx1"/>
-                          </a:solidFill>
-                          <a:prstDash val="solid"/>
-                          <a:round/>
-                          <a:headEnd type="none" w="med" len="med"/>
-                          <a:tailEnd type="none" w="med" len="med"/>
-                        </a:lnR>
-                        <a:lnT w="12700" cap="flat" cmpd="sng" algn="ctr">
-                          <a:solidFill>
-                            <a:schemeClr val="tx1"/>
-                          </a:solidFill>
-                          <a:prstDash val="solid"/>
-                          <a:round/>
-                          <a:headEnd type="none" w="med" len="med"/>
-                          <a:tailEnd type="none" w="med" len="med"/>
-                        </a:lnT>
-                        <a:lnB w="12700" cap="flat" cmpd="sng" algn="ctr">
-                          <a:solidFill>
-                            <a:schemeClr val="tx1"/>
-                          </a:solidFill>
-                          <a:prstDash val="solid"/>
-                          <a:round/>
-                          <a:headEnd type="none" w="med" len="med"/>
-                          <a:tailEnd type="none" w="med" len="med"/>
-                        </a:lnB>
-                        <a:lnTlToBr w="12700" cmpd="sng">
-                          <a:noFill/>
-                          <a:prstDash val="solid"/>
-                        </a:lnTlToBr>
-                        <a:lnBlToTr w="12700" cmpd="sng">
-                          <a:noFill/>
-                          <a:prstDash val="solid"/>
-                        </a:lnBlToTr>
-                        <a:noFill/>
-                      </a:tcPr>
-                    </a:tc>
-                    <a:tc>
-                      <a:txBody>
-                        <a:bodyPr/>
-                        <a:lstStyle/>
-                        <a:p>
-                          <a:pPr algn="ctr"/>
-                          <a:r>
-                            <a:rPr lang="en-US" sz="3400" dirty="0">
+                            <m:t> </m:t>
+                          </m:r>
+                          <m:r>
+                            <a:rPr lang="en-US" sz="3400" b="0" i="1" noProof="0" smtClean="0">
                               <a:solidFill>
                                 <a:schemeClr val="accent2">
                                   <a:lumMod val="75000"/>
                                 </a:schemeClr>
                               </a:solidFill>
+                              <a:latin typeface="Cambria Math" panose="02040503050406030204" pitchFamily="18" charset="0"/>
                             </a:rPr>
-                            <a:t>ORB</a:t>
-                          </a:r>
-                          <a:endParaRPr lang="en-GB" sz="3400" dirty="0">
-                            <a:solidFill>
-                              <a:schemeClr val="accent2">
-                                <a:lumMod val="75000"/>
-                              </a:schemeClr>
-                            </a:solidFill>
-                          </a:endParaRPr>
-                        </a:p>
-                      </a:txBody>
-                      <a:tcPr anchor="ctr">
-                        <a:lnL w="12700" cap="flat" cmpd="sng" algn="ctr">
-                          <a:solidFill>
-                            <a:schemeClr val="tx1"/>
-                          </a:solidFill>
-                          <a:prstDash val="solid"/>
-                          <a:round/>
-                          <a:headEnd type="none" w="med" len="med"/>
-                          <a:tailEnd type="none" w="med" len="med"/>
-                        </a:lnL>
-                        <a:lnR w="12700" cap="flat" cmpd="sng" algn="ctr">
-                          <a:solidFill>
-                            <a:schemeClr val="tx1"/>
-                          </a:solidFill>
-                          <a:prstDash val="solid"/>
-                          <a:round/>
-                          <a:headEnd type="none" w="med" len="med"/>
-                          <a:tailEnd type="none" w="med" len="med"/>
-                        </a:lnR>
-                        <a:lnT w="12700" cap="flat" cmpd="sng" algn="ctr">
-                          <a:solidFill>
-                            <a:schemeClr val="tx1"/>
-                          </a:solidFill>
-                          <a:prstDash val="solid"/>
-                          <a:round/>
-                          <a:headEnd type="none" w="med" len="med"/>
-                          <a:tailEnd type="none" w="med" len="med"/>
-                        </a:lnT>
-                        <a:lnB w="12700" cap="flat" cmpd="sng" algn="ctr">
-                          <a:solidFill>
-                            <a:schemeClr val="tx1"/>
-                          </a:solidFill>
-                          <a:prstDash val="solid"/>
-                          <a:round/>
-                          <a:headEnd type="none" w="med" len="med"/>
-                          <a:tailEnd type="none" w="med" len="med"/>
-                        </a:lnB>
-                        <a:lnTlToBr w="12700" cmpd="sng">
-                          <a:noFill/>
-                          <a:prstDash val="solid"/>
-                        </a:lnTlToBr>
-                        <a:lnBlToTr w="12700" cmpd="sng">
-                          <a:noFill/>
-                          <a:prstDash val="solid"/>
-                        </a:lnBlToTr>
-                        <a:noFill/>
-                      </a:tcPr>
-                    </a:tc>
-                    <a:tc vMerge="1">
-                      <a:txBody>
-                        <a:bodyPr/>
-                        <a:lstStyle/>
-                        <a:p>
-                          <a:endParaRPr lang="en-GB"/>
-                        </a:p>
-                      </a:txBody>
-                      <a:tcPr/>
-                    </a:tc>
-                    <a:extLst>
-                      <a:ext uri="{0D108BD9-81ED-4DB2-BD59-A6C34878D82A}">
-                        <a16:rowId xmlns:a16="http://schemas.microsoft.com/office/drawing/2014/main" val="2518867"/>
-                      </a:ext>
-                    </a:extLst>
-                  </a:tr>
-                  <a:tr h="1266853">
-                    <a:tc>
-                      <a:txBody>
-                        <a:bodyPr/>
-                        <a:lstStyle/>
-                        <a:p>
-                          <a:pPr algn="ctr"/>
-                          <a14:m>
-                            <m:oMathPara xmlns:m="http://schemas.openxmlformats.org/officeDocument/2006/math">
-                              <m:oMathParaPr>
-                                <m:jc m:val="centerGroup"/>
-                              </m:oMathParaPr>
-                              <m:oMath xmlns:m="http://schemas.openxmlformats.org/officeDocument/2006/math">
-                                <m:f>
-                                  <m:fPr>
-                                    <m:ctrlPr>
-                                      <a:rPr lang="fr-FR" sz="2000" i="1" noProof="0" smtClean="0">
-                                        <a:solidFill>
-                                          <a:schemeClr val="accent2">
-                                            <a:lumMod val="75000"/>
-                                          </a:schemeClr>
-                                        </a:solidFill>
-                                        <a:latin typeface="Cambria Math" panose="02040503050406030204" pitchFamily="18" charset="0"/>
-                                      </a:rPr>
-                                    </m:ctrlPr>
-                                  </m:fPr>
-                                  <m:num>
-                                    <m:r>
-                                      <a:rPr lang="en-US" sz="2000" b="0" i="1" noProof="0" smtClean="0">
-                                        <a:solidFill>
-                                          <a:schemeClr val="accent2">
-                                            <a:lumMod val="75000"/>
-                                          </a:schemeClr>
-                                        </a:solidFill>
-                                        <a:latin typeface="Cambria Math" panose="02040503050406030204" pitchFamily="18" charset="0"/>
-                                      </a:rPr>
-                                      <m:t>𝑛𝑏</m:t>
-                                    </m:r>
-                                    <m:r>
-                                      <a:rPr lang="en-US" sz="2000" b="0" i="1" noProof="0" smtClean="0">
-                                        <a:solidFill>
-                                          <a:schemeClr val="accent2">
-                                            <a:lumMod val="75000"/>
-                                          </a:schemeClr>
-                                        </a:solidFill>
-                                        <a:latin typeface="Cambria Math" panose="02040503050406030204" pitchFamily="18" charset="0"/>
-                                      </a:rPr>
-                                      <m:t> </m:t>
-                                    </m:r>
-                                    <m:r>
-                                      <a:rPr lang="en-US" sz="2000" b="0" i="1" noProof="0" smtClean="0">
-                                        <a:solidFill>
-                                          <a:schemeClr val="accent2">
-                                            <a:lumMod val="75000"/>
-                                          </a:schemeClr>
-                                        </a:solidFill>
-                                        <a:latin typeface="Cambria Math" panose="02040503050406030204" pitchFamily="18" charset="0"/>
-                                      </a:rPr>
-                                      <m:t>𝑖𝑚𝑎𝑔𝑒𝑠</m:t>
-                                    </m:r>
-                                    <m:r>
-                                      <a:rPr lang="en-US" sz="2000" b="0" i="1" noProof="0" smtClean="0">
-                                        <a:solidFill>
-                                          <a:schemeClr val="accent2">
-                                            <a:lumMod val="75000"/>
-                                          </a:schemeClr>
-                                        </a:solidFill>
-                                        <a:latin typeface="Cambria Math" panose="02040503050406030204" pitchFamily="18" charset="0"/>
-                                      </a:rPr>
-                                      <m:t> </m:t>
-                                    </m:r>
-                                    <m:r>
-                                      <a:rPr lang="en-US" sz="2000" b="0" i="1" noProof="0" smtClean="0">
-                                        <a:solidFill>
-                                          <a:schemeClr val="accent2">
-                                            <a:lumMod val="75000"/>
-                                          </a:schemeClr>
-                                        </a:solidFill>
-                                        <a:latin typeface="Cambria Math" panose="02040503050406030204" pitchFamily="18" charset="0"/>
-                                      </a:rPr>
-                                      <m:t>𝑐𝑜𝑟𝑟𝑒𝑐𝑡𝑒𝑚𝑒𝑛𝑡</m:t>
-                                    </m:r>
-                                    <m:r>
-                                      <a:rPr lang="en-US" sz="2000" b="0" i="1" noProof="0" smtClean="0">
-                                        <a:solidFill>
-                                          <a:schemeClr val="accent2">
-                                            <a:lumMod val="75000"/>
-                                          </a:schemeClr>
-                                        </a:solidFill>
-                                        <a:latin typeface="Cambria Math" panose="02040503050406030204" pitchFamily="18" charset="0"/>
-                                      </a:rPr>
-                                      <m:t> </m:t>
-                                    </m:r>
-                                    <m:r>
-                                      <a:rPr lang="en-US" sz="2000" b="0" i="1" noProof="0" smtClean="0">
-                                        <a:solidFill>
-                                          <a:schemeClr val="accent2">
-                                            <a:lumMod val="75000"/>
-                                          </a:schemeClr>
-                                        </a:solidFill>
-                                        <a:latin typeface="Cambria Math" panose="02040503050406030204" pitchFamily="18" charset="0"/>
-                                      </a:rPr>
-                                      <m:t>𝑝𝑟</m:t>
-                                    </m:r>
-                                    <m:r>
-                                      <a:rPr lang="en-US" sz="2000" b="0" i="1" noProof="0" smtClean="0">
-                                        <a:solidFill>
-                                          <a:schemeClr val="accent2">
-                                            <a:lumMod val="75000"/>
-                                          </a:schemeClr>
-                                        </a:solidFill>
-                                        <a:latin typeface="Cambria Math" panose="02040503050406030204" pitchFamily="18" charset="0"/>
-                                      </a:rPr>
-                                      <m:t>é</m:t>
-                                    </m:r>
-                                    <m:r>
-                                      <a:rPr lang="en-US" sz="2000" b="0" i="1" noProof="0" smtClean="0">
-                                        <a:solidFill>
-                                          <a:schemeClr val="accent2">
-                                            <a:lumMod val="75000"/>
-                                          </a:schemeClr>
-                                        </a:solidFill>
-                                        <a:latin typeface="Cambria Math" panose="02040503050406030204" pitchFamily="18" charset="0"/>
-                                      </a:rPr>
-                                      <m:t>𝑑𝑖𝑡𝑒𝑠</m:t>
-                                    </m:r>
-                                  </m:num>
-                                  <m:den>
-                                    <m:r>
-                                      <a:rPr lang="en-US" sz="2000" b="0" i="1" noProof="0" smtClean="0">
-                                        <a:solidFill>
-                                          <a:schemeClr val="accent2">
-                                            <a:lumMod val="75000"/>
-                                          </a:schemeClr>
-                                        </a:solidFill>
-                                        <a:latin typeface="Cambria Math" panose="02040503050406030204" pitchFamily="18" charset="0"/>
-                                      </a:rPr>
-                                      <m:t>𝑛𝑏</m:t>
-                                    </m:r>
-                                    <m:r>
-                                      <a:rPr lang="en-US" sz="2000" b="0" i="1" noProof="0" smtClean="0">
-                                        <a:solidFill>
-                                          <a:schemeClr val="accent2">
-                                            <a:lumMod val="75000"/>
-                                          </a:schemeClr>
-                                        </a:solidFill>
-                                        <a:latin typeface="Cambria Math" panose="02040503050406030204" pitchFamily="18" charset="0"/>
-                                      </a:rPr>
-                                      <m:t> </m:t>
-                                    </m:r>
-                                    <m:r>
-                                      <a:rPr lang="en-US" sz="2000" b="0" i="1" noProof="0" smtClean="0">
-                                        <a:solidFill>
-                                          <a:schemeClr val="accent2">
-                                            <a:lumMod val="75000"/>
-                                          </a:schemeClr>
-                                        </a:solidFill>
-                                        <a:latin typeface="Cambria Math" panose="02040503050406030204" pitchFamily="18" charset="0"/>
-                                      </a:rPr>
-                                      <m:t>𝑖𝑚𝑎𝑔𝑒𝑠</m:t>
-                                    </m:r>
-                                    <m:r>
-                                      <a:rPr lang="en-US" sz="2000" b="0" i="1" noProof="0" smtClean="0">
-                                        <a:solidFill>
-                                          <a:schemeClr val="accent2">
-                                            <a:lumMod val="75000"/>
-                                          </a:schemeClr>
-                                        </a:solidFill>
-                                        <a:latin typeface="Cambria Math" panose="02040503050406030204" pitchFamily="18" charset="0"/>
-                                      </a:rPr>
-                                      <m:t> </m:t>
-                                    </m:r>
-                                    <m:r>
-                                      <a:rPr lang="en-US" sz="2000" b="0" i="1" noProof="0" smtClean="0">
-                                        <a:solidFill>
-                                          <a:schemeClr val="accent2">
-                                            <a:lumMod val="75000"/>
-                                          </a:schemeClr>
-                                        </a:solidFill>
-                                        <a:latin typeface="Cambria Math" panose="02040503050406030204" pitchFamily="18" charset="0"/>
-                                      </a:rPr>
-                                      <m:t>𝑡𝑜𝑡𝑎𝑙</m:t>
-                                    </m:r>
-                                  </m:den>
-                                </m:f>
-                              </m:oMath>
-                            </m:oMathPara>
-                          </a14:m>
-                          <a:endParaRPr lang="fr-FR" sz="2000" noProof="0" dirty="0">
-                            <a:solidFill>
-                              <a:schemeClr val="accent2">
-                                <a:lumMod val="75000"/>
-                              </a:schemeClr>
-                            </a:solidFill>
-                          </a:endParaRPr>
-                        </a:p>
-                        <a:p>
-                          <a:pPr algn="ctr"/>
-                          <a:r>
-                            <a:rPr lang="fr-FR" sz="3400" noProof="0" dirty="0">
+                            <m:t>𝑐𝑜𝑟𝑟𝑒𝑐𝑡𝑒𝑚𝑒𝑛𝑡</m:t>
+                          </m:r>
+                          <m:r>
+                            <a:rPr lang="en-US" sz="3400" b="0" i="1" noProof="0" smtClean="0">
                               <a:solidFill>
                                 <a:schemeClr val="accent2">
                                   <a:lumMod val="75000"/>
                                 </a:schemeClr>
                               </a:solidFill>
+                              <a:latin typeface="Cambria Math" panose="02040503050406030204" pitchFamily="18" charset="0"/>
                             </a:rPr>
-                            <a:t>Précision (%)</a:t>
-                          </a:r>
-                        </a:p>
-                      </a:txBody>
-                      <a:tcPr anchor="ctr">
-                        <a:lnL w="12700" cmpd="sng">
-                          <a:noFill/>
-                        </a:lnL>
-                        <a:lnR w="12700" cap="flat" cmpd="sng" algn="ctr">
-                          <a:solidFill>
-                            <a:schemeClr val="tx1"/>
-                          </a:solidFill>
-                          <a:prstDash val="solid"/>
-                          <a:round/>
-                          <a:headEnd type="none" w="med" len="med"/>
-                          <a:tailEnd type="none" w="med" len="med"/>
-                        </a:lnR>
-                        <a:lnT w="12700" cap="flat" cmpd="sng" algn="ctr">
-                          <a:solidFill>
-                            <a:schemeClr val="tx1"/>
-                          </a:solidFill>
-                          <a:prstDash val="solid"/>
-                          <a:round/>
-                          <a:headEnd type="none" w="med" len="med"/>
-                          <a:tailEnd type="none" w="med" len="med"/>
-                        </a:lnT>
-                        <a:lnB w="12700" cap="flat" cmpd="sng" algn="ctr">
-                          <a:solidFill>
-                            <a:schemeClr val="tx1"/>
-                          </a:solidFill>
-                          <a:prstDash val="solid"/>
-                          <a:round/>
-                          <a:headEnd type="none" w="med" len="med"/>
-                          <a:tailEnd type="none" w="med" len="med"/>
-                        </a:lnB>
-                        <a:lnTlToBr w="12700" cmpd="sng">
-                          <a:noFill/>
-                          <a:prstDash val="solid"/>
-                        </a:lnTlToBr>
-                        <a:lnBlToTr w="12700" cmpd="sng">
-                          <a:noFill/>
-                          <a:prstDash val="solid"/>
-                        </a:lnBlToTr>
-                        <a:noFill/>
-                      </a:tcPr>
-                    </a:tc>
-                    <a:tc>
-                      <a:txBody>
-                        <a:bodyPr/>
-                        <a:lstStyle/>
-                        <a:p>
-                          <a:pPr algn="ctr"/>
-                          <a:r>
-                            <a:rPr lang="fr-FR" sz="3400" noProof="0" dirty="0"/>
-                            <a:t>62</a:t>
-                          </a:r>
-                        </a:p>
-                      </a:txBody>
-                      <a:tcPr anchor="ctr">
-                        <a:lnL w="12700" cap="flat" cmpd="sng" algn="ctr">
-                          <a:solidFill>
-                            <a:schemeClr val="tx1"/>
-                          </a:solidFill>
-                          <a:prstDash val="solid"/>
-                          <a:round/>
-                          <a:headEnd type="none" w="med" len="med"/>
-                          <a:tailEnd type="none" w="med" len="med"/>
-                        </a:lnL>
-                        <a:lnR w="12700" cap="flat" cmpd="sng" algn="ctr">
-                          <a:solidFill>
-                            <a:schemeClr val="tx1"/>
-                          </a:solidFill>
-                          <a:prstDash val="solid"/>
-                          <a:round/>
-                          <a:headEnd type="none" w="med" len="med"/>
-                          <a:tailEnd type="none" w="med" len="med"/>
-                        </a:lnR>
-                        <a:lnT w="12700" cap="flat" cmpd="sng" algn="ctr">
-                          <a:solidFill>
-                            <a:schemeClr val="tx1"/>
-                          </a:solidFill>
-                          <a:prstDash val="solid"/>
-                          <a:round/>
-                          <a:headEnd type="none" w="med" len="med"/>
-                          <a:tailEnd type="none" w="med" len="med"/>
-                        </a:lnT>
-                        <a:lnB w="12700" cap="flat" cmpd="sng" algn="ctr">
-                          <a:solidFill>
-                            <a:schemeClr val="tx1"/>
-                          </a:solidFill>
-                          <a:prstDash val="solid"/>
-                          <a:round/>
-                          <a:headEnd type="none" w="med" len="med"/>
-                          <a:tailEnd type="none" w="med" len="med"/>
-                        </a:lnB>
-                        <a:lnTlToBr w="12700" cmpd="sng">
-                          <a:noFill/>
-                          <a:prstDash val="solid"/>
-                        </a:lnTlToBr>
-                        <a:lnBlToTr w="12700" cmpd="sng">
-                          <a:noFill/>
-                          <a:prstDash val="solid"/>
-                        </a:lnBlToTr>
-                        <a:noFill/>
-                      </a:tcPr>
-                    </a:tc>
-                    <a:tc>
-                      <a:txBody>
-                        <a:bodyPr/>
-                        <a:lstStyle/>
-                        <a:p>
-                          <a:pPr algn="ctr"/>
-                          <a:r>
-                            <a:rPr lang="fr-FR" sz="3400" noProof="0" dirty="0"/>
-                            <a:t>65</a:t>
-                          </a:r>
-                        </a:p>
-                      </a:txBody>
-                      <a:tcPr anchor="ctr">
-                        <a:lnL w="12700" cap="flat" cmpd="sng" algn="ctr">
-                          <a:solidFill>
-                            <a:schemeClr val="tx1"/>
-                          </a:solidFill>
-                          <a:prstDash val="solid"/>
-                          <a:round/>
-                          <a:headEnd type="none" w="med" len="med"/>
-                          <a:tailEnd type="none" w="med" len="med"/>
-                        </a:lnL>
-                        <a:lnR w="12700" cap="flat" cmpd="sng" algn="ctr">
-                          <a:solidFill>
-                            <a:schemeClr val="tx1"/>
-                          </a:solidFill>
-                          <a:prstDash val="solid"/>
-                          <a:round/>
-                          <a:headEnd type="none" w="med" len="med"/>
-                          <a:tailEnd type="none" w="med" len="med"/>
-                        </a:lnR>
-                        <a:lnT w="12700" cap="flat" cmpd="sng" algn="ctr">
-                          <a:solidFill>
-                            <a:schemeClr val="tx1"/>
-                          </a:solidFill>
-                          <a:prstDash val="solid"/>
-                          <a:round/>
-                          <a:headEnd type="none" w="med" len="med"/>
-                          <a:tailEnd type="none" w="med" len="med"/>
-                        </a:lnT>
-                        <a:lnB w="12700" cap="flat" cmpd="sng" algn="ctr">
-                          <a:solidFill>
-                            <a:schemeClr val="tx1"/>
-                          </a:solidFill>
-                          <a:prstDash val="solid"/>
-                          <a:round/>
-                          <a:headEnd type="none" w="med" len="med"/>
-                          <a:tailEnd type="none" w="med" len="med"/>
-                        </a:lnB>
-                        <a:lnTlToBr w="12700" cmpd="sng">
-                          <a:noFill/>
-                          <a:prstDash val="solid"/>
-                        </a:lnTlToBr>
-                        <a:lnBlToTr w="12700" cmpd="sng">
-                          <a:noFill/>
-                          <a:prstDash val="solid"/>
-                        </a:lnBlToTr>
-                        <a:noFill/>
-                      </a:tcPr>
-                    </a:tc>
-                    <a:tc>
-                      <a:txBody>
-                        <a:bodyPr/>
-                        <a:lstStyle/>
-                        <a:p>
-                          <a:pPr algn="ctr"/>
-                          <a:r>
-                            <a:rPr lang="fr-FR" sz="3400" noProof="0" dirty="0"/>
-                            <a:t>58</a:t>
-                          </a:r>
-                        </a:p>
-                      </a:txBody>
-                      <a:tcPr anchor="ctr">
-                        <a:lnL w="12700" cap="flat" cmpd="sng" algn="ctr">
-                          <a:solidFill>
-                            <a:schemeClr val="tx1"/>
-                          </a:solidFill>
-                          <a:prstDash val="solid"/>
-                          <a:round/>
-                          <a:headEnd type="none" w="med" len="med"/>
-                          <a:tailEnd type="none" w="med" len="med"/>
-                        </a:lnL>
-                        <a:lnR w="12700" cap="flat" cmpd="sng" algn="ctr">
-                          <a:solidFill>
-                            <a:schemeClr val="tx1"/>
-                          </a:solidFill>
-                          <a:prstDash val="solid"/>
-                          <a:round/>
-                          <a:headEnd type="none" w="med" len="med"/>
-                          <a:tailEnd type="none" w="med" len="med"/>
-                        </a:lnR>
-                        <a:lnT w="12700" cap="flat" cmpd="sng" algn="ctr">
-                          <a:solidFill>
-                            <a:schemeClr val="tx1"/>
-                          </a:solidFill>
-                          <a:prstDash val="solid"/>
-                          <a:round/>
-                          <a:headEnd type="none" w="med" len="med"/>
-                          <a:tailEnd type="none" w="med" len="med"/>
-                        </a:lnT>
-                        <a:lnB w="12700" cap="flat" cmpd="sng" algn="ctr">
-                          <a:solidFill>
-                            <a:schemeClr val="tx1"/>
-                          </a:solidFill>
-                          <a:prstDash val="solid"/>
-                          <a:round/>
-                          <a:headEnd type="none" w="med" len="med"/>
-                          <a:tailEnd type="none" w="med" len="med"/>
-                        </a:lnB>
-                        <a:lnTlToBr w="12700" cmpd="sng">
-                          <a:noFill/>
-                          <a:prstDash val="solid"/>
-                        </a:lnTlToBr>
-                        <a:lnBlToTr w="12700" cmpd="sng">
-                          <a:noFill/>
-                          <a:prstDash val="solid"/>
-                        </a:lnBlToTr>
-                        <a:noFill/>
-                      </a:tcPr>
-                    </a:tc>
-                    <a:tc>
-                      <a:txBody>
-                        <a:bodyPr/>
-                        <a:lstStyle/>
-                        <a:p>
-                          <a:pPr algn="ctr"/>
-                          <a:r>
-                            <a:rPr lang="en-US" sz="3400" dirty="0"/>
-                            <a:t>90</a:t>
-                          </a:r>
-                          <a:endParaRPr lang="en-GB" sz="3400" dirty="0"/>
-                        </a:p>
-                      </a:txBody>
-                      <a:tcPr anchor="ctr">
-                        <a:lnL w="12700" cap="flat" cmpd="sng" algn="ctr">
-                          <a:solidFill>
-                            <a:schemeClr val="tx1"/>
-                          </a:solidFill>
-                          <a:prstDash val="solid"/>
-                          <a:round/>
-                          <a:headEnd type="none" w="med" len="med"/>
-                          <a:tailEnd type="none" w="med" len="med"/>
-                        </a:lnL>
-                        <a:lnR w="12700" cmpd="sng">
-                          <a:noFill/>
-                        </a:lnR>
-                        <a:lnT w="12700" cap="flat" cmpd="sng" algn="ctr">
-                          <a:solidFill>
-                            <a:schemeClr val="tx1"/>
-                          </a:solidFill>
-                          <a:prstDash val="solid"/>
-                          <a:round/>
-                          <a:headEnd type="none" w="med" len="med"/>
-                          <a:tailEnd type="none" w="med" len="med"/>
-                        </a:lnT>
-                        <a:lnB w="12700" cap="flat" cmpd="sng" algn="ctr">
-                          <a:solidFill>
-                            <a:schemeClr val="tx1"/>
-                          </a:solidFill>
-                          <a:prstDash val="solid"/>
-                          <a:round/>
-                          <a:headEnd type="none" w="med" len="med"/>
-                          <a:tailEnd type="none" w="med" len="med"/>
-                        </a:lnB>
-                        <a:lnTlToBr w="12700" cmpd="sng">
-                          <a:noFill/>
-                          <a:prstDash val="solid"/>
-                        </a:lnTlToBr>
-                        <a:lnBlToTr w="12700" cmpd="sng">
-                          <a:noFill/>
-                          <a:prstDash val="solid"/>
-                        </a:lnBlToTr>
-                        <a:noFill/>
-                      </a:tcPr>
-                    </a:tc>
-                    <a:extLst>
-                      <a:ext uri="{0D108BD9-81ED-4DB2-BD59-A6C34878D82A}">
-                        <a16:rowId xmlns:a16="http://schemas.microsoft.com/office/drawing/2014/main" val="3071276382"/>
-                      </a:ext>
-                    </a:extLst>
-                  </a:tr>
-                  <a:tr h="1266853">
-                    <a:tc>
-                      <a:txBody>
-                        <a:bodyPr/>
-                        <a:lstStyle/>
-                        <a:p>
-                          <a:pPr algn="ctr"/>
-                          <a:r>
-                            <a:rPr lang="en-US" sz="3400" dirty="0">
+                            <m:t> </m:t>
+                          </m:r>
+                          <m:r>
+                            <a:rPr lang="en-US" sz="3400" i="1">
                               <a:solidFill>
                                 <a:schemeClr val="accent2">
                                   <a:lumMod val="75000"/>
                                 </a:schemeClr>
                               </a:solidFill>
+                              <a:latin typeface="Cambria Math" panose="02040503050406030204" pitchFamily="18" charset="0"/>
                             </a:rPr>
-                            <a:t>Temps </a:t>
-                          </a:r>
-                          <a:r>
-                            <a:rPr lang="fr-FR" sz="3400" noProof="0" dirty="0">
+                            <m:t>𝑐𝑙𝑎𝑠𝑠𝑖𝑓𝑖</m:t>
+                          </m:r>
+                          <m:r>
+                            <a:rPr lang="en-US" sz="3400" i="1">
                               <a:solidFill>
                                 <a:schemeClr val="accent2">
                                   <a:lumMod val="75000"/>
                                 </a:schemeClr>
                               </a:solidFill>
+                              <a:latin typeface="Cambria Math" panose="02040503050406030204" pitchFamily="18" charset="0"/>
                             </a:rPr>
-                            <a:t>d’exécution (minutes)</a:t>
-                          </a:r>
-                        </a:p>
-                      </a:txBody>
-                      <a:tcPr anchor="ctr">
-                        <a:lnL w="12700" cmpd="sng">
-                          <a:noFill/>
-                        </a:lnL>
-                        <a:lnR w="12700" cap="flat" cmpd="sng" algn="ctr">
-                          <a:solidFill>
-                            <a:schemeClr val="tx1"/>
-                          </a:solidFill>
-                          <a:prstDash val="solid"/>
-                          <a:round/>
-                          <a:headEnd type="none" w="med" len="med"/>
-                          <a:tailEnd type="none" w="med" len="med"/>
-                        </a:lnR>
-                        <a:lnT w="12700" cap="flat" cmpd="sng" algn="ctr">
-                          <a:solidFill>
-                            <a:schemeClr val="tx1"/>
-                          </a:solidFill>
-                          <a:prstDash val="solid"/>
-                          <a:round/>
-                          <a:headEnd type="none" w="med" len="med"/>
-                          <a:tailEnd type="none" w="med" len="med"/>
-                        </a:lnT>
-                        <a:lnB w="12700" cmpd="sng">
-                          <a:noFill/>
-                        </a:lnB>
-                        <a:lnTlToBr w="12700" cmpd="sng">
-                          <a:noFill/>
-                          <a:prstDash val="solid"/>
-                        </a:lnTlToBr>
-                        <a:lnBlToTr w="12700" cmpd="sng">
-                          <a:noFill/>
-                          <a:prstDash val="solid"/>
-                        </a:lnBlToTr>
-                        <a:noFill/>
-                      </a:tcPr>
-                    </a:tc>
-                    <a:tc>
-                      <a:txBody>
-                        <a:bodyPr/>
-                        <a:lstStyle/>
-                        <a:p>
-                          <a:pPr algn="ctr"/>
-                          <a:r>
-                            <a:rPr lang="en-US" sz="3400" dirty="0"/>
-                            <a:t>137</a:t>
-                          </a:r>
-                          <a:endParaRPr lang="en-GB" sz="3400" dirty="0"/>
-                        </a:p>
-                      </a:txBody>
-                      <a:tcPr anchor="ctr">
-                        <a:lnL w="12700" cap="flat" cmpd="sng" algn="ctr">
-                          <a:solidFill>
-                            <a:schemeClr val="tx1"/>
-                          </a:solidFill>
-                          <a:prstDash val="solid"/>
-                          <a:round/>
-                          <a:headEnd type="none" w="med" len="med"/>
-                          <a:tailEnd type="none" w="med" len="med"/>
-                        </a:lnL>
-                        <a:lnR w="12700" cap="flat" cmpd="sng" algn="ctr">
-                          <a:solidFill>
-                            <a:schemeClr val="tx1"/>
-                          </a:solidFill>
-                          <a:prstDash val="solid"/>
-                          <a:round/>
-                          <a:headEnd type="none" w="med" len="med"/>
-                          <a:tailEnd type="none" w="med" len="med"/>
-                        </a:lnR>
-                        <a:lnT w="12700" cap="flat" cmpd="sng" algn="ctr">
-                          <a:solidFill>
-                            <a:schemeClr val="tx1"/>
-                          </a:solidFill>
-                          <a:prstDash val="solid"/>
-                          <a:round/>
-                          <a:headEnd type="none" w="med" len="med"/>
-                          <a:tailEnd type="none" w="med" len="med"/>
-                        </a:lnT>
-                        <a:lnB w="12700" cmpd="sng">
-                          <a:noFill/>
-                        </a:lnB>
-                        <a:lnTlToBr w="12700" cmpd="sng">
-                          <a:noFill/>
-                          <a:prstDash val="solid"/>
-                        </a:lnTlToBr>
-                        <a:lnBlToTr w="12700" cmpd="sng">
-                          <a:noFill/>
-                          <a:prstDash val="solid"/>
-                        </a:lnBlToTr>
-                        <a:noFill/>
-                      </a:tcPr>
-                    </a:tc>
-                    <a:tc>
-                      <a:txBody>
-                        <a:bodyPr/>
-                        <a:lstStyle/>
-                        <a:p>
-                          <a:pPr algn="ctr"/>
-                          <a:r>
-                            <a:rPr lang="en-US" sz="3400" dirty="0"/>
-                            <a:t>228</a:t>
-                          </a:r>
-                          <a:endParaRPr lang="en-GB" sz="3400" dirty="0"/>
-                        </a:p>
-                      </a:txBody>
-                      <a:tcPr anchor="ctr">
-                        <a:lnL w="12700" cap="flat" cmpd="sng" algn="ctr">
-                          <a:solidFill>
-                            <a:schemeClr val="tx1"/>
-                          </a:solidFill>
-                          <a:prstDash val="solid"/>
-                          <a:round/>
-                          <a:headEnd type="none" w="med" len="med"/>
-                          <a:tailEnd type="none" w="med" len="med"/>
-                        </a:lnL>
-                        <a:lnR w="12700" cap="flat" cmpd="sng" algn="ctr">
-                          <a:solidFill>
-                            <a:schemeClr val="tx1"/>
-                          </a:solidFill>
-                          <a:prstDash val="solid"/>
-                          <a:round/>
-                          <a:headEnd type="none" w="med" len="med"/>
-                          <a:tailEnd type="none" w="med" len="med"/>
-                        </a:lnR>
-                        <a:lnT w="12700" cap="flat" cmpd="sng" algn="ctr">
-                          <a:solidFill>
-                            <a:schemeClr val="tx1"/>
-                          </a:solidFill>
-                          <a:prstDash val="solid"/>
-                          <a:round/>
-                          <a:headEnd type="none" w="med" len="med"/>
-                          <a:tailEnd type="none" w="med" len="med"/>
-                        </a:lnT>
-                        <a:lnB w="12700" cmpd="sng">
-                          <a:noFill/>
-                        </a:lnB>
-                        <a:lnTlToBr w="12700" cmpd="sng">
-                          <a:noFill/>
-                          <a:prstDash val="solid"/>
-                        </a:lnTlToBr>
-                        <a:lnBlToTr w="12700" cmpd="sng">
-                          <a:noFill/>
-                          <a:prstDash val="solid"/>
-                        </a:lnBlToTr>
-                        <a:noFill/>
-                      </a:tcPr>
-                    </a:tc>
-                    <a:tc>
-                      <a:txBody>
-                        <a:bodyPr/>
-                        <a:lstStyle/>
-                        <a:p>
-                          <a:pPr algn="ctr"/>
-                          <a:r>
-                            <a:rPr lang="en-US" sz="3400" dirty="0"/>
-                            <a:t>100</a:t>
-                          </a:r>
-                          <a:endParaRPr lang="en-GB" sz="3400" dirty="0"/>
-                        </a:p>
-                      </a:txBody>
-                      <a:tcPr anchor="ctr">
-                        <a:lnL w="12700" cap="flat" cmpd="sng" algn="ctr">
-                          <a:solidFill>
-                            <a:schemeClr val="tx1"/>
-                          </a:solidFill>
-                          <a:prstDash val="solid"/>
-                          <a:round/>
-                          <a:headEnd type="none" w="med" len="med"/>
-                          <a:tailEnd type="none" w="med" len="med"/>
-                        </a:lnL>
-                        <a:lnR w="12700" cap="flat" cmpd="sng" algn="ctr">
-                          <a:solidFill>
-                            <a:schemeClr val="tx1"/>
-                          </a:solidFill>
-                          <a:prstDash val="solid"/>
-                          <a:round/>
-                          <a:headEnd type="none" w="med" len="med"/>
-                          <a:tailEnd type="none" w="med" len="med"/>
-                        </a:lnR>
-                        <a:lnT w="12700" cap="flat" cmpd="sng" algn="ctr">
-                          <a:solidFill>
-                            <a:schemeClr val="tx1"/>
-                          </a:solidFill>
-                          <a:prstDash val="solid"/>
-                          <a:round/>
-                          <a:headEnd type="none" w="med" len="med"/>
-                          <a:tailEnd type="none" w="med" len="med"/>
-                        </a:lnT>
-                        <a:lnB w="12700" cmpd="sng">
-                          <a:noFill/>
-                        </a:lnB>
-                        <a:lnTlToBr w="12700" cmpd="sng">
-                          <a:noFill/>
-                          <a:prstDash val="solid"/>
-                        </a:lnTlToBr>
-                        <a:lnBlToTr w="12700" cmpd="sng">
-                          <a:noFill/>
-                          <a:prstDash val="solid"/>
-                        </a:lnBlToTr>
-                        <a:noFill/>
-                      </a:tcPr>
-                    </a:tc>
-                    <a:tc>
-                      <a:txBody>
-                        <a:bodyPr/>
-                        <a:lstStyle/>
-                        <a:p>
-                          <a:pPr algn="ctr"/>
-                          <a:r>
-                            <a:rPr lang="en-US" sz="3400" dirty="0"/>
-                            <a:t>60</a:t>
-                          </a:r>
-                          <a:endParaRPr lang="en-GB" sz="3400" dirty="0"/>
-                        </a:p>
-                      </a:txBody>
-                      <a:tcPr anchor="ctr">
-                        <a:lnL w="12700" cap="flat" cmpd="sng" algn="ctr">
-                          <a:solidFill>
-                            <a:schemeClr val="tx1"/>
-                          </a:solidFill>
-                          <a:prstDash val="solid"/>
-                          <a:round/>
-                          <a:headEnd type="none" w="med" len="med"/>
-                          <a:tailEnd type="none" w="med" len="med"/>
-                        </a:lnL>
-                        <a:lnR w="12700" cmpd="sng">
-                          <a:noFill/>
-                        </a:lnR>
-                        <a:lnT w="12700" cap="flat" cmpd="sng" algn="ctr">
-                          <a:solidFill>
-                            <a:schemeClr val="tx1"/>
-                          </a:solidFill>
-                          <a:prstDash val="solid"/>
-                          <a:round/>
-                          <a:headEnd type="none" w="med" len="med"/>
-                          <a:tailEnd type="none" w="med" len="med"/>
-                        </a:lnT>
-                        <a:lnB w="12700" cmpd="sng">
-                          <a:noFill/>
-                        </a:lnB>
-                        <a:lnTlToBr w="12700" cmpd="sng">
-                          <a:noFill/>
-                          <a:prstDash val="solid"/>
-                        </a:lnTlToBr>
-                        <a:lnBlToTr w="12700" cmpd="sng">
-                          <a:noFill/>
-                          <a:prstDash val="solid"/>
-                        </a:lnBlToTr>
-                        <a:noFill/>
-                      </a:tcPr>
-                    </a:tc>
-                    <a:extLst>
-                      <a:ext uri="{0D108BD9-81ED-4DB2-BD59-A6C34878D82A}">
-                        <a16:rowId xmlns:a16="http://schemas.microsoft.com/office/drawing/2014/main" val="3333150796"/>
-                      </a:ext>
-                    </a:extLst>
-                  </a:tr>
-                </a:tbl>
-              </a:graphicData>
-            </a:graphic>
-          </p:graphicFrame>
-        </mc:Choice>
-        <mc:Fallback>
-          <p:graphicFrame>
-            <p:nvGraphicFramePr>
-              <p:cNvPr id="71" name="Table 7">
-                <a:extLst>
-                  <a:ext uri="{FF2B5EF4-FFF2-40B4-BE49-F238E27FC236}">
-                    <a16:creationId xmlns:a16="http://schemas.microsoft.com/office/drawing/2014/main" id="{31174AD0-EDD6-4582-9F6E-44A52FFBA421}"/>
-                  </a:ext>
-                </a:extLst>
-              </p:cNvPr>
-              <p:cNvGraphicFramePr>
-                <a:graphicFrameLocks noGrp="1"/>
-              </p:cNvGraphicFramePr>
-              <p:nvPr>
-                <p:extLst>
-                  <p:ext uri="{D42A27DB-BD31-4B8C-83A1-F6EECF244321}">
-                    <p14:modId xmlns:p14="http://schemas.microsoft.com/office/powerpoint/2010/main" val="2882936830"/>
-                  </p:ext>
-                </p:extLst>
-              </p:nvPr>
-            </p:nvGraphicFramePr>
-            <p:xfrm>
-              <a:off x="2665540" y="38620201"/>
-              <a:ext cx="13307902" cy="4040370"/>
-            </p:xfrm>
-            <a:graphic>
-              <a:graphicData uri="http://schemas.openxmlformats.org/drawingml/2006/table">
-                <a:tbl>
-                  <a:tblPr firstRow="1" bandRow="1">
-                    <a:tableStyleId>{93296810-A885-4BE3-A3E7-6D5BEEA58F35}</a:tableStyleId>
-                  </a:tblPr>
-                  <a:tblGrid>
-                    <a:gridCol w="4435967">
-                      <a:extLst>
-                        <a:ext uri="{9D8B030D-6E8A-4147-A177-3AD203B41FA5}">
-                          <a16:colId xmlns:a16="http://schemas.microsoft.com/office/drawing/2014/main" val="2626304605"/>
-                        </a:ext>
-                      </a:extLst>
-                    </a:gridCol>
-                    <a:gridCol w="1478656">
-                      <a:extLst>
-                        <a:ext uri="{9D8B030D-6E8A-4147-A177-3AD203B41FA5}">
-                          <a16:colId xmlns:a16="http://schemas.microsoft.com/office/drawing/2014/main" val="2973038698"/>
-                        </a:ext>
-                      </a:extLst>
-                    </a:gridCol>
-                    <a:gridCol w="1478656">
-                      <a:extLst>
-                        <a:ext uri="{9D8B030D-6E8A-4147-A177-3AD203B41FA5}">
-                          <a16:colId xmlns:a16="http://schemas.microsoft.com/office/drawing/2014/main" val="1718655701"/>
-                        </a:ext>
-                      </a:extLst>
-                    </a:gridCol>
-                    <a:gridCol w="1478656">
-                      <a:extLst>
-                        <a:ext uri="{9D8B030D-6E8A-4147-A177-3AD203B41FA5}">
-                          <a16:colId xmlns:a16="http://schemas.microsoft.com/office/drawing/2014/main" val="2403150399"/>
-                        </a:ext>
-                      </a:extLst>
-                    </a:gridCol>
-                    <a:gridCol w="4435967">
-                      <a:extLst>
-                        <a:ext uri="{9D8B030D-6E8A-4147-A177-3AD203B41FA5}">
-                          <a16:colId xmlns:a16="http://schemas.microsoft.com/office/drawing/2014/main" val="1961620341"/>
-                        </a:ext>
-                      </a:extLst>
-                    </a:gridCol>
-                  </a:tblGrid>
-                  <a:tr h="701040">
-                    <a:tc rowSpan="2">
-                      <a:txBody>
-                        <a:bodyPr/>
-                        <a:lstStyle/>
-                        <a:p>
-                          <a:pPr algn="ctr"/>
-                          <a:r>
-                            <a:rPr lang="fr-FR" sz="4000" noProof="0" dirty="0">
+                            <m:t>é</m:t>
+                          </m:r>
+                          <m:r>
+                            <a:rPr lang="en-US" sz="3400" b="0" i="1" smtClean="0">
                               <a:solidFill>
                                 <a:schemeClr val="accent2">
                                   <a:lumMod val="75000"/>
                                 </a:schemeClr>
                               </a:solidFill>
+                              <a:latin typeface="Cambria Math" panose="02040503050406030204" pitchFamily="18" charset="0"/>
                             </a:rPr>
-                            <a:t>Modèle</a:t>
-                          </a:r>
-                        </a:p>
-                      </a:txBody>
-                      <a:tcPr anchor="ctr">
-                        <a:lnL w="12700" cmpd="sng">
-                          <a:noFill/>
-                        </a:lnL>
-                        <a:lnR w="12700" cap="flat" cmpd="sng" algn="ctr">
-                          <a:solidFill>
-                            <a:schemeClr val="tx1"/>
-                          </a:solidFill>
-                          <a:prstDash val="solid"/>
-                          <a:round/>
-                          <a:headEnd type="none" w="med" len="med"/>
-                          <a:tailEnd type="none" w="med" len="med"/>
-                        </a:lnR>
-                        <a:lnT w="12700" cmpd="sng">
-                          <a:noFill/>
-                        </a:lnT>
-                        <a:lnB w="12700" cap="flat" cmpd="sng" algn="ctr">
-                          <a:solidFill>
-                            <a:schemeClr val="tx1"/>
-                          </a:solidFill>
-                          <a:prstDash val="solid"/>
-                          <a:round/>
-                          <a:headEnd type="none" w="med" len="med"/>
-                          <a:tailEnd type="none" w="med" len="med"/>
-                        </a:lnB>
-                        <a:lnTlToBr w="12700" cmpd="sng">
-                          <a:noFill/>
-                          <a:prstDash val="solid"/>
-                        </a:lnTlToBr>
-                        <a:lnBlToTr w="12700" cmpd="sng">
-                          <a:noFill/>
-                          <a:prstDash val="solid"/>
-                        </a:lnBlToTr>
-                        <a:noFill/>
-                      </a:tcPr>
-                    </a:tc>
-                    <a:tc gridSpan="3">
-                      <a:txBody>
-                        <a:bodyPr/>
-                        <a:lstStyle/>
-                        <a:p>
-                          <a:pPr algn="ctr"/>
-                          <a:r>
-                            <a:rPr lang="en-US" sz="4000" dirty="0">
+                            <m:t>𝑒</m:t>
+                          </m:r>
+                          <m:r>
+                            <a:rPr lang="en-US" sz="3400" i="1">
                               <a:solidFill>
                                 <a:schemeClr val="accent2">
                                   <a:lumMod val="75000"/>
                                 </a:schemeClr>
                               </a:solidFill>
+                              <a:latin typeface="Cambria Math" panose="02040503050406030204" pitchFamily="18" charset="0"/>
                             </a:rPr>
-                            <a:t>SVM</a:t>
-                          </a:r>
-                          <a:endParaRPr lang="en-GB" sz="4000" dirty="0">
-                            <a:solidFill>
-                              <a:schemeClr val="accent2">
-                                <a:lumMod val="75000"/>
-                              </a:schemeClr>
-                            </a:solidFill>
-                          </a:endParaRPr>
-                        </a:p>
-                      </a:txBody>
-                      <a:tcPr anchor="ctr">
-                        <a:lnL w="12700" cap="flat" cmpd="sng" algn="ctr">
-                          <a:solidFill>
-                            <a:schemeClr val="tx1"/>
-                          </a:solidFill>
-                          <a:prstDash val="solid"/>
-                          <a:round/>
-                          <a:headEnd type="none" w="med" len="med"/>
-                          <a:tailEnd type="none" w="med" len="med"/>
-                        </a:lnL>
-                        <a:lnR w="12700" cap="flat" cmpd="sng" algn="ctr">
-                          <a:solidFill>
-                            <a:schemeClr val="tx1"/>
-                          </a:solidFill>
-                          <a:prstDash val="solid"/>
-                          <a:round/>
-                          <a:headEnd type="none" w="med" len="med"/>
-                          <a:tailEnd type="none" w="med" len="med"/>
-                        </a:lnR>
-                        <a:lnT w="12700" cmpd="sng">
-                          <a:noFill/>
-                        </a:lnT>
-                        <a:lnB w="12700" cap="flat" cmpd="sng" algn="ctr">
-                          <a:solidFill>
-                            <a:schemeClr val="tx1"/>
-                          </a:solidFill>
-                          <a:prstDash val="solid"/>
-                          <a:round/>
-                          <a:headEnd type="none" w="med" len="med"/>
-                          <a:tailEnd type="none" w="med" len="med"/>
-                        </a:lnB>
-                        <a:lnTlToBr w="12700" cmpd="sng">
-                          <a:noFill/>
-                          <a:prstDash val="solid"/>
-                        </a:lnTlToBr>
-                        <a:lnBlToTr w="12700" cmpd="sng">
-                          <a:noFill/>
-                          <a:prstDash val="solid"/>
-                        </a:lnBlToTr>
-                        <a:noFill/>
-                      </a:tcPr>
-                    </a:tc>
-                    <a:tc hMerge="1">
-                      <a:txBody>
-                        <a:bodyPr/>
-                        <a:lstStyle/>
-                        <a:p>
-                          <a:endParaRPr lang="en-GB"/>
-                        </a:p>
-                      </a:txBody>
-                      <a:tcPr/>
-                    </a:tc>
-                    <a:tc hMerge="1">
-                      <a:txBody>
-                        <a:bodyPr/>
-                        <a:lstStyle/>
-                        <a:p>
-                          <a:endParaRPr lang="en-GB"/>
-                        </a:p>
-                      </a:txBody>
-                      <a:tcPr/>
-                    </a:tc>
-                    <a:tc rowSpan="2">
-                      <a:txBody>
-                        <a:bodyPr/>
-                        <a:lstStyle/>
-                        <a:p>
-                          <a:pPr algn="ctr"/>
-                          <a:r>
-                            <a:rPr lang="en-US" sz="4000" dirty="0">
+                            <m:t>𝑠</m:t>
+                          </m:r>
+                        </m:num>
+                        <m:den>
+                          <m:r>
+                            <a:rPr lang="en-US" sz="3400" b="0" i="1" noProof="0" smtClean="0">
                               <a:solidFill>
                                 <a:schemeClr val="accent2">
                                   <a:lumMod val="75000"/>
                                 </a:schemeClr>
                               </a:solidFill>
+                              <a:latin typeface="Cambria Math" panose="02040503050406030204" pitchFamily="18" charset="0"/>
                             </a:rPr>
-                            <a:t>CNN</a:t>
-                          </a:r>
-                          <a:endParaRPr lang="en-GB" sz="4000" dirty="0">
-                            <a:solidFill>
-                              <a:schemeClr val="accent2">
-                                <a:lumMod val="75000"/>
-                              </a:schemeClr>
-                            </a:solidFill>
-                          </a:endParaRPr>
-                        </a:p>
-                      </a:txBody>
-                      <a:tcPr anchor="ctr">
-                        <a:lnL w="12700" cap="flat" cmpd="sng" algn="ctr">
-                          <a:solidFill>
-                            <a:schemeClr val="tx1"/>
-                          </a:solidFill>
-                          <a:prstDash val="solid"/>
-                          <a:round/>
-                          <a:headEnd type="none" w="med" len="med"/>
-                          <a:tailEnd type="none" w="med" len="med"/>
-                        </a:lnL>
-                        <a:lnR w="12700" cmpd="sng">
-                          <a:noFill/>
-                        </a:lnR>
-                        <a:lnT w="12700" cmpd="sng">
-                          <a:noFill/>
-                        </a:lnT>
-                        <a:lnB w="12700" cap="flat" cmpd="sng" algn="ctr">
-                          <a:solidFill>
-                            <a:schemeClr val="tx1"/>
-                          </a:solidFill>
-                          <a:prstDash val="solid"/>
-                          <a:round/>
-                          <a:headEnd type="none" w="med" len="med"/>
-                          <a:tailEnd type="none" w="med" len="med"/>
-                        </a:lnB>
-                        <a:lnTlToBr w="12700" cmpd="sng">
-                          <a:noFill/>
-                          <a:prstDash val="solid"/>
-                        </a:lnTlToBr>
-                        <a:lnBlToTr w="12700" cmpd="sng">
-                          <a:noFill/>
-                          <a:prstDash val="solid"/>
-                        </a:lnBlToTr>
-                        <a:noFill/>
-                      </a:tcPr>
-                    </a:tc>
-                    <a:extLst>
-                      <a:ext uri="{0D108BD9-81ED-4DB2-BD59-A6C34878D82A}">
-                        <a16:rowId xmlns:a16="http://schemas.microsoft.com/office/drawing/2014/main" val="2066148640"/>
-                      </a:ext>
-                    </a:extLst>
-                  </a:tr>
-                  <a:tr h="805624">
-                    <a:tc vMerge="1">
-                      <a:txBody>
-                        <a:bodyPr/>
-                        <a:lstStyle/>
-                        <a:p>
-                          <a:endParaRPr lang="en-GB"/>
-                        </a:p>
-                      </a:txBody>
-                      <a:tcPr/>
-                    </a:tc>
-                    <a:tc>
-                      <a:txBody>
-                        <a:bodyPr/>
-                        <a:lstStyle/>
-                        <a:p>
-                          <a:pPr algn="ctr"/>
-                          <a:r>
-                            <a:rPr lang="en-US" sz="3400" dirty="0">
+                            <m:t>𝑛𝑏</m:t>
+                          </m:r>
+                          <m:r>
+                            <a:rPr lang="en-US" sz="3400" b="0" i="1" noProof="0" smtClean="0">
                               <a:solidFill>
                                 <a:schemeClr val="accent2">
                                   <a:lumMod val="75000"/>
                                 </a:schemeClr>
                               </a:solidFill>
+                              <a:latin typeface="Cambria Math" panose="02040503050406030204" pitchFamily="18" charset="0"/>
                             </a:rPr>
-                            <a:t>SIFT</a:t>
-                          </a:r>
-                          <a:endParaRPr lang="en-GB" sz="3400" dirty="0">
-                            <a:solidFill>
-                              <a:schemeClr val="accent2">
-                                <a:lumMod val="75000"/>
-                              </a:schemeClr>
-                            </a:solidFill>
-                          </a:endParaRPr>
-                        </a:p>
-                      </a:txBody>
-                      <a:tcPr anchor="ctr">
-                        <a:lnL w="12700" cap="flat" cmpd="sng" algn="ctr">
-                          <a:solidFill>
-                            <a:schemeClr val="tx1"/>
-                          </a:solidFill>
-                          <a:prstDash val="solid"/>
-                          <a:round/>
-                          <a:headEnd type="none" w="med" len="med"/>
-                          <a:tailEnd type="none" w="med" len="med"/>
-                        </a:lnL>
-                        <a:lnR w="12700" cap="flat" cmpd="sng" algn="ctr">
-                          <a:solidFill>
-                            <a:schemeClr val="tx1"/>
-                          </a:solidFill>
-                          <a:prstDash val="solid"/>
-                          <a:round/>
-                          <a:headEnd type="none" w="med" len="med"/>
-                          <a:tailEnd type="none" w="med" len="med"/>
-                        </a:lnR>
-                        <a:lnT w="12700" cap="flat" cmpd="sng" algn="ctr">
-                          <a:solidFill>
-                            <a:schemeClr val="tx1"/>
-                          </a:solidFill>
-                          <a:prstDash val="solid"/>
-                          <a:round/>
-                          <a:headEnd type="none" w="med" len="med"/>
-                          <a:tailEnd type="none" w="med" len="med"/>
-                        </a:lnT>
-                        <a:lnB w="12700" cap="flat" cmpd="sng" algn="ctr">
-                          <a:solidFill>
-                            <a:schemeClr val="tx1"/>
-                          </a:solidFill>
-                          <a:prstDash val="solid"/>
-                          <a:round/>
-                          <a:headEnd type="none" w="med" len="med"/>
-                          <a:tailEnd type="none" w="med" len="med"/>
-                        </a:lnB>
-                        <a:lnTlToBr w="12700" cmpd="sng">
-                          <a:noFill/>
-                          <a:prstDash val="solid"/>
-                        </a:lnTlToBr>
-                        <a:lnBlToTr w="12700" cmpd="sng">
-                          <a:noFill/>
-                          <a:prstDash val="solid"/>
-                        </a:lnBlToTr>
-                        <a:noFill/>
-                      </a:tcPr>
-                    </a:tc>
-                    <a:tc>
-                      <a:txBody>
-                        <a:bodyPr/>
-                        <a:lstStyle/>
-                        <a:p>
-                          <a:pPr algn="ctr"/>
-                          <a:r>
-                            <a:rPr lang="en-US" sz="3400" dirty="0">
+                            <m:t> </m:t>
+                          </m:r>
+                          <m:r>
+                            <a:rPr lang="en-US" sz="3400" b="0" i="1" noProof="0" smtClean="0">
                               <a:solidFill>
                                 <a:schemeClr val="accent2">
                                   <a:lumMod val="75000"/>
                                 </a:schemeClr>
                               </a:solidFill>
+                              <a:latin typeface="Cambria Math" panose="02040503050406030204" pitchFamily="18" charset="0"/>
                             </a:rPr>
-                            <a:t>SURF</a:t>
-                          </a:r>
-                          <a:endParaRPr lang="en-GB" sz="3400" dirty="0">
-                            <a:solidFill>
-                              <a:schemeClr val="accent2">
-                                <a:lumMod val="75000"/>
-                              </a:schemeClr>
-                            </a:solidFill>
-                          </a:endParaRPr>
-                        </a:p>
-                      </a:txBody>
-                      <a:tcPr anchor="ctr">
-                        <a:lnL w="12700" cap="flat" cmpd="sng" algn="ctr">
-                          <a:solidFill>
-                            <a:schemeClr val="tx1"/>
-                          </a:solidFill>
-                          <a:prstDash val="solid"/>
-                          <a:round/>
-                          <a:headEnd type="none" w="med" len="med"/>
-                          <a:tailEnd type="none" w="med" len="med"/>
-                        </a:lnL>
-                        <a:lnR w="12700" cap="flat" cmpd="sng" algn="ctr">
-                          <a:solidFill>
-                            <a:schemeClr val="tx1"/>
-                          </a:solidFill>
-                          <a:prstDash val="solid"/>
-                          <a:round/>
-                          <a:headEnd type="none" w="med" len="med"/>
-                          <a:tailEnd type="none" w="med" len="med"/>
-                        </a:lnR>
-                        <a:lnT w="12700" cap="flat" cmpd="sng" algn="ctr">
-                          <a:solidFill>
-                            <a:schemeClr val="tx1"/>
-                          </a:solidFill>
-                          <a:prstDash val="solid"/>
-                          <a:round/>
-                          <a:headEnd type="none" w="med" len="med"/>
-                          <a:tailEnd type="none" w="med" len="med"/>
-                        </a:lnT>
-                        <a:lnB w="12700" cap="flat" cmpd="sng" algn="ctr">
-                          <a:solidFill>
-                            <a:schemeClr val="tx1"/>
-                          </a:solidFill>
-                          <a:prstDash val="solid"/>
-                          <a:round/>
-                          <a:headEnd type="none" w="med" len="med"/>
-                          <a:tailEnd type="none" w="med" len="med"/>
-                        </a:lnB>
-                        <a:lnTlToBr w="12700" cmpd="sng">
-                          <a:noFill/>
-                          <a:prstDash val="solid"/>
-                        </a:lnTlToBr>
-                        <a:lnBlToTr w="12700" cmpd="sng">
-                          <a:noFill/>
-                          <a:prstDash val="solid"/>
-                        </a:lnBlToTr>
-                        <a:noFill/>
-                      </a:tcPr>
-                    </a:tc>
-                    <a:tc>
-                      <a:txBody>
-                        <a:bodyPr/>
-                        <a:lstStyle/>
-                        <a:p>
-                          <a:pPr algn="ctr"/>
-                          <a:r>
-                            <a:rPr lang="en-US" sz="3400" dirty="0">
+                            <m:t>𝑖𝑚𝑎𝑔𝑒𝑠</m:t>
+                          </m:r>
+                          <m:r>
+                            <a:rPr lang="en-US" sz="3400" b="0" i="1" noProof="0" smtClean="0">
                               <a:solidFill>
                                 <a:schemeClr val="accent2">
                                   <a:lumMod val="75000"/>
                                 </a:schemeClr>
                               </a:solidFill>
+                              <a:latin typeface="Cambria Math" panose="02040503050406030204" pitchFamily="18" charset="0"/>
                             </a:rPr>
-                            <a:t>ORB</a:t>
-                          </a:r>
-                          <a:endParaRPr lang="en-GB" sz="3400" dirty="0">
-                            <a:solidFill>
-                              <a:schemeClr val="accent2">
-                                <a:lumMod val="75000"/>
-                              </a:schemeClr>
-                            </a:solidFill>
-                          </a:endParaRPr>
-                        </a:p>
-                      </a:txBody>
-                      <a:tcPr anchor="ctr">
-                        <a:lnL w="12700" cap="flat" cmpd="sng" algn="ctr">
-                          <a:solidFill>
-                            <a:schemeClr val="tx1"/>
-                          </a:solidFill>
-                          <a:prstDash val="solid"/>
-                          <a:round/>
-                          <a:headEnd type="none" w="med" len="med"/>
-                          <a:tailEnd type="none" w="med" len="med"/>
-                        </a:lnL>
-                        <a:lnR w="12700" cap="flat" cmpd="sng" algn="ctr">
-                          <a:solidFill>
-                            <a:schemeClr val="tx1"/>
-                          </a:solidFill>
-                          <a:prstDash val="solid"/>
-                          <a:round/>
-                          <a:headEnd type="none" w="med" len="med"/>
-                          <a:tailEnd type="none" w="med" len="med"/>
-                        </a:lnR>
-                        <a:lnT w="12700" cap="flat" cmpd="sng" algn="ctr">
-                          <a:solidFill>
-                            <a:schemeClr val="tx1"/>
-                          </a:solidFill>
-                          <a:prstDash val="solid"/>
-                          <a:round/>
-                          <a:headEnd type="none" w="med" len="med"/>
-                          <a:tailEnd type="none" w="med" len="med"/>
-                        </a:lnT>
-                        <a:lnB w="12700" cap="flat" cmpd="sng" algn="ctr">
-                          <a:solidFill>
-                            <a:schemeClr val="tx1"/>
-                          </a:solidFill>
-                          <a:prstDash val="solid"/>
-                          <a:round/>
-                          <a:headEnd type="none" w="med" len="med"/>
-                          <a:tailEnd type="none" w="med" len="med"/>
-                        </a:lnB>
-                        <a:lnTlToBr w="12700" cmpd="sng">
-                          <a:noFill/>
-                          <a:prstDash val="solid"/>
-                        </a:lnTlToBr>
-                        <a:lnBlToTr w="12700" cmpd="sng">
-                          <a:noFill/>
-                          <a:prstDash val="solid"/>
-                        </a:lnBlToTr>
-                        <a:noFill/>
-                      </a:tcPr>
-                    </a:tc>
-                    <a:tc vMerge="1">
-                      <a:txBody>
-                        <a:bodyPr/>
-                        <a:lstStyle/>
-                        <a:p>
-                          <a:endParaRPr lang="en-GB"/>
-                        </a:p>
-                      </a:txBody>
-                      <a:tcPr/>
-                    </a:tc>
-                    <a:extLst>
-                      <a:ext uri="{0D108BD9-81ED-4DB2-BD59-A6C34878D82A}">
-                        <a16:rowId xmlns:a16="http://schemas.microsoft.com/office/drawing/2014/main" val="2518867"/>
-                      </a:ext>
-                    </a:extLst>
-                  </a:tr>
-                  <a:tr h="1266853">
-                    <a:tc>
-                      <a:txBody>
-                        <a:bodyPr/>
-                        <a:lstStyle/>
-                        <a:p>
-                          <a:endParaRPr lang="fr-FR"/>
-                        </a:p>
-                      </a:txBody>
-                      <a:tcPr anchor="ctr">
-                        <a:lnL w="12700" cmpd="sng">
-                          <a:noFill/>
-                        </a:lnL>
-                        <a:lnR w="12700" cap="flat" cmpd="sng" algn="ctr">
-                          <a:solidFill>
-                            <a:schemeClr val="tx1"/>
-                          </a:solidFill>
-                          <a:prstDash val="solid"/>
-                          <a:round/>
-                          <a:headEnd type="none" w="med" len="med"/>
-                          <a:tailEnd type="none" w="med" len="med"/>
-                        </a:lnR>
-                        <a:lnT w="12700" cap="flat" cmpd="sng" algn="ctr">
-                          <a:solidFill>
-                            <a:schemeClr val="tx1"/>
-                          </a:solidFill>
-                          <a:prstDash val="solid"/>
-                          <a:round/>
-                          <a:headEnd type="none" w="med" len="med"/>
-                          <a:tailEnd type="none" w="med" len="med"/>
-                        </a:lnT>
-                        <a:lnB w="12700" cap="flat" cmpd="sng" algn="ctr">
-                          <a:solidFill>
-                            <a:schemeClr val="tx1"/>
-                          </a:solidFill>
-                          <a:prstDash val="solid"/>
-                          <a:round/>
-                          <a:headEnd type="none" w="med" len="med"/>
-                          <a:tailEnd type="none" w="med" len="med"/>
-                        </a:lnB>
-                        <a:lnTlToBr w="12700" cmpd="sng">
-                          <a:noFill/>
-                          <a:prstDash val="solid"/>
-                        </a:lnTlToBr>
-                        <a:lnBlToTr w="12700" cmpd="sng">
-                          <a:noFill/>
-                          <a:prstDash val="solid"/>
-                        </a:lnBlToTr>
-                        <a:blipFill>
-                          <a:blip r:embed="rId23"/>
-                          <a:stretch>
-                            <a:fillRect t="-127885" r="-200137" b="-111058"/>
-                          </a:stretch>
-                        </a:blipFill>
-                      </a:tcPr>
-                    </a:tc>
-                    <a:tc>
-                      <a:txBody>
-                        <a:bodyPr/>
-                        <a:lstStyle/>
-                        <a:p>
-                          <a:pPr algn="ctr"/>
-                          <a:r>
-                            <a:rPr lang="fr-FR" sz="3400" noProof="0" dirty="0"/>
-                            <a:t>62</a:t>
-                          </a:r>
-                        </a:p>
-                      </a:txBody>
-                      <a:tcPr anchor="ctr">
-                        <a:lnL w="12700" cap="flat" cmpd="sng" algn="ctr">
-                          <a:solidFill>
-                            <a:schemeClr val="tx1"/>
-                          </a:solidFill>
-                          <a:prstDash val="solid"/>
-                          <a:round/>
-                          <a:headEnd type="none" w="med" len="med"/>
-                          <a:tailEnd type="none" w="med" len="med"/>
-                        </a:lnL>
-                        <a:lnR w="12700" cap="flat" cmpd="sng" algn="ctr">
-                          <a:solidFill>
-                            <a:schemeClr val="tx1"/>
-                          </a:solidFill>
-                          <a:prstDash val="solid"/>
-                          <a:round/>
-                          <a:headEnd type="none" w="med" len="med"/>
-                          <a:tailEnd type="none" w="med" len="med"/>
-                        </a:lnR>
-                        <a:lnT w="12700" cap="flat" cmpd="sng" algn="ctr">
-                          <a:solidFill>
-                            <a:schemeClr val="tx1"/>
-                          </a:solidFill>
-                          <a:prstDash val="solid"/>
-                          <a:round/>
-                          <a:headEnd type="none" w="med" len="med"/>
-                          <a:tailEnd type="none" w="med" len="med"/>
-                        </a:lnT>
-                        <a:lnB w="12700" cap="flat" cmpd="sng" algn="ctr">
-                          <a:solidFill>
-                            <a:schemeClr val="tx1"/>
-                          </a:solidFill>
-                          <a:prstDash val="solid"/>
-                          <a:round/>
-                          <a:headEnd type="none" w="med" len="med"/>
-                          <a:tailEnd type="none" w="med" len="med"/>
-                        </a:lnB>
-                        <a:lnTlToBr w="12700" cmpd="sng">
-                          <a:noFill/>
-                          <a:prstDash val="solid"/>
-                        </a:lnTlToBr>
-                        <a:lnBlToTr w="12700" cmpd="sng">
-                          <a:noFill/>
-                          <a:prstDash val="solid"/>
-                        </a:lnBlToTr>
-                        <a:noFill/>
-                      </a:tcPr>
-                    </a:tc>
-                    <a:tc>
-                      <a:txBody>
-                        <a:bodyPr/>
-                        <a:lstStyle/>
-                        <a:p>
-                          <a:pPr algn="ctr"/>
-                          <a:r>
-                            <a:rPr lang="fr-FR" sz="3400" noProof="0" dirty="0"/>
-                            <a:t>65</a:t>
-                          </a:r>
-                        </a:p>
-                      </a:txBody>
-                      <a:tcPr anchor="ctr">
-                        <a:lnL w="12700" cap="flat" cmpd="sng" algn="ctr">
-                          <a:solidFill>
-                            <a:schemeClr val="tx1"/>
-                          </a:solidFill>
-                          <a:prstDash val="solid"/>
-                          <a:round/>
-                          <a:headEnd type="none" w="med" len="med"/>
-                          <a:tailEnd type="none" w="med" len="med"/>
-                        </a:lnL>
-                        <a:lnR w="12700" cap="flat" cmpd="sng" algn="ctr">
-                          <a:solidFill>
-                            <a:schemeClr val="tx1"/>
-                          </a:solidFill>
-                          <a:prstDash val="solid"/>
-                          <a:round/>
-                          <a:headEnd type="none" w="med" len="med"/>
-                          <a:tailEnd type="none" w="med" len="med"/>
-                        </a:lnR>
-                        <a:lnT w="12700" cap="flat" cmpd="sng" algn="ctr">
-                          <a:solidFill>
-                            <a:schemeClr val="tx1"/>
-                          </a:solidFill>
-                          <a:prstDash val="solid"/>
-                          <a:round/>
-                          <a:headEnd type="none" w="med" len="med"/>
-                          <a:tailEnd type="none" w="med" len="med"/>
-                        </a:lnT>
-                        <a:lnB w="12700" cap="flat" cmpd="sng" algn="ctr">
-                          <a:solidFill>
-                            <a:schemeClr val="tx1"/>
-                          </a:solidFill>
-                          <a:prstDash val="solid"/>
-                          <a:round/>
-                          <a:headEnd type="none" w="med" len="med"/>
-                          <a:tailEnd type="none" w="med" len="med"/>
-                        </a:lnB>
-                        <a:lnTlToBr w="12700" cmpd="sng">
-                          <a:noFill/>
-                          <a:prstDash val="solid"/>
-                        </a:lnTlToBr>
-                        <a:lnBlToTr w="12700" cmpd="sng">
-                          <a:noFill/>
-                          <a:prstDash val="solid"/>
-                        </a:lnBlToTr>
-                        <a:noFill/>
-                      </a:tcPr>
-                    </a:tc>
-                    <a:tc>
-                      <a:txBody>
-                        <a:bodyPr/>
-                        <a:lstStyle/>
-                        <a:p>
-                          <a:pPr algn="ctr"/>
-                          <a:r>
-                            <a:rPr lang="fr-FR" sz="3400" noProof="0" dirty="0"/>
-                            <a:t>58</a:t>
-                          </a:r>
-                        </a:p>
-                      </a:txBody>
-                      <a:tcPr anchor="ctr">
-                        <a:lnL w="12700" cap="flat" cmpd="sng" algn="ctr">
-                          <a:solidFill>
-                            <a:schemeClr val="tx1"/>
-                          </a:solidFill>
-                          <a:prstDash val="solid"/>
-                          <a:round/>
-                          <a:headEnd type="none" w="med" len="med"/>
-                          <a:tailEnd type="none" w="med" len="med"/>
-                        </a:lnL>
-                        <a:lnR w="12700" cap="flat" cmpd="sng" algn="ctr">
-                          <a:solidFill>
-                            <a:schemeClr val="tx1"/>
-                          </a:solidFill>
-                          <a:prstDash val="solid"/>
-                          <a:round/>
-                          <a:headEnd type="none" w="med" len="med"/>
-                          <a:tailEnd type="none" w="med" len="med"/>
-                        </a:lnR>
-                        <a:lnT w="12700" cap="flat" cmpd="sng" algn="ctr">
-                          <a:solidFill>
-                            <a:schemeClr val="tx1"/>
-                          </a:solidFill>
-                          <a:prstDash val="solid"/>
-                          <a:round/>
-                          <a:headEnd type="none" w="med" len="med"/>
-                          <a:tailEnd type="none" w="med" len="med"/>
-                        </a:lnT>
-                        <a:lnB w="12700" cap="flat" cmpd="sng" algn="ctr">
-                          <a:solidFill>
-                            <a:schemeClr val="tx1"/>
-                          </a:solidFill>
-                          <a:prstDash val="solid"/>
-                          <a:round/>
-                          <a:headEnd type="none" w="med" len="med"/>
-                          <a:tailEnd type="none" w="med" len="med"/>
-                        </a:lnB>
-                        <a:lnTlToBr w="12700" cmpd="sng">
-                          <a:noFill/>
-                          <a:prstDash val="solid"/>
-                        </a:lnTlToBr>
-                        <a:lnBlToTr w="12700" cmpd="sng">
-                          <a:noFill/>
-                          <a:prstDash val="solid"/>
-                        </a:lnBlToTr>
-                        <a:noFill/>
-                      </a:tcPr>
-                    </a:tc>
-                    <a:tc>
-                      <a:txBody>
-                        <a:bodyPr/>
-                        <a:lstStyle/>
-                        <a:p>
-                          <a:pPr algn="ctr"/>
-                          <a:r>
-                            <a:rPr lang="en-US" sz="3400" dirty="0"/>
-                            <a:t>90</a:t>
-                          </a:r>
-                          <a:endParaRPr lang="en-GB" sz="3400" dirty="0"/>
-                        </a:p>
-                      </a:txBody>
-                      <a:tcPr anchor="ctr">
-                        <a:lnL w="12700" cap="flat" cmpd="sng" algn="ctr">
-                          <a:solidFill>
-                            <a:schemeClr val="tx1"/>
-                          </a:solidFill>
-                          <a:prstDash val="solid"/>
-                          <a:round/>
-                          <a:headEnd type="none" w="med" len="med"/>
-                          <a:tailEnd type="none" w="med" len="med"/>
-                        </a:lnL>
-                        <a:lnR w="12700" cmpd="sng">
-                          <a:noFill/>
-                        </a:lnR>
-                        <a:lnT w="12700" cap="flat" cmpd="sng" algn="ctr">
-                          <a:solidFill>
-                            <a:schemeClr val="tx1"/>
-                          </a:solidFill>
-                          <a:prstDash val="solid"/>
-                          <a:round/>
-                          <a:headEnd type="none" w="med" len="med"/>
-                          <a:tailEnd type="none" w="med" len="med"/>
-                        </a:lnT>
-                        <a:lnB w="12700" cap="flat" cmpd="sng" algn="ctr">
-                          <a:solidFill>
-                            <a:schemeClr val="tx1"/>
-                          </a:solidFill>
-                          <a:prstDash val="solid"/>
-                          <a:round/>
-                          <a:headEnd type="none" w="med" len="med"/>
-                          <a:tailEnd type="none" w="med" len="med"/>
-                        </a:lnB>
-                        <a:lnTlToBr w="12700" cmpd="sng">
-                          <a:noFill/>
-                          <a:prstDash val="solid"/>
-                        </a:lnTlToBr>
-                        <a:lnBlToTr w="12700" cmpd="sng">
-                          <a:noFill/>
-                          <a:prstDash val="solid"/>
-                        </a:lnBlToTr>
-                        <a:noFill/>
-                      </a:tcPr>
-                    </a:tc>
-                    <a:extLst>
-                      <a:ext uri="{0D108BD9-81ED-4DB2-BD59-A6C34878D82A}">
-                        <a16:rowId xmlns:a16="http://schemas.microsoft.com/office/drawing/2014/main" val="3071276382"/>
-                      </a:ext>
-                    </a:extLst>
-                  </a:tr>
-                  <a:tr h="1266853">
-                    <a:tc>
-                      <a:txBody>
-                        <a:bodyPr/>
-                        <a:lstStyle/>
-                        <a:p>
-                          <a:pPr algn="ctr"/>
-                          <a:r>
-                            <a:rPr lang="en-US" sz="3400" dirty="0">
+                            <m:t> </m:t>
+                          </m:r>
+                          <m:r>
+                            <a:rPr lang="en-US" sz="3400" b="0" i="1" noProof="0" smtClean="0">
                               <a:solidFill>
                                 <a:schemeClr val="accent2">
                                   <a:lumMod val="75000"/>
                                 </a:schemeClr>
                               </a:solidFill>
+                              <a:latin typeface="Cambria Math" panose="02040503050406030204" pitchFamily="18" charset="0"/>
                             </a:rPr>
-                            <a:t>Temps </a:t>
-                          </a:r>
-                          <a:r>
-                            <a:rPr lang="fr-FR" sz="3400" noProof="0" dirty="0">
-                              <a:solidFill>
-                                <a:schemeClr val="accent2">
-                                  <a:lumMod val="75000"/>
-                                </a:schemeClr>
-                              </a:solidFill>
-                            </a:rPr>
-                            <a:t>d’exécution (minutes)</a:t>
-                          </a:r>
-                        </a:p>
-                      </a:txBody>
-                      <a:tcPr anchor="ctr">
-                        <a:lnL w="12700" cmpd="sng">
-                          <a:noFill/>
-                        </a:lnL>
-                        <a:lnR w="12700" cap="flat" cmpd="sng" algn="ctr">
-                          <a:solidFill>
-                            <a:schemeClr val="tx1"/>
-                          </a:solidFill>
-                          <a:prstDash val="solid"/>
-                          <a:round/>
-                          <a:headEnd type="none" w="med" len="med"/>
-                          <a:tailEnd type="none" w="med" len="med"/>
-                        </a:lnR>
-                        <a:lnT w="12700" cap="flat" cmpd="sng" algn="ctr">
-                          <a:solidFill>
-                            <a:schemeClr val="tx1"/>
-                          </a:solidFill>
-                          <a:prstDash val="solid"/>
-                          <a:round/>
-                          <a:headEnd type="none" w="med" len="med"/>
-                          <a:tailEnd type="none" w="med" len="med"/>
-                        </a:lnT>
-                        <a:lnB w="12700" cmpd="sng">
-                          <a:noFill/>
-                        </a:lnB>
-                        <a:lnTlToBr w="12700" cmpd="sng">
-                          <a:noFill/>
-                          <a:prstDash val="solid"/>
-                        </a:lnTlToBr>
-                        <a:lnBlToTr w="12700" cmpd="sng">
-                          <a:noFill/>
-                          <a:prstDash val="solid"/>
-                        </a:lnBlToTr>
-                        <a:noFill/>
-                      </a:tcPr>
-                    </a:tc>
-                    <a:tc>
-                      <a:txBody>
-                        <a:bodyPr/>
-                        <a:lstStyle/>
-                        <a:p>
-                          <a:pPr algn="ctr"/>
-                          <a:r>
-                            <a:rPr lang="en-US" sz="3400" dirty="0"/>
-                            <a:t>137</a:t>
-                          </a:r>
-                          <a:endParaRPr lang="en-GB" sz="3400" dirty="0"/>
-                        </a:p>
-                      </a:txBody>
-                      <a:tcPr anchor="ctr">
-                        <a:lnL w="12700" cap="flat" cmpd="sng" algn="ctr">
-                          <a:solidFill>
-                            <a:schemeClr val="tx1"/>
-                          </a:solidFill>
-                          <a:prstDash val="solid"/>
-                          <a:round/>
-                          <a:headEnd type="none" w="med" len="med"/>
-                          <a:tailEnd type="none" w="med" len="med"/>
-                        </a:lnL>
-                        <a:lnR w="12700" cap="flat" cmpd="sng" algn="ctr">
-                          <a:solidFill>
-                            <a:schemeClr val="tx1"/>
-                          </a:solidFill>
-                          <a:prstDash val="solid"/>
-                          <a:round/>
-                          <a:headEnd type="none" w="med" len="med"/>
-                          <a:tailEnd type="none" w="med" len="med"/>
-                        </a:lnR>
-                        <a:lnT w="12700" cap="flat" cmpd="sng" algn="ctr">
-                          <a:solidFill>
-                            <a:schemeClr val="tx1"/>
-                          </a:solidFill>
-                          <a:prstDash val="solid"/>
-                          <a:round/>
-                          <a:headEnd type="none" w="med" len="med"/>
-                          <a:tailEnd type="none" w="med" len="med"/>
-                        </a:lnT>
-                        <a:lnB w="12700" cmpd="sng">
-                          <a:noFill/>
-                        </a:lnB>
-                        <a:lnTlToBr w="12700" cmpd="sng">
-                          <a:noFill/>
-                          <a:prstDash val="solid"/>
-                        </a:lnTlToBr>
-                        <a:lnBlToTr w="12700" cmpd="sng">
-                          <a:noFill/>
-                          <a:prstDash val="solid"/>
-                        </a:lnBlToTr>
-                        <a:noFill/>
-                      </a:tcPr>
-                    </a:tc>
-                    <a:tc>
-                      <a:txBody>
-                        <a:bodyPr/>
-                        <a:lstStyle/>
-                        <a:p>
-                          <a:pPr algn="ctr"/>
-                          <a:r>
-                            <a:rPr lang="en-US" sz="3400" dirty="0"/>
-                            <a:t>228</a:t>
-                          </a:r>
-                          <a:endParaRPr lang="en-GB" sz="3400" dirty="0"/>
-                        </a:p>
-                      </a:txBody>
-                      <a:tcPr anchor="ctr">
-                        <a:lnL w="12700" cap="flat" cmpd="sng" algn="ctr">
-                          <a:solidFill>
-                            <a:schemeClr val="tx1"/>
-                          </a:solidFill>
-                          <a:prstDash val="solid"/>
-                          <a:round/>
-                          <a:headEnd type="none" w="med" len="med"/>
-                          <a:tailEnd type="none" w="med" len="med"/>
-                        </a:lnL>
-                        <a:lnR w="12700" cap="flat" cmpd="sng" algn="ctr">
-                          <a:solidFill>
-                            <a:schemeClr val="tx1"/>
-                          </a:solidFill>
-                          <a:prstDash val="solid"/>
-                          <a:round/>
-                          <a:headEnd type="none" w="med" len="med"/>
-                          <a:tailEnd type="none" w="med" len="med"/>
-                        </a:lnR>
-                        <a:lnT w="12700" cap="flat" cmpd="sng" algn="ctr">
-                          <a:solidFill>
-                            <a:schemeClr val="tx1"/>
-                          </a:solidFill>
-                          <a:prstDash val="solid"/>
-                          <a:round/>
-                          <a:headEnd type="none" w="med" len="med"/>
-                          <a:tailEnd type="none" w="med" len="med"/>
-                        </a:lnT>
-                        <a:lnB w="12700" cmpd="sng">
-                          <a:noFill/>
-                        </a:lnB>
-                        <a:lnTlToBr w="12700" cmpd="sng">
-                          <a:noFill/>
-                          <a:prstDash val="solid"/>
-                        </a:lnTlToBr>
-                        <a:lnBlToTr w="12700" cmpd="sng">
-                          <a:noFill/>
-                          <a:prstDash val="solid"/>
-                        </a:lnBlToTr>
-                        <a:noFill/>
-                      </a:tcPr>
-                    </a:tc>
-                    <a:tc>
-                      <a:txBody>
-                        <a:bodyPr/>
-                        <a:lstStyle/>
-                        <a:p>
-                          <a:pPr algn="ctr"/>
-                          <a:r>
-                            <a:rPr lang="en-US" sz="3400" dirty="0"/>
-                            <a:t>100</a:t>
-                          </a:r>
-                          <a:endParaRPr lang="en-GB" sz="3400" dirty="0"/>
-                        </a:p>
-                      </a:txBody>
-                      <a:tcPr anchor="ctr">
-                        <a:lnL w="12700" cap="flat" cmpd="sng" algn="ctr">
-                          <a:solidFill>
-                            <a:schemeClr val="tx1"/>
-                          </a:solidFill>
-                          <a:prstDash val="solid"/>
-                          <a:round/>
-                          <a:headEnd type="none" w="med" len="med"/>
-                          <a:tailEnd type="none" w="med" len="med"/>
-                        </a:lnL>
-                        <a:lnR w="12700" cap="flat" cmpd="sng" algn="ctr">
-                          <a:solidFill>
-                            <a:schemeClr val="tx1"/>
-                          </a:solidFill>
-                          <a:prstDash val="solid"/>
-                          <a:round/>
-                          <a:headEnd type="none" w="med" len="med"/>
-                          <a:tailEnd type="none" w="med" len="med"/>
-                        </a:lnR>
-                        <a:lnT w="12700" cap="flat" cmpd="sng" algn="ctr">
-                          <a:solidFill>
-                            <a:schemeClr val="tx1"/>
-                          </a:solidFill>
-                          <a:prstDash val="solid"/>
-                          <a:round/>
-                          <a:headEnd type="none" w="med" len="med"/>
-                          <a:tailEnd type="none" w="med" len="med"/>
-                        </a:lnT>
-                        <a:lnB w="12700" cmpd="sng">
-                          <a:noFill/>
-                        </a:lnB>
-                        <a:lnTlToBr w="12700" cmpd="sng">
-                          <a:noFill/>
-                          <a:prstDash val="solid"/>
-                        </a:lnTlToBr>
-                        <a:lnBlToTr w="12700" cmpd="sng">
-                          <a:noFill/>
-                          <a:prstDash val="solid"/>
-                        </a:lnBlToTr>
-                        <a:noFill/>
-                      </a:tcPr>
-                    </a:tc>
-                    <a:tc>
-                      <a:txBody>
-                        <a:bodyPr/>
-                        <a:lstStyle/>
-                        <a:p>
-                          <a:pPr algn="ctr"/>
-                          <a:r>
-                            <a:rPr lang="en-US" sz="3400" dirty="0"/>
-                            <a:t>60</a:t>
-                          </a:r>
-                          <a:endParaRPr lang="en-GB" sz="3400" dirty="0"/>
-                        </a:p>
-                      </a:txBody>
-                      <a:tcPr anchor="ctr">
-                        <a:lnL w="12700" cap="flat" cmpd="sng" algn="ctr">
-                          <a:solidFill>
-                            <a:schemeClr val="tx1"/>
-                          </a:solidFill>
-                          <a:prstDash val="solid"/>
-                          <a:round/>
-                          <a:headEnd type="none" w="med" len="med"/>
-                          <a:tailEnd type="none" w="med" len="med"/>
-                        </a:lnL>
-                        <a:lnR w="12700" cmpd="sng">
-                          <a:noFill/>
-                        </a:lnR>
-                        <a:lnT w="12700" cap="flat" cmpd="sng" algn="ctr">
-                          <a:solidFill>
-                            <a:schemeClr val="tx1"/>
-                          </a:solidFill>
-                          <a:prstDash val="solid"/>
-                          <a:round/>
-                          <a:headEnd type="none" w="med" len="med"/>
-                          <a:tailEnd type="none" w="med" len="med"/>
-                        </a:lnT>
-                        <a:lnB w="12700" cmpd="sng">
-                          <a:noFill/>
-                        </a:lnB>
-                        <a:lnTlToBr w="12700" cmpd="sng">
-                          <a:noFill/>
-                          <a:prstDash val="solid"/>
-                        </a:lnTlToBr>
-                        <a:lnBlToTr w="12700" cmpd="sng">
-                          <a:noFill/>
-                          <a:prstDash val="solid"/>
-                        </a:lnBlToTr>
-                        <a:noFill/>
-                      </a:tcPr>
-                    </a:tc>
-                    <a:extLst>
-                      <a:ext uri="{0D108BD9-81ED-4DB2-BD59-A6C34878D82A}">
-                        <a16:rowId xmlns:a16="http://schemas.microsoft.com/office/drawing/2014/main" val="3333150796"/>
-                      </a:ext>
-                    </a:extLst>
-                  </a:tr>
-                </a:tbl>
-              </a:graphicData>
-            </a:graphic>
-          </p:graphicFrame>
+                            <m:t>𝑡𝑜𝑡𝑎𝑙</m:t>
+                          </m:r>
+                        </m:den>
+                      </m:f>
+                    </m:oMath>
+                  </m:oMathPara>
+                </a14:m>
+                <a:endParaRPr lang="fr-FR" sz="3400" dirty="0"/>
+              </a:p>
+            </p:txBody>
+          </p:sp>
+        </mc:Choice>
+        <mc:Fallback>
+          <p:sp>
+            <p:nvSpPr>
+              <p:cNvPr id="54" name="TextBox 53">
+                <a:extLst>
+                  <a:ext uri="{FF2B5EF4-FFF2-40B4-BE49-F238E27FC236}">
+                    <a16:creationId xmlns:a16="http://schemas.microsoft.com/office/drawing/2014/main" id="{C2B843D7-71CD-4D5B-A7B9-F6BE4BFB57B2}"/>
+                  </a:ext>
+                </a:extLst>
+              </p:cNvPr>
+              <p:cNvSpPr txBox="1">
+                <a:spLocks noRot="1" noChangeAspect="1" noMove="1" noResize="1" noEditPoints="1" noAdjustHandles="1" noChangeArrowheads="1" noChangeShapeType="1" noTextEdit="1"/>
+              </p:cNvSpPr>
+              <p:nvPr/>
+            </p:nvSpPr>
+            <p:spPr>
+              <a:xfrm>
+                <a:off x="18004071" y="41302777"/>
+                <a:ext cx="4846880" cy="1180003"/>
+              </a:xfrm>
+              <a:prstGeom prst="rect">
+                <a:avLst/>
+              </a:prstGeom>
+              <a:blipFill>
+                <a:blip r:embed="rId23"/>
+                <a:stretch>
+                  <a:fillRect r="-53643"/>
+                </a:stretch>
+              </a:blipFill>
+            </p:spPr>
+            <p:txBody>
+              <a:bodyPr/>
+              <a:lstStyle/>
+              <a:p>
+                <a:r>
+                  <a:rPr lang="fr-FR">
+                    <a:noFill/>
+                  </a:rPr>
+                  <a:t> </a:t>
+                </a:r>
+              </a:p>
+            </p:txBody>
+          </p:sp>
         </mc:Fallback>
       </mc:AlternateContent>
     </p:spTree>

--- a/PDS-INFO-2-G5.pptx
+++ b/PDS-INFO-2-G5.pptx
@@ -5504,7 +5504,27 @@
             </a:r>
             <a:r>
               <a:rPr lang="fr-FR" sz="3800" dirty="0"/>
-              <a:t>achine) avec les techniques d'extraction des caractéristiques SIFT, SURF et ORB</a:t>
+              <a:t>achine) avec les techniques d'extraction de caractéristiques </a:t>
+            </a:r>
+            <a:r>
+              <a:rPr lang="fr-FR" sz="3800" b="1" dirty="0"/>
+              <a:t>SIFT</a:t>
+            </a:r>
+            <a:r>
+              <a:rPr lang="fr-FR" sz="3800" dirty="0"/>
+              <a:t>, </a:t>
+            </a:r>
+            <a:r>
+              <a:rPr lang="fr-FR" sz="3800" b="1" dirty="0"/>
+              <a:t>SURF</a:t>
+            </a:r>
+            <a:r>
+              <a:rPr lang="fr-FR" sz="3800" dirty="0"/>
+              <a:t> et </a:t>
+            </a:r>
+            <a:r>
+              <a:rPr lang="fr-FR" sz="3800" b="1" dirty="0"/>
+              <a:t>ORB</a:t>
             </a:r>
           </a:p>
           <a:p>
@@ -10203,8 +10223,8 @@
           </a:graphicData>
         </a:graphic>
       </p:graphicFrame>
-      <mc:AlternateContent xmlns:mc="http://schemas.openxmlformats.org/markup-compatibility/2006">
-        <mc:Choice xmlns:a14="http://schemas.microsoft.com/office/drawing/2010/main" Requires="a14">
+      <mc:AlternateContent xmlns:mc="http://schemas.openxmlformats.org/markup-compatibility/2006" xmlns:a14="http://schemas.microsoft.com/office/drawing/2010/main">
+        <mc:Choice Requires="a14">
           <p:sp>
             <p:nvSpPr>
               <p:cNvPr id="54" name="TextBox 53">
@@ -10442,7 +10462,7 @@
             </p:txBody>
           </p:sp>
         </mc:Choice>
-        <mc:Fallback>
+        <mc:Fallback xmlns="">
           <p:sp>
             <p:nvSpPr>
               <p:cNvPr id="54" name="TextBox 53">
